--- a/media/Master's thesis.pptx
+++ b/media/Master's thesis.pptx
@@ -369,7 +369,7 @@
             <a:fld id="{8D49A9A6-EEBE-4A10-B375-E3DE23A9130F}" type="datetimeFigureOut">
               <a:rPr lang="en-US" altLang="en-US"/>
               <a:pPr/>
-              <a:t>11/30/2014</a:t>
+              <a:t>12/1/2014</a:t>
             </a:fld>
             <a:endParaRPr lang="en-US" altLang="en-US"/>
           </a:p>
@@ -523,7 +523,7 @@
           <a:effectLst/>
           <a:extLst>
             <a:ext uri="{91240B29-F687-4f45-9708-019B960494DF}">
-              <a14:hiddenLine xmlns:a14="http://schemas.microsoft.com/office/drawing/2010/main" xmlns="" w="9525">
+              <a14:hiddenLine xmlns="" xmlns:a14="http://schemas.microsoft.com/office/drawing/2010/main" w="9525">
                 <a:solidFill>
                   <a:srgbClr val="000000"/>
                 </a:solidFill>
@@ -533,7 +533,7 @@
               </a14:hiddenLine>
             </a:ext>
             <a:ext uri="{AF507438-7753-43e0-B8FC-AC1667EBCBE1}">
-              <a14:hiddenEffects xmlns:a14="http://schemas.microsoft.com/office/drawing/2010/main" xmlns="">
+              <a14:hiddenEffects xmlns="" xmlns:a14="http://schemas.microsoft.com/office/drawing/2010/main">
                 <a:effectLst>
                   <a:outerShdw blurRad="63500" dist="38099" dir="2700000" algn="ctr" rotWithShape="0">
                     <a:srgbClr val="000000">
@@ -585,14 +585,14 @@
           <a:effectLst/>
           <a:extLst>
             <a:ext uri="{909E8E84-426E-40dd-AFC4-6F175D3DCCD1}">
-              <a14:hiddenFill xmlns:a14="http://schemas.microsoft.com/office/drawing/2010/main" xmlns="">
+              <a14:hiddenFill xmlns="" xmlns:a14="http://schemas.microsoft.com/office/drawing/2010/main">
                 <a:solidFill>
                   <a:srgbClr val="FFFFFF"/>
                 </a:solidFill>
               </a14:hiddenFill>
             </a:ext>
             <a:ext uri="{91240B29-F687-4f45-9708-019B960494DF}">
-              <a14:hiddenLine xmlns:a14="http://schemas.microsoft.com/office/drawing/2010/main" xmlns="" w="9525">
+              <a14:hiddenLine xmlns="" xmlns:a14="http://schemas.microsoft.com/office/drawing/2010/main" w="9525">
                 <a:solidFill>
                   <a:srgbClr val="000000"/>
                 </a:solidFill>
@@ -602,7 +602,7 @@
               </a14:hiddenLine>
             </a:ext>
             <a:ext uri="{AF507438-7753-43e0-B8FC-AC1667EBCBE1}">
-              <a14:hiddenEffects xmlns:a14="http://schemas.microsoft.com/office/drawing/2010/main" xmlns="">
+              <a14:hiddenEffects xmlns="" xmlns:a14="http://schemas.microsoft.com/office/drawing/2010/main">
                 <a:effectLst>
                   <a:outerShdw blurRad="63500" dist="38099" dir="2700000" algn="ctr" rotWithShape="0">
                     <a:srgbClr val="000000">
@@ -654,14 +654,14 @@
           <a:effectLst/>
           <a:extLst>
             <a:ext uri="{909E8E84-426E-40dd-AFC4-6F175D3DCCD1}">
-              <a14:hiddenFill xmlns:a14="http://schemas.microsoft.com/office/drawing/2010/main" xmlns="">
+              <a14:hiddenFill xmlns="" xmlns:a14="http://schemas.microsoft.com/office/drawing/2010/main">
                 <a:solidFill>
                   <a:srgbClr val="FFFFFF"/>
                 </a:solidFill>
               </a14:hiddenFill>
             </a:ext>
             <a:ext uri="{91240B29-F687-4f45-9708-019B960494DF}">
-              <a14:hiddenLine xmlns:a14="http://schemas.microsoft.com/office/drawing/2010/main" xmlns="" w="9525">
+              <a14:hiddenLine xmlns="" xmlns:a14="http://schemas.microsoft.com/office/drawing/2010/main" w="9525">
                 <a:solidFill>
                   <a:srgbClr val="000000"/>
                 </a:solidFill>
@@ -671,7 +671,7 @@
               </a14:hiddenLine>
             </a:ext>
             <a:ext uri="{AF507438-7753-43e0-B8FC-AC1667EBCBE1}">
-              <a14:hiddenEffects xmlns:a14="http://schemas.microsoft.com/office/drawing/2010/main" xmlns="">
+              <a14:hiddenEffects xmlns="" xmlns:a14="http://schemas.microsoft.com/office/drawing/2010/main">
                 <a:effectLst>
                   <a:outerShdw blurRad="63500" dist="38099" dir="2700000" algn="ctr" rotWithShape="0">
                     <a:srgbClr val="000000">
@@ -730,14 +730,14 @@
           <a:effectLst/>
           <a:extLst>
             <a:ext uri="{909E8E84-426E-40dd-AFC4-6F175D3DCCD1}">
-              <a14:hiddenFill xmlns:a14="http://schemas.microsoft.com/office/drawing/2010/main" xmlns="">
+              <a14:hiddenFill xmlns="" xmlns:a14="http://schemas.microsoft.com/office/drawing/2010/main">
                 <a:solidFill>
                   <a:srgbClr val="FFFFFF"/>
                 </a:solidFill>
               </a14:hiddenFill>
             </a:ext>
             <a:ext uri="{AF507438-7753-43e0-B8FC-AC1667EBCBE1}">
-              <a14:hiddenEffects xmlns:a14="http://schemas.microsoft.com/office/drawing/2010/main" xmlns="">
+              <a14:hiddenEffects xmlns="" xmlns:a14="http://schemas.microsoft.com/office/drawing/2010/main">
                 <a:effectLst>
                   <a:outerShdw blurRad="63500" dist="38099" dir="2700000" algn="ctr" rotWithShape="0">
                     <a:schemeClr val="bg2">
@@ -748,7 +748,7 @@
               </a14:hiddenEffects>
             </a:ext>
             <a:ext uri="{FAA26D3D-D897-4be2-8F04-BA451C77F1D7}">
-              <ma14:placeholderFlag xmlns:ma14="http://schemas.microsoft.com/office/mac/drawingml/2011/main" xmlns="" val="1"/>
+              <ma14:placeholderFlag xmlns="" xmlns:ma14="http://schemas.microsoft.com/office/mac/drawingml/2011/main" val="1"/>
             </a:ext>
           </a:extLst>
         </p:spPr>
@@ -778,14 +778,14 @@
           <a:effectLst/>
           <a:extLst>
             <a:ext uri="{909E8E84-426E-40dd-AFC4-6F175D3DCCD1}">
-              <a14:hiddenFill xmlns:a14="http://schemas.microsoft.com/office/drawing/2010/main" xmlns="">
+              <a14:hiddenFill xmlns="" xmlns:a14="http://schemas.microsoft.com/office/drawing/2010/main">
                 <a:solidFill>
                   <a:srgbClr val="FFFFFF"/>
                 </a:solidFill>
               </a14:hiddenFill>
             </a:ext>
             <a:ext uri="{91240B29-F687-4f45-9708-019B960494DF}">
-              <a14:hiddenLine xmlns:a14="http://schemas.microsoft.com/office/drawing/2010/main" xmlns="" w="9525">
+              <a14:hiddenLine xmlns="" xmlns:a14="http://schemas.microsoft.com/office/drawing/2010/main" w="9525">
                 <a:solidFill>
                   <a:srgbClr val="000000"/>
                 </a:solidFill>
@@ -795,7 +795,7 @@
               </a14:hiddenLine>
             </a:ext>
             <a:ext uri="{AF507438-7753-43e0-B8FC-AC1667EBCBE1}">
-              <a14:hiddenEffects xmlns:a14="http://schemas.microsoft.com/office/drawing/2010/main" xmlns="">
+              <a14:hiddenEffects xmlns="" xmlns:a14="http://schemas.microsoft.com/office/drawing/2010/main">
                 <a:effectLst>
                   <a:outerShdw blurRad="63500" dist="38099" dir="2700000" algn="ctr" rotWithShape="0">
                     <a:schemeClr val="bg2">
@@ -806,7 +806,7 @@
               </a14:hiddenEffects>
             </a:ext>
             <a:ext uri="{FAA26D3D-D897-4be2-8F04-BA451C77F1D7}">
-              <ma14:placeholderFlag xmlns:ma14="http://schemas.microsoft.com/office/mac/drawingml/2011/main" xmlns="" val="1"/>
+              <ma14:placeholderFlag xmlns="" xmlns:ma14="http://schemas.microsoft.com/office/mac/drawingml/2011/main" val="1"/>
             </a:ext>
           </a:extLst>
         </p:spPr>
@@ -846,14 +846,14 @@
           <a:effectLst/>
           <a:extLst>
             <a:ext uri="{909E8E84-426E-40dd-AFC4-6F175D3DCCD1}">
-              <a14:hiddenFill xmlns:a14="http://schemas.microsoft.com/office/drawing/2010/main" xmlns="">
+              <a14:hiddenFill xmlns="" xmlns:a14="http://schemas.microsoft.com/office/drawing/2010/main">
                 <a:solidFill>
                   <a:srgbClr val="FFFFFF"/>
                 </a:solidFill>
               </a14:hiddenFill>
             </a:ext>
             <a:ext uri="{91240B29-F687-4f45-9708-019B960494DF}">
-              <a14:hiddenLine xmlns:a14="http://schemas.microsoft.com/office/drawing/2010/main" xmlns="" w="9525">
+              <a14:hiddenLine xmlns="" xmlns:a14="http://schemas.microsoft.com/office/drawing/2010/main" w="9525">
                 <a:solidFill>
                   <a:srgbClr val="000000"/>
                 </a:solidFill>
@@ -863,7 +863,7 @@
               </a14:hiddenLine>
             </a:ext>
             <a:ext uri="{AF507438-7753-43e0-B8FC-AC1667EBCBE1}">
-              <a14:hiddenEffects xmlns:a14="http://schemas.microsoft.com/office/drawing/2010/main" xmlns="">
+              <a14:hiddenEffects xmlns="" xmlns:a14="http://schemas.microsoft.com/office/drawing/2010/main">
                 <a:effectLst>
                   <a:outerShdw blurRad="63500" dist="38099" dir="2700000" algn="ctr" rotWithShape="0">
                     <a:srgbClr val="000000">
@@ -917,14 +917,14 @@
           <a:effectLst/>
           <a:extLst>
             <a:ext uri="{909E8E84-426E-40dd-AFC4-6F175D3DCCD1}">
-              <a14:hiddenFill xmlns:a14="http://schemas.microsoft.com/office/drawing/2010/main" xmlns="">
+              <a14:hiddenFill xmlns="" xmlns:a14="http://schemas.microsoft.com/office/drawing/2010/main">
                 <a:solidFill>
                   <a:srgbClr val="FFFFFF"/>
                 </a:solidFill>
               </a14:hiddenFill>
             </a:ext>
             <a:ext uri="{91240B29-F687-4f45-9708-019B960494DF}">
-              <a14:hiddenLine xmlns:a14="http://schemas.microsoft.com/office/drawing/2010/main" xmlns="" w="9525">
+              <a14:hiddenLine xmlns="" xmlns:a14="http://schemas.microsoft.com/office/drawing/2010/main" w="9525">
                 <a:solidFill>
                   <a:srgbClr val="000000"/>
                 </a:solidFill>
@@ -934,7 +934,7 @@
               </a14:hiddenLine>
             </a:ext>
             <a:ext uri="{AF507438-7753-43e0-B8FC-AC1667EBCBE1}">
-              <a14:hiddenEffects xmlns:a14="http://schemas.microsoft.com/office/drawing/2010/main" xmlns="">
+              <a14:hiddenEffects xmlns="" xmlns:a14="http://schemas.microsoft.com/office/drawing/2010/main">
                 <a:effectLst>
                   <a:outerShdw blurRad="63500" dist="38099" dir="2700000" algn="ctr" rotWithShape="0">
                     <a:schemeClr val="bg2">
@@ -945,7 +945,7 @@
               </a14:hiddenEffects>
             </a:ext>
             <a:ext uri="{FAA26D3D-D897-4be2-8F04-BA451C77F1D7}">
-              <ma14:placeholderFlag xmlns:ma14="http://schemas.microsoft.com/office/mac/drawingml/2011/main" xmlns="" val="1"/>
+              <ma14:placeholderFlag xmlns="" xmlns:ma14="http://schemas.microsoft.com/office/mac/drawingml/2011/main" val="1"/>
             </a:ext>
           </a:extLst>
         </p:spPr>
@@ -1181,14 +1181,14 @@
         <p:spPr>
           <a:extLst>
             <a:ext uri="{909E8E84-426E-40dd-AFC4-6F175D3DCCD1}">
-              <a14:hiddenFill xmlns:a14="http://schemas.microsoft.com/office/drawing/2010/main" xmlns="">
+              <a14:hiddenFill xmlns="" xmlns:a14="http://schemas.microsoft.com/office/drawing/2010/main">
                 <a:solidFill>
                   <a:srgbClr val="FFFFFF"/>
                 </a:solidFill>
               </a14:hiddenFill>
             </a:ext>
             <a:ext uri="{91240B29-F687-4f45-9708-019B960494DF}">
-              <a14:hiddenLine xmlns:a14="http://schemas.microsoft.com/office/drawing/2010/main" xmlns="" w="9525">
+              <a14:hiddenLine xmlns="" xmlns:a14="http://schemas.microsoft.com/office/drawing/2010/main" w="9525">
                 <a:solidFill>
                   <a:srgbClr val="000000"/>
                 </a:solidFill>
@@ -1198,7 +1198,7 @@
               </a14:hiddenLine>
             </a:ext>
             <a:ext uri="{AF507438-7753-43e0-B8FC-AC1667EBCBE1}">
-              <a14:hiddenEffects xmlns:a14="http://schemas.microsoft.com/office/drawing/2010/main" xmlns="">
+              <a14:hiddenEffects xmlns="" xmlns:a14="http://schemas.microsoft.com/office/drawing/2010/main">
                 <a:effectLst>
                   <a:outerShdw blurRad="63500" dist="38099" dir="2700000" algn="ctr" rotWithShape="0">
                     <a:schemeClr val="bg2">
@@ -1209,7 +1209,7 @@
               </a14:hiddenEffects>
             </a:ext>
             <a:ext uri="{FAA26D3D-D897-4be2-8F04-BA451C77F1D7}">
-              <ma14:placeholderFlag xmlns:ma14="http://schemas.microsoft.com/office/mac/drawingml/2011/main" xmlns="" val="1"/>
+              <ma14:placeholderFlag xmlns="" xmlns:ma14="http://schemas.microsoft.com/office/mac/drawingml/2011/main" val="1"/>
             </a:ext>
           </a:extLst>
         </p:spPr>
@@ -1556,14 +1556,14 @@
           <a:effectLst/>
           <a:extLst>
             <a:ext uri="{909E8E84-426E-40dd-AFC4-6F175D3DCCD1}">
-              <a14:hiddenFill xmlns:a14="http://schemas.microsoft.com/office/drawing/2010/main" xmlns="">
+              <a14:hiddenFill xmlns="" xmlns:a14="http://schemas.microsoft.com/office/drawing/2010/main">
                 <a:solidFill>
                   <a:srgbClr val="FFFFFF"/>
                 </a:solidFill>
               </a14:hiddenFill>
             </a:ext>
             <a:ext uri="{91240B29-F687-4f45-9708-019B960494DF}">
-              <a14:hiddenLine xmlns:a14="http://schemas.microsoft.com/office/drawing/2010/main" xmlns="" w="9525">
+              <a14:hiddenLine xmlns="" xmlns:a14="http://schemas.microsoft.com/office/drawing/2010/main" w="9525">
                 <a:solidFill>
                   <a:srgbClr val="000000"/>
                 </a:solidFill>
@@ -1573,7 +1573,7 @@
               </a14:hiddenLine>
             </a:ext>
             <a:ext uri="{AF507438-7753-43e0-B8FC-AC1667EBCBE1}">
-              <a14:hiddenEffects xmlns:a14="http://schemas.microsoft.com/office/drawing/2010/main" xmlns="">
+              <a14:hiddenEffects xmlns="" xmlns:a14="http://schemas.microsoft.com/office/drawing/2010/main">
                 <a:effectLst>
                   <a:outerShdw blurRad="63500" dist="38099" dir="2700000" algn="ctr" rotWithShape="0">
                     <a:srgbClr val="000000">
@@ -1918,14 +1918,14 @@
         <p:spPr>
           <a:extLst>
             <a:ext uri="{909E8E84-426E-40dd-AFC4-6F175D3DCCD1}">
-              <a14:hiddenFill xmlns:a14="http://schemas.microsoft.com/office/drawing/2010/main" xmlns="">
+              <a14:hiddenFill xmlns="" xmlns:a14="http://schemas.microsoft.com/office/drawing/2010/main">
                 <a:solidFill>
                   <a:srgbClr val="FFFFFF"/>
                 </a:solidFill>
               </a14:hiddenFill>
             </a:ext>
             <a:ext uri="{91240B29-F687-4f45-9708-019B960494DF}">
-              <a14:hiddenLine xmlns:a14="http://schemas.microsoft.com/office/drawing/2010/main" xmlns="" w="9525">
+              <a14:hiddenLine xmlns="" xmlns:a14="http://schemas.microsoft.com/office/drawing/2010/main" w="9525">
                 <a:solidFill>
                   <a:srgbClr val="000000"/>
                 </a:solidFill>
@@ -1935,7 +1935,7 @@
               </a14:hiddenLine>
             </a:ext>
             <a:ext uri="{AF507438-7753-43e0-B8FC-AC1667EBCBE1}">
-              <a14:hiddenEffects xmlns:a14="http://schemas.microsoft.com/office/drawing/2010/main" xmlns="">
+              <a14:hiddenEffects xmlns="" xmlns:a14="http://schemas.microsoft.com/office/drawing/2010/main">
                 <a:effectLst>
                   <a:outerShdw blurRad="63500" dist="38099" dir="2700000" algn="ctr" rotWithShape="0">
                     <a:schemeClr val="bg2">
@@ -1946,7 +1946,7 @@
               </a14:hiddenEffects>
             </a:ext>
             <a:ext uri="{FAA26D3D-D897-4be2-8F04-BA451C77F1D7}">
-              <ma14:placeholderFlag xmlns:ma14="http://schemas.microsoft.com/office/mac/drawingml/2011/main" xmlns="" val="1"/>
+              <ma14:placeholderFlag xmlns="" xmlns:ma14="http://schemas.microsoft.com/office/mac/drawingml/2011/main" val="1"/>
             </a:ext>
           </a:extLst>
         </p:spPr>
@@ -2298,14 +2298,14 @@
         <p:spPr>
           <a:extLst>
             <a:ext uri="{909E8E84-426E-40dd-AFC4-6F175D3DCCD1}">
-              <a14:hiddenFill xmlns:a14="http://schemas.microsoft.com/office/drawing/2010/main" xmlns="">
+              <a14:hiddenFill xmlns="" xmlns:a14="http://schemas.microsoft.com/office/drawing/2010/main">
                 <a:solidFill>
                   <a:srgbClr val="FFFFFF"/>
                 </a:solidFill>
               </a14:hiddenFill>
             </a:ext>
             <a:ext uri="{91240B29-F687-4f45-9708-019B960494DF}">
-              <a14:hiddenLine xmlns:a14="http://schemas.microsoft.com/office/drawing/2010/main" xmlns="" w="9525">
+              <a14:hiddenLine xmlns="" xmlns:a14="http://schemas.microsoft.com/office/drawing/2010/main" w="9525">
                 <a:solidFill>
                   <a:srgbClr val="000000"/>
                 </a:solidFill>
@@ -2315,7 +2315,7 @@
               </a14:hiddenLine>
             </a:ext>
             <a:ext uri="{AF507438-7753-43e0-B8FC-AC1667EBCBE1}">
-              <a14:hiddenEffects xmlns:a14="http://schemas.microsoft.com/office/drawing/2010/main" xmlns="">
+              <a14:hiddenEffects xmlns="" xmlns:a14="http://schemas.microsoft.com/office/drawing/2010/main">
                 <a:effectLst>
                   <a:outerShdw blurRad="63500" dist="38099" dir="2700000" algn="ctr" rotWithShape="0">
                     <a:schemeClr val="bg2">
@@ -2326,7 +2326,7 @@
               </a14:hiddenEffects>
             </a:ext>
             <a:ext uri="{FAA26D3D-D897-4be2-8F04-BA451C77F1D7}">
-              <ma14:placeholderFlag xmlns:ma14="http://schemas.microsoft.com/office/mac/drawingml/2011/main" xmlns="" val="1"/>
+              <ma14:placeholderFlag xmlns="" xmlns:ma14="http://schemas.microsoft.com/office/mac/drawingml/2011/main" val="1"/>
             </a:ext>
           </a:extLst>
         </p:spPr>
@@ -2678,14 +2678,14 @@
         <p:spPr>
           <a:extLst>
             <a:ext uri="{909E8E84-426E-40dd-AFC4-6F175D3DCCD1}">
-              <a14:hiddenFill xmlns:a14="http://schemas.microsoft.com/office/drawing/2010/main" xmlns="">
+              <a14:hiddenFill xmlns="" xmlns:a14="http://schemas.microsoft.com/office/drawing/2010/main">
                 <a:solidFill>
                   <a:srgbClr val="FFFFFF"/>
                 </a:solidFill>
               </a14:hiddenFill>
             </a:ext>
             <a:ext uri="{91240B29-F687-4f45-9708-019B960494DF}">
-              <a14:hiddenLine xmlns:a14="http://schemas.microsoft.com/office/drawing/2010/main" xmlns="" w="9525">
+              <a14:hiddenLine xmlns="" xmlns:a14="http://schemas.microsoft.com/office/drawing/2010/main" w="9525">
                 <a:solidFill>
                   <a:srgbClr val="000000"/>
                 </a:solidFill>
@@ -2695,7 +2695,7 @@
               </a14:hiddenLine>
             </a:ext>
             <a:ext uri="{AF507438-7753-43e0-B8FC-AC1667EBCBE1}">
-              <a14:hiddenEffects xmlns:a14="http://schemas.microsoft.com/office/drawing/2010/main" xmlns="">
+              <a14:hiddenEffects xmlns="" xmlns:a14="http://schemas.microsoft.com/office/drawing/2010/main">
                 <a:effectLst>
                   <a:outerShdw blurRad="63500" dist="38099" dir="2700000" algn="ctr" rotWithShape="0">
                     <a:schemeClr val="bg2">
@@ -2706,7 +2706,7 @@
               </a14:hiddenEffects>
             </a:ext>
             <a:ext uri="{FAA26D3D-D897-4be2-8F04-BA451C77F1D7}">
-              <ma14:placeholderFlag xmlns:ma14="http://schemas.microsoft.com/office/mac/drawingml/2011/main" xmlns="" val="1"/>
+              <ma14:placeholderFlag xmlns="" xmlns:ma14="http://schemas.microsoft.com/office/mac/drawingml/2011/main" val="1"/>
             </a:ext>
           </a:extLst>
         </p:spPr>
@@ -3140,6 +3140,13 @@
   <p:clrMapOvr>
     <a:masterClrMapping/>
   </p:clrMapOvr>
+  <p:timing>
+    <p:tnLst>
+      <p:par>
+        <p:cTn id="1" dur="indefinite" restart="never" nodeType="tmRoot"/>
+      </p:par>
+    </p:tnLst>
+  </p:timing>
 </p:sldLayout>
 </file>
 
@@ -3245,6 +3252,13 @@
   <p:clrMapOvr>
     <a:masterClrMapping/>
   </p:clrMapOvr>
+  <p:timing>
+    <p:tnLst>
+      <p:par>
+        <p:cTn id="1" dur="indefinite" restart="never" nodeType="tmRoot"/>
+      </p:par>
+    </p:tnLst>
+  </p:timing>
 </p:sldLayout>
 </file>
 
@@ -3465,6 +3479,13 @@
   <p:clrMapOvr>
     <a:masterClrMapping/>
   </p:clrMapOvr>
+  <p:timing>
+    <p:tnLst>
+      <p:par>
+        <p:cTn id="1" dur="indefinite" restart="never" nodeType="tmRoot"/>
+      </p:par>
+    </p:tnLst>
+  </p:timing>
 </p:sldLayout>
 </file>
 
@@ -3592,6 +3613,13 @@
   <p:clrMapOvr>
     <a:masterClrMapping/>
   </p:clrMapOvr>
+  <p:timing>
+    <p:tnLst>
+      <p:par>
+        <p:cTn id="1" dur="indefinite" restart="never" nodeType="tmRoot"/>
+      </p:par>
+    </p:tnLst>
+  </p:timing>
 </p:sldLayout>
 </file>
 
@@ -3815,6 +3843,13 @@
   <p:clrMapOvr>
     <a:masterClrMapping/>
   </p:clrMapOvr>
+  <p:timing>
+    <p:tnLst>
+      <p:par>
+        <p:cTn id="1" dur="indefinite" restart="never" nodeType="tmRoot"/>
+      </p:par>
+    </p:tnLst>
+  </p:timing>
 </p:sldLayout>
 </file>
 
@@ -4177,6 +4212,13 @@
   <p:clrMapOvr>
     <a:masterClrMapping/>
   </p:clrMapOvr>
+  <p:timing>
+    <p:tnLst>
+      <p:par>
+        <p:cTn id="1" dur="indefinite" restart="never" nodeType="tmRoot"/>
+      </p:par>
+    </p:tnLst>
+  </p:timing>
 </p:sldLayout>
 </file>
 
@@ -4230,6 +4272,13 @@
   <p:clrMapOvr>
     <a:masterClrMapping/>
   </p:clrMapOvr>
+  <p:timing>
+    <p:tnLst>
+      <p:par>
+        <p:cTn id="1" dur="indefinite" restart="never" nodeType="tmRoot"/>
+      </p:par>
+    </p:tnLst>
+  </p:timing>
 </p:sldLayout>
 </file>
 
@@ -4260,6 +4309,13 @@
   <p:clrMapOvr>
     <a:masterClrMapping/>
   </p:clrMapOvr>
+  <p:timing>
+    <p:tnLst>
+      <p:par>
+        <p:cTn id="1" dur="indefinite" restart="never" nodeType="tmRoot"/>
+      </p:par>
+    </p:tnLst>
+  </p:timing>
 </p:sldLayout>
 </file>
 
@@ -4472,6 +4528,13 @@
   <p:clrMapOvr>
     <a:masterClrMapping/>
   </p:clrMapOvr>
+  <p:timing>
+    <p:tnLst>
+      <p:par>
+        <p:cTn id="1" dur="indefinite" restart="never" nodeType="tmRoot"/>
+      </p:par>
+    </p:tnLst>
+  </p:timing>
 </p:sldLayout>
 </file>
 
@@ -4661,6 +4724,13 @@
   <p:clrMapOvr>
     <a:masterClrMapping/>
   </p:clrMapOvr>
+  <p:timing>
+    <p:tnLst>
+      <p:par>
+        <p:cTn id="1" dur="indefinite" restart="never" nodeType="tmRoot"/>
+      </p:par>
+    </p:tnLst>
+  </p:timing>
 </p:sldLayout>
 </file>
 
@@ -4714,14 +4784,14 @@
           <a:effectLst/>
           <a:extLst>
             <a:ext uri="{909E8E84-426E-40dd-AFC4-6F175D3DCCD1}">
-              <a14:hiddenFill xmlns:a14="http://schemas.microsoft.com/office/drawing/2010/main" xmlns="">
+              <a14:hiddenFill xmlns="" xmlns:a14="http://schemas.microsoft.com/office/drawing/2010/main">
                 <a:solidFill>
                   <a:srgbClr val="FFFFFF"/>
                 </a:solidFill>
               </a14:hiddenFill>
             </a:ext>
             <a:ext uri="{91240B29-F687-4f45-9708-019B960494DF}">
-              <a14:hiddenLine xmlns:a14="http://schemas.microsoft.com/office/drawing/2010/main" xmlns="" w="9525">
+              <a14:hiddenLine xmlns="" xmlns:a14="http://schemas.microsoft.com/office/drawing/2010/main" w="9525">
                 <a:solidFill>
                   <a:srgbClr val="000000"/>
                 </a:solidFill>
@@ -4731,7 +4801,7 @@
               </a14:hiddenLine>
             </a:ext>
             <a:ext uri="{AF507438-7753-43e0-B8FC-AC1667EBCBE1}">
-              <a14:hiddenEffects xmlns:a14="http://schemas.microsoft.com/office/drawing/2010/main" xmlns="">
+              <a14:hiddenEffects xmlns="" xmlns:a14="http://schemas.microsoft.com/office/drawing/2010/main">
                 <a:effectLst>
                   <a:outerShdw blurRad="63500" dist="38099" dir="2700000" algn="ctr" rotWithShape="0">
                     <a:schemeClr val="bg2">
@@ -4742,7 +4812,7 @@
               </a14:hiddenEffects>
             </a:ext>
             <a:ext uri="{FAA26D3D-D897-4be2-8F04-BA451C77F1D7}">
-              <ma14:placeholderFlag xmlns:ma14="http://schemas.microsoft.com/office/mac/drawingml/2011/main" xmlns="" val="1"/>
+              <ma14:placeholderFlag xmlns="" xmlns:ma14="http://schemas.microsoft.com/office/mac/drawingml/2011/main" val="1"/>
             </a:ext>
           </a:extLst>
         </p:spPr>
@@ -4787,14 +4857,14 @@
           <a:effectLst/>
           <a:extLst>
             <a:ext uri="{909E8E84-426E-40dd-AFC4-6F175D3DCCD1}">
-              <a14:hiddenFill xmlns:a14="http://schemas.microsoft.com/office/drawing/2010/main" xmlns="">
+              <a14:hiddenFill xmlns="" xmlns:a14="http://schemas.microsoft.com/office/drawing/2010/main">
                 <a:solidFill>
                   <a:srgbClr val="FFFFFF"/>
                 </a:solidFill>
               </a14:hiddenFill>
             </a:ext>
             <a:ext uri="{91240B29-F687-4f45-9708-019B960494DF}">
-              <a14:hiddenLine xmlns:a14="http://schemas.microsoft.com/office/drawing/2010/main" xmlns="" w="9525">
+              <a14:hiddenLine xmlns="" xmlns:a14="http://schemas.microsoft.com/office/drawing/2010/main" w="9525">
                 <a:solidFill>
                   <a:srgbClr val="000000"/>
                 </a:solidFill>
@@ -4804,7 +4874,7 @@
               </a14:hiddenLine>
             </a:ext>
             <a:ext uri="{AF507438-7753-43e0-B8FC-AC1667EBCBE1}">
-              <a14:hiddenEffects xmlns:a14="http://schemas.microsoft.com/office/drawing/2010/main" xmlns="">
+              <a14:hiddenEffects xmlns="" xmlns:a14="http://schemas.microsoft.com/office/drawing/2010/main">
                 <a:effectLst>
                   <a:outerShdw blurRad="63500" dist="38099" dir="2700000" algn="ctr" rotWithShape="0">
                     <a:schemeClr val="bg2">
@@ -4815,7 +4885,7 @@
               </a14:hiddenEffects>
             </a:ext>
             <a:ext uri="{FAA26D3D-D897-4be2-8F04-BA451C77F1D7}">
-              <ma14:placeholderFlag xmlns:ma14="http://schemas.microsoft.com/office/mac/drawingml/2011/main" xmlns="" val="1"/>
+              <ma14:placeholderFlag xmlns="" xmlns:ma14="http://schemas.microsoft.com/office/mac/drawingml/2011/main" val="1"/>
             </a:ext>
           </a:extLst>
         </p:spPr>
@@ -4916,7 +4986,7 @@
           <a:effectLst/>
           <a:extLst>
             <a:ext uri="{91240B29-F687-4f45-9708-019B960494DF}">
-              <a14:hiddenLine xmlns:a14="http://schemas.microsoft.com/office/drawing/2010/main" xmlns="" w="9525">
+              <a14:hiddenLine xmlns="" xmlns:a14="http://schemas.microsoft.com/office/drawing/2010/main" w="9525">
                 <a:solidFill>
                   <a:srgbClr val="000000"/>
                 </a:solidFill>
@@ -4926,7 +4996,7 @@
               </a14:hiddenLine>
             </a:ext>
             <a:ext uri="{AF507438-7753-43e0-B8FC-AC1667EBCBE1}">
-              <a14:hiddenEffects xmlns:a14="http://schemas.microsoft.com/office/drawing/2010/main" xmlns="">
+              <a14:hiddenEffects xmlns="" xmlns:a14="http://schemas.microsoft.com/office/drawing/2010/main">
                 <a:effectLst>
                   <a:outerShdw blurRad="63500" dist="38099" dir="2700000" algn="ctr" rotWithShape="0">
                     <a:srgbClr val="000000">
@@ -4979,7 +5049,7 @@
           <a:effectLst/>
           <a:extLst>
             <a:ext uri="{91240B29-F687-4f45-9708-019B960494DF}">
-              <a14:hiddenLine xmlns:a14="http://schemas.microsoft.com/office/drawing/2010/main" xmlns="" w="9525">
+              <a14:hiddenLine xmlns="" xmlns:a14="http://schemas.microsoft.com/office/drawing/2010/main" w="9525">
                 <a:solidFill>
                   <a:srgbClr val="000000"/>
                 </a:solidFill>
@@ -4989,7 +5059,7 @@
               </a14:hiddenLine>
             </a:ext>
             <a:ext uri="{AF507438-7753-43e0-B8FC-AC1667EBCBE1}">
-              <a14:hiddenEffects xmlns:a14="http://schemas.microsoft.com/office/drawing/2010/main" xmlns="">
+              <a14:hiddenEffects xmlns="" xmlns:a14="http://schemas.microsoft.com/office/drawing/2010/main">
                 <a:effectLst>
                   <a:outerShdw blurRad="63500" dist="38099" dir="2700000" algn="ctr" rotWithShape="0">
                     <a:srgbClr val="000000">
@@ -5042,7 +5112,7 @@
           <a:effectLst/>
           <a:extLst>
             <a:ext uri="{91240B29-F687-4f45-9708-019B960494DF}">
-              <a14:hiddenLine xmlns:a14="http://schemas.microsoft.com/office/drawing/2010/main" xmlns="" w="9525">
+              <a14:hiddenLine xmlns="" xmlns:a14="http://schemas.microsoft.com/office/drawing/2010/main" w="9525">
                 <a:solidFill>
                   <a:srgbClr val="000000"/>
                 </a:solidFill>
@@ -5052,7 +5122,7 @@
               </a14:hiddenLine>
             </a:ext>
             <a:ext uri="{AF507438-7753-43e0-B8FC-AC1667EBCBE1}">
-              <a14:hiddenEffects xmlns:a14="http://schemas.microsoft.com/office/drawing/2010/main" xmlns="">
+              <a14:hiddenEffects xmlns="" xmlns:a14="http://schemas.microsoft.com/office/drawing/2010/main">
                 <a:effectLst>
                   <a:outerShdw blurRad="63500" dist="38099" dir="2700000" algn="ctr" rotWithShape="0">
                     <a:srgbClr val="000000">
@@ -5077,409 +5147,6 @@
               <a:latin typeface="Arial" charset="0"/>
               <a:ea typeface="ＭＳ Ｐゴシック" charset="0"/>
             </a:endParaRPr>
-          </a:p>
-        </p:txBody>
-      </p:sp>
-      <p:sp>
-        <p:nvSpPr>
-          <p:cNvPr id="1030" name="Rectangle 6"/>
-          <p:cNvSpPr>
-            <a:spLocks noChangeArrowheads="1"/>
-          </p:cNvSpPr>
-          <p:nvPr/>
-        </p:nvSpPr>
-        <p:spPr bwMode="auto">
-          <a:xfrm>
-            <a:off x="0" y="6629400"/>
-            <a:ext cx="5486400" cy="228600"/>
-          </a:xfrm>
-          <a:prstGeom prst="rect">
-            <a:avLst/>
-          </a:prstGeom>
-          <a:solidFill>
-            <a:srgbClr val="000000"/>
-          </a:solidFill>
-          <a:ln>
-            <a:noFill/>
-          </a:ln>
-          <a:effectLst/>
-          <a:extLst>
-            <a:ext uri="{91240B29-F687-4f45-9708-019B960494DF}">
-              <a14:hiddenLine xmlns:a14="http://schemas.microsoft.com/office/drawing/2010/main" xmlns="" w="9525">
-                <a:solidFill>
-                  <a:srgbClr val="000000"/>
-                </a:solidFill>
-                <a:round/>
-                <a:headEnd/>
-                <a:tailEnd/>
-              </a14:hiddenLine>
-            </a:ext>
-            <a:ext uri="{AF507438-7753-43e0-B8FC-AC1667EBCBE1}">
-              <a14:hiddenEffects xmlns:a14="http://schemas.microsoft.com/office/drawing/2010/main" xmlns="">
-                <a:effectLst>
-                  <a:outerShdw blurRad="63500" dist="38099" dir="2700000" algn="ctr" rotWithShape="0">
-                    <a:srgbClr val="000000">
-                      <a:alpha val="74997"/>
-                    </a:srgbClr>
-                  </a:outerShdw>
-                </a:effectLst>
-              </a14:hiddenEffects>
-            </a:ext>
-          </a:extLst>
-        </p:spPr>
-        <p:txBody>
-          <a:bodyPr wrap="none" lIns="90000" tIns="46800" rIns="90000" bIns="46800" anchor="ctr"/>
-          <a:lstStyle/>
-          <a:p>
-            <a:pPr>
-              <a:buClrTx/>
-              <a:buFontTx/>
-              <a:buNone/>
-              <a:tabLst>
-                <a:tab pos="0" algn="l"/>
-                <a:tab pos="914400" algn="l"/>
-                <a:tab pos="1828800" algn="l"/>
-                <a:tab pos="2743200" algn="l"/>
-                <a:tab pos="3657600" algn="l"/>
-                <a:tab pos="4572000" algn="l"/>
-                <a:tab pos="5486400" algn="l"/>
-                <a:tab pos="6400800" algn="l"/>
-                <a:tab pos="7315200" algn="l"/>
-                <a:tab pos="8229600" algn="l"/>
-                <a:tab pos="9144000" algn="l"/>
-                <a:tab pos="10058400" algn="l"/>
-              </a:tabLst>
-              <a:defRPr/>
-            </a:pPr>
-            <a:r>
-              <a:rPr lang="en-US" sz="1400" b="1" dirty="0">
-                <a:solidFill>
-                  <a:srgbClr val="FFFFFF"/>
-                </a:solidFill>
-                <a:latin typeface="Arial" charset="0"/>
-                <a:ea typeface="ＭＳ Ｐゴシック" charset="0"/>
-              </a:rPr>
-              <a:t>Hong-hoe Kim, Tracy Hammond</a:t>
-            </a:r>
-          </a:p>
-        </p:txBody>
-      </p:sp>
-      <p:sp>
-        <p:nvSpPr>
-          <p:cNvPr id="1031" name="Rectangle 7"/>
-          <p:cNvSpPr>
-            <a:spLocks noChangeArrowheads="1"/>
-          </p:cNvSpPr>
-          <p:nvPr/>
-        </p:nvSpPr>
-        <p:spPr bwMode="auto">
-          <a:xfrm>
-            <a:off x="5519738" y="6629400"/>
-            <a:ext cx="3624262" cy="228600"/>
-          </a:xfrm>
-          <a:prstGeom prst="rect">
-            <a:avLst/>
-          </a:prstGeom>
-          <a:solidFill>
-            <a:srgbClr val="800000"/>
-          </a:solidFill>
-          <a:ln>
-            <a:noFill/>
-          </a:ln>
-          <a:effectLst/>
-          <a:extLst>
-            <a:ext uri="{91240B29-F687-4f45-9708-019B960494DF}">
-              <a14:hiddenLine xmlns:a14="http://schemas.microsoft.com/office/drawing/2010/main" xmlns="" w="9525">
-                <a:solidFill>
-                  <a:srgbClr val="000000"/>
-                </a:solidFill>
-                <a:round/>
-                <a:headEnd/>
-                <a:tailEnd/>
-              </a14:hiddenLine>
-            </a:ext>
-            <a:ext uri="{AF507438-7753-43e0-B8FC-AC1667EBCBE1}">
-              <a14:hiddenEffects xmlns:a14="http://schemas.microsoft.com/office/drawing/2010/main" xmlns="">
-                <a:effectLst>
-                  <a:outerShdw blurRad="63500" dist="38099" dir="2700000" algn="ctr" rotWithShape="0">
-                    <a:srgbClr val="000000">
-                      <a:alpha val="74997"/>
-                    </a:srgbClr>
-                  </a:outerShdw>
-                </a:effectLst>
-              </a14:hiddenEffects>
-            </a:ext>
-          </a:extLst>
-        </p:spPr>
-        <p:txBody>
-          <a:bodyPr wrap="none" lIns="90000" tIns="46800" rIns="90000" bIns="46800" anchor="ctr"/>
-          <a:lstStyle>
-            <a:lvl1pPr eaLnBrk="0" hangingPunct="0">
-              <a:tabLst>
-                <a:tab pos="0" algn="l"/>
-                <a:tab pos="914400" algn="l"/>
-                <a:tab pos="1828800" algn="l"/>
-                <a:tab pos="2743200" algn="l"/>
-                <a:tab pos="3657600" algn="l"/>
-                <a:tab pos="4572000" algn="l"/>
-                <a:tab pos="5486400" algn="l"/>
-                <a:tab pos="6400800" algn="l"/>
-                <a:tab pos="7315200" algn="l"/>
-                <a:tab pos="8229600" algn="l"/>
-                <a:tab pos="9144000" algn="l"/>
-                <a:tab pos="10058400" algn="l"/>
-              </a:tabLst>
-              <a:defRPr sz="2400">
-                <a:solidFill>
-                  <a:schemeClr val="bg1"/>
-                </a:solidFill>
-                <a:latin typeface="Arial" panose="020B0604020202020204" pitchFamily="34" charset="0"/>
-                <a:ea typeface="ＭＳ Ｐゴシック" panose="020B0600070205080204" pitchFamily="34" charset="-128"/>
-              </a:defRPr>
-            </a:lvl1pPr>
-            <a:lvl2pPr eaLnBrk="0" hangingPunct="0">
-              <a:tabLst>
-                <a:tab pos="0" algn="l"/>
-                <a:tab pos="914400" algn="l"/>
-                <a:tab pos="1828800" algn="l"/>
-                <a:tab pos="2743200" algn="l"/>
-                <a:tab pos="3657600" algn="l"/>
-                <a:tab pos="4572000" algn="l"/>
-                <a:tab pos="5486400" algn="l"/>
-                <a:tab pos="6400800" algn="l"/>
-                <a:tab pos="7315200" algn="l"/>
-                <a:tab pos="8229600" algn="l"/>
-                <a:tab pos="9144000" algn="l"/>
-                <a:tab pos="10058400" algn="l"/>
-              </a:tabLst>
-              <a:defRPr sz="2400">
-                <a:solidFill>
-                  <a:schemeClr val="bg1"/>
-                </a:solidFill>
-                <a:latin typeface="Arial" panose="020B0604020202020204" pitchFamily="34" charset="0"/>
-                <a:ea typeface="ＭＳ Ｐゴシック" panose="020B0600070205080204" pitchFamily="34" charset="-128"/>
-              </a:defRPr>
-            </a:lvl2pPr>
-            <a:lvl3pPr eaLnBrk="0" hangingPunct="0">
-              <a:tabLst>
-                <a:tab pos="0" algn="l"/>
-                <a:tab pos="914400" algn="l"/>
-                <a:tab pos="1828800" algn="l"/>
-                <a:tab pos="2743200" algn="l"/>
-                <a:tab pos="3657600" algn="l"/>
-                <a:tab pos="4572000" algn="l"/>
-                <a:tab pos="5486400" algn="l"/>
-                <a:tab pos="6400800" algn="l"/>
-                <a:tab pos="7315200" algn="l"/>
-                <a:tab pos="8229600" algn="l"/>
-                <a:tab pos="9144000" algn="l"/>
-                <a:tab pos="10058400" algn="l"/>
-              </a:tabLst>
-              <a:defRPr sz="2400">
-                <a:solidFill>
-                  <a:schemeClr val="bg1"/>
-                </a:solidFill>
-                <a:latin typeface="Arial" panose="020B0604020202020204" pitchFamily="34" charset="0"/>
-                <a:ea typeface="ＭＳ Ｐゴシック" panose="020B0600070205080204" pitchFamily="34" charset="-128"/>
-              </a:defRPr>
-            </a:lvl3pPr>
-            <a:lvl4pPr eaLnBrk="0" hangingPunct="0">
-              <a:tabLst>
-                <a:tab pos="0" algn="l"/>
-                <a:tab pos="914400" algn="l"/>
-                <a:tab pos="1828800" algn="l"/>
-                <a:tab pos="2743200" algn="l"/>
-                <a:tab pos="3657600" algn="l"/>
-                <a:tab pos="4572000" algn="l"/>
-                <a:tab pos="5486400" algn="l"/>
-                <a:tab pos="6400800" algn="l"/>
-                <a:tab pos="7315200" algn="l"/>
-                <a:tab pos="8229600" algn="l"/>
-                <a:tab pos="9144000" algn="l"/>
-                <a:tab pos="10058400" algn="l"/>
-              </a:tabLst>
-              <a:defRPr sz="2400">
-                <a:solidFill>
-                  <a:schemeClr val="bg1"/>
-                </a:solidFill>
-                <a:latin typeface="Arial" panose="020B0604020202020204" pitchFamily="34" charset="0"/>
-                <a:ea typeface="ＭＳ Ｐゴシック" panose="020B0600070205080204" pitchFamily="34" charset="-128"/>
-              </a:defRPr>
-            </a:lvl4pPr>
-            <a:lvl5pPr eaLnBrk="0" hangingPunct="0">
-              <a:tabLst>
-                <a:tab pos="0" algn="l"/>
-                <a:tab pos="914400" algn="l"/>
-                <a:tab pos="1828800" algn="l"/>
-                <a:tab pos="2743200" algn="l"/>
-                <a:tab pos="3657600" algn="l"/>
-                <a:tab pos="4572000" algn="l"/>
-                <a:tab pos="5486400" algn="l"/>
-                <a:tab pos="6400800" algn="l"/>
-                <a:tab pos="7315200" algn="l"/>
-                <a:tab pos="8229600" algn="l"/>
-                <a:tab pos="9144000" algn="l"/>
-                <a:tab pos="10058400" algn="l"/>
-              </a:tabLst>
-              <a:defRPr sz="2400">
-                <a:solidFill>
-                  <a:schemeClr val="bg1"/>
-                </a:solidFill>
-                <a:latin typeface="Arial" panose="020B0604020202020204" pitchFamily="34" charset="0"/>
-                <a:ea typeface="ＭＳ Ｐゴシック" panose="020B0600070205080204" pitchFamily="34" charset="-128"/>
-              </a:defRPr>
-            </a:lvl5pPr>
-            <a:lvl6pPr marL="2514600" indent="-228600" defTabSz="457200" eaLnBrk="0" fontAlgn="base" hangingPunct="0">
-              <a:spcBef>
-                <a:spcPct val="0"/>
-              </a:spcBef>
-              <a:spcAft>
-                <a:spcPct val="0"/>
-              </a:spcAft>
-              <a:buClr>
-                <a:srgbClr val="000000"/>
-              </a:buClr>
-              <a:buSzPct val="100000"/>
-              <a:buFont typeface="Times New Roman" panose="02020603050405020304" pitchFamily="18" charset="0"/>
-              <a:tabLst>
-                <a:tab pos="0" algn="l"/>
-                <a:tab pos="914400" algn="l"/>
-                <a:tab pos="1828800" algn="l"/>
-                <a:tab pos="2743200" algn="l"/>
-                <a:tab pos="3657600" algn="l"/>
-                <a:tab pos="4572000" algn="l"/>
-                <a:tab pos="5486400" algn="l"/>
-                <a:tab pos="6400800" algn="l"/>
-                <a:tab pos="7315200" algn="l"/>
-                <a:tab pos="8229600" algn="l"/>
-                <a:tab pos="9144000" algn="l"/>
-                <a:tab pos="10058400" algn="l"/>
-              </a:tabLst>
-              <a:defRPr sz="2400">
-                <a:solidFill>
-                  <a:schemeClr val="bg1"/>
-                </a:solidFill>
-                <a:latin typeface="Arial" panose="020B0604020202020204" pitchFamily="34" charset="0"/>
-                <a:ea typeface="ＭＳ Ｐゴシック" panose="020B0600070205080204" pitchFamily="34" charset="-128"/>
-              </a:defRPr>
-            </a:lvl6pPr>
-            <a:lvl7pPr marL="2971800" indent="-228600" defTabSz="457200" eaLnBrk="0" fontAlgn="base" hangingPunct="0">
-              <a:spcBef>
-                <a:spcPct val="0"/>
-              </a:spcBef>
-              <a:spcAft>
-                <a:spcPct val="0"/>
-              </a:spcAft>
-              <a:buClr>
-                <a:srgbClr val="000000"/>
-              </a:buClr>
-              <a:buSzPct val="100000"/>
-              <a:buFont typeface="Times New Roman" panose="02020603050405020304" pitchFamily="18" charset="0"/>
-              <a:tabLst>
-                <a:tab pos="0" algn="l"/>
-                <a:tab pos="914400" algn="l"/>
-                <a:tab pos="1828800" algn="l"/>
-                <a:tab pos="2743200" algn="l"/>
-                <a:tab pos="3657600" algn="l"/>
-                <a:tab pos="4572000" algn="l"/>
-                <a:tab pos="5486400" algn="l"/>
-                <a:tab pos="6400800" algn="l"/>
-                <a:tab pos="7315200" algn="l"/>
-                <a:tab pos="8229600" algn="l"/>
-                <a:tab pos="9144000" algn="l"/>
-                <a:tab pos="10058400" algn="l"/>
-              </a:tabLst>
-              <a:defRPr sz="2400">
-                <a:solidFill>
-                  <a:schemeClr val="bg1"/>
-                </a:solidFill>
-                <a:latin typeface="Arial" panose="020B0604020202020204" pitchFamily="34" charset="0"/>
-                <a:ea typeface="ＭＳ Ｐゴシック" panose="020B0600070205080204" pitchFamily="34" charset="-128"/>
-              </a:defRPr>
-            </a:lvl7pPr>
-            <a:lvl8pPr marL="3429000" indent="-228600" defTabSz="457200" eaLnBrk="0" fontAlgn="base" hangingPunct="0">
-              <a:spcBef>
-                <a:spcPct val="0"/>
-              </a:spcBef>
-              <a:spcAft>
-                <a:spcPct val="0"/>
-              </a:spcAft>
-              <a:buClr>
-                <a:srgbClr val="000000"/>
-              </a:buClr>
-              <a:buSzPct val="100000"/>
-              <a:buFont typeface="Times New Roman" panose="02020603050405020304" pitchFamily="18" charset="0"/>
-              <a:tabLst>
-                <a:tab pos="0" algn="l"/>
-                <a:tab pos="914400" algn="l"/>
-                <a:tab pos="1828800" algn="l"/>
-                <a:tab pos="2743200" algn="l"/>
-                <a:tab pos="3657600" algn="l"/>
-                <a:tab pos="4572000" algn="l"/>
-                <a:tab pos="5486400" algn="l"/>
-                <a:tab pos="6400800" algn="l"/>
-                <a:tab pos="7315200" algn="l"/>
-                <a:tab pos="8229600" algn="l"/>
-                <a:tab pos="9144000" algn="l"/>
-                <a:tab pos="10058400" algn="l"/>
-              </a:tabLst>
-              <a:defRPr sz="2400">
-                <a:solidFill>
-                  <a:schemeClr val="bg1"/>
-                </a:solidFill>
-                <a:latin typeface="Arial" panose="020B0604020202020204" pitchFamily="34" charset="0"/>
-                <a:ea typeface="ＭＳ Ｐゴシック" panose="020B0600070205080204" pitchFamily="34" charset="-128"/>
-              </a:defRPr>
-            </a:lvl8pPr>
-            <a:lvl9pPr marL="3886200" indent="-228600" defTabSz="457200" eaLnBrk="0" fontAlgn="base" hangingPunct="0">
-              <a:spcBef>
-                <a:spcPct val="0"/>
-              </a:spcBef>
-              <a:spcAft>
-                <a:spcPct val="0"/>
-              </a:spcAft>
-              <a:buClr>
-                <a:srgbClr val="000000"/>
-              </a:buClr>
-              <a:buSzPct val="100000"/>
-              <a:buFont typeface="Times New Roman" panose="02020603050405020304" pitchFamily="18" charset="0"/>
-              <a:tabLst>
-                <a:tab pos="0" algn="l"/>
-                <a:tab pos="914400" algn="l"/>
-                <a:tab pos="1828800" algn="l"/>
-                <a:tab pos="2743200" algn="l"/>
-                <a:tab pos="3657600" algn="l"/>
-                <a:tab pos="4572000" algn="l"/>
-                <a:tab pos="5486400" algn="l"/>
-                <a:tab pos="6400800" algn="l"/>
-                <a:tab pos="7315200" algn="l"/>
-                <a:tab pos="8229600" algn="l"/>
-                <a:tab pos="9144000" algn="l"/>
-                <a:tab pos="10058400" algn="l"/>
-              </a:tabLst>
-              <a:defRPr sz="2400">
-                <a:solidFill>
-                  <a:schemeClr val="bg1"/>
-                </a:solidFill>
-                <a:latin typeface="Arial" panose="020B0604020202020204" pitchFamily="34" charset="0"/>
-                <a:ea typeface="ＭＳ Ｐゴシック" panose="020B0600070205080204" pitchFamily="34" charset="-128"/>
-              </a:defRPr>
-            </a:lvl9pPr>
-          </a:lstStyle>
-          <a:p>
-            <a:pPr eaLnBrk="1" hangingPunct="1">
-              <a:buClrTx/>
-              <a:buFontTx/>
-              <a:buNone/>
-            </a:pPr>
-            <a:r>
-              <a:rPr lang="en-US" altLang="en-US" sz="1400" b="1">
-                <a:solidFill>
-                  <a:srgbClr val="FFFFFF"/>
-                </a:solidFill>
-              </a:rPr>
-              <a:t>Analysis of children’s sketches</a:t>
-            </a:r>
           </a:p>
         </p:txBody>
       </p:sp>
@@ -5519,7 +5186,7 @@
           <a:effectLst/>
           <a:extLst>
             <a:ext uri="{909E8E84-426E-40dd-AFC4-6F175D3DCCD1}">
-              <a14:hiddenFill xmlns:a14="http://schemas.microsoft.com/office/drawing/2010/main" xmlns="">
+              <a14:hiddenFill xmlns="" xmlns:a14="http://schemas.microsoft.com/office/drawing/2010/main">
                 <a:blipFill dpi="0" rotWithShape="0">
                   <a:blip xmlns:r="http://schemas.openxmlformats.org/officeDocument/2006/relationships"/>
                   <a:srcRect/>
@@ -5530,7 +5197,7 @@
               </a14:hiddenFill>
             </a:ext>
             <a:ext uri="{91240B29-F687-4f45-9708-019B960494DF}">
-              <a14:hiddenLine xmlns:a14="http://schemas.microsoft.com/office/drawing/2010/main" xmlns="" w="9525">
+              <a14:hiddenLine xmlns="" xmlns:a14="http://schemas.microsoft.com/office/drawing/2010/main" w="9525">
                 <a:solidFill>
                   <a:srgbClr val="000000"/>
                 </a:solidFill>
@@ -5540,7 +5207,7 @@
               </a14:hiddenLine>
             </a:ext>
             <a:ext uri="{AF507438-7753-43e0-B8FC-AC1667EBCBE1}">
-              <a14:hiddenEffects xmlns:a14="http://schemas.microsoft.com/office/drawing/2010/main" xmlns="">
+              <a14:hiddenEffects xmlns="" xmlns:a14="http://schemas.microsoft.com/office/drawing/2010/main">
                 <a:effectLst>
                   <a:outerShdw blurRad="63500" dist="38099" dir="2700000" algn="ctr" rotWithShape="0">
                     <a:srgbClr val="000000">
@@ -5576,14 +5243,14 @@
           <a:effectLst/>
           <a:extLst>
             <a:ext uri="{909E8E84-426E-40dd-AFC4-6F175D3DCCD1}">
-              <a14:hiddenFill xmlns:a14="http://schemas.microsoft.com/office/drawing/2010/main" xmlns="">
+              <a14:hiddenFill xmlns="" xmlns:a14="http://schemas.microsoft.com/office/drawing/2010/main">
                 <a:solidFill>
                   <a:srgbClr val="FFFFFF"/>
                 </a:solidFill>
               </a14:hiddenFill>
             </a:ext>
             <a:ext uri="{91240B29-F687-4f45-9708-019B960494DF}">
-              <a14:hiddenLine xmlns:a14="http://schemas.microsoft.com/office/drawing/2010/main" xmlns="" w="9525">
+              <a14:hiddenLine xmlns="" xmlns:a14="http://schemas.microsoft.com/office/drawing/2010/main" w="9525">
                 <a:solidFill>
                   <a:srgbClr val="000000"/>
                 </a:solidFill>
@@ -5593,7 +5260,7 @@
               </a14:hiddenLine>
             </a:ext>
             <a:ext uri="{AF507438-7753-43e0-B8FC-AC1667EBCBE1}">
-              <a14:hiddenEffects xmlns:a14="http://schemas.microsoft.com/office/drawing/2010/main" xmlns="">
+              <a14:hiddenEffects xmlns="" xmlns:a14="http://schemas.microsoft.com/office/drawing/2010/main">
                 <a:effectLst>
                   <a:outerShdw blurRad="63500" dist="38099" dir="2700000" algn="ctr" rotWithShape="0">
                     <a:srgbClr val="000000">
@@ -5895,6 +5562,13 @@
     <p:sldLayoutId id="2147483659" r:id="rId10"/>
     <p:sldLayoutId id="2147483660" r:id="rId11"/>
   </p:sldLayoutIdLst>
+  <p:timing>
+    <p:tnLst>
+      <p:par>
+        <p:cTn id="1" dur="indefinite" restart="never" nodeType="tmRoot"/>
+      </p:par>
+    </p:tnLst>
+  </p:timing>
   <p:hf hdr="0" ftr="0" dt="0"/>
   <p:txStyles>
     <p:titleStyle>
@@ -6552,11 +6226,11 @@
   <p:clrMapOvr>
     <a:masterClrMapping/>
   </p:clrMapOvr>
-  <mc:AlternateContent xmlns:mc="http://schemas.openxmlformats.org/markup-compatibility/2006">
-    <mc:Choice xmlns:p14="http://schemas.microsoft.com/office/powerpoint/2010/main" Requires="p14">
+  <mc:AlternateContent xmlns:mc="http://schemas.openxmlformats.org/markup-compatibility/2006" xmlns:p14="http://schemas.microsoft.com/office/powerpoint/2010/main">
+    <mc:Choice Requires="p14">
       <p:transition spd="slow" p14:dur="2000"/>
     </mc:Choice>
-    <mc:Fallback>
+    <mc:Fallback xmlns="">
       <p:transition spd="slow"/>
     </mc:Fallback>
   </mc:AlternateContent>
@@ -6731,11 +6405,11 @@
   <p:clrMapOvr>
     <a:masterClrMapping/>
   </p:clrMapOvr>
-  <mc:AlternateContent xmlns:mc="http://schemas.openxmlformats.org/markup-compatibility/2006">
-    <mc:Choice xmlns:p14="http://schemas.microsoft.com/office/powerpoint/2010/main" Requires="p14">
+  <mc:AlternateContent xmlns:mc="http://schemas.openxmlformats.org/markup-compatibility/2006" xmlns:p14="http://schemas.microsoft.com/office/powerpoint/2010/main">
+    <mc:Choice Requires="p14">
       <p:transition spd="slow" p14:dur="2000"/>
     </mc:Choice>
-    <mc:Fallback>
+    <mc:Fallback xmlns="">
       <p:transition spd="slow"/>
     </mc:Fallback>
   </mc:AlternateContent>
@@ -6919,11 +6593,11 @@
   <p:clrMapOvr>
     <a:masterClrMapping/>
   </p:clrMapOvr>
-  <mc:AlternateContent xmlns:mc="http://schemas.openxmlformats.org/markup-compatibility/2006">
-    <mc:Choice xmlns:p14="http://schemas.microsoft.com/office/powerpoint/2010/main" Requires="p14">
+  <mc:AlternateContent xmlns:mc="http://schemas.openxmlformats.org/markup-compatibility/2006" xmlns:p14="http://schemas.microsoft.com/office/powerpoint/2010/main">
+    <mc:Choice Requires="p14">
       <p:transition spd="slow" p14:dur="2000"/>
     </mc:Choice>
-    <mc:Fallback>
+    <mc:Fallback xmlns="">
       <p:transition spd="slow"/>
     </mc:Fallback>
   </mc:AlternateContent>
@@ -7073,11 +6747,11 @@
   <p:clrMapOvr>
     <a:masterClrMapping/>
   </p:clrMapOvr>
-  <mc:AlternateContent xmlns:mc="http://schemas.openxmlformats.org/markup-compatibility/2006">
-    <mc:Choice xmlns:p14="http://schemas.microsoft.com/office/powerpoint/2010/main" Requires="p14">
+  <mc:AlternateContent xmlns:mc="http://schemas.openxmlformats.org/markup-compatibility/2006" xmlns:p14="http://schemas.microsoft.com/office/powerpoint/2010/main">
+    <mc:Choice Requires="p14">
       <p:transition spd="slow" p14:dur="2000"/>
     </mc:Choice>
-    <mc:Fallback>
+    <mc:Fallback xmlns="">
       <p:transition spd="slow"/>
     </mc:Fallback>
   </mc:AlternateContent>
@@ -7222,11 +6896,11 @@
   <p:clrMapOvr>
     <a:masterClrMapping/>
   </p:clrMapOvr>
-  <mc:AlternateContent xmlns:mc="http://schemas.openxmlformats.org/markup-compatibility/2006">
-    <mc:Choice xmlns:p14="http://schemas.microsoft.com/office/powerpoint/2010/main" Requires="p14">
+  <mc:AlternateContent xmlns:mc="http://schemas.openxmlformats.org/markup-compatibility/2006" xmlns:p14="http://schemas.microsoft.com/office/powerpoint/2010/main">
+    <mc:Choice Requires="p14">
       <p:transition spd="slow" p14:dur="2000"/>
     </mc:Choice>
-    <mc:Fallback>
+    <mc:Fallback xmlns="">
       <p:transition spd="slow"/>
     </mc:Fallback>
   </mc:AlternateContent>
@@ -7410,11 +7084,11 @@
   <p:clrMapOvr>
     <a:masterClrMapping/>
   </p:clrMapOvr>
-  <mc:AlternateContent xmlns:mc="http://schemas.openxmlformats.org/markup-compatibility/2006">
-    <mc:Choice xmlns:p14="http://schemas.microsoft.com/office/powerpoint/2010/main" Requires="p14">
+  <mc:AlternateContent xmlns:mc="http://schemas.openxmlformats.org/markup-compatibility/2006" xmlns:p14="http://schemas.microsoft.com/office/powerpoint/2010/main">
+    <mc:Choice Requires="p14">
       <p:transition spd="slow" p14:dur="2000"/>
     </mc:Choice>
-    <mc:Fallback>
+    <mc:Fallback xmlns="">
       <p:transition spd="slow"/>
     </mc:Fallback>
   </mc:AlternateContent>
@@ -7460,47 +7134,19 @@
           <a:p>
             <a:r>
               <a:rPr lang="en-US" sz="2400" dirty="0"/>
-              <a:t>A </a:t>
-            </a:r>
+              <a:t>A system that aids in the shortlisting of candidates for jobs.</a:t>
+            </a:r>
+          </a:p>
+          <a:p>
             <a:r>
               <a:rPr lang="en-US" sz="2400" dirty="0"/>
-              <a:t>system that </a:t>
-            </a:r>
+              <a:t>Using Conditional Random Fields (CRFs) model to extract the information from résumés</a:t>
+            </a:r>
+          </a:p>
+          <a:p>
             <a:r>
               <a:rPr lang="en-US" sz="2400" dirty="0"/>
-              <a:t>aids in </a:t>
-            </a:r>
-            <a:r>
-              <a:rPr lang="en-US" sz="2400" dirty="0"/>
-              <a:t>the shortlisting of candidates for jobs</a:t>
-            </a:r>
-            <a:r>
-              <a:rPr lang="en-US" sz="2400" dirty="0"/>
-              <a:t>.</a:t>
-            </a:r>
-          </a:p>
-          <a:p>
-            <a:r>
-              <a:rPr lang="en-US" sz="2400" dirty="0"/>
-              <a:t>Using Conditional Random Fields (</a:t>
-            </a:r>
-            <a:r>
-              <a:rPr lang="en-US" sz="2400" dirty="0"/>
-              <a:t>CRFs) model to extract the information from résumés</a:t>
-            </a:r>
-          </a:p>
-          <a:p>
-            <a:r>
-              <a:rPr lang="en-US" sz="2400" dirty="0"/>
-              <a:t>Filtering </a:t>
-            </a:r>
-            <a:r>
-              <a:rPr lang="en-US" sz="2400" dirty="0"/>
-              <a:t>the candidates with </a:t>
-            </a:r>
-            <a:r>
-              <a:rPr lang="en-US" sz="2400" dirty="0"/>
-              <a:t>facets</a:t>
+              <a:t>Filtering the candidates with facets</a:t>
             </a:r>
           </a:p>
           <a:p>
@@ -7583,11 +7229,11 @@
   <p:clrMapOvr>
     <a:masterClrMapping/>
   </p:clrMapOvr>
-  <mc:AlternateContent xmlns:mc="http://schemas.openxmlformats.org/markup-compatibility/2006">
-    <mc:Choice xmlns:p14="http://schemas.microsoft.com/office/powerpoint/2010/main" Requires="p14">
+  <mc:AlternateContent xmlns:mc="http://schemas.openxmlformats.org/markup-compatibility/2006" xmlns:p14="http://schemas.microsoft.com/office/powerpoint/2010/main">
+    <mc:Choice Requires="p14">
       <p:transition spd="slow" p14:dur="2000"/>
     </mc:Choice>
-    <mc:Fallback>
+    <mc:Fallback xmlns="">
       <p:transition spd="slow"/>
     </mc:Fallback>
   </mc:AlternateContent>
@@ -7719,11 +7365,11 @@
   <p:clrMapOvr>
     <a:masterClrMapping/>
   </p:clrMapOvr>
-  <mc:AlternateContent xmlns:mc="http://schemas.openxmlformats.org/markup-compatibility/2006">
-    <mc:Choice xmlns:p14="http://schemas.microsoft.com/office/powerpoint/2010/main" Requires="p14">
+  <mc:AlternateContent xmlns:mc="http://schemas.openxmlformats.org/markup-compatibility/2006" xmlns:p14="http://schemas.microsoft.com/office/powerpoint/2010/main">
+    <mc:Choice Requires="p14">
       <p:transition spd="slow" p14:dur="2000"/>
     </mc:Choice>
-    <mc:Fallback>
+    <mc:Fallback xmlns="">
       <p:transition spd="slow"/>
     </mc:Fallback>
   </mc:AlternateContent>
@@ -7775,11 +7421,7 @@
           <a:p>
             <a:r>
               <a:rPr lang="en-US" sz="2800" dirty="0"/>
-              <a:t>Resource </a:t>
-            </a:r>
-            <a:r>
-              <a:rPr lang="en-US" sz="2800" dirty="0"/>
-              <a:t>Classification</a:t>
+              <a:t>Resource Classification</a:t>
             </a:r>
           </a:p>
           <a:p>
@@ -7899,11 +7541,11 @@
   <p:clrMapOvr>
     <a:masterClrMapping/>
   </p:clrMapOvr>
-  <mc:AlternateContent xmlns:mc="http://schemas.openxmlformats.org/markup-compatibility/2006">
-    <mc:Choice xmlns:p14="http://schemas.microsoft.com/office/powerpoint/2010/main" Requires="p14">
+  <mc:AlternateContent xmlns:mc="http://schemas.openxmlformats.org/markup-compatibility/2006" xmlns:p14="http://schemas.microsoft.com/office/powerpoint/2010/main">
+    <mc:Choice Requires="p14">
       <p:transition spd="slow" p14:dur="2000"/>
     </mc:Choice>
-    <mc:Fallback>
+    <mc:Fallback xmlns="">
       <p:transition spd="slow"/>
     </mc:Fallback>
   </mc:AlternateContent>
@@ -7951,13 +7593,8 @@
           <a:p>
             <a:r>
               <a:rPr lang="en-US" sz="2800" dirty="0"/>
-              <a:t>Most systems can only process the structured data </a:t>
-            </a:r>
-            <a:r>
-              <a:rPr lang="en-US" sz="2800" dirty="0"/>
-              <a:t> </a:t>
-            </a:r>
-            <a:endParaRPr lang="en-US" sz="2800" dirty="0"/>
+              <a:t>Most systems can only process the structured data  </a:t>
+            </a:r>
           </a:p>
           <a:p>
             <a:pPr marL="0" indent="0"/>
@@ -7966,19 +7603,7 @@
           <a:p>
             <a:r>
               <a:rPr lang="en-US" sz="2800" dirty="0"/>
-              <a:t>The </a:t>
-            </a:r>
-            <a:r>
-              <a:rPr lang="en-US" sz="2800" dirty="0"/>
-              <a:t>systems that have information extraction module are </a:t>
-            </a:r>
-            <a:r>
-              <a:rPr lang="en-US" sz="2800" dirty="0"/>
-              <a:t>designed </a:t>
-            </a:r>
-            <a:r>
-              <a:rPr lang="en-US" sz="2800" dirty="0"/>
-              <a:t>for recruiters</a:t>
+              <a:t>The systems that have information extraction module are designed for recruiters</a:t>
             </a:r>
           </a:p>
           <a:p>
@@ -7988,31 +7613,7 @@
           <a:p>
             <a:r>
               <a:rPr lang="en-US" sz="2800" dirty="0"/>
-              <a:t>Information </a:t>
-            </a:r>
-            <a:r>
-              <a:rPr lang="en-US" sz="2800" dirty="0"/>
-              <a:t>fields </a:t>
-            </a:r>
-            <a:r>
-              <a:rPr lang="en-US" sz="2800" dirty="0"/>
-              <a:t>for matching </a:t>
-            </a:r>
-            <a:r>
-              <a:rPr lang="en-US" sz="2800" dirty="0"/>
-              <a:t>résumés and job descriptions </a:t>
-            </a:r>
-            <a:r>
-              <a:rPr lang="en-US" sz="2800" dirty="0"/>
-              <a:t>are coarse-grained</a:t>
-            </a:r>
-            <a:r>
-              <a:rPr lang="en-US" sz="2800" dirty="0"/>
-              <a:t>. </a:t>
-            </a:r>
-            <a:r>
-              <a:rPr lang="en-US" sz="2800" dirty="0"/>
-              <a:t> </a:t>
+              <a:t>Information fields for matching résumés and job descriptions are coarse-grained.  </a:t>
             </a:r>
           </a:p>
           <a:p>
@@ -8093,11 +7694,11 @@
   <p:clrMapOvr>
     <a:masterClrMapping/>
   </p:clrMapOvr>
-  <mc:AlternateContent xmlns:mc="http://schemas.openxmlformats.org/markup-compatibility/2006">
-    <mc:Choice xmlns:p14="http://schemas.microsoft.com/office/powerpoint/2010/main" Requires="p14">
+  <mc:AlternateContent xmlns:mc="http://schemas.openxmlformats.org/markup-compatibility/2006" xmlns:p14="http://schemas.microsoft.com/office/powerpoint/2010/main">
+    <mc:Choice Requires="p14">
       <p:transition spd="slow" p14:dur="2000"/>
     </mc:Choice>
-    <mc:Fallback>
+    <mc:Fallback xmlns="">
       <p:transition spd="slow"/>
     </mc:Fallback>
   </mc:AlternateContent>
@@ -8272,11 +7873,11 @@
   <p:clrMapOvr>
     <a:masterClrMapping/>
   </p:clrMapOvr>
-  <mc:AlternateContent xmlns:mc="http://schemas.openxmlformats.org/markup-compatibility/2006">
-    <mc:Choice xmlns:p14="http://schemas.microsoft.com/office/powerpoint/2010/main" Requires="p14">
+  <mc:AlternateContent xmlns:mc="http://schemas.openxmlformats.org/markup-compatibility/2006" xmlns:p14="http://schemas.microsoft.com/office/powerpoint/2010/main">
+    <mc:Choice Requires="p14">
       <p:transition spd="slow" p14:dur="2000"/>
     </mc:Choice>
-    <mc:Fallback>
+    <mc:Fallback xmlns="">
       <p:transition spd="slow"/>
     </mc:Fallback>
   </mc:AlternateContent>
@@ -8323,14 +7924,14 @@
           <a:effectLst/>
           <a:extLst>
             <a:ext uri="{909E8E84-426E-40dd-AFC4-6F175D3DCCD1}">
-              <a14:hiddenFill xmlns:a14="http://schemas.microsoft.com/office/drawing/2010/main" xmlns="">
+              <a14:hiddenFill xmlns="" xmlns:a14="http://schemas.microsoft.com/office/drawing/2010/main">
                 <a:solidFill>
                   <a:srgbClr val="FFFFFF"/>
                 </a:solidFill>
               </a14:hiddenFill>
             </a:ext>
             <a:ext uri="{91240B29-F687-4f45-9708-019B960494DF}">
-              <a14:hiddenLine xmlns:a14="http://schemas.microsoft.com/office/drawing/2010/main" xmlns="" w="9525">
+              <a14:hiddenLine xmlns="" xmlns:a14="http://schemas.microsoft.com/office/drawing/2010/main" w="9525">
                 <a:solidFill>
                   <a:srgbClr val="000000"/>
                 </a:solidFill>
@@ -8340,7 +7941,7 @@
               </a14:hiddenLine>
             </a:ext>
             <a:ext uri="{AF507438-7753-43e0-B8FC-AC1667EBCBE1}">
-              <a14:hiddenEffects xmlns:a14="http://schemas.microsoft.com/office/drawing/2010/main" xmlns="">
+              <a14:hiddenEffects xmlns="" xmlns:a14="http://schemas.microsoft.com/office/drawing/2010/main">
                 <a:effectLst>
                   <a:outerShdw blurRad="63500" dist="38099" dir="2700000" algn="ctr" rotWithShape="0">
                     <a:srgbClr val="000000">
@@ -8657,14 +8258,14 @@
           <a:effectLst/>
           <a:extLst>
             <a:ext uri="{909E8E84-426E-40dd-AFC4-6F175D3DCCD1}">
-              <a14:hiddenFill xmlns:a14="http://schemas.microsoft.com/office/drawing/2010/main" xmlns="">
+              <a14:hiddenFill xmlns="" xmlns:a14="http://schemas.microsoft.com/office/drawing/2010/main">
                 <a:solidFill>
                   <a:srgbClr val="FFFFFF"/>
                 </a:solidFill>
               </a14:hiddenFill>
             </a:ext>
             <a:ext uri="{91240B29-F687-4f45-9708-019B960494DF}">
-              <a14:hiddenLine xmlns:a14="http://schemas.microsoft.com/office/drawing/2010/main" xmlns="" w="9525">
+              <a14:hiddenLine xmlns="" xmlns:a14="http://schemas.microsoft.com/office/drawing/2010/main" w="9525">
                 <a:solidFill>
                   <a:srgbClr val="000000"/>
                 </a:solidFill>
@@ -8674,7 +8275,7 @@
               </a14:hiddenLine>
             </a:ext>
             <a:ext uri="{AF507438-7753-43e0-B8FC-AC1667EBCBE1}">
-              <a14:hiddenEffects xmlns:a14="http://schemas.microsoft.com/office/drawing/2010/main" xmlns="">
+              <a14:hiddenEffects xmlns="" xmlns:a14="http://schemas.microsoft.com/office/drawing/2010/main">
                 <a:effectLst>
                   <a:outerShdw blurRad="63500" dist="38099" dir="2700000" algn="ctr" rotWithShape="0">
                     <a:srgbClr val="000000">
@@ -9115,14 +8716,14 @@
           <a:effectLst/>
           <a:extLst>
             <a:ext uri="{909E8E84-426E-40dd-AFC4-6F175D3DCCD1}">
-              <a14:hiddenFill xmlns:a14="http://schemas.microsoft.com/office/drawing/2010/main" xmlns="">
+              <a14:hiddenFill xmlns="" xmlns:a14="http://schemas.microsoft.com/office/drawing/2010/main">
                 <a:solidFill>
                   <a:srgbClr val="FFFFFF"/>
                 </a:solidFill>
               </a14:hiddenFill>
             </a:ext>
             <a:ext uri="{91240B29-F687-4f45-9708-019B960494DF}">
-              <a14:hiddenLine xmlns:a14="http://schemas.microsoft.com/office/drawing/2010/main" xmlns="" w="9525">
+              <a14:hiddenLine xmlns="" xmlns:a14="http://schemas.microsoft.com/office/drawing/2010/main" w="9525">
                 <a:solidFill>
                   <a:srgbClr val="000000"/>
                 </a:solidFill>
@@ -9132,7 +8733,7 @@
               </a14:hiddenLine>
             </a:ext>
             <a:ext uri="{AF507438-7753-43e0-B8FC-AC1667EBCBE1}">
-              <a14:hiddenEffects xmlns:a14="http://schemas.microsoft.com/office/drawing/2010/main" xmlns="">
+              <a14:hiddenEffects xmlns="" xmlns:a14="http://schemas.microsoft.com/office/drawing/2010/main">
                 <a:effectLst>
                   <a:outerShdw blurRad="63500" dist="38099" dir="2700000" algn="ctr" rotWithShape="0">
                     <a:srgbClr val="000000">
@@ -9183,14 +8784,14 @@
           <a:effectLst/>
           <a:extLst>
             <a:ext uri="{909E8E84-426E-40dd-AFC4-6F175D3DCCD1}">
-              <a14:hiddenFill xmlns:a14="http://schemas.microsoft.com/office/drawing/2010/main" xmlns="">
+              <a14:hiddenFill xmlns="" xmlns:a14="http://schemas.microsoft.com/office/drawing/2010/main">
                 <a:solidFill>
                   <a:srgbClr val="FFFFFF"/>
                 </a:solidFill>
               </a14:hiddenFill>
             </a:ext>
             <a:ext uri="{91240B29-F687-4f45-9708-019B960494DF}">
-              <a14:hiddenLine xmlns:a14="http://schemas.microsoft.com/office/drawing/2010/main" xmlns="" w="9525">
+              <a14:hiddenLine xmlns="" xmlns:a14="http://schemas.microsoft.com/office/drawing/2010/main" w="9525">
                 <a:solidFill>
                   <a:srgbClr val="000000"/>
                 </a:solidFill>
@@ -9200,7 +8801,7 @@
               </a14:hiddenLine>
             </a:ext>
             <a:ext uri="{AF507438-7753-43e0-B8FC-AC1667EBCBE1}">
-              <a14:hiddenEffects xmlns:a14="http://schemas.microsoft.com/office/drawing/2010/main" xmlns="">
+              <a14:hiddenEffects xmlns="" xmlns:a14="http://schemas.microsoft.com/office/drawing/2010/main">
                 <a:effectLst>
                   <a:outerShdw blurRad="63500" dist="38099" dir="2700000" algn="ctr" rotWithShape="0">
                     <a:srgbClr val="000000">
@@ -9251,14 +8852,14 @@
           <a:effectLst/>
           <a:extLst>
             <a:ext uri="{909E8E84-426E-40dd-AFC4-6F175D3DCCD1}">
-              <a14:hiddenFill xmlns:a14="http://schemas.microsoft.com/office/drawing/2010/main" xmlns="">
+              <a14:hiddenFill xmlns="" xmlns:a14="http://schemas.microsoft.com/office/drawing/2010/main">
                 <a:solidFill>
                   <a:srgbClr val="FFFFFF"/>
                 </a:solidFill>
               </a14:hiddenFill>
             </a:ext>
             <a:ext uri="{91240B29-F687-4f45-9708-019B960494DF}">
-              <a14:hiddenLine xmlns:a14="http://schemas.microsoft.com/office/drawing/2010/main" xmlns="" w="9525">
+              <a14:hiddenLine xmlns="" xmlns:a14="http://schemas.microsoft.com/office/drawing/2010/main" w="9525">
                 <a:solidFill>
                   <a:srgbClr val="000000"/>
                 </a:solidFill>
@@ -9268,7 +8869,7 @@
               </a14:hiddenLine>
             </a:ext>
             <a:ext uri="{AF507438-7753-43e0-B8FC-AC1667EBCBE1}">
-              <a14:hiddenEffects xmlns:a14="http://schemas.microsoft.com/office/drawing/2010/main" xmlns="">
+              <a14:hiddenEffects xmlns="" xmlns:a14="http://schemas.microsoft.com/office/drawing/2010/main">
                 <a:effectLst>
                   <a:outerShdw blurRad="63500" dist="38099" dir="2700000" algn="ctr" rotWithShape="0">
                     <a:srgbClr val="000000">
@@ -9371,19 +8972,7 @@
           <a:p>
             <a:r>
               <a:rPr lang="en-US" sz="2800" dirty="0"/>
-              <a:t>r </a:t>
-            </a:r>
-            <a:r>
-              <a:rPr lang="en-US" sz="2800" dirty="0"/>
-              <a:t>is the user‘s </a:t>
-            </a:r>
-            <a:r>
-              <a:rPr lang="en-US" sz="2800" dirty="0"/>
-              <a:t>résumé model</a:t>
-            </a:r>
-            <a:r>
-              <a:rPr lang="en-US" sz="2800" dirty="0"/>
-              <a:t>, </a:t>
+              <a:t>r is the user‘s résumé model, </a:t>
             </a:r>
             <a:r>
               <a:rPr lang="en-US" sz="2800" dirty="0" err="1"/>
@@ -9395,11 +8984,7 @@
             </a:r>
             <a:r>
               <a:rPr lang="en-US" sz="2800" baseline="-25000" dirty="0"/>
-              <a:t> </a:t>
-            </a:r>
-            <a:r>
-              <a:rPr lang="en-US" sz="2800" baseline="-25000" dirty="0"/>
-              <a:t> </a:t>
+              <a:t>  </a:t>
             </a:r>
             <a:r>
               <a:rPr lang="en-US" sz="2800" dirty="0"/>
@@ -9409,11 +8994,7 @@
           <a:p>
             <a:r>
               <a:rPr lang="en-US" sz="2800" dirty="0"/>
-              <a:t>j is the job description model </a:t>
-            </a:r>
-            <a:r>
-              <a:rPr lang="en-US" sz="2800" dirty="0"/>
-              <a:t>, </a:t>
+              <a:t>j is the job description model , </a:t>
             </a:r>
             <a:r>
               <a:rPr lang="en-US" sz="2800" dirty="0" err="1"/>
@@ -9429,11 +9010,7 @@
             </a:r>
             <a:r>
               <a:rPr lang="en-US" sz="2800" dirty="0"/>
-              <a:t>is the feature of </a:t>
-            </a:r>
-            <a:r>
-              <a:rPr lang="en-US" sz="2800" dirty="0"/>
-              <a:t>j</a:t>
+              <a:t>is the feature of j</a:t>
             </a:r>
           </a:p>
           <a:p>
@@ -9519,11 +9096,11 @@
   <p:clrMapOvr>
     <a:masterClrMapping/>
   </p:clrMapOvr>
-  <mc:AlternateContent xmlns:mc="http://schemas.openxmlformats.org/markup-compatibility/2006">
-    <mc:Choice xmlns:p14="http://schemas.microsoft.com/office/powerpoint/2010/main" Requires="p14">
+  <mc:AlternateContent xmlns:mc="http://schemas.openxmlformats.org/markup-compatibility/2006" xmlns:p14="http://schemas.microsoft.com/office/powerpoint/2010/main">
+    <mc:Choice Requires="p14">
       <p:transition spd="slow" p14:dur="2000"/>
     </mc:Choice>
-    <mc:Fallback>
+    <mc:Fallback xmlns="">
       <p:transition spd="slow"/>
     </mc:Fallback>
   </mc:AlternateContent>
@@ -9583,9 +9160,6 @@
               </a:rPr>
               <a:t>  search(r, J)   </a:t>
             </a:r>
-            <a:endParaRPr lang="en-US" sz="2800" dirty="0">
-              <a:sym typeface="Wingdings" panose="05000000000000000000" pitchFamily="2" charset="2"/>
-            </a:endParaRPr>
           </a:p>
           <a:p>
             <a:r>
@@ -9654,11 +9228,11 @@
   <p:clrMapOvr>
     <a:masterClrMapping/>
   </p:clrMapOvr>
-  <mc:AlternateContent xmlns:mc="http://schemas.openxmlformats.org/markup-compatibility/2006">
-    <mc:Choice xmlns:p14="http://schemas.microsoft.com/office/powerpoint/2010/main" Requires="p14">
+  <mc:AlternateContent xmlns:mc="http://schemas.openxmlformats.org/markup-compatibility/2006" xmlns:p14="http://schemas.microsoft.com/office/powerpoint/2010/main">
+    <mc:Choice Requires="p14">
       <p:transition spd="slow" p14:dur="2000"/>
     </mc:Choice>
-    <mc:Fallback>
+    <mc:Fallback xmlns="">
       <p:transition spd="slow"/>
     </mc:Fallback>
   </mc:AlternateContent>
@@ -9753,11 +9327,11 @@
   <p:clrMapOvr>
     <a:masterClrMapping/>
   </p:clrMapOvr>
-  <mc:AlternateContent xmlns:mc="http://schemas.openxmlformats.org/markup-compatibility/2006">
-    <mc:Choice xmlns:p14="http://schemas.microsoft.com/office/powerpoint/2010/main" Requires="p14">
+  <mc:AlternateContent xmlns:mc="http://schemas.openxmlformats.org/markup-compatibility/2006" xmlns:p14="http://schemas.microsoft.com/office/powerpoint/2010/main">
+    <mc:Choice Requires="p14">
       <p:transition spd="slow" p14:dur="2000"/>
     </mc:Choice>
-    <mc:Fallback>
+    <mc:Fallback xmlns="">
       <p:transition spd="slow"/>
     </mc:Fallback>
   </mc:AlternateContent>
@@ -9865,11 +9439,11 @@
   <p:clrMapOvr>
     <a:masterClrMapping/>
   </p:clrMapOvr>
-  <mc:AlternateContent xmlns:mc="http://schemas.openxmlformats.org/markup-compatibility/2006">
-    <mc:Choice xmlns:p14="http://schemas.microsoft.com/office/powerpoint/2010/main" Requires="p14">
+  <mc:AlternateContent xmlns:mc="http://schemas.openxmlformats.org/markup-compatibility/2006" xmlns:p14="http://schemas.microsoft.com/office/powerpoint/2010/main">
+    <mc:Choice Requires="p14">
       <p:transition spd="slow" p14:dur="2000"/>
     </mc:Choice>
-    <mc:Fallback>
+    <mc:Fallback xmlns="">
       <p:transition spd="slow"/>
     </mc:Fallback>
   </mc:AlternateContent>
@@ -9923,11 +9497,6 @@
               </a:rPr>
               <a:t>Information Extraction</a:t>
             </a:r>
-            <a:endParaRPr lang="en-US" sz="4050" dirty="0">
-              <a:solidFill>
-                <a:schemeClr val="tx1"/>
-              </a:solidFill>
-            </a:endParaRPr>
           </a:p>
         </p:txBody>
       </p:sp>
@@ -9941,11 +9510,11 @@
   <p:clrMapOvr>
     <a:masterClrMapping/>
   </p:clrMapOvr>
-  <mc:AlternateContent xmlns:mc="http://schemas.openxmlformats.org/markup-compatibility/2006">
-    <mc:Choice xmlns:p14="http://schemas.microsoft.com/office/powerpoint/2010/main" Requires="p14">
+  <mc:AlternateContent xmlns:mc="http://schemas.openxmlformats.org/markup-compatibility/2006" xmlns:p14="http://schemas.microsoft.com/office/powerpoint/2010/main">
+    <mc:Choice Requires="p14">
       <p:transition spd="slow" p14:dur="2000"/>
     </mc:Choice>
-    <mc:Fallback>
+    <mc:Fallback xmlns="">
       <p:transition spd="slow"/>
     </mc:Fallback>
   </mc:AlternateContent>
@@ -10007,31 +9576,14 @@
             <a:pPr lvl="1"/>
             <a:r>
               <a:rPr lang="en-US" sz="2400" dirty="0"/>
-              <a:t>Recruiter </a:t>
-            </a:r>
-            <a:r>
-              <a:rPr lang="en-US" sz="2400" dirty="0"/>
-              <a:t>don’t like </a:t>
-            </a:r>
-            <a:r>
-              <a:rPr lang="en-US" sz="2400" dirty="0"/>
-              <a:t>input job description in web forms </a:t>
+              <a:t>Recruiter don’t like input job description in web forms </a:t>
             </a:r>
           </a:p>
           <a:p>
             <a:r>
               <a:rPr lang="en-US" sz="2800" dirty="0"/>
-              <a:t>So </a:t>
-            </a:r>
-            <a:r>
-              <a:rPr lang="en-US" sz="2800" dirty="0"/>
-              <a:t>w</a:t>
-            </a:r>
-            <a:r>
-              <a:rPr lang="en-US" sz="2800" dirty="0"/>
-              <a:t>e need extract information from plaint text</a:t>
-            </a:r>
-            <a:endParaRPr lang="en-US" sz="2800" dirty="0"/>
+              <a:t>So we need extract information from plaint text</a:t>
+            </a:r>
           </a:p>
         </p:txBody>
       </p:sp>
@@ -10083,11 +9635,11 @@
   <p:clrMapOvr>
     <a:masterClrMapping/>
   </p:clrMapOvr>
-  <mc:AlternateContent xmlns:mc="http://schemas.openxmlformats.org/markup-compatibility/2006">
-    <mc:Choice xmlns:p14="http://schemas.microsoft.com/office/powerpoint/2010/main" Requires="p14">
+  <mc:AlternateContent xmlns:mc="http://schemas.openxmlformats.org/markup-compatibility/2006" xmlns:p14="http://schemas.microsoft.com/office/powerpoint/2010/main">
+    <mc:Choice Requires="p14">
       <p:transition spd="slow" p14:dur="2000"/>
     </mc:Choice>
-    <mc:Fallback>
+    <mc:Fallback xmlns="">
       <p:transition spd="slow"/>
     </mc:Fallback>
   </mc:AlternateContent>
@@ -10455,11 +10007,11 @@
   <p:clrMapOvr>
     <a:masterClrMapping/>
   </p:clrMapOvr>
-  <mc:AlternateContent xmlns:mc="http://schemas.openxmlformats.org/markup-compatibility/2006">
-    <mc:Choice xmlns:p14="http://schemas.microsoft.com/office/powerpoint/2010/main" Requires="p14">
+  <mc:AlternateContent xmlns:mc="http://schemas.openxmlformats.org/markup-compatibility/2006" xmlns:p14="http://schemas.microsoft.com/office/powerpoint/2010/main">
+    <mc:Choice Requires="p14">
       <p:transition spd="slow" p14:dur="2000"/>
     </mc:Choice>
-    <mc:Fallback>
+    <mc:Fallback xmlns="">
       <p:transition spd="slow"/>
     </mc:Fallback>
   </mc:AlternateContent>
@@ -10599,11 +10151,11 @@
   <p:clrMapOvr>
     <a:masterClrMapping/>
   </p:clrMapOvr>
-  <mc:AlternateContent xmlns:mc="http://schemas.openxmlformats.org/markup-compatibility/2006">
-    <mc:Choice xmlns:p14="http://schemas.microsoft.com/office/powerpoint/2010/main" Requires="p14">
+  <mc:AlternateContent xmlns:mc="http://schemas.openxmlformats.org/markup-compatibility/2006" xmlns:p14="http://schemas.microsoft.com/office/powerpoint/2010/main">
+    <mc:Choice Requires="p14">
       <p:transition spd="slow" p14:dur="2000"/>
     </mc:Choice>
-    <mc:Fallback>
+    <mc:Fallback xmlns="">
       <p:transition spd="slow"/>
     </mc:Fallback>
   </mc:AlternateContent>
@@ -10657,43 +10209,22 @@
           <a:p>
             <a:r>
               <a:rPr lang="en-US" sz="8000" dirty="0"/>
-              <a:t>“bachelor’s </a:t>
-            </a:r>
+              <a:t>“bachelor’s degree”, the pattern will like below:</a:t>
+            </a:r>
+          </a:p>
+          <a:p>
             <a:r>
               <a:rPr lang="en-US" sz="8000" dirty="0"/>
-              <a:t>degree”, the pattern will like below:</a:t>
-            </a:r>
+              <a:t>( Baccalaureate | bachelors | bachelor | B.S | BS | BA ) degree</a:t>
+            </a:r>
+          </a:p>
+          <a:p>
+            <a:endParaRPr lang="en-US" sz="8000" dirty="0"/>
           </a:p>
           <a:p>
             <a:r>
               <a:rPr lang="en-US" sz="8000" dirty="0"/>
-              <a:t>( Baccalaureate | bachelors | </a:t>
-            </a:r>
-            <a:r>
-              <a:rPr lang="en-US" sz="8000" dirty="0"/>
-              <a:t>bachelor | </a:t>
-            </a:r>
-            <a:r>
-              <a:rPr lang="en-US" sz="8000" dirty="0"/>
-              <a:t>B.S | BS | BA ) degree</a:t>
-            </a:r>
-            <a:endParaRPr lang="en-US" sz="8000" dirty="0"/>
-          </a:p>
-          <a:p>
-            <a:endParaRPr lang="en-US" sz="8000" dirty="0"/>
-          </a:p>
-          <a:p>
-            <a:r>
-              <a:rPr lang="en-US" sz="8000" dirty="0"/>
-              <a:t>All </a:t>
-            </a:r>
-            <a:r>
-              <a:rPr lang="en-US" sz="8000" dirty="0"/>
-              <a:t>words mean </a:t>
-            </a:r>
-            <a:r>
-              <a:rPr lang="en-US" sz="8000" dirty="0"/>
-              <a:t>bachelors: </a:t>
+              <a:t>All words mean bachelors: </a:t>
             </a:r>
           </a:p>
           <a:p>
@@ -10783,55 +10314,7 @@
                   <a:schemeClr val="tx1"/>
                 </a:solidFill>
               </a:rPr>
-              <a:t>Baccalaureate”, ”bachelors”, ”bachelor” ,”B.S.”, ”B.S”,”BS”,”BA”,”BA/BS”, ”BABS”, ”BSBA”, ”B.A</a:t>
-            </a:r>
-            <a:r>
-              <a:rPr lang="en-US" sz="2000" dirty="0">
-                <a:solidFill>
-                  <a:schemeClr val="tx1"/>
-                </a:solidFill>
-              </a:rPr>
-              <a:t>.”, ”</a:t>
-            </a:r>
-            <a:r>
-              <a:rPr lang="en-US" sz="2000" dirty="0">
-                <a:solidFill>
-                  <a:schemeClr val="tx1"/>
-                </a:solidFill>
-              </a:rPr>
-              <a:t>4-year”,”4-year”, ”4 year”, ”four year</a:t>
-            </a:r>
-            <a:r>
-              <a:rPr lang="en-US" sz="2000" dirty="0">
-                <a:solidFill>
-                  <a:schemeClr val="tx1"/>
-                </a:solidFill>
-              </a:rPr>
-              <a:t>”, ”</a:t>
-            </a:r>
-            <a:r>
-              <a:rPr lang="en-US" sz="2000" dirty="0">
-                <a:solidFill>
-                  <a:schemeClr val="tx1"/>
-                </a:solidFill>
-              </a:rPr>
-              <a:t>college</a:t>
-            </a:r>
-            <a:r>
-              <a:rPr lang="en-US" sz="2000" dirty="0">
-                <a:solidFill>
-                  <a:schemeClr val="tx1"/>
-                </a:solidFill>
-              </a:rPr>
-              <a:t>”, ”Undergraduate</a:t>
-            </a:r>
-            <a:r>
-              <a:rPr lang="en-US" sz="2000" dirty="0">
-                <a:solidFill>
-                  <a:schemeClr val="tx1"/>
-                </a:solidFill>
-              </a:rPr>
-              <a:t>” , ”University</a:t>
+              <a:t>Baccalaureate”, ”bachelors”, ”bachelor” ,”B.S.”, ”B.S”,”BS”,”BA”,”BA/BS”, ”BABS”, ”BSBA”, ”B.A.”, ”4-year”,”4-year”, ”4 year”, ”four year”, ”college”, ”Undergraduate” , ”University</a:t>
             </a:r>
             <a:r>
               <a:rPr lang="en-US" sz="2000" dirty="0" smtClean="0">
@@ -10859,11 +10342,11 @@
   <p:clrMapOvr>
     <a:masterClrMapping/>
   </p:clrMapOvr>
-  <mc:AlternateContent xmlns:mc="http://schemas.openxmlformats.org/markup-compatibility/2006">
-    <mc:Choice xmlns:p14="http://schemas.microsoft.com/office/powerpoint/2010/main" Requires="p14">
+  <mc:AlternateContent xmlns:mc="http://schemas.openxmlformats.org/markup-compatibility/2006" xmlns:p14="http://schemas.microsoft.com/office/powerpoint/2010/main">
+    <mc:Choice Requires="p14">
       <p:transition spd="slow" p14:dur="2000"/>
     </mc:Choice>
-    <mc:Fallback>
+    <mc:Fallback xmlns="">
       <p:transition spd="slow"/>
     </mc:Fallback>
   </mc:AlternateContent>
@@ -11298,11 +10781,11 @@
   <p:clrMapOvr>
     <a:masterClrMapping/>
   </p:clrMapOvr>
-  <mc:AlternateContent xmlns:mc="http://schemas.openxmlformats.org/markup-compatibility/2006">
-    <mc:Choice xmlns:p14="http://schemas.microsoft.com/office/powerpoint/2010/main" Requires="p14">
+  <mc:AlternateContent xmlns:mc="http://schemas.openxmlformats.org/markup-compatibility/2006" xmlns:p14="http://schemas.microsoft.com/office/powerpoint/2010/main">
+    <mc:Choice Requires="p14">
       <p:transition spd="slow" p14:dur="2000"/>
     </mc:Choice>
-    <mc:Fallback>
+    <mc:Fallback xmlns="">
       <p:transition spd="slow"/>
     </mc:Fallback>
   </mc:AlternateContent>
@@ -11360,11 +10843,7 @@
             <a:pPr lvl="0"/>
             <a:r>
               <a:rPr lang="en-US" sz="2800" dirty="0" smtClean="0"/>
-              <a:t>There </a:t>
-            </a:r>
-            <a:r>
-              <a:rPr lang="en-US" sz="2800" dirty="0" smtClean="0"/>
-              <a:t>are many job finding websites today. </a:t>
+              <a:t>There are many job finding websites today. </a:t>
             </a:r>
           </a:p>
         </p:txBody>
@@ -11644,11 +11123,11 @@
   <p:clrMapOvr>
     <a:masterClrMapping/>
   </p:clrMapOvr>
-  <mc:AlternateContent xmlns:mc="http://schemas.openxmlformats.org/markup-compatibility/2006">
-    <mc:Choice xmlns:p14="http://schemas.microsoft.com/office/powerpoint/2010/main" Requires="p14">
+  <mc:AlternateContent xmlns:mc="http://schemas.openxmlformats.org/markup-compatibility/2006" xmlns:p14="http://schemas.microsoft.com/office/powerpoint/2010/main">
+    <mc:Choice Requires="p14">
       <p:transition spd="slow" p14:dur="2000"/>
     </mc:Choice>
-    <mc:Fallback>
+    <mc:Fallback xmlns="">
       <p:transition spd="slow"/>
     </mc:Fallback>
   </mc:AlternateContent>
@@ -12442,11 +11921,11 @@
   <p:clrMapOvr>
     <a:masterClrMapping/>
   </p:clrMapOvr>
-  <mc:AlternateContent xmlns:mc="http://schemas.openxmlformats.org/markup-compatibility/2006">
-    <mc:Choice xmlns:p14="http://schemas.microsoft.com/office/powerpoint/2010/main" Requires="p14">
+  <mc:AlternateContent xmlns:mc="http://schemas.openxmlformats.org/markup-compatibility/2006" xmlns:p14="http://schemas.microsoft.com/office/powerpoint/2010/main">
+    <mc:Choice Requires="p14">
       <p:transition spd="slow" p14:dur="2000"/>
     </mc:Choice>
-    <mc:Fallback>
+    <mc:Fallback xmlns="">
       <p:transition spd="slow"/>
     </mc:Fallback>
   </mc:AlternateContent>
@@ -12515,29 +11994,8 @@
           <a:p>
             <a:r>
               <a:rPr lang="en-US" sz="2400" dirty="0"/>
-              <a:t> </a:t>
-            </a:r>
-            <a:r>
-              <a:rPr lang="en-US" sz="2400" dirty="0"/>
-              <a:t>   ( “ DE_LEVEL </a:t>
-            </a:r>
-            <a:r>
-              <a:rPr lang="en-US" sz="2400" dirty="0"/>
-              <a:t>(, DE_LEVEL</a:t>
-            </a:r>
-            <a:r>
-              <a:rPr lang="en-US" sz="2400" dirty="0"/>
-              <a:t>)* </a:t>
-            </a:r>
-            <a:r>
-              <a:rPr lang="en-US" sz="2400" dirty="0"/>
-              <a:t>(or DE_LEVEL</a:t>
-            </a:r>
-            <a:r>
-              <a:rPr lang="en-US" sz="2400" dirty="0"/>
-              <a:t>)? DEGREE”)</a:t>
-            </a:r>
-            <a:endParaRPr lang="en-US" sz="2400" dirty="0"/>
+              <a:t>    ( “ DE_LEVEL (, DE_LEVEL)* (or DE_LEVEL)? DEGREE”)</a:t>
+            </a:r>
           </a:p>
           <a:p>
             <a:r>
@@ -12600,11 +12058,11 @@
   <p:clrMapOvr>
     <a:masterClrMapping/>
   </p:clrMapOvr>
-  <mc:AlternateContent xmlns:mc="http://schemas.openxmlformats.org/markup-compatibility/2006">
-    <mc:Choice xmlns:p14="http://schemas.microsoft.com/office/powerpoint/2010/main" Requires="p14">
+  <mc:AlternateContent xmlns:mc="http://schemas.openxmlformats.org/markup-compatibility/2006" xmlns:p14="http://schemas.microsoft.com/office/powerpoint/2010/main">
+    <mc:Choice Requires="p14">
       <p:transition spd="slow" p14:dur="2000"/>
     </mc:Choice>
-    <mc:Fallback>
+    <mc:Fallback xmlns="">
       <p:transition spd="slow"/>
     </mc:Fallback>
   </mc:AlternateContent>
@@ -12668,15 +12126,7 @@
             </a:r>
             <a:r>
               <a:rPr lang="en-US" sz="2400" dirty="0"/>
-              <a:t>) is </a:t>
-            </a:r>
-            <a:r>
-              <a:rPr lang="en-US" sz="2400" dirty="0"/>
-              <a:t>a finite state machine </a:t>
-            </a:r>
-            <a:r>
-              <a:rPr lang="en-US" sz="2400" dirty="0"/>
-              <a:t> with two tapes: an input tape and an output tape. </a:t>
+              <a:t>) is a finite state machine  with two tapes: an input tape and an output tape. </a:t>
             </a:r>
           </a:p>
         </p:txBody>
@@ -12759,11 +12209,11 @@
   <p:clrMapOvr>
     <a:masterClrMapping/>
   </p:clrMapOvr>
-  <mc:AlternateContent xmlns:mc="http://schemas.openxmlformats.org/markup-compatibility/2006">
-    <mc:Choice xmlns:p14="http://schemas.microsoft.com/office/powerpoint/2010/main" Requires="p14">
+  <mc:AlternateContent xmlns:mc="http://schemas.openxmlformats.org/markup-compatibility/2006" xmlns:p14="http://schemas.microsoft.com/office/powerpoint/2010/main">
+    <mc:Choice Requires="p14">
       <p:transition spd="slow" p14:dur="2000"/>
     </mc:Choice>
-    <mc:Fallback>
+    <mc:Fallback xmlns="">
       <p:transition spd="slow"/>
     </mc:Fallback>
   </mc:AlternateContent>
@@ -12963,11 +12413,11 @@
   <p:clrMapOvr>
     <a:masterClrMapping/>
   </p:clrMapOvr>
-  <mc:AlternateContent xmlns:mc="http://schemas.openxmlformats.org/markup-compatibility/2006">
-    <mc:Choice xmlns:p14="http://schemas.microsoft.com/office/powerpoint/2010/main" Requires="p14">
+  <mc:AlternateContent xmlns:mc="http://schemas.openxmlformats.org/markup-compatibility/2006" xmlns:p14="http://schemas.microsoft.com/office/powerpoint/2010/main">
+    <mc:Choice Requires="p14">
       <p:transition spd="slow" p14:dur="2000"/>
     </mc:Choice>
-    <mc:Fallback>
+    <mc:Fallback xmlns="">
       <p:transition spd="slow"/>
     </mc:Fallback>
   </mc:AlternateContent>
@@ -13069,11 +12519,11 @@
   <p:clrMapOvr>
     <a:masterClrMapping/>
   </p:clrMapOvr>
-  <mc:AlternateContent xmlns:mc="http://schemas.openxmlformats.org/markup-compatibility/2006">
-    <mc:Choice xmlns:p14="http://schemas.microsoft.com/office/powerpoint/2010/main" Requires="p14">
+  <mc:AlternateContent xmlns:mc="http://schemas.openxmlformats.org/markup-compatibility/2006" xmlns:p14="http://schemas.microsoft.com/office/powerpoint/2010/main">
+    <mc:Choice Requires="p14">
       <p:transition spd="slow" p14:dur="2000"/>
     </mc:Choice>
-    <mc:Fallback>
+    <mc:Fallback xmlns="">
       <p:transition spd="slow"/>
     </mc:Fallback>
   </mc:AlternateContent>
@@ -13156,15 +12606,7 @@
           <a:p>
             <a:r>
               <a:rPr lang="en-US" sz="2100" dirty="0"/>
-              <a:t>Pattern: </a:t>
-            </a:r>
-            <a:r>
-              <a:rPr lang="en-US" sz="2100" dirty="0"/>
-              <a:t>DE-LEVEL DEGREE ( IN | OF ) DT? </a:t>
-            </a:r>
-            <a:r>
-              <a:rPr lang="en-US" sz="2100" dirty="0"/>
-              <a:t>MAJOR</a:t>
+              <a:t>Pattern: DE-LEVEL DEGREE ( IN | OF ) DT? MAJOR</a:t>
             </a:r>
           </a:p>
           <a:p>
@@ -13188,15 +12630,7 @@
                   <a:schemeClr val="tx1"/>
                 </a:solidFill>
               </a:rPr>
-              <a:t> </a:t>
-            </a:r>
-            <a:r>
-              <a:rPr lang="en-US" dirty="0">
-                <a:solidFill>
-                  <a:schemeClr val="tx1"/>
-                </a:solidFill>
-              </a:rPr>
-              <a:t>=</a:t>
+              <a:t> =</a:t>
             </a:r>
             <a:r>
               <a:rPr lang="en-US" dirty="0" err="1">
@@ -13227,11 +12661,11 @@
   <p:clrMapOvr>
     <a:masterClrMapping/>
   </p:clrMapOvr>
-  <mc:AlternateContent xmlns:mc="http://schemas.openxmlformats.org/markup-compatibility/2006">
-    <mc:Choice xmlns:p14="http://schemas.microsoft.com/office/powerpoint/2010/main" Requires="p14">
+  <mc:AlternateContent xmlns:mc="http://schemas.openxmlformats.org/markup-compatibility/2006" xmlns:p14="http://schemas.microsoft.com/office/powerpoint/2010/main">
+    <mc:Choice Requires="p14">
       <p:transition spd="slow" p14:dur="2000"/>
     </mc:Choice>
-    <mc:Fallback>
+    <mc:Fallback xmlns="">
       <p:transition spd="slow"/>
     </mc:Fallback>
   </mc:AlternateContent>
@@ -13287,7 +12721,6 @@
               <a:rPr lang="en-US" sz="2400" dirty="0" smtClean="0"/>
               <a:t>”</a:t>
             </a:r>
-            <a:endParaRPr lang="en-US" sz="2400" dirty="0" smtClean="0"/>
           </a:p>
           <a:p>
             <a:r>
@@ -13409,11 +12842,11 @@
   <p:clrMapOvr>
     <a:masterClrMapping/>
   </p:clrMapOvr>
-  <mc:AlternateContent xmlns:mc="http://schemas.openxmlformats.org/markup-compatibility/2006">
-    <mc:Choice xmlns:p14="http://schemas.microsoft.com/office/powerpoint/2010/main" Requires="p14">
+  <mc:AlternateContent xmlns:mc="http://schemas.openxmlformats.org/markup-compatibility/2006" xmlns:p14="http://schemas.microsoft.com/office/powerpoint/2010/main">
+    <mc:Choice Requires="p14">
       <p:transition spd="slow" p14:dur="2000"/>
     </mc:Choice>
-    <mc:Fallback>
+    <mc:Fallback xmlns="">
       <p:transition spd="slow"/>
     </mc:Fallback>
   </mc:AlternateContent>
@@ -13739,11 +13172,11 @@
   <p:clrMapOvr>
     <a:masterClrMapping/>
   </p:clrMapOvr>
-  <mc:AlternateContent xmlns:mc="http://schemas.openxmlformats.org/markup-compatibility/2006">
-    <mc:Choice xmlns:p14="http://schemas.microsoft.com/office/powerpoint/2010/main" Requires="p14">
+  <mc:AlternateContent xmlns:mc="http://schemas.openxmlformats.org/markup-compatibility/2006" xmlns:p14="http://schemas.microsoft.com/office/powerpoint/2010/main">
+    <mc:Choice Requires="p14">
       <p:transition spd="slow" p14:dur="2000"/>
     </mc:Choice>
-    <mc:Fallback>
+    <mc:Fallback xmlns="">
       <p:transition spd="slow"/>
     </mc:Fallback>
   </mc:AlternateContent>
@@ -13826,13 +13259,8 @@
           <a:p>
             <a:r>
               <a:rPr lang="en-US" sz="3000" dirty="0"/>
-              <a:t>customized </a:t>
-            </a:r>
-            <a:r>
-              <a:rPr lang="en-US" sz="3000" dirty="0"/>
-              <a:t>in catch function and output function by lambda expression  </a:t>
-            </a:r>
-            <a:endParaRPr lang="en-US" sz="3000" dirty="0"/>
+              <a:t>customized in catch function and output function by lambda expression  </a:t>
+            </a:r>
           </a:p>
         </p:txBody>
       </p:sp>
@@ -14183,11 +13611,11 @@
   <p:clrMapOvr>
     <a:masterClrMapping/>
   </p:clrMapOvr>
-  <mc:AlternateContent xmlns:mc="http://schemas.openxmlformats.org/markup-compatibility/2006">
-    <mc:Choice xmlns:p14="http://schemas.microsoft.com/office/powerpoint/2010/main" Requires="p14">
+  <mc:AlternateContent xmlns:mc="http://schemas.openxmlformats.org/markup-compatibility/2006" xmlns:p14="http://schemas.microsoft.com/office/powerpoint/2010/main">
+    <mc:Choice Requires="p14">
       <p:transition spd="slow" p14:dur="2000"/>
     </mc:Choice>
-    <mc:Fallback>
+    <mc:Fallback xmlns="">
       <p:transition spd="slow"/>
     </mc:Fallback>
   </mc:AlternateContent>
@@ -14333,11 +13761,11 @@
   <p:clrMapOvr>
     <a:masterClrMapping/>
   </p:clrMapOvr>
-  <mc:AlternateContent xmlns:mc="http://schemas.openxmlformats.org/markup-compatibility/2006">
-    <mc:Choice xmlns:p14="http://schemas.microsoft.com/office/powerpoint/2010/main" Requires="p14">
+  <mc:AlternateContent xmlns:mc="http://schemas.openxmlformats.org/markup-compatibility/2006" xmlns:p14="http://schemas.microsoft.com/office/powerpoint/2010/main">
+    <mc:Choice Requires="p14">
       <p:transition spd="slow" p14:dur="2000"/>
     </mc:Choice>
-    <mc:Fallback>
+    <mc:Fallback xmlns="">
       <p:transition spd="slow"/>
     </mc:Fallback>
   </mc:AlternateContent>
@@ -14379,7 +13807,7 @@
         </p:blipFill>
         <p:spPr>
           <a:xfrm>
-            <a:off x="724437" y="2532476"/>
+            <a:off x="475108" y="2486685"/>
             <a:ext cx="6399394" cy="798851"/>
           </a:xfrm>
           <a:prstGeom prst="rect">
@@ -14481,14 +13909,21 @@
   <p:clrMapOvr>
     <a:masterClrMapping/>
   </p:clrMapOvr>
-  <mc:AlternateContent xmlns:mc="http://schemas.openxmlformats.org/markup-compatibility/2006">
-    <mc:Choice xmlns:p14="http://schemas.microsoft.com/office/powerpoint/2010/main" Requires="p14">
+  <mc:AlternateContent xmlns:mc="http://schemas.openxmlformats.org/markup-compatibility/2006" xmlns:p14="http://schemas.microsoft.com/office/powerpoint/2010/main">
+    <mc:Choice Requires="p14">
       <p:transition spd="slow" p14:dur="2000"/>
     </mc:Choice>
-    <mc:Fallback>
+    <mc:Fallback xmlns="">
       <p:transition spd="slow"/>
     </mc:Fallback>
   </mc:AlternateContent>
+  <p:timing>
+    <p:tnLst>
+      <p:par>
+        <p:cTn id="1" dur="indefinite" restart="never" nodeType="tmRoot"/>
+      </p:par>
+    </p:tnLst>
+  </p:timing>
 </p:sld>
 </file>
 
@@ -14539,11 +13974,6 @@
               </a:rPr>
               <a:t>Similarity Calculation </a:t>
             </a:r>
-            <a:endParaRPr lang="en-US" sz="4050" dirty="0">
-              <a:solidFill>
-                <a:schemeClr val="tx1"/>
-              </a:solidFill>
-            </a:endParaRPr>
           </a:p>
         </p:txBody>
       </p:sp>
@@ -14557,11 +13987,11 @@
   <p:clrMapOvr>
     <a:masterClrMapping/>
   </p:clrMapOvr>
-  <mc:AlternateContent xmlns:mc="http://schemas.openxmlformats.org/markup-compatibility/2006">
-    <mc:Choice xmlns:p14="http://schemas.microsoft.com/office/powerpoint/2010/main" Requires="p14">
+  <mc:AlternateContent xmlns:mc="http://schemas.openxmlformats.org/markup-compatibility/2006" xmlns:p14="http://schemas.microsoft.com/office/powerpoint/2010/main">
+    <mc:Choice Requires="p14">
       <p:transition spd="slow" p14:dur="2000"/>
     </mc:Choice>
-    <mc:Fallback>
+    <mc:Fallback xmlns="">
       <p:transition spd="slow"/>
     </mc:Fallback>
   </mc:AlternateContent>
@@ -14811,11 +14241,11 @@
   <p:clrMapOvr>
     <a:masterClrMapping/>
   </p:clrMapOvr>
-  <mc:AlternateContent xmlns:mc="http://schemas.openxmlformats.org/markup-compatibility/2006">
-    <mc:Choice xmlns:p14="http://schemas.microsoft.com/office/powerpoint/2010/main" Requires="p14">
+  <mc:AlternateContent xmlns:mc="http://schemas.openxmlformats.org/markup-compatibility/2006" xmlns:p14="http://schemas.microsoft.com/office/powerpoint/2010/main">
+    <mc:Choice Requires="p14">
       <p:transition spd="slow" p14:dur="2000"/>
     </mc:Choice>
-    <mc:Fallback>
+    <mc:Fallback xmlns="">
       <p:transition spd="slow"/>
     </mc:Fallback>
   </mc:AlternateContent>
@@ -14980,11 +14410,11 @@
   <p:clrMapOvr>
     <a:masterClrMapping/>
   </p:clrMapOvr>
-  <mc:AlternateContent xmlns:mc="http://schemas.openxmlformats.org/markup-compatibility/2006">
-    <mc:Choice xmlns:p14="http://schemas.microsoft.com/office/powerpoint/2010/main" Requires="p14">
+  <mc:AlternateContent xmlns:mc="http://schemas.openxmlformats.org/markup-compatibility/2006" xmlns:p14="http://schemas.microsoft.com/office/powerpoint/2010/main">
+    <mc:Choice Requires="p14">
       <p:transition spd="slow" p14:dur="2000"/>
     </mc:Choice>
-    <mc:Fallback>
+    <mc:Fallback xmlns="">
       <p:transition spd="slow"/>
     </mc:Fallback>
   </mc:AlternateContent>
@@ -15165,11 +14595,11 @@
   <p:clrMapOvr>
     <a:masterClrMapping/>
   </p:clrMapOvr>
-  <mc:AlternateContent xmlns:mc="http://schemas.openxmlformats.org/markup-compatibility/2006">
-    <mc:Choice xmlns:p14="http://schemas.microsoft.com/office/powerpoint/2010/main" Requires="p14">
+  <mc:AlternateContent xmlns:mc="http://schemas.openxmlformats.org/markup-compatibility/2006" xmlns:p14="http://schemas.microsoft.com/office/powerpoint/2010/main">
+    <mc:Choice Requires="p14">
       <p:transition spd="slow" p14:dur="2000"/>
     </mc:Choice>
-    <mc:Fallback>
+    <mc:Fallback xmlns="">
       <p:transition spd="slow"/>
     </mc:Fallback>
   </mc:AlternateContent>
@@ -15265,11 +14695,11 @@
   <p:clrMapOvr>
     <a:masterClrMapping/>
   </p:clrMapOvr>
-  <mc:AlternateContent xmlns:mc="http://schemas.openxmlformats.org/markup-compatibility/2006">
-    <mc:Choice xmlns:p14="http://schemas.microsoft.com/office/powerpoint/2010/main" Requires="p14">
+  <mc:AlternateContent xmlns:mc="http://schemas.openxmlformats.org/markup-compatibility/2006" xmlns:p14="http://schemas.microsoft.com/office/powerpoint/2010/main">
+    <mc:Choice Requires="p14">
       <p:transition spd="slow" p14:dur="2000"/>
     </mc:Choice>
-    <mc:Fallback>
+    <mc:Fallback xmlns="">
       <p:transition spd="slow"/>
     </mc:Fallback>
   </mc:AlternateContent>
@@ -15389,11 +14819,11 @@
   <p:clrMapOvr>
     <a:masterClrMapping/>
   </p:clrMapOvr>
-  <mc:AlternateContent xmlns:mc="http://schemas.openxmlformats.org/markup-compatibility/2006">
-    <mc:Choice xmlns:p14="http://schemas.microsoft.com/office/powerpoint/2010/main" Requires="p14">
+  <mc:AlternateContent xmlns:mc="http://schemas.openxmlformats.org/markup-compatibility/2006" xmlns:p14="http://schemas.microsoft.com/office/powerpoint/2010/main">
+    <mc:Choice Requires="p14">
       <p:transition spd="slow" p14:dur="2000"/>
     </mc:Choice>
-    <mc:Fallback>
+    <mc:Fallback xmlns="">
       <p:transition spd="slow"/>
     </mc:Fallback>
   </mc:AlternateContent>
@@ -15463,11 +14893,11 @@
   <p:clrMapOvr>
     <a:masterClrMapping/>
   </p:clrMapOvr>
-  <mc:AlternateContent xmlns:mc="http://schemas.openxmlformats.org/markup-compatibility/2006">
-    <mc:Choice xmlns:p14="http://schemas.microsoft.com/office/powerpoint/2010/main" Requires="p14">
+  <mc:AlternateContent xmlns:mc="http://schemas.openxmlformats.org/markup-compatibility/2006" xmlns:p14="http://schemas.microsoft.com/office/powerpoint/2010/main">
+    <mc:Choice Requires="p14">
       <p:transition spd="slow" p14:dur="2000"/>
     </mc:Choice>
-    <mc:Fallback>
+    <mc:Fallback xmlns="">
       <p:transition spd="slow"/>
     </mc:Fallback>
   </mc:AlternateContent>
@@ -15540,24 +14970,16 @@
             </a:r>
             <a:r>
               <a:rPr lang="en-US" dirty="0" smtClean="0"/>
-              <a:t>Feature-based </a:t>
-            </a:r>
+              <a:t>Feature-based measures</a:t>
+            </a:r>
+          </a:p>
+          <a:p>
+            <a:endParaRPr lang="en-US" dirty="0"/>
+          </a:p>
+          <a:p>
             <a:r>
               <a:rPr lang="en-US" dirty="0" smtClean="0"/>
-              <a:t>measures</a:t>
-            </a:r>
-          </a:p>
-          <a:p>
-            <a:endParaRPr lang="en-US" dirty="0"/>
-          </a:p>
-          <a:p>
-            <a:r>
-              <a:rPr lang="en-US" dirty="0" smtClean="0"/>
-              <a:t>Content-based </a:t>
-            </a:r>
-            <a:r>
-              <a:rPr lang="en-US" dirty="0" smtClean="0"/>
-              <a:t>measures  </a:t>
+              <a:t>Content-based measures  </a:t>
             </a:r>
           </a:p>
           <a:p>
@@ -15697,11 +15119,11 @@
   <p:clrMapOvr>
     <a:masterClrMapping/>
   </p:clrMapOvr>
-  <mc:AlternateContent xmlns:mc="http://schemas.openxmlformats.org/markup-compatibility/2006">
-    <mc:Choice xmlns:p14="http://schemas.microsoft.com/office/powerpoint/2010/main" Requires="p14">
+  <mc:AlternateContent xmlns:mc="http://schemas.openxmlformats.org/markup-compatibility/2006" xmlns:p14="http://schemas.microsoft.com/office/powerpoint/2010/main">
+    <mc:Choice Requires="p14">
       <p:transition spd="slow" p14:dur="2000"/>
     </mc:Choice>
-    <mc:Fallback>
+    <mc:Fallback xmlns="">
       <p:transition spd="slow"/>
     </mc:Fallback>
   </mc:AlternateContent>
@@ -15839,11 +15261,11 @@
   <p:clrMapOvr>
     <a:masterClrMapping/>
   </p:clrMapOvr>
-  <mc:AlternateContent xmlns:mc="http://schemas.openxmlformats.org/markup-compatibility/2006">
-    <mc:Choice xmlns:p14="http://schemas.microsoft.com/office/powerpoint/2010/main" Requires="p14">
+  <mc:AlternateContent xmlns:mc="http://schemas.openxmlformats.org/markup-compatibility/2006" xmlns:p14="http://schemas.microsoft.com/office/powerpoint/2010/main">
+    <mc:Choice Requires="p14">
       <p:transition spd="slow" p14:dur="2000"/>
     </mc:Choice>
-    <mc:Fallback>
+    <mc:Fallback xmlns="">
       <p:transition spd="slow"/>
     </mc:Fallback>
   </mc:AlternateContent>
@@ -16045,11 +15467,11 @@
   <p:clrMapOvr>
     <a:masterClrMapping/>
   </p:clrMapOvr>
-  <mc:AlternateContent xmlns:mc="http://schemas.openxmlformats.org/markup-compatibility/2006">
-    <mc:Choice xmlns:p14="http://schemas.microsoft.com/office/powerpoint/2010/main" Requires="p14">
+  <mc:AlternateContent xmlns:mc="http://schemas.openxmlformats.org/markup-compatibility/2006" xmlns:p14="http://schemas.microsoft.com/office/powerpoint/2010/main">
+    <mc:Choice Requires="p14">
       <p:transition spd="slow" p14:dur="2000"/>
     </mc:Choice>
-    <mc:Fallback>
+    <mc:Fallback xmlns="">
       <p:transition spd="slow"/>
     </mc:Fallback>
   </mc:AlternateContent>
@@ -16214,14 +15636,21 @@
   <p:clrMapOvr>
     <a:masterClrMapping/>
   </p:clrMapOvr>
-  <mc:AlternateContent xmlns:mc="http://schemas.openxmlformats.org/markup-compatibility/2006">
-    <mc:Choice xmlns:p14="http://schemas.microsoft.com/office/powerpoint/2010/main" Requires="p14">
+  <mc:AlternateContent xmlns:mc="http://schemas.openxmlformats.org/markup-compatibility/2006" xmlns:p14="http://schemas.microsoft.com/office/powerpoint/2010/main">
+    <mc:Choice Requires="p14">
       <p:transition spd="slow" p14:dur="2000"/>
     </mc:Choice>
-    <mc:Fallback>
+    <mc:Fallback xmlns="">
       <p:transition spd="slow"/>
     </mc:Fallback>
   </mc:AlternateContent>
+  <p:timing>
+    <p:tnLst>
+      <p:par>
+        <p:cTn id="1" dur="indefinite" restart="never" nodeType="tmRoot"/>
+      </p:par>
+    </p:tnLst>
+  </p:timing>
 </p:sld>
 </file>
 
@@ -16312,11 +15741,11 @@
   <p:clrMapOvr>
     <a:masterClrMapping/>
   </p:clrMapOvr>
-  <mc:AlternateContent xmlns:mc="http://schemas.openxmlformats.org/markup-compatibility/2006">
-    <mc:Choice xmlns:p14="http://schemas.microsoft.com/office/powerpoint/2010/main" Requires="p14">
+  <mc:AlternateContent xmlns:mc="http://schemas.openxmlformats.org/markup-compatibility/2006" xmlns:p14="http://schemas.microsoft.com/office/powerpoint/2010/main">
+    <mc:Choice Requires="p14">
       <p:transition spd="slow" p14:dur="2000"/>
     </mc:Choice>
-    <mc:Fallback>
+    <mc:Fallback xmlns="">
       <p:transition spd="slow"/>
     </mc:Fallback>
   </mc:AlternateContent>
@@ -16410,11 +15839,11 @@
   <p:clrMapOvr>
     <a:masterClrMapping/>
   </p:clrMapOvr>
-  <mc:AlternateContent xmlns:mc="http://schemas.openxmlformats.org/markup-compatibility/2006">
-    <mc:Choice xmlns:p14="http://schemas.microsoft.com/office/powerpoint/2010/main" Requires="p14">
+  <mc:AlternateContent xmlns:mc="http://schemas.openxmlformats.org/markup-compatibility/2006" xmlns:p14="http://schemas.microsoft.com/office/powerpoint/2010/main">
+    <mc:Choice Requires="p14">
       <p:transition spd="slow" p14:dur="2000"/>
     </mc:Choice>
-    <mc:Fallback>
+    <mc:Fallback xmlns="">
       <p:transition spd="slow"/>
     </mc:Fallback>
   </mc:AlternateContent>
@@ -16510,11 +15939,11 @@
   <p:clrMapOvr>
     <a:masterClrMapping/>
   </p:clrMapOvr>
-  <mc:AlternateContent xmlns:mc="http://schemas.openxmlformats.org/markup-compatibility/2006">
-    <mc:Choice xmlns:p14="http://schemas.microsoft.com/office/powerpoint/2010/main" Requires="p14">
+  <mc:AlternateContent xmlns:mc="http://schemas.openxmlformats.org/markup-compatibility/2006" xmlns:p14="http://schemas.microsoft.com/office/powerpoint/2010/main">
+    <mc:Choice Requires="p14">
       <p:transition spd="slow" p14:dur="2000"/>
     </mc:Choice>
-    <mc:Fallback>
+    <mc:Fallback xmlns="">
       <p:transition spd="slow"/>
     </mc:Fallback>
   </mc:AlternateContent>
@@ -16652,11 +16081,11 @@
   <p:clrMapOvr>
     <a:masterClrMapping/>
   </p:clrMapOvr>
-  <mc:AlternateContent xmlns:mc="http://schemas.openxmlformats.org/markup-compatibility/2006">
-    <mc:Choice xmlns:p14="http://schemas.microsoft.com/office/powerpoint/2010/main" Requires="p14">
+  <mc:AlternateContent xmlns:mc="http://schemas.openxmlformats.org/markup-compatibility/2006" xmlns:p14="http://schemas.microsoft.com/office/powerpoint/2010/main">
+    <mc:Choice Requires="p14">
       <p:transition spd="slow" p14:dur="2000"/>
     </mc:Choice>
-    <mc:Fallback>
+    <mc:Fallback xmlns="">
       <p:transition spd="slow"/>
     </mc:Fallback>
   </mc:AlternateContent>
@@ -16790,11 +16219,11 @@
   <p:clrMapOvr>
     <a:masterClrMapping/>
   </p:clrMapOvr>
-  <mc:AlternateContent xmlns:mc="http://schemas.openxmlformats.org/markup-compatibility/2006">
-    <mc:Choice xmlns:p14="http://schemas.microsoft.com/office/powerpoint/2010/main" Requires="p14">
+  <mc:AlternateContent xmlns:mc="http://schemas.openxmlformats.org/markup-compatibility/2006" xmlns:p14="http://schemas.microsoft.com/office/powerpoint/2010/main">
+    <mc:Choice Requires="p14">
       <p:transition spd="slow" p14:dur="2000"/>
     </mc:Choice>
-    <mc:Fallback>
+    <mc:Fallback xmlns="">
       <p:transition spd="slow"/>
     </mc:Fallback>
   </mc:AlternateContent>
@@ -16885,11 +16314,11 @@
   <p:clrMapOvr>
     <a:masterClrMapping/>
   </p:clrMapOvr>
-  <mc:AlternateContent xmlns:mc="http://schemas.openxmlformats.org/markup-compatibility/2006">
-    <mc:Choice xmlns:p14="http://schemas.microsoft.com/office/powerpoint/2010/main" Requires="p14">
+  <mc:AlternateContent xmlns:mc="http://schemas.openxmlformats.org/markup-compatibility/2006" xmlns:p14="http://schemas.microsoft.com/office/powerpoint/2010/main">
+    <mc:Choice Requires="p14">
       <p:transition spd="slow" p14:dur="2000"/>
     </mc:Choice>
-    <mc:Fallback>
+    <mc:Fallback xmlns="">
       <p:transition spd="slow"/>
     </mc:Fallback>
   </mc:AlternateContent>
@@ -16978,11 +16407,11 @@
   <p:clrMapOvr>
     <a:masterClrMapping/>
   </p:clrMapOvr>
-  <mc:AlternateContent xmlns:mc="http://schemas.openxmlformats.org/markup-compatibility/2006">
-    <mc:Choice xmlns:p14="http://schemas.microsoft.com/office/powerpoint/2010/main" Requires="p14">
+  <mc:AlternateContent xmlns:mc="http://schemas.openxmlformats.org/markup-compatibility/2006" xmlns:p14="http://schemas.microsoft.com/office/powerpoint/2010/main">
+    <mc:Choice Requires="p14">
       <p:transition spd="slow" p14:dur="2000"/>
     </mc:Choice>
-    <mc:Fallback>
+    <mc:Fallback xmlns="">
       <p:transition spd="slow"/>
     </mc:Fallback>
   </mc:AlternateContent>
@@ -17073,11 +16502,11 @@
   <p:clrMapOvr>
     <a:masterClrMapping/>
   </p:clrMapOvr>
-  <mc:AlternateContent xmlns:mc="http://schemas.openxmlformats.org/markup-compatibility/2006">
-    <mc:Choice xmlns:p14="http://schemas.microsoft.com/office/powerpoint/2010/main" Requires="p14">
+  <mc:AlternateContent xmlns:mc="http://schemas.openxmlformats.org/markup-compatibility/2006" xmlns:p14="http://schemas.microsoft.com/office/powerpoint/2010/main">
+    <mc:Choice Requires="p14">
       <p:transition spd="slow" p14:dur="2000"/>
     </mc:Choice>
-    <mc:Fallback>
+    <mc:Fallback xmlns="">
       <p:transition spd="slow"/>
     </mc:Fallback>
   </mc:AlternateContent>
@@ -17221,11 +16650,11 @@
   <p:clrMapOvr>
     <a:masterClrMapping/>
   </p:clrMapOvr>
-  <mc:AlternateContent xmlns:mc="http://schemas.openxmlformats.org/markup-compatibility/2006">
-    <mc:Choice xmlns:p14="http://schemas.microsoft.com/office/powerpoint/2010/main" Requires="p14">
+  <mc:AlternateContent xmlns:mc="http://schemas.openxmlformats.org/markup-compatibility/2006" xmlns:p14="http://schemas.microsoft.com/office/powerpoint/2010/main">
+    <mc:Choice Requires="p14">
       <p:transition spd="slow" p14:dur="2000"/>
     </mc:Choice>
-    <mc:Fallback>
+    <mc:Fallback xmlns="">
       <p:transition spd="slow"/>
     </mc:Fallback>
   </mc:AlternateContent>
@@ -17350,11 +16779,11 @@
   <p:clrMapOvr>
     <a:masterClrMapping/>
   </p:clrMapOvr>
-  <mc:AlternateContent xmlns:mc="http://schemas.openxmlformats.org/markup-compatibility/2006">
-    <mc:Choice xmlns:p14="http://schemas.microsoft.com/office/powerpoint/2010/main" Requires="p14">
+  <mc:AlternateContent xmlns:mc="http://schemas.openxmlformats.org/markup-compatibility/2006" xmlns:p14="http://schemas.microsoft.com/office/powerpoint/2010/main">
+    <mc:Choice Requires="p14">
       <p:transition spd="slow" p14:dur="2000"/>
     </mc:Choice>
-    <mc:Fallback>
+    <mc:Fallback xmlns="">
       <p:transition spd="slow"/>
     </mc:Fallback>
   </mc:AlternateContent>
@@ -17420,7 +16849,6 @@
               <a:rPr lang="en-US" sz="2400" dirty="0" smtClean="0"/>
               <a:t>experiences</a:t>
             </a:r>
-            <a:endParaRPr lang="en-US" sz="2400" dirty="0" smtClean="0"/>
           </a:p>
           <a:p>
             <a:pPr lvl="1"/>
@@ -17496,14 +16924,21 @@
   <p:clrMapOvr>
     <a:masterClrMapping/>
   </p:clrMapOvr>
-  <mc:AlternateContent xmlns:mc="http://schemas.openxmlformats.org/markup-compatibility/2006">
-    <mc:Choice xmlns:p14="http://schemas.microsoft.com/office/powerpoint/2010/main" Requires="p14">
+  <mc:AlternateContent xmlns:mc="http://schemas.openxmlformats.org/markup-compatibility/2006" xmlns:p14="http://schemas.microsoft.com/office/powerpoint/2010/main">
+    <mc:Choice Requires="p14">
       <p:transition spd="slow" p14:dur="2000"/>
     </mc:Choice>
-    <mc:Fallback>
+    <mc:Fallback xmlns="">
       <p:transition spd="slow"/>
     </mc:Fallback>
   </mc:AlternateContent>
+  <p:timing>
+    <p:tnLst>
+      <p:par>
+        <p:cTn id="1" dur="indefinite" restart="never" nodeType="tmRoot"/>
+      </p:par>
+    </p:tnLst>
+  </p:timing>
 </p:sld>
 </file>
 
@@ -17686,11 +17121,11 @@
   <p:clrMapOvr>
     <a:masterClrMapping/>
   </p:clrMapOvr>
-  <mc:AlternateContent xmlns:mc="http://schemas.openxmlformats.org/markup-compatibility/2006">
-    <mc:Choice xmlns:p14="http://schemas.microsoft.com/office/powerpoint/2010/main" Requires="p14">
+  <mc:AlternateContent xmlns:mc="http://schemas.openxmlformats.org/markup-compatibility/2006" xmlns:p14="http://schemas.microsoft.com/office/powerpoint/2010/main">
+    <mc:Choice Requires="p14">
       <p:transition spd="slow" p14:dur="2000"/>
     </mc:Choice>
-    <mc:Fallback>
+    <mc:Fallback xmlns="">
       <p:transition spd="slow"/>
     </mc:Fallback>
   </mc:AlternateContent>
@@ -17820,11 +17255,11 @@
   <p:clrMapOvr>
     <a:masterClrMapping/>
   </p:clrMapOvr>
-  <mc:AlternateContent xmlns:mc="http://schemas.openxmlformats.org/markup-compatibility/2006">
-    <mc:Choice xmlns:p14="http://schemas.microsoft.com/office/powerpoint/2010/main" Requires="p14">
+  <mc:AlternateContent xmlns:mc="http://schemas.openxmlformats.org/markup-compatibility/2006" xmlns:p14="http://schemas.microsoft.com/office/powerpoint/2010/main">
+    <mc:Choice Requires="p14">
       <p:transition spd="slow" p14:dur="2000"/>
     </mc:Choice>
-    <mc:Fallback>
+    <mc:Fallback xmlns="">
       <p:transition spd="slow"/>
     </mc:Fallback>
   </mc:AlternateContent>
@@ -17934,11 +17369,11 @@
   <p:clrMapOvr>
     <a:masterClrMapping/>
   </p:clrMapOvr>
-  <mc:AlternateContent xmlns:mc="http://schemas.openxmlformats.org/markup-compatibility/2006">
-    <mc:Choice xmlns:p14="http://schemas.microsoft.com/office/powerpoint/2010/main" Requires="p14">
+  <mc:AlternateContent xmlns:mc="http://schemas.openxmlformats.org/markup-compatibility/2006" xmlns:p14="http://schemas.microsoft.com/office/powerpoint/2010/main">
+    <mc:Choice Requires="p14">
       <p:transition spd="slow" p14:dur="2000"/>
     </mc:Choice>
-    <mc:Fallback>
+    <mc:Fallback xmlns="">
       <p:transition spd="slow"/>
     </mc:Fallback>
   </mc:AlternateContent>
@@ -18029,11 +17464,11 @@
   <p:clrMapOvr>
     <a:masterClrMapping/>
   </p:clrMapOvr>
-  <mc:AlternateContent xmlns:mc="http://schemas.openxmlformats.org/markup-compatibility/2006">
-    <mc:Choice xmlns:p14="http://schemas.microsoft.com/office/powerpoint/2010/main" Requires="p14">
+  <mc:AlternateContent xmlns:mc="http://schemas.openxmlformats.org/markup-compatibility/2006" xmlns:p14="http://schemas.microsoft.com/office/powerpoint/2010/main">
+    <mc:Choice Requires="p14">
       <p:transition spd="slow" p14:dur="2000"/>
     </mc:Choice>
-    <mc:Fallback>
+    <mc:Fallback xmlns="">
       <p:transition spd="slow"/>
     </mc:Fallback>
   </mc:AlternateContent>
@@ -18124,11 +17559,11 @@
   <p:clrMapOvr>
     <a:masterClrMapping/>
   </p:clrMapOvr>
-  <mc:AlternateContent xmlns:mc="http://schemas.openxmlformats.org/markup-compatibility/2006">
-    <mc:Choice xmlns:p14="http://schemas.microsoft.com/office/powerpoint/2010/main" Requires="p14">
+  <mc:AlternateContent xmlns:mc="http://schemas.openxmlformats.org/markup-compatibility/2006" xmlns:p14="http://schemas.microsoft.com/office/powerpoint/2010/main">
+    <mc:Choice Requires="p14">
       <p:transition spd="slow" p14:dur="2000"/>
     </mc:Choice>
-    <mc:Fallback>
+    <mc:Fallback xmlns="">
       <p:transition spd="slow"/>
     </mc:Fallback>
   </mc:AlternateContent>
@@ -18222,11 +17657,11 @@
   <p:clrMapOvr>
     <a:masterClrMapping/>
   </p:clrMapOvr>
-  <mc:AlternateContent xmlns:mc="http://schemas.openxmlformats.org/markup-compatibility/2006">
-    <mc:Choice xmlns:p14="http://schemas.microsoft.com/office/powerpoint/2010/main" Requires="p14">
+  <mc:AlternateContent xmlns:mc="http://schemas.openxmlformats.org/markup-compatibility/2006" xmlns:p14="http://schemas.microsoft.com/office/powerpoint/2010/main">
+    <mc:Choice Requires="p14">
       <p:transition spd="slow" p14:dur="2000"/>
     </mc:Choice>
-    <mc:Fallback>
+    <mc:Fallback xmlns="">
       <p:transition spd="slow"/>
     </mc:Fallback>
   </mc:AlternateContent>
@@ -18360,11 +17795,11 @@
   <p:clrMapOvr>
     <a:masterClrMapping/>
   </p:clrMapOvr>
-  <mc:AlternateContent xmlns:mc="http://schemas.openxmlformats.org/markup-compatibility/2006">
-    <mc:Choice xmlns:p14="http://schemas.microsoft.com/office/powerpoint/2010/main" Requires="p14">
+  <mc:AlternateContent xmlns:mc="http://schemas.openxmlformats.org/markup-compatibility/2006" xmlns:p14="http://schemas.microsoft.com/office/powerpoint/2010/main">
+    <mc:Choice Requires="p14">
       <p:transition spd="slow" p14:dur="2000"/>
     </mc:Choice>
-    <mc:Fallback>
+    <mc:Fallback xmlns="">
       <p:transition spd="slow"/>
     </mc:Fallback>
   </mc:AlternateContent>
@@ -18411,14 +17846,14 @@
           <a:effectLst/>
           <a:extLst>
             <a:ext uri="{909E8E84-426E-40dd-AFC4-6F175D3DCCD1}">
-              <a14:hiddenFill xmlns:a14="http://schemas.microsoft.com/office/drawing/2010/main" xmlns="">
+              <a14:hiddenFill xmlns="" xmlns:a14="http://schemas.microsoft.com/office/drawing/2010/main">
                 <a:solidFill>
                   <a:srgbClr val="FFFFFF"/>
                 </a:solidFill>
               </a14:hiddenFill>
             </a:ext>
             <a:ext uri="{91240B29-F687-4f45-9708-019B960494DF}">
-              <a14:hiddenLine xmlns:a14="http://schemas.microsoft.com/office/drawing/2010/main" xmlns="" w="9525">
+              <a14:hiddenLine xmlns="" xmlns:a14="http://schemas.microsoft.com/office/drawing/2010/main" w="9525">
                 <a:solidFill>
                   <a:srgbClr val="000000"/>
                 </a:solidFill>
@@ -18428,7 +17863,7 @@
               </a14:hiddenLine>
             </a:ext>
             <a:ext uri="{AF507438-7753-43e0-B8FC-AC1667EBCBE1}">
-              <a14:hiddenEffects xmlns:a14="http://schemas.microsoft.com/office/drawing/2010/main" xmlns="">
+              <a14:hiddenEffects xmlns="" xmlns:a14="http://schemas.microsoft.com/office/drawing/2010/main">
                 <a:effectLst>
                   <a:outerShdw blurRad="63500" dist="38099" dir="2700000" algn="ctr" rotWithShape="0">
                     <a:srgbClr val="000000">
@@ -18745,14 +18180,14 @@
           <a:effectLst/>
           <a:extLst>
             <a:ext uri="{909E8E84-426E-40dd-AFC4-6F175D3DCCD1}">
-              <a14:hiddenFill xmlns:a14="http://schemas.microsoft.com/office/drawing/2010/main" xmlns="">
+              <a14:hiddenFill xmlns="" xmlns:a14="http://schemas.microsoft.com/office/drawing/2010/main">
                 <a:solidFill>
                   <a:srgbClr val="FFFFFF"/>
                 </a:solidFill>
               </a14:hiddenFill>
             </a:ext>
             <a:ext uri="{91240B29-F687-4f45-9708-019B960494DF}">
-              <a14:hiddenLine xmlns:a14="http://schemas.microsoft.com/office/drawing/2010/main" xmlns="" w="9525">
+              <a14:hiddenLine xmlns="" xmlns:a14="http://schemas.microsoft.com/office/drawing/2010/main" w="9525">
                 <a:solidFill>
                   <a:srgbClr val="000000"/>
                 </a:solidFill>
@@ -18762,7 +18197,7 @@
               </a14:hiddenLine>
             </a:ext>
             <a:ext uri="{AF507438-7753-43e0-B8FC-AC1667EBCBE1}">
-              <a14:hiddenEffects xmlns:a14="http://schemas.microsoft.com/office/drawing/2010/main" xmlns="">
+              <a14:hiddenEffects xmlns="" xmlns:a14="http://schemas.microsoft.com/office/drawing/2010/main">
                 <a:effectLst>
                   <a:outerShdw blurRad="63500" dist="38099" dir="2700000" algn="ctr" rotWithShape="0">
                     <a:srgbClr val="000000">
@@ -19240,14 +18675,14 @@
           <a:effectLst/>
           <a:extLst>
             <a:ext uri="{909E8E84-426E-40dd-AFC4-6F175D3DCCD1}">
-              <a14:hiddenFill xmlns:a14="http://schemas.microsoft.com/office/drawing/2010/main" xmlns="">
+              <a14:hiddenFill xmlns="" xmlns:a14="http://schemas.microsoft.com/office/drawing/2010/main">
                 <a:solidFill>
                   <a:srgbClr val="FFFFFF"/>
                 </a:solidFill>
               </a14:hiddenFill>
             </a:ext>
             <a:ext uri="{91240B29-F687-4f45-9708-019B960494DF}">
-              <a14:hiddenLine xmlns:a14="http://schemas.microsoft.com/office/drawing/2010/main" xmlns="" w="9525">
+              <a14:hiddenLine xmlns="" xmlns:a14="http://schemas.microsoft.com/office/drawing/2010/main" w="9525">
                 <a:solidFill>
                   <a:srgbClr val="000000"/>
                 </a:solidFill>
@@ -19257,7 +18692,7 @@
               </a14:hiddenLine>
             </a:ext>
             <a:ext uri="{AF507438-7753-43e0-B8FC-AC1667EBCBE1}">
-              <a14:hiddenEffects xmlns:a14="http://schemas.microsoft.com/office/drawing/2010/main" xmlns="">
+              <a14:hiddenEffects xmlns="" xmlns:a14="http://schemas.microsoft.com/office/drawing/2010/main">
                 <a:effectLst>
                   <a:outerShdw blurRad="63500" dist="38099" dir="2700000" algn="ctr" rotWithShape="0">
                     <a:srgbClr val="000000">
@@ -19574,14 +19009,14 @@
           <a:effectLst/>
           <a:extLst>
             <a:ext uri="{909E8E84-426E-40dd-AFC4-6F175D3DCCD1}">
-              <a14:hiddenFill xmlns:a14="http://schemas.microsoft.com/office/drawing/2010/main" xmlns="">
+              <a14:hiddenFill xmlns="" xmlns:a14="http://schemas.microsoft.com/office/drawing/2010/main">
                 <a:solidFill>
                   <a:srgbClr val="FFFFFF"/>
                 </a:solidFill>
               </a14:hiddenFill>
             </a:ext>
             <a:ext uri="{91240B29-F687-4f45-9708-019B960494DF}">
-              <a14:hiddenLine xmlns:a14="http://schemas.microsoft.com/office/drawing/2010/main" xmlns="" w="9525">
+              <a14:hiddenLine xmlns="" xmlns:a14="http://schemas.microsoft.com/office/drawing/2010/main" w="9525">
                 <a:solidFill>
                   <a:srgbClr val="000000"/>
                 </a:solidFill>
@@ -19591,7 +19026,7 @@
               </a14:hiddenLine>
             </a:ext>
             <a:ext uri="{AF507438-7753-43e0-B8FC-AC1667EBCBE1}">
-              <a14:hiddenEffects xmlns:a14="http://schemas.microsoft.com/office/drawing/2010/main" xmlns="">
+              <a14:hiddenEffects xmlns="" xmlns:a14="http://schemas.microsoft.com/office/drawing/2010/main">
                 <a:effectLst>
                   <a:outerShdw blurRad="63500" dist="38099" dir="2700000" algn="ctr" rotWithShape="0">
                     <a:srgbClr val="000000">
@@ -20251,14 +19686,14 @@
           <a:effectLst/>
           <a:extLst>
             <a:ext uri="{909E8E84-426E-40dd-AFC4-6F175D3DCCD1}">
-              <a14:hiddenFill xmlns:a14="http://schemas.microsoft.com/office/drawing/2010/main" xmlns="">
+              <a14:hiddenFill xmlns="" xmlns:a14="http://schemas.microsoft.com/office/drawing/2010/main">
                 <a:solidFill>
                   <a:srgbClr val="FFFFFF"/>
                 </a:solidFill>
               </a14:hiddenFill>
             </a:ext>
             <a:ext uri="{91240B29-F687-4f45-9708-019B960494DF}">
-              <a14:hiddenLine xmlns:a14="http://schemas.microsoft.com/office/drawing/2010/main" xmlns="" w="9525">
+              <a14:hiddenLine xmlns="" xmlns:a14="http://schemas.microsoft.com/office/drawing/2010/main" w="9525">
                 <a:solidFill>
                   <a:srgbClr val="000000"/>
                 </a:solidFill>
@@ -20268,7 +19703,7 @@
               </a14:hiddenLine>
             </a:ext>
             <a:ext uri="{AF507438-7753-43e0-B8FC-AC1667EBCBE1}">
-              <a14:hiddenEffects xmlns:a14="http://schemas.microsoft.com/office/drawing/2010/main" xmlns="">
+              <a14:hiddenEffects xmlns="" xmlns:a14="http://schemas.microsoft.com/office/drawing/2010/main">
                 <a:effectLst>
                   <a:outerShdw blurRad="63500" dist="38099" dir="2700000" algn="ctr" rotWithShape="0">
                     <a:srgbClr val="000000">
@@ -20574,14 +20009,14 @@
           <a:effectLst/>
           <a:extLst>
             <a:ext uri="{909E8E84-426E-40dd-AFC4-6F175D3DCCD1}">
-              <a14:hiddenFill xmlns:a14="http://schemas.microsoft.com/office/drawing/2010/main" xmlns="">
+              <a14:hiddenFill xmlns="" xmlns:a14="http://schemas.microsoft.com/office/drawing/2010/main">
                 <a:solidFill>
                   <a:srgbClr val="FFFFFF"/>
                 </a:solidFill>
               </a14:hiddenFill>
             </a:ext>
             <a:ext uri="{91240B29-F687-4f45-9708-019B960494DF}">
-              <a14:hiddenLine xmlns:a14="http://schemas.microsoft.com/office/drawing/2010/main" xmlns="" w="9525">
+              <a14:hiddenLine xmlns="" xmlns:a14="http://schemas.microsoft.com/office/drawing/2010/main" w="9525">
                 <a:solidFill>
                   <a:srgbClr val="000000"/>
                 </a:solidFill>
@@ -20591,7 +20026,7 @@
               </a14:hiddenLine>
             </a:ext>
             <a:ext uri="{AF507438-7753-43e0-B8FC-AC1667EBCBE1}">
-              <a14:hiddenEffects xmlns:a14="http://schemas.microsoft.com/office/drawing/2010/main" xmlns="">
+              <a14:hiddenEffects xmlns="" xmlns:a14="http://schemas.microsoft.com/office/drawing/2010/main">
                 <a:effectLst>
                   <a:outerShdw blurRad="63500" dist="38099" dir="2700000" algn="ctr" rotWithShape="0">
                     <a:srgbClr val="000000">
@@ -21170,14 +20605,21 @@
   <p:clrMapOvr>
     <a:masterClrMapping/>
   </p:clrMapOvr>
-  <mc:AlternateContent xmlns:mc="http://schemas.openxmlformats.org/markup-compatibility/2006">
-    <mc:Choice xmlns:p14="http://schemas.microsoft.com/office/powerpoint/2010/main" Requires="p14">
+  <mc:AlternateContent xmlns:mc="http://schemas.openxmlformats.org/markup-compatibility/2006" xmlns:p14="http://schemas.microsoft.com/office/powerpoint/2010/main">
+    <mc:Choice Requires="p14">
       <p:transition spd="slow" p14:dur="2000"/>
     </mc:Choice>
-    <mc:Fallback>
+    <mc:Fallback xmlns="">
       <p:transition spd="slow"/>
     </mc:Fallback>
   </mc:AlternateContent>
+  <p:timing>
+    <p:tnLst>
+      <p:par>
+        <p:cTn id="1" dur="indefinite" restart="never" nodeType="tmRoot"/>
+      </p:par>
+    </p:tnLst>
+  </p:timing>
 </p:sld>
 </file>
 
@@ -21226,65 +20668,25 @@
           <a:p>
             <a:r>
               <a:rPr lang="en-US" sz="2400" dirty="0"/>
-              <a:t>A finite </a:t>
-            </a:r>
+              <a:t>A finite state transducer based tool for information extraction</a:t>
+            </a:r>
+          </a:p>
+          <a:p>
             <a:r>
               <a:rPr lang="en-US" sz="2400" dirty="0"/>
-              <a:t>state transducer based </a:t>
-            </a:r>
+              <a:t>A semi-automatic approach to collect technical terms</a:t>
+            </a:r>
+          </a:p>
+          <a:p>
             <a:r>
               <a:rPr lang="en-US" sz="2400" dirty="0"/>
-              <a:t>tool for information extraction</a:t>
+              <a:t>A statistical-based ontology similarity measure</a:t>
             </a:r>
           </a:p>
           <a:p>
             <a:r>
               <a:rPr lang="en-US" sz="2400" dirty="0"/>
-              <a:t>A </a:t>
-            </a:r>
-            <a:r>
-              <a:rPr lang="en-US" sz="2400" dirty="0"/>
-              <a:t>semi-automatic </a:t>
-            </a:r>
-            <a:r>
-              <a:rPr lang="en-US" sz="2400" dirty="0"/>
-              <a:t>approach to collect </a:t>
-            </a:r>
-            <a:r>
-              <a:rPr lang="en-US" sz="2400" dirty="0"/>
-              <a:t>technical </a:t>
-            </a:r>
-            <a:r>
-              <a:rPr lang="en-US" sz="2400" dirty="0"/>
-              <a:t>terms</a:t>
-            </a:r>
-          </a:p>
-          <a:p>
-            <a:r>
-              <a:rPr lang="en-US" sz="2400" dirty="0"/>
-              <a:t>A statistical-based </a:t>
-            </a:r>
-            <a:r>
-              <a:rPr lang="en-US" sz="2400" dirty="0"/>
-              <a:t>ontology similarity </a:t>
-            </a:r>
-            <a:r>
-              <a:rPr lang="en-US" sz="2400" dirty="0"/>
-              <a:t>measure</a:t>
-            </a:r>
-          </a:p>
-          <a:p>
-            <a:r>
-              <a:rPr lang="en-US" sz="2400" dirty="0"/>
-              <a:t>Combined keyword </a:t>
-            </a:r>
-            <a:r>
-              <a:rPr lang="en-US" sz="2400" dirty="0"/>
-              <a:t>searching and </a:t>
-            </a:r>
-            <a:r>
-              <a:rPr lang="en-US" sz="2400" dirty="0"/>
-              <a:t>model matching</a:t>
+              <a:t>Combined keyword searching and model matching</a:t>
             </a:r>
           </a:p>
           <a:p>
@@ -21341,14 +20743,21 @@
   <p:clrMapOvr>
     <a:masterClrMapping/>
   </p:clrMapOvr>
-  <mc:AlternateContent xmlns:mc="http://schemas.openxmlformats.org/markup-compatibility/2006">
-    <mc:Choice xmlns:p14="http://schemas.microsoft.com/office/powerpoint/2010/main" Requires="p14">
+  <mc:AlternateContent xmlns:mc="http://schemas.openxmlformats.org/markup-compatibility/2006" xmlns:p14="http://schemas.microsoft.com/office/powerpoint/2010/main">
+    <mc:Choice Requires="p14">
       <p:transition spd="slow" p14:dur="2000"/>
     </mc:Choice>
-    <mc:Fallback>
+    <mc:Fallback xmlns="">
       <p:transition spd="slow"/>
     </mc:Fallback>
   </mc:AlternateContent>
+  <p:timing>
+    <p:tnLst>
+      <p:par>
+        <p:cTn id="1" dur="indefinite" restart="never" nodeType="tmRoot"/>
+      </p:par>
+    </p:tnLst>
+  </p:timing>
 </p:sld>
 </file>
 
@@ -21381,108 +20790,96 @@
         </p:nvSpPr>
         <p:spPr>
           <a:xfrm>
-            <a:off x="1171575" y="2125266"/>
-            <a:ext cx="7343775" cy="3263504"/>
+            <a:off x="533400" y="2133600"/>
+            <a:ext cx="8311662" cy="4267200"/>
           </a:xfrm>
         </p:spPr>
         <p:txBody>
           <a:bodyPr>
-            <a:normAutofit fontScale="40000" lnSpcReduction="20000"/>
+            <a:normAutofit fontScale="32500" lnSpcReduction="20000"/>
           </a:bodyPr>
           <a:lstStyle/>
           <a:p>
             <a:r>
-              <a:rPr lang="en-US" sz="6000" dirty="0"/>
+              <a:rPr lang="en-US" sz="8600" dirty="0"/>
               <a:t>Content-based </a:t>
             </a:r>
             <a:r>
-              <a:rPr lang="en-US" sz="6000" dirty="0" smtClean="0"/>
+              <a:rPr lang="en-US" sz="8600" dirty="0" smtClean="0"/>
               <a:t>Recommendation (CBR)</a:t>
             </a:r>
-            <a:endParaRPr lang="en-US" sz="6000" dirty="0"/>
+            <a:endParaRPr lang="en-US" sz="8600" dirty="0"/>
           </a:p>
           <a:p>
             <a:pPr lvl="1"/>
             <a:r>
-              <a:rPr lang="en-US" sz="4500" dirty="0"/>
-              <a:t>Suggesting </a:t>
-            </a:r>
-            <a:r>
-              <a:rPr lang="en-US" sz="4500" dirty="0"/>
-              <a:t>items that have similar content information to </a:t>
-            </a:r>
-            <a:r>
-              <a:rPr lang="en-US" sz="4500" dirty="0"/>
-              <a:t>the corresponding users</a:t>
-            </a:r>
-          </a:p>
-          <a:p>
-            <a:r>
-              <a:rPr lang="en-US" sz="6000" dirty="0"/>
+              <a:rPr lang="en-US" sz="7400" dirty="0"/>
+              <a:t>Suggesting items that have similar content information to the corresponding users</a:t>
+            </a:r>
+          </a:p>
+          <a:p>
+            <a:r>
+              <a:rPr lang="en-US" sz="8600" dirty="0"/>
               <a:t>Collaborative Filtering Recommendation (CFR). </a:t>
             </a:r>
-            <a:endParaRPr lang="en-US" sz="6000" dirty="0" smtClean="0"/>
+            <a:endParaRPr lang="en-US" sz="8600" dirty="0" smtClean="0"/>
           </a:p>
           <a:p>
             <a:pPr lvl="1"/>
             <a:r>
-              <a:rPr lang="en-US" sz="4500" dirty="0" smtClean="0"/>
+              <a:rPr lang="en-US" sz="7400" dirty="0" smtClean="0"/>
               <a:t>Finding </a:t>
             </a:r>
             <a:r>
-              <a:rPr lang="en-US" sz="4500" dirty="0"/>
+              <a:rPr lang="en-US" sz="7400" dirty="0"/>
               <a:t>similar users who have the same taste with the target user </a:t>
             </a:r>
             <a:r>
-              <a:rPr lang="en-US" sz="4500" dirty="0" smtClean="0"/>
+              <a:rPr lang="en-US" sz="7400" dirty="0" smtClean="0"/>
               <a:t>and recommends </a:t>
             </a:r>
             <a:r>
-              <a:rPr lang="en-US" sz="4500" dirty="0"/>
+              <a:rPr lang="en-US" sz="7400" dirty="0"/>
               <a:t>items based on what the similar </a:t>
             </a:r>
             <a:r>
-              <a:rPr lang="en-US" sz="4500" dirty="0" smtClean="0"/>
+              <a:rPr lang="en-US" sz="7400" dirty="0" smtClean="0"/>
               <a:t>users</a:t>
             </a:r>
           </a:p>
           <a:p>
             <a:r>
-              <a:rPr lang="en-US" sz="6000" dirty="0" smtClean="0"/>
+              <a:rPr lang="en-US" sz="8600" dirty="0" smtClean="0"/>
               <a:t>Knowledge-based </a:t>
             </a:r>
             <a:r>
-              <a:rPr lang="en-US" sz="6000" dirty="0"/>
+              <a:rPr lang="en-US" sz="8600" dirty="0"/>
               <a:t>Recommendation (KBR)</a:t>
             </a:r>
           </a:p>
           <a:p>
             <a:pPr lvl="1"/>
             <a:r>
-              <a:rPr lang="en-US" sz="4500" dirty="0" smtClean="0"/>
+              <a:rPr lang="en-US" sz="6200" dirty="0" smtClean="0"/>
               <a:t>Rules </a:t>
             </a:r>
             <a:r>
-              <a:rPr lang="en-US" sz="4500" dirty="0"/>
+              <a:rPr lang="en-US" sz="6200" dirty="0"/>
               <a:t>and patterns obtained from the functional knowledge of how a specific item meets the requirement of a particular </a:t>
             </a:r>
             <a:r>
-              <a:rPr lang="en-US" sz="4500" dirty="0" smtClean="0"/>
+              <a:rPr lang="en-US" sz="6200" dirty="0" smtClean="0"/>
               <a:t>use</a:t>
             </a:r>
           </a:p>
           <a:p>
             <a:r>
-              <a:rPr lang="en-US" sz="6000" dirty="0" smtClean="0"/>
+              <a:rPr lang="en-US" sz="8600" dirty="0" smtClean="0"/>
               <a:t>Hybrid </a:t>
             </a:r>
             <a:r>
-              <a:rPr lang="en-US" sz="5000" dirty="0"/>
-              <a:t>Recommendation</a:t>
-            </a:r>
-            <a:r>
-              <a:rPr lang="en-US" sz="6000" dirty="0"/>
-              <a:t> </a:t>
+              <a:rPr lang="en-US" sz="8600" dirty="0"/>
+              <a:t>Recommendation </a:t>
             </a:r>
           </a:p>
           <a:p>
@@ -21544,14 +20941,21 @@
   <p:clrMapOvr>
     <a:masterClrMapping/>
   </p:clrMapOvr>
-  <mc:AlternateContent xmlns:mc="http://schemas.openxmlformats.org/markup-compatibility/2006">
-    <mc:Choice xmlns:p14="http://schemas.microsoft.com/office/powerpoint/2010/main" Requires="p14">
+  <mc:AlternateContent xmlns:mc="http://schemas.openxmlformats.org/markup-compatibility/2006" xmlns:p14="http://schemas.microsoft.com/office/powerpoint/2010/main">
+    <mc:Choice Requires="p14">
       <p:transition spd="slow" p14:dur="2000"/>
     </mc:Choice>
-    <mc:Fallback>
+    <mc:Fallback xmlns="">
       <p:transition spd="slow"/>
     </mc:Fallback>
   </mc:AlternateContent>
+  <p:timing>
+    <p:tnLst>
+      <p:par>
+        <p:cTn id="1" dur="indefinite" restart="never" nodeType="tmRoot"/>
+      </p:par>
+    </p:tnLst>
+  </p:timing>
 </p:sld>
 </file>
 
@@ -21801,7 +21205,7 @@
         <a:effectLst/>
         <a:extLst>
           <a:ext uri="{AF507438-7753-43e0-B8FC-AC1667EBCBE1}">
-            <a14:hiddenEffects xmlns:a14="http://schemas.microsoft.com/office/drawing/2010/main" xmlns="">
+            <a14:hiddenEffects xmlns="" xmlns:a14="http://schemas.microsoft.com/office/drawing/2010/main">
               <a:effectLst>
                 <a:outerShdw blurRad="63500" dist="38099" dir="2700000" algn="ctr" rotWithShape="0">
                   <a:schemeClr val="bg2">
@@ -21880,7 +21284,7 @@
         <a:effectLst/>
         <a:extLst>
           <a:ext uri="{AF507438-7753-43e0-B8FC-AC1667EBCBE1}">
-            <a14:hiddenEffects xmlns:a14="http://schemas.microsoft.com/office/drawing/2010/main" xmlns="">
+            <a14:hiddenEffects xmlns="" xmlns:a14="http://schemas.microsoft.com/office/drawing/2010/main">
               <a:effectLst>
                 <a:outerShdw blurRad="63500" dist="38099" dir="2700000" algn="ctr" rotWithShape="0">
                   <a:schemeClr val="bg2">

--- a/media/Master's thesis.pptx
+++ b/media/Master's thesis.pptx
@@ -5,10 +5,10 @@
     <p:sldMasterId id="2147483648" r:id="rId1"/>
   </p:sldMasterIdLst>
   <p:notesMasterIdLst>
-    <p:notesMasterId r:id="rId71"/>
+    <p:notesMasterId r:id="rId72"/>
   </p:notesMasterIdLst>
   <p:handoutMasterIdLst>
-    <p:handoutMasterId r:id="rId72"/>
+    <p:handoutMasterId r:id="rId73"/>
   </p:handoutMasterIdLst>
   <p:sldIdLst>
     <p:sldId id="258" r:id="rId2"/>
@@ -58,28 +58,29 @@
     <p:sldId id="302" r:id="rId46"/>
     <p:sldId id="303" r:id="rId47"/>
     <p:sldId id="304" r:id="rId48"/>
-    <p:sldId id="305" r:id="rId49"/>
-    <p:sldId id="306" r:id="rId50"/>
-    <p:sldId id="307" r:id="rId51"/>
-    <p:sldId id="308" r:id="rId52"/>
-    <p:sldId id="309" r:id="rId53"/>
-    <p:sldId id="310" r:id="rId54"/>
-    <p:sldId id="311" r:id="rId55"/>
-    <p:sldId id="312" r:id="rId56"/>
-    <p:sldId id="313" r:id="rId57"/>
-    <p:sldId id="314" r:id="rId58"/>
-    <p:sldId id="315" r:id="rId59"/>
-    <p:sldId id="316" r:id="rId60"/>
-    <p:sldId id="317" r:id="rId61"/>
-    <p:sldId id="318" r:id="rId62"/>
-    <p:sldId id="319" r:id="rId63"/>
-    <p:sldId id="320" r:id="rId64"/>
-    <p:sldId id="321" r:id="rId65"/>
-    <p:sldId id="322" r:id="rId66"/>
-    <p:sldId id="323" r:id="rId67"/>
-    <p:sldId id="324" r:id="rId68"/>
-    <p:sldId id="325" r:id="rId69"/>
-    <p:sldId id="326" r:id="rId70"/>
+    <p:sldId id="327" r:id="rId49"/>
+    <p:sldId id="305" r:id="rId50"/>
+    <p:sldId id="306" r:id="rId51"/>
+    <p:sldId id="307" r:id="rId52"/>
+    <p:sldId id="308" r:id="rId53"/>
+    <p:sldId id="309" r:id="rId54"/>
+    <p:sldId id="310" r:id="rId55"/>
+    <p:sldId id="311" r:id="rId56"/>
+    <p:sldId id="312" r:id="rId57"/>
+    <p:sldId id="313" r:id="rId58"/>
+    <p:sldId id="314" r:id="rId59"/>
+    <p:sldId id="315" r:id="rId60"/>
+    <p:sldId id="316" r:id="rId61"/>
+    <p:sldId id="317" r:id="rId62"/>
+    <p:sldId id="318" r:id="rId63"/>
+    <p:sldId id="319" r:id="rId64"/>
+    <p:sldId id="320" r:id="rId65"/>
+    <p:sldId id="321" r:id="rId66"/>
+    <p:sldId id="322" r:id="rId67"/>
+    <p:sldId id="323" r:id="rId68"/>
+    <p:sldId id="324" r:id="rId69"/>
+    <p:sldId id="325" r:id="rId70"/>
+    <p:sldId id="326" r:id="rId71"/>
   </p:sldIdLst>
   <p:sldSz cx="9144000" cy="6858000" type="screen4x3"/>
   <p:notesSz cx="6858000" cy="9144000"/>
@@ -523,7 +524,7 @@
           <a:effectLst/>
           <a:extLst>
             <a:ext uri="{91240B29-F687-4f45-9708-019B960494DF}">
-              <a14:hiddenLine xmlns="" xmlns:a14="http://schemas.microsoft.com/office/drawing/2010/main" w="9525">
+              <a14:hiddenLine xmlns:a14="http://schemas.microsoft.com/office/drawing/2010/main" xmlns="" w="9525">
                 <a:solidFill>
                   <a:srgbClr val="000000"/>
                 </a:solidFill>
@@ -533,7 +534,7 @@
               </a14:hiddenLine>
             </a:ext>
             <a:ext uri="{AF507438-7753-43e0-B8FC-AC1667EBCBE1}">
-              <a14:hiddenEffects xmlns="" xmlns:a14="http://schemas.microsoft.com/office/drawing/2010/main">
+              <a14:hiddenEffects xmlns:a14="http://schemas.microsoft.com/office/drawing/2010/main" xmlns="">
                 <a:effectLst>
                   <a:outerShdw blurRad="63500" dist="38099" dir="2700000" algn="ctr" rotWithShape="0">
                     <a:srgbClr val="000000">
@@ -585,14 +586,14 @@
           <a:effectLst/>
           <a:extLst>
             <a:ext uri="{909E8E84-426E-40dd-AFC4-6F175D3DCCD1}">
-              <a14:hiddenFill xmlns="" xmlns:a14="http://schemas.microsoft.com/office/drawing/2010/main">
+              <a14:hiddenFill xmlns:a14="http://schemas.microsoft.com/office/drawing/2010/main" xmlns="">
                 <a:solidFill>
                   <a:srgbClr val="FFFFFF"/>
                 </a:solidFill>
               </a14:hiddenFill>
             </a:ext>
             <a:ext uri="{91240B29-F687-4f45-9708-019B960494DF}">
-              <a14:hiddenLine xmlns="" xmlns:a14="http://schemas.microsoft.com/office/drawing/2010/main" w="9525">
+              <a14:hiddenLine xmlns:a14="http://schemas.microsoft.com/office/drawing/2010/main" xmlns="" w="9525">
                 <a:solidFill>
                   <a:srgbClr val="000000"/>
                 </a:solidFill>
@@ -602,7 +603,7 @@
               </a14:hiddenLine>
             </a:ext>
             <a:ext uri="{AF507438-7753-43e0-B8FC-AC1667EBCBE1}">
-              <a14:hiddenEffects xmlns="" xmlns:a14="http://schemas.microsoft.com/office/drawing/2010/main">
+              <a14:hiddenEffects xmlns:a14="http://schemas.microsoft.com/office/drawing/2010/main" xmlns="">
                 <a:effectLst>
                   <a:outerShdw blurRad="63500" dist="38099" dir="2700000" algn="ctr" rotWithShape="0">
                     <a:srgbClr val="000000">
@@ -654,14 +655,14 @@
           <a:effectLst/>
           <a:extLst>
             <a:ext uri="{909E8E84-426E-40dd-AFC4-6F175D3DCCD1}">
-              <a14:hiddenFill xmlns="" xmlns:a14="http://schemas.microsoft.com/office/drawing/2010/main">
+              <a14:hiddenFill xmlns:a14="http://schemas.microsoft.com/office/drawing/2010/main" xmlns="">
                 <a:solidFill>
                   <a:srgbClr val="FFFFFF"/>
                 </a:solidFill>
               </a14:hiddenFill>
             </a:ext>
             <a:ext uri="{91240B29-F687-4f45-9708-019B960494DF}">
-              <a14:hiddenLine xmlns="" xmlns:a14="http://schemas.microsoft.com/office/drawing/2010/main" w="9525">
+              <a14:hiddenLine xmlns:a14="http://schemas.microsoft.com/office/drawing/2010/main" xmlns="" w="9525">
                 <a:solidFill>
                   <a:srgbClr val="000000"/>
                 </a:solidFill>
@@ -671,7 +672,7 @@
               </a14:hiddenLine>
             </a:ext>
             <a:ext uri="{AF507438-7753-43e0-B8FC-AC1667EBCBE1}">
-              <a14:hiddenEffects xmlns="" xmlns:a14="http://schemas.microsoft.com/office/drawing/2010/main">
+              <a14:hiddenEffects xmlns:a14="http://schemas.microsoft.com/office/drawing/2010/main" xmlns="">
                 <a:effectLst>
                   <a:outerShdw blurRad="63500" dist="38099" dir="2700000" algn="ctr" rotWithShape="0">
                     <a:srgbClr val="000000">
@@ -730,14 +731,14 @@
           <a:effectLst/>
           <a:extLst>
             <a:ext uri="{909E8E84-426E-40dd-AFC4-6F175D3DCCD1}">
-              <a14:hiddenFill xmlns="" xmlns:a14="http://schemas.microsoft.com/office/drawing/2010/main">
+              <a14:hiddenFill xmlns:a14="http://schemas.microsoft.com/office/drawing/2010/main" xmlns="">
                 <a:solidFill>
                   <a:srgbClr val="FFFFFF"/>
                 </a:solidFill>
               </a14:hiddenFill>
             </a:ext>
             <a:ext uri="{AF507438-7753-43e0-B8FC-AC1667EBCBE1}">
-              <a14:hiddenEffects xmlns="" xmlns:a14="http://schemas.microsoft.com/office/drawing/2010/main">
+              <a14:hiddenEffects xmlns:a14="http://schemas.microsoft.com/office/drawing/2010/main" xmlns="">
                 <a:effectLst>
                   <a:outerShdw blurRad="63500" dist="38099" dir="2700000" algn="ctr" rotWithShape="0">
                     <a:schemeClr val="bg2">
@@ -748,7 +749,7 @@
               </a14:hiddenEffects>
             </a:ext>
             <a:ext uri="{FAA26D3D-D897-4be2-8F04-BA451C77F1D7}">
-              <ma14:placeholderFlag xmlns="" xmlns:ma14="http://schemas.microsoft.com/office/mac/drawingml/2011/main" val="1"/>
+              <ma14:placeholderFlag xmlns:ma14="http://schemas.microsoft.com/office/mac/drawingml/2011/main" xmlns="" val="1"/>
             </a:ext>
           </a:extLst>
         </p:spPr>
@@ -778,14 +779,14 @@
           <a:effectLst/>
           <a:extLst>
             <a:ext uri="{909E8E84-426E-40dd-AFC4-6F175D3DCCD1}">
-              <a14:hiddenFill xmlns="" xmlns:a14="http://schemas.microsoft.com/office/drawing/2010/main">
+              <a14:hiddenFill xmlns:a14="http://schemas.microsoft.com/office/drawing/2010/main" xmlns="">
                 <a:solidFill>
                   <a:srgbClr val="FFFFFF"/>
                 </a:solidFill>
               </a14:hiddenFill>
             </a:ext>
             <a:ext uri="{91240B29-F687-4f45-9708-019B960494DF}">
-              <a14:hiddenLine xmlns="" xmlns:a14="http://schemas.microsoft.com/office/drawing/2010/main" w="9525">
+              <a14:hiddenLine xmlns:a14="http://schemas.microsoft.com/office/drawing/2010/main" xmlns="" w="9525">
                 <a:solidFill>
                   <a:srgbClr val="000000"/>
                 </a:solidFill>
@@ -795,7 +796,7 @@
               </a14:hiddenLine>
             </a:ext>
             <a:ext uri="{AF507438-7753-43e0-B8FC-AC1667EBCBE1}">
-              <a14:hiddenEffects xmlns="" xmlns:a14="http://schemas.microsoft.com/office/drawing/2010/main">
+              <a14:hiddenEffects xmlns:a14="http://schemas.microsoft.com/office/drawing/2010/main" xmlns="">
                 <a:effectLst>
                   <a:outerShdw blurRad="63500" dist="38099" dir="2700000" algn="ctr" rotWithShape="0">
                     <a:schemeClr val="bg2">
@@ -806,7 +807,7 @@
               </a14:hiddenEffects>
             </a:ext>
             <a:ext uri="{FAA26D3D-D897-4be2-8F04-BA451C77F1D7}">
-              <ma14:placeholderFlag xmlns="" xmlns:ma14="http://schemas.microsoft.com/office/mac/drawingml/2011/main" val="1"/>
+              <ma14:placeholderFlag xmlns:ma14="http://schemas.microsoft.com/office/mac/drawingml/2011/main" xmlns="" val="1"/>
             </a:ext>
           </a:extLst>
         </p:spPr>
@@ -846,14 +847,14 @@
           <a:effectLst/>
           <a:extLst>
             <a:ext uri="{909E8E84-426E-40dd-AFC4-6F175D3DCCD1}">
-              <a14:hiddenFill xmlns="" xmlns:a14="http://schemas.microsoft.com/office/drawing/2010/main">
+              <a14:hiddenFill xmlns:a14="http://schemas.microsoft.com/office/drawing/2010/main" xmlns="">
                 <a:solidFill>
                   <a:srgbClr val="FFFFFF"/>
                 </a:solidFill>
               </a14:hiddenFill>
             </a:ext>
             <a:ext uri="{91240B29-F687-4f45-9708-019B960494DF}">
-              <a14:hiddenLine xmlns="" xmlns:a14="http://schemas.microsoft.com/office/drawing/2010/main" w="9525">
+              <a14:hiddenLine xmlns:a14="http://schemas.microsoft.com/office/drawing/2010/main" xmlns="" w="9525">
                 <a:solidFill>
                   <a:srgbClr val="000000"/>
                 </a:solidFill>
@@ -863,7 +864,7 @@
               </a14:hiddenLine>
             </a:ext>
             <a:ext uri="{AF507438-7753-43e0-B8FC-AC1667EBCBE1}">
-              <a14:hiddenEffects xmlns="" xmlns:a14="http://schemas.microsoft.com/office/drawing/2010/main">
+              <a14:hiddenEffects xmlns:a14="http://schemas.microsoft.com/office/drawing/2010/main" xmlns="">
                 <a:effectLst>
                   <a:outerShdw blurRad="63500" dist="38099" dir="2700000" algn="ctr" rotWithShape="0">
                     <a:srgbClr val="000000">
@@ -917,14 +918,14 @@
           <a:effectLst/>
           <a:extLst>
             <a:ext uri="{909E8E84-426E-40dd-AFC4-6F175D3DCCD1}">
-              <a14:hiddenFill xmlns="" xmlns:a14="http://schemas.microsoft.com/office/drawing/2010/main">
+              <a14:hiddenFill xmlns:a14="http://schemas.microsoft.com/office/drawing/2010/main" xmlns="">
                 <a:solidFill>
                   <a:srgbClr val="FFFFFF"/>
                 </a:solidFill>
               </a14:hiddenFill>
             </a:ext>
             <a:ext uri="{91240B29-F687-4f45-9708-019B960494DF}">
-              <a14:hiddenLine xmlns="" xmlns:a14="http://schemas.microsoft.com/office/drawing/2010/main" w="9525">
+              <a14:hiddenLine xmlns:a14="http://schemas.microsoft.com/office/drawing/2010/main" xmlns="" w="9525">
                 <a:solidFill>
                   <a:srgbClr val="000000"/>
                 </a:solidFill>
@@ -934,7 +935,7 @@
               </a14:hiddenLine>
             </a:ext>
             <a:ext uri="{AF507438-7753-43e0-B8FC-AC1667EBCBE1}">
-              <a14:hiddenEffects xmlns="" xmlns:a14="http://schemas.microsoft.com/office/drawing/2010/main">
+              <a14:hiddenEffects xmlns:a14="http://schemas.microsoft.com/office/drawing/2010/main" xmlns="">
                 <a:effectLst>
                   <a:outerShdw blurRad="63500" dist="38099" dir="2700000" algn="ctr" rotWithShape="0">
                     <a:schemeClr val="bg2">
@@ -945,7 +946,7 @@
               </a14:hiddenEffects>
             </a:ext>
             <a:ext uri="{FAA26D3D-D897-4be2-8F04-BA451C77F1D7}">
-              <ma14:placeholderFlag xmlns="" xmlns:ma14="http://schemas.microsoft.com/office/mac/drawingml/2011/main" val="1"/>
+              <ma14:placeholderFlag xmlns:ma14="http://schemas.microsoft.com/office/mac/drawingml/2011/main" xmlns="" val="1"/>
             </a:ext>
           </a:extLst>
         </p:spPr>
@@ -1181,14 +1182,14 @@
         <p:spPr>
           <a:extLst>
             <a:ext uri="{909E8E84-426E-40dd-AFC4-6F175D3DCCD1}">
-              <a14:hiddenFill xmlns="" xmlns:a14="http://schemas.microsoft.com/office/drawing/2010/main">
+              <a14:hiddenFill xmlns:a14="http://schemas.microsoft.com/office/drawing/2010/main" xmlns="">
                 <a:solidFill>
                   <a:srgbClr val="FFFFFF"/>
                 </a:solidFill>
               </a14:hiddenFill>
             </a:ext>
             <a:ext uri="{91240B29-F687-4f45-9708-019B960494DF}">
-              <a14:hiddenLine xmlns="" xmlns:a14="http://schemas.microsoft.com/office/drawing/2010/main" w="9525">
+              <a14:hiddenLine xmlns:a14="http://schemas.microsoft.com/office/drawing/2010/main" xmlns="" w="9525">
                 <a:solidFill>
                   <a:srgbClr val="000000"/>
                 </a:solidFill>
@@ -1198,7 +1199,7 @@
               </a14:hiddenLine>
             </a:ext>
             <a:ext uri="{AF507438-7753-43e0-B8FC-AC1667EBCBE1}">
-              <a14:hiddenEffects xmlns="" xmlns:a14="http://schemas.microsoft.com/office/drawing/2010/main">
+              <a14:hiddenEffects xmlns:a14="http://schemas.microsoft.com/office/drawing/2010/main" xmlns="">
                 <a:effectLst>
                   <a:outerShdw blurRad="63500" dist="38099" dir="2700000" algn="ctr" rotWithShape="0">
                     <a:schemeClr val="bg2">
@@ -1209,7 +1210,7 @@
               </a14:hiddenEffects>
             </a:ext>
             <a:ext uri="{FAA26D3D-D897-4be2-8F04-BA451C77F1D7}">
-              <ma14:placeholderFlag xmlns="" xmlns:ma14="http://schemas.microsoft.com/office/mac/drawingml/2011/main" val="1"/>
+              <ma14:placeholderFlag xmlns:ma14="http://schemas.microsoft.com/office/mac/drawingml/2011/main" xmlns="" val="1"/>
             </a:ext>
           </a:extLst>
         </p:spPr>
@@ -1556,14 +1557,14 @@
           <a:effectLst/>
           <a:extLst>
             <a:ext uri="{909E8E84-426E-40dd-AFC4-6F175D3DCCD1}">
-              <a14:hiddenFill xmlns="" xmlns:a14="http://schemas.microsoft.com/office/drawing/2010/main">
+              <a14:hiddenFill xmlns:a14="http://schemas.microsoft.com/office/drawing/2010/main" xmlns="">
                 <a:solidFill>
                   <a:srgbClr val="FFFFFF"/>
                 </a:solidFill>
               </a14:hiddenFill>
             </a:ext>
             <a:ext uri="{91240B29-F687-4f45-9708-019B960494DF}">
-              <a14:hiddenLine xmlns="" xmlns:a14="http://schemas.microsoft.com/office/drawing/2010/main" w="9525">
+              <a14:hiddenLine xmlns:a14="http://schemas.microsoft.com/office/drawing/2010/main" xmlns="" w="9525">
                 <a:solidFill>
                   <a:srgbClr val="000000"/>
                 </a:solidFill>
@@ -1573,7 +1574,7 @@
               </a14:hiddenLine>
             </a:ext>
             <a:ext uri="{AF507438-7753-43e0-B8FC-AC1667EBCBE1}">
-              <a14:hiddenEffects xmlns="" xmlns:a14="http://schemas.microsoft.com/office/drawing/2010/main">
+              <a14:hiddenEffects xmlns:a14="http://schemas.microsoft.com/office/drawing/2010/main" xmlns="">
                 <a:effectLst>
                   <a:outerShdw blurRad="63500" dist="38099" dir="2700000" algn="ctr" rotWithShape="0">
                     <a:srgbClr val="000000">
@@ -1918,14 +1919,14 @@
         <p:spPr>
           <a:extLst>
             <a:ext uri="{909E8E84-426E-40dd-AFC4-6F175D3DCCD1}">
-              <a14:hiddenFill xmlns="" xmlns:a14="http://schemas.microsoft.com/office/drawing/2010/main">
+              <a14:hiddenFill xmlns:a14="http://schemas.microsoft.com/office/drawing/2010/main" xmlns="">
                 <a:solidFill>
                   <a:srgbClr val="FFFFFF"/>
                 </a:solidFill>
               </a14:hiddenFill>
             </a:ext>
             <a:ext uri="{91240B29-F687-4f45-9708-019B960494DF}">
-              <a14:hiddenLine xmlns="" xmlns:a14="http://schemas.microsoft.com/office/drawing/2010/main" w="9525">
+              <a14:hiddenLine xmlns:a14="http://schemas.microsoft.com/office/drawing/2010/main" xmlns="" w="9525">
                 <a:solidFill>
                   <a:srgbClr val="000000"/>
                 </a:solidFill>
@@ -1935,7 +1936,7 @@
               </a14:hiddenLine>
             </a:ext>
             <a:ext uri="{AF507438-7753-43e0-B8FC-AC1667EBCBE1}">
-              <a14:hiddenEffects xmlns="" xmlns:a14="http://schemas.microsoft.com/office/drawing/2010/main">
+              <a14:hiddenEffects xmlns:a14="http://schemas.microsoft.com/office/drawing/2010/main" xmlns="">
                 <a:effectLst>
                   <a:outerShdw blurRad="63500" dist="38099" dir="2700000" algn="ctr" rotWithShape="0">
                     <a:schemeClr val="bg2">
@@ -1946,7 +1947,7 @@
               </a14:hiddenEffects>
             </a:ext>
             <a:ext uri="{FAA26D3D-D897-4be2-8F04-BA451C77F1D7}">
-              <ma14:placeholderFlag xmlns="" xmlns:ma14="http://schemas.microsoft.com/office/mac/drawingml/2011/main" val="1"/>
+              <ma14:placeholderFlag xmlns:ma14="http://schemas.microsoft.com/office/mac/drawingml/2011/main" xmlns="" val="1"/>
             </a:ext>
           </a:extLst>
         </p:spPr>
@@ -2143,7 +2144,7 @@
                 <a:latin typeface="Times New Roman" panose="02020603050405020304" pitchFamily="18" charset="0"/>
               </a:rPr>
               <a:pPr eaLnBrk="1" hangingPunct="1"/>
-              <a:t>67</a:t>
+              <a:t>68</a:t>
             </a:fld>
             <a:endParaRPr lang="en-US" altLang="en-US" sz="1200">
               <a:solidFill>
@@ -2298,14 +2299,14 @@
         <p:spPr>
           <a:extLst>
             <a:ext uri="{909E8E84-426E-40dd-AFC4-6F175D3DCCD1}">
-              <a14:hiddenFill xmlns="" xmlns:a14="http://schemas.microsoft.com/office/drawing/2010/main">
+              <a14:hiddenFill xmlns:a14="http://schemas.microsoft.com/office/drawing/2010/main" xmlns="">
                 <a:solidFill>
                   <a:srgbClr val="FFFFFF"/>
                 </a:solidFill>
               </a14:hiddenFill>
             </a:ext>
             <a:ext uri="{91240B29-F687-4f45-9708-019B960494DF}">
-              <a14:hiddenLine xmlns="" xmlns:a14="http://schemas.microsoft.com/office/drawing/2010/main" w="9525">
+              <a14:hiddenLine xmlns:a14="http://schemas.microsoft.com/office/drawing/2010/main" xmlns="" w="9525">
                 <a:solidFill>
                   <a:srgbClr val="000000"/>
                 </a:solidFill>
@@ -2315,7 +2316,7 @@
               </a14:hiddenLine>
             </a:ext>
             <a:ext uri="{AF507438-7753-43e0-B8FC-AC1667EBCBE1}">
-              <a14:hiddenEffects xmlns="" xmlns:a14="http://schemas.microsoft.com/office/drawing/2010/main">
+              <a14:hiddenEffects xmlns:a14="http://schemas.microsoft.com/office/drawing/2010/main" xmlns="">
                 <a:effectLst>
                   <a:outerShdw blurRad="63500" dist="38099" dir="2700000" algn="ctr" rotWithShape="0">
                     <a:schemeClr val="bg2">
@@ -2326,7 +2327,7 @@
               </a14:hiddenEffects>
             </a:ext>
             <a:ext uri="{FAA26D3D-D897-4be2-8F04-BA451C77F1D7}">
-              <ma14:placeholderFlag xmlns="" xmlns:ma14="http://schemas.microsoft.com/office/mac/drawingml/2011/main" val="1"/>
+              <ma14:placeholderFlag xmlns:ma14="http://schemas.microsoft.com/office/mac/drawingml/2011/main" xmlns="" val="1"/>
             </a:ext>
           </a:extLst>
         </p:spPr>
@@ -2523,7 +2524,7 @@
                 <a:latin typeface="Times New Roman" panose="02020603050405020304" pitchFamily="18" charset="0"/>
               </a:rPr>
               <a:pPr eaLnBrk="1" hangingPunct="1"/>
-              <a:t>68</a:t>
+              <a:t>69</a:t>
             </a:fld>
             <a:endParaRPr lang="en-US" altLang="en-US" sz="1200">
               <a:solidFill>
@@ -2678,14 +2679,14 @@
         <p:spPr>
           <a:extLst>
             <a:ext uri="{909E8E84-426E-40dd-AFC4-6F175D3DCCD1}">
-              <a14:hiddenFill xmlns="" xmlns:a14="http://schemas.microsoft.com/office/drawing/2010/main">
+              <a14:hiddenFill xmlns:a14="http://schemas.microsoft.com/office/drawing/2010/main" xmlns="">
                 <a:solidFill>
                   <a:srgbClr val="FFFFFF"/>
                 </a:solidFill>
               </a14:hiddenFill>
             </a:ext>
             <a:ext uri="{91240B29-F687-4f45-9708-019B960494DF}">
-              <a14:hiddenLine xmlns="" xmlns:a14="http://schemas.microsoft.com/office/drawing/2010/main" w="9525">
+              <a14:hiddenLine xmlns:a14="http://schemas.microsoft.com/office/drawing/2010/main" xmlns="" w="9525">
                 <a:solidFill>
                   <a:srgbClr val="000000"/>
                 </a:solidFill>
@@ -2695,7 +2696,7 @@
               </a14:hiddenLine>
             </a:ext>
             <a:ext uri="{AF507438-7753-43e0-B8FC-AC1667EBCBE1}">
-              <a14:hiddenEffects xmlns="" xmlns:a14="http://schemas.microsoft.com/office/drawing/2010/main">
+              <a14:hiddenEffects xmlns:a14="http://schemas.microsoft.com/office/drawing/2010/main" xmlns="">
                 <a:effectLst>
                   <a:outerShdw blurRad="63500" dist="38099" dir="2700000" algn="ctr" rotWithShape="0">
                     <a:schemeClr val="bg2">
@@ -2706,7 +2707,7 @@
               </a14:hiddenEffects>
             </a:ext>
             <a:ext uri="{FAA26D3D-D897-4be2-8F04-BA451C77F1D7}">
-              <ma14:placeholderFlag xmlns="" xmlns:ma14="http://schemas.microsoft.com/office/mac/drawingml/2011/main" val="1"/>
+              <ma14:placeholderFlag xmlns:ma14="http://schemas.microsoft.com/office/mac/drawingml/2011/main" xmlns="" val="1"/>
             </a:ext>
           </a:extLst>
         </p:spPr>
@@ -2903,7 +2904,7 @@
                 <a:latin typeface="Times New Roman" panose="02020603050405020304" pitchFamily="18" charset="0"/>
               </a:rPr>
               <a:pPr eaLnBrk="1" hangingPunct="1"/>
-              <a:t>69</a:t>
+              <a:t>70</a:t>
             </a:fld>
             <a:endParaRPr lang="en-US" altLang="en-US" sz="1200">
               <a:solidFill>
@@ -4784,14 +4785,14 @@
           <a:effectLst/>
           <a:extLst>
             <a:ext uri="{909E8E84-426E-40dd-AFC4-6F175D3DCCD1}">
-              <a14:hiddenFill xmlns="" xmlns:a14="http://schemas.microsoft.com/office/drawing/2010/main">
+              <a14:hiddenFill xmlns:a14="http://schemas.microsoft.com/office/drawing/2010/main" xmlns="">
                 <a:solidFill>
                   <a:srgbClr val="FFFFFF"/>
                 </a:solidFill>
               </a14:hiddenFill>
             </a:ext>
             <a:ext uri="{91240B29-F687-4f45-9708-019B960494DF}">
-              <a14:hiddenLine xmlns="" xmlns:a14="http://schemas.microsoft.com/office/drawing/2010/main" w="9525">
+              <a14:hiddenLine xmlns:a14="http://schemas.microsoft.com/office/drawing/2010/main" xmlns="" w="9525">
                 <a:solidFill>
                   <a:srgbClr val="000000"/>
                 </a:solidFill>
@@ -4801,7 +4802,7 @@
               </a14:hiddenLine>
             </a:ext>
             <a:ext uri="{AF507438-7753-43e0-B8FC-AC1667EBCBE1}">
-              <a14:hiddenEffects xmlns="" xmlns:a14="http://schemas.microsoft.com/office/drawing/2010/main">
+              <a14:hiddenEffects xmlns:a14="http://schemas.microsoft.com/office/drawing/2010/main" xmlns="">
                 <a:effectLst>
                   <a:outerShdw blurRad="63500" dist="38099" dir="2700000" algn="ctr" rotWithShape="0">
                     <a:schemeClr val="bg2">
@@ -4812,7 +4813,7 @@
               </a14:hiddenEffects>
             </a:ext>
             <a:ext uri="{FAA26D3D-D897-4be2-8F04-BA451C77F1D7}">
-              <ma14:placeholderFlag xmlns="" xmlns:ma14="http://schemas.microsoft.com/office/mac/drawingml/2011/main" val="1"/>
+              <ma14:placeholderFlag xmlns:ma14="http://schemas.microsoft.com/office/mac/drawingml/2011/main" xmlns="" val="1"/>
             </a:ext>
           </a:extLst>
         </p:spPr>
@@ -4857,14 +4858,14 @@
           <a:effectLst/>
           <a:extLst>
             <a:ext uri="{909E8E84-426E-40dd-AFC4-6F175D3DCCD1}">
-              <a14:hiddenFill xmlns="" xmlns:a14="http://schemas.microsoft.com/office/drawing/2010/main">
+              <a14:hiddenFill xmlns:a14="http://schemas.microsoft.com/office/drawing/2010/main" xmlns="">
                 <a:solidFill>
                   <a:srgbClr val="FFFFFF"/>
                 </a:solidFill>
               </a14:hiddenFill>
             </a:ext>
             <a:ext uri="{91240B29-F687-4f45-9708-019B960494DF}">
-              <a14:hiddenLine xmlns="" xmlns:a14="http://schemas.microsoft.com/office/drawing/2010/main" w="9525">
+              <a14:hiddenLine xmlns:a14="http://schemas.microsoft.com/office/drawing/2010/main" xmlns="" w="9525">
                 <a:solidFill>
                   <a:srgbClr val="000000"/>
                 </a:solidFill>
@@ -4874,7 +4875,7 @@
               </a14:hiddenLine>
             </a:ext>
             <a:ext uri="{AF507438-7753-43e0-B8FC-AC1667EBCBE1}">
-              <a14:hiddenEffects xmlns="" xmlns:a14="http://schemas.microsoft.com/office/drawing/2010/main">
+              <a14:hiddenEffects xmlns:a14="http://schemas.microsoft.com/office/drawing/2010/main" xmlns="">
                 <a:effectLst>
                   <a:outerShdw blurRad="63500" dist="38099" dir="2700000" algn="ctr" rotWithShape="0">
                     <a:schemeClr val="bg2">
@@ -4885,7 +4886,7 @@
               </a14:hiddenEffects>
             </a:ext>
             <a:ext uri="{FAA26D3D-D897-4be2-8F04-BA451C77F1D7}">
-              <ma14:placeholderFlag xmlns="" xmlns:ma14="http://schemas.microsoft.com/office/mac/drawingml/2011/main" val="1"/>
+              <ma14:placeholderFlag xmlns:ma14="http://schemas.microsoft.com/office/mac/drawingml/2011/main" xmlns="" val="1"/>
             </a:ext>
           </a:extLst>
         </p:spPr>
@@ -4986,7 +4987,7 @@
           <a:effectLst/>
           <a:extLst>
             <a:ext uri="{91240B29-F687-4f45-9708-019B960494DF}">
-              <a14:hiddenLine xmlns="" xmlns:a14="http://schemas.microsoft.com/office/drawing/2010/main" w="9525">
+              <a14:hiddenLine xmlns:a14="http://schemas.microsoft.com/office/drawing/2010/main" xmlns="" w="9525">
                 <a:solidFill>
                   <a:srgbClr val="000000"/>
                 </a:solidFill>
@@ -4996,7 +4997,7 @@
               </a14:hiddenLine>
             </a:ext>
             <a:ext uri="{AF507438-7753-43e0-B8FC-AC1667EBCBE1}">
-              <a14:hiddenEffects xmlns="" xmlns:a14="http://schemas.microsoft.com/office/drawing/2010/main">
+              <a14:hiddenEffects xmlns:a14="http://schemas.microsoft.com/office/drawing/2010/main" xmlns="">
                 <a:effectLst>
                   <a:outerShdw blurRad="63500" dist="38099" dir="2700000" algn="ctr" rotWithShape="0">
                     <a:srgbClr val="000000">
@@ -5049,7 +5050,7 @@
           <a:effectLst/>
           <a:extLst>
             <a:ext uri="{91240B29-F687-4f45-9708-019B960494DF}">
-              <a14:hiddenLine xmlns="" xmlns:a14="http://schemas.microsoft.com/office/drawing/2010/main" w="9525">
+              <a14:hiddenLine xmlns:a14="http://schemas.microsoft.com/office/drawing/2010/main" xmlns="" w="9525">
                 <a:solidFill>
                   <a:srgbClr val="000000"/>
                 </a:solidFill>
@@ -5059,7 +5060,7 @@
               </a14:hiddenLine>
             </a:ext>
             <a:ext uri="{AF507438-7753-43e0-B8FC-AC1667EBCBE1}">
-              <a14:hiddenEffects xmlns="" xmlns:a14="http://schemas.microsoft.com/office/drawing/2010/main">
+              <a14:hiddenEffects xmlns:a14="http://schemas.microsoft.com/office/drawing/2010/main" xmlns="">
                 <a:effectLst>
                   <a:outerShdw blurRad="63500" dist="38099" dir="2700000" algn="ctr" rotWithShape="0">
                     <a:srgbClr val="000000">
@@ -5112,7 +5113,7 @@
           <a:effectLst/>
           <a:extLst>
             <a:ext uri="{91240B29-F687-4f45-9708-019B960494DF}">
-              <a14:hiddenLine xmlns="" xmlns:a14="http://schemas.microsoft.com/office/drawing/2010/main" w="9525">
+              <a14:hiddenLine xmlns:a14="http://schemas.microsoft.com/office/drawing/2010/main" xmlns="" w="9525">
                 <a:solidFill>
                   <a:srgbClr val="000000"/>
                 </a:solidFill>
@@ -5122,7 +5123,7 @@
               </a14:hiddenLine>
             </a:ext>
             <a:ext uri="{AF507438-7753-43e0-B8FC-AC1667EBCBE1}">
-              <a14:hiddenEffects xmlns="" xmlns:a14="http://schemas.microsoft.com/office/drawing/2010/main">
+              <a14:hiddenEffects xmlns:a14="http://schemas.microsoft.com/office/drawing/2010/main" xmlns="">
                 <a:effectLst>
                   <a:outerShdw blurRad="63500" dist="38099" dir="2700000" algn="ctr" rotWithShape="0">
                     <a:srgbClr val="000000">
@@ -5186,7 +5187,7 @@
           <a:effectLst/>
           <a:extLst>
             <a:ext uri="{909E8E84-426E-40dd-AFC4-6F175D3DCCD1}">
-              <a14:hiddenFill xmlns="" xmlns:a14="http://schemas.microsoft.com/office/drawing/2010/main">
+              <a14:hiddenFill xmlns:a14="http://schemas.microsoft.com/office/drawing/2010/main" xmlns="">
                 <a:blipFill dpi="0" rotWithShape="0">
                   <a:blip xmlns:r="http://schemas.openxmlformats.org/officeDocument/2006/relationships"/>
                   <a:srcRect/>
@@ -5197,7 +5198,7 @@
               </a14:hiddenFill>
             </a:ext>
             <a:ext uri="{91240B29-F687-4f45-9708-019B960494DF}">
-              <a14:hiddenLine xmlns="" xmlns:a14="http://schemas.microsoft.com/office/drawing/2010/main" w="9525">
+              <a14:hiddenLine xmlns:a14="http://schemas.microsoft.com/office/drawing/2010/main" xmlns="" w="9525">
                 <a:solidFill>
                   <a:srgbClr val="000000"/>
                 </a:solidFill>
@@ -5207,7 +5208,7 @@
               </a14:hiddenLine>
             </a:ext>
             <a:ext uri="{AF507438-7753-43e0-B8FC-AC1667EBCBE1}">
-              <a14:hiddenEffects xmlns="" xmlns:a14="http://schemas.microsoft.com/office/drawing/2010/main">
+              <a14:hiddenEffects xmlns:a14="http://schemas.microsoft.com/office/drawing/2010/main" xmlns="">
                 <a:effectLst>
                   <a:outerShdw blurRad="63500" dist="38099" dir="2700000" algn="ctr" rotWithShape="0">
                     <a:srgbClr val="000000">
@@ -5243,14 +5244,14 @@
           <a:effectLst/>
           <a:extLst>
             <a:ext uri="{909E8E84-426E-40dd-AFC4-6F175D3DCCD1}">
-              <a14:hiddenFill xmlns="" xmlns:a14="http://schemas.microsoft.com/office/drawing/2010/main">
+              <a14:hiddenFill xmlns:a14="http://schemas.microsoft.com/office/drawing/2010/main" xmlns="">
                 <a:solidFill>
                   <a:srgbClr val="FFFFFF"/>
                 </a:solidFill>
               </a14:hiddenFill>
             </a:ext>
             <a:ext uri="{91240B29-F687-4f45-9708-019B960494DF}">
-              <a14:hiddenLine xmlns="" xmlns:a14="http://schemas.microsoft.com/office/drawing/2010/main" w="9525">
+              <a14:hiddenLine xmlns:a14="http://schemas.microsoft.com/office/drawing/2010/main" xmlns="" w="9525">
                 <a:solidFill>
                   <a:srgbClr val="000000"/>
                 </a:solidFill>
@@ -5260,7 +5261,7 @@
               </a14:hiddenLine>
             </a:ext>
             <a:ext uri="{AF507438-7753-43e0-B8FC-AC1667EBCBE1}">
-              <a14:hiddenEffects xmlns="" xmlns:a14="http://schemas.microsoft.com/office/drawing/2010/main">
+              <a14:hiddenEffects xmlns:a14="http://schemas.microsoft.com/office/drawing/2010/main" xmlns="">
                 <a:effectLst>
                   <a:outerShdw blurRad="63500" dist="38099" dir="2700000" algn="ctr" rotWithShape="0">
                     <a:srgbClr val="000000">
@@ -6633,7 +6634,7 @@
         </p:nvSpPr>
         <p:spPr>
           <a:xfrm>
-            <a:off x="685800" y="2438400"/>
+            <a:off x="685800" y="2667000"/>
             <a:ext cx="7343775" cy="3263504"/>
           </a:xfrm>
         </p:spPr>
@@ -6661,14 +6662,14 @@
           </a:p>
           <a:p>
             <a:r>
-              <a:rPr lang="en-US" sz="2800" dirty="0"/>
+              <a:rPr lang="en-US" sz="2800" dirty="0" smtClean="0"/>
               <a:t>Interaction-based Recommendation</a:t>
             </a:r>
           </a:p>
           <a:p>
             <a:pPr lvl="1"/>
             <a:r>
-              <a:rPr lang="en-US" sz="2400" dirty="0"/>
+              <a:rPr lang="en-US" sz="2400" dirty="0" smtClean="0"/>
               <a:t>Apply &gt; Favorite &gt; Like &gt; Visit</a:t>
             </a:r>
           </a:p>
@@ -7124,8 +7125,8 @@
         </p:nvSpPr>
         <p:spPr>
           <a:xfrm>
-            <a:off x="533400" y="2514600"/>
-            <a:ext cx="8228013" cy="4981575"/>
+            <a:off x="609600" y="2667000"/>
+            <a:ext cx="8228013" cy="3084314"/>
           </a:xfrm>
         </p:spPr>
         <p:txBody>
@@ -7304,7 +7305,7 @@
         </p:nvSpPr>
         <p:spPr>
           <a:xfrm>
-            <a:off x="1171575" y="1131094"/>
+            <a:off x="905325" y="1026914"/>
             <a:ext cx="7343775" cy="994172"/>
           </a:xfrm>
         </p:spPr>
@@ -7347,8 +7348,8 @@
         </p:blipFill>
         <p:spPr>
           <a:xfrm>
-            <a:off x="926424" y="2125266"/>
-            <a:ext cx="7136606" cy="3671888"/>
+            <a:off x="838200" y="2286000"/>
+            <a:ext cx="7405038" cy="3810000"/>
           </a:xfrm>
           <a:prstGeom prst="rect">
             <a:avLst/>
@@ -7523,7 +7524,7 @@
         </p:blipFill>
         <p:spPr>
           <a:xfrm>
-            <a:off x="4576930" y="3193257"/>
+            <a:off x="4464378" y="3429000"/>
             <a:ext cx="4471988" cy="2807494"/>
           </a:xfrm>
           <a:prstGeom prst="rect">
@@ -7924,14 +7925,14 @@
           <a:effectLst/>
           <a:extLst>
             <a:ext uri="{909E8E84-426E-40dd-AFC4-6F175D3DCCD1}">
-              <a14:hiddenFill xmlns="" xmlns:a14="http://schemas.microsoft.com/office/drawing/2010/main">
+              <a14:hiddenFill xmlns:a14="http://schemas.microsoft.com/office/drawing/2010/main" xmlns="">
                 <a:solidFill>
                   <a:srgbClr val="FFFFFF"/>
                 </a:solidFill>
               </a14:hiddenFill>
             </a:ext>
             <a:ext uri="{91240B29-F687-4f45-9708-019B960494DF}">
-              <a14:hiddenLine xmlns="" xmlns:a14="http://schemas.microsoft.com/office/drawing/2010/main" w="9525">
+              <a14:hiddenLine xmlns:a14="http://schemas.microsoft.com/office/drawing/2010/main" xmlns="" w="9525">
                 <a:solidFill>
                   <a:srgbClr val="000000"/>
                 </a:solidFill>
@@ -7941,7 +7942,7 @@
               </a14:hiddenLine>
             </a:ext>
             <a:ext uri="{AF507438-7753-43e0-B8FC-AC1667EBCBE1}">
-              <a14:hiddenEffects xmlns="" xmlns:a14="http://schemas.microsoft.com/office/drawing/2010/main">
+              <a14:hiddenEffects xmlns:a14="http://schemas.microsoft.com/office/drawing/2010/main" xmlns="">
                 <a:effectLst>
                   <a:outerShdw blurRad="63500" dist="38099" dir="2700000" algn="ctr" rotWithShape="0">
                     <a:srgbClr val="000000">
@@ -8258,14 +8259,14 @@
           <a:effectLst/>
           <a:extLst>
             <a:ext uri="{909E8E84-426E-40dd-AFC4-6F175D3DCCD1}">
-              <a14:hiddenFill xmlns="" xmlns:a14="http://schemas.microsoft.com/office/drawing/2010/main">
+              <a14:hiddenFill xmlns:a14="http://schemas.microsoft.com/office/drawing/2010/main" xmlns="">
                 <a:solidFill>
                   <a:srgbClr val="FFFFFF"/>
                 </a:solidFill>
               </a14:hiddenFill>
             </a:ext>
             <a:ext uri="{91240B29-F687-4f45-9708-019B960494DF}">
-              <a14:hiddenLine xmlns="" xmlns:a14="http://schemas.microsoft.com/office/drawing/2010/main" w="9525">
+              <a14:hiddenLine xmlns:a14="http://schemas.microsoft.com/office/drawing/2010/main" xmlns="" w="9525">
                 <a:solidFill>
                   <a:srgbClr val="000000"/>
                 </a:solidFill>
@@ -8275,7 +8276,7 @@
               </a14:hiddenLine>
             </a:ext>
             <a:ext uri="{AF507438-7753-43e0-B8FC-AC1667EBCBE1}">
-              <a14:hiddenEffects xmlns="" xmlns:a14="http://schemas.microsoft.com/office/drawing/2010/main">
+              <a14:hiddenEffects xmlns:a14="http://schemas.microsoft.com/office/drawing/2010/main" xmlns="">
                 <a:effectLst>
                   <a:outerShdw blurRad="63500" dist="38099" dir="2700000" algn="ctr" rotWithShape="0">
                     <a:srgbClr val="000000">
@@ -8716,14 +8717,14 @@
           <a:effectLst/>
           <a:extLst>
             <a:ext uri="{909E8E84-426E-40dd-AFC4-6F175D3DCCD1}">
-              <a14:hiddenFill xmlns="" xmlns:a14="http://schemas.microsoft.com/office/drawing/2010/main">
+              <a14:hiddenFill xmlns:a14="http://schemas.microsoft.com/office/drawing/2010/main" xmlns="">
                 <a:solidFill>
                   <a:srgbClr val="FFFFFF"/>
                 </a:solidFill>
               </a14:hiddenFill>
             </a:ext>
             <a:ext uri="{91240B29-F687-4f45-9708-019B960494DF}">
-              <a14:hiddenLine xmlns="" xmlns:a14="http://schemas.microsoft.com/office/drawing/2010/main" w="9525">
+              <a14:hiddenLine xmlns:a14="http://schemas.microsoft.com/office/drawing/2010/main" xmlns="" w="9525">
                 <a:solidFill>
                   <a:srgbClr val="000000"/>
                 </a:solidFill>
@@ -8733,7 +8734,7 @@
               </a14:hiddenLine>
             </a:ext>
             <a:ext uri="{AF507438-7753-43e0-B8FC-AC1667EBCBE1}">
-              <a14:hiddenEffects xmlns="" xmlns:a14="http://schemas.microsoft.com/office/drawing/2010/main">
+              <a14:hiddenEffects xmlns:a14="http://schemas.microsoft.com/office/drawing/2010/main" xmlns="">
                 <a:effectLst>
                   <a:outerShdw blurRad="63500" dist="38099" dir="2700000" algn="ctr" rotWithShape="0">
                     <a:srgbClr val="000000">
@@ -8784,14 +8785,14 @@
           <a:effectLst/>
           <a:extLst>
             <a:ext uri="{909E8E84-426E-40dd-AFC4-6F175D3DCCD1}">
-              <a14:hiddenFill xmlns="" xmlns:a14="http://schemas.microsoft.com/office/drawing/2010/main">
+              <a14:hiddenFill xmlns:a14="http://schemas.microsoft.com/office/drawing/2010/main" xmlns="">
                 <a:solidFill>
                   <a:srgbClr val="FFFFFF"/>
                 </a:solidFill>
               </a14:hiddenFill>
             </a:ext>
             <a:ext uri="{91240B29-F687-4f45-9708-019B960494DF}">
-              <a14:hiddenLine xmlns="" xmlns:a14="http://schemas.microsoft.com/office/drawing/2010/main" w="9525">
+              <a14:hiddenLine xmlns:a14="http://schemas.microsoft.com/office/drawing/2010/main" xmlns="" w="9525">
                 <a:solidFill>
                   <a:srgbClr val="000000"/>
                 </a:solidFill>
@@ -8801,7 +8802,7 @@
               </a14:hiddenLine>
             </a:ext>
             <a:ext uri="{AF507438-7753-43e0-B8FC-AC1667EBCBE1}">
-              <a14:hiddenEffects xmlns="" xmlns:a14="http://schemas.microsoft.com/office/drawing/2010/main">
+              <a14:hiddenEffects xmlns:a14="http://schemas.microsoft.com/office/drawing/2010/main" xmlns="">
                 <a:effectLst>
                   <a:outerShdw blurRad="63500" dist="38099" dir="2700000" algn="ctr" rotWithShape="0">
                     <a:srgbClr val="000000">
@@ -8852,14 +8853,14 @@
           <a:effectLst/>
           <a:extLst>
             <a:ext uri="{909E8E84-426E-40dd-AFC4-6F175D3DCCD1}">
-              <a14:hiddenFill xmlns="" xmlns:a14="http://schemas.microsoft.com/office/drawing/2010/main">
+              <a14:hiddenFill xmlns:a14="http://schemas.microsoft.com/office/drawing/2010/main" xmlns="">
                 <a:solidFill>
                   <a:srgbClr val="FFFFFF"/>
                 </a:solidFill>
               </a14:hiddenFill>
             </a:ext>
             <a:ext uri="{91240B29-F687-4f45-9708-019B960494DF}">
-              <a14:hiddenLine xmlns="" xmlns:a14="http://schemas.microsoft.com/office/drawing/2010/main" w="9525">
+              <a14:hiddenLine xmlns:a14="http://schemas.microsoft.com/office/drawing/2010/main" xmlns="" w="9525">
                 <a:solidFill>
                   <a:srgbClr val="000000"/>
                 </a:solidFill>
@@ -8869,7 +8870,7 @@
               </a14:hiddenLine>
             </a:ext>
             <a:ext uri="{AF507438-7753-43e0-B8FC-AC1667EBCBE1}">
-              <a14:hiddenEffects xmlns="" xmlns:a14="http://schemas.microsoft.com/office/drawing/2010/main">
+              <a14:hiddenEffects xmlns:a14="http://schemas.microsoft.com/office/drawing/2010/main" xmlns="">
                 <a:effectLst>
                   <a:outerShdw blurRad="63500" dist="38099" dir="2700000" algn="ctr" rotWithShape="0">
                     <a:srgbClr val="000000">
@@ -9146,8 +9147,17 @@
           <a:p>
             <a:r>
               <a:rPr lang="en-US" sz="2800" dirty="0"/>
-              <a:t>J is the set of jobs</a:t>
-            </a:r>
+              <a:t>J is the set of </a:t>
+            </a:r>
+            <a:r>
+              <a:rPr lang="en-US" sz="2800" dirty="0" smtClean="0"/>
+              <a:t>jobs </a:t>
+            </a:r>
+            <a:r>
+              <a:rPr lang="en-US" altLang="zh-CN" sz="2800" dirty="0" smtClean="0"/>
+              <a:t>in the system</a:t>
+            </a:r>
+            <a:endParaRPr lang="en-US" sz="2800" dirty="0"/>
           </a:p>
           <a:p>
             <a:r>
@@ -9421,8 +9431,8 @@
         </p:blipFill>
         <p:spPr>
           <a:xfrm>
-            <a:off x="3526450" y="2125266"/>
-            <a:ext cx="5036552" cy="3716108"/>
+            <a:off x="1843087" y="2209800"/>
+            <a:ext cx="5181600" cy="3823128"/>
           </a:xfrm>
           <a:prstGeom prst="rect">
             <a:avLst/>
@@ -9687,8 +9697,8 @@
         </p:blipFill>
         <p:spPr>
           <a:xfrm>
-            <a:off x="5444853" y="1874523"/>
-            <a:ext cx="3364297" cy="4126228"/>
+            <a:off x="4759147" y="1828800"/>
+            <a:ext cx="3851453" cy="4723713"/>
           </a:xfrm>
         </p:spPr>
       </p:pic>
@@ -10192,7 +10202,7 @@
         <p:spPr>
           <a:xfrm>
             <a:off x="763074" y="2226468"/>
-            <a:ext cx="7752277" cy="2116931"/>
+            <a:ext cx="7752277" cy="2345532"/>
           </a:xfrm>
         </p:spPr>
         <p:txBody>
@@ -10202,28 +10212,28 @@
           <a:lstStyle/>
           <a:p>
             <a:r>
-              <a:rPr lang="en-US" sz="8000" dirty="0"/>
+              <a:rPr lang="en-US" sz="9600" dirty="0"/>
               <a:t>A  single concept has multiple expressions</a:t>
             </a:r>
           </a:p>
           <a:p>
             <a:r>
-              <a:rPr lang="en-US" sz="8000" dirty="0"/>
+              <a:rPr lang="en-US" sz="9600" dirty="0"/>
               <a:t>“bachelor’s degree”, the pattern will like below:</a:t>
             </a:r>
           </a:p>
           <a:p>
             <a:r>
-              <a:rPr lang="en-US" sz="8000" dirty="0"/>
+              <a:rPr lang="en-US" sz="9600" dirty="0"/>
               <a:t>( Baccalaureate | bachelors | bachelor | B.S | BS | BA ) degree</a:t>
             </a:r>
           </a:p>
           <a:p>
-            <a:endParaRPr lang="en-US" sz="8000" dirty="0"/>
-          </a:p>
-          <a:p>
-            <a:r>
-              <a:rPr lang="en-US" sz="8000" dirty="0"/>
+            <a:endParaRPr lang="en-US" sz="9600" dirty="0"/>
+          </a:p>
+          <a:p>
+            <a:r>
+              <a:rPr lang="en-US" sz="9600" dirty="0"/>
               <a:t>All words mean bachelors: </a:t>
             </a:r>
           </a:p>
@@ -10279,56 +10289,37 @@
       </p:sp>
       <p:sp>
         <p:nvSpPr>
-          <p:cNvPr id="4" name="TextBox 3"/>
+          <p:cNvPr id="5" name="TextBox 4"/>
           <p:cNvSpPr txBox="1"/>
           <p:nvPr/>
         </p:nvSpPr>
         <p:spPr>
           <a:xfrm>
-            <a:off x="533400" y="4648200"/>
-            <a:ext cx="7594913" cy="1323439"/>
+            <a:off x="729199" y="4694304"/>
+            <a:ext cx="8228526" cy="1938992"/>
           </a:xfrm>
           <a:prstGeom prst="rect">
             <a:avLst/>
           </a:prstGeom>
           <a:noFill/>
-          <a:ln>
-            <a:solidFill>
-              <a:schemeClr val="bg2"/>
-            </a:solidFill>
-          </a:ln>
         </p:spPr>
         <p:txBody>
-          <a:bodyPr wrap="square" rtlCol="0" anchor="ctr" anchorCtr="1">
+          <a:bodyPr wrap="square" rtlCol="0">
             <a:spAutoFit/>
           </a:bodyPr>
           <a:lstStyle/>
           <a:p>
             <a:r>
-              <a:rPr lang="en-US" sz="1800" dirty="0"/>
-              <a:t>”</a:t>
-            </a:r>
-            <a:r>
-              <a:rPr lang="en-US" sz="2000" dirty="0">
+              <a:rPr lang="en-US" dirty="0">
                 <a:solidFill>
                   <a:schemeClr val="tx1"/>
                 </a:solidFill>
               </a:rPr>
-              <a:t>Baccalaureate”, ”bachelors”, ”bachelor” ,”B.S.”, ”B.S”,”BS”,”BA”,”BA/BS”, ”BABS”, ”BSBA”, ”B.A.”, ”4-year”,”4-year”, ”4 year”, ”four year”, ”college”, ”Undergraduate” , ”University</a:t>
-            </a:r>
-            <a:r>
-              <a:rPr lang="en-US" sz="2000" dirty="0" smtClean="0">
-                <a:solidFill>
-                  <a:schemeClr val="tx1"/>
-                </a:solidFill>
-              </a:rPr>
-              <a:t>”</a:t>
-            </a:r>
-            <a:endParaRPr lang="en-US" sz="2000" dirty="0">
-              <a:solidFill>
-                <a:schemeClr val="tx1"/>
-              </a:solidFill>
-            </a:endParaRPr>
+              <a:t>Baccalaureate”, ”bachelors”, ”bachelor” ,”B.S.”, ”B.S”,”BS”,”BA”,”BA/BS”, ”BABS”, ”BSBA”, ”B.A.”, ”4-year”,”4-year”, ”4 year”, ”four year”, ”college”, ”Undergraduate” , ”University”</a:t>
+            </a:r>
+          </a:p>
+          <a:p>
+            <a:endParaRPr lang="en-US" dirty="0"/>
           </a:p>
         </p:txBody>
       </p:sp>
@@ -10445,12 +10436,16 @@
             <a:graphicFrameLocks noGrp="1"/>
           </p:cNvGraphicFramePr>
           <p:nvPr>
-            <p:extLst/>
+            <p:extLst>
+              <p:ext uri="{D42A27DB-BD31-4B8C-83A1-F6EECF244321}">
+                <p14:modId xmlns:p14="http://schemas.microsoft.com/office/powerpoint/2010/main" val="3910296752"/>
+              </p:ext>
+            </p:extLst>
           </p:nvPr>
         </p:nvGraphicFramePr>
         <p:xfrm>
-          <a:off x="1171575" y="3748145"/>
-          <a:ext cx="6917167" cy="1851660"/>
+          <a:off x="858017" y="3886200"/>
+          <a:ext cx="7295384" cy="1981200"/>
         </p:xfrm>
         <a:graphic>
           <a:graphicData uri="http://schemas.openxmlformats.org/drawingml/2006/table">
@@ -10459,15 +10454,15 @@
                 <a:tableStyleId>{5940675A-B579-460E-94D1-54222C63F5DA}</a:tableStyleId>
               </a:tblPr>
               <a:tblGrid>
-                <a:gridCol w="1406690"/>
-                <a:gridCol w="882533"/>
-                <a:gridCol w="444321"/>
-                <a:gridCol w="1854558"/>
-                <a:gridCol w="531254"/>
-                <a:gridCol w="1552304"/>
-                <a:gridCol w="245507"/>
+                <a:gridCol w="1483605"/>
+                <a:gridCol w="930788"/>
+                <a:gridCol w="468616"/>
+                <a:gridCol w="1955961"/>
+                <a:gridCol w="560302"/>
+                <a:gridCol w="1637181"/>
+                <a:gridCol w="258931"/>
               </a:tblGrid>
-              <a:tr h="617220">
+              <a:tr h="660400">
                 <a:tc>
                   <a:txBody>
                     <a:bodyPr/>
@@ -10567,7 +10562,7 @@
                   <a:tcPr marL="68580" marR="68580" marT="34290" marB="34290"/>
                 </a:tc>
               </a:tr>
-              <a:tr h="617220">
+              <a:tr h="660400">
                 <a:tc>
                   <a:txBody>
                     <a:bodyPr/>
@@ -10667,7 +10662,7 @@
                   <a:tcPr marL="68580" marR="68580" marT="34290" marB="34290"/>
                 </a:tc>
               </a:tr>
-              <a:tr h="617220">
+              <a:tr h="660400">
                 <a:tc>
                   <a:txBody>
                     <a:bodyPr/>
@@ -11201,11 +11196,15 @@
             <a:graphicFrameLocks noGrp="1"/>
           </p:cNvGraphicFramePr>
           <p:nvPr>
-            <p:extLst/>
+            <p:extLst>
+              <p:ext uri="{D42A27DB-BD31-4B8C-83A1-F6EECF244321}">
+                <p14:modId xmlns:p14="http://schemas.microsoft.com/office/powerpoint/2010/main" val="4011779814"/>
+              </p:ext>
+            </p:extLst>
           </p:nvPr>
         </p:nvGraphicFramePr>
         <p:xfrm>
-          <a:off x="705115" y="2221999"/>
+          <a:off x="629251" y="2590800"/>
           <a:ext cx="7456872" cy="1851660"/>
         </p:xfrm>
         <a:graphic>
@@ -11536,13 +11535,13 @@
           <p:nvPr>
             <p:extLst>
               <p:ext uri="{D42A27DB-BD31-4B8C-83A1-F6EECF244321}">
-                <p14:modId xmlns:p14="http://schemas.microsoft.com/office/powerpoint/2010/main" val="2151873670"/>
+                <p14:modId xmlns:p14="http://schemas.microsoft.com/office/powerpoint/2010/main" val="2767370253"/>
               </p:ext>
             </p:extLst>
           </p:nvPr>
         </p:nvGraphicFramePr>
         <p:xfrm>
-          <a:off x="381000" y="4343400"/>
+          <a:off x="381000" y="4724400"/>
           <a:ext cx="8414737" cy="1851660"/>
         </p:xfrm>
         <a:graphic>
@@ -11561,7 +11560,7 @@
                 <a:gridCol w="1185488"/>
                 <a:gridCol w="927278"/>
               </a:tblGrid>
-              <a:tr h="617220">
+              <a:tr h="464820">
                 <a:tc>
                   <a:txBody>
                     <a:bodyPr/>
@@ -11911,6 +11910,43 @@
           </a:graphicData>
         </a:graphic>
       </p:graphicFrame>
+      <p:sp>
+        <p:nvSpPr>
+          <p:cNvPr id="4" name="TextBox 3"/>
+          <p:cNvSpPr txBox="1"/>
+          <p:nvPr/>
+        </p:nvSpPr>
+        <p:spPr>
+          <a:xfrm>
+            <a:off x="675249" y="1908572"/>
+            <a:ext cx="8026364" cy="461665"/>
+          </a:xfrm>
+          <a:prstGeom prst="rect">
+            <a:avLst/>
+          </a:prstGeom>
+          <a:noFill/>
+        </p:spPr>
+        <p:txBody>
+          <a:bodyPr wrap="none" rtlCol="0">
+            <a:spAutoFit/>
+          </a:bodyPr>
+          <a:lstStyle/>
+          <a:p>
+            <a:r>
+              <a:rPr lang="en-US" dirty="0">
+                <a:solidFill>
+                  <a:schemeClr val="tx1"/>
+                </a:solidFill>
+              </a:rPr>
+              <a:t>“ DE_LEVEL (, DE_LEVEL)* (or DE_LEVEL)? DEGREE</a:t>
+            </a:r>
+            <a:r>
+              <a:rPr lang="en-US" dirty="0"/>
+              <a:t>”)</a:t>
+            </a:r>
+          </a:p>
+        </p:txBody>
+      </p:sp>
     </p:spTree>
     <p:extLst>
       <p:ext uri="{BB962C8B-B14F-4D97-AF65-F5344CB8AC3E}">
@@ -12501,8 +12537,8 @@
         </p:blipFill>
         <p:spPr>
           <a:xfrm>
-            <a:off x="914652" y="2389685"/>
-            <a:ext cx="7179469" cy="3121819"/>
+            <a:off x="381000" y="2514600"/>
+            <a:ext cx="8348433" cy="3630115"/>
           </a:xfrm>
           <a:prstGeom prst="rect">
             <a:avLst/>
@@ -12928,8 +12964,8 @@
         </p:nvSpPr>
         <p:spPr>
           <a:xfrm>
-            <a:off x="609601" y="2226469"/>
-            <a:ext cx="7905750" cy="3263504"/>
+            <a:off x="457200" y="2295507"/>
+            <a:ext cx="8439151" cy="4479131"/>
           </a:xfrm>
         </p:spPr>
         <p:txBody>
@@ -12939,7 +12975,7 @@
           <a:lstStyle/>
           <a:p>
             <a:r>
-              <a:rPr lang="en-US" sz="2000" dirty="0" smtClean="0">
+              <a:rPr lang="en-US" sz="2400" dirty="0" smtClean="0">
                 <a:solidFill>
                   <a:schemeClr val="tx1"/>
                 </a:solidFill>
@@ -12947,7 +12983,7 @@
               <a:t>Pattern: </a:t>
             </a:r>
             <a:r>
-              <a:rPr lang="en-US" sz="2000" dirty="0">
+              <a:rPr lang="en-US" sz="2400" dirty="0">
                 <a:solidFill>
                   <a:schemeClr val="tx1"/>
                 </a:solidFill>
@@ -12957,14 +12993,14 @@
           </a:p>
           <a:p>
             <a:r>
-              <a:rPr lang="en-US" sz="2000" dirty="0" smtClean="0">
+              <a:rPr lang="en-US" sz="2400" dirty="0" smtClean="0">
                 <a:solidFill>
                   <a:schemeClr val="tx1"/>
                 </a:solidFill>
               </a:rPr>
               <a:t> </a:t>
             </a:r>
-            <a:endParaRPr lang="en-US" sz="2000" dirty="0">
+            <a:endParaRPr lang="en-US" sz="2400" dirty="0">
               <a:solidFill>
                 <a:schemeClr val="tx1"/>
               </a:solidFill>
@@ -12972,7 +13008,7 @@
           </a:p>
           <a:p>
             <a:r>
-              <a:rPr lang="en-US" sz="2000" dirty="0">
+              <a:rPr lang="en-US" sz="2400" dirty="0">
                 <a:solidFill>
                   <a:schemeClr val="tx1"/>
                 </a:solidFill>
@@ -12980,7 +13016,7 @@
               <a:t>matcher1 = </a:t>
             </a:r>
             <a:r>
-              <a:rPr lang="en-US" sz="2000" dirty="0" err="1">
+              <a:rPr lang="en-US" sz="2400" dirty="0" err="1">
                 <a:solidFill>
                   <a:schemeClr val="tx1"/>
                 </a:solidFill>
@@ -12988,7 +13024,7 @@
               <a:t>UnitMatcher</a:t>
             </a:r>
             <a:r>
-              <a:rPr lang="en-US" sz="2000" dirty="0">
+              <a:rPr lang="en-US" sz="2400" dirty="0">
                 <a:solidFill>
                   <a:schemeClr val="tx1"/>
                 </a:solidFill>
@@ -12998,7 +13034,7 @@
           </a:p>
           <a:p>
             <a:r>
-              <a:rPr lang="en-US" sz="2000" dirty="0">
+              <a:rPr lang="en-US" sz="2400" dirty="0">
                 <a:solidFill>
                   <a:schemeClr val="tx1"/>
                 </a:solidFill>
@@ -13006,7 +13042,7 @@
               <a:t>matcher2 = </a:t>
             </a:r>
             <a:r>
-              <a:rPr lang="en-US" sz="2000" dirty="0" err="1">
+              <a:rPr lang="en-US" sz="2400" dirty="0" err="1">
                 <a:solidFill>
                   <a:schemeClr val="tx1"/>
                 </a:solidFill>
@@ -13014,7 +13050,7 @@
               <a:t>UnitMatcher</a:t>
             </a:r>
             <a:r>
-              <a:rPr lang="en-US" sz="2000" dirty="0">
+              <a:rPr lang="en-US" sz="2400" dirty="0">
                 <a:solidFill>
                   <a:schemeClr val="tx1"/>
                 </a:solidFill>
@@ -13024,7 +13060,7 @@
           </a:p>
           <a:p>
             <a:r>
-              <a:rPr lang="en-US" sz="2000" dirty="0">
+              <a:rPr lang="en-US" sz="2400" dirty="0">
                 <a:solidFill>
                   <a:schemeClr val="tx1"/>
                 </a:solidFill>
@@ -13032,7 +13068,7 @@
               <a:t>matcher3 = </a:t>
             </a:r>
             <a:r>
-              <a:rPr lang="en-US" sz="2000" dirty="0" err="1">
+              <a:rPr lang="en-US" sz="2400" dirty="0" err="1">
                 <a:solidFill>
                   <a:schemeClr val="tx1"/>
                 </a:solidFill>
@@ -13040,7 +13076,7 @@
               <a:t>UnitMatcher</a:t>
             </a:r>
             <a:r>
-              <a:rPr lang="en-US" sz="2000" dirty="0">
+              <a:rPr lang="en-US" sz="2400" dirty="0">
                 <a:solidFill>
                   <a:schemeClr val="tx1"/>
                 </a:solidFill>
@@ -13050,7 +13086,7 @@
           </a:p>
           <a:p>
             <a:r>
-              <a:rPr lang="en-US" sz="2000" dirty="0">
+              <a:rPr lang="en-US" sz="2400" dirty="0">
                 <a:solidFill>
                   <a:schemeClr val="tx1"/>
                 </a:solidFill>
@@ -13058,7 +13094,7 @@
               <a:t>matcher4 = </a:t>
             </a:r>
             <a:r>
-              <a:rPr lang="en-US" sz="2000" dirty="0" err="1">
+              <a:rPr lang="en-US" sz="2400" dirty="0" err="1">
                 <a:solidFill>
                   <a:schemeClr val="tx1"/>
                 </a:solidFill>
@@ -13066,7 +13102,7 @@
               <a:t>UnitMatcher</a:t>
             </a:r>
             <a:r>
-              <a:rPr lang="en-US" sz="2000" dirty="0">
+              <a:rPr lang="en-US" sz="2400" dirty="0">
                 <a:solidFill>
                   <a:schemeClr val="tx1"/>
                 </a:solidFill>
@@ -13076,7 +13112,7 @@
           </a:p>
           <a:p>
             <a:r>
-              <a:rPr lang="en-US" sz="2000" dirty="0">
+              <a:rPr lang="en-US" sz="2400" dirty="0">
                 <a:solidFill>
                   <a:schemeClr val="tx1"/>
                 </a:solidFill>
@@ -13084,7 +13120,7 @@
               <a:t>matcher5 = </a:t>
             </a:r>
             <a:r>
-              <a:rPr lang="en-US" sz="2000" dirty="0" err="1">
+              <a:rPr lang="en-US" sz="2400" dirty="0" err="1">
                 <a:solidFill>
                   <a:schemeClr val="tx1"/>
                 </a:solidFill>
@@ -13092,7 +13128,7 @@
               <a:t>UnitMatcher</a:t>
             </a:r>
             <a:r>
-              <a:rPr lang="en-US" sz="2000" dirty="0">
+              <a:rPr lang="en-US" sz="2400" dirty="0">
                 <a:solidFill>
                   <a:schemeClr val="tx1"/>
                 </a:solidFill>
@@ -13102,7 +13138,7 @@
           </a:p>
           <a:p>
             <a:r>
-              <a:rPr lang="en-US" sz="2000" dirty="0">
+              <a:rPr lang="en-US" sz="2400" dirty="0">
                 <a:solidFill>
                   <a:schemeClr val="tx1"/>
                 </a:solidFill>
@@ -13110,7 +13146,7 @@
               <a:t>matcher6 = </a:t>
             </a:r>
             <a:r>
-              <a:rPr lang="en-US" sz="2000" dirty="0" err="1">
+              <a:rPr lang="en-US" sz="2400" dirty="0" err="1">
                 <a:solidFill>
                   <a:schemeClr val="tx1"/>
                 </a:solidFill>
@@ -13118,7 +13154,7 @@
               <a:t>AlternateMatcher</a:t>
             </a:r>
             <a:r>
-              <a:rPr lang="en-US" sz="2000" dirty="0">
+              <a:rPr lang="en-US" sz="2400" dirty="0">
                 <a:solidFill>
                   <a:schemeClr val="tx1"/>
                 </a:solidFill>
@@ -13128,7 +13164,7 @@
           </a:p>
           <a:p>
             <a:r>
-              <a:rPr lang="en-US" sz="2000" dirty="0" err="1">
+              <a:rPr lang="en-US" sz="2400" dirty="0" err="1">
                 <a:solidFill>
                   <a:schemeClr val="tx1"/>
                 </a:solidFill>
@@ -13136,7 +13172,7 @@
               <a:t>seqMatcher</a:t>
             </a:r>
             <a:r>
-              <a:rPr lang="en-US" sz="2000" dirty="0">
+              <a:rPr lang="en-US" sz="2400" dirty="0">
                 <a:solidFill>
                   <a:schemeClr val="tx1"/>
                 </a:solidFill>
@@ -13144,7 +13180,7 @@
               <a:t> = </a:t>
             </a:r>
             <a:r>
-              <a:rPr lang="en-US" sz="2000" dirty="0" err="1">
+              <a:rPr lang="en-US" sz="2400" dirty="0" err="1">
                 <a:solidFill>
                   <a:schemeClr val="tx1"/>
                 </a:solidFill>
@@ -13152,7 +13188,7 @@
               <a:t>SeqMatcher</a:t>
             </a:r>
             <a:r>
-              <a:rPr lang="en-US" sz="2000" dirty="0">
+              <a:rPr lang="en-US" sz="2400" dirty="0">
                 <a:solidFill>
                   <a:schemeClr val="tx1"/>
                 </a:solidFill>
@@ -13212,7 +13248,7 @@
         </p:nvSpPr>
         <p:spPr>
           <a:xfrm>
-            <a:off x="990600" y="1174364"/>
+            <a:off x="685800" y="1180226"/>
             <a:ext cx="7343775" cy="994172"/>
           </a:xfrm>
         </p:spPr>
@@ -13273,14 +13309,14 @@
           <p:nvPr>
             <p:extLst>
               <p:ext uri="{D42A27DB-BD31-4B8C-83A1-F6EECF244321}">
-                <p14:modId xmlns:p14="http://schemas.microsoft.com/office/powerpoint/2010/main" val="740646702"/>
+                <p14:modId xmlns:p14="http://schemas.microsoft.com/office/powerpoint/2010/main" val="117475419"/>
               </p:ext>
             </p:extLst>
           </p:nvPr>
         </p:nvGraphicFramePr>
         <p:xfrm>
-          <a:off x="1090130" y="2971800"/>
-          <a:ext cx="7456872" cy="1851660"/>
+          <a:off x="685798" y="2895600"/>
+          <a:ext cx="7648576" cy="2057400"/>
         </p:xfrm>
         <a:graphic>
           <a:graphicData uri="http://schemas.openxmlformats.org/drawingml/2006/table">
@@ -13289,15 +13325,15 @@
                 <a:tableStyleId>{5940675A-B579-460E-94D1-54222C63F5DA}</a:tableStyleId>
               </a:tblPr>
               <a:tblGrid>
-                <a:gridCol w="1406690"/>
-                <a:gridCol w="882533"/>
-                <a:gridCol w="444321"/>
-                <a:gridCol w="1854558"/>
-                <a:gridCol w="531254"/>
-                <a:gridCol w="1767625"/>
-                <a:gridCol w="569891"/>
+                <a:gridCol w="1442854"/>
+                <a:gridCol w="905221"/>
+                <a:gridCol w="455744"/>
+                <a:gridCol w="1902235"/>
+                <a:gridCol w="544912"/>
+                <a:gridCol w="1813068"/>
+                <a:gridCol w="584542"/>
               </a:tblGrid>
-              <a:tr h="617220">
+              <a:tr h="685800">
                 <a:tc>
                   <a:txBody>
                     <a:bodyPr/>
@@ -13397,7 +13433,7 @@
                   <a:tcPr marL="68580" marR="68580" marT="34290" marB="34290"/>
                 </a:tc>
               </a:tr>
-              <a:tr h="617220">
+              <a:tr h="685800">
                 <a:tc>
                   <a:txBody>
                     <a:bodyPr/>
@@ -13497,7 +13533,7 @@
                   <a:tcPr marL="68580" marR="68580" marT="34290" marB="34290"/>
                 </a:tc>
               </a:tr>
-              <a:tr h="617220">
+              <a:tr h="685800">
                 <a:tc>
                   <a:txBody>
                     <a:bodyPr/>
@@ -13807,8 +13843,8 @@
         </p:blipFill>
         <p:spPr>
           <a:xfrm>
-            <a:off x="475108" y="2486685"/>
-            <a:ext cx="6399394" cy="798851"/>
+            <a:off x="661044" y="2486685"/>
+            <a:ext cx="7297293" cy="866115"/>
           </a:xfrm>
           <a:prstGeom prst="rect">
             <a:avLst/>
@@ -13867,8 +13903,8 @@
         </p:blipFill>
         <p:spPr>
           <a:xfrm>
-            <a:off x="724436" y="3526649"/>
-            <a:ext cx="5900738" cy="664369"/>
+            <a:off x="897565" y="3817382"/>
+            <a:ext cx="7134455" cy="803274"/>
           </a:xfrm>
           <a:prstGeom prst="rect">
             <a:avLst/>
@@ -13891,8 +13927,8 @@
         </p:blipFill>
         <p:spPr>
           <a:xfrm>
-            <a:off x="724436" y="4831556"/>
-            <a:ext cx="6057900" cy="578644"/>
+            <a:off x="852290" y="5181600"/>
+            <a:ext cx="7179730" cy="685800"/>
           </a:xfrm>
           <a:prstGeom prst="rect">
             <a:avLst/>
@@ -14074,12 +14110,16 @@
             <a:graphicFrameLocks noGrp="1"/>
           </p:cNvGraphicFramePr>
           <p:nvPr>
-            <p:extLst/>
+            <p:extLst>
+              <p:ext uri="{D42A27DB-BD31-4B8C-83A1-F6EECF244321}">
+                <p14:modId xmlns:p14="http://schemas.microsoft.com/office/powerpoint/2010/main" val="3340908656"/>
+              </p:ext>
+            </p:extLst>
           </p:nvPr>
         </p:nvGraphicFramePr>
         <p:xfrm>
-          <a:off x="878984" y="2337767"/>
-          <a:ext cx="7447209" cy="2771328"/>
+          <a:off x="457200" y="2337766"/>
+          <a:ext cx="8229600" cy="3301033"/>
         </p:xfrm>
         <a:graphic>
           <a:graphicData uri="http://schemas.openxmlformats.org/drawingml/2006/table">
@@ -14088,20 +14128,20 @@
                 <a:tableStyleId>{5940675A-B579-460E-94D1-54222C63F5DA}</a:tableStyleId>
               </a:tblPr>
               <a:tblGrid>
-                <a:gridCol w="3982055"/>
-                <a:gridCol w="3465154"/>
+                <a:gridCol w="4400403"/>
+                <a:gridCol w="3829197"/>
               </a:tblGrid>
-              <a:tr h="508188">
+              <a:tr h="556369">
                 <a:tc>
                   <a:txBody>
                     <a:bodyPr/>
                     <a:lstStyle/>
                     <a:p>
                       <a:r>
-                        <a:rPr lang="en-US" sz="2100" b="1" dirty="0" smtClean="0"/>
+                        <a:rPr lang="en-US" sz="2400" b="1" dirty="0" smtClean="0"/>
                         <a:t>Part of Résumé</a:t>
                       </a:r>
-                      <a:endParaRPr lang="en-US" sz="2100" b="1" dirty="0"/>
+                      <a:endParaRPr lang="en-US" sz="2400" b="1" dirty="0"/>
                     </a:p>
                   </a:txBody>
                   <a:tcPr marL="68580" marR="68580" marT="34290" marB="34290"/>
@@ -14112,64 +14152,64 @@
                     <a:lstStyle/>
                     <a:p>
                       <a:r>
-                        <a:rPr lang="en-US" sz="2100" b="1" dirty="0" smtClean="0"/>
+                        <a:rPr lang="en-US" sz="2400" b="1" dirty="0" smtClean="0"/>
                         <a:t>Part of Job Description</a:t>
                       </a:r>
-                      <a:endParaRPr lang="en-US" sz="2100" b="1" dirty="0"/>
+                      <a:endParaRPr lang="en-US" sz="2400" b="1" dirty="0"/>
                     </a:p>
                   </a:txBody>
                   <a:tcPr marL="68580" marR="68580" marT="34290" marB="34290"/>
                 </a:tc>
               </a:tr>
-              <a:tr h="2263140">
+              <a:tr h="2744664">
                 <a:tc>
                   <a:txBody>
                     <a:bodyPr/>
                     <a:lstStyle/>
                     <a:p>
                       <a:r>
-                        <a:rPr lang="en-US" sz="1800" dirty="0" smtClean="0"/>
+                        <a:rPr lang="en-US" sz="2000" dirty="0" smtClean="0"/>
                         <a:t>B.S. degree in computer science  </a:t>
                       </a:r>
                     </a:p>
                     <a:p>
                       <a:r>
-                        <a:rPr lang="en-US" sz="1800" dirty="0" smtClean="0"/>
+                        <a:rPr lang="en-US" sz="2000" dirty="0" smtClean="0"/>
                         <a:t>    5+ years Java  </a:t>
                       </a:r>
                     </a:p>
                     <a:p>
                       <a:r>
-                        <a:rPr lang="en-US" sz="1800" dirty="0" smtClean="0"/>
+                        <a:rPr lang="en-US" sz="2000" dirty="0" smtClean="0"/>
                         <a:t>    2+ year   C++   </a:t>
                       </a:r>
                     </a:p>
                     <a:p>
                       <a:r>
-                        <a:rPr lang="en-US" sz="1800" dirty="0" smtClean="0"/>
+                        <a:rPr lang="en-US" sz="2000" dirty="0" smtClean="0"/>
                         <a:t>    Some experience in Oracle database  </a:t>
                       </a:r>
                     </a:p>
                     <a:p>
                       <a:r>
-                        <a:rPr lang="en-US" sz="1800" dirty="0" smtClean="0"/>
+                        <a:rPr lang="en-US" sz="2000" dirty="0" smtClean="0"/>
                         <a:t>Other experience like:  </a:t>
                       </a:r>
                     </a:p>
                     <a:p>
                       <a:r>
-                        <a:rPr lang="en-US" sz="1800" dirty="0" smtClean="0"/>
+                        <a:rPr lang="en-US" sz="2000" dirty="0" smtClean="0"/>
                         <a:t>    Hibernate, JBOSS, </a:t>
                       </a:r>
                       <a:r>
-                        <a:rPr lang="en-US" sz="1800" dirty="0" err="1" smtClean="0"/>
+                        <a:rPr lang="en-US" sz="2000" dirty="0" err="1" smtClean="0"/>
                         <a:t>JUnit</a:t>
                       </a:r>
                       <a:r>
-                        <a:rPr lang="en-US" sz="1800" dirty="0" smtClean="0"/>
+                        <a:rPr lang="en-US" sz="2000" dirty="0" smtClean="0"/>
                         <a:t>, Tomcat etc.</a:t>
                       </a:r>
-                      <a:endParaRPr lang="en-US" sz="1800" dirty="0"/>
+                      <a:endParaRPr lang="en-US" sz="2000" dirty="0"/>
                     </a:p>
                   </a:txBody>
                   <a:tcPr marL="68580" marR="68580" marT="34290" marB="34290"/>
@@ -14180,48 +14220,48 @@
                     <a:lstStyle/>
                     <a:p>
                       <a:r>
-                        <a:rPr lang="en-US" sz="1800" dirty="0" smtClean="0"/>
+                        <a:rPr lang="en-US" sz="2000" dirty="0" smtClean="0"/>
                         <a:t> BS degree above    </a:t>
                       </a:r>
                     </a:p>
                     <a:p>
                       <a:r>
-                        <a:rPr lang="en-US" sz="1800" dirty="0" smtClean="0"/>
+                        <a:rPr lang="en-US" sz="2000" dirty="0" smtClean="0"/>
                         <a:t> 4+ years Java   </a:t>
                       </a:r>
                     </a:p>
                     <a:p>
                       <a:r>
-                        <a:rPr lang="en-US" sz="1800" dirty="0" smtClean="0"/>
+                        <a:rPr lang="en-US" sz="2000" dirty="0" smtClean="0"/>
                         <a:t> Some experience of Python    </a:t>
                       </a:r>
                     </a:p>
                     <a:p>
                       <a:r>
-                        <a:rPr lang="en-US" sz="1800" dirty="0" smtClean="0"/>
+                        <a:rPr lang="en-US" sz="2000" dirty="0" smtClean="0"/>
                         <a:t> </a:t>
                       </a:r>
                       <a:r>
-                        <a:rPr lang="en-US" sz="1800" dirty="0" err="1" smtClean="0"/>
+                        <a:rPr lang="en-US" sz="2000" dirty="0" err="1" smtClean="0"/>
                         <a:t>Mysql</a:t>
                       </a:r>
                       <a:r>
-                        <a:rPr lang="en-US" sz="1800" dirty="0" smtClean="0"/>
+                        <a:rPr lang="en-US" sz="2000" dirty="0" smtClean="0"/>
                         <a:t>, MS-SQL    </a:t>
                       </a:r>
                     </a:p>
                     <a:p>
                       <a:r>
-                        <a:rPr lang="en-US" sz="1800" dirty="0" smtClean="0"/>
+                        <a:rPr lang="en-US" sz="2000" dirty="0" smtClean="0"/>
                         <a:t> Java web application Server    </a:t>
                       </a:r>
                     </a:p>
                     <a:p>
                       <a:r>
-                        <a:rPr lang="en-US" sz="1800" dirty="0" smtClean="0"/>
+                        <a:rPr lang="en-US" sz="2000" dirty="0" smtClean="0"/>
                         <a:t> OOA/OOD   </a:t>
                       </a:r>
-                      <a:endParaRPr lang="en-US" sz="1800" dirty="0"/>
+                      <a:endParaRPr lang="en-US" sz="2000" dirty="0"/>
                     </a:p>
                   </a:txBody>
                   <a:tcPr marL="68580" marR="68580" marT="34290" marB="34290"/>
@@ -14965,21 +15005,28 @@
           </a:p>
           <a:p>
             <a:r>
-              <a:rPr lang="en-US" b="1" dirty="0" smtClean="0"/>
-              <a:t> </a:t>
-            </a:r>
-            <a:r>
               <a:rPr lang="en-US" dirty="0" smtClean="0"/>
-              <a:t>Feature-based measures</a:t>
+              <a:t>Feature-based </a:t>
+            </a:r>
+            <a:r>
+              <a:rPr lang="en-US" dirty="0" smtClean="0"/>
+              <a:t>measures</a:t>
             </a:r>
           </a:p>
           <a:p>
             <a:endParaRPr lang="en-US" dirty="0"/>
           </a:p>
           <a:p>
+            <a:endParaRPr lang="en-US" dirty="0" smtClean="0"/>
+          </a:p>
+          <a:p>
             <a:r>
               <a:rPr lang="en-US" dirty="0" smtClean="0"/>
-              <a:t>Content-based measures  </a:t>
+              <a:t>Content-based </a:t>
+            </a:r>
+            <a:r>
+              <a:rPr lang="en-US" dirty="0" smtClean="0"/>
+              <a:t>measures  </a:t>
             </a:r>
           </a:p>
           <a:p>
@@ -14987,15 +15034,9 @@
               <a:rPr lang="en-US" dirty="0" smtClean="0"/>
               <a:t> </a:t>
             </a:r>
-          </a:p>
-          <a:p>
-            <a:r>
-              <a:rPr lang="en-US" dirty="0"/>
-              <a:t> </a:t>
-            </a:r>
             <a:r>
               <a:rPr lang="en-US" dirty="0" smtClean="0"/>
-              <a:t> </a:t>
+              <a:t>  </a:t>
             </a:r>
             <a:endParaRPr lang="en-US" dirty="0"/>
           </a:p>
@@ -15053,7 +15094,7 @@
         </p:blipFill>
         <p:spPr>
           <a:xfrm>
-            <a:off x="1905000" y="2490611"/>
+            <a:off x="3276600" y="2526840"/>
             <a:ext cx="3755011" cy="709789"/>
           </a:xfrm>
           <a:prstGeom prst="rect">
@@ -15077,8 +15118,8 @@
         </p:blipFill>
         <p:spPr>
           <a:xfrm>
-            <a:off x="1032271" y="3841971"/>
-            <a:ext cx="7349730" cy="530393"/>
+            <a:off x="915987" y="3842692"/>
+            <a:ext cx="8228013" cy="720740"/>
           </a:xfrm>
           <a:prstGeom prst="rect">
             <a:avLst/>
@@ -15101,7 +15142,7 @@
         </p:blipFill>
         <p:spPr>
           <a:xfrm>
-            <a:off x="1524000" y="5257800"/>
+            <a:off x="1447800" y="5890235"/>
             <a:ext cx="5421700" cy="685800"/>
           </a:xfrm>
           <a:prstGeom prst="rect">
@@ -15166,54 +15207,64 @@
         </p:nvSpPr>
         <p:spPr>
           <a:xfrm>
-            <a:off x="512298" y="2263726"/>
-            <a:ext cx="8228013" cy="4572000"/>
+            <a:off x="729455" y="1981200"/>
+            <a:ext cx="8228013" cy="4981575"/>
           </a:xfrm>
         </p:spPr>
         <p:txBody>
-          <a:bodyPr/>
+          <a:bodyPr>
+            <a:normAutofit/>
+          </a:bodyPr>
           <a:lstStyle/>
           <a:p>
             <a:r>
-              <a:rPr lang="en-US" sz="2400" dirty="0"/>
-              <a:t>A high-level language such as Java, Groovy, Ruby or Python; we use Java and Groovy extensively</a:t>
-            </a:r>
-          </a:p>
-          <a:p>
-            <a:endParaRPr lang="en-US" sz="2400" dirty="0"/>
-          </a:p>
-          <a:p>
-            <a:r>
-              <a:rPr lang="en-US" sz="2400" dirty="0"/>
-              <a:t>HTML5/CSS3/JavaScript, web standards, jQuery or frameworks like </a:t>
-            </a:r>
-            <a:r>
-              <a:rPr lang="en-US" sz="2400" dirty="0" err="1"/>
-              <a:t>AngularJS</a:t>
-            </a:r>
-            <a:r>
-              <a:rPr lang="en-US" sz="2400" dirty="0"/>
-              <a:t> would be great</a:t>
-            </a:r>
-          </a:p>
-          <a:p>
-            <a:endParaRPr lang="en-US" sz="2400" dirty="0"/>
-          </a:p>
-          <a:p>
-            <a:r>
-              <a:rPr lang="en-US" sz="2400" dirty="0"/>
-              <a:t>HTML CSS and </a:t>
-            </a:r>
-            <a:r>
-              <a:rPr lang="en-US" sz="2400" dirty="0" err="1"/>
-              <a:t>Javascript</a:t>
-            </a:r>
-            <a:r>
-              <a:rPr lang="en-US" sz="2400" dirty="0"/>
-              <a:t> a must 4. Experience with AJAX, XML, XSL, XSLT, CSS, JavaScript, JQuery, HTML and Web Services</a:t>
-            </a:r>
-          </a:p>
-          <a:p>
+              <a:rPr lang="en-US" dirty="0"/>
+              <a:t>Path-based </a:t>
+            </a:r>
+            <a:r>
+              <a:rPr lang="en-US" dirty="0" smtClean="0"/>
+              <a:t>approaches </a:t>
+            </a:r>
+            <a:endParaRPr lang="en-US" dirty="0"/>
+          </a:p>
+          <a:p>
+            <a:endParaRPr lang="en-US" dirty="0"/>
+          </a:p>
+          <a:p>
+            <a:r>
+              <a:rPr lang="en-US" dirty="0" smtClean="0"/>
+              <a:t>Feature-based </a:t>
+            </a:r>
+            <a:r>
+              <a:rPr lang="en-US" dirty="0" smtClean="0"/>
+              <a:t>measures</a:t>
+            </a:r>
+          </a:p>
+          <a:p>
+            <a:endParaRPr lang="en-US" dirty="0"/>
+          </a:p>
+          <a:p>
+            <a:endParaRPr lang="en-US" dirty="0" smtClean="0"/>
+          </a:p>
+          <a:p>
+            <a:r>
+              <a:rPr lang="en-US" dirty="0" smtClean="0"/>
+              <a:t>Content-based </a:t>
+            </a:r>
+            <a:r>
+              <a:rPr lang="en-US" dirty="0" smtClean="0"/>
+              <a:t>measures  </a:t>
+            </a:r>
+          </a:p>
+          <a:p>
+            <a:r>
+              <a:rPr lang="en-US" dirty="0" smtClean="0"/>
+              <a:t> </a:t>
+            </a:r>
+            <a:r>
+              <a:rPr lang="en-US" dirty="0" smtClean="0"/>
+              <a:t>  </a:t>
+            </a:r>
             <a:endParaRPr lang="en-US" dirty="0"/>
           </a:p>
         </p:txBody>
@@ -15230,45 +15281,151 @@
         </p:nvSpPr>
         <p:spPr>
           <a:xfrm>
-            <a:off x="533400" y="910828"/>
+            <a:off x="729455" y="881826"/>
             <a:ext cx="7343775" cy="994172"/>
           </a:xfrm>
         </p:spPr>
         <p:txBody>
-          <a:bodyPr>
-            <a:normAutofit fontScale="90000"/>
-          </a:bodyPr>
+          <a:bodyPr/>
           <a:lstStyle/>
           <a:p>
             <a:r>
-              <a:rPr lang="en-US" dirty="0">
+              <a:rPr lang="en-US" dirty="0" smtClean="0">
                 <a:solidFill>
                   <a:schemeClr val="tx1"/>
                 </a:solidFill>
               </a:rPr>
-              <a:t>Statistical-based Ontology Similarity Measure</a:t>
-            </a:r>
+              <a:t>Ontology </a:t>
+            </a:r>
+            <a:r>
+              <a:rPr lang="en-US" dirty="0" err="1" smtClean="0">
+                <a:solidFill>
+                  <a:schemeClr val="tx1"/>
+                </a:solidFill>
+              </a:rPr>
+              <a:t>similarity</a:t>
+            </a:r>
+            <a:r>
+              <a:rPr lang="en-US" altLang="zh-CN" dirty="0" err="1" smtClean="0">
+                <a:solidFill>
+                  <a:schemeClr val="tx1"/>
+                </a:solidFill>
+              </a:rPr>
+              <a:t>short</a:t>
+            </a:r>
+            <a:r>
+              <a:rPr lang="en-US" altLang="zh-CN" dirty="0" smtClean="0">
+                <a:solidFill>
+                  <a:schemeClr val="tx1"/>
+                </a:solidFill>
+              </a:rPr>
+              <a:t> coming </a:t>
+            </a:r>
+            <a:endParaRPr lang="en-US" dirty="0">
+              <a:solidFill>
+                <a:schemeClr val="tx1"/>
+              </a:solidFill>
+            </a:endParaRPr>
           </a:p>
         </p:txBody>
       </p:sp>
+      <p:pic>
+        <p:nvPicPr>
+          <p:cNvPr id="4" name="Picture 3"/>
+          <p:cNvPicPr>
+            <a:picLocks noChangeAspect="1"/>
+          </p:cNvPicPr>
+          <p:nvPr/>
+        </p:nvPicPr>
+        <p:blipFill>
+          <a:blip r:embed="rId2"/>
+          <a:stretch>
+            <a:fillRect/>
+          </a:stretch>
+        </p:blipFill>
+        <p:spPr>
+          <a:xfrm>
+            <a:off x="3276600" y="2526840"/>
+            <a:ext cx="3755011" cy="709789"/>
+          </a:xfrm>
+          <a:prstGeom prst="rect">
+            <a:avLst/>
+          </a:prstGeom>
+        </p:spPr>
+      </p:pic>
+      <p:pic>
+        <p:nvPicPr>
+          <p:cNvPr id="5" name="Picture 4"/>
+          <p:cNvPicPr>
+            <a:picLocks noChangeAspect="1"/>
+          </p:cNvPicPr>
+          <p:nvPr/>
+        </p:nvPicPr>
+        <p:blipFill>
+          <a:blip r:embed="rId3"/>
+          <a:stretch>
+            <a:fillRect/>
+          </a:stretch>
+        </p:blipFill>
+        <p:spPr>
+          <a:xfrm>
+            <a:off x="915987" y="3842692"/>
+            <a:ext cx="8228013" cy="720740"/>
+          </a:xfrm>
+          <a:prstGeom prst="rect">
+            <a:avLst/>
+          </a:prstGeom>
+        </p:spPr>
+      </p:pic>
+      <p:pic>
+        <p:nvPicPr>
+          <p:cNvPr id="6" name="Picture 5"/>
+          <p:cNvPicPr>
+            <a:picLocks noChangeAspect="1"/>
+          </p:cNvPicPr>
+          <p:nvPr/>
+        </p:nvPicPr>
+        <p:blipFill>
+          <a:blip r:embed="rId4"/>
+          <a:stretch>
+            <a:fillRect/>
+          </a:stretch>
+        </p:blipFill>
+        <p:spPr>
+          <a:xfrm>
+            <a:off x="1447800" y="5890235"/>
+            <a:ext cx="5421700" cy="685800"/>
+          </a:xfrm>
+          <a:prstGeom prst="rect">
+            <a:avLst/>
+          </a:prstGeom>
+        </p:spPr>
+      </p:pic>
     </p:spTree>
     <p:extLst>
       <p:ext uri="{BB962C8B-B14F-4D97-AF65-F5344CB8AC3E}">
-        <p14:creationId xmlns:p14="http://schemas.microsoft.com/office/powerpoint/2010/main" val="1361202479"/>
+        <p14:creationId xmlns:p14="http://schemas.microsoft.com/office/powerpoint/2010/main" val="2309053601"/>
       </p:ext>
     </p:extLst>
   </p:cSld>
   <p:clrMapOvr>
     <a:masterClrMapping/>
   </p:clrMapOvr>
-  <mc:AlternateContent xmlns:mc="http://schemas.openxmlformats.org/markup-compatibility/2006" xmlns:p14="http://schemas.microsoft.com/office/powerpoint/2010/main">
-    <mc:Choice Requires="p14">
+  <mc:AlternateContent xmlns:mc="http://schemas.openxmlformats.org/markup-compatibility/2006">
+    <mc:Choice xmlns:p14="http://schemas.microsoft.com/office/powerpoint/2010/main" Requires="p14">
       <p:transition spd="slow" p14:dur="2000"/>
     </mc:Choice>
-    <mc:Fallback xmlns="">
+    <mc:Fallback>
       <p:transition spd="slow"/>
     </mc:Fallback>
   </mc:AlternateContent>
+  <p:timing>
+    <p:tnLst>
+      <p:par>
+        <p:cTn id="1" dur="indefinite" restart="never" nodeType="tmRoot"/>
+      </p:par>
+    </p:tnLst>
+  </p:timing>
 </p:sld>
 </file>
 
@@ -15299,104 +15456,57 @@
             <p:ph idx="1"/>
           </p:nvPr>
         </p:nvSpPr>
-        <p:spPr/>
+        <p:spPr>
+          <a:xfrm>
+            <a:off x="512298" y="2263726"/>
+            <a:ext cx="8228013" cy="4572000"/>
+          </a:xfrm>
+        </p:spPr>
         <p:txBody>
-          <a:bodyPr>
-            <a:normAutofit/>
-          </a:bodyPr>
+          <a:bodyPr/>
           <a:lstStyle/>
           <a:p>
-            <a:endParaRPr lang="en-US" dirty="0" smtClean="0"/>
+            <a:r>
+              <a:rPr lang="en-US" sz="2400" dirty="0"/>
+              <a:t>A high-level language such as Java, Groovy, Ruby or Python; we use Java and Groovy extensively</a:t>
+            </a:r>
+          </a:p>
+          <a:p>
+            <a:endParaRPr lang="en-US" sz="2400" dirty="0"/>
+          </a:p>
+          <a:p>
+            <a:r>
+              <a:rPr lang="en-US" sz="2400" dirty="0"/>
+              <a:t>HTML5/CSS3/JavaScript, web standards, jQuery or frameworks like </a:t>
+            </a:r>
+            <a:r>
+              <a:rPr lang="en-US" sz="2400" dirty="0" err="1"/>
+              <a:t>AngularJS</a:t>
+            </a:r>
+            <a:r>
+              <a:rPr lang="en-US" sz="2400" dirty="0"/>
+              <a:t> would be great</a:t>
+            </a:r>
+          </a:p>
+          <a:p>
+            <a:endParaRPr lang="en-US" sz="2400" dirty="0"/>
+          </a:p>
+          <a:p>
+            <a:r>
+              <a:rPr lang="en-US" sz="2400" dirty="0"/>
+              <a:t>HTML CSS and </a:t>
+            </a:r>
+            <a:r>
+              <a:rPr lang="en-US" sz="2400" dirty="0" err="1"/>
+              <a:t>Javascript</a:t>
+            </a:r>
+            <a:r>
+              <a:rPr lang="en-US" sz="2400" dirty="0"/>
+              <a:t> a must 4. Experience with AJAX, XML, XSL, XSLT, CSS, JavaScript, JQuery, HTML and Web Services</a:t>
+            </a:r>
           </a:p>
           <a:p>
             <a:endParaRPr lang="en-US" dirty="0"/>
-          </a:p>
-          <a:p>
-            <a:endParaRPr lang="en-US" dirty="0" smtClean="0"/>
-          </a:p>
-          <a:p>
-            <a:r>
-              <a:rPr lang="en-US" sz="2800" dirty="0" smtClean="0"/>
-              <a:t>The </a:t>
-            </a:r>
-            <a:r>
-              <a:rPr lang="en-US" sz="2800" b="1" dirty="0" smtClean="0"/>
-              <a:t>numerator</a:t>
-            </a:r>
-            <a:r>
-              <a:rPr lang="zh-CN" altLang="en-US" sz="2800" dirty="0" smtClean="0"/>
-              <a:t>： </a:t>
-            </a:r>
-            <a:r>
-              <a:rPr lang="en-US" altLang="zh-CN" sz="2800" dirty="0" smtClean="0"/>
-              <a:t>T</a:t>
-            </a:r>
-            <a:r>
-              <a:rPr lang="en-US" sz="2800" dirty="0" smtClean="0"/>
-              <a:t>he </a:t>
-            </a:r>
-            <a:r>
-              <a:rPr lang="en-US" sz="2800" dirty="0"/>
-              <a:t>ratio of the number of documents in which the two terms exist together </a:t>
-            </a:r>
-            <a:r>
-              <a:rPr lang="en-US" sz="2800" dirty="0" smtClean="0"/>
-              <a:t>  </a:t>
-            </a:r>
-            <a:r>
-              <a:rPr lang="en-US" sz="2800" dirty="0"/>
-              <a:t>to the number of documents have a least one </a:t>
-            </a:r>
-            <a:r>
-              <a:rPr lang="en-US" sz="2800" dirty="0" smtClean="0"/>
-              <a:t>them.</a:t>
-            </a:r>
-          </a:p>
-          <a:p>
-            <a:r>
-              <a:rPr lang="en-US" sz="2800" dirty="0" smtClean="0"/>
-              <a:t>The </a:t>
-            </a:r>
-            <a:r>
-              <a:rPr lang="en-US" sz="2800" b="1" dirty="0" smtClean="0"/>
-              <a:t>denominator</a:t>
-            </a:r>
-            <a:r>
-              <a:rPr lang="zh-CN" altLang="en-US" sz="2800" dirty="0" smtClean="0"/>
-              <a:t>：</a:t>
-            </a:r>
-            <a:r>
-              <a:rPr lang="en-US" sz="2800" dirty="0" smtClean="0"/>
-              <a:t> </a:t>
-            </a:r>
-            <a:r>
-              <a:rPr lang="en-US" altLang="zh-CN" sz="2800" dirty="0" smtClean="0"/>
-              <a:t>T</a:t>
-            </a:r>
-            <a:r>
-              <a:rPr lang="en-US" sz="2800" dirty="0" smtClean="0"/>
-              <a:t>he </a:t>
-            </a:r>
-            <a:r>
-              <a:rPr lang="en-US" sz="2800" dirty="0"/>
-              <a:t>average </a:t>
-            </a:r>
-            <a:r>
-              <a:rPr lang="en-US" sz="2800" dirty="0" smtClean="0"/>
-              <a:t> log </a:t>
-            </a:r>
-            <a:r>
-              <a:rPr lang="en-US" sz="2800" dirty="0"/>
-              <a:t>value of minimum distance </a:t>
-            </a:r>
-            <a:r>
-              <a:rPr lang="en-US" sz="2800" dirty="0" smtClean="0"/>
-              <a:t>of </a:t>
-            </a:r>
-            <a:r>
-              <a:rPr lang="en-US" sz="2800" dirty="0"/>
-              <a:t>the two terms in documents that have them both.</a:t>
-            </a:r>
           </a:p>
         </p:txBody>
       </p:sp>
@@ -15412,7 +15522,7 @@
         </p:nvSpPr>
         <p:spPr>
           <a:xfrm>
-            <a:off x="609600" y="1018708"/>
+            <a:off x="533400" y="910828"/>
             <a:ext cx="7343775" cy="994172"/>
           </a:xfrm>
         </p:spPr>
@@ -15433,34 +15543,10 @@
           </a:p>
         </p:txBody>
       </p:sp>
-      <p:pic>
-        <p:nvPicPr>
-          <p:cNvPr id="4" name="Picture 3"/>
-          <p:cNvPicPr>
-            <a:picLocks noChangeAspect="1"/>
-          </p:cNvPicPr>
-          <p:nvPr/>
-        </p:nvPicPr>
-        <p:blipFill>
-          <a:blip r:embed="rId2"/>
-          <a:stretch>
-            <a:fillRect/>
-          </a:stretch>
-        </p:blipFill>
-        <p:spPr>
-          <a:xfrm>
-            <a:off x="1219200" y="2021086"/>
-            <a:ext cx="5406687" cy="1184907"/>
-          </a:xfrm>
-          <a:prstGeom prst="rect">
-            <a:avLst/>
-          </a:prstGeom>
-        </p:spPr>
-      </p:pic>
     </p:spTree>
     <p:extLst>
       <p:ext uri="{BB962C8B-B14F-4D97-AF65-F5344CB8AC3E}">
-        <p14:creationId xmlns:p14="http://schemas.microsoft.com/office/powerpoint/2010/main" val="983775553"/>
+        <p14:creationId xmlns:p14="http://schemas.microsoft.com/office/powerpoint/2010/main" val="1361202479"/>
       </p:ext>
     </p:extLst>
   </p:cSld>
@@ -15538,12 +15624,20 @@
             <a:endParaRPr lang="en-US" sz="2400" dirty="0"/>
           </a:p>
           <a:p>
+            <a:pPr>
+              <a:buFont typeface="Arial" panose="020B0604020202020204" pitchFamily="34" charset="0"/>
+              <a:buChar char="•"/>
+            </a:pPr>
             <a:r>
               <a:rPr lang="en-US" sz="2400" dirty="0"/>
               <a:t>Too many jobs return</a:t>
             </a:r>
           </a:p>
           <a:p>
+            <a:pPr>
+              <a:buFont typeface="Arial" panose="020B0604020202020204" pitchFamily="34" charset="0"/>
+              <a:buChar char="•"/>
+            </a:pPr>
             <a:r>
               <a:rPr lang="en-US" sz="2400" dirty="0"/>
               <a:t>The result is not </a:t>
@@ -15554,6 +15648,10 @@
             </a:r>
           </a:p>
           <a:p>
+            <a:pPr>
+              <a:buFont typeface="Arial" panose="020B0604020202020204" pitchFamily="34" charset="0"/>
+              <a:buChar char="•"/>
+            </a:pPr>
             <a:r>
               <a:rPr lang="en-US" sz="2400" dirty="0" smtClean="0"/>
               <a:t>Job finding become a tedious work</a:t>
@@ -15673,6 +15771,217 @@
       </p:grpSpPr>
       <p:sp>
         <p:nvSpPr>
+          <p:cNvPr id="2" name="Content Placeholder 1"/>
+          <p:cNvSpPr>
+            <a:spLocks noGrp="1"/>
+          </p:cNvSpPr>
+          <p:nvPr>
+            <p:ph idx="1"/>
+          </p:nvPr>
+        </p:nvSpPr>
+        <p:spPr>
+          <a:xfrm>
+            <a:off x="457200" y="1524000"/>
+            <a:ext cx="8686800" cy="4981575"/>
+          </a:xfrm>
+        </p:spPr>
+        <p:txBody>
+          <a:bodyPr>
+            <a:normAutofit/>
+          </a:bodyPr>
+          <a:lstStyle/>
+          <a:p>
+            <a:endParaRPr lang="en-US" dirty="0" smtClean="0"/>
+          </a:p>
+          <a:p>
+            <a:endParaRPr lang="en-US" dirty="0"/>
+          </a:p>
+          <a:p>
+            <a:endParaRPr lang="en-US" dirty="0" smtClean="0"/>
+          </a:p>
+          <a:p>
+            <a:r>
+              <a:rPr lang="en-US" sz="2800" dirty="0" smtClean="0"/>
+              <a:t>The </a:t>
+            </a:r>
+            <a:r>
+              <a:rPr lang="en-US" sz="2800" b="1" dirty="0" smtClean="0"/>
+              <a:t>numerator</a:t>
+            </a:r>
+            <a:r>
+              <a:rPr lang="zh-CN" altLang="en-US" sz="2800" dirty="0" smtClean="0"/>
+              <a:t>： </a:t>
+            </a:r>
+            <a:r>
+              <a:rPr lang="en-US" altLang="zh-CN" sz="2800" dirty="0" smtClean="0"/>
+              <a:t>T</a:t>
+            </a:r>
+            <a:r>
+              <a:rPr lang="en-US" sz="2800" dirty="0" smtClean="0"/>
+              <a:t>he </a:t>
+            </a:r>
+            <a:r>
+              <a:rPr lang="en-US" sz="2800" dirty="0"/>
+              <a:t>ratio of the number of documents in which the two terms exist together </a:t>
+            </a:r>
+            <a:r>
+              <a:rPr lang="en-US" sz="2800" dirty="0" smtClean="0"/>
+              <a:t>  </a:t>
+            </a:r>
+            <a:r>
+              <a:rPr lang="en-US" sz="2800" dirty="0"/>
+              <a:t>to the number of documents have a least one </a:t>
+            </a:r>
+            <a:r>
+              <a:rPr lang="en-US" sz="2800" dirty="0" smtClean="0"/>
+              <a:t>them.</a:t>
+            </a:r>
+          </a:p>
+          <a:p>
+            <a:r>
+              <a:rPr lang="en-US" sz="2800" dirty="0" smtClean="0"/>
+              <a:t>The </a:t>
+            </a:r>
+            <a:r>
+              <a:rPr lang="en-US" sz="2800" b="1" dirty="0" smtClean="0"/>
+              <a:t>denominator</a:t>
+            </a:r>
+            <a:r>
+              <a:rPr lang="zh-CN" altLang="en-US" sz="2800" dirty="0" smtClean="0"/>
+              <a:t>：</a:t>
+            </a:r>
+            <a:r>
+              <a:rPr lang="en-US" sz="2800" dirty="0" smtClean="0"/>
+              <a:t> </a:t>
+            </a:r>
+            <a:r>
+              <a:rPr lang="en-US" altLang="zh-CN" sz="2800" dirty="0" smtClean="0"/>
+              <a:t>T</a:t>
+            </a:r>
+            <a:r>
+              <a:rPr lang="en-US" sz="2800" dirty="0" smtClean="0"/>
+              <a:t>he </a:t>
+            </a:r>
+            <a:r>
+              <a:rPr lang="en-US" sz="2800" dirty="0"/>
+              <a:t>average </a:t>
+            </a:r>
+            <a:r>
+              <a:rPr lang="en-US" sz="2800" dirty="0" smtClean="0"/>
+              <a:t> log </a:t>
+            </a:r>
+            <a:r>
+              <a:rPr lang="en-US" sz="2800" dirty="0"/>
+              <a:t>value of minimum distance </a:t>
+            </a:r>
+            <a:r>
+              <a:rPr lang="en-US" sz="2800" dirty="0" smtClean="0"/>
+              <a:t>of </a:t>
+            </a:r>
+            <a:r>
+              <a:rPr lang="en-US" sz="2800" dirty="0"/>
+              <a:t>the two terms in documents that have them both.</a:t>
+            </a:r>
+          </a:p>
+        </p:txBody>
+      </p:sp>
+      <p:sp>
+        <p:nvSpPr>
+          <p:cNvPr id="3" name="Title 2"/>
+          <p:cNvSpPr>
+            <a:spLocks noGrp="1"/>
+          </p:cNvSpPr>
+          <p:nvPr>
+            <p:ph type="title"/>
+          </p:nvPr>
+        </p:nvSpPr>
+        <p:spPr>
+          <a:xfrm>
+            <a:off x="609600" y="1018708"/>
+            <a:ext cx="7343775" cy="994172"/>
+          </a:xfrm>
+        </p:spPr>
+        <p:txBody>
+          <a:bodyPr>
+            <a:normAutofit fontScale="90000"/>
+          </a:bodyPr>
+          <a:lstStyle/>
+          <a:p>
+            <a:r>
+              <a:rPr lang="en-US" dirty="0">
+                <a:solidFill>
+                  <a:schemeClr val="tx1"/>
+                </a:solidFill>
+              </a:rPr>
+              <a:t>Statistical-based Ontology Similarity Measure</a:t>
+            </a:r>
+          </a:p>
+        </p:txBody>
+      </p:sp>
+      <p:pic>
+        <p:nvPicPr>
+          <p:cNvPr id="4" name="Picture 3"/>
+          <p:cNvPicPr>
+            <a:picLocks noChangeAspect="1"/>
+          </p:cNvPicPr>
+          <p:nvPr/>
+        </p:nvPicPr>
+        <p:blipFill>
+          <a:blip r:embed="rId2"/>
+          <a:stretch>
+            <a:fillRect/>
+          </a:stretch>
+        </p:blipFill>
+        <p:spPr>
+          <a:xfrm>
+            <a:off x="1219200" y="2021086"/>
+            <a:ext cx="5406687" cy="1184907"/>
+          </a:xfrm>
+          <a:prstGeom prst="rect">
+            <a:avLst/>
+          </a:prstGeom>
+        </p:spPr>
+      </p:pic>
+    </p:spTree>
+    <p:extLst>
+      <p:ext uri="{BB962C8B-B14F-4D97-AF65-F5344CB8AC3E}">
+        <p14:creationId xmlns:p14="http://schemas.microsoft.com/office/powerpoint/2010/main" val="983775553"/>
+      </p:ext>
+    </p:extLst>
+  </p:cSld>
+  <p:clrMapOvr>
+    <a:masterClrMapping/>
+  </p:clrMapOvr>
+  <mc:AlternateContent xmlns:mc="http://schemas.openxmlformats.org/markup-compatibility/2006" xmlns:p14="http://schemas.microsoft.com/office/powerpoint/2010/main">
+    <mc:Choice Requires="p14">
+      <p:transition spd="slow" p14:dur="2000"/>
+    </mc:Choice>
+    <mc:Fallback xmlns="">
+      <p:transition spd="slow"/>
+    </mc:Fallback>
+  </mc:AlternateContent>
+</p:sld>
+</file>
+
+<file path=ppt/slides/slide51.xml><?xml version="1.0" encoding="utf-8"?>
+<p:sld xmlns:a="http://schemas.openxmlformats.org/drawingml/2006/main" xmlns:r="http://schemas.openxmlformats.org/officeDocument/2006/relationships" xmlns:p="http://schemas.openxmlformats.org/presentationml/2006/main">
+  <p:cSld>
+    <p:spTree>
+      <p:nvGrpSpPr>
+        <p:cNvPr id="1" name=""/>
+        <p:cNvGrpSpPr/>
+        <p:nvPr/>
+      </p:nvGrpSpPr>
+      <p:grpSpPr>
+        <a:xfrm>
+          <a:off x="0" y="0"/>
+          <a:ext cx="0" cy="0"/>
+          <a:chOff x="0" y="0"/>
+          <a:chExt cx="0" cy="0"/>
+        </a:xfrm>
+      </p:grpSpPr>
+      <p:sp>
+        <p:nvSpPr>
           <p:cNvPr id="3" name="Title 2"/>
           <p:cNvSpPr>
             <a:spLocks noGrp="1"/>
@@ -15752,7 +16061,7 @@
 </p:sld>
 </file>
 
-<file path=ppt/slides/slide51.xml><?xml version="1.0" encoding="utf-8"?>
+<file path=ppt/slides/slide52.xml><?xml version="1.0" encoding="utf-8"?>
 <p:sld xmlns:a="http://schemas.openxmlformats.org/drawingml/2006/main" xmlns:r="http://schemas.openxmlformats.org/officeDocument/2006/relationships" xmlns:p="http://schemas.openxmlformats.org/presentationml/2006/main">
   <p:cSld>
     <p:spTree>
@@ -15850,7 +16159,7 @@
 </p:sld>
 </file>
 
-<file path=ppt/slides/slide52.xml><?xml version="1.0" encoding="utf-8"?>
+<file path=ppt/slides/slide53.xml><?xml version="1.0" encoding="utf-8"?>
 <p:sld xmlns:a="http://schemas.openxmlformats.org/drawingml/2006/main" xmlns:r="http://schemas.openxmlformats.org/officeDocument/2006/relationships" xmlns:p="http://schemas.openxmlformats.org/presentationml/2006/main">
   <p:cSld>
     <p:spTree>
@@ -15950,7 +16259,7 @@
 </p:sld>
 </file>
 
-<file path=ppt/slides/slide53.xml><?xml version="1.0" encoding="utf-8"?>
+<file path=ppt/slides/slide54.xml><?xml version="1.0" encoding="utf-8"?>
 <p:sld xmlns:a="http://schemas.openxmlformats.org/drawingml/2006/main" xmlns:r="http://schemas.openxmlformats.org/officeDocument/2006/relationships" xmlns:p="http://schemas.openxmlformats.org/presentationml/2006/main">
   <p:cSld>
     <p:spTree>
@@ -16092,7 +16401,7 @@
 </p:sld>
 </file>
 
-<file path=ppt/slides/slide54.xml><?xml version="1.0" encoding="utf-8"?>
+<file path=ppt/slides/slide55.xml><?xml version="1.0" encoding="utf-8"?>
 <p:sld xmlns:a="http://schemas.openxmlformats.org/drawingml/2006/main" xmlns:r="http://schemas.openxmlformats.org/officeDocument/2006/relationships" xmlns:p="http://schemas.openxmlformats.org/presentationml/2006/main">
   <p:cSld>
     <p:spTree>
@@ -16230,7 +16539,7 @@
 </p:sld>
 </file>
 
-<file path=ppt/slides/slide55.xml><?xml version="1.0" encoding="utf-8"?>
+<file path=ppt/slides/slide56.xml><?xml version="1.0" encoding="utf-8"?>
 <p:sld xmlns:a="http://schemas.openxmlformats.org/drawingml/2006/main" xmlns:r="http://schemas.openxmlformats.org/officeDocument/2006/relationships" xmlns:p="http://schemas.openxmlformats.org/presentationml/2006/main">
   <p:cSld>
     <p:spTree>
@@ -16325,7 +16634,7 @@
 </p:sld>
 </file>
 
-<file path=ppt/slides/slide56.xml><?xml version="1.0" encoding="utf-8"?>
+<file path=ppt/slides/slide57.xml><?xml version="1.0" encoding="utf-8"?>
 <p:sld xmlns:a="http://schemas.openxmlformats.org/drawingml/2006/main" xmlns:r="http://schemas.openxmlformats.org/officeDocument/2006/relationships" xmlns:p="http://schemas.openxmlformats.org/presentationml/2006/main">
   <p:cSld>
     <p:spTree>
@@ -16418,7 +16727,7 @@
 </p:sld>
 </file>
 
-<file path=ppt/slides/slide57.xml><?xml version="1.0" encoding="utf-8"?>
+<file path=ppt/slides/slide58.xml><?xml version="1.0" encoding="utf-8"?>
 <p:sld xmlns:a="http://schemas.openxmlformats.org/drawingml/2006/main" xmlns:r="http://schemas.openxmlformats.org/officeDocument/2006/relationships" xmlns:p="http://schemas.openxmlformats.org/presentationml/2006/main">
   <p:cSld>
     <p:spTree>
@@ -16453,7 +16762,7 @@
         </p:blipFill>
         <p:spPr>
           <a:xfrm>
-            <a:off x="1371600" y="2438400"/>
+            <a:off x="1295400" y="2438400"/>
             <a:ext cx="6096000" cy="4155078"/>
           </a:xfrm>
           <a:prstGeom prst="rect">
@@ -16496,154 +16805,6 @@
     <p:extLst>
       <p:ext uri="{BB962C8B-B14F-4D97-AF65-F5344CB8AC3E}">
         <p14:creationId xmlns:p14="http://schemas.microsoft.com/office/powerpoint/2010/main" val="1994228990"/>
-      </p:ext>
-    </p:extLst>
-  </p:cSld>
-  <p:clrMapOvr>
-    <a:masterClrMapping/>
-  </p:clrMapOvr>
-  <mc:AlternateContent xmlns:mc="http://schemas.openxmlformats.org/markup-compatibility/2006" xmlns:p14="http://schemas.microsoft.com/office/powerpoint/2010/main">
-    <mc:Choice Requires="p14">
-      <p:transition spd="slow" p14:dur="2000"/>
-    </mc:Choice>
-    <mc:Fallback xmlns="">
-      <p:transition spd="slow"/>
-    </mc:Fallback>
-  </mc:AlternateContent>
-</p:sld>
-</file>
-
-<file path=ppt/slides/slide58.xml><?xml version="1.0" encoding="utf-8"?>
-<p:sld xmlns:a="http://schemas.openxmlformats.org/drawingml/2006/main" xmlns:r="http://schemas.openxmlformats.org/officeDocument/2006/relationships" xmlns:p="http://schemas.openxmlformats.org/presentationml/2006/main">
-  <p:cSld>
-    <p:spTree>
-      <p:nvGrpSpPr>
-        <p:cNvPr id="1" name=""/>
-        <p:cNvGrpSpPr/>
-        <p:nvPr/>
-      </p:nvGrpSpPr>
-      <p:grpSpPr>
-        <a:xfrm>
-          <a:off x="0" y="0"/>
-          <a:ext cx="0" cy="0"/>
-          <a:chOff x="0" y="0"/>
-          <a:chExt cx="0" cy="0"/>
-        </a:xfrm>
-      </p:grpSpPr>
-      <p:sp>
-        <p:nvSpPr>
-          <p:cNvPr id="2" name="Content Placeholder 1"/>
-          <p:cNvSpPr>
-            <a:spLocks noGrp="1"/>
-          </p:cNvSpPr>
-          <p:nvPr>
-            <p:ph idx="1"/>
-          </p:nvPr>
-        </p:nvSpPr>
-        <p:spPr>
-          <a:xfrm>
-            <a:off x="381000" y="2362200"/>
-            <a:ext cx="8228013" cy="4191000"/>
-          </a:xfrm>
-        </p:spPr>
-        <p:txBody>
-          <a:bodyPr/>
-          <a:lstStyle/>
-          <a:p>
-            <a:r>
-              <a:rPr lang="en-US" sz="2700" dirty="0"/>
-              <a:t>NDCG </a:t>
-            </a:r>
-          </a:p>
-          <a:p>
-            <a:endParaRPr lang="en-US" sz="2700" dirty="0"/>
-          </a:p>
-          <a:p>
-            <a:r>
-              <a:rPr lang="en-US" sz="2700" dirty="0" err="1"/>
-              <a:t>Precision@K</a:t>
-            </a:r>
-            <a:r>
-              <a:rPr lang="en-US" sz="2700" dirty="0"/>
-              <a:t> </a:t>
-            </a:r>
-          </a:p>
-          <a:p>
-            <a:r>
-              <a:rPr lang="en-US" dirty="0" smtClean="0"/>
-              <a:t>The </a:t>
-            </a:r>
-            <a:r>
-              <a:rPr lang="en-US" dirty="0"/>
-              <a:t>proportion of relevant documents in the first </a:t>
-            </a:r>
-            <a:r>
-              <a:rPr lang="en-US" dirty="0" smtClean="0"/>
-              <a:t>K</a:t>
-            </a:r>
-            <a:endParaRPr lang="en-US" dirty="0"/>
-          </a:p>
-        </p:txBody>
-      </p:sp>
-      <p:sp>
-        <p:nvSpPr>
-          <p:cNvPr id="3" name="Title 2"/>
-          <p:cNvSpPr>
-            <a:spLocks noGrp="1"/>
-          </p:cNvSpPr>
-          <p:nvPr>
-            <p:ph type="title"/>
-          </p:nvPr>
-        </p:nvSpPr>
-        <p:spPr>
-          <a:xfrm>
-            <a:off x="381000" y="1102117"/>
-            <a:ext cx="8077200" cy="994172"/>
-          </a:xfrm>
-        </p:spPr>
-        <p:txBody>
-          <a:bodyPr/>
-          <a:lstStyle/>
-          <a:p>
-            <a:r>
-              <a:rPr lang="en-US" sz="3600" dirty="0">
-                <a:solidFill>
-                  <a:schemeClr val="tx1"/>
-                </a:solidFill>
-              </a:rPr>
-              <a:t>EVALUATION – System Performance </a:t>
-            </a:r>
-          </a:p>
-        </p:txBody>
-      </p:sp>
-      <p:pic>
-        <p:nvPicPr>
-          <p:cNvPr id="4" name="Picture 3"/>
-          <p:cNvPicPr>
-            <a:picLocks noChangeAspect="1"/>
-          </p:cNvPicPr>
-          <p:nvPr/>
-        </p:nvPicPr>
-        <p:blipFill>
-          <a:blip r:embed="rId2"/>
-          <a:stretch>
-            <a:fillRect/>
-          </a:stretch>
-        </p:blipFill>
-        <p:spPr>
-          <a:xfrm>
-            <a:off x="1600200" y="5105400"/>
-            <a:ext cx="3709015" cy="1133844"/>
-          </a:xfrm>
-          <a:prstGeom prst="rect">
-            <a:avLst/>
-          </a:prstGeom>
-        </p:spPr>
-      </p:pic>
-    </p:spTree>
-    <p:extLst>
-      <p:ext uri="{BB962C8B-B14F-4D97-AF65-F5344CB8AC3E}">
-        <p14:creationId xmlns:p14="http://schemas.microsoft.com/office/powerpoint/2010/main" val="1446466838"/>
       </p:ext>
     </p:extLst>
   </p:cSld>
@@ -16690,8 +16851,8 @@
         </p:nvSpPr>
         <p:spPr>
           <a:xfrm>
-            <a:off x="457200" y="1752600"/>
-            <a:ext cx="8228013" cy="4114800"/>
+            <a:off x="381000" y="2362200"/>
+            <a:ext cx="8228013" cy="4191000"/>
           </a:xfrm>
         </p:spPr>
         <p:txBody>
@@ -16699,16 +16860,35 @@
           <a:lstStyle/>
           <a:p>
             <a:r>
-              <a:rPr lang="en-US" dirty="0" err="1"/>
-              <a:t>Kullback-Leibler</a:t>
+              <a:rPr lang="en-US" sz="2700" dirty="0"/>
+              <a:t>NDCG </a:t>
+            </a:r>
+          </a:p>
+          <a:p>
+            <a:endParaRPr lang="en-US" sz="2700" dirty="0"/>
+          </a:p>
+          <a:p>
+            <a:r>
+              <a:rPr lang="en-US" sz="2700" dirty="0" err="1"/>
+              <a:t>Precision@K</a:t>
+            </a:r>
+            <a:r>
+              <a:rPr lang="en-US" sz="2700" dirty="0"/>
+              <a:t> </a:t>
+            </a:r>
+          </a:p>
+          <a:p>
+            <a:r>
+              <a:rPr lang="en-US" dirty="0" smtClean="0"/>
+              <a:t>The </a:t>
             </a:r>
             <a:r>
               <a:rPr lang="en-US" dirty="0"/>
-              <a:t> </a:t>
+              <a:t>proportion of relevant documents in the first </a:t>
             </a:r>
             <a:r>
               <a:rPr lang="en-US" dirty="0" smtClean="0"/>
-              <a:t>divergence  </a:t>
+              <a:t>K</a:t>
             </a:r>
             <a:endParaRPr lang="en-US" dirty="0"/>
           </a:p>
@@ -16724,24 +16904,24 @@
             <p:ph type="title"/>
           </p:nvPr>
         </p:nvSpPr>
-        <p:spPr/>
+        <p:spPr>
+          <a:xfrm>
+            <a:off x="381000" y="1102117"/>
+            <a:ext cx="8610600" cy="994172"/>
+          </a:xfrm>
+        </p:spPr>
         <p:txBody>
           <a:bodyPr/>
           <a:lstStyle/>
           <a:p>
             <a:r>
-              <a:rPr lang="en-US" dirty="0" smtClean="0">
+              <a:rPr lang="en-US" sz="3600" dirty="0">
                 <a:solidFill>
                   <a:schemeClr val="tx1"/>
                 </a:solidFill>
               </a:rPr>
-              <a:t>Models to Compare</a:t>
-            </a:r>
-            <a:endParaRPr lang="en-US" dirty="0">
-              <a:solidFill>
-                <a:schemeClr val="tx1"/>
-              </a:solidFill>
-            </a:endParaRPr>
+              <a:t>EVALUATION – System Performance </a:t>
+            </a:r>
           </a:p>
         </p:txBody>
       </p:sp>
@@ -16761,8 +16941,8 @@
         </p:blipFill>
         <p:spPr>
           <a:xfrm>
-            <a:off x="594478" y="3200400"/>
-            <a:ext cx="8090735" cy="1452599"/>
+            <a:off x="1600200" y="5105400"/>
+            <a:ext cx="3709015" cy="1133844"/>
           </a:xfrm>
           <a:prstGeom prst="rect">
             <a:avLst/>
@@ -16772,7 +16952,7 @@
     </p:spTree>
     <p:extLst>
       <p:ext uri="{BB962C8B-B14F-4D97-AF65-F5344CB8AC3E}">
-        <p14:creationId xmlns:p14="http://schemas.microsoft.com/office/powerpoint/2010/main" val="4191011891"/>
+        <p14:creationId xmlns:p14="http://schemas.microsoft.com/office/powerpoint/2010/main" val="1446466838"/>
       </p:ext>
     </p:extLst>
   </p:cSld>
@@ -16943,6 +17123,135 @@
 </file>
 
 <file path=ppt/slides/slide60.xml><?xml version="1.0" encoding="utf-8"?>
+<p:sld xmlns:a="http://schemas.openxmlformats.org/drawingml/2006/main" xmlns:r="http://schemas.openxmlformats.org/officeDocument/2006/relationships" xmlns:p="http://schemas.openxmlformats.org/presentationml/2006/main">
+  <p:cSld>
+    <p:spTree>
+      <p:nvGrpSpPr>
+        <p:cNvPr id="1" name=""/>
+        <p:cNvGrpSpPr/>
+        <p:nvPr/>
+      </p:nvGrpSpPr>
+      <p:grpSpPr>
+        <a:xfrm>
+          <a:off x="0" y="0"/>
+          <a:ext cx="0" cy="0"/>
+          <a:chOff x="0" y="0"/>
+          <a:chExt cx="0" cy="0"/>
+        </a:xfrm>
+      </p:grpSpPr>
+      <p:sp>
+        <p:nvSpPr>
+          <p:cNvPr id="2" name="Content Placeholder 1"/>
+          <p:cNvSpPr>
+            <a:spLocks noGrp="1"/>
+          </p:cNvSpPr>
+          <p:nvPr>
+            <p:ph idx="1"/>
+          </p:nvPr>
+        </p:nvSpPr>
+        <p:spPr>
+          <a:xfrm>
+            <a:off x="457200" y="1752600"/>
+            <a:ext cx="8228013" cy="4114800"/>
+          </a:xfrm>
+        </p:spPr>
+        <p:txBody>
+          <a:bodyPr/>
+          <a:lstStyle/>
+          <a:p>
+            <a:r>
+              <a:rPr lang="en-US" dirty="0" err="1"/>
+              <a:t>Kullback-Leibler</a:t>
+            </a:r>
+            <a:r>
+              <a:rPr lang="en-US" dirty="0"/>
+              <a:t> </a:t>
+            </a:r>
+            <a:r>
+              <a:rPr lang="en-US" dirty="0" smtClean="0"/>
+              <a:t>divergence  </a:t>
+            </a:r>
+            <a:endParaRPr lang="en-US" dirty="0"/>
+          </a:p>
+        </p:txBody>
+      </p:sp>
+      <p:sp>
+        <p:nvSpPr>
+          <p:cNvPr id="3" name="Title 2"/>
+          <p:cNvSpPr>
+            <a:spLocks noGrp="1"/>
+          </p:cNvSpPr>
+          <p:nvPr>
+            <p:ph type="title"/>
+          </p:nvPr>
+        </p:nvSpPr>
+        <p:spPr/>
+        <p:txBody>
+          <a:bodyPr/>
+          <a:lstStyle/>
+          <a:p>
+            <a:r>
+              <a:rPr lang="en-US" dirty="0" smtClean="0">
+                <a:solidFill>
+                  <a:schemeClr val="tx1"/>
+                </a:solidFill>
+              </a:rPr>
+              <a:t>Models to Compare</a:t>
+            </a:r>
+            <a:endParaRPr lang="en-US" dirty="0">
+              <a:solidFill>
+                <a:schemeClr val="tx1"/>
+              </a:solidFill>
+            </a:endParaRPr>
+          </a:p>
+        </p:txBody>
+      </p:sp>
+      <p:pic>
+        <p:nvPicPr>
+          <p:cNvPr id="4" name="Picture 3"/>
+          <p:cNvPicPr>
+            <a:picLocks noChangeAspect="1"/>
+          </p:cNvPicPr>
+          <p:nvPr/>
+        </p:nvPicPr>
+        <p:blipFill>
+          <a:blip r:embed="rId2"/>
+          <a:stretch>
+            <a:fillRect/>
+          </a:stretch>
+        </p:blipFill>
+        <p:spPr>
+          <a:xfrm>
+            <a:off x="594478" y="3200400"/>
+            <a:ext cx="8090735" cy="1452599"/>
+          </a:xfrm>
+          <a:prstGeom prst="rect">
+            <a:avLst/>
+          </a:prstGeom>
+        </p:spPr>
+      </p:pic>
+    </p:spTree>
+    <p:extLst>
+      <p:ext uri="{BB962C8B-B14F-4D97-AF65-F5344CB8AC3E}">
+        <p14:creationId xmlns:p14="http://schemas.microsoft.com/office/powerpoint/2010/main" val="4191011891"/>
+      </p:ext>
+    </p:extLst>
+  </p:cSld>
+  <p:clrMapOvr>
+    <a:masterClrMapping/>
+  </p:clrMapOvr>
+  <mc:AlternateContent xmlns:mc="http://schemas.openxmlformats.org/markup-compatibility/2006" xmlns:p14="http://schemas.microsoft.com/office/powerpoint/2010/main">
+    <mc:Choice Requires="p14">
+      <p:transition spd="slow" p14:dur="2000"/>
+    </mc:Choice>
+    <mc:Fallback xmlns="">
+      <p:transition spd="slow"/>
+    </mc:Fallback>
+  </mc:AlternateContent>
+</p:sld>
+</file>
+
+<file path=ppt/slides/slide61.xml><?xml version="1.0" encoding="utf-8"?>
 <p:sld xmlns:a="http://schemas.openxmlformats.org/drawingml/2006/main" xmlns:r="http://schemas.openxmlformats.org/officeDocument/2006/relationships" xmlns:p="http://schemas.openxmlformats.org/presentationml/2006/main">
   <p:cSld>
     <p:spTree>
@@ -17132,7 +17441,7 @@
 </p:sld>
 </file>
 
-<file path=ppt/slides/slide61.xml><?xml version="1.0" encoding="utf-8"?>
+<file path=ppt/slides/slide62.xml><?xml version="1.0" encoding="utf-8"?>
 <p:sld xmlns:a="http://schemas.openxmlformats.org/drawingml/2006/main" xmlns:r="http://schemas.openxmlformats.org/officeDocument/2006/relationships" xmlns:p="http://schemas.openxmlformats.org/presentationml/2006/main">
   <p:cSld>
     <p:spTree>
@@ -17159,7 +17468,12 @@
             <p:ph idx="1"/>
           </p:nvPr>
         </p:nvSpPr>
-        <p:spPr/>
+        <p:spPr>
+          <a:xfrm>
+            <a:off x="437271" y="1676400"/>
+            <a:ext cx="8228013" cy="4981575"/>
+          </a:xfrm>
+        </p:spPr>
         <p:txBody>
           <a:bodyPr/>
           <a:lstStyle/>
@@ -17214,10 +17528,18 @@
           <a:lstStyle/>
           <a:p>
             <a:r>
-              <a:rPr lang="en-US" dirty="0" smtClean="0"/>
+              <a:rPr lang="en-US" dirty="0" smtClean="0">
+                <a:solidFill>
+                  <a:schemeClr val="tx1"/>
+                </a:solidFill>
+              </a:rPr>
               <a:t>Models to Compare</a:t>
             </a:r>
-            <a:endParaRPr lang="en-US" dirty="0"/>
+            <a:endParaRPr lang="en-US" dirty="0">
+              <a:solidFill>
+                <a:schemeClr val="tx1"/>
+              </a:solidFill>
+            </a:endParaRPr>
           </a:p>
         </p:txBody>
       </p:sp>
@@ -17266,7 +17588,7 @@
 </p:sld>
 </file>
 
-<file path=ppt/slides/slide62.xml><?xml version="1.0" encoding="utf-8"?>
+<file path=ppt/slides/slide63.xml><?xml version="1.0" encoding="utf-8"?>
 <p:sld xmlns:a="http://schemas.openxmlformats.org/drawingml/2006/main" xmlns:r="http://schemas.openxmlformats.org/officeDocument/2006/relationships" xmlns:p="http://schemas.openxmlformats.org/presentationml/2006/main">
   <p:cSld>
     <p:spTree>
@@ -17380,7 +17702,7 @@
 </p:sld>
 </file>
 
-<file path=ppt/slides/slide63.xml><?xml version="1.0" encoding="utf-8"?>
+<file path=ppt/slides/slide64.xml><?xml version="1.0" encoding="utf-8"?>
 <p:sld xmlns:a="http://schemas.openxmlformats.org/drawingml/2006/main" xmlns:r="http://schemas.openxmlformats.org/officeDocument/2006/relationships" xmlns:p="http://schemas.openxmlformats.org/presentationml/2006/main">
   <p:cSld>
     <p:spTree>
@@ -17475,7 +17797,7 @@
 </p:sld>
 </file>
 
-<file path=ppt/slides/slide64.xml><?xml version="1.0" encoding="utf-8"?>
+<file path=ppt/slides/slide65.xml><?xml version="1.0" encoding="utf-8"?>
 <p:sld xmlns:a="http://schemas.openxmlformats.org/drawingml/2006/main" xmlns:r="http://schemas.openxmlformats.org/officeDocument/2006/relationships" xmlns:p="http://schemas.openxmlformats.org/presentationml/2006/main">
   <p:cSld>
     <p:spTree>
@@ -17570,7 +17892,7 @@
 </p:sld>
 </file>
 
-<file path=ppt/slides/slide65.xml><?xml version="1.0" encoding="utf-8"?>
+<file path=ppt/slides/slide66.xml><?xml version="1.0" encoding="utf-8"?>
 <p:sld xmlns:a="http://schemas.openxmlformats.org/drawingml/2006/main" xmlns:r="http://schemas.openxmlformats.org/officeDocument/2006/relationships" xmlns:p="http://schemas.openxmlformats.org/presentationml/2006/main">
   <p:cSld>
     <p:spTree>
@@ -17651,144 +17973,6 @@
     <p:extLst>
       <p:ext uri="{BB962C8B-B14F-4D97-AF65-F5344CB8AC3E}">
         <p14:creationId xmlns:p14="http://schemas.microsoft.com/office/powerpoint/2010/main" val="166719167"/>
-      </p:ext>
-    </p:extLst>
-  </p:cSld>
-  <p:clrMapOvr>
-    <a:masterClrMapping/>
-  </p:clrMapOvr>
-  <mc:AlternateContent xmlns:mc="http://schemas.openxmlformats.org/markup-compatibility/2006" xmlns:p14="http://schemas.microsoft.com/office/powerpoint/2010/main">
-    <mc:Choice Requires="p14">
-      <p:transition spd="slow" p14:dur="2000"/>
-    </mc:Choice>
-    <mc:Fallback xmlns="">
-      <p:transition spd="slow"/>
-    </mc:Fallback>
-  </mc:AlternateContent>
-</p:sld>
-</file>
-
-<file path=ppt/slides/slide66.xml><?xml version="1.0" encoding="utf-8"?>
-<p:sld xmlns:a="http://schemas.openxmlformats.org/drawingml/2006/main" xmlns:r="http://schemas.openxmlformats.org/officeDocument/2006/relationships" xmlns:p="http://schemas.openxmlformats.org/presentationml/2006/main">
-  <p:cSld>
-    <p:spTree>
-      <p:nvGrpSpPr>
-        <p:cNvPr id="1" name=""/>
-        <p:cNvGrpSpPr/>
-        <p:nvPr/>
-      </p:nvGrpSpPr>
-      <p:grpSpPr>
-        <a:xfrm>
-          <a:off x="0" y="0"/>
-          <a:ext cx="0" cy="0"/>
-          <a:chOff x="0" y="0"/>
-          <a:chExt cx="0" cy="0"/>
-        </a:xfrm>
-      </p:grpSpPr>
-      <p:sp>
-        <p:nvSpPr>
-          <p:cNvPr id="2" name="Content Placeholder 1"/>
-          <p:cNvSpPr>
-            <a:spLocks noGrp="1"/>
-          </p:cNvSpPr>
-          <p:nvPr>
-            <p:ph idx="1"/>
-          </p:nvPr>
-        </p:nvSpPr>
-        <p:spPr>
-          <a:xfrm>
-            <a:off x="452510" y="2286000"/>
-            <a:ext cx="8228013" cy="3505200"/>
-          </a:xfrm>
-        </p:spPr>
-        <p:txBody>
-          <a:bodyPr/>
-          <a:lstStyle/>
-          <a:p>
-            <a:pPr marL="514350" indent="-514350">
-              <a:buFont typeface="+mj-lt"/>
-              <a:buAutoNum type="arabicPeriod"/>
-            </a:pPr>
-            <a:r>
-              <a:rPr lang="en-US" dirty="0" smtClean="0"/>
-              <a:t>Machine learning for Information Extraction</a:t>
-            </a:r>
-          </a:p>
-          <a:p>
-            <a:pPr marL="514350" indent="-514350">
-              <a:buFont typeface="+mj-lt"/>
-              <a:buAutoNum type="arabicPeriod"/>
-            </a:pPr>
-            <a:r>
-              <a:rPr lang="en-US" dirty="0" smtClean="0"/>
-              <a:t>More complex job and </a:t>
-            </a:r>
-            <a:r>
-              <a:rPr lang="en-US" dirty="0" smtClean="0">
-                <a:solidFill>
-                  <a:schemeClr val="tx1"/>
-                </a:solidFill>
-              </a:rPr>
-              <a:t>Résumé model</a:t>
-            </a:r>
-          </a:p>
-          <a:p>
-            <a:pPr marL="514350" indent="-514350">
-              <a:buFont typeface="+mj-lt"/>
-              <a:buAutoNum type="arabicPeriod"/>
-            </a:pPr>
-            <a:r>
-              <a:rPr lang="en-US" dirty="0" smtClean="0">
-                <a:solidFill>
-                  <a:schemeClr val="tx1"/>
-                </a:solidFill>
-              </a:rPr>
-              <a:t>Using hybrid recommendation techniques </a:t>
-            </a:r>
-            <a:endParaRPr lang="en-US" dirty="0"/>
-          </a:p>
-        </p:txBody>
-      </p:sp>
-      <p:sp>
-        <p:nvSpPr>
-          <p:cNvPr id="3" name="Title 2"/>
-          <p:cNvSpPr>
-            <a:spLocks noGrp="1"/>
-          </p:cNvSpPr>
-          <p:nvPr>
-            <p:ph type="title"/>
-          </p:nvPr>
-        </p:nvSpPr>
-        <p:spPr>
-          <a:xfrm>
-            <a:off x="467750" y="990600"/>
-            <a:ext cx="8228013" cy="701675"/>
-          </a:xfrm>
-        </p:spPr>
-        <p:txBody>
-          <a:bodyPr/>
-          <a:lstStyle/>
-          <a:p>
-            <a:r>
-              <a:rPr lang="en-US" altLang="en-US" dirty="0">
-                <a:solidFill>
-                  <a:schemeClr val="tx1"/>
-                </a:solidFill>
-              </a:rPr>
-              <a:t>Future Work</a:t>
-            </a:r>
-            <a:endParaRPr lang="en-US" dirty="0">
-              <a:solidFill>
-                <a:schemeClr val="tx1"/>
-              </a:solidFill>
-            </a:endParaRPr>
-          </a:p>
-        </p:txBody>
-      </p:sp>
-    </p:spTree>
-    <p:extLst>
-      <p:ext uri="{BB962C8B-B14F-4D97-AF65-F5344CB8AC3E}">
-        <p14:creationId xmlns:p14="http://schemas.microsoft.com/office/powerpoint/2010/main" val="28847236"/>
       </p:ext>
     </p:extLst>
   </p:cSld>
@@ -17825,770 +18009,99 @@
       </p:grpSpPr>
       <p:sp>
         <p:nvSpPr>
-          <p:cNvPr id="57345" name="Text Box 1"/>
-          <p:cNvSpPr txBox="1">
-            <a:spLocks noChangeArrowheads="1"/>
+          <p:cNvPr id="2" name="Content Placeholder 1"/>
+          <p:cNvSpPr>
+            <a:spLocks noGrp="1"/>
           </p:cNvSpPr>
-          <p:nvPr/>
+          <p:nvPr>
+            <p:ph idx="1"/>
+          </p:nvPr>
         </p:nvSpPr>
-        <p:spPr bwMode="auto">
+        <p:spPr>
           <a:xfrm>
-            <a:off x="457200" y="754063"/>
-            <a:ext cx="8229600" cy="701675"/>
+            <a:off x="452510" y="2286000"/>
+            <a:ext cx="8228013" cy="3505200"/>
           </a:xfrm>
-          <a:prstGeom prst="rect">
-            <a:avLst/>
-          </a:prstGeom>
-          <a:noFill/>
-          <a:ln>
-            <a:noFill/>
-          </a:ln>
-          <a:effectLst/>
-          <a:extLst>
-            <a:ext uri="{909E8E84-426E-40dd-AFC4-6F175D3DCCD1}">
-              <a14:hiddenFill xmlns="" xmlns:a14="http://schemas.microsoft.com/office/drawing/2010/main">
-                <a:solidFill>
-                  <a:srgbClr val="FFFFFF"/>
-                </a:solidFill>
-              </a14:hiddenFill>
-            </a:ext>
-            <a:ext uri="{91240B29-F687-4f45-9708-019B960494DF}">
-              <a14:hiddenLine xmlns="" xmlns:a14="http://schemas.microsoft.com/office/drawing/2010/main" w="9525">
-                <a:solidFill>
-                  <a:srgbClr val="000000"/>
-                </a:solidFill>
-                <a:round/>
-                <a:headEnd/>
-                <a:tailEnd/>
-              </a14:hiddenLine>
-            </a:ext>
-            <a:ext uri="{AF507438-7753-43e0-B8FC-AC1667EBCBE1}">
-              <a14:hiddenEffects xmlns="" xmlns:a14="http://schemas.microsoft.com/office/drawing/2010/main">
-                <a:effectLst>
-                  <a:outerShdw blurRad="63500" dist="38099" dir="2700000" algn="ctr" rotWithShape="0">
-                    <a:srgbClr val="000000">
-                      <a:alpha val="74997"/>
-                    </a:srgbClr>
-                  </a:outerShdw>
-                </a:effectLst>
-              </a14:hiddenEffects>
-            </a:ext>
-          </a:extLst>
         </p:spPr>
         <p:txBody>
-          <a:bodyPr anchor="ctr"/>
-          <a:lstStyle>
-            <a:lvl1pPr>
-              <a:tabLst>
-                <a:tab pos="0" algn="l"/>
-                <a:tab pos="914400" algn="l"/>
-                <a:tab pos="1828800" algn="l"/>
-                <a:tab pos="2743200" algn="l"/>
-                <a:tab pos="3657600" algn="l"/>
-                <a:tab pos="4572000" algn="l"/>
-                <a:tab pos="5486400" algn="l"/>
-                <a:tab pos="6400800" algn="l"/>
-                <a:tab pos="7315200" algn="l"/>
-                <a:tab pos="8229600" algn="l"/>
-                <a:tab pos="9144000" algn="l"/>
-                <a:tab pos="10058400" algn="l"/>
-              </a:tabLst>
-              <a:defRPr sz="2400">
-                <a:solidFill>
-                  <a:srgbClr val="000000"/>
-                </a:solidFill>
-                <a:latin typeface="Arial" charset="0"/>
-                <a:ea typeface="ＭＳ Ｐゴシック" charset="0"/>
-                <a:cs typeface="ＭＳ Ｐゴシック" charset="0"/>
-              </a:defRPr>
-            </a:lvl1pPr>
-            <a:lvl2pPr>
-              <a:tabLst>
-                <a:tab pos="0" algn="l"/>
-                <a:tab pos="914400" algn="l"/>
-                <a:tab pos="1828800" algn="l"/>
-                <a:tab pos="2743200" algn="l"/>
-                <a:tab pos="3657600" algn="l"/>
-                <a:tab pos="4572000" algn="l"/>
-                <a:tab pos="5486400" algn="l"/>
-                <a:tab pos="6400800" algn="l"/>
-                <a:tab pos="7315200" algn="l"/>
-                <a:tab pos="8229600" algn="l"/>
-                <a:tab pos="9144000" algn="l"/>
-                <a:tab pos="10058400" algn="l"/>
-              </a:tabLst>
-              <a:defRPr sz="2400">
-                <a:solidFill>
-                  <a:srgbClr val="000000"/>
-                </a:solidFill>
-                <a:latin typeface="Arial" charset="0"/>
-                <a:ea typeface="ＭＳ Ｐゴシック" charset="0"/>
-                <a:cs typeface="ＭＳ Ｐゴシック" charset="0"/>
-              </a:defRPr>
-            </a:lvl2pPr>
-            <a:lvl3pPr>
-              <a:tabLst>
-                <a:tab pos="0" algn="l"/>
-                <a:tab pos="914400" algn="l"/>
-                <a:tab pos="1828800" algn="l"/>
-                <a:tab pos="2743200" algn="l"/>
-                <a:tab pos="3657600" algn="l"/>
-                <a:tab pos="4572000" algn="l"/>
-                <a:tab pos="5486400" algn="l"/>
-                <a:tab pos="6400800" algn="l"/>
-                <a:tab pos="7315200" algn="l"/>
-                <a:tab pos="8229600" algn="l"/>
-                <a:tab pos="9144000" algn="l"/>
-                <a:tab pos="10058400" algn="l"/>
-              </a:tabLst>
-              <a:defRPr sz="2400">
-                <a:solidFill>
-                  <a:srgbClr val="000000"/>
-                </a:solidFill>
-                <a:latin typeface="Arial" charset="0"/>
-                <a:ea typeface="ＭＳ Ｐゴシック" charset="0"/>
-                <a:cs typeface="ＭＳ Ｐゴシック" charset="0"/>
-              </a:defRPr>
-            </a:lvl3pPr>
-            <a:lvl4pPr>
-              <a:tabLst>
-                <a:tab pos="0" algn="l"/>
-                <a:tab pos="914400" algn="l"/>
-                <a:tab pos="1828800" algn="l"/>
-                <a:tab pos="2743200" algn="l"/>
-                <a:tab pos="3657600" algn="l"/>
-                <a:tab pos="4572000" algn="l"/>
-                <a:tab pos="5486400" algn="l"/>
-                <a:tab pos="6400800" algn="l"/>
-                <a:tab pos="7315200" algn="l"/>
-                <a:tab pos="8229600" algn="l"/>
-                <a:tab pos="9144000" algn="l"/>
-                <a:tab pos="10058400" algn="l"/>
-              </a:tabLst>
-              <a:defRPr sz="2400">
-                <a:solidFill>
-                  <a:srgbClr val="000000"/>
-                </a:solidFill>
-                <a:latin typeface="Arial" charset="0"/>
-                <a:ea typeface="ＭＳ Ｐゴシック" charset="0"/>
-                <a:cs typeface="ＭＳ Ｐゴシック" charset="0"/>
-              </a:defRPr>
-            </a:lvl4pPr>
-            <a:lvl5pPr>
-              <a:tabLst>
-                <a:tab pos="0" algn="l"/>
-                <a:tab pos="914400" algn="l"/>
-                <a:tab pos="1828800" algn="l"/>
-                <a:tab pos="2743200" algn="l"/>
-                <a:tab pos="3657600" algn="l"/>
-                <a:tab pos="4572000" algn="l"/>
-                <a:tab pos="5486400" algn="l"/>
-                <a:tab pos="6400800" algn="l"/>
-                <a:tab pos="7315200" algn="l"/>
-                <a:tab pos="8229600" algn="l"/>
-                <a:tab pos="9144000" algn="l"/>
-                <a:tab pos="10058400" algn="l"/>
-              </a:tabLst>
-              <a:defRPr sz="2400">
-                <a:solidFill>
-                  <a:srgbClr val="000000"/>
-                </a:solidFill>
-                <a:latin typeface="Arial" charset="0"/>
-                <a:ea typeface="ＭＳ Ｐゴシック" charset="0"/>
-                <a:cs typeface="ＭＳ Ｐゴシック" charset="0"/>
-              </a:defRPr>
-            </a:lvl5pPr>
-            <a:lvl6pPr marL="2514600" indent="-228600" fontAlgn="base">
-              <a:spcBef>
-                <a:spcPct val="0"/>
-              </a:spcBef>
-              <a:spcAft>
-                <a:spcPct val="0"/>
-              </a:spcAft>
-              <a:buClr>
-                <a:srgbClr val="000000"/>
-              </a:buClr>
-              <a:buSzPct val="100000"/>
-              <a:buFont typeface="Times New Roman" charset="0"/>
-              <a:tabLst>
-                <a:tab pos="0" algn="l"/>
-                <a:tab pos="914400" algn="l"/>
-                <a:tab pos="1828800" algn="l"/>
-                <a:tab pos="2743200" algn="l"/>
-                <a:tab pos="3657600" algn="l"/>
-                <a:tab pos="4572000" algn="l"/>
-                <a:tab pos="5486400" algn="l"/>
-                <a:tab pos="6400800" algn="l"/>
-                <a:tab pos="7315200" algn="l"/>
-                <a:tab pos="8229600" algn="l"/>
-                <a:tab pos="9144000" algn="l"/>
-                <a:tab pos="10058400" algn="l"/>
-              </a:tabLst>
-              <a:defRPr sz="2400">
-                <a:solidFill>
-                  <a:srgbClr val="000000"/>
-                </a:solidFill>
-                <a:latin typeface="Arial" charset="0"/>
-                <a:ea typeface="ＭＳ Ｐゴシック" charset="0"/>
-                <a:cs typeface="ＭＳ Ｐゴシック" charset="0"/>
-              </a:defRPr>
-            </a:lvl6pPr>
-            <a:lvl7pPr marL="2971800" indent="-228600" fontAlgn="base">
-              <a:spcBef>
-                <a:spcPct val="0"/>
-              </a:spcBef>
-              <a:spcAft>
-                <a:spcPct val="0"/>
-              </a:spcAft>
-              <a:buClr>
-                <a:srgbClr val="000000"/>
-              </a:buClr>
-              <a:buSzPct val="100000"/>
-              <a:buFont typeface="Times New Roman" charset="0"/>
-              <a:tabLst>
-                <a:tab pos="0" algn="l"/>
-                <a:tab pos="914400" algn="l"/>
-                <a:tab pos="1828800" algn="l"/>
-                <a:tab pos="2743200" algn="l"/>
-                <a:tab pos="3657600" algn="l"/>
-                <a:tab pos="4572000" algn="l"/>
-                <a:tab pos="5486400" algn="l"/>
-                <a:tab pos="6400800" algn="l"/>
-                <a:tab pos="7315200" algn="l"/>
-                <a:tab pos="8229600" algn="l"/>
-                <a:tab pos="9144000" algn="l"/>
-                <a:tab pos="10058400" algn="l"/>
-              </a:tabLst>
-              <a:defRPr sz="2400">
-                <a:solidFill>
-                  <a:srgbClr val="000000"/>
-                </a:solidFill>
-                <a:latin typeface="Arial" charset="0"/>
-                <a:ea typeface="ＭＳ Ｐゴシック" charset="0"/>
-                <a:cs typeface="ＭＳ Ｐゴシック" charset="0"/>
-              </a:defRPr>
-            </a:lvl7pPr>
-            <a:lvl8pPr marL="3429000" indent="-228600" fontAlgn="base">
-              <a:spcBef>
-                <a:spcPct val="0"/>
-              </a:spcBef>
-              <a:spcAft>
-                <a:spcPct val="0"/>
-              </a:spcAft>
-              <a:buClr>
-                <a:srgbClr val="000000"/>
-              </a:buClr>
-              <a:buSzPct val="100000"/>
-              <a:buFont typeface="Times New Roman" charset="0"/>
-              <a:tabLst>
-                <a:tab pos="0" algn="l"/>
-                <a:tab pos="914400" algn="l"/>
-                <a:tab pos="1828800" algn="l"/>
-                <a:tab pos="2743200" algn="l"/>
-                <a:tab pos="3657600" algn="l"/>
-                <a:tab pos="4572000" algn="l"/>
-                <a:tab pos="5486400" algn="l"/>
-                <a:tab pos="6400800" algn="l"/>
-                <a:tab pos="7315200" algn="l"/>
-                <a:tab pos="8229600" algn="l"/>
-                <a:tab pos="9144000" algn="l"/>
-                <a:tab pos="10058400" algn="l"/>
-              </a:tabLst>
-              <a:defRPr sz="2400">
-                <a:solidFill>
-                  <a:srgbClr val="000000"/>
-                </a:solidFill>
-                <a:latin typeface="Arial" charset="0"/>
-                <a:ea typeface="ＭＳ Ｐゴシック" charset="0"/>
-                <a:cs typeface="ＭＳ Ｐゴシック" charset="0"/>
-              </a:defRPr>
-            </a:lvl8pPr>
-            <a:lvl9pPr marL="3886200" indent="-228600" fontAlgn="base">
-              <a:spcBef>
-                <a:spcPct val="0"/>
-              </a:spcBef>
-              <a:spcAft>
-                <a:spcPct val="0"/>
-              </a:spcAft>
-              <a:buClr>
-                <a:srgbClr val="000000"/>
-              </a:buClr>
-              <a:buSzPct val="100000"/>
-              <a:buFont typeface="Times New Roman" charset="0"/>
-              <a:tabLst>
-                <a:tab pos="0" algn="l"/>
-                <a:tab pos="914400" algn="l"/>
-                <a:tab pos="1828800" algn="l"/>
-                <a:tab pos="2743200" algn="l"/>
-                <a:tab pos="3657600" algn="l"/>
-                <a:tab pos="4572000" algn="l"/>
-                <a:tab pos="5486400" algn="l"/>
-                <a:tab pos="6400800" algn="l"/>
-                <a:tab pos="7315200" algn="l"/>
-                <a:tab pos="8229600" algn="l"/>
-                <a:tab pos="9144000" algn="l"/>
-                <a:tab pos="10058400" algn="l"/>
-              </a:tabLst>
-              <a:defRPr sz="2400">
-                <a:solidFill>
-                  <a:srgbClr val="000000"/>
-                </a:solidFill>
-                <a:latin typeface="Arial" charset="0"/>
-                <a:ea typeface="ＭＳ Ｐゴシック" charset="0"/>
-                <a:cs typeface="ＭＳ Ｐゴシック" charset="0"/>
-              </a:defRPr>
-            </a:lvl9pPr>
-          </a:lstStyle>
-          <a:p>
-            <a:pPr>
-              <a:buClrTx/>
-              <a:buFontTx/>
-              <a:buNone/>
-              <a:defRPr/>
+          <a:bodyPr/>
+          <a:lstStyle/>
+          <a:p>
+            <a:pPr marL="514350" indent="-514350">
+              <a:buFont typeface="+mj-lt"/>
+              <a:buAutoNum type="arabicPeriod"/>
             </a:pPr>
             <a:r>
-              <a:rPr lang="en-US" sz="4000" b="1" smtClean="0">
-                <a:solidFill>
-                  <a:srgbClr val="5F5F5F"/>
+              <a:rPr lang="en-US" dirty="0" smtClean="0"/>
+              <a:t>Machine learning for Information Extraction</a:t>
+            </a:r>
+          </a:p>
+          <a:p>
+            <a:pPr marL="514350" indent="-514350">
+              <a:buFont typeface="+mj-lt"/>
+              <a:buAutoNum type="arabicPeriod"/>
+            </a:pPr>
+            <a:r>
+              <a:rPr lang="en-US" dirty="0" smtClean="0"/>
+              <a:t>More complex job and </a:t>
+            </a:r>
+            <a:r>
+              <a:rPr lang="en-US" dirty="0" smtClean="0">
+                <a:solidFill>
+                  <a:schemeClr val="tx1"/>
                 </a:solidFill>
               </a:rPr>
-              <a:t>Acknowledgements</a:t>
-            </a:r>
+              <a:t>Résumé model</a:t>
+            </a:r>
+          </a:p>
+          <a:p>
+            <a:pPr marL="514350" indent="-514350">
+              <a:buFont typeface="+mj-lt"/>
+              <a:buAutoNum type="arabicPeriod"/>
+            </a:pPr>
+            <a:r>
+              <a:rPr lang="en-US" dirty="0" smtClean="0">
+                <a:solidFill>
+                  <a:schemeClr val="tx1"/>
+                </a:solidFill>
+              </a:rPr>
+              <a:t>Using hybrid recommendation techniques </a:t>
+            </a:r>
+            <a:endParaRPr lang="en-US" dirty="0"/>
           </a:p>
         </p:txBody>
       </p:sp>
       <p:sp>
         <p:nvSpPr>
-          <p:cNvPr id="57346" name="Text Box 2"/>
-          <p:cNvSpPr txBox="1">
-            <a:spLocks noChangeArrowheads="1"/>
+          <p:cNvPr id="3" name="Title 2"/>
+          <p:cNvSpPr>
+            <a:spLocks noGrp="1"/>
           </p:cNvSpPr>
-          <p:nvPr/>
+          <p:nvPr>
+            <p:ph type="title"/>
+          </p:nvPr>
         </p:nvSpPr>
-        <p:spPr bwMode="auto">
+        <p:spPr>
           <a:xfrm>
-            <a:off x="457200" y="1524000"/>
-            <a:ext cx="8229600" cy="4983163"/>
+            <a:off x="467750" y="990600"/>
+            <a:ext cx="8228013" cy="701675"/>
           </a:xfrm>
-          <a:prstGeom prst="rect">
-            <a:avLst/>
-          </a:prstGeom>
-          <a:noFill/>
-          <a:ln>
-            <a:noFill/>
-          </a:ln>
-          <a:effectLst/>
-          <a:extLst>
-            <a:ext uri="{909E8E84-426E-40dd-AFC4-6F175D3DCCD1}">
-              <a14:hiddenFill xmlns="" xmlns:a14="http://schemas.microsoft.com/office/drawing/2010/main">
-                <a:solidFill>
-                  <a:srgbClr val="FFFFFF"/>
-                </a:solidFill>
-              </a14:hiddenFill>
-            </a:ext>
-            <a:ext uri="{91240B29-F687-4f45-9708-019B960494DF}">
-              <a14:hiddenLine xmlns="" xmlns:a14="http://schemas.microsoft.com/office/drawing/2010/main" w="9525">
-                <a:solidFill>
-                  <a:srgbClr val="000000"/>
-                </a:solidFill>
-                <a:round/>
-                <a:headEnd/>
-                <a:tailEnd/>
-              </a14:hiddenLine>
-            </a:ext>
-            <a:ext uri="{AF507438-7753-43e0-B8FC-AC1667EBCBE1}">
-              <a14:hiddenEffects xmlns="" xmlns:a14="http://schemas.microsoft.com/office/drawing/2010/main">
-                <a:effectLst>
-                  <a:outerShdw blurRad="63500" dist="38099" dir="2700000" algn="ctr" rotWithShape="0">
-                    <a:srgbClr val="000000">
-                      <a:alpha val="74997"/>
-                    </a:srgbClr>
-                  </a:outerShdw>
-                </a:effectLst>
-              </a14:hiddenEffects>
-            </a:ext>
-          </a:extLst>
         </p:spPr>
         <p:txBody>
           <a:bodyPr/>
-          <a:lstStyle>
-            <a:lvl1pPr marL="457200" indent="-457200" eaLnBrk="0" hangingPunct="0">
-              <a:tabLst>
-                <a:tab pos="457200" algn="l"/>
-                <a:tab pos="1027113" algn="l"/>
-                <a:tab pos="1941513" algn="l"/>
-                <a:tab pos="2855913" algn="l"/>
-                <a:tab pos="3770313" algn="l"/>
-                <a:tab pos="4684713" algn="l"/>
-                <a:tab pos="5599113" algn="l"/>
-                <a:tab pos="6513513" algn="l"/>
-                <a:tab pos="7427913" algn="l"/>
-                <a:tab pos="8342313" algn="l"/>
-                <a:tab pos="9256713" algn="l"/>
-                <a:tab pos="10171113" algn="l"/>
-              </a:tabLst>
-              <a:defRPr sz="2400">
-                <a:solidFill>
-                  <a:schemeClr val="bg1"/>
-                </a:solidFill>
-                <a:latin typeface="Arial" panose="020B0604020202020204" pitchFamily="34" charset="0"/>
-                <a:ea typeface="ＭＳ Ｐゴシック" panose="020B0600070205080204" pitchFamily="34" charset="-128"/>
-              </a:defRPr>
-            </a:lvl1pPr>
-            <a:lvl2pPr eaLnBrk="0" hangingPunct="0">
-              <a:tabLst>
-                <a:tab pos="457200" algn="l"/>
-                <a:tab pos="1027113" algn="l"/>
-                <a:tab pos="1941513" algn="l"/>
-                <a:tab pos="2855913" algn="l"/>
-                <a:tab pos="3770313" algn="l"/>
-                <a:tab pos="4684713" algn="l"/>
-                <a:tab pos="5599113" algn="l"/>
-                <a:tab pos="6513513" algn="l"/>
-                <a:tab pos="7427913" algn="l"/>
-                <a:tab pos="8342313" algn="l"/>
-                <a:tab pos="9256713" algn="l"/>
-                <a:tab pos="10171113" algn="l"/>
-              </a:tabLst>
-              <a:defRPr sz="2400">
-                <a:solidFill>
-                  <a:schemeClr val="bg1"/>
-                </a:solidFill>
-                <a:latin typeface="Arial" panose="020B0604020202020204" pitchFamily="34" charset="0"/>
-                <a:ea typeface="ＭＳ Ｐゴシック" panose="020B0600070205080204" pitchFamily="34" charset="-128"/>
-              </a:defRPr>
-            </a:lvl2pPr>
-            <a:lvl3pPr eaLnBrk="0" hangingPunct="0">
-              <a:tabLst>
-                <a:tab pos="457200" algn="l"/>
-                <a:tab pos="1027113" algn="l"/>
-                <a:tab pos="1941513" algn="l"/>
-                <a:tab pos="2855913" algn="l"/>
-                <a:tab pos="3770313" algn="l"/>
-                <a:tab pos="4684713" algn="l"/>
-                <a:tab pos="5599113" algn="l"/>
-                <a:tab pos="6513513" algn="l"/>
-                <a:tab pos="7427913" algn="l"/>
-                <a:tab pos="8342313" algn="l"/>
-                <a:tab pos="9256713" algn="l"/>
-                <a:tab pos="10171113" algn="l"/>
-              </a:tabLst>
-              <a:defRPr sz="2400">
-                <a:solidFill>
-                  <a:schemeClr val="bg1"/>
-                </a:solidFill>
-                <a:latin typeface="Arial" panose="020B0604020202020204" pitchFamily="34" charset="0"/>
-                <a:ea typeface="ＭＳ Ｐゴシック" panose="020B0600070205080204" pitchFamily="34" charset="-128"/>
-              </a:defRPr>
-            </a:lvl3pPr>
-            <a:lvl4pPr eaLnBrk="0" hangingPunct="0">
-              <a:tabLst>
-                <a:tab pos="457200" algn="l"/>
-                <a:tab pos="1027113" algn="l"/>
-                <a:tab pos="1941513" algn="l"/>
-                <a:tab pos="2855913" algn="l"/>
-                <a:tab pos="3770313" algn="l"/>
-                <a:tab pos="4684713" algn="l"/>
-                <a:tab pos="5599113" algn="l"/>
-                <a:tab pos="6513513" algn="l"/>
-                <a:tab pos="7427913" algn="l"/>
-                <a:tab pos="8342313" algn="l"/>
-                <a:tab pos="9256713" algn="l"/>
-                <a:tab pos="10171113" algn="l"/>
-              </a:tabLst>
-              <a:defRPr sz="2400">
-                <a:solidFill>
-                  <a:schemeClr val="bg1"/>
-                </a:solidFill>
-                <a:latin typeface="Arial" panose="020B0604020202020204" pitchFamily="34" charset="0"/>
-                <a:ea typeface="ＭＳ Ｐゴシック" panose="020B0600070205080204" pitchFamily="34" charset="-128"/>
-              </a:defRPr>
-            </a:lvl4pPr>
-            <a:lvl5pPr eaLnBrk="0" hangingPunct="0">
-              <a:tabLst>
-                <a:tab pos="457200" algn="l"/>
-                <a:tab pos="1027113" algn="l"/>
-                <a:tab pos="1941513" algn="l"/>
-                <a:tab pos="2855913" algn="l"/>
-                <a:tab pos="3770313" algn="l"/>
-                <a:tab pos="4684713" algn="l"/>
-                <a:tab pos="5599113" algn="l"/>
-                <a:tab pos="6513513" algn="l"/>
-                <a:tab pos="7427913" algn="l"/>
-                <a:tab pos="8342313" algn="l"/>
-                <a:tab pos="9256713" algn="l"/>
-                <a:tab pos="10171113" algn="l"/>
-              </a:tabLst>
-              <a:defRPr sz="2400">
-                <a:solidFill>
-                  <a:schemeClr val="bg1"/>
-                </a:solidFill>
-                <a:latin typeface="Arial" panose="020B0604020202020204" pitchFamily="34" charset="0"/>
-                <a:ea typeface="ＭＳ Ｐゴシック" panose="020B0600070205080204" pitchFamily="34" charset="-128"/>
-              </a:defRPr>
-            </a:lvl5pPr>
-            <a:lvl6pPr marL="2514600" indent="-228600" defTabSz="457200" eaLnBrk="0" fontAlgn="base" hangingPunct="0">
-              <a:spcBef>
-                <a:spcPct val="0"/>
-              </a:spcBef>
-              <a:spcAft>
-                <a:spcPct val="0"/>
-              </a:spcAft>
-              <a:buClr>
-                <a:srgbClr val="000000"/>
-              </a:buClr>
-              <a:buSzPct val="100000"/>
-              <a:buFont typeface="Times New Roman" panose="02020603050405020304" pitchFamily="18" charset="0"/>
-              <a:tabLst>
-                <a:tab pos="457200" algn="l"/>
-                <a:tab pos="1027113" algn="l"/>
-                <a:tab pos="1941513" algn="l"/>
-                <a:tab pos="2855913" algn="l"/>
-                <a:tab pos="3770313" algn="l"/>
-                <a:tab pos="4684713" algn="l"/>
-                <a:tab pos="5599113" algn="l"/>
-                <a:tab pos="6513513" algn="l"/>
-                <a:tab pos="7427913" algn="l"/>
-                <a:tab pos="8342313" algn="l"/>
-                <a:tab pos="9256713" algn="l"/>
-                <a:tab pos="10171113" algn="l"/>
-              </a:tabLst>
-              <a:defRPr sz="2400">
-                <a:solidFill>
-                  <a:schemeClr val="bg1"/>
-                </a:solidFill>
-                <a:latin typeface="Arial" panose="020B0604020202020204" pitchFamily="34" charset="0"/>
-                <a:ea typeface="ＭＳ Ｐゴシック" panose="020B0600070205080204" pitchFamily="34" charset="-128"/>
-              </a:defRPr>
-            </a:lvl6pPr>
-            <a:lvl7pPr marL="2971800" indent="-228600" defTabSz="457200" eaLnBrk="0" fontAlgn="base" hangingPunct="0">
-              <a:spcBef>
-                <a:spcPct val="0"/>
-              </a:spcBef>
-              <a:spcAft>
-                <a:spcPct val="0"/>
-              </a:spcAft>
-              <a:buClr>
-                <a:srgbClr val="000000"/>
-              </a:buClr>
-              <a:buSzPct val="100000"/>
-              <a:buFont typeface="Times New Roman" panose="02020603050405020304" pitchFamily="18" charset="0"/>
-              <a:tabLst>
-                <a:tab pos="457200" algn="l"/>
-                <a:tab pos="1027113" algn="l"/>
-                <a:tab pos="1941513" algn="l"/>
-                <a:tab pos="2855913" algn="l"/>
-                <a:tab pos="3770313" algn="l"/>
-                <a:tab pos="4684713" algn="l"/>
-                <a:tab pos="5599113" algn="l"/>
-                <a:tab pos="6513513" algn="l"/>
-                <a:tab pos="7427913" algn="l"/>
-                <a:tab pos="8342313" algn="l"/>
-                <a:tab pos="9256713" algn="l"/>
-                <a:tab pos="10171113" algn="l"/>
-              </a:tabLst>
-              <a:defRPr sz="2400">
-                <a:solidFill>
-                  <a:schemeClr val="bg1"/>
-                </a:solidFill>
-                <a:latin typeface="Arial" panose="020B0604020202020204" pitchFamily="34" charset="0"/>
-                <a:ea typeface="ＭＳ Ｐゴシック" panose="020B0600070205080204" pitchFamily="34" charset="-128"/>
-              </a:defRPr>
-            </a:lvl7pPr>
-            <a:lvl8pPr marL="3429000" indent="-228600" defTabSz="457200" eaLnBrk="0" fontAlgn="base" hangingPunct="0">
-              <a:spcBef>
-                <a:spcPct val="0"/>
-              </a:spcBef>
-              <a:spcAft>
-                <a:spcPct val="0"/>
-              </a:spcAft>
-              <a:buClr>
-                <a:srgbClr val="000000"/>
-              </a:buClr>
-              <a:buSzPct val="100000"/>
-              <a:buFont typeface="Times New Roman" panose="02020603050405020304" pitchFamily="18" charset="0"/>
-              <a:tabLst>
-                <a:tab pos="457200" algn="l"/>
-                <a:tab pos="1027113" algn="l"/>
-                <a:tab pos="1941513" algn="l"/>
-                <a:tab pos="2855913" algn="l"/>
-                <a:tab pos="3770313" algn="l"/>
-                <a:tab pos="4684713" algn="l"/>
-                <a:tab pos="5599113" algn="l"/>
-                <a:tab pos="6513513" algn="l"/>
-                <a:tab pos="7427913" algn="l"/>
-                <a:tab pos="8342313" algn="l"/>
-                <a:tab pos="9256713" algn="l"/>
-                <a:tab pos="10171113" algn="l"/>
-              </a:tabLst>
-              <a:defRPr sz="2400">
-                <a:solidFill>
-                  <a:schemeClr val="bg1"/>
-                </a:solidFill>
-                <a:latin typeface="Arial" panose="020B0604020202020204" pitchFamily="34" charset="0"/>
-                <a:ea typeface="ＭＳ Ｐゴシック" panose="020B0600070205080204" pitchFamily="34" charset="-128"/>
-              </a:defRPr>
-            </a:lvl8pPr>
-            <a:lvl9pPr marL="3886200" indent="-228600" defTabSz="457200" eaLnBrk="0" fontAlgn="base" hangingPunct="0">
-              <a:spcBef>
-                <a:spcPct val="0"/>
-              </a:spcBef>
-              <a:spcAft>
-                <a:spcPct val="0"/>
-              </a:spcAft>
-              <a:buClr>
-                <a:srgbClr val="000000"/>
-              </a:buClr>
-              <a:buSzPct val="100000"/>
-              <a:buFont typeface="Times New Roman" panose="02020603050405020304" pitchFamily="18" charset="0"/>
-              <a:tabLst>
-                <a:tab pos="457200" algn="l"/>
-                <a:tab pos="1027113" algn="l"/>
-                <a:tab pos="1941513" algn="l"/>
-                <a:tab pos="2855913" algn="l"/>
-                <a:tab pos="3770313" algn="l"/>
-                <a:tab pos="4684713" algn="l"/>
-                <a:tab pos="5599113" algn="l"/>
-                <a:tab pos="6513513" algn="l"/>
-                <a:tab pos="7427913" algn="l"/>
-                <a:tab pos="8342313" algn="l"/>
-                <a:tab pos="9256713" algn="l"/>
-                <a:tab pos="10171113" algn="l"/>
-              </a:tabLst>
-              <a:defRPr sz="2400">
-                <a:solidFill>
-                  <a:schemeClr val="bg1"/>
-                </a:solidFill>
-                <a:latin typeface="Arial" panose="020B0604020202020204" pitchFamily="34" charset="0"/>
-                <a:ea typeface="ＭＳ Ｐゴシック" panose="020B0600070205080204" pitchFamily="34" charset="-128"/>
-              </a:defRPr>
-            </a:lvl9pPr>
-          </a:lstStyle>
-          <a:p>
-            <a:pPr eaLnBrk="1" hangingPunct="1">
-              <a:spcBef>
-                <a:spcPts val="750"/>
-              </a:spcBef>
-              <a:buFont typeface="Arial" panose="020B0604020202020204" pitchFamily="34" charset="0"/>
-              <a:buChar char="•"/>
-            </a:pPr>
-            <a:r>
-              <a:rPr lang="en-US" altLang="en-US" sz="3000" dirty="0">
-                <a:solidFill>
-                  <a:srgbClr val="000000"/>
+          <a:lstStyle/>
+          <a:p>
+            <a:r>
+              <a:rPr lang="en-US" altLang="en-US" dirty="0">
+                <a:solidFill>
+                  <a:schemeClr val="tx1"/>
                 </a:solidFill>
               </a:rPr>
-              <a:t>Dr. Tracy Hammond (Chair)</a:t>
-            </a:r>
-          </a:p>
-          <a:p>
-            <a:pPr eaLnBrk="1" hangingPunct="1">
-              <a:spcBef>
-                <a:spcPts val="750"/>
-              </a:spcBef>
-              <a:buFont typeface="Arial" panose="020B0604020202020204" pitchFamily="34" charset="0"/>
-              <a:buChar char="•"/>
-            </a:pPr>
-            <a:r>
-              <a:rPr lang="en-US" altLang="en-US" sz="3000" dirty="0">
-                <a:solidFill>
-                  <a:srgbClr val="000000"/>
-                </a:solidFill>
-              </a:rPr>
-              <a:t>Dr. </a:t>
-            </a:r>
-            <a:r>
-              <a:rPr lang="de-DE" altLang="en-US" sz="3000" dirty="0" smtClean="0">
-                <a:solidFill>
-                  <a:srgbClr val="000000"/>
-                </a:solidFill>
-              </a:rPr>
-              <a:t>Anxiao Jiang </a:t>
-            </a:r>
-            <a:r>
-              <a:rPr lang="en-US" altLang="en-US" sz="3000" dirty="0" smtClean="0">
-                <a:solidFill>
-                  <a:srgbClr val="000000"/>
-                </a:solidFill>
-              </a:rPr>
-              <a:t>(Committee </a:t>
-            </a:r>
-            <a:r>
-              <a:rPr lang="en-US" altLang="en-US" sz="3000" dirty="0">
-                <a:solidFill>
-                  <a:srgbClr val="000000"/>
-                </a:solidFill>
-              </a:rPr>
-              <a:t>member)</a:t>
-            </a:r>
-          </a:p>
-          <a:p>
-            <a:pPr eaLnBrk="1" hangingPunct="1">
-              <a:spcBef>
-                <a:spcPts val="750"/>
-              </a:spcBef>
-              <a:buFont typeface="Arial" panose="020B0604020202020204" pitchFamily="34" charset="0"/>
-              <a:buChar char="•"/>
-            </a:pPr>
-            <a:r>
-              <a:rPr lang="en-US" altLang="en-US" sz="3000" dirty="0">
-                <a:solidFill>
-                  <a:srgbClr val="000000"/>
-                </a:solidFill>
-              </a:rPr>
-              <a:t>Dr. </a:t>
-            </a:r>
-            <a:r>
-              <a:rPr lang="de-DE" altLang="en-US" sz="3000" dirty="0" smtClean="0">
-                <a:solidFill>
-                  <a:srgbClr val="000000"/>
-                </a:solidFill>
-              </a:rPr>
-              <a:t>Daniel W. Goldberg </a:t>
-            </a:r>
-            <a:r>
-              <a:rPr lang="en-US" altLang="en-US" sz="3000" dirty="0" smtClean="0">
-                <a:solidFill>
-                  <a:srgbClr val="000000"/>
-                </a:solidFill>
-              </a:rPr>
-              <a:t>(Committee </a:t>
-            </a:r>
-            <a:r>
-              <a:rPr lang="en-US" altLang="en-US" sz="3000" dirty="0">
-                <a:solidFill>
-                  <a:srgbClr val="000000"/>
-                </a:solidFill>
-              </a:rPr>
-              <a:t>member)</a:t>
-            </a:r>
-          </a:p>
-          <a:p>
-            <a:pPr eaLnBrk="1" hangingPunct="1">
-              <a:spcBef>
-                <a:spcPts val="750"/>
-              </a:spcBef>
-              <a:buFont typeface="Arial" panose="020B0604020202020204" pitchFamily="34" charset="0"/>
-              <a:buChar char="•"/>
-            </a:pPr>
-            <a:r>
-              <a:rPr lang="en-US" altLang="en-US" sz="3000" dirty="0">
-                <a:solidFill>
-                  <a:srgbClr val="000000"/>
-                </a:solidFill>
-              </a:rPr>
-              <a:t>Members of Sketch Recognition Lab</a:t>
-            </a:r>
-          </a:p>
-          <a:p>
-            <a:pPr marL="0" indent="0" eaLnBrk="1" hangingPunct="1">
-              <a:spcBef>
-                <a:spcPts val="600"/>
-              </a:spcBef>
-            </a:pPr>
-            <a:endParaRPr lang="en-US" altLang="en-US" dirty="0">
+              <a:t>Future Work</a:t>
+            </a:r>
+            <a:endParaRPr lang="en-US" dirty="0">
               <a:solidFill>
-                <a:srgbClr val="000000"/>
+                <a:schemeClr val="tx1"/>
               </a:solidFill>
             </a:endParaRPr>
           </a:p>
@@ -18597,41 +18110,21 @@
     </p:spTree>
     <p:extLst>
       <p:ext uri="{BB962C8B-B14F-4D97-AF65-F5344CB8AC3E}">
-        <p14:creationId xmlns:p14="http://schemas.microsoft.com/office/powerpoint/2010/main" val="1469316678"/>
+        <p14:creationId xmlns:p14="http://schemas.microsoft.com/office/powerpoint/2010/main" val="28847236"/>
       </p:ext>
     </p:extLst>
   </p:cSld>
   <p:clrMapOvr>
     <a:masterClrMapping/>
   </p:clrMapOvr>
-  <p:transition spd="med"/>
-  <p:timing>
-    <p:tnLst>
-      <p:par>
-        <p:cTn id="1" dur="indefinite" restart="never" nodeType="tmRoot">
-          <p:childTnLst>
-            <p:seq concurrent="1" nextAc="seek">
-              <p:cTn id="2" dur="0" nodeType="mainSeq"/>
-              <p:prevCondLst>
-                <p:cond evt="onPrev" delay="0">
-                  <p:tgtEl>
-                    <p:sldTgt/>
-                  </p:tgtEl>
-                </p:cond>
-              </p:prevCondLst>
-              <p:nextCondLst>
-                <p:cond evt="onNext" delay="0">
-                  <p:tgtEl>
-                    <p:sldTgt/>
-                  </p:tgtEl>
-                </p:cond>
-              </p:nextCondLst>
-            </p:seq>
-          </p:childTnLst>
-        </p:cTn>
-      </p:par>
-    </p:tnLst>
-  </p:timing>
+  <mc:AlternateContent xmlns:mc="http://schemas.openxmlformats.org/markup-compatibility/2006" xmlns:p14="http://schemas.microsoft.com/office/powerpoint/2010/main">
+    <mc:Choice Requires="p14">
+      <p:transition spd="slow" p14:dur="2000"/>
+    </mc:Choice>
+    <mc:Fallback xmlns="">
+      <p:transition spd="slow"/>
+    </mc:Fallback>
+  </mc:AlternateContent>
 </p:sld>
 </file>
 
@@ -18675,14 +18168,14 @@
           <a:effectLst/>
           <a:extLst>
             <a:ext uri="{909E8E84-426E-40dd-AFC4-6F175D3DCCD1}">
-              <a14:hiddenFill xmlns="" xmlns:a14="http://schemas.microsoft.com/office/drawing/2010/main">
+              <a14:hiddenFill xmlns:a14="http://schemas.microsoft.com/office/drawing/2010/main" xmlns="">
                 <a:solidFill>
                   <a:srgbClr val="FFFFFF"/>
                 </a:solidFill>
               </a14:hiddenFill>
             </a:ext>
             <a:ext uri="{91240B29-F687-4f45-9708-019B960494DF}">
-              <a14:hiddenLine xmlns="" xmlns:a14="http://schemas.microsoft.com/office/drawing/2010/main" w="9525">
+              <a14:hiddenLine xmlns:a14="http://schemas.microsoft.com/office/drawing/2010/main" xmlns="" w="9525">
                 <a:solidFill>
                   <a:srgbClr val="000000"/>
                 </a:solidFill>
@@ -18692,7 +18185,7 @@
               </a14:hiddenLine>
             </a:ext>
             <a:ext uri="{AF507438-7753-43e0-B8FC-AC1667EBCBE1}">
-              <a14:hiddenEffects xmlns="" xmlns:a14="http://schemas.microsoft.com/office/drawing/2010/main">
+              <a14:hiddenEffects xmlns:a14="http://schemas.microsoft.com/office/drawing/2010/main" xmlns="">
                 <a:effectLst>
                   <a:outerShdw blurRad="63500" dist="38099" dir="2700000" algn="ctr" rotWithShape="0">
                     <a:srgbClr val="000000">
@@ -18976,12 +18469,12 @@
               <a:defRPr/>
             </a:pPr>
             <a:r>
-              <a:rPr lang="en-US" sz="4000" b="1" dirty="0" smtClean="0">
+              <a:rPr lang="en-US" sz="4000" b="1" smtClean="0">
                 <a:solidFill>
                   <a:srgbClr val="5F5F5F"/>
                 </a:solidFill>
               </a:rPr>
-              <a:t>Reference</a:t>
+              <a:t>Acknowledgements</a:t>
             </a:r>
           </a:p>
         </p:txBody>
@@ -18996,8 +18489,8 @@
         </p:nvSpPr>
         <p:spPr bwMode="auto">
           <a:xfrm>
-            <a:off x="457200" y="1524000"/>
-            <a:ext cx="8229600" cy="4983163"/>
+            <a:off x="493542" y="1981200"/>
+            <a:ext cx="8229600" cy="4118268"/>
           </a:xfrm>
           <a:prstGeom prst="rect">
             <a:avLst/>
@@ -19009,14 +18502,14 @@
           <a:effectLst/>
           <a:extLst>
             <a:ext uri="{909E8E84-426E-40dd-AFC4-6F175D3DCCD1}">
-              <a14:hiddenFill xmlns="" xmlns:a14="http://schemas.microsoft.com/office/drawing/2010/main">
+              <a14:hiddenFill xmlns:a14="http://schemas.microsoft.com/office/drawing/2010/main" xmlns="">
                 <a:solidFill>
                   <a:srgbClr val="FFFFFF"/>
                 </a:solidFill>
               </a14:hiddenFill>
             </a:ext>
             <a:ext uri="{91240B29-F687-4f45-9708-019B960494DF}">
-              <a14:hiddenLine xmlns="" xmlns:a14="http://schemas.microsoft.com/office/drawing/2010/main" w="9525">
+              <a14:hiddenLine xmlns:a14="http://schemas.microsoft.com/office/drawing/2010/main" xmlns="" w="9525">
                 <a:solidFill>
                   <a:srgbClr val="000000"/>
                 </a:solidFill>
@@ -19026,7 +18519,7 @@
               </a14:hiddenLine>
             </a:ext>
             <a:ext uri="{AF507438-7753-43e0-B8FC-AC1667EBCBE1}">
-              <a14:hiddenEffects xmlns="" xmlns:a14="http://schemas.microsoft.com/office/drawing/2010/main">
+              <a14:hiddenEffects xmlns:a14="http://schemas.microsoft.com/office/drawing/2010/main" xmlns="">
                 <a:effectLst>
                   <a:outerShdw blurRad="63500" dist="38099" dir="2700000" algn="ctr" rotWithShape="0">
                     <a:srgbClr val="000000">
@@ -19302,44 +18795,12 @@
               <a:buChar char="•"/>
             </a:pPr>
             <a:r>
-              <a:rPr lang="en-US" altLang="en-US" sz="1600" dirty="0" smtClean="0">
+              <a:rPr lang="en-US" altLang="en-US" sz="3000" dirty="0">
                 <a:solidFill>
                   <a:srgbClr val="000000"/>
                 </a:solidFill>
               </a:rPr>
-              <a:t>ACM. (2012) </a:t>
-            </a:r>
-            <a:r>
-              <a:rPr lang="en-US" altLang="en-US" sz="1600" dirty="0" err="1" smtClean="0">
-                <a:solidFill>
-                  <a:srgbClr val="000000"/>
-                </a:solidFill>
-              </a:rPr>
-              <a:t>Acm</a:t>
-            </a:r>
-            <a:r>
-              <a:rPr lang="en-US" altLang="en-US" sz="1600" dirty="0" smtClean="0">
-                <a:solidFill>
-                  <a:srgbClr val="000000"/>
-                </a:solidFill>
-              </a:rPr>
-              <a:t> computing </a:t>
-            </a:r>
-            <a:r>
-              <a:rPr lang="en-US" altLang="en-US" sz="1600" dirty="0" err="1" smtClean="0">
-                <a:solidFill>
-                  <a:srgbClr val="000000"/>
-                </a:solidFill>
-              </a:rPr>
-              <a:t>classication</a:t>
-            </a:r>
-            <a:r>
-              <a:rPr lang="en-US" altLang="en-US" sz="1600" dirty="0" smtClean="0">
-                <a:solidFill>
-                  <a:srgbClr val="000000"/>
-                </a:solidFill>
-              </a:rPr>
-              <a:t> system. [Online]. Available: http://www.acm.org/about/class/2012</a:t>
+              <a:t>Dr. Tracy Hammond (Chair)</a:t>
             </a:r>
           </a:p>
           <a:p>
@@ -19351,28 +18812,36 @@
               <a:buChar char="•"/>
             </a:pPr>
             <a:r>
-              <a:rPr lang="en-US" altLang="en-US" sz="1600" dirty="0" smtClean="0">
+              <a:rPr lang="en-US" altLang="en-US" sz="3000" dirty="0">
                 <a:solidFill>
                   <a:srgbClr val="000000"/>
                 </a:solidFill>
               </a:rPr>
-              <a:t>A. V. </a:t>
-            </a:r>
-            <a:r>
-              <a:rPr lang="en-US" altLang="en-US" sz="1600" dirty="0" err="1" smtClean="0">
+              <a:t>Dr. </a:t>
+            </a:r>
+            <a:r>
+              <a:rPr lang="de-DE" altLang="en-US" sz="3000" dirty="0" smtClean="0">
                 <a:solidFill>
                   <a:srgbClr val="000000"/>
                 </a:solidFill>
               </a:rPr>
-              <a:t>Aho</a:t>
-            </a:r>
-            <a:r>
-              <a:rPr lang="en-US" altLang="en-US" sz="1600" dirty="0" smtClean="0">
+              <a:t>Anxiao Jiang </a:t>
+            </a:r>
+            <a:r>
+              <a:rPr lang="en-US" altLang="en-US" sz="3000" dirty="0" smtClean="0">
                 <a:solidFill>
                   <a:srgbClr val="000000"/>
                 </a:solidFill>
               </a:rPr>
-              <a:t> and J. D. Ullman, Foundations of computer science. Computer Science Press New York, 1992, vol. 2.</a:t>
+              <a:t>(Committee </a:t>
+            </a:r>
+            <a:r>
+              <a:rPr lang="en-US" altLang="en-US" sz="3000" dirty="0">
+                <a:solidFill>
+                  <a:srgbClr val="000000"/>
+                </a:solidFill>
+              </a:rPr>
+              <a:t>member)</a:t>
             </a:r>
           </a:p>
           <a:p>
@@ -19384,44 +18853,36 @@
               <a:buChar char="•"/>
             </a:pPr>
             <a:r>
-              <a:rPr lang="en-US" altLang="en-US" sz="1600" dirty="0" smtClean="0">
+              <a:rPr lang="en-US" altLang="en-US" sz="3000" dirty="0">
                 <a:solidFill>
                   <a:srgbClr val="000000"/>
                 </a:solidFill>
               </a:rPr>
-              <a:t>S. T. Al-</a:t>
-            </a:r>
-            <a:r>
-              <a:rPr lang="en-US" altLang="en-US" sz="1600" dirty="0" err="1" smtClean="0">
+              <a:t>Dr. </a:t>
+            </a:r>
+            <a:r>
+              <a:rPr lang="de-DE" altLang="en-US" sz="3000" dirty="0" smtClean="0">
                 <a:solidFill>
                   <a:srgbClr val="000000"/>
                 </a:solidFill>
               </a:rPr>
-              <a:t>Otaibi</a:t>
-            </a:r>
-            <a:r>
-              <a:rPr lang="en-US" altLang="en-US" sz="1600" dirty="0" smtClean="0">
+              <a:t>Daniel W. Goldberg </a:t>
+            </a:r>
+            <a:r>
+              <a:rPr lang="en-US" altLang="en-US" sz="3000" dirty="0" smtClean="0">
                 <a:solidFill>
                   <a:srgbClr val="000000"/>
                 </a:solidFill>
               </a:rPr>
-              <a:t> and M. </a:t>
-            </a:r>
-            <a:r>
-              <a:rPr lang="en-US" altLang="en-US" sz="1600" dirty="0" err="1" smtClean="0">
+              <a:t>(Committee </a:t>
+            </a:r>
+            <a:r>
+              <a:rPr lang="en-US" altLang="en-US" sz="3000" dirty="0">
                 <a:solidFill>
                   <a:srgbClr val="000000"/>
                 </a:solidFill>
               </a:rPr>
-              <a:t>Ykhlef</a:t>
-            </a:r>
-            <a:r>
-              <a:rPr lang="en-US" altLang="en-US" sz="1600" dirty="0" smtClean="0">
-                <a:solidFill>
-                  <a:srgbClr val="000000"/>
-                </a:solidFill>
-              </a:rPr>
-              <a:t>, \A survey of job recommender systems," International Journal of the Physical Sciences, vol. 7, no. 29, pp. 5127{5142, 2012.</a:t>
+              <a:t>member)</a:t>
             </a:r>
           </a:p>
           <a:p>
@@ -19433,182 +18894,32 @@
               <a:buChar char="•"/>
             </a:pPr>
             <a:r>
-              <a:rPr lang="en-US" altLang="en-US" sz="1600" dirty="0" smtClean="0">
+              <a:rPr lang="en-US" altLang="en-US" sz="3000" dirty="0">
                 <a:solidFill>
                   <a:srgbClr val="000000"/>
                 </a:solidFill>
               </a:rPr>
-              <a:t>D. E. </a:t>
-            </a:r>
-            <a:r>
-              <a:rPr lang="en-US" altLang="en-US" sz="1600" dirty="0" err="1" smtClean="0">
-                <a:solidFill>
-                  <a:srgbClr val="000000"/>
-                </a:solidFill>
-              </a:rPr>
-              <a:t>Appelt</a:t>
-            </a:r>
-            <a:r>
-              <a:rPr lang="en-US" altLang="en-US" sz="1600" dirty="0" smtClean="0">
-                <a:solidFill>
-                  <a:srgbClr val="000000"/>
-                </a:solidFill>
-              </a:rPr>
-              <a:t> and B. </a:t>
-            </a:r>
-            <a:r>
-              <a:rPr lang="en-US" altLang="en-US" sz="1600" dirty="0" err="1" smtClean="0">
-                <a:solidFill>
-                  <a:srgbClr val="000000"/>
-                </a:solidFill>
-              </a:rPr>
-              <a:t>Onyshkevych</a:t>
-            </a:r>
-            <a:r>
-              <a:rPr lang="en-US" altLang="en-US" sz="1600" dirty="0" smtClean="0">
-                <a:solidFill>
-                  <a:srgbClr val="000000"/>
-                </a:solidFill>
-              </a:rPr>
-              <a:t>, \The common pattern </a:t>
-            </a:r>
-            <a:r>
-              <a:rPr lang="en-US" altLang="en-US" sz="1600" dirty="0" err="1" smtClean="0">
-                <a:solidFill>
-                  <a:srgbClr val="000000"/>
-                </a:solidFill>
-              </a:rPr>
-              <a:t>specication</a:t>
-            </a:r>
-            <a:r>
-              <a:rPr lang="en-US" altLang="en-US" sz="1600" dirty="0" smtClean="0">
-                <a:solidFill>
-                  <a:srgbClr val="000000"/>
-                </a:solidFill>
-              </a:rPr>
-              <a:t> language," in Proceedings of a workshop on held at Baltimore, Maryland: October 13-15, 1998. Association for Computational Linguistics, 1998, pp. 23{30.</a:t>
-            </a:r>
-          </a:p>
-          <a:p>
-            <a:pPr eaLnBrk="1" hangingPunct="1">
+              <a:t>Members of Sketch Recognition Lab</a:t>
+            </a:r>
+          </a:p>
+          <a:p>
+            <a:pPr marL="0" indent="0" eaLnBrk="1" hangingPunct="1">
               <a:spcBef>
-                <a:spcPts val="750"/>
+                <a:spcPts val="600"/>
               </a:spcBef>
-              <a:buFont typeface="Arial" panose="020B0604020202020204" pitchFamily="34" charset="0"/>
-              <a:buChar char="•"/>
             </a:pPr>
-            <a:r>
-              <a:rPr lang="en-US" altLang="en-US" sz="1600" dirty="0" smtClean="0">
-                <a:solidFill>
-                  <a:srgbClr val="000000"/>
-                </a:solidFill>
-              </a:rPr>
-              <a:t>S. Bird, \</a:t>
-            </a:r>
-            <a:r>
-              <a:rPr lang="en-US" altLang="en-US" sz="1600" dirty="0" err="1" smtClean="0">
-                <a:solidFill>
-                  <a:srgbClr val="000000"/>
-                </a:solidFill>
-              </a:rPr>
-              <a:t>Nltk</a:t>
-            </a:r>
-            <a:r>
-              <a:rPr lang="en-US" altLang="en-US" sz="1600" dirty="0" smtClean="0">
-                <a:solidFill>
-                  <a:srgbClr val="000000"/>
-                </a:solidFill>
-              </a:rPr>
-              <a:t>: the natural language toolkit," in Proceedings of the COLING/ACL on Interactive presentation sessions. Association for Computational Linguistics, 2006, pp. 69 - 72.</a:t>
-            </a:r>
-          </a:p>
-          <a:p>
-            <a:pPr eaLnBrk="1" hangingPunct="1">
-              <a:spcBef>
-                <a:spcPts val="750"/>
-              </a:spcBef>
-              <a:buFont typeface="Arial" panose="020B0604020202020204" pitchFamily="34" charset="0"/>
-              <a:buChar char="•"/>
-            </a:pPr>
-            <a:r>
-              <a:rPr lang="en-US" altLang="en-US" sz="1600" dirty="0" smtClean="0">
-                <a:solidFill>
-                  <a:srgbClr val="000000"/>
-                </a:solidFill>
-              </a:rPr>
-              <a:t>C. </a:t>
-            </a:r>
-            <a:r>
-              <a:rPr lang="en-US" altLang="en-US" sz="1600" dirty="0" err="1" smtClean="0">
-                <a:solidFill>
-                  <a:srgbClr val="000000"/>
-                </a:solidFill>
-              </a:rPr>
-              <a:t>Bizer</a:t>
-            </a:r>
-            <a:r>
-              <a:rPr lang="en-US" altLang="en-US" sz="1600" dirty="0" smtClean="0">
-                <a:solidFill>
-                  <a:srgbClr val="000000"/>
-                </a:solidFill>
-              </a:rPr>
-              <a:t>, J. Lehmann, G. </a:t>
-            </a:r>
-            <a:r>
-              <a:rPr lang="en-US" altLang="en-US" sz="1600" dirty="0" err="1" smtClean="0">
-                <a:solidFill>
-                  <a:srgbClr val="000000"/>
-                </a:solidFill>
-              </a:rPr>
-              <a:t>Kobilarov</a:t>
-            </a:r>
-            <a:r>
-              <a:rPr lang="en-US" altLang="en-US" sz="1600" dirty="0" smtClean="0">
-                <a:solidFill>
-                  <a:srgbClr val="000000"/>
-                </a:solidFill>
-              </a:rPr>
-              <a:t>, S. Auer, C. Becker, R. </a:t>
-            </a:r>
-            <a:r>
-              <a:rPr lang="en-US" altLang="en-US" sz="1600" dirty="0" err="1" smtClean="0">
-                <a:solidFill>
-                  <a:srgbClr val="000000"/>
-                </a:solidFill>
-              </a:rPr>
-              <a:t>Cyganiak</a:t>
-            </a:r>
-            <a:r>
-              <a:rPr lang="en-US" altLang="en-US" sz="1600" dirty="0" smtClean="0">
-                <a:solidFill>
-                  <a:srgbClr val="000000"/>
-                </a:solidFill>
-              </a:rPr>
-              <a:t>, and S. Hellmann, \</a:t>
-            </a:r>
-            <a:r>
-              <a:rPr lang="en-US" altLang="en-US" sz="1600" dirty="0" err="1" smtClean="0">
-                <a:solidFill>
-                  <a:srgbClr val="000000"/>
-                </a:solidFill>
-              </a:rPr>
-              <a:t>Dbpedia</a:t>
-            </a:r>
-            <a:r>
-              <a:rPr lang="en-US" altLang="en-US" sz="1600" dirty="0" smtClean="0">
-                <a:solidFill>
-                  <a:srgbClr val="000000"/>
-                </a:solidFill>
-              </a:rPr>
-              <a:t>-a crystallization point for the web of data," Web Semantics: science, services and agents on the world wide web, vol. 7, no. 3, pp.154-165, 2009.</a:t>
-            </a:r>
+            <a:endParaRPr lang="en-US" altLang="en-US" dirty="0">
+              <a:solidFill>
+                <a:srgbClr val="000000"/>
+              </a:solidFill>
+            </a:endParaRPr>
           </a:p>
         </p:txBody>
       </p:sp>
     </p:spTree>
     <p:extLst>
       <p:ext uri="{BB962C8B-B14F-4D97-AF65-F5344CB8AC3E}">
-        <p14:creationId xmlns:p14="http://schemas.microsoft.com/office/powerpoint/2010/main" val="2449278591"/>
+        <p14:creationId xmlns:p14="http://schemas.microsoft.com/office/powerpoint/2010/main" val="1469316678"/>
       </p:ext>
     </p:extLst>
   </p:cSld>
@@ -19686,14 +18997,14 @@
           <a:effectLst/>
           <a:extLst>
             <a:ext uri="{909E8E84-426E-40dd-AFC4-6F175D3DCCD1}">
-              <a14:hiddenFill xmlns="" xmlns:a14="http://schemas.microsoft.com/office/drawing/2010/main">
+              <a14:hiddenFill xmlns:a14="http://schemas.microsoft.com/office/drawing/2010/main" xmlns="">
                 <a:solidFill>
                   <a:srgbClr val="FFFFFF"/>
                 </a:solidFill>
               </a14:hiddenFill>
             </a:ext>
             <a:ext uri="{91240B29-F687-4f45-9708-019B960494DF}">
-              <a14:hiddenLine xmlns="" xmlns:a14="http://schemas.microsoft.com/office/drawing/2010/main" w="9525">
+              <a14:hiddenLine xmlns:a14="http://schemas.microsoft.com/office/drawing/2010/main" xmlns="" w="9525">
                 <a:solidFill>
                   <a:srgbClr val="000000"/>
                 </a:solidFill>
@@ -19703,7 +19014,7 @@
               </a14:hiddenLine>
             </a:ext>
             <a:ext uri="{AF507438-7753-43e0-B8FC-AC1667EBCBE1}">
-              <a14:hiddenEffects xmlns="" xmlns:a14="http://schemas.microsoft.com/office/drawing/2010/main">
+              <a14:hiddenEffects xmlns:a14="http://schemas.microsoft.com/office/drawing/2010/main" xmlns="">
                 <a:effectLst>
                   <a:outerShdw blurRad="63500" dist="38099" dir="2700000" algn="ctr" rotWithShape="0">
                     <a:srgbClr val="000000">
@@ -19718,7 +19029,7 @@
         <p:txBody>
           <a:bodyPr anchor="ctr"/>
           <a:lstStyle>
-            <a:lvl1pPr eaLnBrk="0" hangingPunct="0">
+            <a:lvl1pPr>
               <a:tabLst>
                 <a:tab pos="0" algn="l"/>
                 <a:tab pos="914400" algn="l"/>
@@ -19735,14 +19046,14 @@
               </a:tabLst>
               <a:defRPr sz="2400">
                 <a:solidFill>
-                  <a:schemeClr val="bg1"/>
+                  <a:srgbClr val="000000"/>
                 </a:solidFill>
                 <a:latin typeface="Arial" charset="0"/>
                 <a:ea typeface="ＭＳ Ｐゴシック" charset="0"/>
                 <a:cs typeface="ＭＳ Ｐゴシック" charset="0"/>
               </a:defRPr>
             </a:lvl1pPr>
-            <a:lvl2pPr eaLnBrk="0" hangingPunct="0">
+            <a:lvl2pPr>
               <a:tabLst>
                 <a:tab pos="0" algn="l"/>
                 <a:tab pos="914400" algn="l"/>
@@ -19759,13 +19070,14 @@
               </a:tabLst>
               <a:defRPr sz="2400">
                 <a:solidFill>
-                  <a:schemeClr val="bg1"/>
+                  <a:srgbClr val="000000"/>
                 </a:solidFill>
                 <a:latin typeface="Arial" charset="0"/>
                 <a:ea typeface="ＭＳ Ｐゴシック" charset="0"/>
+                <a:cs typeface="ＭＳ Ｐゴシック" charset="0"/>
               </a:defRPr>
             </a:lvl2pPr>
-            <a:lvl3pPr eaLnBrk="0" hangingPunct="0">
+            <a:lvl3pPr>
               <a:tabLst>
                 <a:tab pos="0" algn="l"/>
                 <a:tab pos="914400" algn="l"/>
@@ -19782,13 +19094,14 @@
               </a:tabLst>
               <a:defRPr sz="2400">
                 <a:solidFill>
-                  <a:schemeClr val="bg1"/>
+                  <a:srgbClr val="000000"/>
                 </a:solidFill>
                 <a:latin typeface="Arial" charset="0"/>
                 <a:ea typeface="ＭＳ Ｐゴシック" charset="0"/>
+                <a:cs typeface="ＭＳ Ｐゴシック" charset="0"/>
               </a:defRPr>
             </a:lvl3pPr>
-            <a:lvl4pPr eaLnBrk="0" hangingPunct="0">
+            <a:lvl4pPr>
               <a:tabLst>
                 <a:tab pos="0" algn="l"/>
                 <a:tab pos="914400" algn="l"/>
@@ -19805,13 +19118,14 @@
               </a:tabLst>
               <a:defRPr sz="2400">
                 <a:solidFill>
-                  <a:schemeClr val="bg1"/>
+                  <a:srgbClr val="000000"/>
                 </a:solidFill>
                 <a:latin typeface="Arial" charset="0"/>
                 <a:ea typeface="ＭＳ Ｐゴシック" charset="0"/>
+                <a:cs typeface="ＭＳ Ｐゴシック" charset="0"/>
               </a:defRPr>
             </a:lvl4pPr>
-            <a:lvl5pPr eaLnBrk="0" hangingPunct="0">
+            <a:lvl5pPr>
               <a:tabLst>
                 <a:tab pos="0" algn="l"/>
                 <a:tab pos="914400" algn="l"/>
@@ -19828,13 +19142,14 @@
               </a:tabLst>
               <a:defRPr sz="2400">
                 <a:solidFill>
-                  <a:schemeClr val="bg1"/>
+                  <a:srgbClr val="000000"/>
                 </a:solidFill>
                 <a:latin typeface="Arial" charset="0"/>
                 <a:ea typeface="ＭＳ Ｐゴシック" charset="0"/>
+                <a:cs typeface="ＭＳ Ｐゴシック" charset="0"/>
               </a:defRPr>
             </a:lvl5pPr>
-            <a:lvl6pPr marL="2514600" indent="-228600" eaLnBrk="0" fontAlgn="base" hangingPunct="0">
+            <a:lvl6pPr marL="2514600" indent="-228600" fontAlgn="base">
               <a:spcBef>
                 <a:spcPct val="0"/>
               </a:spcBef>
@@ -19862,13 +19177,14 @@
               </a:tabLst>
               <a:defRPr sz="2400">
                 <a:solidFill>
-                  <a:schemeClr val="bg1"/>
+                  <a:srgbClr val="000000"/>
                 </a:solidFill>
                 <a:latin typeface="Arial" charset="0"/>
                 <a:ea typeface="ＭＳ Ｐゴシック" charset="0"/>
+                <a:cs typeface="ＭＳ Ｐゴシック" charset="0"/>
               </a:defRPr>
             </a:lvl6pPr>
-            <a:lvl7pPr marL="2971800" indent="-228600" eaLnBrk="0" fontAlgn="base" hangingPunct="0">
+            <a:lvl7pPr marL="2971800" indent="-228600" fontAlgn="base">
               <a:spcBef>
                 <a:spcPct val="0"/>
               </a:spcBef>
@@ -19896,13 +19212,14 @@
               </a:tabLst>
               <a:defRPr sz="2400">
                 <a:solidFill>
-                  <a:schemeClr val="bg1"/>
+                  <a:srgbClr val="000000"/>
                 </a:solidFill>
                 <a:latin typeface="Arial" charset="0"/>
                 <a:ea typeface="ＭＳ Ｐゴシック" charset="0"/>
+                <a:cs typeface="ＭＳ Ｐゴシック" charset="0"/>
               </a:defRPr>
             </a:lvl7pPr>
-            <a:lvl8pPr marL="3429000" indent="-228600" eaLnBrk="0" fontAlgn="base" hangingPunct="0">
+            <a:lvl8pPr marL="3429000" indent="-228600" fontAlgn="base">
               <a:spcBef>
                 <a:spcPct val="0"/>
               </a:spcBef>
@@ -19930,13 +19247,14 @@
               </a:tabLst>
               <a:defRPr sz="2400">
                 <a:solidFill>
-                  <a:schemeClr val="bg1"/>
+                  <a:srgbClr val="000000"/>
                 </a:solidFill>
                 <a:latin typeface="Arial" charset="0"/>
                 <a:ea typeface="ＭＳ Ｐゴシック" charset="0"/>
+                <a:cs typeface="ＭＳ Ｐゴシック" charset="0"/>
               </a:defRPr>
             </a:lvl8pPr>
-            <a:lvl9pPr marL="3886200" indent="-228600" eaLnBrk="0" fontAlgn="base" hangingPunct="0">
+            <a:lvl9pPr marL="3886200" indent="-228600" fontAlgn="base">
               <a:spcBef>
                 <a:spcPct val="0"/>
               </a:spcBef>
@@ -19964,25 +19282,29 @@
               </a:tabLst>
               <a:defRPr sz="2400">
                 <a:solidFill>
-                  <a:schemeClr val="bg1"/>
+                  <a:srgbClr val="000000"/>
                 </a:solidFill>
                 <a:latin typeface="Arial" charset="0"/>
                 <a:ea typeface="ＭＳ Ｐゴシック" charset="0"/>
+                <a:cs typeface="ＭＳ Ｐゴシック" charset="0"/>
               </a:defRPr>
             </a:lvl9pPr>
           </a:lstStyle>
           <a:p>
-            <a:pPr eaLnBrk="1" hangingPunct="1">
+            <a:pPr>
               <a:buClrTx/>
               <a:buFontTx/>
               <a:buNone/>
               <a:defRPr/>
             </a:pPr>
-            <a:endParaRPr lang="en-US" sz="4000" b="1" smtClean="0">
-              <a:solidFill>
-                <a:srgbClr val="5F5F5F"/>
-              </a:solidFill>
-            </a:endParaRPr>
+            <a:r>
+              <a:rPr lang="en-US" sz="4000" b="1" dirty="0" smtClean="0">
+                <a:solidFill>
+                  <a:srgbClr val="5F5F5F"/>
+                </a:solidFill>
+              </a:rPr>
+              <a:t>Reference</a:t>
+            </a:r>
           </a:p>
         </p:txBody>
       </p:sp>
@@ -19996,7 +19318,7 @@
         </p:nvSpPr>
         <p:spPr bwMode="auto">
           <a:xfrm>
-            <a:off x="457200" y="685800"/>
+            <a:off x="457200" y="1524000"/>
             <a:ext cx="8229600" cy="4983163"/>
           </a:xfrm>
           <a:prstGeom prst="rect">
@@ -20009,14 +19331,14 @@
           <a:effectLst/>
           <a:extLst>
             <a:ext uri="{909E8E84-426E-40dd-AFC4-6F175D3DCCD1}">
-              <a14:hiddenFill xmlns="" xmlns:a14="http://schemas.microsoft.com/office/drawing/2010/main">
+              <a14:hiddenFill xmlns:a14="http://schemas.microsoft.com/office/drawing/2010/main" xmlns="">
                 <a:solidFill>
                   <a:srgbClr val="FFFFFF"/>
                 </a:solidFill>
               </a14:hiddenFill>
             </a:ext>
             <a:ext uri="{91240B29-F687-4f45-9708-019B960494DF}">
-              <a14:hiddenLine xmlns="" xmlns:a14="http://schemas.microsoft.com/office/drawing/2010/main" w="9525">
+              <a14:hiddenLine xmlns:a14="http://schemas.microsoft.com/office/drawing/2010/main" xmlns="" w="9525">
                 <a:solidFill>
                   <a:srgbClr val="000000"/>
                 </a:solidFill>
@@ -20026,7 +19348,7 @@
               </a14:hiddenLine>
             </a:ext>
             <a:ext uri="{AF507438-7753-43e0-B8FC-AC1667EBCBE1}">
-              <a14:hiddenEffects xmlns="" xmlns:a14="http://schemas.microsoft.com/office/drawing/2010/main">
+              <a14:hiddenEffects xmlns:a14="http://schemas.microsoft.com/office/drawing/2010/main" xmlns="">
                 <a:effectLst>
                   <a:outerShdw blurRad="63500" dist="38099" dir="2700000" algn="ctr" rotWithShape="0">
                     <a:srgbClr val="000000">
@@ -20041,7 +19363,7 @@
         <p:txBody>
           <a:bodyPr/>
           <a:lstStyle>
-            <a:lvl1pPr eaLnBrk="0" hangingPunct="0">
+            <a:lvl1pPr marL="457200" indent="-457200" eaLnBrk="0" hangingPunct="0">
               <a:tabLst>
                 <a:tab pos="457200" algn="l"/>
                 <a:tab pos="1027113" algn="l"/>
@@ -20060,9 +19382,8 @@
                 <a:solidFill>
                   <a:schemeClr val="bg1"/>
                 </a:solidFill>
-                <a:latin typeface="Arial" charset="0"/>
-                <a:ea typeface="ＭＳ Ｐゴシック" charset="0"/>
-                <a:cs typeface="ＭＳ Ｐゴシック" charset="0"/>
+                <a:latin typeface="Arial" panose="020B0604020202020204" pitchFamily="34" charset="0"/>
+                <a:ea typeface="ＭＳ Ｐゴシック" panose="020B0600070205080204" pitchFamily="34" charset="-128"/>
               </a:defRPr>
             </a:lvl1pPr>
             <a:lvl2pPr eaLnBrk="0" hangingPunct="0">
@@ -20084,8 +19405,8 @@
                 <a:solidFill>
                   <a:schemeClr val="bg1"/>
                 </a:solidFill>
-                <a:latin typeface="Arial" charset="0"/>
-                <a:ea typeface="ＭＳ Ｐゴシック" charset="0"/>
+                <a:latin typeface="Arial" panose="020B0604020202020204" pitchFamily="34" charset="0"/>
+                <a:ea typeface="ＭＳ Ｐゴシック" panose="020B0600070205080204" pitchFamily="34" charset="-128"/>
               </a:defRPr>
             </a:lvl2pPr>
             <a:lvl3pPr eaLnBrk="0" hangingPunct="0">
@@ -20107,8 +19428,8 @@
                 <a:solidFill>
                   <a:schemeClr val="bg1"/>
                 </a:solidFill>
-                <a:latin typeface="Arial" charset="0"/>
-                <a:ea typeface="ＭＳ Ｐゴシック" charset="0"/>
+                <a:latin typeface="Arial" panose="020B0604020202020204" pitchFamily="34" charset="0"/>
+                <a:ea typeface="ＭＳ Ｐゴシック" panose="020B0600070205080204" pitchFamily="34" charset="-128"/>
               </a:defRPr>
             </a:lvl3pPr>
             <a:lvl4pPr eaLnBrk="0" hangingPunct="0">
@@ -20130,8 +19451,8 @@
                 <a:solidFill>
                   <a:schemeClr val="bg1"/>
                 </a:solidFill>
-                <a:latin typeface="Arial" charset="0"/>
-                <a:ea typeface="ＭＳ Ｐゴシック" charset="0"/>
+                <a:latin typeface="Arial" panose="020B0604020202020204" pitchFamily="34" charset="0"/>
+                <a:ea typeface="ＭＳ Ｐゴシック" panose="020B0600070205080204" pitchFamily="34" charset="-128"/>
               </a:defRPr>
             </a:lvl4pPr>
             <a:lvl5pPr eaLnBrk="0" hangingPunct="0">
@@ -20153,11 +19474,11 @@
                 <a:solidFill>
                   <a:schemeClr val="bg1"/>
                 </a:solidFill>
-                <a:latin typeface="Arial" charset="0"/>
-                <a:ea typeface="ＭＳ Ｐゴシック" charset="0"/>
+                <a:latin typeface="Arial" panose="020B0604020202020204" pitchFamily="34" charset="0"/>
+                <a:ea typeface="ＭＳ Ｐゴシック" panose="020B0600070205080204" pitchFamily="34" charset="-128"/>
               </a:defRPr>
             </a:lvl5pPr>
-            <a:lvl6pPr marL="2514600" indent="-228600" eaLnBrk="0" fontAlgn="base" hangingPunct="0">
+            <a:lvl6pPr marL="2514600" indent="-228600" defTabSz="457200" eaLnBrk="0" fontAlgn="base" hangingPunct="0">
               <a:spcBef>
                 <a:spcPct val="0"/>
               </a:spcBef>
@@ -20168,7 +19489,7 @@
                 <a:srgbClr val="000000"/>
               </a:buClr>
               <a:buSzPct val="100000"/>
-              <a:buFont typeface="Times New Roman" charset="0"/>
+              <a:buFont typeface="Times New Roman" panose="02020603050405020304" pitchFamily="18" charset="0"/>
               <a:tabLst>
                 <a:tab pos="457200" algn="l"/>
                 <a:tab pos="1027113" algn="l"/>
@@ -20187,11 +19508,11 @@
                 <a:solidFill>
                   <a:schemeClr val="bg1"/>
                 </a:solidFill>
-                <a:latin typeface="Arial" charset="0"/>
-                <a:ea typeface="ＭＳ Ｐゴシック" charset="0"/>
+                <a:latin typeface="Arial" panose="020B0604020202020204" pitchFamily="34" charset="0"/>
+                <a:ea typeface="ＭＳ Ｐゴシック" panose="020B0600070205080204" pitchFamily="34" charset="-128"/>
               </a:defRPr>
             </a:lvl6pPr>
-            <a:lvl7pPr marL="2971800" indent="-228600" eaLnBrk="0" fontAlgn="base" hangingPunct="0">
+            <a:lvl7pPr marL="2971800" indent="-228600" defTabSz="457200" eaLnBrk="0" fontAlgn="base" hangingPunct="0">
               <a:spcBef>
                 <a:spcPct val="0"/>
               </a:spcBef>
@@ -20202,7 +19523,7 @@
                 <a:srgbClr val="000000"/>
               </a:buClr>
               <a:buSzPct val="100000"/>
-              <a:buFont typeface="Times New Roman" charset="0"/>
+              <a:buFont typeface="Times New Roman" panose="02020603050405020304" pitchFamily="18" charset="0"/>
               <a:tabLst>
                 <a:tab pos="457200" algn="l"/>
                 <a:tab pos="1027113" algn="l"/>
@@ -20221,11 +19542,11 @@
                 <a:solidFill>
                   <a:schemeClr val="bg1"/>
                 </a:solidFill>
-                <a:latin typeface="Arial" charset="0"/>
-                <a:ea typeface="ＭＳ Ｐゴシック" charset="0"/>
+                <a:latin typeface="Arial" panose="020B0604020202020204" pitchFamily="34" charset="0"/>
+                <a:ea typeface="ＭＳ Ｐゴシック" panose="020B0600070205080204" pitchFamily="34" charset="-128"/>
               </a:defRPr>
             </a:lvl7pPr>
-            <a:lvl8pPr marL="3429000" indent="-228600" eaLnBrk="0" fontAlgn="base" hangingPunct="0">
+            <a:lvl8pPr marL="3429000" indent="-228600" defTabSz="457200" eaLnBrk="0" fontAlgn="base" hangingPunct="0">
               <a:spcBef>
                 <a:spcPct val="0"/>
               </a:spcBef>
@@ -20236,7 +19557,7 @@
                 <a:srgbClr val="000000"/>
               </a:buClr>
               <a:buSzPct val="100000"/>
-              <a:buFont typeface="Times New Roman" charset="0"/>
+              <a:buFont typeface="Times New Roman" panose="02020603050405020304" pitchFamily="18" charset="0"/>
               <a:tabLst>
                 <a:tab pos="457200" algn="l"/>
                 <a:tab pos="1027113" algn="l"/>
@@ -20255,11 +19576,11 @@
                 <a:solidFill>
                   <a:schemeClr val="bg1"/>
                 </a:solidFill>
-                <a:latin typeface="Arial" charset="0"/>
-                <a:ea typeface="ＭＳ Ｐゴシック" charset="0"/>
+                <a:latin typeface="Arial" panose="020B0604020202020204" pitchFamily="34" charset="0"/>
+                <a:ea typeface="ＭＳ Ｐゴシック" panose="020B0600070205080204" pitchFamily="34" charset="-128"/>
               </a:defRPr>
             </a:lvl8pPr>
-            <a:lvl9pPr marL="3886200" indent="-228600" eaLnBrk="0" fontAlgn="base" hangingPunct="0">
+            <a:lvl9pPr marL="3886200" indent="-228600" defTabSz="457200" eaLnBrk="0" fontAlgn="base" hangingPunct="0">
               <a:spcBef>
                 <a:spcPct val="0"/>
               </a:spcBef>
@@ -20270,7 +19591,7 @@
                 <a:srgbClr val="000000"/>
               </a:buClr>
               <a:buSzPct val="100000"/>
-              <a:buFont typeface="Times New Roman" charset="0"/>
+              <a:buFont typeface="Times New Roman" panose="02020603050405020304" pitchFamily="18" charset="0"/>
               <a:tabLst>
                 <a:tab pos="457200" algn="l"/>
                 <a:tab pos="1027113" algn="l"/>
@@ -20289,8 +19610,8 @@
                 <a:solidFill>
                   <a:schemeClr val="bg1"/>
                 </a:solidFill>
-                <a:latin typeface="Arial" charset="0"/>
-                <a:ea typeface="ＭＳ Ｐゴシック" charset="0"/>
+                <a:latin typeface="Arial" panose="020B0604020202020204" pitchFamily="34" charset="0"/>
+                <a:ea typeface="ＭＳ Ｐゴシック" panose="020B0600070205080204" pitchFamily="34" charset="-128"/>
               </a:defRPr>
             </a:lvl9pPr>
           </a:lstStyle>
@@ -20299,90 +19620,317 @@
               <a:spcBef>
                 <a:spcPts val="750"/>
               </a:spcBef>
-              <a:buFont typeface="Times New Roman" charset="0"/>
-              <a:buNone/>
-              <a:defRPr/>
+              <a:buFont typeface="Arial" panose="020B0604020202020204" pitchFamily="34" charset="0"/>
+              <a:buChar char="•"/>
             </a:pPr>
-            <a:endParaRPr lang="en-US" sz="3000" dirty="0" smtClean="0">
-              <a:solidFill>
-                <a:srgbClr val="000000"/>
-              </a:solidFill>
-            </a:endParaRPr>
+            <a:r>
+              <a:rPr lang="en-US" altLang="en-US" sz="1600" dirty="0" smtClean="0">
+                <a:solidFill>
+                  <a:srgbClr val="000000"/>
+                </a:solidFill>
+              </a:rPr>
+              <a:t>ACM. (2012) </a:t>
+            </a:r>
+            <a:r>
+              <a:rPr lang="en-US" altLang="en-US" sz="1600" dirty="0" err="1" smtClean="0">
+                <a:solidFill>
+                  <a:srgbClr val="000000"/>
+                </a:solidFill>
+              </a:rPr>
+              <a:t>Acm</a:t>
+            </a:r>
+            <a:r>
+              <a:rPr lang="en-US" altLang="en-US" sz="1600" dirty="0" smtClean="0">
+                <a:solidFill>
+                  <a:srgbClr val="000000"/>
+                </a:solidFill>
+              </a:rPr>
+              <a:t> computing </a:t>
+            </a:r>
+            <a:r>
+              <a:rPr lang="en-US" altLang="en-US" sz="1600" dirty="0" err="1" smtClean="0">
+                <a:solidFill>
+                  <a:srgbClr val="000000"/>
+                </a:solidFill>
+              </a:rPr>
+              <a:t>classication</a:t>
+            </a:r>
+            <a:r>
+              <a:rPr lang="en-US" altLang="en-US" sz="1600" dirty="0" smtClean="0">
+                <a:solidFill>
+                  <a:srgbClr val="000000"/>
+                </a:solidFill>
+              </a:rPr>
+              <a:t> system. [Online]. Available: http://www.acm.org/about/class/2012</a:t>
+            </a:r>
           </a:p>
           <a:p>
             <a:pPr eaLnBrk="1" hangingPunct="1">
               <a:spcBef>
                 <a:spcPts val="750"/>
               </a:spcBef>
-              <a:buFont typeface="Times New Roman" charset="0"/>
-              <a:buNone/>
-              <a:defRPr/>
+              <a:buFont typeface="Arial" panose="020B0604020202020204" pitchFamily="34" charset="0"/>
+              <a:buChar char="•"/>
             </a:pPr>
-            <a:endParaRPr lang="en-US" sz="3000" dirty="0" smtClean="0">
-              <a:solidFill>
-                <a:srgbClr val="000000"/>
-              </a:solidFill>
-            </a:endParaRPr>
+            <a:r>
+              <a:rPr lang="en-US" altLang="en-US" sz="1600" dirty="0" smtClean="0">
+                <a:solidFill>
+                  <a:srgbClr val="000000"/>
+                </a:solidFill>
+              </a:rPr>
+              <a:t>A. V. </a:t>
+            </a:r>
+            <a:r>
+              <a:rPr lang="en-US" altLang="en-US" sz="1600" dirty="0" err="1" smtClean="0">
+                <a:solidFill>
+                  <a:srgbClr val="000000"/>
+                </a:solidFill>
+              </a:rPr>
+              <a:t>Aho</a:t>
+            </a:r>
+            <a:r>
+              <a:rPr lang="en-US" altLang="en-US" sz="1600" dirty="0" smtClean="0">
+                <a:solidFill>
+                  <a:srgbClr val="000000"/>
+                </a:solidFill>
+              </a:rPr>
+              <a:t> and J. D. Ullman, Foundations of computer science. Computer Science Press New York, 1992, vol. 2.</a:t>
+            </a:r>
           </a:p>
           <a:p>
             <a:pPr eaLnBrk="1" hangingPunct="1">
               <a:spcBef>
                 <a:spcPts val="750"/>
               </a:spcBef>
-              <a:buFont typeface="Times New Roman" charset="0"/>
-              <a:buNone/>
-              <a:defRPr/>
+              <a:buFont typeface="Arial" panose="020B0604020202020204" pitchFamily="34" charset="0"/>
+              <a:buChar char="•"/>
             </a:pPr>
-            <a:endParaRPr lang="en-US" sz="3000" dirty="0" smtClean="0">
-              <a:solidFill>
-                <a:srgbClr val="000000"/>
-              </a:solidFill>
-            </a:endParaRPr>
+            <a:r>
+              <a:rPr lang="en-US" altLang="en-US" sz="1600" dirty="0" smtClean="0">
+                <a:solidFill>
+                  <a:srgbClr val="000000"/>
+                </a:solidFill>
+              </a:rPr>
+              <a:t>S. T. Al-</a:t>
+            </a:r>
+            <a:r>
+              <a:rPr lang="en-US" altLang="en-US" sz="1600" dirty="0" err="1" smtClean="0">
+                <a:solidFill>
+                  <a:srgbClr val="000000"/>
+                </a:solidFill>
+              </a:rPr>
+              <a:t>Otaibi</a:t>
+            </a:r>
+            <a:r>
+              <a:rPr lang="en-US" altLang="en-US" sz="1600" dirty="0" smtClean="0">
+                <a:solidFill>
+                  <a:srgbClr val="000000"/>
+                </a:solidFill>
+              </a:rPr>
+              <a:t> and M. </a:t>
+            </a:r>
+            <a:r>
+              <a:rPr lang="en-US" altLang="en-US" sz="1600" dirty="0" err="1" smtClean="0">
+                <a:solidFill>
+                  <a:srgbClr val="000000"/>
+                </a:solidFill>
+              </a:rPr>
+              <a:t>Ykhlef</a:t>
+            </a:r>
+            <a:r>
+              <a:rPr lang="en-US" altLang="en-US" sz="1600" dirty="0" smtClean="0">
+                <a:solidFill>
+                  <a:srgbClr val="000000"/>
+                </a:solidFill>
+              </a:rPr>
+              <a:t>, \A survey of job recommender systems," International Journal of the Physical Sciences, vol. 7, no. 29, pp. 5127{5142, 2012.</a:t>
+            </a:r>
           </a:p>
           <a:p>
             <a:pPr eaLnBrk="1" hangingPunct="1">
               <a:spcBef>
                 <a:spcPts val="750"/>
               </a:spcBef>
-              <a:buFont typeface="Times New Roman" charset="0"/>
-              <a:buNone/>
-              <a:defRPr/>
+              <a:buFont typeface="Arial" panose="020B0604020202020204" pitchFamily="34" charset="0"/>
+              <a:buChar char="•"/>
             </a:pPr>
-            <a:endParaRPr lang="en-US" sz="3000" dirty="0" smtClean="0">
-              <a:solidFill>
-                <a:srgbClr val="000000"/>
-              </a:solidFill>
-            </a:endParaRPr>
-          </a:p>
-          <a:p>
-            <a:pPr algn="ctr" eaLnBrk="1" hangingPunct="1">
+            <a:r>
+              <a:rPr lang="en-US" altLang="en-US" sz="1600" dirty="0" smtClean="0">
+                <a:solidFill>
+                  <a:srgbClr val="000000"/>
+                </a:solidFill>
+              </a:rPr>
+              <a:t>D. E. </a:t>
+            </a:r>
+            <a:r>
+              <a:rPr lang="en-US" altLang="en-US" sz="1600" dirty="0" err="1" smtClean="0">
+                <a:solidFill>
+                  <a:srgbClr val="000000"/>
+                </a:solidFill>
+              </a:rPr>
+              <a:t>Appelt</a:t>
+            </a:r>
+            <a:r>
+              <a:rPr lang="en-US" altLang="en-US" sz="1600" dirty="0" smtClean="0">
+                <a:solidFill>
+                  <a:srgbClr val="000000"/>
+                </a:solidFill>
+              </a:rPr>
+              <a:t> and B. </a:t>
+            </a:r>
+            <a:r>
+              <a:rPr lang="en-US" altLang="en-US" sz="1600" dirty="0" err="1" smtClean="0">
+                <a:solidFill>
+                  <a:srgbClr val="000000"/>
+                </a:solidFill>
+              </a:rPr>
+              <a:t>Onyshkevych</a:t>
+            </a:r>
+            <a:r>
+              <a:rPr lang="en-US" altLang="en-US" sz="1600" dirty="0" smtClean="0">
+                <a:solidFill>
+                  <a:srgbClr val="000000"/>
+                </a:solidFill>
+              </a:rPr>
+              <a:t>, \The common pattern </a:t>
+            </a:r>
+            <a:r>
+              <a:rPr lang="en-US" altLang="en-US" sz="1600" dirty="0" err="1" smtClean="0">
+                <a:solidFill>
+                  <a:srgbClr val="000000"/>
+                </a:solidFill>
+              </a:rPr>
+              <a:t>specication</a:t>
+            </a:r>
+            <a:r>
+              <a:rPr lang="en-US" altLang="en-US" sz="1600" dirty="0" smtClean="0">
+                <a:solidFill>
+                  <a:srgbClr val="000000"/>
+                </a:solidFill>
+              </a:rPr>
+              <a:t> language," in Proceedings of a workshop on held at Baltimore, Maryland: October 13-15, 1998. Association for Computational Linguistics, 1998, pp. 23{30.</a:t>
+            </a:r>
+          </a:p>
+          <a:p>
+            <a:pPr eaLnBrk="1" hangingPunct="1">
               <a:spcBef>
                 <a:spcPts val="750"/>
               </a:spcBef>
-              <a:buFont typeface="Times New Roman" charset="0"/>
-              <a:buNone/>
-              <a:defRPr/>
+              <a:buFont typeface="Arial" panose="020B0604020202020204" pitchFamily="34" charset="0"/>
+              <a:buChar char="•"/>
             </a:pPr>
             <a:r>
-              <a:rPr lang="en-US" sz="4800" dirty="0" smtClean="0">
+              <a:rPr lang="en-US" altLang="en-US" sz="1600" dirty="0" smtClean="0">
                 <a:solidFill>
                   <a:srgbClr val="000000"/>
                 </a:solidFill>
               </a:rPr>
-              <a:t>Thank you</a:t>
-            </a:r>
-            <a:endParaRPr lang="en-US" sz="4400" dirty="0" smtClean="0">
-              <a:solidFill>
-                <a:srgbClr val="000000"/>
-              </a:solidFill>
-            </a:endParaRPr>
+              <a:t>S. Bird, \</a:t>
+            </a:r>
+            <a:r>
+              <a:rPr lang="en-US" altLang="en-US" sz="1600" dirty="0" err="1" smtClean="0">
+                <a:solidFill>
+                  <a:srgbClr val="000000"/>
+                </a:solidFill>
+              </a:rPr>
+              <a:t>Nltk</a:t>
+            </a:r>
+            <a:r>
+              <a:rPr lang="en-US" altLang="en-US" sz="1600" dirty="0" smtClean="0">
+                <a:solidFill>
+                  <a:srgbClr val="000000"/>
+                </a:solidFill>
+              </a:rPr>
+              <a:t>: the natural language toolkit," in Proceedings of the COLING/ACL on Interactive presentation sessions. Association for Computational Linguistics, 2006, pp. 69 - 72.</a:t>
+            </a:r>
+          </a:p>
+          <a:p>
+            <a:pPr eaLnBrk="1" hangingPunct="1">
+              <a:spcBef>
+                <a:spcPts val="750"/>
+              </a:spcBef>
+              <a:buFont typeface="Arial" panose="020B0604020202020204" pitchFamily="34" charset="0"/>
+              <a:buChar char="•"/>
+            </a:pPr>
+            <a:r>
+              <a:rPr lang="en-US" altLang="en-US" sz="1600" dirty="0" smtClean="0">
+                <a:solidFill>
+                  <a:srgbClr val="000000"/>
+                </a:solidFill>
+              </a:rPr>
+              <a:t>C. </a:t>
+            </a:r>
+            <a:r>
+              <a:rPr lang="en-US" altLang="en-US" sz="1600" dirty="0" err="1" smtClean="0">
+                <a:solidFill>
+                  <a:srgbClr val="000000"/>
+                </a:solidFill>
+              </a:rPr>
+              <a:t>Bizer</a:t>
+            </a:r>
+            <a:r>
+              <a:rPr lang="en-US" altLang="en-US" sz="1600" dirty="0" smtClean="0">
+                <a:solidFill>
+                  <a:srgbClr val="000000"/>
+                </a:solidFill>
+              </a:rPr>
+              <a:t>, J. Lehmann, G. </a:t>
+            </a:r>
+            <a:r>
+              <a:rPr lang="en-US" altLang="en-US" sz="1600" dirty="0" err="1" smtClean="0">
+                <a:solidFill>
+                  <a:srgbClr val="000000"/>
+                </a:solidFill>
+              </a:rPr>
+              <a:t>Kobilarov</a:t>
+            </a:r>
+            <a:r>
+              <a:rPr lang="en-US" altLang="en-US" sz="1600" dirty="0" smtClean="0">
+                <a:solidFill>
+                  <a:srgbClr val="000000"/>
+                </a:solidFill>
+              </a:rPr>
+              <a:t>, S. Auer, C. Becker, R. </a:t>
+            </a:r>
+            <a:r>
+              <a:rPr lang="en-US" altLang="en-US" sz="1600" dirty="0" err="1" smtClean="0">
+                <a:solidFill>
+                  <a:srgbClr val="000000"/>
+                </a:solidFill>
+              </a:rPr>
+              <a:t>Cyganiak</a:t>
+            </a:r>
+            <a:r>
+              <a:rPr lang="en-US" altLang="en-US" sz="1600" dirty="0" smtClean="0">
+                <a:solidFill>
+                  <a:srgbClr val="000000"/>
+                </a:solidFill>
+              </a:rPr>
+              <a:t>, and S. Hellmann, \</a:t>
+            </a:r>
+            <a:r>
+              <a:rPr lang="en-US" altLang="en-US" sz="1600" dirty="0" err="1" smtClean="0">
+                <a:solidFill>
+                  <a:srgbClr val="000000"/>
+                </a:solidFill>
+              </a:rPr>
+              <a:t>Dbpedia</a:t>
+            </a:r>
+            <a:r>
+              <a:rPr lang="en-US" altLang="en-US" sz="1600" dirty="0" smtClean="0">
+                <a:solidFill>
+                  <a:srgbClr val="000000"/>
+                </a:solidFill>
+              </a:rPr>
+              <a:t>-a crystallization point for the web of data," Web Semantics: science, services and agents on the world wide web, vol. 7, no. 3, pp.154-165, 2009.</a:t>
+            </a:r>
           </a:p>
         </p:txBody>
       </p:sp>
     </p:spTree>
     <p:extLst>
       <p:ext uri="{BB962C8B-B14F-4D97-AF65-F5344CB8AC3E}">
-        <p14:creationId xmlns:p14="http://schemas.microsoft.com/office/powerpoint/2010/main" val="358566645"/>
+        <p14:creationId xmlns:p14="http://schemas.microsoft.com/office/powerpoint/2010/main" val="2449278591"/>
       </p:ext>
     </p:extLst>
   </p:cSld>
@@ -20623,6 +20171,780 @@
 </p:sld>
 </file>
 
+<file path=ppt/slides/slide70.xml><?xml version="1.0" encoding="utf-8"?>
+<p:sld xmlns:a="http://schemas.openxmlformats.org/drawingml/2006/main" xmlns:r="http://schemas.openxmlformats.org/officeDocument/2006/relationships" xmlns:p="http://schemas.openxmlformats.org/presentationml/2006/main">
+  <p:cSld>
+    <p:spTree>
+      <p:nvGrpSpPr>
+        <p:cNvPr id="1" name=""/>
+        <p:cNvGrpSpPr/>
+        <p:nvPr/>
+      </p:nvGrpSpPr>
+      <p:grpSpPr>
+        <a:xfrm>
+          <a:off x="0" y="0"/>
+          <a:ext cx="0" cy="0"/>
+          <a:chOff x="0" y="0"/>
+          <a:chExt cx="0" cy="0"/>
+        </a:xfrm>
+      </p:grpSpPr>
+      <p:sp>
+        <p:nvSpPr>
+          <p:cNvPr id="57345" name="Text Box 1"/>
+          <p:cNvSpPr txBox="1">
+            <a:spLocks noChangeArrowheads="1"/>
+          </p:cNvSpPr>
+          <p:nvPr/>
+        </p:nvSpPr>
+        <p:spPr bwMode="auto">
+          <a:xfrm>
+            <a:off x="457200" y="754063"/>
+            <a:ext cx="8229600" cy="701675"/>
+          </a:xfrm>
+          <a:prstGeom prst="rect">
+            <a:avLst/>
+          </a:prstGeom>
+          <a:noFill/>
+          <a:ln>
+            <a:noFill/>
+          </a:ln>
+          <a:effectLst/>
+          <a:extLst>
+            <a:ext uri="{909E8E84-426E-40dd-AFC4-6F175D3DCCD1}">
+              <a14:hiddenFill xmlns:a14="http://schemas.microsoft.com/office/drawing/2010/main" xmlns="">
+                <a:solidFill>
+                  <a:srgbClr val="FFFFFF"/>
+                </a:solidFill>
+              </a14:hiddenFill>
+            </a:ext>
+            <a:ext uri="{91240B29-F687-4f45-9708-019B960494DF}">
+              <a14:hiddenLine xmlns:a14="http://schemas.microsoft.com/office/drawing/2010/main" xmlns="" w="9525">
+                <a:solidFill>
+                  <a:srgbClr val="000000"/>
+                </a:solidFill>
+                <a:round/>
+                <a:headEnd/>
+                <a:tailEnd/>
+              </a14:hiddenLine>
+            </a:ext>
+            <a:ext uri="{AF507438-7753-43e0-B8FC-AC1667EBCBE1}">
+              <a14:hiddenEffects xmlns:a14="http://schemas.microsoft.com/office/drawing/2010/main" xmlns="">
+                <a:effectLst>
+                  <a:outerShdw blurRad="63500" dist="38099" dir="2700000" algn="ctr" rotWithShape="0">
+                    <a:srgbClr val="000000">
+                      <a:alpha val="74997"/>
+                    </a:srgbClr>
+                  </a:outerShdw>
+                </a:effectLst>
+              </a14:hiddenEffects>
+            </a:ext>
+          </a:extLst>
+        </p:spPr>
+        <p:txBody>
+          <a:bodyPr anchor="ctr"/>
+          <a:lstStyle>
+            <a:lvl1pPr eaLnBrk="0" hangingPunct="0">
+              <a:tabLst>
+                <a:tab pos="0" algn="l"/>
+                <a:tab pos="914400" algn="l"/>
+                <a:tab pos="1828800" algn="l"/>
+                <a:tab pos="2743200" algn="l"/>
+                <a:tab pos="3657600" algn="l"/>
+                <a:tab pos="4572000" algn="l"/>
+                <a:tab pos="5486400" algn="l"/>
+                <a:tab pos="6400800" algn="l"/>
+                <a:tab pos="7315200" algn="l"/>
+                <a:tab pos="8229600" algn="l"/>
+                <a:tab pos="9144000" algn="l"/>
+                <a:tab pos="10058400" algn="l"/>
+              </a:tabLst>
+              <a:defRPr sz="2400">
+                <a:solidFill>
+                  <a:schemeClr val="bg1"/>
+                </a:solidFill>
+                <a:latin typeface="Arial" charset="0"/>
+                <a:ea typeface="ＭＳ Ｐゴシック" charset="0"/>
+                <a:cs typeface="ＭＳ Ｐゴシック" charset="0"/>
+              </a:defRPr>
+            </a:lvl1pPr>
+            <a:lvl2pPr eaLnBrk="0" hangingPunct="0">
+              <a:tabLst>
+                <a:tab pos="0" algn="l"/>
+                <a:tab pos="914400" algn="l"/>
+                <a:tab pos="1828800" algn="l"/>
+                <a:tab pos="2743200" algn="l"/>
+                <a:tab pos="3657600" algn="l"/>
+                <a:tab pos="4572000" algn="l"/>
+                <a:tab pos="5486400" algn="l"/>
+                <a:tab pos="6400800" algn="l"/>
+                <a:tab pos="7315200" algn="l"/>
+                <a:tab pos="8229600" algn="l"/>
+                <a:tab pos="9144000" algn="l"/>
+                <a:tab pos="10058400" algn="l"/>
+              </a:tabLst>
+              <a:defRPr sz="2400">
+                <a:solidFill>
+                  <a:schemeClr val="bg1"/>
+                </a:solidFill>
+                <a:latin typeface="Arial" charset="0"/>
+                <a:ea typeface="ＭＳ Ｐゴシック" charset="0"/>
+              </a:defRPr>
+            </a:lvl2pPr>
+            <a:lvl3pPr eaLnBrk="0" hangingPunct="0">
+              <a:tabLst>
+                <a:tab pos="0" algn="l"/>
+                <a:tab pos="914400" algn="l"/>
+                <a:tab pos="1828800" algn="l"/>
+                <a:tab pos="2743200" algn="l"/>
+                <a:tab pos="3657600" algn="l"/>
+                <a:tab pos="4572000" algn="l"/>
+                <a:tab pos="5486400" algn="l"/>
+                <a:tab pos="6400800" algn="l"/>
+                <a:tab pos="7315200" algn="l"/>
+                <a:tab pos="8229600" algn="l"/>
+                <a:tab pos="9144000" algn="l"/>
+                <a:tab pos="10058400" algn="l"/>
+              </a:tabLst>
+              <a:defRPr sz="2400">
+                <a:solidFill>
+                  <a:schemeClr val="bg1"/>
+                </a:solidFill>
+                <a:latin typeface="Arial" charset="0"/>
+                <a:ea typeface="ＭＳ Ｐゴシック" charset="0"/>
+              </a:defRPr>
+            </a:lvl3pPr>
+            <a:lvl4pPr eaLnBrk="0" hangingPunct="0">
+              <a:tabLst>
+                <a:tab pos="0" algn="l"/>
+                <a:tab pos="914400" algn="l"/>
+                <a:tab pos="1828800" algn="l"/>
+                <a:tab pos="2743200" algn="l"/>
+                <a:tab pos="3657600" algn="l"/>
+                <a:tab pos="4572000" algn="l"/>
+                <a:tab pos="5486400" algn="l"/>
+                <a:tab pos="6400800" algn="l"/>
+                <a:tab pos="7315200" algn="l"/>
+                <a:tab pos="8229600" algn="l"/>
+                <a:tab pos="9144000" algn="l"/>
+                <a:tab pos="10058400" algn="l"/>
+              </a:tabLst>
+              <a:defRPr sz="2400">
+                <a:solidFill>
+                  <a:schemeClr val="bg1"/>
+                </a:solidFill>
+                <a:latin typeface="Arial" charset="0"/>
+                <a:ea typeface="ＭＳ Ｐゴシック" charset="0"/>
+              </a:defRPr>
+            </a:lvl4pPr>
+            <a:lvl5pPr eaLnBrk="0" hangingPunct="0">
+              <a:tabLst>
+                <a:tab pos="0" algn="l"/>
+                <a:tab pos="914400" algn="l"/>
+                <a:tab pos="1828800" algn="l"/>
+                <a:tab pos="2743200" algn="l"/>
+                <a:tab pos="3657600" algn="l"/>
+                <a:tab pos="4572000" algn="l"/>
+                <a:tab pos="5486400" algn="l"/>
+                <a:tab pos="6400800" algn="l"/>
+                <a:tab pos="7315200" algn="l"/>
+                <a:tab pos="8229600" algn="l"/>
+                <a:tab pos="9144000" algn="l"/>
+                <a:tab pos="10058400" algn="l"/>
+              </a:tabLst>
+              <a:defRPr sz="2400">
+                <a:solidFill>
+                  <a:schemeClr val="bg1"/>
+                </a:solidFill>
+                <a:latin typeface="Arial" charset="0"/>
+                <a:ea typeface="ＭＳ Ｐゴシック" charset="0"/>
+              </a:defRPr>
+            </a:lvl5pPr>
+            <a:lvl6pPr marL="2514600" indent="-228600" eaLnBrk="0" fontAlgn="base" hangingPunct="0">
+              <a:spcBef>
+                <a:spcPct val="0"/>
+              </a:spcBef>
+              <a:spcAft>
+                <a:spcPct val="0"/>
+              </a:spcAft>
+              <a:buClr>
+                <a:srgbClr val="000000"/>
+              </a:buClr>
+              <a:buSzPct val="100000"/>
+              <a:buFont typeface="Times New Roman" charset="0"/>
+              <a:tabLst>
+                <a:tab pos="0" algn="l"/>
+                <a:tab pos="914400" algn="l"/>
+                <a:tab pos="1828800" algn="l"/>
+                <a:tab pos="2743200" algn="l"/>
+                <a:tab pos="3657600" algn="l"/>
+                <a:tab pos="4572000" algn="l"/>
+                <a:tab pos="5486400" algn="l"/>
+                <a:tab pos="6400800" algn="l"/>
+                <a:tab pos="7315200" algn="l"/>
+                <a:tab pos="8229600" algn="l"/>
+                <a:tab pos="9144000" algn="l"/>
+                <a:tab pos="10058400" algn="l"/>
+              </a:tabLst>
+              <a:defRPr sz="2400">
+                <a:solidFill>
+                  <a:schemeClr val="bg1"/>
+                </a:solidFill>
+                <a:latin typeface="Arial" charset="0"/>
+                <a:ea typeface="ＭＳ Ｐゴシック" charset="0"/>
+              </a:defRPr>
+            </a:lvl6pPr>
+            <a:lvl7pPr marL="2971800" indent="-228600" eaLnBrk="0" fontAlgn="base" hangingPunct="0">
+              <a:spcBef>
+                <a:spcPct val="0"/>
+              </a:spcBef>
+              <a:spcAft>
+                <a:spcPct val="0"/>
+              </a:spcAft>
+              <a:buClr>
+                <a:srgbClr val="000000"/>
+              </a:buClr>
+              <a:buSzPct val="100000"/>
+              <a:buFont typeface="Times New Roman" charset="0"/>
+              <a:tabLst>
+                <a:tab pos="0" algn="l"/>
+                <a:tab pos="914400" algn="l"/>
+                <a:tab pos="1828800" algn="l"/>
+                <a:tab pos="2743200" algn="l"/>
+                <a:tab pos="3657600" algn="l"/>
+                <a:tab pos="4572000" algn="l"/>
+                <a:tab pos="5486400" algn="l"/>
+                <a:tab pos="6400800" algn="l"/>
+                <a:tab pos="7315200" algn="l"/>
+                <a:tab pos="8229600" algn="l"/>
+                <a:tab pos="9144000" algn="l"/>
+                <a:tab pos="10058400" algn="l"/>
+              </a:tabLst>
+              <a:defRPr sz="2400">
+                <a:solidFill>
+                  <a:schemeClr val="bg1"/>
+                </a:solidFill>
+                <a:latin typeface="Arial" charset="0"/>
+                <a:ea typeface="ＭＳ Ｐゴシック" charset="0"/>
+              </a:defRPr>
+            </a:lvl7pPr>
+            <a:lvl8pPr marL="3429000" indent="-228600" eaLnBrk="0" fontAlgn="base" hangingPunct="0">
+              <a:spcBef>
+                <a:spcPct val="0"/>
+              </a:spcBef>
+              <a:spcAft>
+                <a:spcPct val="0"/>
+              </a:spcAft>
+              <a:buClr>
+                <a:srgbClr val="000000"/>
+              </a:buClr>
+              <a:buSzPct val="100000"/>
+              <a:buFont typeface="Times New Roman" charset="0"/>
+              <a:tabLst>
+                <a:tab pos="0" algn="l"/>
+                <a:tab pos="914400" algn="l"/>
+                <a:tab pos="1828800" algn="l"/>
+                <a:tab pos="2743200" algn="l"/>
+                <a:tab pos="3657600" algn="l"/>
+                <a:tab pos="4572000" algn="l"/>
+                <a:tab pos="5486400" algn="l"/>
+                <a:tab pos="6400800" algn="l"/>
+                <a:tab pos="7315200" algn="l"/>
+                <a:tab pos="8229600" algn="l"/>
+                <a:tab pos="9144000" algn="l"/>
+                <a:tab pos="10058400" algn="l"/>
+              </a:tabLst>
+              <a:defRPr sz="2400">
+                <a:solidFill>
+                  <a:schemeClr val="bg1"/>
+                </a:solidFill>
+                <a:latin typeface="Arial" charset="0"/>
+                <a:ea typeface="ＭＳ Ｐゴシック" charset="0"/>
+              </a:defRPr>
+            </a:lvl8pPr>
+            <a:lvl9pPr marL="3886200" indent="-228600" eaLnBrk="0" fontAlgn="base" hangingPunct="0">
+              <a:spcBef>
+                <a:spcPct val="0"/>
+              </a:spcBef>
+              <a:spcAft>
+                <a:spcPct val="0"/>
+              </a:spcAft>
+              <a:buClr>
+                <a:srgbClr val="000000"/>
+              </a:buClr>
+              <a:buSzPct val="100000"/>
+              <a:buFont typeface="Times New Roman" charset="0"/>
+              <a:tabLst>
+                <a:tab pos="0" algn="l"/>
+                <a:tab pos="914400" algn="l"/>
+                <a:tab pos="1828800" algn="l"/>
+                <a:tab pos="2743200" algn="l"/>
+                <a:tab pos="3657600" algn="l"/>
+                <a:tab pos="4572000" algn="l"/>
+                <a:tab pos="5486400" algn="l"/>
+                <a:tab pos="6400800" algn="l"/>
+                <a:tab pos="7315200" algn="l"/>
+                <a:tab pos="8229600" algn="l"/>
+                <a:tab pos="9144000" algn="l"/>
+                <a:tab pos="10058400" algn="l"/>
+              </a:tabLst>
+              <a:defRPr sz="2400">
+                <a:solidFill>
+                  <a:schemeClr val="bg1"/>
+                </a:solidFill>
+                <a:latin typeface="Arial" charset="0"/>
+                <a:ea typeface="ＭＳ Ｐゴシック" charset="0"/>
+              </a:defRPr>
+            </a:lvl9pPr>
+          </a:lstStyle>
+          <a:p>
+            <a:pPr eaLnBrk="1" hangingPunct="1">
+              <a:buClrTx/>
+              <a:buFontTx/>
+              <a:buNone/>
+              <a:defRPr/>
+            </a:pPr>
+            <a:endParaRPr lang="en-US" sz="4000" b="1" smtClean="0">
+              <a:solidFill>
+                <a:srgbClr val="5F5F5F"/>
+              </a:solidFill>
+            </a:endParaRPr>
+          </a:p>
+        </p:txBody>
+      </p:sp>
+      <p:sp>
+        <p:nvSpPr>
+          <p:cNvPr id="57346" name="Text Box 2"/>
+          <p:cNvSpPr txBox="1">
+            <a:spLocks noChangeArrowheads="1"/>
+          </p:cNvSpPr>
+          <p:nvPr/>
+        </p:nvSpPr>
+        <p:spPr bwMode="auto">
+          <a:xfrm>
+            <a:off x="457200" y="685800"/>
+            <a:ext cx="8229600" cy="4983163"/>
+          </a:xfrm>
+          <a:prstGeom prst="rect">
+            <a:avLst/>
+          </a:prstGeom>
+          <a:noFill/>
+          <a:ln>
+            <a:noFill/>
+          </a:ln>
+          <a:effectLst/>
+          <a:extLst>
+            <a:ext uri="{909E8E84-426E-40dd-AFC4-6F175D3DCCD1}">
+              <a14:hiddenFill xmlns:a14="http://schemas.microsoft.com/office/drawing/2010/main" xmlns="">
+                <a:solidFill>
+                  <a:srgbClr val="FFFFFF"/>
+                </a:solidFill>
+              </a14:hiddenFill>
+            </a:ext>
+            <a:ext uri="{91240B29-F687-4f45-9708-019B960494DF}">
+              <a14:hiddenLine xmlns:a14="http://schemas.microsoft.com/office/drawing/2010/main" xmlns="" w="9525">
+                <a:solidFill>
+                  <a:srgbClr val="000000"/>
+                </a:solidFill>
+                <a:round/>
+                <a:headEnd/>
+                <a:tailEnd/>
+              </a14:hiddenLine>
+            </a:ext>
+            <a:ext uri="{AF507438-7753-43e0-B8FC-AC1667EBCBE1}">
+              <a14:hiddenEffects xmlns:a14="http://schemas.microsoft.com/office/drawing/2010/main" xmlns="">
+                <a:effectLst>
+                  <a:outerShdw blurRad="63500" dist="38099" dir="2700000" algn="ctr" rotWithShape="0">
+                    <a:srgbClr val="000000">
+                      <a:alpha val="74997"/>
+                    </a:srgbClr>
+                  </a:outerShdw>
+                </a:effectLst>
+              </a14:hiddenEffects>
+            </a:ext>
+          </a:extLst>
+        </p:spPr>
+        <p:txBody>
+          <a:bodyPr/>
+          <a:lstStyle>
+            <a:lvl1pPr eaLnBrk="0" hangingPunct="0">
+              <a:tabLst>
+                <a:tab pos="457200" algn="l"/>
+                <a:tab pos="1027113" algn="l"/>
+                <a:tab pos="1941513" algn="l"/>
+                <a:tab pos="2855913" algn="l"/>
+                <a:tab pos="3770313" algn="l"/>
+                <a:tab pos="4684713" algn="l"/>
+                <a:tab pos="5599113" algn="l"/>
+                <a:tab pos="6513513" algn="l"/>
+                <a:tab pos="7427913" algn="l"/>
+                <a:tab pos="8342313" algn="l"/>
+                <a:tab pos="9256713" algn="l"/>
+                <a:tab pos="10171113" algn="l"/>
+              </a:tabLst>
+              <a:defRPr sz="2400">
+                <a:solidFill>
+                  <a:schemeClr val="bg1"/>
+                </a:solidFill>
+                <a:latin typeface="Arial" charset="0"/>
+                <a:ea typeface="ＭＳ Ｐゴシック" charset="0"/>
+                <a:cs typeface="ＭＳ Ｐゴシック" charset="0"/>
+              </a:defRPr>
+            </a:lvl1pPr>
+            <a:lvl2pPr eaLnBrk="0" hangingPunct="0">
+              <a:tabLst>
+                <a:tab pos="457200" algn="l"/>
+                <a:tab pos="1027113" algn="l"/>
+                <a:tab pos="1941513" algn="l"/>
+                <a:tab pos="2855913" algn="l"/>
+                <a:tab pos="3770313" algn="l"/>
+                <a:tab pos="4684713" algn="l"/>
+                <a:tab pos="5599113" algn="l"/>
+                <a:tab pos="6513513" algn="l"/>
+                <a:tab pos="7427913" algn="l"/>
+                <a:tab pos="8342313" algn="l"/>
+                <a:tab pos="9256713" algn="l"/>
+                <a:tab pos="10171113" algn="l"/>
+              </a:tabLst>
+              <a:defRPr sz="2400">
+                <a:solidFill>
+                  <a:schemeClr val="bg1"/>
+                </a:solidFill>
+                <a:latin typeface="Arial" charset="0"/>
+                <a:ea typeface="ＭＳ Ｐゴシック" charset="0"/>
+              </a:defRPr>
+            </a:lvl2pPr>
+            <a:lvl3pPr eaLnBrk="0" hangingPunct="0">
+              <a:tabLst>
+                <a:tab pos="457200" algn="l"/>
+                <a:tab pos="1027113" algn="l"/>
+                <a:tab pos="1941513" algn="l"/>
+                <a:tab pos="2855913" algn="l"/>
+                <a:tab pos="3770313" algn="l"/>
+                <a:tab pos="4684713" algn="l"/>
+                <a:tab pos="5599113" algn="l"/>
+                <a:tab pos="6513513" algn="l"/>
+                <a:tab pos="7427913" algn="l"/>
+                <a:tab pos="8342313" algn="l"/>
+                <a:tab pos="9256713" algn="l"/>
+                <a:tab pos="10171113" algn="l"/>
+              </a:tabLst>
+              <a:defRPr sz="2400">
+                <a:solidFill>
+                  <a:schemeClr val="bg1"/>
+                </a:solidFill>
+                <a:latin typeface="Arial" charset="0"/>
+                <a:ea typeface="ＭＳ Ｐゴシック" charset="0"/>
+              </a:defRPr>
+            </a:lvl3pPr>
+            <a:lvl4pPr eaLnBrk="0" hangingPunct="0">
+              <a:tabLst>
+                <a:tab pos="457200" algn="l"/>
+                <a:tab pos="1027113" algn="l"/>
+                <a:tab pos="1941513" algn="l"/>
+                <a:tab pos="2855913" algn="l"/>
+                <a:tab pos="3770313" algn="l"/>
+                <a:tab pos="4684713" algn="l"/>
+                <a:tab pos="5599113" algn="l"/>
+                <a:tab pos="6513513" algn="l"/>
+                <a:tab pos="7427913" algn="l"/>
+                <a:tab pos="8342313" algn="l"/>
+                <a:tab pos="9256713" algn="l"/>
+                <a:tab pos="10171113" algn="l"/>
+              </a:tabLst>
+              <a:defRPr sz="2400">
+                <a:solidFill>
+                  <a:schemeClr val="bg1"/>
+                </a:solidFill>
+                <a:latin typeface="Arial" charset="0"/>
+                <a:ea typeface="ＭＳ Ｐゴシック" charset="0"/>
+              </a:defRPr>
+            </a:lvl4pPr>
+            <a:lvl5pPr eaLnBrk="0" hangingPunct="0">
+              <a:tabLst>
+                <a:tab pos="457200" algn="l"/>
+                <a:tab pos="1027113" algn="l"/>
+                <a:tab pos="1941513" algn="l"/>
+                <a:tab pos="2855913" algn="l"/>
+                <a:tab pos="3770313" algn="l"/>
+                <a:tab pos="4684713" algn="l"/>
+                <a:tab pos="5599113" algn="l"/>
+                <a:tab pos="6513513" algn="l"/>
+                <a:tab pos="7427913" algn="l"/>
+                <a:tab pos="8342313" algn="l"/>
+                <a:tab pos="9256713" algn="l"/>
+                <a:tab pos="10171113" algn="l"/>
+              </a:tabLst>
+              <a:defRPr sz="2400">
+                <a:solidFill>
+                  <a:schemeClr val="bg1"/>
+                </a:solidFill>
+                <a:latin typeface="Arial" charset="0"/>
+                <a:ea typeface="ＭＳ Ｐゴシック" charset="0"/>
+              </a:defRPr>
+            </a:lvl5pPr>
+            <a:lvl6pPr marL="2514600" indent="-228600" eaLnBrk="0" fontAlgn="base" hangingPunct="0">
+              <a:spcBef>
+                <a:spcPct val="0"/>
+              </a:spcBef>
+              <a:spcAft>
+                <a:spcPct val="0"/>
+              </a:spcAft>
+              <a:buClr>
+                <a:srgbClr val="000000"/>
+              </a:buClr>
+              <a:buSzPct val="100000"/>
+              <a:buFont typeface="Times New Roman" charset="0"/>
+              <a:tabLst>
+                <a:tab pos="457200" algn="l"/>
+                <a:tab pos="1027113" algn="l"/>
+                <a:tab pos="1941513" algn="l"/>
+                <a:tab pos="2855913" algn="l"/>
+                <a:tab pos="3770313" algn="l"/>
+                <a:tab pos="4684713" algn="l"/>
+                <a:tab pos="5599113" algn="l"/>
+                <a:tab pos="6513513" algn="l"/>
+                <a:tab pos="7427913" algn="l"/>
+                <a:tab pos="8342313" algn="l"/>
+                <a:tab pos="9256713" algn="l"/>
+                <a:tab pos="10171113" algn="l"/>
+              </a:tabLst>
+              <a:defRPr sz="2400">
+                <a:solidFill>
+                  <a:schemeClr val="bg1"/>
+                </a:solidFill>
+                <a:latin typeface="Arial" charset="0"/>
+                <a:ea typeface="ＭＳ Ｐゴシック" charset="0"/>
+              </a:defRPr>
+            </a:lvl6pPr>
+            <a:lvl7pPr marL="2971800" indent="-228600" eaLnBrk="0" fontAlgn="base" hangingPunct="0">
+              <a:spcBef>
+                <a:spcPct val="0"/>
+              </a:spcBef>
+              <a:spcAft>
+                <a:spcPct val="0"/>
+              </a:spcAft>
+              <a:buClr>
+                <a:srgbClr val="000000"/>
+              </a:buClr>
+              <a:buSzPct val="100000"/>
+              <a:buFont typeface="Times New Roman" charset="0"/>
+              <a:tabLst>
+                <a:tab pos="457200" algn="l"/>
+                <a:tab pos="1027113" algn="l"/>
+                <a:tab pos="1941513" algn="l"/>
+                <a:tab pos="2855913" algn="l"/>
+                <a:tab pos="3770313" algn="l"/>
+                <a:tab pos="4684713" algn="l"/>
+                <a:tab pos="5599113" algn="l"/>
+                <a:tab pos="6513513" algn="l"/>
+                <a:tab pos="7427913" algn="l"/>
+                <a:tab pos="8342313" algn="l"/>
+                <a:tab pos="9256713" algn="l"/>
+                <a:tab pos="10171113" algn="l"/>
+              </a:tabLst>
+              <a:defRPr sz="2400">
+                <a:solidFill>
+                  <a:schemeClr val="bg1"/>
+                </a:solidFill>
+                <a:latin typeface="Arial" charset="0"/>
+                <a:ea typeface="ＭＳ Ｐゴシック" charset="0"/>
+              </a:defRPr>
+            </a:lvl7pPr>
+            <a:lvl8pPr marL="3429000" indent="-228600" eaLnBrk="0" fontAlgn="base" hangingPunct="0">
+              <a:spcBef>
+                <a:spcPct val="0"/>
+              </a:spcBef>
+              <a:spcAft>
+                <a:spcPct val="0"/>
+              </a:spcAft>
+              <a:buClr>
+                <a:srgbClr val="000000"/>
+              </a:buClr>
+              <a:buSzPct val="100000"/>
+              <a:buFont typeface="Times New Roman" charset="0"/>
+              <a:tabLst>
+                <a:tab pos="457200" algn="l"/>
+                <a:tab pos="1027113" algn="l"/>
+                <a:tab pos="1941513" algn="l"/>
+                <a:tab pos="2855913" algn="l"/>
+                <a:tab pos="3770313" algn="l"/>
+                <a:tab pos="4684713" algn="l"/>
+                <a:tab pos="5599113" algn="l"/>
+                <a:tab pos="6513513" algn="l"/>
+                <a:tab pos="7427913" algn="l"/>
+                <a:tab pos="8342313" algn="l"/>
+                <a:tab pos="9256713" algn="l"/>
+                <a:tab pos="10171113" algn="l"/>
+              </a:tabLst>
+              <a:defRPr sz="2400">
+                <a:solidFill>
+                  <a:schemeClr val="bg1"/>
+                </a:solidFill>
+                <a:latin typeface="Arial" charset="0"/>
+                <a:ea typeface="ＭＳ Ｐゴシック" charset="0"/>
+              </a:defRPr>
+            </a:lvl8pPr>
+            <a:lvl9pPr marL="3886200" indent="-228600" eaLnBrk="0" fontAlgn="base" hangingPunct="0">
+              <a:spcBef>
+                <a:spcPct val="0"/>
+              </a:spcBef>
+              <a:spcAft>
+                <a:spcPct val="0"/>
+              </a:spcAft>
+              <a:buClr>
+                <a:srgbClr val="000000"/>
+              </a:buClr>
+              <a:buSzPct val="100000"/>
+              <a:buFont typeface="Times New Roman" charset="0"/>
+              <a:tabLst>
+                <a:tab pos="457200" algn="l"/>
+                <a:tab pos="1027113" algn="l"/>
+                <a:tab pos="1941513" algn="l"/>
+                <a:tab pos="2855913" algn="l"/>
+                <a:tab pos="3770313" algn="l"/>
+                <a:tab pos="4684713" algn="l"/>
+                <a:tab pos="5599113" algn="l"/>
+                <a:tab pos="6513513" algn="l"/>
+                <a:tab pos="7427913" algn="l"/>
+                <a:tab pos="8342313" algn="l"/>
+                <a:tab pos="9256713" algn="l"/>
+                <a:tab pos="10171113" algn="l"/>
+              </a:tabLst>
+              <a:defRPr sz="2400">
+                <a:solidFill>
+                  <a:schemeClr val="bg1"/>
+                </a:solidFill>
+                <a:latin typeface="Arial" charset="0"/>
+                <a:ea typeface="ＭＳ Ｐゴシック" charset="0"/>
+              </a:defRPr>
+            </a:lvl9pPr>
+          </a:lstStyle>
+          <a:p>
+            <a:pPr eaLnBrk="1" hangingPunct="1">
+              <a:spcBef>
+                <a:spcPts val="750"/>
+              </a:spcBef>
+              <a:buFont typeface="Times New Roman" charset="0"/>
+              <a:buNone/>
+              <a:defRPr/>
+            </a:pPr>
+            <a:endParaRPr lang="en-US" sz="3000" dirty="0" smtClean="0">
+              <a:solidFill>
+                <a:srgbClr val="000000"/>
+              </a:solidFill>
+            </a:endParaRPr>
+          </a:p>
+          <a:p>
+            <a:pPr eaLnBrk="1" hangingPunct="1">
+              <a:spcBef>
+                <a:spcPts val="750"/>
+              </a:spcBef>
+              <a:buFont typeface="Times New Roman" charset="0"/>
+              <a:buNone/>
+              <a:defRPr/>
+            </a:pPr>
+            <a:endParaRPr lang="en-US" sz="3000" dirty="0" smtClean="0">
+              <a:solidFill>
+                <a:srgbClr val="000000"/>
+              </a:solidFill>
+            </a:endParaRPr>
+          </a:p>
+          <a:p>
+            <a:pPr eaLnBrk="1" hangingPunct="1">
+              <a:spcBef>
+                <a:spcPts val="750"/>
+              </a:spcBef>
+              <a:buFont typeface="Times New Roman" charset="0"/>
+              <a:buNone/>
+              <a:defRPr/>
+            </a:pPr>
+            <a:endParaRPr lang="en-US" sz="3000" dirty="0" smtClean="0">
+              <a:solidFill>
+                <a:srgbClr val="000000"/>
+              </a:solidFill>
+            </a:endParaRPr>
+          </a:p>
+          <a:p>
+            <a:pPr eaLnBrk="1" hangingPunct="1">
+              <a:spcBef>
+                <a:spcPts val="750"/>
+              </a:spcBef>
+              <a:buFont typeface="Times New Roman" charset="0"/>
+              <a:buNone/>
+              <a:defRPr/>
+            </a:pPr>
+            <a:endParaRPr lang="en-US" sz="3000" dirty="0" smtClean="0">
+              <a:solidFill>
+                <a:srgbClr val="000000"/>
+              </a:solidFill>
+            </a:endParaRPr>
+          </a:p>
+          <a:p>
+            <a:pPr algn="ctr" eaLnBrk="1" hangingPunct="1">
+              <a:spcBef>
+                <a:spcPts val="750"/>
+              </a:spcBef>
+              <a:buFont typeface="Times New Roman" charset="0"/>
+              <a:buNone/>
+              <a:defRPr/>
+            </a:pPr>
+            <a:r>
+              <a:rPr lang="en-US" sz="4800" dirty="0" smtClean="0">
+                <a:solidFill>
+                  <a:srgbClr val="000000"/>
+                </a:solidFill>
+              </a:rPr>
+              <a:t>Thank you</a:t>
+            </a:r>
+            <a:endParaRPr lang="en-US" sz="4400" dirty="0" smtClean="0">
+              <a:solidFill>
+                <a:srgbClr val="000000"/>
+              </a:solidFill>
+            </a:endParaRPr>
+          </a:p>
+        </p:txBody>
+      </p:sp>
+    </p:spTree>
+    <p:extLst>
+      <p:ext uri="{BB962C8B-B14F-4D97-AF65-F5344CB8AC3E}">
+        <p14:creationId xmlns:p14="http://schemas.microsoft.com/office/powerpoint/2010/main" val="358566645"/>
+      </p:ext>
+    </p:extLst>
+  </p:cSld>
+  <p:clrMapOvr>
+    <a:masterClrMapping/>
+  </p:clrMapOvr>
+  <p:transition spd="med"/>
+  <p:timing>
+    <p:tnLst>
+      <p:par>
+        <p:cTn id="1" dur="indefinite" restart="never" nodeType="tmRoot">
+          <p:childTnLst>
+            <p:seq concurrent="1" nextAc="seek">
+              <p:cTn id="2" dur="0" nodeType="mainSeq"/>
+              <p:prevCondLst>
+                <p:cond evt="onPrev" delay="0">
+                  <p:tgtEl>
+                    <p:sldTgt/>
+                  </p:tgtEl>
+                </p:cond>
+              </p:prevCondLst>
+              <p:nextCondLst>
+                <p:cond evt="onNext" delay="0">
+                  <p:tgtEl>
+                    <p:sldTgt/>
+                  </p:tgtEl>
+                </p:cond>
+              </p:nextCondLst>
+            </p:seq>
+          </p:childTnLst>
+        </p:cTn>
+      </p:par>
+    </p:tnLst>
+  </p:timing>
+</p:sld>
+</file>
+
 <file path=ppt/slides/slide8.xml><?xml version="1.0" encoding="utf-8"?>
 <p:sld xmlns:a="http://schemas.openxmlformats.org/drawingml/2006/main" xmlns:r="http://schemas.openxmlformats.org/officeDocument/2006/relationships" xmlns:p="http://schemas.openxmlformats.org/presentationml/2006/main">
   <p:cSld>
@@ -20913,12 +21235,20 @@
           <a:lstStyle/>
           <a:p>
             <a:r>
+              <a:rPr lang="en-US" dirty="0">
+                <a:solidFill>
+                  <a:schemeClr val="tx1"/>
+                </a:solidFill>
+              </a:rPr>
+              <a:t>Previous work -- </a:t>
+            </a:r>
+            <a:r>
               <a:rPr lang="en-US" dirty="0" smtClean="0">
                 <a:solidFill>
                   <a:schemeClr val="tx1"/>
                 </a:solidFill>
               </a:rPr>
-              <a:t>Recommender </a:t>
+              <a:t> Recommender </a:t>
             </a:r>
             <a:r>
               <a:rPr lang="en-US" dirty="0">
@@ -21205,7 +21535,7 @@
         <a:effectLst/>
         <a:extLst>
           <a:ext uri="{AF507438-7753-43e0-B8FC-AC1667EBCBE1}">
-            <a14:hiddenEffects xmlns="" xmlns:a14="http://schemas.microsoft.com/office/drawing/2010/main">
+            <a14:hiddenEffects xmlns:a14="http://schemas.microsoft.com/office/drawing/2010/main" xmlns="">
               <a:effectLst>
                 <a:outerShdw blurRad="63500" dist="38099" dir="2700000" algn="ctr" rotWithShape="0">
                   <a:schemeClr val="bg2">
@@ -21284,7 +21614,7 @@
         <a:effectLst/>
         <a:extLst>
           <a:ext uri="{AF507438-7753-43e0-B8FC-AC1667EBCBE1}">
-            <a14:hiddenEffects xmlns="" xmlns:a14="http://schemas.microsoft.com/office/drawing/2010/main">
+            <a14:hiddenEffects xmlns:a14="http://schemas.microsoft.com/office/drawing/2010/main" xmlns="">
               <a:effectLst>
                 <a:outerShdw blurRad="63500" dist="38099" dir="2700000" algn="ctr" rotWithShape="0">
                   <a:schemeClr val="bg2">

--- a/media/Master's thesis.pptx
+++ b/media/Master's thesis.pptx
@@ -375,7 +375,7 @@
             <a:fld id="{8D49A9A6-EEBE-4A10-B375-E3DE23A9130F}" type="datetimeFigureOut">
               <a:rPr lang="en-US" altLang="en-US"/>
               <a:pPr/>
-              <a:t>12/2/2014</a:t>
+              <a:t>12/3/2014</a:t>
             </a:fld>
             <a:endParaRPr lang="en-US" altLang="en-US"/>
           </a:p>
@@ -5556,15 +5556,7 @@
                   <a:schemeClr val="tx1"/>
                 </a:solidFill>
               </a:rPr>
-              <a:t>R</a:t>
-            </a:r>
-            <a:r>
-              <a:rPr lang="en-US" dirty="0" smtClean="0">
-                <a:solidFill>
-                  <a:schemeClr val="tx1"/>
-                </a:solidFill>
-              </a:rPr>
-              <a:t>É</a:t>
+              <a:t>RÉ</a:t>
             </a:r>
             <a:r>
               <a:rPr lang="en-US" altLang="zh-CN" dirty="0" smtClean="0">
@@ -5575,20 +5567,12 @@
               <a:t>SUM</a:t>
             </a:r>
             <a:r>
-              <a:rPr lang="en-US" dirty="0" smtClean="0">
-                <a:solidFill>
-                  <a:schemeClr val="tx1"/>
-                </a:solidFill>
-              </a:rPr>
-              <a:t>É</a:t>
-            </a:r>
-            <a:r>
-              <a:rPr lang="en-US" dirty="0" smtClean="0">
-                <a:solidFill>
-                  <a:schemeClr val="tx1"/>
-                </a:solidFill>
-              </a:rPr>
-              <a:t>-JOB </a:t>
+              <a:rPr lang="en-US" dirty="0">
+                <a:solidFill>
+                  <a:schemeClr val="tx1"/>
+                </a:solidFill>
+              </a:rPr>
+              <a:t>É – JOB </a:t>
             </a:r>
             <a:r>
               <a:rPr lang="en-US" dirty="0">
@@ -5743,7 +5727,23 @@
                   <a:schemeClr val="tx1"/>
                 </a:solidFill>
               </a:rPr>
-              <a:t>work -- CASPER </a:t>
+              <a:t>work </a:t>
+            </a:r>
+            <a:r>
+              <a:rPr lang="en-US" dirty="0">
+                <a:solidFill>
+                  <a:schemeClr val="tx1"/>
+                </a:solidFill>
+              </a:rPr>
+              <a:t>– </a:t>
+            </a:r>
+            <a:r>
+              <a:rPr lang="en-US" dirty="0">
+                <a:solidFill>
+                  <a:schemeClr val="tx1"/>
+                </a:solidFill>
+              </a:rPr>
+              <a:t>CASPER </a:t>
             </a:r>
           </a:p>
         </p:txBody>
@@ -5764,7 +5764,7 @@
         </p:blipFill>
         <p:spPr>
           <a:xfrm>
-            <a:off x="1171575" y="2290880"/>
+            <a:off x="1171575" y="2285249"/>
             <a:ext cx="4130475" cy="894227"/>
           </a:xfrm>
           <a:prstGeom prst="rect">
@@ -5788,7 +5788,7 @@
         </p:blipFill>
         <p:spPr>
           <a:xfrm>
-            <a:off x="1171575" y="3279317"/>
+            <a:off x="1171575" y="3304613"/>
             <a:ext cx="4847969" cy="666482"/>
           </a:xfrm>
           <a:prstGeom prst="rect">
@@ -5962,14 +5962,6 @@
               </a:rPr>
               <a:t>– </a:t>
             </a:r>
-            <a:r>
-              <a:rPr lang="en-US" dirty="0" smtClean="0">
-                <a:solidFill>
-                  <a:schemeClr val="tx1"/>
-                </a:solidFill>
-              </a:rPr>
-              <a:t/>
-            </a:r>
             <a:br>
               <a:rPr lang="en-US" dirty="0" smtClean="0">
                 <a:solidFill>
@@ -5983,15 +5975,7 @@
                   <a:schemeClr val="tx1"/>
                 </a:solidFill>
               </a:rPr>
-              <a:t>Hybrid </a:t>
-            </a:r>
-            <a:r>
-              <a:rPr lang="en-US" dirty="0" smtClean="0">
-                <a:solidFill>
-                  <a:schemeClr val="tx1"/>
-                </a:solidFill>
-              </a:rPr>
-              <a:t>Recommender System</a:t>
+              <a:t>Hybrid Recommender System</a:t>
             </a:r>
             <a:endParaRPr lang="en-US" dirty="0">
               <a:solidFill>
@@ -6123,7 +6107,7 @@
                   <a:schemeClr val="tx1"/>
                 </a:solidFill>
               </a:rPr>
-              <a:t>–</a:t>
+              <a:t/>
             </a:r>
             <a:br>
               <a:rPr lang="en-US" dirty="0" smtClean="0">
@@ -6138,7 +6122,7 @@
                   <a:schemeClr val="tx1"/>
                 </a:solidFill>
               </a:rPr>
-              <a:t>Hybrid </a:t>
+              <a:t>– Hybrid </a:t>
             </a:r>
             <a:r>
               <a:rPr lang="en-US" dirty="0" smtClean="0">
@@ -6350,7 +6334,30 @@
                   <a:schemeClr val="tx1"/>
                 </a:solidFill>
               </a:rPr>
-              <a:t>– Hybrid Recommender System</a:t>
+              <a:t/>
+            </a:r>
+            <a:br>
+              <a:rPr lang="en-US" dirty="0" smtClean="0">
+                <a:solidFill>
+                  <a:schemeClr val="tx1"/>
+                </a:solidFill>
+              </a:rPr>
+            </a:br>
+            <a:r>
+              <a:rPr lang="en-US" dirty="0" smtClean="0">
+                <a:solidFill>
+                  <a:schemeClr val="tx1"/>
+                </a:solidFill>
+              </a:rPr>
+              <a:t>– Hybrid </a:t>
+            </a:r>
+            <a:r>
+              <a:rPr lang="en-US" dirty="0" smtClean="0">
+                <a:solidFill>
+                  <a:schemeClr val="tx1"/>
+                </a:solidFill>
+              </a:rPr>
+              <a:t>Recommender System</a:t>
             </a:r>
             <a:endParaRPr lang="en-US" dirty="0">
               <a:solidFill>
@@ -6507,14 +6514,6 @@
                   <a:schemeClr val="tx1"/>
                 </a:solidFill>
               </a:rPr>
-              <a:t>– </a:t>
-            </a:r>
-            <a:r>
-              <a:rPr lang="en-US" dirty="0" smtClean="0">
-                <a:solidFill>
-                  <a:schemeClr val="tx1"/>
-                </a:solidFill>
-              </a:rPr>
               <a:t/>
             </a:r>
             <a:br>
@@ -6530,7 +6529,7 @@
                   <a:schemeClr val="tx1"/>
                 </a:solidFill>
               </a:rPr>
-              <a:t>IBM </a:t>
+              <a:t>– IBM </a:t>
             </a:r>
             <a:r>
               <a:rPr lang="en-US" dirty="0" smtClean="0">
@@ -6662,7 +6661,23 @@
                   <a:schemeClr val="tx1"/>
                 </a:solidFill>
               </a:rPr>
-              <a:t>work -- PROSPECT</a:t>
+              <a:t>work </a:t>
+            </a:r>
+            <a:r>
+              <a:rPr lang="en-US" dirty="0">
+                <a:solidFill>
+                  <a:schemeClr val="tx1"/>
+                </a:solidFill>
+              </a:rPr>
+              <a:t>– </a:t>
+            </a:r>
+            <a:r>
+              <a:rPr lang="en-US" dirty="0">
+                <a:solidFill>
+                  <a:schemeClr val="tx1"/>
+                </a:solidFill>
+              </a:rPr>
+              <a:t>PROSPECT</a:t>
             </a:r>
           </a:p>
         </p:txBody>
@@ -6837,14 +6852,6 @@
                   <a:schemeClr val="tx1"/>
                 </a:solidFill>
               </a:rPr>
-              <a:t>– </a:t>
-            </a:r>
-            <a:r>
-              <a:rPr lang="en-US" dirty="0" smtClean="0">
-                <a:solidFill>
-                  <a:schemeClr val="tx1"/>
-                </a:solidFill>
-              </a:rPr>
               <a:t/>
             </a:r>
             <a:br>
@@ -6860,7 +6867,7 @@
                   <a:schemeClr val="tx1"/>
                 </a:solidFill>
               </a:rPr>
-              <a:t>HP </a:t>
+              <a:t>– HP </a:t>
             </a:r>
             <a:r>
               <a:rPr lang="en-US" dirty="0" smtClean="0">
@@ -6965,6 +6972,10 @@
           </a:bodyPr>
           <a:lstStyle/>
           <a:p>
+            <a:pPr marL="514350" indent="-514350">
+              <a:buFont typeface="+mj-lt"/>
+              <a:buAutoNum type="arabicPeriod"/>
+            </a:pPr>
             <a:r>
               <a:rPr lang="en-US" sz="2800" dirty="0"/>
               <a:t>Most systems can only process the structured </a:t>
@@ -6979,29 +6990,39 @@
             </a:r>
             <a:r>
               <a:rPr lang="en-US" sz="2800" dirty="0" smtClean="0"/>
-              <a:t>synthetic data</a:t>
-            </a:r>
-            <a:r>
-              <a:rPr lang="en-US" sz="2800" dirty="0" smtClean="0"/>
-              <a:t>  </a:t>
+              <a:t>synthetic data  </a:t>
             </a:r>
             <a:endParaRPr lang="en-US" sz="2800" dirty="0"/>
           </a:p>
           <a:p>
-            <a:pPr marL="0" indent="0"/>
+            <a:pPr marL="514350" indent="-514350">
+              <a:buFont typeface="+mj-lt"/>
+              <a:buAutoNum type="arabicPeriod"/>
+            </a:pPr>
             <a:endParaRPr lang="en-US" sz="2800" dirty="0"/>
           </a:p>
           <a:p>
+            <a:pPr marL="514350" indent="-514350">
+              <a:buFont typeface="+mj-lt"/>
+              <a:buAutoNum type="arabicPeriod"/>
+            </a:pPr>
             <a:r>
               <a:rPr lang="en-US" sz="2800" dirty="0"/>
               <a:t>The systems that have information extraction module are designed for recruiters</a:t>
             </a:r>
           </a:p>
           <a:p>
-            <a:pPr marL="0" indent="0"/>
+            <a:pPr marL="514350" indent="-514350">
+              <a:buFont typeface="+mj-lt"/>
+              <a:buAutoNum type="arabicPeriod"/>
+            </a:pPr>
             <a:endParaRPr lang="en-US" sz="2800" dirty="0"/>
           </a:p>
           <a:p>
+            <a:pPr marL="514350" indent="-514350">
+              <a:buFont typeface="+mj-lt"/>
+              <a:buAutoNum type="arabicPeriod"/>
+            </a:pPr>
             <a:r>
               <a:rPr lang="en-US" sz="2800" dirty="0"/>
               <a:t>Information fields for matching résumés and job descriptions are coarse-grained.  </a:t>
@@ -7149,47 +7170,6 @@
           </a:p>
         </p:txBody>
       </p:sp>
-      <p:pic>
-        <p:nvPicPr>
-          <p:cNvPr id="4" name="Picture 6" descr="http://new-cdn.financialsamurai.com.s3.amazonaws.com/wp-content/uploads/2011/01/good_resume4.gif"/>
-          <p:cNvPicPr>
-            <a:picLocks noChangeAspect="1" noChangeArrowheads="1"/>
-          </p:cNvPicPr>
-          <p:nvPr/>
-        </p:nvPicPr>
-        <p:blipFill>
-          <a:blip r:embed="rId2">
-            <a:extLst>
-              <a:ext uri="{28A0092B-C50C-407E-A947-70E740481C1C}">
-                <a14:useLocalDpi xmlns:a14="http://schemas.microsoft.com/office/drawing/2010/main" val="0"/>
-              </a:ext>
-            </a:extLst>
-          </a:blip>
-          <a:srcRect/>
-          <a:stretch>
-            <a:fillRect/>
-          </a:stretch>
-        </p:blipFill>
-        <p:spPr bwMode="auto">
-          <a:xfrm>
-            <a:off x="449436" y="2125266"/>
-            <a:ext cx="2482360" cy="3574598"/>
-          </a:xfrm>
-          <a:prstGeom prst="rect">
-            <a:avLst/>
-          </a:prstGeom>
-          <a:noFill/>
-          <a:extLst>
-            <a:ext uri="{909E8E84-426E-40DD-AFC4-6F175D3DCCD1}">
-              <a14:hiddenFill xmlns:a14="http://schemas.microsoft.com/office/drawing/2010/main">
-                <a:solidFill>
-                  <a:srgbClr val="FFFFFF"/>
-                </a:solidFill>
-              </a14:hiddenFill>
-            </a:ext>
-          </a:extLst>
-        </p:spPr>
-      </p:pic>
       <p:sp>
         <p:nvSpPr>
           <p:cNvPr id="5" name="左右箭头 16"/>
@@ -7198,7 +7178,7 @@
         </p:nvSpPr>
         <p:spPr>
           <a:xfrm>
-            <a:off x="2931796" y="3659525"/>
+            <a:off x="3089470" y="3700001"/>
             <a:ext cx="912713" cy="384966"/>
           </a:xfrm>
           <a:prstGeom prst="leftRightArrow">
@@ -7239,7 +7219,7 @@
           <p:nvPr/>
         </p:nvPicPr>
         <p:blipFill>
-          <a:blip r:embed="rId3"/>
+          <a:blip r:embed="rId2"/>
           <a:stretch>
             <a:fillRect/>
           </a:stretch>
@@ -7252,6 +7232,47 @@
           <a:prstGeom prst="rect">
             <a:avLst/>
           </a:prstGeom>
+        </p:spPr>
+      </p:pic>
+      <p:pic>
+        <p:nvPicPr>
+          <p:cNvPr id="7" name="Picture 2" descr="http://img.bestsampleresume.com/img1/Software-Developer-Resume.gif"/>
+          <p:cNvPicPr>
+            <a:picLocks noChangeAspect="1" noChangeArrowheads="1"/>
+          </p:cNvPicPr>
+          <p:nvPr/>
+        </p:nvPicPr>
+        <p:blipFill>
+          <a:blip r:embed="rId3">
+            <a:extLst>
+              <a:ext uri="{28A0092B-C50C-407E-A947-70E740481C1C}">
+                <a14:useLocalDpi xmlns:a14="http://schemas.microsoft.com/office/drawing/2010/main" val="0"/>
+              </a:ext>
+            </a:extLst>
+          </a:blip>
+          <a:srcRect/>
+          <a:stretch>
+            <a:fillRect/>
+          </a:stretch>
+        </p:blipFill>
+        <p:spPr bwMode="auto">
+          <a:xfrm>
+            <a:off x="186277" y="2142060"/>
+            <a:ext cx="2903193" cy="3885813"/>
+          </a:xfrm>
+          <a:prstGeom prst="rect">
+            <a:avLst/>
+          </a:prstGeom>
+          <a:noFill/>
+          <a:extLst>
+            <a:ext uri="{909E8E84-426E-40DD-AFC4-6F175D3DCCD1}">
+              <a14:hiddenFill xmlns:a14="http://schemas.microsoft.com/office/drawing/2010/main">
+                <a:solidFill>
+                  <a:srgbClr val="FFFFFF"/>
+                </a:solidFill>
+              </a14:hiddenFill>
+            </a:ext>
+          </a:extLst>
         </p:spPr>
       </p:pic>
     </p:spTree>
@@ -7988,6 +8009,13 @@
       <p:transition spd="slow"/>
     </mc:Fallback>
   </mc:AlternateContent>
+  <p:timing>
+    <p:tnLst>
+      <p:par>
+        <p:cTn id="1" dur="indefinite" restart="never" nodeType="tmRoot"/>
+      </p:par>
+    </p:tnLst>
+  </p:timing>
 </p:sld>
 </file>
 
@@ -8087,6 +8115,13 @@
       <p:transition spd="slow"/>
     </mc:Fallback>
   </mc:AlternateContent>
+  <p:timing>
+    <p:tnLst>
+      <p:par>
+        <p:cTn id="1" dur="indefinite" restart="never" nodeType="tmRoot"/>
+      </p:par>
+    </p:tnLst>
+  </p:timing>
 </p:sld>
 </file>
 
@@ -8199,6 +8234,13 @@
       <p:transition spd="slow"/>
     </mc:Fallback>
   </mc:AlternateContent>
+  <p:timing>
+    <p:tnLst>
+      <p:par>
+        <p:cTn id="1" dur="indefinite" restart="never" nodeType="tmRoot"/>
+      </p:par>
+    </p:tnLst>
+  </p:timing>
 </p:sld>
 </file>
 
@@ -8270,6 +8312,13 @@
       <p:transition spd="slow"/>
     </mc:Fallback>
   </mc:AlternateContent>
+  <p:timing>
+    <p:tnLst>
+      <p:par>
+        <p:cTn id="1" dur="indefinite" restart="never" nodeType="tmRoot"/>
+      </p:par>
+    </p:tnLst>
+  </p:timing>
 </p:sld>
 </file>
 
@@ -8405,6 +8454,13 @@
       <p:transition spd="slow"/>
     </mc:Fallback>
   </mc:AlternateContent>
+  <p:timing>
+    <p:tnLst>
+      <p:par>
+        <p:cTn id="1" dur="indefinite" restart="never" nodeType="tmRoot"/>
+      </p:par>
+    </p:tnLst>
+  </p:timing>
 </p:sld>
 </file>
 
@@ -8777,6 +8833,13 @@
       <p:transition spd="slow"/>
     </mc:Fallback>
   </mc:AlternateContent>
+  <p:timing>
+    <p:tnLst>
+      <p:par>
+        <p:cTn id="1" dur="indefinite" restart="never" nodeType="tmRoot"/>
+      </p:par>
+    </p:tnLst>
+  </p:timing>
 </p:sld>
 </file>
 
@@ -8834,22 +8897,52 @@
           </a:p>
           <a:p>
             <a:r>
-              <a:rPr lang="en-US" sz="2400" dirty="0" err="1"/>
+              <a:rPr lang="en-US" sz="2400" dirty="0" err="1">
+                <a:solidFill>
+                  <a:schemeClr val="accent6"/>
+                </a:solidFill>
+                <a:latin typeface="Dotum" panose="020B0600000101010101" pitchFamily="34" charset="-127"/>
+                <a:ea typeface="Dotum" panose="020B0600000101010101" pitchFamily="34" charset="-127"/>
+              </a:rPr>
               <a:t>seqMatcher</a:t>
             </a:r>
             <a:r>
-              <a:rPr lang="en-US" sz="2400" dirty="0"/>
+              <a:rPr lang="en-US" sz="2400" dirty="0">
+                <a:solidFill>
+                  <a:schemeClr val="accent6"/>
+                </a:solidFill>
+                <a:latin typeface="Dotum" panose="020B0600000101010101" pitchFamily="34" charset="-127"/>
+                <a:ea typeface="Dotum" panose="020B0600000101010101" pitchFamily="34" charset="-127"/>
+              </a:rPr>
               <a:t> = </a:t>
             </a:r>
             <a:r>
-              <a:rPr lang="en-US" sz="2400" dirty="0" err="1"/>
+              <a:rPr lang="en-US" sz="2400" dirty="0" err="1">
+                <a:solidFill>
+                  <a:schemeClr val="accent6"/>
+                </a:solidFill>
+                <a:latin typeface="Dotum" panose="020B0600000101010101" pitchFamily="34" charset="-127"/>
+                <a:ea typeface="Dotum" panose="020B0600000101010101" pitchFamily="34" charset="-127"/>
+              </a:rPr>
               <a:t>parser.parse</a:t>
             </a:r>
-            <a:endParaRPr lang="en-US" sz="2400" dirty="0"/>
-          </a:p>
-          <a:p>
-            <a:r>
-              <a:rPr lang="en-US" sz="2400" dirty="0"/>
+            <a:endParaRPr lang="en-US" sz="2400" dirty="0">
+              <a:solidFill>
+                <a:schemeClr val="accent6"/>
+              </a:solidFill>
+              <a:latin typeface="Dotum" panose="020B0600000101010101" pitchFamily="34" charset="-127"/>
+              <a:ea typeface="Dotum" panose="020B0600000101010101" pitchFamily="34" charset="-127"/>
+            </a:endParaRPr>
+          </a:p>
+          <a:p>
+            <a:r>
+              <a:rPr lang="en-US" sz="2400" dirty="0">
+                <a:solidFill>
+                  <a:schemeClr val="accent6"/>
+                </a:solidFill>
+                <a:latin typeface="Dotum" panose="020B0600000101010101" pitchFamily="34" charset="-127"/>
+                <a:ea typeface="Dotum" panose="020B0600000101010101" pitchFamily="34" charset="-127"/>
+              </a:rPr>
               <a:t>    ( “ DE_LEVEL (, DE_LEVEL)* (or DE_LEVEL)? DEGREE”)</a:t>
             </a:r>
           </a:p>
@@ -8922,6 +9015,13 @@
       <p:transition spd="slow"/>
     </mc:Fallback>
   </mc:AlternateContent>
+  <p:timing>
+    <p:tnLst>
+      <p:par>
+        <p:cTn id="1" dur="indefinite" restart="never" nodeType="tmRoot"/>
+      </p:par>
+    </p:tnLst>
+  </p:timing>
 </p:sld>
 </file>
 
@@ -8964,35 +9064,84 @@
           </a:bodyPr>
           <a:lstStyle/>
           <a:p>
-            <a:r>
-              <a:rPr lang="en-US" sz="2600" dirty="0" smtClean="0"/>
+            <a:pPr marL="514350" indent="-514350">
+              <a:buFont typeface="+mj-lt"/>
+              <a:buAutoNum type="arabicPeriod"/>
+            </a:pPr>
+            <a:r>
+              <a:rPr lang="en-US" sz="2600" dirty="0" smtClean="0">
+                <a:latin typeface="MS PMincho" panose="02020600040205080304" pitchFamily="18" charset="-128"/>
+                <a:ea typeface="MS PMincho" panose="02020600040205080304" pitchFamily="18" charset="-128"/>
+              </a:rPr>
               <a:t>Bachelors degree in Computer or Information Systems</a:t>
             </a:r>
           </a:p>
           <a:p>
-            <a:endParaRPr lang="en-US" sz="2600" dirty="0" smtClean="0"/>
-          </a:p>
-          <a:p>
-            <a:r>
-              <a:rPr lang="en-US" sz="2600" dirty="0" smtClean="0"/>
+            <a:pPr marL="514350" indent="-514350">
+              <a:buFont typeface="+mj-lt"/>
+              <a:buAutoNum type="arabicPeriod"/>
+            </a:pPr>
+            <a:endParaRPr lang="en-US" sz="2600" dirty="0" smtClean="0">
+              <a:latin typeface="MS PMincho" panose="02020600040205080304" pitchFamily="18" charset="-128"/>
+              <a:ea typeface="MS PMincho" panose="02020600040205080304" pitchFamily="18" charset="-128"/>
+            </a:endParaRPr>
+          </a:p>
+          <a:p>
+            <a:pPr marL="514350" indent="-514350">
+              <a:buFont typeface="+mj-lt"/>
+              <a:buAutoNum type="arabicPeriod"/>
+            </a:pPr>
+            <a:r>
+              <a:rPr lang="en-US" sz="2600" dirty="0" smtClean="0">
+                <a:latin typeface="MS PMincho" panose="02020600040205080304" pitchFamily="18" charset="-128"/>
+                <a:ea typeface="MS PMincho" panose="02020600040205080304" pitchFamily="18" charset="-128"/>
+              </a:rPr>
               <a:t>BS or MS in computer science or similar degree </a:t>
             </a:r>
           </a:p>
           <a:p>
-            <a:endParaRPr lang="en-US" sz="2600" dirty="0" smtClean="0"/>
-          </a:p>
-          <a:p>
-            <a:r>
-              <a:rPr lang="en-US" sz="2600" dirty="0" smtClean="0"/>
+            <a:pPr marL="514350" indent="-514350">
+              <a:buFont typeface="+mj-lt"/>
+              <a:buAutoNum type="arabicPeriod"/>
+            </a:pPr>
+            <a:endParaRPr lang="en-US" sz="2600" dirty="0" smtClean="0">
+              <a:latin typeface="MS PMincho" panose="02020600040205080304" pitchFamily="18" charset="-128"/>
+              <a:ea typeface="MS PMincho" panose="02020600040205080304" pitchFamily="18" charset="-128"/>
+            </a:endParaRPr>
+          </a:p>
+          <a:p>
+            <a:pPr marL="514350" indent="-514350">
+              <a:buFont typeface="+mj-lt"/>
+              <a:buAutoNum type="arabicPeriod"/>
+            </a:pPr>
+            <a:r>
+              <a:rPr lang="en-US" sz="2600" dirty="0" smtClean="0">
+                <a:latin typeface="MS PMincho" panose="02020600040205080304" pitchFamily="18" charset="-128"/>
+                <a:ea typeface="MS PMincho" panose="02020600040205080304" pitchFamily="18" charset="-128"/>
+              </a:rPr>
               <a:t>MS/PhD Degree in Computer, Science, Engineering or Finance from top institution. </a:t>
             </a:r>
           </a:p>
           <a:p>
-            <a:endParaRPr lang="en-US" sz="2600" dirty="0" smtClean="0"/>
-          </a:p>
-          <a:p>
-            <a:r>
-              <a:rPr lang="en-US" sz="2600" dirty="0" smtClean="0"/>
+            <a:pPr marL="514350" indent="-514350">
+              <a:buFont typeface="+mj-lt"/>
+              <a:buAutoNum type="arabicPeriod"/>
+            </a:pPr>
+            <a:endParaRPr lang="en-US" sz="2600" dirty="0" smtClean="0">
+              <a:latin typeface="MS PMincho" panose="02020600040205080304" pitchFamily="18" charset="-128"/>
+              <a:ea typeface="MS PMincho" panose="02020600040205080304" pitchFamily="18" charset="-128"/>
+            </a:endParaRPr>
+          </a:p>
+          <a:p>
+            <a:pPr marL="514350" indent="-514350">
+              <a:buFont typeface="+mj-lt"/>
+              <a:buAutoNum type="arabicPeriod"/>
+            </a:pPr>
+            <a:r>
+              <a:rPr lang="en-US" sz="2600" dirty="0" smtClean="0">
+                <a:latin typeface="MS PMincho" panose="02020600040205080304" pitchFamily="18" charset="-128"/>
+                <a:ea typeface="MS PMincho" panose="02020600040205080304" pitchFamily="18" charset="-128"/>
+              </a:rPr>
               <a:t>Requires a minimum of bachelors degree in a related, field or foreign equivalent.</a:t>
             </a:r>
           </a:p>
@@ -9029,11 +9178,6 @@
               </a:rPr>
               <a:t>Regular Expression Over Tokens</a:t>
             </a:r>
-            <a:endParaRPr lang="en-US" dirty="0">
-              <a:solidFill>
-                <a:schemeClr val="tx1"/>
-              </a:solidFill>
-            </a:endParaRPr>
           </a:p>
         </p:txBody>
       </p:sp>
@@ -10438,11 +10582,11 @@
   <p:clrMapOvr>
     <a:masterClrMapping/>
   </p:clrMapOvr>
-  <mc:AlternateContent xmlns:mc="http://schemas.openxmlformats.org/markup-compatibility/2006">
-    <mc:Choice xmlns:p14="http://schemas.microsoft.com/office/powerpoint/2010/main" Requires="p14">
+  <mc:AlternateContent xmlns:mc="http://schemas.openxmlformats.org/markup-compatibility/2006" xmlns:p14="http://schemas.microsoft.com/office/powerpoint/2010/main">
+    <mc:Choice Requires="p14">
       <p:transition spd="slow" p14:dur="2000"/>
     </mc:Choice>
-    <mc:Fallback>
+    <mc:Fallback xmlns="">
       <p:transition spd="slow"/>
     </mc:Fallback>
   </mc:AlternateContent>
@@ -10546,31 +10690,7 @@
                   <a:schemeClr val="tx1"/>
                 </a:solidFill>
               </a:rPr>
-              <a:t>DEGREE IN   </a:t>
-            </a:r>
-            <a:r>
-              <a:rPr lang="en-US" dirty="0" smtClean="0">
-                <a:solidFill>
-                  <a:schemeClr val="tx1"/>
-                </a:solidFill>
-              </a:rPr>
-              <a:t>(OR </a:t>
-            </a:r>
-            <a:r>
-              <a:rPr lang="en-US" dirty="0" smtClean="0">
-                <a:solidFill>
-                  <a:schemeClr val="tx1"/>
-                </a:solidFill>
-              </a:rPr>
-              <a:t>MAJOR)</a:t>
-            </a:r>
-            <a:r>
-              <a:rPr lang="en-US" dirty="0" smtClean="0">
-                <a:solidFill>
-                  <a:schemeClr val="tx1"/>
-                </a:solidFill>
-              </a:rPr>
-              <a:t> ?</a:t>
+              <a:t>DEGREE IN   (OR MAJOR) ?</a:t>
             </a:r>
             <a:endParaRPr lang="en-US" dirty="0">
               <a:solidFill>
@@ -11187,11 +11307,6 @@
               </a:rPr>
               <a:t>Implementation of Regular Expression Over Tokens </a:t>
             </a:r>
-            <a:endParaRPr lang="en-US" dirty="0">
-              <a:solidFill>
-                <a:schemeClr val="tx1"/>
-              </a:solidFill>
-            </a:endParaRPr>
           </a:p>
         </p:txBody>
       </p:sp>
@@ -11205,11 +11320,11 @@
   <p:clrMapOvr>
     <a:masterClrMapping/>
   </p:clrMapOvr>
-  <mc:AlternateContent xmlns:mc="http://schemas.openxmlformats.org/markup-compatibility/2006">
-    <mc:Choice xmlns:p14="http://schemas.microsoft.com/office/powerpoint/2010/main" Requires="p14">
+  <mc:AlternateContent xmlns:mc="http://schemas.openxmlformats.org/markup-compatibility/2006" xmlns:p14="http://schemas.microsoft.com/office/powerpoint/2010/main">
+    <mc:Choice Requires="p14">
       <p:transition spd="slow" p14:dur="2000"/>
     </mc:Choice>
-    <mc:Fallback>
+    <mc:Fallback xmlns="">
       <p:transition spd="slow"/>
     </mc:Fallback>
   </mc:AlternateContent>
@@ -11596,15 +11711,7 @@
             </a:r>
             <a:r>
               <a:rPr lang="en-US" sz="2800" dirty="0" smtClean="0"/>
-              <a:t>] – output the </a:t>
-            </a:r>
-            <a:r>
-              <a:rPr lang="en-US" sz="2800" dirty="0" smtClean="0"/>
-              <a:t>first layer </a:t>
-            </a:r>
-            <a:r>
-              <a:rPr lang="en-US" sz="2800" dirty="0" smtClean="0"/>
-              <a:t>label</a:t>
+              <a:t>] – output the first layer label</a:t>
             </a:r>
           </a:p>
           <a:p>
@@ -11658,11 +11765,11 @@
   <p:clrMapOvr>
     <a:masterClrMapping/>
   </p:clrMapOvr>
-  <mc:AlternateContent xmlns:mc="http://schemas.openxmlformats.org/markup-compatibility/2006">
-    <mc:Choice xmlns:p14="http://schemas.microsoft.com/office/powerpoint/2010/main" Requires="p14">
+  <mc:AlternateContent xmlns:mc="http://schemas.openxmlformats.org/markup-compatibility/2006" xmlns:p14="http://schemas.microsoft.com/office/powerpoint/2010/main">
+    <mc:Choice Requires="p14">
       <p:transition spd="slow" p14:dur="2000"/>
     </mc:Choice>
-    <mc:Fallback>
+    <mc:Fallback xmlns="">
       <p:transition spd="slow"/>
     </mc:Fallback>
   </mc:AlternateContent>
@@ -11719,7 +11826,38 @@
                   <a:schemeClr val="tx1"/>
                 </a:solidFill>
               </a:rPr>
-              <a:t>Flexibility --  regular expression style </a:t>
+              <a:t>Flexibility </a:t>
+            </a:r>
+            <a:r>
+              <a:rPr lang="en-US" sz="3600" dirty="0" smtClean="0">
+                <a:solidFill>
+                  <a:schemeClr val="tx1"/>
+                </a:solidFill>
+              </a:rPr>
+              <a:t/>
+            </a:r>
+            <a:br>
+              <a:rPr lang="en-US" sz="3600" dirty="0" smtClean="0">
+                <a:solidFill>
+                  <a:schemeClr val="tx1"/>
+                </a:solidFill>
+              </a:rPr>
+            </a:br>
+            <a:r>
+              <a:rPr lang="en-US" sz="3600" dirty="0" smtClean="0">
+                <a:solidFill>
+                  <a:schemeClr val="tx1"/>
+                </a:solidFill>
+              </a:rPr>
+              <a:t>–  </a:t>
+            </a:r>
+            <a:r>
+              <a:rPr lang="en-US" sz="3600" dirty="0" smtClean="0">
+                <a:solidFill>
+                  <a:schemeClr val="tx1"/>
+                </a:solidFill>
+              </a:rPr>
+              <a:t>regular expression style </a:t>
             </a:r>
             <a:endParaRPr lang="en-US" sz="3600" dirty="0">
               <a:solidFill>
@@ -11876,64 +12014,161 @@
             </a:r>
           </a:p>
           <a:p>
-            <a:r>
-              <a:rPr lang="en-US" sz="2400" dirty="0" err="1" smtClean="0"/>
+            <a:endParaRPr lang="en-US" sz="2400" dirty="0" smtClean="0">
+              <a:solidFill>
+                <a:schemeClr val="accent6"/>
+              </a:solidFill>
+            </a:endParaRPr>
+          </a:p>
+          <a:p>
+            <a:r>
+              <a:rPr lang="en-US" sz="2400" dirty="0" err="1" smtClean="0">
+                <a:solidFill>
+                  <a:schemeClr val="accent6"/>
+                </a:solidFill>
+                <a:latin typeface="MS PMincho" panose="02020600040205080304" pitchFamily="18" charset="-128"/>
+                <a:ea typeface="MS PMincho" panose="02020600040205080304" pitchFamily="18" charset="-128"/>
+              </a:rPr>
               <a:t>seqMatcher</a:t>
             </a:r>
             <a:r>
-              <a:rPr lang="en-US" sz="2400" dirty="0" smtClean="0"/>
+              <a:rPr lang="en-US" sz="2400" dirty="0" smtClean="0">
+                <a:solidFill>
+                  <a:schemeClr val="accent6"/>
+                </a:solidFill>
+                <a:latin typeface="MS PMincho" panose="02020600040205080304" pitchFamily="18" charset="-128"/>
+                <a:ea typeface="MS PMincho" panose="02020600040205080304" pitchFamily="18" charset="-128"/>
+              </a:rPr>
               <a:t> </a:t>
             </a:r>
             <a:r>
-              <a:rPr lang="en-US" sz="2400" dirty="0"/>
+              <a:rPr lang="en-US" sz="2400" dirty="0">
+                <a:solidFill>
+                  <a:schemeClr val="accent6"/>
+                </a:solidFill>
+                <a:latin typeface="MS PMincho" panose="02020600040205080304" pitchFamily="18" charset="-128"/>
+                <a:ea typeface="MS PMincho" panose="02020600040205080304" pitchFamily="18" charset="-128"/>
+              </a:rPr>
               <a:t>= </a:t>
             </a:r>
             <a:r>
-              <a:rPr lang="en-US" sz="2400" dirty="0" err="1"/>
+              <a:rPr lang="en-US" sz="2400" dirty="0" err="1">
+                <a:solidFill>
+                  <a:schemeClr val="accent6"/>
+                </a:solidFill>
+                <a:latin typeface="MS PMincho" panose="02020600040205080304" pitchFamily="18" charset="-128"/>
+                <a:ea typeface="MS PMincho" panose="02020600040205080304" pitchFamily="18" charset="-128"/>
+              </a:rPr>
               <a:t>UnitMatcher</a:t>
             </a:r>
             <a:r>
-              <a:rPr lang="en-US" sz="2400" dirty="0"/>
+              <a:rPr lang="en-US" sz="2400" dirty="0">
+                <a:solidFill>
+                  <a:schemeClr val="accent6"/>
+                </a:solidFill>
+                <a:latin typeface="MS PMincho" panose="02020600040205080304" pitchFamily="18" charset="-128"/>
+                <a:ea typeface="MS PMincho" panose="02020600040205080304" pitchFamily="18" charset="-128"/>
+              </a:rPr>
               <a:t>(”DE-LEVEL”) </a:t>
             </a:r>
             <a:r>
-              <a:rPr lang="en-US" sz="2400" dirty="0" smtClean="0"/>
+              <a:rPr lang="en-US" sz="2400" dirty="0" smtClean="0">
+                <a:solidFill>
+                  <a:schemeClr val="accent6"/>
+                </a:solidFill>
+                <a:latin typeface="MS PMincho" panose="02020600040205080304" pitchFamily="18" charset="-128"/>
+                <a:ea typeface="MS PMincho" panose="02020600040205080304" pitchFamily="18" charset="-128"/>
+              </a:rPr>
               <a:t>+ </a:t>
             </a:r>
             <a:r>
-              <a:rPr lang="en-US" sz="2400" dirty="0" err="1" smtClean="0"/>
+              <a:rPr lang="en-US" sz="2400" dirty="0" err="1" smtClean="0">
+                <a:solidFill>
+                  <a:schemeClr val="accent6"/>
+                </a:solidFill>
+                <a:latin typeface="MS PMincho" panose="02020600040205080304" pitchFamily="18" charset="-128"/>
+                <a:ea typeface="MS PMincho" panose="02020600040205080304" pitchFamily="18" charset="-128"/>
+              </a:rPr>
               <a:t>UnitMatcher</a:t>
             </a:r>
             <a:r>
-              <a:rPr lang="en-US" sz="2400" dirty="0"/>
+              <a:rPr lang="en-US" sz="2400" dirty="0">
+                <a:solidFill>
+                  <a:schemeClr val="accent6"/>
+                </a:solidFill>
+                <a:latin typeface="MS PMincho" panose="02020600040205080304" pitchFamily="18" charset="-128"/>
+                <a:ea typeface="MS PMincho" panose="02020600040205080304" pitchFamily="18" charset="-128"/>
+              </a:rPr>
               <a:t>(”DEGREE”) </a:t>
             </a:r>
             <a:r>
-              <a:rPr lang="en-US" sz="2400" dirty="0" smtClean="0"/>
+              <a:rPr lang="en-US" sz="2400" dirty="0" smtClean="0">
+                <a:solidFill>
+                  <a:schemeClr val="accent6"/>
+                </a:solidFill>
+                <a:latin typeface="MS PMincho" panose="02020600040205080304" pitchFamily="18" charset="-128"/>
+                <a:ea typeface="MS PMincho" panose="02020600040205080304" pitchFamily="18" charset="-128"/>
+              </a:rPr>
               <a:t>+ ( </a:t>
             </a:r>
             <a:r>
-              <a:rPr lang="en-US" sz="2400" dirty="0" err="1"/>
+              <a:rPr lang="en-US" sz="2400" dirty="0" err="1">
+                <a:solidFill>
+                  <a:schemeClr val="accent6"/>
+                </a:solidFill>
+                <a:latin typeface="MS PMincho" panose="02020600040205080304" pitchFamily="18" charset="-128"/>
+                <a:ea typeface="MS PMincho" panose="02020600040205080304" pitchFamily="18" charset="-128"/>
+              </a:rPr>
               <a:t>UnitMatcher</a:t>
             </a:r>
             <a:r>
-              <a:rPr lang="en-US" sz="2400" dirty="0"/>
+              <a:rPr lang="en-US" sz="2400" dirty="0">
+                <a:solidFill>
+                  <a:schemeClr val="accent6"/>
+                </a:solidFill>
+                <a:latin typeface="MS PMincho" panose="02020600040205080304" pitchFamily="18" charset="-128"/>
+                <a:ea typeface="MS PMincho" panose="02020600040205080304" pitchFamily="18" charset="-128"/>
+              </a:rPr>
               <a:t>(”IN”) | </a:t>
             </a:r>
             <a:r>
-              <a:rPr lang="en-US" sz="2400" dirty="0" err="1"/>
+              <a:rPr lang="en-US" sz="2400" dirty="0" err="1">
+                <a:solidFill>
+                  <a:schemeClr val="accent6"/>
+                </a:solidFill>
+                <a:latin typeface="MS PMincho" panose="02020600040205080304" pitchFamily="18" charset="-128"/>
+                <a:ea typeface="MS PMincho" panose="02020600040205080304" pitchFamily="18" charset="-128"/>
+              </a:rPr>
               <a:t>UnitMatcher</a:t>
             </a:r>
             <a:r>
-              <a:rPr lang="en-US" sz="2400" dirty="0"/>
+              <a:rPr lang="en-US" sz="2400" dirty="0">
+                <a:solidFill>
+                  <a:schemeClr val="accent6"/>
+                </a:solidFill>
+                <a:latin typeface="MS PMincho" panose="02020600040205080304" pitchFamily="18" charset="-128"/>
+                <a:ea typeface="MS PMincho" panose="02020600040205080304" pitchFamily="18" charset="-128"/>
+              </a:rPr>
               <a:t>(”OF” ) ) + </a:t>
             </a:r>
             <a:r>
-              <a:rPr lang="en-US" sz="2400" dirty="0" err="1"/>
+              <a:rPr lang="en-US" sz="2400" dirty="0" err="1">
+                <a:solidFill>
+                  <a:schemeClr val="accent6"/>
+                </a:solidFill>
+                <a:latin typeface="MS PMincho" panose="02020600040205080304" pitchFamily="18" charset="-128"/>
+                <a:ea typeface="MS PMincho" panose="02020600040205080304" pitchFamily="18" charset="-128"/>
+              </a:rPr>
               <a:t>UnitMatcher</a:t>
             </a:r>
             <a:r>
-              <a:rPr lang="en-US" sz="2400" dirty="0"/>
+              <a:rPr lang="en-US" sz="2400" dirty="0">
+                <a:solidFill>
+                  <a:schemeClr val="accent6"/>
+                </a:solidFill>
+                <a:latin typeface="MS PMincho" panose="02020600040205080304" pitchFamily="18" charset="-128"/>
+                <a:ea typeface="MS PMincho" panose="02020600040205080304" pitchFamily="18" charset="-128"/>
+              </a:rPr>
               <a:t>(”MAJOR”)</a:t>
             </a:r>
           </a:p>
@@ -11952,7 +12187,7 @@
         <p:spPr>
           <a:xfrm>
             <a:off x="724437" y="1066800"/>
-            <a:ext cx="7343775" cy="994172"/>
+            <a:ext cx="7657563" cy="994172"/>
           </a:xfrm>
         </p:spPr>
         <p:txBody>
@@ -11967,7 +12202,30 @@
                   <a:schemeClr val="tx1"/>
                 </a:solidFill>
               </a:rPr>
-              <a:t>Flexibility -- </a:t>
+              <a:t>Flexibility </a:t>
+            </a:r>
+            <a:r>
+              <a:rPr lang="en-US" dirty="0">
+                <a:solidFill>
+                  <a:schemeClr val="tx1"/>
+                </a:solidFill>
+              </a:rPr>
+              <a:t/>
+            </a:r>
+            <a:br>
+              <a:rPr lang="en-US" dirty="0">
+                <a:solidFill>
+                  <a:schemeClr val="tx1"/>
+                </a:solidFill>
+              </a:rPr>
+            </a:br>
+            <a:r>
+              <a:rPr lang="en-US" dirty="0">
+                <a:solidFill>
+                  <a:schemeClr val="tx1"/>
+                </a:solidFill>
+              </a:rPr>
+              <a:t>–</a:t>
             </a:r>
             <a:r>
               <a:rPr lang="en-US" dirty="0" smtClean="0">
@@ -11975,7 +12233,7 @@
                   <a:schemeClr val="tx1"/>
                 </a:solidFill>
               </a:rPr>
-              <a:t>connected by algebra </a:t>
+              <a:t> </a:t>
             </a:r>
             <a:r>
               <a:rPr lang="en-US" dirty="0" smtClean="0">
@@ -11983,7 +12241,7 @@
                   <a:schemeClr val="tx1"/>
                 </a:solidFill>
               </a:rPr>
-              <a:t>operators</a:t>
+              <a:t>connected by algebra operators</a:t>
             </a:r>
             <a:endParaRPr lang="en-US" dirty="0">
               <a:solidFill>
@@ -12074,7 +12332,30 @@
                   <a:schemeClr val="tx1"/>
                 </a:solidFill>
               </a:rPr>
-              <a:t>– OO programming style</a:t>
+              <a:t/>
+            </a:r>
+            <a:br>
+              <a:rPr lang="en-US" dirty="0" smtClean="0">
+                <a:solidFill>
+                  <a:schemeClr val="tx1"/>
+                </a:solidFill>
+              </a:rPr>
+            </a:br>
+            <a:r>
+              <a:rPr lang="en-US" dirty="0" smtClean="0">
+                <a:solidFill>
+                  <a:schemeClr val="tx1"/>
+                </a:solidFill>
+              </a:rPr>
+              <a:t>– </a:t>
+            </a:r>
+            <a:r>
+              <a:rPr lang="en-US" dirty="0" smtClean="0">
+                <a:solidFill>
+                  <a:schemeClr val="tx1"/>
+                </a:solidFill>
+              </a:rPr>
+              <a:t>OO programming style</a:t>
             </a:r>
             <a:endParaRPr lang="en-US" dirty="0">
               <a:solidFill>
@@ -12142,24 +12423,30 @@
             <a:r>
               <a:rPr lang="en-US" sz="2400" dirty="0">
                 <a:solidFill>
-                  <a:schemeClr val="tx1"/>
-                </a:solidFill>
+                  <a:schemeClr val="accent6"/>
+                </a:solidFill>
+                <a:latin typeface="MS PMincho" panose="02020600040205080304" pitchFamily="18" charset="-128"/>
+                <a:ea typeface="MS PMincho" panose="02020600040205080304" pitchFamily="18" charset="-128"/>
               </a:rPr>
               <a:t>matcher1 = </a:t>
             </a:r>
             <a:r>
               <a:rPr lang="en-US" sz="2400" dirty="0" err="1">
                 <a:solidFill>
-                  <a:schemeClr val="tx1"/>
-                </a:solidFill>
+                  <a:schemeClr val="accent6"/>
+                </a:solidFill>
+                <a:latin typeface="MS PMincho" panose="02020600040205080304" pitchFamily="18" charset="-128"/>
+                <a:ea typeface="MS PMincho" panose="02020600040205080304" pitchFamily="18" charset="-128"/>
               </a:rPr>
               <a:t>UnitMatcher</a:t>
             </a:r>
             <a:r>
               <a:rPr lang="en-US" sz="2400" dirty="0">
                 <a:solidFill>
-                  <a:schemeClr val="tx1"/>
-                </a:solidFill>
+                  <a:schemeClr val="accent6"/>
+                </a:solidFill>
+                <a:latin typeface="MS PMincho" panose="02020600040205080304" pitchFamily="18" charset="-128"/>
+                <a:ea typeface="MS PMincho" panose="02020600040205080304" pitchFamily="18" charset="-128"/>
               </a:rPr>
               <a:t>(”DE-LEVEL”)</a:t>
             </a:r>
@@ -12168,24 +12455,30 @@
             <a:r>
               <a:rPr lang="en-US" sz="2400" dirty="0">
                 <a:solidFill>
-                  <a:schemeClr val="tx1"/>
-                </a:solidFill>
+                  <a:schemeClr val="accent6"/>
+                </a:solidFill>
+                <a:latin typeface="MS PMincho" panose="02020600040205080304" pitchFamily="18" charset="-128"/>
+                <a:ea typeface="MS PMincho" panose="02020600040205080304" pitchFamily="18" charset="-128"/>
               </a:rPr>
               <a:t>matcher2 = </a:t>
             </a:r>
             <a:r>
               <a:rPr lang="en-US" sz="2400" dirty="0" err="1">
                 <a:solidFill>
-                  <a:schemeClr val="tx1"/>
-                </a:solidFill>
+                  <a:schemeClr val="accent6"/>
+                </a:solidFill>
+                <a:latin typeface="MS PMincho" panose="02020600040205080304" pitchFamily="18" charset="-128"/>
+                <a:ea typeface="MS PMincho" panose="02020600040205080304" pitchFamily="18" charset="-128"/>
               </a:rPr>
               <a:t>UnitMatcher</a:t>
             </a:r>
             <a:r>
               <a:rPr lang="en-US" sz="2400" dirty="0">
                 <a:solidFill>
-                  <a:schemeClr val="tx1"/>
-                </a:solidFill>
+                  <a:schemeClr val="accent6"/>
+                </a:solidFill>
+                <a:latin typeface="MS PMincho" panose="02020600040205080304" pitchFamily="18" charset="-128"/>
+                <a:ea typeface="MS PMincho" panose="02020600040205080304" pitchFamily="18" charset="-128"/>
               </a:rPr>
               <a:t>(”DEGREE”)</a:t>
             </a:r>
@@ -12194,24 +12487,30 @@
             <a:r>
               <a:rPr lang="en-US" sz="2400" dirty="0">
                 <a:solidFill>
-                  <a:schemeClr val="tx1"/>
-                </a:solidFill>
+                  <a:schemeClr val="accent6"/>
+                </a:solidFill>
+                <a:latin typeface="MS PMincho" panose="02020600040205080304" pitchFamily="18" charset="-128"/>
+                <a:ea typeface="MS PMincho" panose="02020600040205080304" pitchFamily="18" charset="-128"/>
               </a:rPr>
               <a:t>matcher3 = </a:t>
             </a:r>
             <a:r>
               <a:rPr lang="en-US" sz="2400" dirty="0" err="1">
                 <a:solidFill>
-                  <a:schemeClr val="tx1"/>
-                </a:solidFill>
+                  <a:schemeClr val="accent6"/>
+                </a:solidFill>
+                <a:latin typeface="MS PMincho" panose="02020600040205080304" pitchFamily="18" charset="-128"/>
+                <a:ea typeface="MS PMincho" panose="02020600040205080304" pitchFamily="18" charset="-128"/>
               </a:rPr>
               <a:t>UnitMatcher</a:t>
             </a:r>
             <a:r>
               <a:rPr lang="en-US" sz="2400" dirty="0">
                 <a:solidFill>
-                  <a:schemeClr val="tx1"/>
-                </a:solidFill>
+                  <a:schemeClr val="accent6"/>
+                </a:solidFill>
+                <a:latin typeface="MS PMincho" panose="02020600040205080304" pitchFamily="18" charset="-128"/>
+                <a:ea typeface="MS PMincho" panose="02020600040205080304" pitchFamily="18" charset="-128"/>
               </a:rPr>
               <a:t>(”IN”)</a:t>
             </a:r>
@@ -12220,24 +12519,30 @@
             <a:r>
               <a:rPr lang="en-US" sz="2400" dirty="0">
                 <a:solidFill>
-                  <a:schemeClr val="tx1"/>
-                </a:solidFill>
+                  <a:schemeClr val="accent6"/>
+                </a:solidFill>
+                <a:latin typeface="MS PMincho" panose="02020600040205080304" pitchFamily="18" charset="-128"/>
+                <a:ea typeface="MS PMincho" panose="02020600040205080304" pitchFamily="18" charset="-128"/>
               </a:rPr>
               <a:t>matcher4 = </a:t>
             </a:r>
             <a:r>
               <a:rPr lang="en-US" sz="2400" dirty="0" err="1">
                 <a:solidFill>
-                  <a:schemeClr val="tx1"/>
-                </a:solidFill>
+                  <a:schemeClr val="accent6"/>
+                </a:solidFill>
+                <a:latin typeface="MS PMincho" panose="02020600040205080304" pitchFamily="18" charset="-128"/>
+                <a:ea typeface="MS PMincho" panose="02020600040205080304" pitchFamily="18" charset="-128"/>
               </a:rPr>
               <a:t>UnitMatcher</a:t>
             </a:r>
             <a:r>
               <a:rPr lang="en-US" sz="2400" dirty="0">
                 <a:solidFill>
-                  <a:schemeClr val="tx1"/>
-                </a:solidFill>
+                  <a:schemeClr val="accent6"/>
+                </a:solidFill>
+                <a:latin typeface="MS PMincho" panose="02020600040205080304" pitchFamily="18" charset="-128"/>
+                <a:ea typeface="MS PMincho" panose="02020600040205080304" pitchFamily="18" charset="-128"/>
               </a:rPr>
               <a:t>(”OF”)</a:t>
             </a:r>
@@ -12246,24 +12551,30 @@
             <a:r>
               <a:rPr lang="en-US" sz="2400" dirty="0">
                 <a:solidFill>
-                  <a:schemeClr val="tx1"/>
-                </a:solidFill>
+                  <a:schemeClr val="accent6"/>
+                </a:solidFill>
+                <a:latin typeface="MS PMincho" panose="02020600040205080304" pitchFamily="18" charset="-128"/>
+                <a:ea typeface="MS PMincho" panose="02020600040205080304" pitchFamily="18" charset="-128"/>
               </a:rPr>
               <a:t>matcher5 = </a:t>
             </a:r>
             <a:r>
               <a:rPr lang="en-US" sz="2400" dirty="0" err="1">
                 <a:solidFill>
-                  <a:schemeClr val="tx1"/>
-                </a:solidFill>
+                  <a:schemeClr val="accent6"/>
+                </a:solidFill>
+                <a:latin typeface="MS PMincho" panose="02020600040205080304" pitchFamily="18" charset="-128"/>
+                <a:ea typeface="MS PMincho" panose="02020600040205080304" pitchFamily="18" charset="-128"/>
               </a:rPr>
               <a:t>UnitMatcher</a:t>
             </a:r>
             <a:r>
               <a:rPr lang="en-US" sz="2400" dirty="0">
                 <a:solidFill>
-                  <a:schemeClr val="tx1"/>
-                </a:solidFill>
+                  <a:schemeClr val="accent6"/>
+                </a:solidFill>
+                <a:latin typeface="MS PMincho" panose="02020600040205080304" pitchFamily="18" charset="-128"/>
+                <a:ea typeface="MS PMincho" panose="02020600040205080304" pitchFamily="18" charset="-128"/>
               </a:rPr>
               <a:t>(”MAJOR”)</a:t>
             </a:r>
@@ -12272,24 +12583,30 @@
             <a:r>
               <a:rPr lang="en-US" sz="2400" dirty="0">
                 <a:solidFill>
-                  <a:schemeClr val="tx1"/>
-                </a:solidFill>
+                  <a:schemeClr val="accent6"/>
+                </a:solidFill>
+                <a:latin typeface="MS PMincho" panose="02020600040205080304" pitchFamily="18" charset="-128"/>
+                <a:ea typeface="MS PMincho" panose="02020600040205080304" pitchFamily="18" charset="-128"/>
               </a:rPr>
               <a:t>matcher6 = </a:t>
             </a:r>
             <a:r>
               <a:rPr lang="en-US" sz="2400" dirty="0" err="1">
                 <a:solidFill>
-                  <a:schemeClr val="tx1"/>
-                </a:solidFill>
+                  <a:schemeClr val="accent6"/>
+                </a:solidFill>
+                <a:latin typeface="MS PMincho" panose="02020600040205080304" pitchFamily="18" charset="-128"/>
+                <a:ea typeface="MS PMincho" panose="02020600040205080304" pitchFamily="18" charset="-128"/>
               </a:rPr>
               <a:t>AlternateMatcher</a:t>
             </a:r>
             <a:r>
               <a:rPr lang="en-US" sz="2400" dirty="0">
                 <a:solidFill>
-                  <a:schemeClr val="tx1"/>
-                </a:solidFill>
+                  <a:schemeClr val="accent6"/>
+                </a:solidFill>
+                <a:latin typeface="MS PMincho" panose="02020600040205080304" pitchFamily="18" charset="-128"/>
+                <a:ea typeface="MS PMincho" panose="02020600040205080304" pitchFamily="18" charset="-128"/>
               </a:rPr>
               <a:t>([matcher3,matcher4])</a:t>
             </a:r>
@@ -12298,32 +12615,40 @@
             <a:r>
               <a:rPr lang="en-US" sz="2400" dirty="0" err="1">
                 <a:solidFill>
-                  <a:schemeClr val="tx1"/>
-                </a:solidFill>
+                  <a:schemeClr val="accent6"/>
+                </a:solidFill>
+                <a:latin typeface="MS PMincho" panose="02020600040205080304" pitchFamily="18" charset="-128"/>
+                <a:ea typeface="MS PMincho" panose="02020600040205080304" pitchFamily="18" charset="-128"/>
               </a:rPr>
               <a:t>seqMatcher</a:t>
             </a:r>
             <a:r>
               <a:rPr lang="en-US" sz="2400" dirty="0">
                 <a:solidFill>
-                  <a:schemeClr val="tx1"/>
-                </a:solidFill>
+                  <a:schemeClr val="accent6"/>
+                </a:solidFill>
+                <a:latin typeface="MS PMincho" panose="02020600040205080304" pitchFamily="18" charset="-128"/>
+                <a:ea typeface="MS PMincho" panose="02020600040205080304" pitchFamily="18" charset="-128"/>
               </a:rPr>
               <a:t> = </a:t>
             </a:r>
             <a:r>
               <a:rPr lang="en-US" sz="2400" dirty="0" err="1">
                 <a:solidFill>
-                  <a:schemeClr val="tx1"/>
-                </a:solidFill>
+                  <a:schemeClr val="accent6"/>
+                </a:solidFill>
+                <a:latin typeface="MS PMincho" panose="02020600040205080304" pitchFamily="18" charset="-128"/>
+                <a:ea typeface="MS PMincho" panose="02020600040205080304" pitchFamily="18" charset="-128"/>
               </a:rPr>
               <a:t>SeqMatcher</a:t>
             </a:r>
             <a:r>
               <a:rPr lang="en-US" sz="2400" dirty="0">
                 <a:solidFill>
-                  <a:schemeClr val="tx1"/>
-                </a:solidFill>
+                  <a:schemeClr val="accent6"/>
+                </a:solidFill>
+                <a:latin typeface="MS PMincho" panose="02020600040205080304" pitchFamily="18" charset="-128"/>
+                <a:ea typeface="MS PMincho" panose="02020600040205080304" pitchFamily="18" charset="-128"/>
               </a:rPr>
               <a:t>([matcher1, matcher2, matcher6, matcher5])</a:t>
             </a:r>
@@ -12397,29 +12722,16 @@
           <a:p>
             <a:r>
               <a:rPr lang="en-US" sz="2400" dirty="0" smtClean="0"/>
-              <a:t>When </a:t>
-            </a:r>
+              <a:t>When searching with keyword “Java” </a:t>
+            </a:r>
+          </a:p>
+          <a:p>
             <a:r>
               <a:rPr lang="en-US" sz="2400" dirty="0" smtClean="0"/>
-              <a:t>searching with </a:t>
+              <a:t>7000 </a:t>
             </a:r>
             <a:r>
               <a:rPr lang="en-US" sz="2400" dirty="0" smtClean="0"/>
-              <a:t>keyword</a:t>
-            </a:r>
-            <a:r>
-              <a:rPr lang="en-US" sz="2400" dirty="0" smtClean="0"/>
-              <a:t> “Java” </a:t>
-            </a:r>
-            <a:endParaRPr lang="en-US" sz="2400" dirty="0" smtClean="0"/>
-          </a:p>
-          <a:p>
-            <a:r>
-              <a:rPr lang="en-US" sz="2400" dirty="0" smtClean="0"/>
-              <a:t>7000 unranked </a:t>
-            </a:r>
-            <a:r>
-              <a:rPr lang="en-US" sz="2400" dirty="0"/>
               <a:t>jobs </a:t>
             </a:r>
             <a:r>
@@ -12453,7 +12765,6 @@
               <a:rPr lang="en-US" sz="2400" dirty="0" smtClean="0"/>
               <a:t>is not well ranked </a:t>
             </a:r>
-            <a:endParaRPr lang="en-US" sz="2400" dirty="0" smtClean="0"/>
           </a:p>
           <a:p>
             <a:pPr>
@@ -12776,11 +13087,11 @@
   <p:clrMapOvr>
     <a:masterClrMapping/>
   </p:clrMapOvr>
-  <mc:AlternateContent xmlns:mc="http://schemas.openxmlformats.org/markup-compatibility/2006">
-    <mc:Choice xmlns:p14="http://schemas.microsoft.com/office/powerpoint/2010/main" Requires="p14">
+  <mc:AlternateContent xmlns:mc="http://schemas.openxmlformats.org/markup-compatibility/2006" xmlns:p14="http://schemas.microsoft.com/office/powerpoint/2010/main">
+    <mc:Choice Requires="p14">
       <p:transition spd="slow" p14:dur="2000"/>
     </mc:Choice>
-    <mc:Fallback>
+    <mc:Fallback xmlns="">
       <p:transition spd="slow"/>
     </mc:Fallback>
   </mc:AlternateContent>
@@ -12963,11 +13274,11 @@
   <p:clrMapOvr>
     <a:masterClrMapping/>
   </p:clrMapOvr>
-  <mc:AlternateContent xmlns:mc="http://schemas.openxmlformats.org/markup-compatibility/2006">
-    <mc:Choice xmlns:p14="http://schemas.microsoft.com/office/powerpoint/2010/main" Requires="p14">
+  <mc:AlternateContent xmlns:mc="http://schemas.openxmlformats.org/markup-compatibility/2006" xmlns:p14="http://schemas.microsoft.com/office/powerpoint/2010/main">
+    <mc:Choice Requires="p14">
       <p:transition spd="slow" p14:dur="2000"/>
     </mc:Choice>
-    <mc:Fallback>
+    <mc:Fallback xmlns="">
       <p:transition spd="slow"/>
     </mc:Fallback>
   </mc:AlternateContent>
@@ -13547,15 +13858,7 @@
             </a:r>
             <a:r>
               <a:rPr lang="en-US" sz="2800" dirty="0" smtClean="0"/>
-              <a:t>term </a:t>
-            </a:r>
-            <a:r>
-              <a:rPr lang="en-US" sz="2800" dirty="0" smtClean="0"/>
-              <a:t>&gt;  ,   &lt; </a:t>
-            </a:r>
-            <a:r>
-              <a:rPr lang="en-US" sz="2800" dirty="0" smtClean="0"/>
-              <a:t>term </a:t>
+              <a:t>term &gt;  ,   &lt; term </a:t>
             </a:r>
             <a:r>
               <a:rPr lang="en-US" sz="2800" dirty="0"/>
@@ -13609,7 +13912,6 @@
               <a:rPr lang="en-US" sz="2400" dirty="0" smtClean="0"/>
               <a:t> </a:t>
             </a:r>
-            <a:endParaRPr lang="en-US" sz="2400" dirty="0" smtClean="0"/>
           </a:p>
           <a:p>
             <a:pPr marL="1085850" lvl="2" indent="-342900">
@@ -13644,7 +13946,6 @@
               <a:rPr lang="en-US" sz="2000" dirty="0" smtClean="0"/>
               <a:t>language and so on.  </a:t>
             </a:r>
-            <a:endParaRPr lang="en-US" sz="2000" dirty="0" smtClean="0"/>
           </a:p>
           <a:p>
             <a:pPr marL="685800" lvl="1" indent="-342900">
@@ -14257,19 +14558,7 @@
           <a:p>
             <a:r>
               <a:rPr lang="en-US" sz="2800" dirty="0" smtClean="0"/>
-              <a:t>The </a:t>
-            </a:r>
-            <a:r>
-              <a:rPr lang="en-US" sz="2800" dirty="0" smtClean="0"/>
-              <a:t>résumé has </a:t>
-            </a:r>
-            <a:r>
-              <a:rPr lang="en-US" sz="2800" dirty="0" smtClean="0"/>
-              <a:t>the most personal </a:t>
-            </a:r>
-            <a:r>
-              <a:rPr lang="en-US" sz="2800" dirty="0" smtClean="0"/>
-              <a:t>information </a:t>
+              <a:t>The résumé has the most personal information </a:t>
             </a:r>
           </a:p>
           <a:p>
@@ -14279,13 +14568,8 @@
             </a:pPr>
             <a:r>
               <a:rPr lang="en-US" sz="2400" dirty="0" smtClean="0"/>
-              <a:t>Education </a:t>
-            </a:r>
-            <a:r>
-              <a:rPr lang="en-US" sz="2400" dirty="0" smtClean="0"/>
-              <a:t>Background </a:t>
-            </a:r>
-            <a:endParaRPr lang="en-US" sz="2400" dirty="0" smtClean="0"/>
+              <a:t>Education Background </a:t>
+            </a:r>
           </a:p>
           <a:p>
             <a:pPr marL="800100" lvl="1" indent="-342900">
@@ -14318,31 +14602,14 @@
           <a:p>
             <a:r>
               <a:rPr lang="en-US" sz="2800" dirty="0" smtClean="0"/>
-              <a:t>Getting the similarity values </a:t>
-            </a:r>
+              <a:t>Getting the similarity values between the résumé and jobs</a:t>
+            </a:r>
+          </a:p>
+          <a:p>
             <a:r>
               <a:rPr lang="en-US" sz="2800" dirty="0" smtClean="0"/>
-              <a:t>between </a:t>
-            </a:r>
-            <a:r>
-              <a:rPr lang="en-US" sz="2800" dirty="0" smtClean="0"/>
-              <a:t>the résumé </a:t>
-            </a:r>
-            <a:r>
-              <a:rPr lang="en-US" sz="2800" dirty="0" smtClean="0"/>
-              <a:t>and jobs</a:t>
-            </a:r>
-          </a:p>
-          <a:p>
-            <a:r>
-              <a:rPr lang="en-US" sz="2800" dirty="0" smtClean="0"/>
-              <a:t>Ranking the jobs by their similarity </a:t>
-            </a:r>
-            <a:r>
-              <a:rPr lang="en-US" sz="2800" dirty="0" smtClean="0"/>
-              <a:t>values</a:t>
-            </a:r>
-            <a:endParaRPr lang="en-US" sz="2800" dirty="0" smtClean="0"/>
+              <a:t>Ranking the jobs by their similarity values</a:t>
+            </a:r>
           </a:p>
         </p:txBody>
       </p:sp>
@@ -14568,7 +14835,31 @@
                   <a:schemeClr val="tx1"/>
                 </a:solidFill>
               </a:rPr>
-              <a:t>Only </a:t>
+              <a:t>Only big ontologies </a:t>
+            </a:r>
+            <a:r>
+              <a:rPr lang="en-US" sz="3200" dirty="0">
+                <a:solidFill>
+                  <a:schemeClr val="tx1"/>
+                </a:solidFill>
+              </a:rPr>
+              <a:t>like </a:t>
+            </a:r>
+            <a:r>
+              <a:rPr lang="en-US" sz="3200" dirty="0" err="1">
+                <a:solidFill>
+                  <a:schemeClr val="tx1"/>
+                </a:solidFill>
+              </a:rPr>
+              <a:t>Wordnet</a:t>
+            </a:r>
+            <a:r>
+              <a:rPr lang="en-US" sz="3200" dirty="0">
+                <a:solidFill>
+                  <a:schemeClr val="tx1"/>
+                </a:solidFill>
+              </a:rPr>
+              <a:t> </a:t>
             </a:r>
             <a:r>
               <a:rPr lang="en-US" sz="3200" dirty="0" smtClean="0">
@@ -14576,47 +14867,7 @@
                   <a:schemeClr val="tx1"/>
                 </a:solidFill>
               </a:rPr>
-              <a:t>big ontologies </a:t>
-            </a:r>
-            <a:r>
-              <a:rPr lang="en-US" sz="3200" dirty="0">
-                <a:solidFill>
-                  <a:schemeClr val="tx1"/>
-                </a:solidFill>
-              </a:rPr>
-              <a:t>like </a:t>
-            </a:r>
-            <a:r>
-              <a:rPr lang="en-US" sz="3200" dirty="0" err="1">
-                <a:solidFill>
-                  <a:schemeClr val="tx1"/>
-                </a:solidFill>
-              </a:rPr>
-              <a:t>Wordnet</a:t>
-            </a:r>
-            <a:r>
-              <a:rPr lang="en-US" sz="3200" dirty="0">
-                <a:solidFill>
-                  <a:schemeClr val="tx1"/>
-                </a:solidFill>
-              </a:rPr>
-              <a:t> </a:t>
-            </a:r>
-            <a:r>
-              <a:rPr lang="en-US" sz="3200" dirty="0" smtClean="0">
-                <a:solidFill>
-                  <a:schemeClr val="tx1"/>
-                </a:solidFill>
-              </a:rPr>
-              <a:t>have this kind of </a:t>
-            </a:r>
-            <a:r>
-              <a:rPr lang="en-US" sz="3200" dirty="0" smtClean="0">
-                <a:solidFill>
-                  <a:schemeClr val="tx1"/>
-                </a:solidFill>
-              </a:rPr>
-              <a:t>information</a:t>
+              <a:t>have this kind of information</a:t>
             </a:r>
             <a:endParaRPr lang="en-US" sz="3200" dirty="0">
               <a:solidFill>
@@ -14728,7 +14979,6 @@
               <a:rPr lang="en-US" dirty="0" smtClean="0"/>
               <a:t>Information Content</a:t>
             </a:r>
-            <a:endParaRPr lang="en-US" dirty="0" smtClean="0"/>
           </a:p>
           <a:p>
             <a:r>
@@ -14760,11 +15010,7 @@
             </a:r>
             <a:r>
               <a:rPr lang="en-US" dirty="0" smtClean="0"/>
-              <a:t>must enough </a:t>
-            </a:r>
-            <a:r>
-              <a:rPr lang="en-US" dirty="0" smtClean="0"/>
-              <a:t>common </a:t>
+              <a:t>must enough common </a:t>
             </a:r>
             <a:r>
               <a:rPr lang="en-US" dirty="0" err="1" smtClean="0"/>
@@ -14774,7 +15020,6 @@
               <a:rPr lang="en-US" dirty="0" smtClean="0"/>
               <a:t>.  </a:t>
             </a:r>
-            <a:endParaRPr lang="en-US" dirty="0" smtClean="0"/>
           </a:p>
           <a:p>
             <a:r>
@@ -15124,11 +15369,11 @@
   <p:clrMapOvr>
     <a:masterClrMapping/>
   </p:clrMapOvr>
-  <mc:AlternateContent xmlns:mc="http://schemas.openxmlformats.org/markup-compatibility/2006">
-    <mc:Choice xmlns:p14="http://schemas.microsoft.com/office/powerpoint/2010/main" Requires="p14">
+  <mc:AlternateContent xmlns:mc="http://schemas.openxmlformats.org/markup-compatibility/2006" xmlns:p14="http://schemas.microsoft.com/office/powerpoint/2010/main">
+    <mc:Choice Requires="p14">
       <p:transition spd="slow" p14:dur="2000"/>
     </mc:Choice>
-    <mc:Fallback>
+    <mc:Fallback xmlns="">
       <p:transition spd="slow"/>
     </mc:Fallback>
   </mc:AlternateContent>
@@ -15391,11 +15636,6 @@
               </a:rPr>
               <a:t>Statistical-based Ontology Similarity Measure</a:t>
             </a:r>
-            <a:endParaRPr lang="en-US" dirty="0">
-              <a:solidFill>
-                <a:schemeClr val="tx1"/>
-              </a:solidFill>
-            </a:endParaRPr>
           </a:p>
         </p:txBody>
       </p:sp>
@@ -15433,11 +15673,11 @@
   <p:clrMapOvr>
     <a:masterClrMapping/>
   </p:clrMapOvr>
-  <mc:AlternateContent xmlns:mc="http://schemas.openxmlformats.org/markup-compatibility/2006">
-    <mc:Choice xmlns:p14="http://schemas.microsoft.com/office/powerpoint/2010/main" Requires="p14">
+  <mc:AlternateContent xmlns:mc="http://schemas.openxmlformats.org/markup-compatibility/2006" xmlns:p14="http://schemas.microsoft.com/office/powerpoint/2010/main">
+    <mc:Choice Requires="p14">
       <p:transition spd="slow" p14:dur="2000"/>
     </mc:Choice>
-    <mc:Fallback>
+    <mc:Fallback xmlns="">
       <p:transition spd="slow"/>
     </mc:Fallback>
   </mc:AlternateContent>
@@ -15531,11 +15771,11 @@
   <p:clrMapOvr>
     <a:masterClrMapping/>
   </p:clrMapOvr>
-  <mc:AlternateContent xmlns:mc="http://schemas.openxmlformats.org/markup-compatibility/2006">
-    <mc:Choice xmlns:p14="http://schemas.microsoft.com/office/powerpoint/2010/main" Requires="p14">
+  <mc:AlternateContent xmlns:mc="http://schemas.openxmlformats.org/markup-compatibility/2006" xmlns:p14="http://schemas.microsoft.com/office/powerpoint/2010/main">
+    <mc:Choice Requires="p14">
       <p:transition spd="slow" p14:dur="2000"/>
     </mc:Choice>
-    <mc:Fallback>
+    <mc:Fallback xmlns="">
       <p:transition spd="slow"/>
     </mc:Fallback>
   </mc:AlternateContent>
@@ -15657,15 +15897,7 @@
                   <a:schemeClr val="tx1"/>
                 </a:solidFill>
               </a:rPr>
-              <a:t>Keyword represents personal </a:t>
-            </a:r>
-            <a:r>
-              <a:rPr lang="en-US" sz="2800" dirty="0" smtClean="0">
-                <a:solidFill>
-                  <a:schemeClr val="tx1"/>
-                </a:solidFill>
-              </a:rPr>
-              <a:t>preference</a:t>
+              <a:t>Keyword represents personal preference</a:t>
             </a:r>
           </a:p>
           <a:p>
@@ -15679,23 +15911,7 @@
                   <a:schemeClr val="tx1"/>
                 </a:solidFill>
               </a:rPr>
-              <a:t>Ranking by </a:t>
-            </a:r>
-            <a:r>
-              <a:rPr lang="en-US" sz="2800" dirty="0" smtClean="0">
-                <a:solidFill>
-                  <a:schemeClr val="tx1"/>
-                </a:solidFill>
-              </a:rPr>
-              <a:t>the similarity </a:t>
-            </a:r>
-            <a:r>
-              <a:rPr lang="en-US" sz="2800" dirty="0" smtClean="0">
-                <a:solidFill>
-                  <a:schemeClr val="tx1"/>
-                </a:solidFill>
-              </a:rPr>
-              <a:t>values  </a:t>
+              <a:t>Ranking by the similarity values  </a:t>
             </a:r>
           </a:p>
           <a:p>
@@ -15826,7 +16042,38 @@
                   <a:schemeClr val="tx1"/>
                 </a:solidFill>
               </a:rPr>
-              <a:t>EVALUATION – Information Extraction </a:t>
+              <a:t>EVALUATION </a:t>
+            </a:r>
+            <a:r>
+              <a:rPr lang="en-US" dirty="0" smtClean="0">
+                <a:solidFill>
+                  <a:schemeClr val="tx1"/>
+                </a:solidFill>
+              </a:rPr>
+              <a:t/>
+            </a:r>
+            <a:br>
+              <a:rPr lang="en-US" dirty="0" smtClean="0">
+                <a:solidFill>
+                  <a:schemeClr val="tx1"/>
+                </a:solidFill>
+              </a:rPr>
+            </a:br>
+            <a:r>
+              <a:rPr lang="en-US" dirty="0" smtClean="0">
+                <a:solidFill>
+                  <a:schemeClr val="tx1"/>
+                </a:solidFill>
+              </a:rPr>
+              <a:t>– </a:t>
+            </a:r>
+            <a:r>
+              <a:rPr lang="en-US" dirty="0" smtClean="0">
+                <a:solidFill>
+                  <a:schemeClr val="tx1"/>
+                </a:solidFill>
+              </a:rPr>
+              <a:t>Information Extraction </a:t>
             </a:r>
             <a:endParaRPr lang="en-US" dirty="0">
               <a:solidFill>
@@ -15846,11 +16093,11 @@
   <p:clrMapOvr>
     <a:masterClrMapping/>
   </p:clrMapOvr>
-  <mc:AlternateContent xmlns:mc="http://schemas.openxmlformats.org/markup-compatibility/2006">
-    <mc:Choice xmlns:p14="http://schemas.microsoft.com/office/powerpoint/2010/main" Requires="p14">
+  <mc:AlternateContent xmlns:mc="http://schemas.openxmlformats.org/markup-compatibility/2006" xmlns:p14="http://schemas.microsoft.com/office/powerpoint/2010/main">
+    <mc:Choice Requires="p14">
       <p:transition spd="slow" p14:dur="2000"/>
     </mc:Choice>
-    <mc:Fallback>
+    <mc:Fallback xmlns="">
       <p:transition spd="slow"/>
     </mc:Fallback>
   </mc:AlternateContent>
@@ -15908,19 +16155,11 @@
             </a:r>
             <a:r>
               <a:rPr lang="en-US" altLang="zh-CN" dirty="0" smtClean="0"/>
-              <a:t>Comparing to </a:t>
-            </a:r>
-            <a:r>
-              <a:rPr lang="en-US" altLang="zh-CN" dirty="0" smtClean="0"/>
-              <a:t>CRFs</a:t>
+              <a:t>Comparing to CRFs</a:t>
             </a:r>
             <a:r>
               <a:rPr lang="en-US" dirty="0" smtClean="0"/>
-              <a:t> </a:t>
-            </a:r>
-            <a:r>
-              <a:rPr lang="en-US" dirty="0" smtClean="0"/>
-              <a:t>Model</a:t>
+              <a:t> Model</a:t>
             </a:r>
             <a:endParaRPr lang="en-US" dirty="0"/>
           </a:p>
@@ -15952,7 +16191,38 @@
                   <a:schemeClr val="tx1"/>
                 </a:solidFill>
               </a:rPr>
-              <a:t>EVALUATION – Information Extraction </a:t>
+              <a:t>EVALUATION </a:t>
+            </a:r>
+            <a:r>
+              <a:rPr lang="en-US" dirty="0" smtClean="0">
+                <a:solidFill>
+                  <a:schemeClr val="tx1"/>
+                </a:solidFill>
+              </a:rPr>
+              <a:t/>
+            </a:r>
+            <a:br>
+              <a:rPr lang="en-US" dirty="0" smtClean="0">
+                <a:solidFill>
+                  <a:schemeClr val="tx1"/>
+                </a:solidFill>
+              </a:rPr>
+            </a:br>
+            <a:r>
+              <a:rPr lang="en-US" dirty="0" smtClean="0">
+                <a:solidFill>
+                  <a:schemeClr val="tx1"/>
+                </a:solidFill>
+              </a:rPr>
+              <a:t>– Information </a:t>
+            </a:r>
+            <a:r>
+              <a:rPr lang="en-US" dirty="0" smtClean="0">
+                <a:solidFill>
+                  <a:schemeClr val="tx1"/>
+                </a:solidFill>
+              </a:rPr>
+              <a:t>Extraction </a:t>
             </a:r>
             <a:endParaRPr lang="en-US" dirty="0">
               <a:solidFill>
@@ -16060,47 +16330,6 @@
           </a:p>
         </p:txBody>
       </p:sp>
-      <p:pic>
-        <p:nvPicPr>
-          <p:cNvPr id="4" name="Picture 6" descr="http://new-cdn.financialsamurai.com.s3.amazonaws.com/wp-content/uploads/2011/01/good_resume4.gif"/>
-          <p:cNvPicPr>
-            <a:picLocks noChangeAspect="1" noChangeArrowheads="1"/>
-          </p:cNvPicPr>
-          <p:nvPr/>
-        </p:nvPicPr>
-        <p:blipFill>
-          <a:blip r:embed="rId2">
-            <a:extLst>
-              <a:ext uri="{28A0092B-C50C-407E-A947-70E740481C1C}">
-                <a14:useLocalDpi xmlns:a14="http://schemas.microsoft.com/office/drawing/2010/main" val="0"/>
-              </a:ext>
-            </a:extLst>
-          </a:blip>
-          <a:srcRect/>
-          <a:stretch>
-            <a:fillRect/>
-          </a:stretch>
-        </p:blipFill>
-        <p:spPr bwMode="auto">
-          <a:xfrm>
-            <a:off x="457200" y="1898424"/>
-            <a:ext cx="2482360" cy="3574598"/>
-          </a:xfrm>
-          <a:prstGeom prst="rect">
-            <a:avLst/>
-          </a:prstGeom>
-          <a:noFill/>
-          <a:extLst>
-            <a:ext uri="{909E8E84-426E-40DD-AFC4-6F175D3DCCD1}">
-              <a14:hiddenFill xmlns:a14="http://schemas.microsoft.com/office/drawing/2010/main">
-                <a:solidFill>
-                  <a:srgbClr val="FFFFFF"/>
-                </a:solidFill>
-              </a14:hiddenFill>
-            </a:ext>
-          </a:extLst>
-        </p:spPr>
-      </p:pic>
       <p:sp>
         <p:nvSpPr>
           <p:cNvPr id="6" name="左右箭头 16"/>
@@ -16109,7 +16338,7 @@
         </p:nvSpPr>
         <p:spPr>
           <a:xfrm>
-            <a:off x="2939560" y="3558772"/>
+            <a:off x="3062652" y="3587887"/>
             <a:ext cx="912713" cy="384966"/>
           </a:xfrm>
           <a:prstGeom prst="leftRightArrow">
@@ -16150,7 +16379,7 @@
           <p:nvPr/>
         </p:nvPicPr>
         <p:blipFill>
-          <a:blip r:embed="rId3"/>
+          <a:blip r:embed="rId2"/>
           <a:stretch>
             <a:fillRect/>
           </a:stretch>
@@ -16163,6 +16392,47 @@
           <a:prstGeom prst="rect">
             <a:avLst/>
           </a:prstGeom>
+        </p:spPr>
+      </p:pic>
+      <p:pic>
+        <p:nvPicPr>
+          <p:cNvPr id="1026" name="Picture 2" descr="http://img.bestsampleresume.com/img1/Software-Developer-Resume.gif"/>
+          <p:cNvPicPr>
+            <a:picLocks noChangeAspect="1" noChangeArrowheads="1"/>
+          </p:cNvPicPr>
+          <p:nvPr/>
+        </p:nvPicPr>
+        <p:blipFill>
+          <a:blip r:embed="rId3">
+            <a:extLst>
+              <a:ext uri="{28A0092B-C50C-407E-A947-70E740481C1C}">
+                <a14:useLocalDpi xmlns:a14="http://schemas.microsoft.com/office/drawing/2010/main" val="0"/>
+              </a:ext>
+            </a:extLst>
+          </a:blip>
+          <a:srcRect/>
+          <a:stretch>
+            <a:fillRect/>
+          </a:stretch>
+        </p:blipFill>
+        <p:spPr bwMode="auto">
+          <a:xfrm>
+            <a:off x="120764" y="1852405"/>
+            <a:ext cx="2903193" cy="3885813"/>
+          </a:xfrm>
+          <a:prstGeom prst="rect">
+            <a:avLst/>
+          </a:prstGeom>
+          <a:noFill/>
+          <a:extLst>
+            <a:ext uri="{909E8E84-426E-40DD-AFC4-6F175D3DCCD1}">
+              <a14:hiddenFill xmlns:a14="http://schemas.microsoft.com/office/drawing/2010/main">
+                <a:solidFill>
+                  <a:srgbClr val="FFFFFF"/>
+                </a:solidFill>
+              </a14:hiddenFill>
+            </a:ext>
+          </a:extLst>
         </p:spPr>
       </p:pic>
     </p:spTree>
@@ -16262,7 +16532,38 @@
                   <a:schemeClr val="tx1"/>
                 </a:solidFill>
               </a:rPr>
-              <a:t>EVALUATION – Ontology Similarity </a:t>
+              <a:t>EVALUATION </a:t>
+            </a:r>
+            <a:r>
+              <a:rPr lang="en-US" dirty="0" smtClean="0">
+                <a:solidFill>
+                  <a:schemeClr val="tx1"/>
+                </a:solidFill>
+              </a:rPr>
+              <a:t/>
+            </a:r>
+            <a:br>
+              <a:rPr lang="en-US" dirty="0" smtClean="0">
+                <a:solidFill>
+                  <a:schemeClr val="tx1"/>
+                </a:solidFill>
+              </a:rPr>
+            </a:br>
+            <a:r>
+              <a:rPr lang="en-US" dirty="0" smtClean="0">
+                <a:solidFill>
+                  <a:schemeClr val="tx1"/>
+                </a:solidFill>
+              </a:rPr>
+              <a:t>– </a:t>
+            </a:r>
+            <a:r>
+              <a:rPr lang="en-US" dirty="0">
+                <a:solidFill>
+                  <a:schemeClr val="tx1"/>
+                </a:solidFill>
+              </a:rPr>
+              <a:t>Ontology Similarity </a:t>
             </a:r>
           </a:p>
         </p:txBody>
@@ -16317,8 +16618,8 @@
         </p:nvSpPr>
         <p:spPr>
           <a:xfrm>
-            <a:off x="838200" y="2438399"/>
-            <a:ext cx="8228013" cy="3962400"/>
+            <a:off x="838200" y="2438398"/>
+            <a:ext cx="8228013" cy="4724401"/>
           </a:xfrm>
         </p:spPr>
         <p:txBody>
@@ -16327,13 +16628,93 @@
           <a:p>
             <a:r>
               <a:rPr lang="en-US" dirty="0"/>
-              <a:t>Normalized Discounted Cumulative Gain(NDCG</a:t>
+              <a:t>Normalized Discounted Cumulative </a:t>
+            </a:r>
+            <a:r>
+              <a:rPr lang="en-US" dirty="0" smtClean="0"/>
+              <a:t>Gain(NDCG</a:t>
             </a:r>
             <a:r>
               <a:rPr lang="en-US" dirty="0" smtClean="0"/>
               <a:t>) </a:t>
             </a:r>
+            <a:endParaRPr lang="en-US" dirty="0" smtClean="0"/>
+          </a:p>
+          <a:p>
             <a:endParaRPr lang="en-US" dirty="0"/>
+          </a:p>
+          <a:p>
+            <a:endParaRPr lang="en-US" dirty="0" smtClean="0"/>
+          </a:p>
+          <a:p>
+            <a:endParaRPr lang="en-US" dirty="0">
+              <a:solidFill>
+                <a:schemeClr val="tx1"/>
+              </a:solidFill>
+            </a:endParaRPr>
+          </a:p>
+          <a:p>
+            <a:r>
+              <a:rPr lang="en-US" dirty="0" smtClean="0">
+                <a:solidFill>
+                  <a:schemeClr val="tx1"/>
+                </a:solidFill>
+              </a:rPr>
+              <a:t>R(</a:t>
+            </a:r>
+            <a:r>
+              <a:rPr lang="en-US" dirty="0" err="1" smtClean="0">
+                <a:solidFill>
+                  <a:schemeClr val="tx1"/>
+                </a:solidFill>
+              </a:rPr>
+              <a:t>j,d</a:t>
+            </a:r>
+            <a:r>
+              <a:rPr lang="en-US" dirty="0" smtClean="0">
+                <a:solidFill>
+                  <a:schemeClr val="tx1"/>
+                </a:solidFill>
+              </a:rPr>
+              <a:t>) is the </a:t>
+            </a:r>
+            <a:r>
+              <a:rPr lang="en-US" dirty="0">
+                <a:solidFill>
+                  <a:schemeClr val="tx1"/>
+                </a:solidFill>
+              </a:rPr>
+              <a:t>relevance score assessors gave to document </a:t>
+            </a:r>
+            <a:r>
+              <a:rPr lang="en-US" dirty="0" smtClean="0">
+                <a:solidFill>
+                  <a:schemeClr val="tx1"/>
+                </a:solidFill>
+              </a:rPr>
+              <a:t>d </a:t>
+            </a:r>
+            <a:r>
+              <a:rPr lang="en-US" dirty="0">
+                <a:solidFill>
+                  <a:schemeClr val="tx1"/>
+                </a:solidFill>
+              </a:rPr>
+              <a:t>for query </a:t>
+            </a:r>
+            <a:r>
+              <a:rPr lang="en-US" dirty="0" smtClean="0">
+                <a:solidFill>
+                  <a:schemeClr val="tx1"/>
+                </a:solidFill>
+              </a:rPr>
+              <a:t>j</a:t>
+            </a:r>
+            <a:endParaRPr lang="en-US" dirty="0">
+              <a:solidFill>
+                <a:schemeClr val="tx1"/>
+              </a:solidFill>
+            </a:endParaRPr>
           </a:p>
         </p:txBody>
       </p:sp>
@@ -16363,7 +16744,30 @@
                   <a:schemeClr val="tx1"/>
                 </a:solidFill>
               </a:rPr>
-              <a:t>EVALUATION – </a:t>
+              <a:t>EVALUATION </a:t>
+            </a:r>
+            <a:r>
+              <a:rPr lang="en-US" dirty="0" smtClean="0">
+                <a:solidFill>
+                  <a:schemeClr val="tx1"/>
+                </a:solidFill>
+              </a:rPr>
+              <a:t/>
+            </a:r>
+            <a:br>
+              <a:rPr lang="en-US" dirty="0" smtClean="0">
+                <a:solidFill>
+                  <a:schemeClr val="tx1"/>
+                </a:solidFill>
+              </a:rPr>
+            </a:br>
+            <a:r>
+              <a:rPr lang="en-US" dirty="0" smtClean="0">
+                <a:solidFill>
+                  <a:schemeClr val="tx1"/>
+                </a:solidFill>
+              </a:rPr>
+              <a:t>– </a:t>
             </a:r>
             <a:r>
               <a:rPr lang="en-US" dirty="0" smtClean="0">
@@ -16403,6 +16807,409 @@
           <a:prstGeom prst="rect">
             <a:avLst/>
           </a:prstGeom>
+        </p:spPr>
+      </p:pic>
+      <p:sp>
+        <p:nvSpPr>
+          <p:cNvPr id="5" name="Rectangle 1"/>
+          <p:cNvSpPr>
+            <a:spLocks noChangeArrowheads="1"/>
+          </p:cNvSpPr>
+          <p:nvPr/>
+        </p:nvSpPr>
+        <p:spPr bwMode="auto">
+          <a:xfrm>
+            <a:off x="0" y="0"/>
+            <a:ext cx="9144000" cy="0"/>
+          </a:xfrm>
+          <a:prstGeom prst="rect">
+            <a:avLst/>
+          </a:prstGeom>
+          <a:noFill/>
+          <a:ln>
+            <a:noFill/>
+          </a:ln>
+          <a:effectLst/>
+          <a:extLst>
+            <a:ext uri="{909E8E84-426E-40DD-AFC4-6F175D3DCCD1}">
+              <a14:hiddenFill xmlns:a14="http://schemas.microsoft.com/office/drawing/2010/main">
+                <a:solidFill>
+                  <a:schemeClr val="accent1"/>
+                </a:solidFill>
+              </a14:hiddenFill>
+            </a:ext>
+            <a:ext uri="{91240B29-F687-4F45-9708-019B960494DF}">
+              <a14:hiddenLine xmlns:a14="http://schemas.microsoft.com/office/drawing/2010/main" w="9525">
+                <a:solidFill>
+                  <a:schemeClr val="tx1"/>
+                </a:solidFill>
+                <a:miter lim="800000"/>
+                <a:headEnd/>
+                <a:tailEnd/>
+              </a14:hiddenLine>
+            </a:ext>
+            <a:ext uri="{AF507438-7753-43E0-B8FC-AC1667EBCBE1}">
+              <a14:hiddenEffects xmlns:a14="http://schemas.microsoft.com/office/drawing/2010/main">
+                <a:effectLst>
+                  <a:outerShdw dist="35921" dir="2700000" algn="ctr" rotWithShape="0">
+                    <a:schemeClr val="bg2"/>
+                  </a:outerShdw>
+                </a:effectLst>
+              </a14:hiddenEffects>
+            </a:ext>
+          </a:extLst>
+        </p:spPr>
+        <p:txBody>
+          <a:bodyPr vert="horz" wrap="none" lIns="91440" tIns="45720" rIns="91440" bIns="45720" numCol="1" anchor="ctr" anchorCtr="0" compatLnSpc="1">
+            <a:prstTxWarp prst="textNoShape">
+              <a:avLst/>
+            </a:prstTxWarp>
+            <a:spAutoFit/>
+          </a:bodyPr>
+          <a:lstStyle>
+            <a:lvl1pPr eaLnBrk="0" hangingPunct="0">
+              <a:defRPr>
+                <a:solidFill>
+                  <a:schemeClr val="tx1"/>
+                </a:solidFill>
+                <a:latin typeface="Arial" panose="020B0604020202020204" pitchFamily="34" charset="0"/>
+              </a:defRPr>
+            </a:lvl1pPr>
+            <a:lvl2pPr marL="457200" eaLnBrk="0" hangingPunct="0">
+              <a:defRPr>
+                <a:solidFill>
+                  <a:schemeClr val="tx1"/>
+                </a:solidFill>
+                <a:latin typeface="Arial" panose="020B0604020202020204" pitchFamily="34" charset="0"/>
+              </a:defRPr>
+            </a:lvl2pPr>
+            <a:lvl3pPr marL="914400" eaLnBrk="0" hangingPunct="0">
+              <a:defRPr>
+                <a:solidFill>
+                  <a:schemeClr val="tx1"/>
+                </a:solidFill>
+                <a:latin typeface="Arial" panose="020B0604020202020204" pitchFamily="34" charset="0"/>
+              </a:defRPr>
+            </a:lvl3pPr>
+            <a:lvl4pPr marL="1371600" eaLnBrk="0" hangingPunct="0">
+              <a:defRPr>
+                <a:solidFill>
+                  <a:schemeClr val="tx1"/>
+                </a:solidFill>
+                <a:latin typeface="Arial" panose="020B0604020202020204" pitchFamily="34" charset="0"/>
+              </a:defRPr>
+            </a:lvl4pPr>
+            <a:lvl5pPr marL="1828800" eaLnBrk="0" hangingPunct="0">
+              <a:defRPr>
+                <a:solidFill>
+                  <a:schemeClr val="tx1"/>
+                </a:solidFill>
+                <a:latin typeface="Arial" panose="020B0604020202020204" pitchFamily="34" charset="0"/>
+              </a:defRPr>
+            </a:lvl5pPr>
+            <a:lvl6pPr eaLnBrk="0" fontAlgn="base" hangingPunct="0">
+              <a:spcBef>
+                <a:spcPct val="0"/>
+              </a:spcBef>
+              <a:spcAft>
+                <a:spcPct val="0"/>
+              </a:spcAft>
+              <a:defRPr>
+                <a:solidFill>
+                  <a:schemeClr val="tx1"/>
+                </a:solidFill>
+                <a:latin typeface="Arial" panose="020B0604020202020204" pitchFamily="34" charset="0"/>
+              </a:defRPr>
+            </a:lvl6pPr>
+            <a:lvl7pPr eaLnBrk="0" fontAlgn="base" hangingPunct="0">
+              <a:spcBef>
+                <a:spcPct val="0"/>
+              </a:spcBef>
+              <a:spcAft>
+                <a:spcPct val="0"/>
+              </a:spcAft>
+              <a:defRPr>
+                <a:solidFill>
+                  <a:schemeClr val="tx1"/>
+                </a:solidFill>
+                <a:latin typeface="Arial" panose="020B0604020202020204" pitchFamily="34" charset="0"/>
+              </a:defRPr>
+            </a:lvl7pPr>
+            <a:lvl8pPr eaLnBrk="0" fontAlgn="base" hangingPunct="0">
+              <a:spcBef>
+                <a:spcPct val="0"/>
+              </a:spcBef>
+              <a:spcAft>
+                <a:spcPct val="0"/>
+              </a:spcAft>
+              <a:defRPr>
+                <a:solidFill>
+                  <a:schemeClr val="tx1"/>
+                </a:solidFill>
+                <a:latin typeface="Arial" panose="020B0604020202020204" pitchFamily="34" charset="0"/>
+              </a:defRPr>
+            </a:lvl8pPr>
+            <a:lvl9pPr eaLnBrk="0" fontAlgn="base" hangingPunct="0">
+              <a:spcBef>
+                <a:spcPct val="0"/>
+              </a:spcBef>
+              <a:spcAft>
+                <a:spcPct val="0"/>
+              </a:spcAft>
+              <a:defRPr>
+                <a:solidFill>
+                  <a:schemeClr val="tx1"/>
+                </a:solidFill>
+                <a:latin typeface="Arial" panose="020B0604020202020204" pitchFamily="34" charset="0"/>
+              </a:defRPr>
+            </a:lvl9pPr>
+          </a:lstStyle>
+          <a:p>
+            <a:pPr marL="0" marR="0" lvl="0" indent="0" algn="l" defTabSz="914400" rtl="0" eaLnBrk="0" fontAlgn="base" latinLnBrk="0" hangingPunct="0">
+              <a:lnSpc>
+                <a:spcPct val="100000"/>
+              </a:lnSpc>
+              <a:spcBef>
+                <a:spcPct val="0"/>
+              </a:spcBef>
+              <a:spcAft>
+                <a:spcPct val="0"/>
+              </a:spcAft>
+              <a:buClrTx/>
+              <a:buSzTx/>
+              <a:buFontTx/>
+              <a:buNone/>
+              <a:tabLst/>
+            </a:pPr>
+            <a:r>
+              <a:rPr kumimoji="0" lang="en-US" altLang="en-US" sz="1800" b="0" i="0" u="none" strike="noStrike" cap="none" normalizeH="0" baseline="0" smtClean="0">
+                <a:ln>
+                  <a:noFill/>
+                </a:ln>
+                <a:solidFill>
+                  <a:srgbClr val="000000"/>
+                </a:solidFill>
+                <a:effectLst/>
+                <a:latin typeface="Times New Roman" panose="02020603050405020304" pitchFamily="18" charset="0"/>
+                <a:cs typeface="Times New Roman" panose="02020603050405020304" pitchFamily="18" charset="0"/>
+              </a:rPr>
+              <a:t> let </a:t>
+            </a:r>
+            <a:r>
+              <a:rPr kumimoji="0" lang="en-US" altLang="en-US" sz="1800" b="0" i="0" u="none" strike="noStrike" cap="none" normalizeH="0" baseline="0" smtClean="0">
+                <a:ln>
+                  <a:noFill/>
+                </a:ln>
+                <a:solidFill>
+                  <a:schemeClr val="tx1"/>
+                </a:solidFill>
+                <a:effectLst/>
+              </a:rPr>
+              <a:t>  </a:t>
+            </a:r>
+            <a:r>
+              <a:rPr kumimoji="0" lang="en-US" altLang="en-US" sz="1900" b="0" i="0" u="none" strike="noStrike" cap="none" normalizeH="0" baseline="0" smtClean="0">
+                <a:ln>
+                  <a:noFill/>
+                </a:ln>
+                <a:solidFill>
+                  <a:srgbClr val="000000"/>
+                </a:solidFill>
+                <a:effectLst/>
+                <a:latin typeface="Times New Roman" panose="02020603050405020304" pitchFamily="18" charset="0"/>
+                <a:cs typeface="Times New Roman" panose="02020603050405020304" pitchFamily="18" charset="0"/>
+              </a:rPr>
+              <a:t> </a:t>
+            </a:r>
+            <a:r>
+              <a:rPr kumimoji="0" lang="en-US" altLang="en-US" sz="1800" b="0" i="0" u="none" strike="noStrike" cap="none" normalizeH="0" baseline="0" smtClean="0">
+                <a:ln>
+                  <a:noFill/>
+                </a:ln>
+                <a:solidFill>
+                  <a:srgbClr val="000000"/>
+                </a:solidFill>
+                <a:effectLst/>
+                <a:latin typeface="Times New Roman" panose="02020603050405020304" pitchFamily="18" charset="0"/>
+                <a:cs typeface="Times New Roman" panose="02020603050405020304" pitchFamily="18" charset="0"/>
+              </a:rPr>
+              <a:t>be the relevance score assessors gave to document </a:t>
+            </a:r>
+            <a:r>
+              <a:rPr kumimoji="0" lang="en-US" altLang="en-US" sz="1800" b="0" i="0" u="none" strike="noStrike" cap="none" normalizeH="0" baseline="0" smtClean="0">
+                <a:ln>
+                  <a:noFill/>
+                </a:ln>
+                <a:solidFill>
+                  <a:schemeClr val="tx1"/>
+                </a:solidFill>
+                <a:effectLst/>
+              </a:rPr>
+              <a:t>  </a:t>
+            </a:r>
+            <a:r>
+              <a:rPr kumimoji="0" lang="en-US" altLang="en-US" sz="1800" b="0" i="0" u="none" strike="noStrike" cap="none" normalizeH="0" baseline="0" smtClean="0">
+                <a:ln>
+                  <a:noFill/>
+                </a:ln>
+                <a:solidFill>
+                  <a:srgbClr val="000000"/>
+                </a:solidFill>
+                <a:effectLst/>
+                <a:latin typeface="Times New Roman" panose="02020603050405020304" pitchFamily="18" charset="0"/>
+                <a:cs typeface="Times New Roman" panose="02020603050405020304" pitchFamily="18" charset="0"/>
+              </a:rPr>
+              <a:t> for query </a:t>
+            </a:r>
+            <a:r>
+              <a:rPr kumimoji="0" lang="en-US" altLang="en-US" sz="1800" b="0" i="0" u="none" strike="noStrike" cap="none" normalizeH="0" baseline="0" smtClean="0">
+                <a:ln>
+                  <a:noFill/>
+                </a:ln>
+                <a:solidFill>
+                  <a:schemeClr val="tx1"/>
+                </a:solidFill>
+                <a:effectLst/>
+              </a:rPr>
+              <a:t>  </a:t>
+            </a:r>
+            <a:r>
+              <a:rPr kumimoji="0" lang="en-US" altLang="en-US" sz="1800" b="0" i="0" u="none" strike="noStrike" cap="none" normalizeH="0" baseline="0" smtClean="0">
+                <a:ln>
+                  <a:noFill/>
+                </a:ln>
+                <a:solidFill>
+                  <a:schemeClr val="tx1"/>
+                </a:solidFill>
+                <a:effectLst/>
+                <a:latin typeface="Arial" panose="020B0604020202020204" pitchFamily="34" charset="0"/>
+              </a:rPr>
+              <a:t> </a:t>
+            </a:r>
+          </a:p>
+        </p:txBody>
+      </p:sp>
+      <p:pic>
+        <p:nvPicPr>
+          <p:cNvPr id="2050" name="Picture 2" descr="$R(j,d)$"/>
+          <p:cNvPicPr>
+            <a:picLocks noChangeAspect="1" noChangeArrowheads="1"/>
+          </p:cNvPicPr>
+          <p:nvPr/>
+        </p:nvPicPr>
+        <p:blipFill>
+          <a:blip r:embed="rId3">
+            <a:extLst>
+              <a:ext uri="{28A0092B-C50C-407E-A947-70E740481C1C}">
+                <a14:useLocalDpi xmlns:a14="http://schemas.microsoft.com/office/drawing/2010/main" val="0"/>
+              </a:ext>
+            </a:extLst>
+          </a:blip>
+          <a:srcRect/>
+          <a:stretch>
+            <a:fillRect/>
+          </a:stretch>
+        </p:blipFill>
+        <p:spPr bwMode="auto">
+          <a:xfrm>
+            <a:off x="498475" y="-144463"/>
+            <a:ext cx="466725" cy="314326"/>
+          </a:xfrm>
+          <a:prstGeom prst="rect">
+            <a:avLst/>
+          </a:prstGeom>
+          <a:noFill/>
+          <a:extLst>
+            <a:ext uri="{909E8E84-426E-40DD-AFC4-6F175D3DCCD1}">
+              <a14:hiddenFill xmlns:a14="http://schemas.microsoft.com/office/drawing/2010/main">
+                <a:solidFill>
+                  <a:srgbClr val="FFFFFF"/>
+                </a:solidFill>
+              </a14:hiddenFill>
+            </a:ext>
+          </a:extLst>
+        </p:spPr>
+      </p:pic>
+      <p:pic>
+        <p:nvPicPr>
+          <p:cNvPr id="2051" name="Picture 3" descr="$d$"/>
+          <p:cNvPicPr>
+            <a:picLocks noChangeAspect="1" noChangeArrowheads="1"/>
+          </p:cNvPicPr>
+          <p:nvPr/>
+        </p:nvPicPr>
+        <p:blipFill>
+          <a:blip r:embed="rId4">
+            <a:extLst>
+              <a:ext uri="{28A0092B-C50C-407E-A947-70E740481C1C}">
+                <a14:useLocalDpi xmlns:a14="http://schemas.microsoft.com/office/drawing/2010/main" val="0"/>
+              </a:ext>
+            </a:extLst>
+          </a:blip>
+          <a:srcRect/>
+          <a:stretch>
+            <a:fillRect/>
+          </a:stretch>
+        </p:blipFill>
+        <p:spPr bwMode="auto">
+          <a:xfrm>
+            <a:off x="5346700" y="-144463"/>
+            <a:ext cx="114300" cy="295276"/>
+          </a:xfrm>
+          <a:prstGeom prst="rect">
+            <a:avLst/>
+          </a:prstGeom>
+          <a:noFill/>
+          <a:extLst>
+            <a:ext uri="{909E8E84-426E-40DD-AFC4-6F175D3DCCD1}">
+              <a14:hiddenFill xmlns:a14="http://schemas.microsoft.com/office/drawing/2010/main">
+                <a:solidFill>
+                  <a:srgbClr val="FFFFFF"/>
+                </a:solidFill>
+              </a14:hiddenFill>
+            </a:ext>
+          </a:extLst>
+        </p:spPr>
+      </p:pic>
+      <p:pic>
+        <p:nvPicPr>
+          <p:cNvPr id="2052" name="Picture 4" descr="$j$"/>
+          <p:cNvPicPr>
+            <a:picLocks noChangeAspect="1" noChangeArrowheads="1"/>
+          </p:cNvPicPr>
+          <p:nvPr/>
+        </p:nvPicPr>
+        <p:blipFill>
+          <a:blip r:embed="rId5">
+            <a:extLst>
+              <a:ext uri="{28A0092B-C50C-407E-A947-70E740481C1C}">
+                <a14:useLocalDpi xmlns:a14="http://schemas.microsoft.com/office/drawing/2010/main" val="0"/>
+              </a:ext>
+            </a:extLst>
+          </a:blip>
+          <a:srcRect/>
+          <a:stretch>
+            <a:fillRect/>
+          </a:stretch>
+        </p:blipFill>
+        <p:spPr bwMode="auto">
+          <a:xfrm>
+            <a:off x="6432550" y="-144463"/>
+            <a:ext cx="85725" cy="295276"/>
+          </a:xfrm>
+          <a:prstGeom prst="rect">
+            <a:avLst/>
+          </a:prstGeom>
+          <a:noFill/>
+          <a:extLst>
+            <a:ext uri="{909E8E84-426E-40DD-AFC4-6F175D3DCCD1}">
+              <a14:hiddenFill xmlns:a14="http://schemas.microsoft.com/office/drawing/2010/main">
+                <a:solidFill>
+                  <a:srgbClr val="FFFFFF"/>
+                </a:solidFill>
+              </a14:hiddenFill>
+            </a:ext>
+          </a:extLst>
         </p:spPr>
       </p:pic>
     </p:spTree>
@@ -16469,7 +17276,38 @@
                   <a:schemeClr val="tx1"/>
                 </a:solidFill>
               </a:rPr>
-              <a:t>EVALUATION – Ontology Similarity </a:t>
+              <a:t>EVALUATION </a:t>
+            </a:r>
+            <a:r>
+              <a:rPr lang="en-US" dirty="0" smtClean="0">
+                <a:solidFill>
+                  <a:schemeClr val="tx1"/>
+                </a:solidFill>
+              </a:rPr>
+              <a:t/>
+            </a:r>
+            <a:br>
+              <a:rPr lang="en-US" dirty="0" smtClean="0">
+                <a:solidFill>
+                  <a:schemeClr val="tx1"/>
+                </a:solidFill>
+              </a:rPr>
+            </a:br>
+            <a:r>
+              <a:rPr lang="en-US" dirty="0" smtClean="0">
+                <a:solidFill>
+                  <a:schemeClr val="tx1"/>
+                </a:solidFill>
+              </a:rPr>
+              <a:t>– </a:t>
+            </a:r>
+            <a:r>
+              <a:rPr lang="en-US" dirty="0">
+                <a:solidFill>
+                  <a:schemeClr val="tx1"/>
+                </a:solidFill>
+              </a:rPr>
+              <a:t>Ontology Similarity </a:t>
             </a:r>
           </a:p>
         </p:txBody>
@@ -16554,7 +17392,7 @@
         </p:blipFill>
         <p:spPr>
           <a:xfrm>
-            <a:off x="1295400" y="2438400"/>
+            <a:off x="1371600" y="2438400"/>
             <a:ext cx="6096000" cy="4155078"/>
           </a:xfrm>
           <a:prstGeom prst="rect">
@@ -16588,7 +17426,38 @@
                   <a:schemeClr val="tx1"/>
                 </a:solidFill>
               </a:rPr>
-              <a:t>EVALUATION – Ontology Similarity </a:t>
+              <a:t>EVALUATION </a:t>
+            </a:r>
+            <a:r>
+              <a:rPr lang="en-US" dirty="0" smtClean="0">
+                <a:solidFill>
+                  <a:schemeClr val="tx1"/>
+                </a:solidFill>
+              </a:rPr>
+              <a:t/>
+            </a:r>
+            <a:br>
+              <a:rPr lang="en-US" dirty="0" smtClean="0">
+                <a:solidFill>
+                  <a:schemeClr val="tx1"/>
+                </a:solidFill>
+              </a:rPr>
+            </a:br>
+            <a:r>
+              <a:rPr lang="en-US" dirty="0" smtClean="0">
+                <a:solidFill>
+                  <a:schemeClr val="tx1"/>
+                </a:solidFill>
+              </a:rPr>
+              <a:t>– </a:t>
+            </a:r>
+            <a:r>
+              <a:rPr lang="en-US" dirty="0">
+                <a:solidFill>
+                  <a:schemeClr val="tx1"/>
+                </a:solidFill>
+              </a:rPr>
+              <a:t>Ontology Similarity </a:t>
             </a:r>
           </a:p>
         </p:txBody>
@@ -16658,9 +17527,6 @@
             <a:endParaRPr lang="en-US" sz="2700" dirty="0" smtClean="0"/>
           </a:p>
           <a:p>
-            <a:endParaRPr lang="en-US" sz="2700" dirty="0" smtClean="0"/>
-          </a:p>
-          <a:p>
             <a:r>
               <a:rPr lang="en-US" sz="2700" dirty="0" err="1" smtClean="0"/>
               <a:t>Precision@K</a:t>
@@ -16744,12 +17610,12 @@
               <a:t> </a:t>
             </a:r>
             <a:r>
-              <a:rPr lang="en-US" sz="3600" dirty="0" smtClean="0">
-                <a:solidFill>
-                  <a:schemeClr val="tx1"/>
-                </a:solidFill>
-              </a:rPr>
-              <a:t>-</a:t>
+              <a:rPr lang="en-US" sz="3600" dirty="0">
+                <a:solidFill>
+                  <a:schemeClr val="tx1"/>
+                </a:solidFill>
+              </a:rPr>
+              <a:t>–</a:t>
             </a:r>
             <a:r>
               <a:rPr lang="en-US" sz="3600" dirty="0" smtClean="0"/>
@@ -16957,11 +17823,11 @@
   <p:clrMapOvr>
     <a:masterClrMapping/>
   </p:clrMapOvr>
-  <mc:AlternateContent xmlns:mc="http://schemas.openxmlformats.org/markup-compatibility/2006">
-    <mc:Choice xmlns:p14="http://schemas.microsoft.com/office/powerpoint/2010/main" Requires="p14">
+  <mc:AlternateContent xmlns:mc="http://schemas.openxmlformats.org/markup-compatibility/2006" xmlns:p14="http://schemas.microsoft.com/office/powerpoint/2010/main">
+    <mc:Choice Requires="p14">
       <p:transition spd="slow" p14:dur="2000"/>
     </mc:Choice>
-    <mc:Fallback>
+    <mc:Fallback xmlns="">
       <p:transition spd="slow"/>
     </mc:Fallback>
   </mc:AlternateContent>
@@ -17352,11 +18218,32 @@
               <a:rPr lang="en-US" dirty="0" smtClean="0"/>
               <a:t>100 jobs </a:t>
             </a:r>
-          </a:p>
-          <a:p>
             <a:r>
               <a:rPr lang="en-US" dirty="0" smtClean="0"/>
-              <a:t>Relevance value manually assigned </a:t>
+              <a:t>in the system</a:t>
+            </a:r>
+            <a:endParaRPr lang="en-US" dirty="0" smtClean="0"/>
+          </a:p>
+          <a:p>
+            <a:r>
+              <a:rPr lang="en-US" dirty="0" smtClean="0"/>
+              <a:t>Relevance </a:t>
+            </a:r>
+            <a:r>
+              <a:rPr lang="en-US" dirty="0" smtClean="0"/>
+              <a:t>values </a:t>
+            </a:r>
+            <a:r>
+              <a:rPr lang="en-US" dirty="0"/>
+              <a:t>between </a:t>
+            </a:r>
+            <a:r>
+              <a:rPr lang="en-US" dirty="0" smtClean="0"/>
+              <a:t>résumés and jobs are </a:t>
+            </a:r>
+            <a:r>
+              <a:rPr lang="en-US" dirty="0" smtClean="0"/>
+              <a:t>manually assigned </a:t>
             </a:r>
             <a:endParaRPr lang="en-US" dirty="0"/>
           </a:p>
@@ -17640,15 +18527,7 @@
                   <a:schemeClr val="tx1"/>
                 </a:solidFill>
               </a:rPr>
-              <a:t>Contributions </a:t>
-            </a:r>
-            <a:r>
-              <a:rPr lang="en-US" altLang="zh-CN" dirty="0" smtClean="0">
-                <a:solidFill>
-                  <a:schemeClr val="tx1"/>
-                </a:solidFill>
-              </a:rPr>
-              <a:t>of our works</a:t>
+              <a:t>Contributions of our works</a:t>
             </a:r>
             <a:endParaRPr lang="en-US" dirty="0">
               <a:solidFill>
@@ -17960,7 +18839,11 @@
             </a:r>
             <a:r>
               <a:rPr lang="en-US" dirty="0" smtClean="0"/>
-              <a:t>and job models</a:t>
+              <a:t>and job </a:t>
+            </a:r>
+            <a:r>
+              <a:rPr lang="en-US" dirty="0" smtClean="0"/>
+              <a:t>models to decrease the size of the matching set. </a:t>
             </a:r>
             <a:endParaRPr lang="en-US" dirty="0" smtClean="0"/>
           </a:p>
@@ -17971,7 +18854,11 @@
             </a:pPr>
             <a:r>
               <a:rPr lang="en-US" dirty="0" smtClean="0"/>
-              <a:t>More complex job and </a:t>
+              <a:t>Build more </a:t>
+            </a:r>
+            <a:r>
+              <a:rPr lang="en-US" dirty="0" smtClean="0"/>
+              <a:t>complex job and </a:t>
             </a:r>
             <a:r>
               <a:rPr lang="en-US" dirty="0" smtClean="0">
@@ -19246,7 +20133,7 @@
         </p:nvSpPr>
         <p:spPr bwMode="auto">
           <a:xfrm>
-            <a:off x="457200" y="1524000"/>
+            <a:off x="304800" y="1752600"/>
             <a:ext cx="8229600" cy="4983163"/>
           </a:xfrm>
           <a:prstGeom prst="rect">
@@ -20689,98 +21576,6 @@
       </p:grpSpPr>
       <p:sp>
         <p:nvSpPr>
-          <p:cNvPr id="2" name="Content Placeholder 1"/>
-          <p:cNvSpPr>
-            <a:spLocks noGrp="1"/>
-          </p:cNvSpPr>
-          <p:nvPr>
-            <p:ph idx="1"/>
-          </p:nvPr>
-        </p:nvSpPr>
-        <p:spPr>
-          <a:xfrm>
-            <a:off x="800686" y="2362200"/>
-            <a:ext cx="7772400" cy="4267200"/>
-          </a:xfrm>
-        </p:spPr>
-        <p:txBody>
-          <a:bodyPr>
-            <a:normAutofit fontScale="40000" lnSpcReduction="20000"/>
-          </a:bodyPr>
-          <a:lstStyle/>
-          <a:p>
-            <a:pPr marL="0" indent="0"/>
-            <a:r>
-              <a:rPr lang="en-US" sz="7600" dirty="0"/>
-              <a:t>Content-based </a:t>
-            </a:r>
-            <a:r>
-              <a:rPr lang="en-US" sz="7600" dirty="0" smtClean="0"/>
-              <a:t>Recommendation (CBR</a:t>
-            </a:r>
-            <a:r>
-              <a:rPr lang="en-US" sz="7600" dirty="0" smtClean="0"/>
-              <a:t>)</a:t>
-            </a:r>
-            <a:r>
-              <a:rPr lang="en-US" sz="6700" dirty="0" smtClean="0"/>
-              <a:t> </a:t>
-            </a:r>
-          </a:p>
-          <a:p>
-            <a:pPr marL="0" indent="0"/>
-            <a:endParaRPr lang="en-US" sz="6700" dirty="0"/>
-          </a:p>
-          <a:p>
-            <a:pPr marL="0" indent="0"/>
-            <a:r>
-              <a:rPr lang="en-US" sz="7600" dirty="0"/>
-              <a:t>Collaborative Filtering Recommendation (CFR). </a:t>
-            </a:r>
-            <a:endParaRPr lang="en-US" sz="7600" dirty="0" smtClean="0"/>
-          </a:p>
-          <a:p>
-            <a:pPr marL="457200" lvl="1" indent="0"/>
-            <a:endParaRPr lang="en-US" sz="6700" dirty="0" smtClean="0"/>
-          </a:p>
-          <a:p>
-            <a:pPr marL="0" indent="0"/>
-            <a:r>
-              <a:rPr lang="en-US" sz="7600" dirty="0" smtClean="0"/>
-              <a:t>Knowledge-based </a:t>
-            </a:r>
-            <a:r>
-              <a:rPr lang="en-US" sz="7600" dirty="0"/>
-              <a:t>Recommendation (KBR)</a:t>
-            </a:r>
-          </a:p>
-          <a:p>
-            <a:pPr marL="457200" lvl="1" indent="0"/>
-            <a:endParaRPr lang="en-US" sz="5900" dirty="0" smtClean="0"/>
-          </a:p>
-          <a:p>
-            <a:pPr marL="0" indent="0"/>
-            <a:r>
-              <a:rPr lang="en-US" sz="7600" dirty="0" smtClean="0"/>
-              <a:t>Hybrid </a:t>
-            </a:r>
-            <a:r>
-              <a:rPr lang="en-US" sz="7600" dirty="0"/>
-              <a:t>Recommendation </a:t>
-            </a:r>
-          </a:p>
-          <a:p>
-            <a:pPr lvl="1"/>
-            <a:endParaRPr lang="en-US" dirty="0"/>
-          </a:p>
-          <a:p>
-            <a:pPr lvl="1"/>
-            <a:endParaRPr lang="en-US" sz="2100" dirty="0"/>
-          </a:p>
-        </p:txBody>
-      </p:sp>
-      <p:sp>
-        <p:nvSpPr>
           <p:cNvPr id="3" name="Title 2"/>
           <p:cNvSpPr>
             <a:spLocks noGrp="1"/>
@@ -20805,7 +21600,30 @@
                   <a:schemeClr val="tx1"/>
                 </a:solidFill>
               </a:rPr>
-              <a:t>Previous work -- </a:t>
+              <a:t>Previous work </a:t>
+            </a:r>
+            <a:r>
+              <a:rPr lang="en-US" dirty="0">
+                <a:solidFill>
+                  <a:schemeClr val="tx1"/>
+                </a:solidFill>
+              </a:rPr>
+              <a:t/>
+            </a:r>
+            <a:br>
+              <a:rPr lang="en-US" dirty="0">
+                <a:solidFill>
+                  <a:schemeClr val="tx1"/>
+                </a:solidFill>
+              </a:rPr>
+            </a:br>
+            <a:r>
+              <a:rPr lang="en-US" dirty="0">
+                <a:solidFill>
+                  <a:schemeClr val="tx1"/>
+                </a:solidFill>
+              </a:rPr>
+              <a:t>–  </a:t>
             </a:r>
             <a:r>
               <a:rPr lang="en-US" dirty="0" smtClean="0">
@@ -20813,7 +21631,7 @@
                   <a:schemeClr val="tx1"/>
                 </a:solidFill>
               </a:rPr>
-              <a:t> Recommender </a:t>
+              <a:t>Recommender </a:t>
             </a:r>
             <a:r>
               <a:rPr lang="en-US" dirty="0">
@@ -20822,6 +21640,88 @@
                 </a:solidFill>
               </a:rPr>
               <a:t>Systems </a:t>
+            </a:r>
+          </a:p>
+        </p:txBody>
+      </p:sp>
+      <p:sp>
+        <p:nvSpPr>
+          <p:cNvPr id="4" name="Content Placeholder 3"/>
+          <p:cNvSpPr>
+            <a:spLocks noGrp="1"/>
+          </p:cNvSpPr>
+          <p:nvPr>
+            <p:ph idx="1"/>
+          </p:nvPr>
+        </p:nvSpPr>
+        <p:spPr>
+          <a:xfrm>
+            <a:off x="533400" y="2438400"/>
+            <a:ext cx="8228013" cy="3581400"/>
+          </a:xfrm>
+        </p:spPr>
+        <p:txBody>
+          <a:bodyPr/>
+          <a:lstStyle/>
+          <a:p>
+            <a:pPr marL="457200" indent="-457200">
+              <a:buFont typeface="+mj-lt"/>
+              <a:buAutoNum type="arabicPeriod"/>
+            </a:pPr>
+            <a:r>
+              <a:rPr lang="en-US" sz="2400" dirty="0"/>
+              <a:t>Content-based Recommendation (CBR) </a:t>
+            </a:r>
+          </a:p>
+          <a:p>
+            <a:pPr marL="457200" indent="-457200">
+              <a:buFont typeface="+mj-lt"/>
+              <a:buAutoNum type="arabicPeriod"/>
+            </a:pPr>
+            <a:endParaRPr lang="en-US" sz="2400" dirty="0"/>
+          </a:p>
+          <a:p>
+            <a:pPr marL="457200" indent="-457200">
+              <a:buFont typeface="+mj-lt"/>
+              <a:buAutoNum type="arabicPeriod"/>
+            </a:pPr>
+            <a:r>
+              <a:rPr lang="en-US" sz="2400" dirty="0"/>
+              <a:t>Collaborative Filtering Recommendation (CFR). </a:t>
+            </a:r>
+          </a:p>
+          <a:p>
+            <a:pPr marL="457200" indent="-457200">
+              <a:buFont typeface="+mj-lt"/>
+              <a:buAutoNum type="arabicPeriod"/>
+            </a:pPr>
+            <a:endParaRPr lang="en-US" sz="2400" dirty="0"/>
+          </a:p>
+          <a:p>
+            <a:pPr marL="457200" indent="-457200">
+              <a:buFont typeface="+mj-lt"/>
+              <a:buAutoNum type="arabicPeriod"/>
+            </a:pPr>
+            <a:r>
+              <a:rPr lang="en-US" sz="2400" dirty="0"/>
+              <a:t>Knowledge-based Recommendation (KBR)</a:t>
+            </a:r>
+          </a:p>
+          <a:p>
+            <a:pPr marL="457200" indent="-457200">
+              <a:buFont typeface="+mj-lt"/>
+              <a:buAutoNum type="arabicPeriod"/>
+            </a:pPr>
+            <a:endParaRPr lang="en-US" sz="2400" dirty="0"/>
+          </a:p>
+          <a:p>
+            <a:pPr marL="457200" indent="-457200">
+              <a:buFont typeface="+mj-lt"/>
+              <a:buAutoNum type="arabicPeriod"/>
+            </a:pPr>
+            <a:r>
+              <a:rPr lang="en-US" sz="2400" dirty="0"/>
+              <a:t>Hybrid Recommendation </a:t>
             </a:r>
           </a:p>
         </p:txBody>
@@ -20893,15 +21793,7 @@
           <a:p>
             <a:r>
               <a:rPr lang="en-US" sz="2800" dirty="0" smtClean="0"/>
-              <a:t>CASPER  (Rafter et. </a:t>
-            </a:r>
-            <a:r>
-              <a:rPr lang="en-US" sz="2800" dirty="0" smtClean="0"/>
-              <a:t>al</a:t>
-            </a:r>
-            <a:r>
-              <a:rPr lang="en-US" sz="2800" dirty="0" smtClean="0"/>
-              <a:t>. 2000)</a:t>
+              <a:t>CASPER  (Rafter et. al. 2000)</a:t>
             </a:r>
           </a:p>
           <a:p>
@@ -20931,7 +21823,6 @@
               <a:rPr lang="en-US" altLang="zh-CN" sz="2800" dirty="0" smtClean="0"/>
               <a:t> </a:t>
             </a:r>
-            <a:endParaRPr lang="en-US" altLang="zh-CN" sz="2800" dirty="0" smtClean="0"/>
           </a:p>
           <a:p>
             <a:r>
@@ -20943,29 +21834,15 @@
             <a:pPr lvl="1"/>
             <a:r>
               <a:rPr lang="en-US" sz="2400" dirty="0" smtClean="0"/>
-              <a:t>Revisit </a:t>
-            </a:r>
-            <a:r>
-              <a:rPr lang="en-US" sz="2400" dirty="0" smtClean="0"/>
-              <a:t> Jobs, Read </a:t>
-            </a:r>
-            <a:r>
-              <a:rPr lang="en-US" sz="2400" dirty="0" smtClean="0"/>
-              <a:t>time </a:t>
-            </a:r>
+              <a:t>Revisit  Jobs, Read time  </a:t>
+            </a:r>
+          </a:p>
+          <a:p>
+            <a:pPr lvl="1"/>
             <a:r>
               <a:rPr lang="en-US" sz="2400" dirty="0" smtClean="0"/>
               <a:t> </a:t>
             </a:r>
-            <a:endParaRPr lang="en-US" sz="2400" dirty="0" smtClean="0"/>
-          </a:p>
-          <a:p>
-            <a:pPr lvl="1"/>
-            <a:r>
-              <a:rPr lang="en-US" sz="2400" dirty="0" smtClean="0"/>
-              <a:t> </a:t>
-            </a:r>
-            <a:endParaRPr lang="en-US" sz="2400" dirty="0" smtClean="0"/>
           </a:p>
           <a:p>
             <a:endParaRPr lang="en-US" dirty="0"/>
@@ -21006,7 +21883,23 @@
                   <a:schemeClr val="tx1"/>
                 </a:solidFill>
               </a:rPr>
-              <a:t>work -- CASPER </a:t>
+              <a:t>work </a:t>
+            </a:r>
+            <a:r>
+              <a:rPr lang="en-US" dirty="0">
+                <a:solidFill>
+                  <a:schemeClr val="tx1"/>
+                </a:solidFill>
+              </a:rPr>
+              <a:t>– </a:t>
+            </a:r>
+            <a:r>
+              <a:rPr lang="en-US" dirty="0">
+                <a:solidFill>
+                  <a:schemeClr val="tx1"/>
+                </a:solidFill>
+              </a:rPr>
+              <a:t>CASPER </a:t>
             </a:r>
           </a:p>
         </p:txBody>

--- a/media/Master's thesis.pptx
+++ b/media/Master's thesis.pptx
@@ -375,7 +375,7 @@
             <a:fld id="{8D49A9A6-EEBE-4A10-B375-E3DE23A9130F}" type="datetimeFigureOut">
               <a:rPr lang="en-US" altLang="en-US"/>
               <a:pPr/>
-              <a:t>12/3/2014</a:t>
+              <a:t>12/5/2014</a:t>
             </a:fld>
             <a:endParaRPr lang="en-US" altLang="en-US"/>
           </a:p>
@@ -529,7 +529,7 @@
           <a:effectLst/>
           <a:extLst>
             <a:ext uri="{91240B29-F687-4f45-9708-019B960494DF}">
-              <a14:hiddenLine xmlns="" xmlns:a14="http://schemas.microsoft.com/office/drawing/2010/main" w="9525">
+              <a14:hiddenLine xmlns:a14="http://schemas.microsoft.com/office/drawing/2010/main" xmlns="" w="9525">
                 <a:solidFill>
                   <a:srgbClr val="000000"/>
                 </a:solidFill>
@@ -539,7 +539,7 @@
               </a14:hiddenLine>
             </a:ext>
             <a:ext uri="{AF507438-7753-43e0-B8FC-AC1667EBCBE1}">
-              <a14:hiddenEffects xmlns="" xmlns:a14="http://schemas.microsoft.com/office/drawing/2010/main">
+              <a14:hiddenEffects xmlns:a14="http://schemas.microsoft.com/office/drawing/2010/main" xmlns="">
                 <a:effectLst>
                   <a:outerShdw blurRad="63500" dist="38099" dir="2700000" algn="ctr" rotWithShape="0">
                     <a:srgbClr val="000000">
@@ -591,14 +591,14 @@
           <a:effectLst/>
           <a:extLst>
             <a:ext uri="{909E8E84-426E-40dd-AFC4-6F175D3DCCD1}">
-              <a14:hiddenFill xmlns="" xmlns:a14="http://schemas.microsoft.com/office/drawing/2010/main">
+              <a14:hiddenFill xmlns:a14="http://schemas.microsoft.com/office/drawing/2010/main" xmlns="">
                 <a:solidFill>
                   <a:srgbClr val="FFFFFF"/>
                 </a:solidFill>
               </a14:hiddenFill>
             </a:ext>
             <a:ext uri="{91240B29-F687-4f45-9708-019B960494DF}">
-              <a14:hiddenLine xmlns="" xmlns:a14="http://schemas.microsoft.com/office/drawing/2010/main" w="9525">
+              <a14:hiddenLine xmlns:a14="http://schemas.microsoft.com/office/drawing/2010/main" xmlns="" w="9525">
                 <a:solidFill>
                   <a:srgbClr val="000000"/>
                 </a:solidFill>
@@ -608,7 +608,7 @@
               </a14:hiddenLine>
             </a:ext>
             <a:ext uri="{AF507438-7753-43e0-B8FC-AC1667EBCBE1}">
-              <a14:hiddenEffects xmlns="" xmlns:a14="http://schemas.microsoft.com/office/drawing/2010/main">
+              <a14:hiddenEffects xmlns:a14="http://schemas.microsoft.com/office/drawing/2010/main" xmlns="">
                 <a:effectLst>
                   <a:outerShdw blurRad="63500" dist="38099" dir="2700000" algn="ctr" rotWithShape="0">
                     <a:srgbClr val="000000">
@@ -660,14 +660,14 @@
           <a:effectLst/>
           <a:extLst>
             <a:ext uri="{909E8E84-426E-40dd-AFC4-6F175D3DCCD1}">
-              <a14:hiddenFill xmlns="" xmlns:a14="http://schemas.microsoft.com/office/drawing/2010/main">
+              <a14:hiddenFill xmlns:a14="http://schemas.microsoft.com/office/drawing/2010/main" xmlns="">
                 <a:solidFill>
                   <a:srgbClr val="FFFFFF"/>
                 </a:solidFill>
               </a14:hiddenFill>
             </a:ext>
             <a:ext uri="{91240B29-F687-4f45-9708-019B960494DF}">
-              <a14:hiddenLine xmlns="" xmlns:a14="http://schemas.microsoft.com/office/drawing/2010/main" w="9525">
+              <a14:hiddenLine xmlns:a14="http://schemas.microsoft.com/office/drawing/2010/main" xmlns="" w="9525">
                 <a:solidFill>
                   <a:srgbClr val="000000"/>
                 </a:solidFill>
@@ -677,7 +677,7 @@
               </a14:hiddenLine>
             </a:ext>
             <a:ext uri="{AF507438-7753-43e0-B8FC-AC1667EBCBE1}">
-              <a14:hiddenEffects xmlns="" xmlns:a14="http://schemas.microsoft.com/office/drawing/2010/main">
+              <a14:hiddenEffects xmlns:a14="http://schemas.microsoft.com/office/drawing/2010/main" xmlns="">
                 <a:effectLst>
                   <a:outerShdw blurRad="63500" dist="38099" dir="2700000" algn="ctr" rotWithShape="0">
                     <a:srgbClr val="000000">
@@ -736,14 +736,14 @@
           <a:effectLst/>
           <a:extLst>
             <a:ext uri="{909E8E84-426E-40dd-AFC4-6F175D3DCCD1}">
-              <a14:hiddenFill xmlns="" xmlns:a14="http://schemas.microsoft.com/office/drawing/2010/main">
+              <a14:hiddenFill xmlns:a14="http://schemas.microsoft.com/office/drawing/2010/main" xmlns="">
                 <a:solidFill>
                   <a:srgbClr val="FFFFFF"/>
                 </a:solidFill>
               </a14:hiddenFill>
             </a:ext>
             <a:ext uri="{AF507438-7753-43e0-B8FC-AC1667EBCBE1}">
-              <a14:hiddenEffects xmlns="" xmlns:a14="http://schemas.microsoft.com/office/drawing/2010/main">
+              <a14:hiddenEffects xmlns:a14="http://schemas.microsoft.com/office/drawing/2010/main" xmlns="">
                 <a:effectLst>
                   <a:outerShdw blurRad="63500" dist="38099" dir="2700000" algn="ctr" rotWithShape="0">
                     <a:schemeClr val="bg2">
@@ -754,7 +754,7 @@
               </a14:hiddenEffects>
             </a:ext>
             <a:ext uri="{FAA26D3D-D897-4be2-8F04-BA451C77F1D7}">
-              <ma14:placeholderFlag xmlns="" xmlns:ma14="http://schemas.microsoft.com/office/mac/drawingml/2011/main" val="1"/>
+              <ma14:placeholderFlag xmlns:ma14="http://schemas.microsoft.com/office/mac/drawingml/2011/main" xmlns="" val="1"/>
             </a:ext>
           </a:extLst>
         </p:spPr>
@@ -784,14 +784,14 @@
           <a:effectLst/>
           <a:extLst>
             <a:ext uri="{909E8E84-426E-40dd-AFC4-6F175D3DCCD1}">
-              <a14:hiddenFill xmlns="" xmlns:a14="http://schemas.microsoft.com/office/drawing/2010/main">
+              <a14:hiddenFill xmlns:a14="http://schemas.microsoft.com/office/drawing/2010/main" xmlns="">
                 <a:solidFill>
                   <a:srgbClr val="FFFFFF"/>
                 </a:solidFill>
               </a14:hiddenFill>
             </a:ext>
             <a:ext uri="{91240B29-F687-4f45-9708-019B960494DF}">
-              <a14:hiddenLine xmlns="" xmlns:a14="http://schemas.microsoft.com/office/drawing/2010/main" w="9525">
+              <a14:hiddenLine xmlns:a14="http://schemas.microsoft.com/office/drawing/2010/main" xmlns="" w="9525">
                 <a:solidFill>
                   <a:srgbClr val="000000"/>
                 </a:solidFill>
@@ -801,7 +801,7 @@
               </a14:hiddenLine>
             </a:ext>
             <a:ext uri="{AF507438-7753-43e0-B8FC-AC1667EBCBE1}">
-              <a14:hiddenEffects xmlns="" xmlns:a14="http://schemas.microsoft.com/office/drawing/2010/main">
+              <a14:hiddenEffects xmlns:a14="http://schemas.microsoft.com/office/drawing/2010/main" xmlns="">
                 <a:effectLst>
                   <a:outerShdw blurRad="63500" dist="38099" dir="2700000" algn="ctr" rotWithShape="0">
                     <a:schemeClr val="bg2">
@@ -812,7 +812,7 @@
               </a14:hiddenEffects>
             </a:ext>
             <a:ext uri="{FAA26D3D-D897-4be2-8F04-BA451C77F1D7}">
-              <ma14:placeholderFlag xmlns="" xmlns:ma14="http://schemas.microsoft.com/office/mac/drawingml/2011/main" val="1"/>
+              <ma14:placeholderFlag xmlns:ma14="http://schemas.microsoft.com/office/mac/drawingml/2011/main" xmlns="" val="1"/>
             </a:ext>
           </a:extLst>
         </p:spPr>
@@ -852,14 +852,14 @@
           <a:effectLst/>
           <a:extLst>
             <a:ext uri="{909E8E84-426E-40dd-AFC4-6F175D3DCCD1}">
-              <a14:hiddenFill xmlns="" xmlns:a14="http://schemas.microsoft.com/office/drawing/2010/main">
+              <a14:hiddenFill xmlns:a14="http://schemas.microsoft.com/office/drawing/2010/main" xmlns="">
                 <a:solidFill>
                   <a:srgbClr val="FFFFFF"/>
                 </a:solidFill>
               </a14:hiddenFill>
             </a:ext>
             <a:ext uri="{91240B29-F687-4f45-9708-019B960494DF}">
-              <a14:hiddenLine xmlns="" xmlns:a14="http://schemas.microsoft.com/office/drawing/2010/main" w="9525">
+              <a14:hiddenLine xmlns:a14="http://schemas.microsoft.com/office/drawing/2010/main" xmlns="" w="9525">
                 <a:solidFill>
                   <a:srgbClr val="000000"/>
                 </a:solidFill>
@@ -869,7 +869,7 @@
               </a14:hiddenLine>
             </a:ext>
             <a:ext uri="{AF507438-7753-43e0-B8FC-AC1667EBCBE1}">
-              <a14:hiddenEffects xmlns="" xmlns:a14="http://schemas.microsoft.com/office/drawing/2010/main">
+              <a14:hiddenEffects xmlns:a14="http://schemas.microsoft.com/office/drawing/2010/main" xmlns="">
                 <a:effectLst>
                   <a:outerShdw blurRad="63500" dist="38099" dir="2700000" algn="ctr" rotWithShape="0">
                     <a:srgbClr val="000000">
@@ -923,14 +923,14 @@
           <a:effectLst/>
           <a:extLst>
             <a:ext uri="{909E8E84-426E-40dd-AFC4-6F175D3DCCD1}">
-              <a14:hiddenFill xmlns="" xmlns:a14="http://schemas.microsoft.com/office/drawing/2010/main">
+              <a14:hiddenFill xmlns:a14="http://schemas.microsoft.com/office/drawing/2010/main" xmlns="">
                 <a:solidFill>
                   <a:srgbClr val="FFFFFF"/>
                 </a:solidFill>
               </a14:hiddenFill>
             </a:ext>
             <a:ext uri="{91240B29-F687-4f45-9708-019B960494DF}">
-              <a14:hiddenLine xmlns="" xmlns:a14="http://schemas.microsoft.com/office/drawing/2010/main" w="9525">
+              <a14:hiddenLine xmlns:a14="http://schemas.microsoft.com/office/drawing/2010/main" xmlns="" w="9525">
                 <a:solidFill>
                   <a:srgbClr val="000000"/>
                 </a:solidFill>
@@ -940,7 +940,7 @@
               </a14:hiddenLine>
             </a:ext>
             <a:ext uri="{AF507438-7753-43e0-B8FC-AC1667EBCBE1}">
-              <a14:hiddenEffects xmlns="" xmlns:a14="http://schemas.microsoft.com/office/drawing/2010/main">
+              <a14:hiddenEffects xmlns:a14="http://schemas.microsoft.com/office/drawing/2010/main" xmlns="">
                 <a:effectLst>
                   <a:outerShdw blurRad="63500" dist="38099" dir="2700000" algn="ctr" rotWithShape="0">
                     <a:schemeClr val="bg2">
@@ -951,7 +951,7 @@
               </a14:hiddenEffects>
             </a:ext>
             <a:ext uri="{FAA26D3D-D897-4be2-8F04-BA451C77F1D7}">
-              <ma14:placeholderFlag xmlns="" xmlns:ma14="http://schemas.microsoft.com/office/mac/drawingml/2011/main" val="1"/>
+              <ma14:placeholderFlag xmlns:ma14="http://schemas.microsoft.com/office/mac/drawingml/2011/main" xmlns="" val="1"/>
             </a:ext>
           </a:extLst>
         </p:spPr>
@@ -1272,14 +1272,14 @@
         <p:spPr>
           <a:extLst>
             <a:ext uri="{909E8E84-426E-40dd-AFC4-6F175D3DCCD1}">
-              <a14:hiddenFill xmlns="" xmlns:a14="http://schemas.microsoft.com/office/drawing/2010/main">
+              <a14:hiddenFill xmlns:a14="http://schemas.microsoft.com/office/drawing/2010/main" xmlns="">
                 <a:solidFill>
                   <a:srgbClr val="FFFFFF"/>
                 </a:solidFill>
               </a14:hiddenFill>
             </a:ext>
             <a:ext uri="{91240B29-F687-4f45-9708-019B960494DF}">
-              <a14:hiddenLine xmlns="" xmlns:a14="http://schemas.microsoft.com/office/drawing/2010/main" w="9525">
+              <a14:hiddenLine xmlns:a14="http://schemas.microsoft.com/office/drawing/2010/main" xmlns="" w="9525">
                 <a:solidFill>
                   <a:srgbClr val="000000"/>
                 </a:solidFill>
@@ -1289,7 +1289,7 @@
               </a14:hiddenLine>
             </a:ext>
             <a:ext uri="{AF507438-7753-43e0-B8FC-AC1667EBCBE1}">
-              <a14:hiddenEffects xmlns="" xmlns:a14="http://schemas.microsoft.com/office/drawing/2010/main">
+              <a14:hiddenEffects xmlns:a14="http://schemas.microsoft.com/office/drawing/2010/main" xmlns="">
                 <a:effectLst>
                   <a:outerShdw blurRad="63500" dist="38099" dir="2700000" algn="ctr" rotWithShape="0">
                     <a:schemeClr val="bg2">
@@ -1300,7 +1300,7 @@
               </a14:hiddenEffects>
             </a:ext>
             <a:ext uri="{FAA26D3D-D897-4be2-8F04-BA451C77F1D7}">
-              <ma14:placeholderFlag xmlns="" xmlns:ma14="http://schemas.microsoft.com/office/mac/drawingml/2011/main" val="1"/>
+              <ma14:placeholderFlag xmlns:ma14="http://schemas.microsoft.com/office/mac/drawingml/2011/main" xmlns="" val="1"/>
             </a:ext>
           </a:extLst>
         </p:spPr>
@@ -1652,14 +1652,14 @@
         <p:spPr>
           <a:extLst>
             <a:ext uri="{909E8E84-426E-40dd-AFC4-6F175D3DCCD1}">
-              <a14:hiddenFill xmlns="" xmlns:a14="http://schemas.microsoft.com/office/drawing/2010/main">
+              <a14:hiddenFill xmlns:a14="http://schemas.microsoft.com/office/drawing/2010/main" xmlns="">
                 <a:solidFill>
                   <a:srgbClr val="FFFFFF"/>
                 </a:solidFill>
               </a14:hiddenFill>
             </a:ext>
             <a:ext uri="{91240B29-F687-4f45-9708-019B960494DF}">
-              <a14:hiddenLine xmlns="" xmlns:a14="http://schemas.microsoft.com/office/drawing/2010/main" w="9525">
+              <a14:hiddenLine xmlns:a14="http://schemas.microsoft.com/office/drawing/2010/main" xmlns="" w="9525">
                 <a:solidFill>
                   <a:srgbClr val="000000"/>
                 </a:solidFill>
@@ -1669,7 +1669,7 @@
               </a14:hiddenLine>
             </a:ext>
             <a:ext uri="{AF507438-7753-43e0-B8FC-AC1667EBCBE1}">
-              <a14:hiddenEffects xmlns="" xmlns:a14="http://schemas.microsoft.com/office/drawing/2010/main">
+              <a14:hiddenEffects xmlns:a14="http://schemas.microsoft.com/office/drawing/2010/main" xmlns="">
                 <a:effectLst>
                   <a:outerShdw blurRad="63500" dist="38099" dir="2700000" algn="ctr" rotWithShape="0">
                     <a:schemeClr val="bg2">
@@ -1680,7 +1680,7 @@
               </a14:hiddenEffects>
             </a:ext>
             <a:ext uri="{FAA26D3D-D897-4be2-8F04-BA451C77F1D7}">
-              <ma14:placeholderFlag xmlns="" xmlns:ma14="http://schemas.microsoft.com/office/mac/drawingml/2011/main" val="1"/>
+              <ma14:placeholderFlag xmlns:ma14="http://schemas.microsoft.com/office/mac/drawingml/2011/main" xmlns="" val="1"/>
             </a:ext>
           </a:extLst>
         </p:spPr>
@@ -2032,14 +2032,14 @@
         <p:spPr>
           <a:extLst>
             <a:ext uri="{909E8E84-426E-40dd-AFC4-6F175D3DCCD1}">
-              <a14:hiddenFill xmlns="" xmlns:a14="http://schemas.microsoft.com/office/drawing/2010/main">
+              <a14:hiddenFill xmlns:a14="http://schemas.microsoft.com/office/drawing/2010/main" xmlns="">
                 <a:solidFill>
                   <a:srgbClr val="FFFFFF"/>
                 </a:solidFill>
               </a14:hiddenFill>
             </a:ext>
             <a:ext uri="{91240B29-F687-4f45-9708-019B960494DF}">
-              <a14:hiddenLine xmlns="" xmlns:a14="http://schemas.microsoft.com/office/drawing/2010/main" w="9525">
+              <a14:hiddenLine xmlns:a14="http://schemas.microsoft.com/office/drawing/2010/main" xmlns="" w="9525">
                 <a:solidFill>
                   <a:srgbClr val="000000"/>
                 </a:solidFill>
@@ -2049,7 +2049,7 @@
               </a14:hiddenLine>
             </a:ext>
             <a:ext uri="{AF507438-7753-43e0-B8FC-AC1667EBCBE1}">
-              <a14:hiddenEffects xmlns="" xmlns:a14="http://schemas.microsoft.com/office/drawing/2010/main">
+              <a14:hiddenEffects xmlns:a14="http://schemas.microsoft.com/office/drawing/2010/main" xmlns="">
                 <a:effectLst>
                   <a:outerShdw blurRad="63500" dist="38099" dir="2700000" algn="ctr" rotWithShape="0">
                     <a:schemeClr val="bg2">
@@ -2060,7 +2060,7 @@
               </a14:hiddenEffects>
             </a:ext>
             <a:ext uri="{FAA26D3D-D897-4be2-8F04-BA451C77F1D7}">
-              <ma14:placeholderFlag xmlns="" xmlns:ma14="http://schemas.microsoft.com/office/mac/drawingml/2011/main" val="1"/>
+              <ma14:placeholderFlag xmlns:ma14="http://schemas.microsoft.com/office/mac/drawingml/2011/main" xmlns="" val="1"/>
             </a:ext>
           </a:extLst>
         </p:spPr>
@@ -4138,14 +4138,14 @@
           <a:effectLst/>
           <a:extLst>
             <a:ext uri="{909E8E84-426E-40dd-AFC4-6F175D3DCCD1}">
-              <a14:hiddenFill xmlns="" xmlns:a14="http://schemas.microsoft.com/office/drawing/2010/main">
+              <a14:hiddenFill xmlns:a14="http://schemas.microsoft.com/office/drawing/2010/main" xmlns="">
                 <a:solidFill>
                   <a:srgbClr val="FFFFFF"/>
                 </a:solidFill>
               </a14:hiddenFill>
             </a:ext>
             <a:ext uri="{91240B29-F687-4f45-9708-019B960494DF}">
-              <a14:hiddenLine xmlns="" xmlns:a14="http://schemas.microsoft.com/office/drawing/2010/main" w="9525">
+              <a14:hiddenLine xmlns:a14="http://schemas.microsoft.com/office/drawing/2010/main" xmlns="" w="9525">
                 <a:solidFill>
                   <a:srgbClr val="000000"/>
                 </a:solidFill>
@@ -4155,7 +4155,7 @@
               </a14:hiddenLine>
             </a:ext>
             <a:ext uri="{AF507438-7753-43e0-B8FC-AC1667EBCBE1}">
-              <a14:hiddenEffects xmlns="" xmlns:a14="http://schemas.microsoft.com/office/drawing/2010/main">
+              <a14:hiddenEffects xmlns:a14="http://schemas.microsoft.com/office/drawing/2010/main" xmlns="">
                 <a:effectLst>
                   <a:outerShdw blurRad="63500" dist="38099" dir="2700000" algn="ctr" rotWithShape="0">
                     <a:schemeClr val="bg2">
@@ -4166,7 +4166,7 @@
               </a14:hiddenEffects>
             </a:ext>
             <a:ext uri="{FAA26D3D-D897-4be2-8F04-BA451C77F1D7}">
-              <ma14:placeholderFlag xmlns="" xmlns:ma14="http://schemas.microsoft.com/office/mac/drawingml/2011/main" val="1"/>
+              <ma14:placeholderFlag xmlns:ma14="http://schemas.microsoft.com/office/mac/drawingml/2011/main" xmlns="" val="1"/>
             </a:ext>
           </a:extLst>
         </p:spPr>
@@ -4211,14 +4211,14 @@
           <a:effectLst/>
           <a:extLst>
             <a:ext uri="{909E8E84-426E-40dd-AFC4-6F175D3DCCD1}">
-              <a14:hiddenFill xmlns="" xmlns:a14="http://schemas.microsoft.com/office/drawing/2010/main">
+              <a14:hiddenFill xmlns:a14="http://schemas.microsoft.com/office/drawing/2010/main" xmlns="">
                 <a:solidFill>
                   <a:srgbClr val="FFFFFF"/>
                 </a:solidFill>
               </a14:hiddenFill>
             </a:ext>
             <a:ext uri="{91240B29-F687-4f45-9708-019B960494DF}">
-              <a14:hiddenLine xmlns="" xmlns:a14="http://schemas.microsoft.com/office/drawing/2010/main" w="9525">
+              <a14:hiddenLine xmlns:a14="http://schemas.microsoft.com/office/drawing/2010/main" xmlns="" w="9525">
                 <a:solidFill>
                   <a:srgbClr val="000000"/>
                 </a:solidFill>
@@ -4228,7 +4228,7 @@
               </a14:hiddenLine>
             </a:ext>
             <a:ext uri="{AF507438-7753-43e0-B8FC-AC1667EBCBE1}">
-              <a14:hiddenEffects xmlns="" xmlns:a14="http://schemas.microsoft.com/office/drawing/2010/main">
+              <a14:hiddenEffects xmlns:a14="http://schemas.microsoft.com/office/drawing/2010/main" xmlns="">
                 <a:effectLst>
                   <a:outerShdw blurRad="63500" dist="38099" dir="2700000" algn="ctr" rotWithShape="0">
                     <a:schemeClr val="bg2">
@@ -4239,7 +4239,7 @@
               </a14:hiddenEffects>
             </a:ext>
             <a:ext uri="{FAA26D3D-D897-4be2-8F04-BA451C77F1D7}">
-              <ma14:placeholderFlag xmlns="" xmlns:ma14="http://schemas.microsoft.com/office/mac/drawingml/2011/main" val="1"/>
+              <ma14:placeholderFlag xmlns:ma14="http://schemas.microsoft.com/office/mac/drawingml/2011/main" xmlns="" val="1"/>
             </a:ext>
           </a:extLst>
         </p:spPr>
@@ -4340,7 +4340,7 @@
           <a:effectLst/>
           <a:extLst>
             <a:ext uri="{91240B29-F687-4f45-9708-019B960494DF}">
-              <a14:hiddenLine xmlns="" xmlns:a14="http://schemas.microsoft.com/office/drawing/2010/main" w="9525">
+              <a14:hiddenLine xmlns:a14="http://schemas.microsoft.com/office/drawing/2010/main" xmlns="" w="9525">
                 <a:solidFill>
                   <a:srgbClr val="000000"/>
                 </a:solidFill>
@@ -4350,7 +4350,7 @@
               </a14:hiddenLine>
             </a:ext>
             <a:ext uri="{AF507438-7753-43e0-B8FC-AC1667EBCBE1}">
-              <a14:hiddenEffects xmlns="" xmlns:a14="http://schemas.microsoft.com/office/drawing/2010/main">
+              <a14:hiddenEffects xmlns:a14="http://schemas.microsoft.com/office/drawing/2010/main" xmlns="">
                 <a:effectLst>
                   <a:outerShdw blurRad="63500" dist="38099" dir="2700000" algn="ctr" rotWithShape="0">
                     <a:srgbClr val="000000">
@@ -4403,7 +4403,7 @@
           <a:effectLst/>
           <a:extLst>
             <a:ext uri="{91240B29-F687-4f45-9708-019B960494DF}">
-              <a14:hiddenLine xmlns="" xmlns:a14="http://schemas.microsoft.com/office/drawing/2010/main" w="9525">
+              <a14:hiddenLine xmlns:a14="http://schemas.microsoft.com/office/drawing/2010/main" xmlns="" w="9525">
                 <a:solidFill>
                   <a:srgbClr val="000000"/>
                 </a:solidFill>
@@ -4413,7 +4413,7 @@
               </a14:hiddenLine>
             </a:ext>
             <a:ext uri="{AF507438-7753-43e0-B8FC-AC1667EBCBE1}">
-              <a14:hiddenEffects xmlns="" xmlns:a14="http://schemas.microsoft.com/office/drawing/2010/main">
+              <a14:hiddenEffects xmlns:a14="http://schemas.microsoft.com/office/drawing/2010/main" xmlns="">
                 <a:effectLst>
                   <a:outerShdw blurRad="63500" dist="38099" dir="2700000" algn="ctr" rotWithShape="0">
                     <a:srgbClr val="000000">
@@ -4466,7 +4466,7 @@
           <a:effectLst/>
           <a:extLst>
             <a:ext uri="{91240B29-F687-4f45-9708-019B960494DF}">
-              <a14:hiddenLine xmlns="" xmlns:a14="http://schemas.microsoft.com/office/drawing/2010/main" w="9525">
+              <a14:hiddenLine xmlns:a14="http://schemas.microsoft.com/office/drawing/2010/main" xmlns="" w="9525">
                 <a:solidFill>
                   <a:srgbClr val="000000"/>
                 </a:solidFill>
@@ -4476,7 +4476,7 @@
               </a14:hiddenLine>
             </a:ext>
             <a:ext uri="{AF507438-7753-43e0-B8FC-AC1667EBCBE1}">
-              <a14:hiddenEffects xmlns="" xmlns:a14="http://schemas.microsoft.com/office/drawing/2010/main">
+              <a14:hiddenEffects xmlns:a14="http://schemas.microsoft.com/office/drawing/2010/main" xmlns="">
                 <a:effectLst>
                   <a:outerShdw blurRad="63500" dist="38099" dir="2700000" algn="ctr" rotWithShape="0">
                     <a:srgbClr val="000000">
@@ -4540,7 +4540,7 @@
           <a:effectLst/>
           <a:extLst>
             <a:ext uri="{909E8E84-426E-40dd-AFC4-6F175D3DCCD1}">
-              <a14:hiddenFill xmlns="" xmlns:a14="http://schemas.microsoft.com/office/drawing/2010/main">
+              <a14:hiddenFill xmlns:a14="http://schemas.microsoft.com/office/drawing/2010/main" xmlns="">
                 <a:blipFill dpi="0" rotWithShape="0">
                   <a:blip xmlns:r="http://schemas.openxmlformats.org/officeDocument/2006/relationships"/>
                   <a:srcRect/>
@@ -4551,7 +4551,7 @@
               </a14:hiddenFill>
             </a:ext>
             <a:ext uri="{91240B29-F687-4f45-9708-019B960494DF}">
-              <a14:hiddenLine xmlns="" xmlns:a14="http://schemas.microsoft.com/office/drawing/2010/main" w="9525">
+              <a14:hiddenLine xmlns:a14="http://schemas.microsoft.com/office/drawing/2010/main" xmlns="" w="9525">
                 <a:solidFill>
                   <a:srgbClr val="000000"/>
                 </a:solidFill>
@@ -4561,7 +4561,7 @@
               </a14:hiddenLine>
             </a:ext>
             <a:ext uri="{AF507438-7753-43e0-B8FC-AC1667EBCBE1}">
-              <a14:hiddenEffects xmlns="" xmlns:a14="http://schemas.microsoft.com/office/drawing/2010/main">
+              <a14:hiddenEffects xmlns:a14="http://schemas.microsoft.com/office/drawing/2010/main" xmlns="">
                 <a:effectLst>
                   <a:outerShdw blurRad="63500" dist="38099" dir="2700000" algn="ctr" rotWithShape="0">
                     <a:srgbClr val="000000">
@@ -4597,14 +4597,14 @@
           <a:effectLst/>
           <a:extLst>
             <a:ext uri="{909E8E84-426E-40dd-AFC4-6F175D3DCCD1}">
-              <a14:hiddenFill xmlns="" xmlns:a14="http://schemas.microsoft.com/office/drawing/2010/main">
+              <a14:hiddenFill xmlns:a14="http://schemas.microsoft.com/office/drawing/2010/main" xmlns="">
                 <a:solidFill>
                   <a:srgbClr val="FFFFFF"/>
                 </a:solidFill>
               </a14:hiddenFill>
             </a:ext>
             <a:ext uri="{91240B29-F687-4f45-9708-019B960494DF}">
-              <a14:hiddenLine xmlns="" xmlns:a14="http://schemas.microsoft.com/office/drawing/2010/main" w="9525">
+              <a14:hiddenLine xmlns:a14="http://schemas.microsoft.com/office/drawing/2010/main" xmlns="" w="9525">
                 <a:solidFill>
                   <a:srgbClr val="000000"/>
                 </a:solidFill>
@@ -4614,7 +4614,7 @@
               </a14:hiddenLine>
             </a:ext>
             <a:ext uri="{AF507438-7753-43e0-B8FC-AC1667EBCBE1}">
-              <a14:hiddenEffects xmlns="" xmlns:a14="http://schemas.microsoft.com/office/drawing/2010/main">
+              <a14:hiddenEffects xmlns:a14="http://schemas.microsoft.com/office/drawing/2010/main" xmlns="">
                 <a:effectLst>
                   <a:outerShdw blurRad="63500" dist="38099" dir="2700000" algn="ctr" rotWithShape="0">
                     <a:srgbClr val="000000">
@@ -5572,15 +5572,7 @@
                   <a:schemeClr val="tx1"/>
                 </a:solidFill>
               </a:rPr>
-              <a:t>É – JOB </a:t>
-            </a:r>
-            <a:r>
-              <a:rPr lang="en-US" dirty="0">
-                <a:solidFill>
-                  <a:schemeClr val="tx1"/>
-                </a:solidFill>
-              </a:rPr>
-              <a:t>MATCHING SYSTEM</a:t>
+              <a:t>É – JOB MATCHING SYSTEM</a:t>
             </a:r>
           </a:p>
         </p:txBody>
@@ -5727,23 +5719,7 @@
                   <a:schemeClr val="tx1"/>
                 </a:solidFill>
               </a:rPr>
-              <a:t>work </a:t>
-            </a:r>
-            <a:r>
-              <a:rPr lang="en-US" dirty="0">
-                <a:solidFill>
-                  <a:schemeClr val="tx1"/>
-                </a:solidFill>
-              </a:rPr>
-              <a:t>– </a:t>
-            </a:r>
-            <a:r>
-              <a:rPr lang="en-US" dirty="0">
-                <a:solidFill>
-                  <a:schemeClr val="tx1"/>
-                </a:solidFill>
-              </a:rPr>
-              <a:t>CASPER </a:t>
+              <a:t>work – CASPER </a:t>
             </a:r>
           </a:p>
         </p:txBody>
@@ -6122,15 +6098,7 @@
                   <a:schemeClr val="tx1"/>
                 </a:solidFill>
               </a:rPr>
-              <a:t>– Hybrid </a:t>
-            </a:r>
-            <a:r>
-              <a:rPr lang="en-US" dirty="0" smtClean="0">
-                <a:solidFill>
-                  <a:schemeClr val="tx1"/>
-                </a:solidFill>
-              </a:rPr>
-              <a:t>Recommender System</a:t>
+              <a:t>– Hybrid Recommender System</a:t>
             </a:r>
             <a:endParaRPr lang="en-US" dirty="0">
               <a:solidFill>
@@ -6349,15 +6317,7 @@
                   <a:schemeClr val="tx1"/>
                 </a:solidFill>
               </a:rPr>
-              <a:t>– Hybrid </a:t>
-            </a:r>
-            <a:r>
-              <a:rPr lang="en-US" dirty="0" smtClean="0">
-                <a:solidFill>
-                  <a:schemeClr val="tx1"/>
-                </a:solidFill>
-              </a:rPr>
-              <a:t>Recommender System</a:t>
+              <a:t>– Hybrid Recommender System</a:t>
             </a:r>
             <a:endParaRPr lang="en-US" dirty="0">
               <a:solidFill>
@@ -6529,15 +6489,7 @@
                   <a:schemeClr val="tx1"/>
                 </a:solidFill>
               </a:rPr>
-              <a:t>– IBM </a:t>
-            </a:r>
-            <a:r>
-              <a:rPr lang="en-US" dirty="0" smtClean="0">
-                <a:solidFill>
-                  <a:schemeClr val="tx1"/>
-                </a:solidFill>
-              </a:rPr>
-              <a:t>PROSPECT</a:t>
+              <a:t>– IBM PROSPECT</a:t>
             </a:r>
             <a:endParaRPr lang="en-US" dirty="0">
               <a:solidFill>
@@ -6661,23 +6613,7 @@
                   <a:schemeClr val="tx1"/>
                 </a:solidFill>
               </a:rPr>
-              <a:t>work </a:t>
-            </a:r>
-            <a:r>
-              <a:rPr lang="en-US" dirty="0">
-                <a:solidFill>
-                  <a:schemeClr val="tx1"/>
-                </a:solidFill>
-              </a:rPr>
-              <a:t>– </a:t>
-            </a:r>
-            <a:r>
-              <a:rPr lang="en-US" dirty="0">
-                <a:solidFill>
-                  <a:schemeClr val="tx1"/>
-                </a:solidFill>
-              </a:rPr>
-              <a:t>PROSPECT</a:t>
+              <a:t>work – PROSPECT</a:t>
             </a:r>
           </a:p>
         </p:txBody>
@@ -6867,15 +6803,7 @@
                   <a:schemeClr val="tx1"/>
                 </a:solidFill>
               </a:rPr>
-              <a:t>– HP </a:t>
-            </a:r>
-            <a:r>
-              <a:rPr lang="en-US" dirty="0" smtClean="0">
-                <a:solidFill>
-                  <a:schemeClr val="tx1"/>
-                </a:solidFill>
-              </a:rPr>
-              <a:t>Resource </a:t>
+              <a:t>– HP Resource </a:t>
             </a:r>
             <a:r>
               <a:rPr lang="en-US" dirty="0">
@@ -11828,14 +11756,6 @@
               </a:rPr>
               <a:t>Flexibility </a:t>
             </a:r>
-            <a:r>
-              <a:rPr lang="en-US" sz="3600" dirty="0" smtClean="0">
-                <a:solidFill>
-                  <a:schemeClr val="tx1"/>
-                </a:solidFill>
-              </a:rPr>
-              <a:t/>
-            </a:r>
             <a:br>
               <a:rPr lang="en-US" sz="3600" dirty="0" smtClean="0">
                 <a:solidFill>
@@ -11849,15 +11769,7 @@
                   <a:schemeClr val="tx1"/>
                 </a:solidFill>
               </a:rPr>
-              <a:t>–  </a:t>
-            </a:r>
-            <a:r>
-              <a:rPr lang="en-US" sz="3600" dirty="0" smtClean="0">
-                <a:solidFill>
-                  <a:schemeClr val="tx1"/>
-                </a:solidFill>
-              </a:rPr>
-              <a:t>regular expression style </a:t>
+              <a:t>–  regular expression style </a:t>
             </a:r>
             <a:endParaRPr lang="en-US" sz="3600" dirty="0">
               <a:solidFill>
@@ -12204,14 +12116,6 @@
               </a:rPr>
               <a:t>Flexibility </a:t>
             </a:r>
-            <a:r>
-              <a:rPr lang="en-US" dirty="0">
-                <a:solidFill>
-                  <a:schemeClr val="tx1"/>
-                </a:solidFill>
-              </a:rPr>
-              <a:t/>
-            </a:r>
             <a:br>
               <a:rPr lang="en-US" dirty="0">
                 <a:solidFill>
@@ -12233,15 +12137,7 @@
                   <a:schemeClr val="tx1"/>
                 </a:solidFill>
               </a:rPr>
-              <a:t> </a:t>
-            </a:r>
-            <a:r>
-              <a:rPr lang="en-US" dirty="0" smtClean="0">
-                <a:solidFill>
-                  <a:schemeClr val="tx1"/>
-                </a:solidFill>
-              </a:rPr>
-              <a:t>connected by algebra operators</a:t>
+              <a:t> connected by algebra operators</a:t>
             </a:r>
             <a:endParaRPr lang="en-US" dirty="0">
               <a:solidFill>
@@ -12347,15 +12243,7 @@
                   <a:schemeClr val="tx1"/>
                 </a:solidFill>
               </a:rPr>
-              <a:t>– </a:t>
-            </a:r>
-            <a:r>
-              <a:rPr lang="en-US" dirty="0" smtClean="0">
-                <a:solidFill>
-                  <a:schemeClr val="tx1"/>
-                </a:solidFill>
-              </a:rPr>
-              <a:t>OO programming style</a:t>
+              <a:t>– OO programming style</a:t>
             </a:r>
             <a:endParaRPr lang="en-US" dirty="0">
               <a:solidFill>
@@ -12728,15 +12616,7 @@
           <a:p>
             <a:r>
               <a:rPr lang="en-US" sz="2400" dirty="0" smtClean="0"/>
-              <a:t>7000 </a:t>
-            </a:r>
-            <a:r>
-              <a:rPr lang="en-US" sz="2400" dirty="0" smtClean="0"/>
-              <a:t>jobs </a:t>
-            </a:r>
-            <a:r>
-              <a:rPr lang="en-US" sz="2400" dirty="0" smtClean="0"/>
-              <a:t>returned.</a:t>
+              <a:t>7000 jobs returned.</a:t>
             </a:r>
           </a:p>
           <a:p>
@@ -13231,14 +13111,14 @@
           <a:effectLst/>
           <a:extLst>
             <a:ext uri="{909E8E84-426E-40dd-AFC4-6F175D3DCCD1}">
-              <a14:hiddenFill xmlns="" xmlns:a14="http://schemas.microsoft.com/office/drawing/2010/main">
+              <a14:hiddenFill xmlns:a14="http://schemas.microsoft.com/office/drawing/2010/main" xmlns="">
                 <a:solidFill>
                   <a:srgbClr val="FFFFFF"/>
                 </a:solidFill>
               </a14:hiddenFill>
             </a:ext>
             <a:ext uri="{91240B29-F687-4f45-9708-019B960494DF}">
-              <a14:hiddenLine xmlns="" xmlns:a14="http://schemas.microsoft.com/office/drawing/2010/main" w="9525">
+              <a14:hiddenLine xmlns:a14="http://schemas.microsoft.com/office/drawing/2010/main" xmlns="" w="9525">
                 <a:solidFill>
                   <a:srgbClr val="000000"/>
                 </a:solidFill>
@@ -13248,7 +13128,7 @@
               </a14:hiddenLine>
             </a:ext>
             <a:ext uri="{AF507438-7753-43e0-B8FC-AC1667EBCBE1}">
-              <a14:hiddenEffects xmlns="" xmlns:a14="http://schemas.microsoft.com/office/drawing/2010/main">
+              <a14:hiddenEffects xmlns:a14="http://schemas.microsoft.com/office/drawing/2010/main" xmlns="">
                 <a:effectLst>
                   <a:outerShdw blurRad="63500" dist="38099" dir="2700000" algn="ctr" rotWithShape="0">
                     <a:schemeClr val="bg2">
@@ -13259,7 +13139,7 @@
               </a14:hiddenEffects>
             </a:ext>
             <a:ext uri="{FAA26D3D-D897-4be2-8F04-BA451C77F1D7}">
-              <ma14:placeholderFlag xmlns="" xmlns:ma14="http://schemas.microsoft.com/office/mac/drawingml/2011/main" val="1"/>
+              <ma14:placeholderFlag xmlns:ma14="http://schemas.microsoft.com/office/mac/drawingml/2011/main" xmlns="" val="1"/>
             </a:ext>
           </a:extLst>
         </p:spPr>
@@ -16044,14 +15924,6 @@
               </a:rPr>
               <a:t>EVALUATION </a:t>
             </a:r>
-            <a:r>
-              <a:rPr lang="en-US" dirty="0" smtClean="0">
-                <a:solidFill>
-                  <a:schemeClr val="tx1"/>
-                </a:solidFill>
-              </a:rPr>
-              <a:t/>
-            </a:r>
             <a:br>
               <a:rPr lang="en-US" dirty="0" smtClean="0">
                 <a:solidFill>
@@ -16065,15 +15937,7 @@
                   <a:schemeClr val="tx1"/>
                 </a:solidFill>
               </a:rPr>
-              <a:t>– </a:t>
-            </a:r>
-            <a:r>
-              <a:rPr lang="en-US" dirty="0" smtClean="0">
-                <a:solidFill>
-                  <a:schemeClr val="tx1"/>
-                </a:solidFill>
-              </a:rPr>
-              <a:t>Information Extraction </a:t>
+              <a:t>– Information Extraction </a:t>
             </a:r>
             <a:endParaRPr lang="en-US" dirty="0">
               <a:solidFill>
@@ -16193,14 +16057,6 @@
               </a:rPr>
               <a:t>EVALUATION </a:t>
             </a:r>
-            <a:r>
-              <a:rPr lang="en-US" dirty="0" smtClean="0">
-                <a:solidFill>
-                  <a:schemeClr val="tx1"/>
-                </a:solidFill>
-              </a:rPr>
-              <a:t/>
-            </a:r>
             <a:br>
               <a:rPr lang="en-US" dirty="0" smtClean="0">
                 <a:solidFill>
@@ -16214,15 +16070,7 @@
                   <a:schemeClr val="tx1"/>
                 </a:solidFill>
               </a:rPr>
-              <a:t>– Information </a:t>
-            </a:r>
-            <a:r>
-              <a:rPr lang="en-US" dirty="0" smtClean="0">
-                <a:solidFill>
-                  <a:schemeClr val="tx1"/>
-                </a:solidFill>
-              </a:rPr>
-              <a:t>Extraction </a:t>
+              <a:t>– Information Extraction </a:t>
             </a:r>
             <a:endParaRPr lang="en-US" dirty="0">
               <a:solidFill>
@@ -16632,13 +16480,8 @@
             </a:r>
             <a:r>
               <a:rPr lang="en-US" dirty="0" smtClean="0"/>
-              <a:t>Gain(NDCG</a:t>
-            </a:r>
-            <a:r>
-              <a:rPr lang="en-US" dirty="0" smtClean="0"/>
-              <a:t>) </a:t>
-            </a:r>
-            <a:endParaRPr lang="en-US" dirty="0" smtClean="0"/>
+              <a:t>Gain(NDCG) </a:t>
+            </a:r>
           </a:p>
           <a:p>
             <a:endParaRPr lang="en-US" dirty="0"/>
@@ -16684,7 +16527,23 @@
                   <a:schemeClr val="tx1"/>
                 </a:solidFill>
               </a:rPr>
-              <a:t>relevance score assessors gave to document </a:t>
+              <a:t>relevance score assessors </a:t>
+            </a:r>
+            <a:r>
+              <a:rPr lang="en-US" dirty="0" smtClean="0">
+                <a:solidFill>
+                  <a:schemeClr val="tx1"/>
+                </a:solidFill>
+              </a:rPr>
+              <a:t>gave </a:t>
+            </a:r>
+            <a:r>
+              <a:rPr lang="en-US" dirty="0">
+                <a:solidFill>
+                  <a:schemeClr val="tx1"/>
+                </a:solidFill>
+              </a:rPr>
+              <a:t>to document </a:t>
             </a:r>
             <a:r>
               <a:rPr lang="en-US" dirty="0" smtClean="0">
@@ -16767,15 +16626,7 @@
                   <a:schemeClr val="tx1"/>
                 </a:solidFill>
               </a:rPr>
-              <a:t>– </a:t>
-            </a:r>
-            <a:r>
-              <a:rPr lang="en-US" dirty="0" smtClean="0">
-                <a:solidFill>
-                  <a:schemeClr val="tx1"/>
-                </a:solidFill>
-              </a:rPr>
-              <a:t>Ontology Similarity </a:t>
+              <a:t>– Ontology Similarity </a:t>
             </a:r>
             <a:endParaRPr lang="en-US" dirty="0">
               <a:solidFill>
@@ -18216,22 +18067,13 @@
           <a:p>
             <a:r>
               <a:rPr lang="en-US" dirty="0" smtClean="0"/>
-              <a:t>100 jobs </a:t>
-            </a:r>
+              <a:t>100 jobs in the system</a:t>
+            </a:r>
+          </a:p>
+          <a:p>
             <a:r>
               <a:rPr lang="en-US" dirty="0" smtClean="0"/>
-              <a:t>in the system</a:t>
-            </a:r>
-            <a:endParaRPr lang="en-US" dirty="0" smtClean="0"/>
-          </a:p>
-          <a:p>
-            <a:r>
-              <a:rPr lang="en-US" dirty="0" smtClean="0"/>
-              <a:t>Relevance </a:t>
-            </a:r>
-            <a:r>
-              <a:rPr lang="en-US" dirty="0" smtClean="0"/>
-              <a:t>values </a:t>
+              <a:t>Relevance values </a:t>
             </a:r>
             <a:r>
               <a:rPr lang="en-US" dirty="0"/>
@@ -18239,11 +18081,7 @@
             </a:r>
             <a:r>
               <a:rPr lang="en-US" dirty="0" smtClean="0"/>
-              <a:t>résumés and jobs are </a:t>
-            </a:r>
-            <a:r>
-              <a:rPr lang="en-US" dirty="0" smtClean="0"/>
-              <a:t>manually assigned </a:t>
+              <a:t>résumés and jobs are manually assigned </a:t>
             </a:r>
             <a:endParaRPr lang="en-US" dirty="0"/>
           </a:p>
@@ -18830,22 +18668,17 @@
               <a:buAutoNum type="arabicPeriod"/>
             </a:pPr>
             <a:r>
+              <a:rPr lang="en-US" smtClean="0"/>
+              <a:t>Cluster the </a:t>
+            </a:r>
+            <a:r>
+              <a:rPr lang="en-US" dirty="0"/>
+              <a:t>résumé </a:t>
+            </a:r>
+            <a:r>
               <a:rPr lang="en-US" dirty="0" smtClean="0"/>
-              <a:t>Classify </a:t>
-            </a:r>
-            <a:r>
-              <a:rPr lang="en-US" dirty="0"/>
-              <a:t>the résumé </a:t>
-            </a:r>
-            <a:r>
-              <a:rPr lang="en-US" dirty="0" smtClean="0"/>
-              <a:t>and job </a:t>
-            </a:r>
-            <a:r>
-              <a:rPr lang="en-US" dirty="0" smtClean="0"/>
-              <a:t>models to decrease the size of the matching set. </a:t>
-            </a:r>
-            <a:endParaRPr lang="en-US" dirty="0" smtClean="0"/>
+              <a:t>and job models to decrease the size of the matching set. </a:t>
+            </a:r>
           </a:p>
           <a:p>
             <a:pPr marL="514350" indent="-514350">
@@ -18854,11 +18687,7 @@
             </a:pPr>
             <a:r>
               <a:rPr lang="en-US" dirty="0" smtClean="0"/>
-              <a:t>Build more </a:t>
-            </a:r>
-            <a:r>
-              <a:rPr lang="en-US" dirty="0" smtClean="0"/>
-              <a:t>complex job and </a:t>
+              <a:t>Build more complex job and </a:t>
             </a:r>
             <a:r>
               <a:rPr lang="en-US" dirty="0" smtClean="0">
@@ -18983,14 +18812,14 @@
           <a:effectLst/>
           <a:extLst>
             <a:ext uri="{909E8E84-426E-40dd-AFC4-6F175D3DCCD1}">
-              <a14:hiddenFill xmlns="" xmlns:a14="http://schemas.microsoft.com/office/drawing/2010/main">
+              <a14:hiddenFill xmlns:a14="http://schemas.microsoft.com/office/drawing/2010/main" xmlns="">
                 <a:solidFill>
                   <a:srgbClr val="FFFFFF"/>
                 </a:solidFill>
               </a14:hiddenFill>
             </a:ext>
             <a:ext uri="{91240B29-F687-4f45-9708-019B960494DF}">
-              <a14:hiddenLine xmlns="" xmlns:a14="http://schemas.microsoft.com/office/drawing/2010/main" w="9525">
+              <a14:hiddenLine xmlns:a14="http://schemas.microsoft.com/office/drawing/2010/main" xmlns="" w="9525">
                 <a:solidFill>
                   <a:srgbClr val="000000"/>
                 </a:solidFill>
@@ -19000,7 +18829,7 @@
               </a14:hiddenLine>
             </a:ext>
             <a:ext uri="{AF507438-7753-43e0-B8FC-AC1667EBCBE1}">
-              <a14:hiddenEffects xmlns="" xmlns:a14="http://schemas.microsoft.com/office/drawing/2010/main">
+              <a14:hiddenEffects xmlns:a14="http://schemas.microsoft.com/office/drawing/2010/main" xmlns="">
                 <a:effectLst>
                   <a:outerShdw blurRad="63500" dist="38099" dir="2700000" algn="ctr" rotWithShape="0">
                     <a:srgbClr val="000000">
@@ -19317,14 +19146,14 @@
           <a:effectLst/>
           <a:extLst>
             <a:ext uri="{909E8E84-426E-40dd-AFC4-6F175D3DCCD1}">
-              <a14:hiddenFill xmlns="" xmlns:a14="http://schemas.microsoft.com/office/drawing/2010/main">
+              <a14:hiddenFill xmlns:a14="http://schemas.microsoft.com/office/drawing/2010/main" xmlns="">
                 <a:solidFill>
                   <a:srgbClr val="FFFFFF"/>
                 </a:solidFill>
               </a14:hiddenFill>
             </a:ext>
             <a:ext uri="{91240B29-F687-4f45-9708-019B960494DF}">
-              <a14:hiddenLine xmlns="" xmlns:a14="http://schemas.microsoft.com/office/drawing/2010/main" w="9525">
+              <a14:hiddenLine xmlns:a14="http://schemas.microsoft.com/office/drawing/2010/main" xmlns="" w="9525">
                 <a:solidFill>
                   <a:srgbClr val="000000"/>
                 </a:solidFill>
@@ -19334,7 +19163,7 @@
               </a14:hiddenLine>
             </a:ext>
             <a:ext uri="{AF507438-7753-43e0-B8FC-AC1667EBCBE1}">
-              <a14:hiddenEffects xmlns="" xmlns:a14="http://schemas.microsoft.com/office/drawing/2010/main">
+              <a14:hiddenEffects xmlns:a14="http://schemas.microsoft.com/office/drawing/2010/main" xmlns="">
                 <a:effectLst>
                   <a:outerShdw blurRad="63500" dist="38099" dir="2700000" algn="ctr" rotWithShape="0">
                     <a:srgbClr val="000000">
@@ -19812,14 +19641,14 @@
           <a:effectLst/>
           <a:extLst>
             <a:ext uri="{909E8E84-426E-40dd-AFC4-6F175D3DCCD1}">
-              <a14:hiddenFill xmlns="" xmlns:a14="http://schemas.microsoft.com/office/drawing/2010/main">
+              <a14:hiddenFill xmlns:a14="http://schemas.microsoft.com/office/drawing/2010/main" xmlns="">
                 <a:solidFill>
                   <a:srgbClr val="FFFFFF"/>
                 </a:solidFill>
               </a14:hiddenFill>
             </a:ext>
             <a:ext uri="{91240B29-F687-4f45-9708-019B960494DF}">
-              <a14:hiddenLine xmlns="" xmlns:a14="http://schemas.microsoft.com/office/drawing/2010/main" w="9525">
+              <a14:hiddenLine xmlns:a14="http://schemas.microsoft.com/office/drawing/2010/main" xmlns="" w="9525">
                 <a:solidFill>
                   <a:srgbClr val="000000"/>
                 </a:solidFill>
@@ -19829,7 +19658,7 @@
               </a14:hiddenLine>
             </a:ext>
             <a:ext uri="{AF507438-7753-43e0-B8FC-AC1667EBCBE1}">
-              <a14:hiddenEffects xmlns="" xmlns:a14="http://schemas.microsoft.com/office/drawing/2010/main">
+              <a14:hiddenEffects xmlns:a14="http://schemas.microsoft.com/office/drawing/2010/main" xmlns="">
                 <a:effectLst>
                   <a:outerShdw blurRad="63500" dist="38099" dir="2700000" algn="ctr" rotWithShape="0">
                     <a:srgbClr val="000000">
@@ -20146,14 +19975,14 @@
           <a:effectLst/>
           <a:extLst>
             <a:ext uri="{909E8E84-426E-40dd-AFC4-6F175D3DCCD1}">
-              <a14:hiddenFill xmlns="" xmlns:a14="http://schemas.microsoft.com/office/drawing/2010/main">
+              <a14:hiddenFill xmlns:a14="http://schemas.microsoft.com/office/drawing/2010/main" xmlns="">
                 <a:solidFill>
                   <a:srgbClr val="FFFFFF"/>
                 </a:solidFill>
               </a14:hiddenFill>
             </a:ext>
             <a:ext uri="{91240B29-F687-4f45-9708-019B960494DF}">
-              <a14:hiddenLine xmlns="" xmlns:a14="http://schemas.microsoft.com/office/drawing/2010/main" w="9525">
+              <a14:hiddenLine xmlns:a14="http://schemas.microsoft.com/office/drawing/2010/main" xmlns="" w="9525">
                 <a:solidFill>
                   <a:srgbClr val="000000"/>
                 </a:solidFill>
@@ -20163,7 +19992,7 @@
               </a14:hiddenLine>
             </a:ext>
             <a:ext uri="{AF507438-7753-43e0-B8FC-AC1667EBCBE1}">
-              <a14:hiddenEffects xmlns="" xmlns:a14="http://schemas.microsoft.com/office/drawing/2010/main">
+              <a14:hiddenEffects xmlns:a14="http://schemas.microsoft.com/office/drawing/2010/main" xmlns="">
                 <a:effectLst>
                   <a:outerShdw blurRad="63500" dist="38099" dir="2700000" algn="ctr" rotWithShape="0">
                     <a:srgbClr val="000000">
@@ -20823,14 +20652,14 @@
           <a:effectLst/>
           <a:extLst>
             <a:ext uri="{909E8E84-426E-40dd-AFC4-6F175D3DCCD1}">
-              <a14:hiddenFill xmlns="" xmlns:a14="http://schemas.microsoft.com/office/drawing/2010/main">
+              <a14:hiddenFill xmlns:a14="http://schemas.microsoft.com/office/drawing/2010/main" xmlns="">
                 <a:solidFill>
                   <a:srgbClr val="FFFFFF"/>
                 </a:solidFill>
               </a14:hiddenFill>
             </a:ext>
             <a:ext uri="{91240B29-F687-4f45-9708-019B960494DF}">
-              <a14:hiddenLine xmlns="" xmlns:a14="http://schemas.microsoft.com/office/drawing/2010/main" w="9525">
+              <a14:hiddenLine xmlns:a14="http://schemas.microsoft.com/office/drawing/2010/main" xmlns="" w="9525">
                 <a:solidFill>
                   <a:srgbClr val="000000"/>
                 </a:solidFill>
@@ -20840,7 +20669,7 @@
               </a14:hiddenLine>
             </a:ext>
             <a:ext uri="{AF507438-7753-43e0-B8FC-AC1667EBCBE1}">
-              <a14:hiddenEffects xmlns="" xmlns:a14="http://schemas.microsoft.com/office/drawing/2010/main">
+              <a14:hiddenEffects xmlns:a14="http://schemas.microsoft.com/office/drawing/2010/main" xmlns="">
                 <a:effectLst>
                   <a:outerShdw blurRad="63500" dist="38099" dir="2700000" algn="ctr" rotWithShape="0">
                     <a:srgbClr val="000000">
@@ -21146,14 +20975,14 @@
           <a:effectLst/>
           <a:extLst>
             <a:ext uri="{909E8E84-426E-40dd-AFC4-6F175D3DCCD1}">
-              <a14:hiddenFill xmlns="" xmlns:a14="http://schemas.microsoft.com/office/drawing/2010/main">
+              <a14:hiddenFill xmlns:a14="http://schemas.microsoft.com/office/drawing/2010/main" xmlns="">
                 <a:solidFill>
                   <a:srgbClr val="FFFFFF"/>
                 </a:solidFill>
               </a14:hiddenFill>
             </a:ext>
             <a:ext uri="{91240B29-F687-4f45-9708-019B960494DF}">
-              <a14:hiddenLine xmlns="" xmlns:a14="http://schemas.microsoft.com/office/drawing/2010/main" w="9525">
+              <a14:hiddenLine xmlns:a14="http://schemas.microsoft.com/office/drawing/2010/main" xmlns="" w="9525">
                 <a:solidFill>
                   <a:srgbClr val="000000"/>
                 </a:solidFill>
@@ -21163,7 +20992,7 @@
               </a14:hiddenLine>
             </a:ext>
             <a:ext uri="{AF507438-7753-43e0-B8FC-AC1667EBCBE1}">
-              <a14:hiddenEffects xmlns="" xmlns:a14="http://schemas.microsoft.com/office/drawing/2010/main">
+              <a14:hiddenEffects xmlns:a14="http://schemas.microsoft.com/office/drawing/2010/main" xmlns="">
                 <a:effectLst>
                   <a:outerShdw blurRad="63500" dist="38099" dir="2700000" algn="ctr" rotWithShape="0">
                     <a:srgbClr val="000000">
@@ -21602,14 +21431,6 @@
               </a:rPr>
               <a:t>Previous work </a:t>
             </a:r>
-            <a:r>
-              <a:rPr lang="en-US" dirty="0">
-                <a:solidFill>
-                  <a:schemeClr val="tx1"/>
-                </a:solidFill>
-              </a:rPr>
-              <a:t/>
-            </a:r>
             <a:br>
               <a:rPr lang="en-US" dirty="0">
                 <a:solidFill>
@@ -21883,23 +21704,7 @@
                   <a:schemeClr val="tx1"/>
                 </a:solidFill>
               </a:rPr>
-              <a:t>work </a:t>
-            </a:r>
-            <a:r>
-              <a:rPr lang="en-US" dirty="0">
-                <a:solidFill>
-                  <a:schemeClr val="tx1"/>
-                </a:solidFill>
-              </a:rPr>
-              <a:t>– </a:t>
-            </a:r>
-            <a:r>
-              <a:rPr lang="en-US" dirty="0">
-                <a:solidFill>
-                  <a:schemeClr val="tx1"/>
-                </a:solidFill>
-              </a:rPr>
-              <a:t>CASPER </a:t>
+              <a:t>work – CASPER </a:t>
             </a:r>
           </a:p>
         </p:txBody>
@@ -22178,7 +21983,7 @@
         <a:effectLst/>
         <a:extLst>
           <a:ext uri="{AF507438-7753-43e0-B8FC-AC1667EBCBE1}">
-            <a14:hiddenEffects xmlns="" xmlns:a14="http://schemas.microsoft.com/office/drawing/2010/main">
+            <a14:hiddenEffects xmlns:a14="http://schemas.microsoft.com/office/drawing/2010/main" xmlns="">
               <a:effectLst>
                 <a:outerShdw blurRad="63500" dist="38099" dir="2700000" algn="ctr" rotWithShape="0">
                   <a:schemeClr val="bg2">
@@ -22257,7 +22062,7 @@
         <a:effectLst/>
         <a:extLst>
           <a:ext uri="{AF507438-7753-43e0-B8FC-AC1667EBCBE1}">
-            <a14:hiddenEffects xmlns="" xmlns:a14="http://schemas.microsoft.com/office/drawing/2010/main">
+            <a14:hiddenEffects xmlns:a14="http://schemas.microsoft.com/office/drawing/2010/main" xmlns="">
               <a:effectLst>
                 <a:outerShdw blurRad="63500" dist="38099" dir="2700000" algn="ctr" rotWithShape="0">
                   <a:schemeClr val="bg2">

--- a/media/Master's thesis.pptx
+++ b/media/Master's thesis.pptx
@@ -29,48 +29,48 @@
     <p:sldId id="274" r:id="rId17"/>
     <p:sldId id="275" r:id="rId18"/>
     <p:sldId id="276" r:id="rId19"/>
-    <p:sldId id="277" r:id="rId20"/>
-    <p:sldId id="278" r:id="rId21"/>
-    <p:sldId id="279" r:id="rId22"/>
-    <p:sldId id="280" r:id="rId23"/>
-    <p:sldId id="281" r:id="rId24"/>
-    <p:sldId id="282" r:id="rId25"/>
-    <p:sldId id="283" r:id="rId26"/>
-    <p:sldId id="288" r:id="rId27"/>
-    <p:sldId id="284" r:id="rId28"/>
-    <p:sldId id="285" r:id="rId29"/>
-    <p:sldId id="286" r:id="rId30"/>
-    <p:sldId id="330" r:id="rId31"/>
-    <p:sldId id="287" r:id="rId32"/>
-    <p:sldId id="290" r:id="rId33"/>
-    <p:sldId id="331" r:id="rId34"/>
-    <p:sldId id="291" r:id="rId35"/>
-    <p:sldId id="289" r:id="rId36"/>
-    <p:sldId id="296" r:id="rId37"/>
-    <p:sldId id="292" r:id="rId38"/>
-    <p:sldId id="293" r:id="rId39"/>
-    <p:sldId id="294" r:id="rId40"/>
-    <p:sldId id="333" r:id="rId41"/>
-    <p:sldId id="334" r:id="rId42"/>
-    <p:sldId id="297" r:id="rId43"/>
-    <p:sldId id="298" r:id="rId44"/>
-    <p:sldId id="299" r:id="rId45"/>
-    <p:sldId id="300" r:id="rId46"/>
-    <p:sldId id="301" r:id="rId47"/>
-    <p:sldId id="302" r:id="rId48"/>
-    <p:sldId id="303" r:id="rId49"/>
-    <p:sldId id="304" r:id="rId50"/>
-    <p:sldId id="329" r:id="rId51"/>
-    <p:sldId id="327" r:id="rId52"/>
-    <p:sldId id="305" r:id="rId53"/>
-    <p:sldId id="332" r:id="rId54"/>
-    <p:sldId id="306" r:id="rId55"/>
-    <p:sldId id="335" r:id="rId56"/>
-    <p:sldId id="307" r:id="rId57"/>
-    <p:sldId id="328" r:id="rId58"/>
-    <p:sldId id="309" r:id="rId59"/>
-    <p:sldId id="310" r:id="rId60"/>
-    <p:sldId id="312" r:id="rId61"/>
+    <p:sldId id="339" r:id="rId20"/>
+    <p:sldId id="338" r:id="rId21"/>
+    <p:sldId id="278" r:id="rId22"/>
+    <p:sldId id="279" r:id="rId23"/>
+    <p:sldId id="280" r:id="rId24"/>
+    <p:sldId id="281" r:id="rId25"/>
+    <p:sldId id="282" r:id="rId26"/>
+    <p:sldId id="283" r:id="rId27"/>
+    <p:sldId id="288" r:id="rId28"/>
+    <p:sldId id="284" r:id="rId29"/>
+    <p:sldId id="285" r:id="rId30"/>
+    <p:sldId id="286" r:id="rId31"/>
+    <p:sldId id="330" r:id="rId32"/>
+    <p:sldId id="287" r:id="rId33"/>
+    <p:sldId id="290" r:id="rId34"/>
+    <p:sldId id="331" r:id="rId35"/>
+    <p:sldId id="291" r:id="rId36"/>
+    <p:sldId id="289" r:id="rId37"/>
+    <p:sldId id="296" r:id="rId38"/>
+    <p:sldId id="292" r:id="rId39"/>
+    <p:sldId id="293" r:id="rId40"/>
+    <p:sldId id="294" r:id="rId41"/>
+    <p:sldId id="333" r:id="rId42"/>
+    <p:sldId id="334" r:id="rId43"/>
+    <p:sldId id="297" r:id="rId44"/>
+    <p:sldId id="298" r:id="rId45"/>
+    <p:sldId id="299" r:id="rId46"/>
+    <p:sldId id="300" r:id="rId47"/>
+    <p:sldId id="301" r:id="rId48"/>
+    <p:sldId id="302" r:id="rId49"/>
+    <p:sldId id="303" r:id="rId50"/>
+    <p:sldId id="304" r:id="rId51"/>
+    <p:sldId id="329" r:id="rId52"/>
+    <p:sldId id="327" r:id="rId53"/>
+    <p:sldId id="305" r:id="rId54"/>
+    <p:sldId id="332" r:id="rId55"/>
+    <p:sldId id="306" r:id="rId56"/>
+    <p:sldId id="335" r:id="rId57"/>
+    <p:sldId id="307" r:id="rId58"/>
+    <p:sldId id="328" r:id="rId59"/>
+    <p:sldId id="309" r:id="rId60"/>
+    <p:sldId id="310" r:id="rId61"/>
     <p:sldId id="311" r:id="rId62"/>
     <p:sldId id="313" r:id="rId63"/>
     <p:sldId id="314" r:id="rId64"/>
@@ -375,7 +375,7 @@
             <a:fld id="{8D49A9A6-EEBE-4A10-B375-E3DE23A9130F}" type="datetimeFigureOut">
               <a:rPr lang="en-US" altLang="en-US"/>
               <a:pPr/>
-              <a:t>12/5/2014</a:t>
+              <a:t>12/7/2014</a:t>
             </a:fld>
             <a:endParaRPr lang="en-US" altLang="en-US"/>
           </a:p>
@@ -1237,6 +1237,443 @@
 <file path=ppt/notesSlides/notesSlide2.xml><?xml version="1.0" encoding="utf-8"?>
 <p:notes xmlns:a="http://schemas.openxmlformats.org/drawingml/2006/main" xmlns:r="http://schemas.openxmlformats.org/officeDocument/2006/relationships" xmlns:p="http://schemas.openxmlformats.org/presentationml/2006/main">
   <p:cSld>
+    <p:spTree>
+      <p:nvGrpSpPr>
+        <p:cNvPr id="1" name=""/>
+        <p:cNvGrpSpPr/>
+        <p:nvPr/>
+      </p:nvGrpSpPr>
+      <p:grpSpPr>
+        <a:xfrm>
+          <a:off x="0" y="0"/>
+          <a:ext cx="0" cy="0"/>
+          <a:chOff x="0" y="0"/>
+          <a:chExt cx="0" cy="0"/>
+        </a:xfrm>
+      </p:grpSpPr>
+      <p:sp>
+        <p:nvSpPr>
+          <p:cNvPr id="2" name="Slide Image Placeholder 1"/>
+          <p:cNvSpPr>
+            <a:spLocks noGrp="1" noRot="1" noChangeAspect="1"/>
+          </p:cNvSpPr>
+          <p:nvPr>
+            <p:ph type="sldImg"/>
+          </p:nvPr>
+        </p:nvSpPr>
+        <p:spPr/>
+      </p:sp>
+      <p:sp>
+        <p:nvSpPr>
+          <p:cNvPr id="3" name="Notes Placeholder 2"/>
+          <p:cNvSpPr>
+            <a:spLocks noGrp="1"/>
+          </p:cNvSpPr>
+          <p:nvPr>
+            <p:ph type="body" idx="1"/>
+          </p:nvPr>
+        </p:nvSpPr>
+        <p:spPr/>
+        <p:txBody>
+          <a:bodyPr/>
+          <a:lstStyle/>
+          <a:p>
+            <a:r>
+              <a:rPr lang="en-US" altLang="zh-CN" dirty="0" smtClean="0"/>
+              <a:t>Underline</a:t>
+            </a:r>
+            <a:r>
+              <a:rPr lang="zh-CN" altLang="en-US" baseline="0" dirty="0" smtClean="0"/>
+              <a:t> </a:t>
+            </a:r>
+            <a:r>
+              <a:rPr lang="en-US" altLang="zh-CN" baseline="0" dirty="0" smtClean="0"/>
+              <a:t>or </a:t>
+            </a:r>
+            <a:r>
+              <a:rPr lang="en-US" altLang="zh-CN" baseline="0" dirty="0" err="1" smtClean="0"/>
+              <a:t>undersore</a:t>
+            </a:r>
+            <a:r>
+              <a:rPr lang="en-US" altLang="zh-CN" baseline="0" dirty="0" smtClean="0"/>
+              <a:t>??</a:t>
+            </a:r>
+            <a:endParaRPr lang="en-US" dirty="0"/>
+          </a:p>
+        </p:txBody>
+      </p:sp>
+      <p:sp>
+        <p:nvSpPr>
+          <p:cNvPr id="4" name="Slide Number Placeholder 3"/>
+          <p:cNvSpPr>
+            <a:spLocks noGrp="1"/>
+          </p:cNvSpPr>
+          <p:nvPr>
+            <p:ph type="sldNum" idx="10"/>
+          </p:nvPr>
+        </p:nvSpPr>
+        <p:spPr/>
+        <p:txBody>
+          <a:bodyPr/>
+          <a:lstStyle/>
+          <a:p>
+            <a:fld id="{9F4783CB-4C08-4D00-BD8C-103BE55DB799}" type="slidenum">
+              <a:rPr lang="en-US" altLang="en-US" smtClean="0"/>
+              <a:pPr/>
+              <a:t>30</a:t>
+            </a:fld>
+            <a:endParaRPr lang="en-US" altLang="en-US"/>
+          </a:p>
+        </p:txBody>
+      </p:sp>
+    </p:spTree>
+    <p:extLst>
+      <p:ext uri="{BB962C8B-B14F-4D97-AF65-F5344CB8AC3E}">
+        <p14:creationId xmlns:p14="http://schemas.microsoft.com/office/powerpoint/2010/main" val="4180030610"/>
+      </p:ext>
+    </p:extLst>
+  </p:cSld>
+  <p:clrMapOvr>
+    <a:masterClrMapping/>
+  </p:clrMapOvr>
+</p:notes>
+</file>
+
+<file path=ppt/notesSlides/notesSlide3.xml><?xml version="1.0" encoding="utf-8"?>
+<p:notes xmlns:a="http://schemas.openxmlformats.org/drawingml/2006/main" xmlns:r="http://schemas.openxmlformats.org/officeDocument/2006/relationships" xmlns:p="http://schemas.openxmlformats.org/presentationml/2006/main">
+  <p:cSld>
+    <p:spTree>
+      <p:nvGrpSpPr>
+        <p:cNvPr id="1" name=""/>
+        <p:cNvGrpSpPr/>
+        <p:nvPr/>
+      </p:nvGrpSpPr>
+      <p:grpSpPr>
+        <a:xfrm>
+          <a:off x="0" y="0"/>
+          <a:ext cx="0" cy="0"/>
+          <a:chOff x="0" y="0"/>
+          <a:chExt cx="0" cy="0"/>
+        </a:xfrm>
+      </p:grpSpPr>
+      <p:sp>
+        <p:nvSpPr>
+          <p:cNvPr id="2" name="Slide Image Placeholder 1"/>
+          <p:cNvSpPr>
+            <a:spLocks noGrp="1" noRot="1" noChangeAspect="1"/>
+          </p:cNvSpPr>
+          <p:nvPr>
+            <p:ph type="sldImg"/>
+          </p:nvPr>
+        </p:nvSpPr>
+        <p:spPr/>
+      </p:sp>
+      <p:sp>
+        <p:nvSpPr>
+          <p:cNvPr id="3" name="Notes Placeholder 2"/>
+          <p:cNvSpPr>
+            <a:spLocks noGrp="1"/>
+          </p:cNvSpPr>
+          <p:nvPr>
+            <p:ph type="body" idx="1"/>
+          </p:nvPr>
+        </p:nvSpPr>
+        <p:spPr/>
+        <p:txBody>
+          <a:bodyPr/>
+          <a:lstStyle/>
+          <a:p>
+            <a:r>
+              <a:rPr lang="en-US" sz="1200" b="0" i="0" kern="1200" dirty="0" smtClean="0">
+                <a:solidFill>
+                  <a:srgbClr val="000000"/>
+                </a:solidFill>
+                <a:effectLst/>
+                <a:latin typeface="Times New Roman" charset="0"/>
+                <a:ea typeface="ＭＳ Ｐゴシック" charset="0"/>
+                <a:cs typeface="ＭＳ Ｐゴシック" charset="0"/>
+              </a:rPr>
+              <a:t>In words, it is the expectation of the logarithmic difference between the probabilities </a:t>
+            </a:r>
+            <a:r>
+              <a:rPr lang="en-US" sz="1200" b="0" i="1" kern="1200" dirty="0" smtClean="0">
+                <a:solidFill>
+                  <a:srgbClr val="000000"/>
+                </a:solidFill>
+                <a:effectLst/>
+                <a:latin typeface="Times New Roman" charset="0"/>
+                <a:ea typeface="ＭＳ Ｐゴシック" charset="0"/>
+                <a:cs typeface="ＭＳ Ｐゴシック" charset="0"/>
+              </a:rPr>
+              <a:t>P</a:t>
+            </a:r>
+            <a:r>
+              <a:rPr lang="en-US" sz="1200" b="0" i="0" kern="1200" dirty="0" smtClean="0">
+                <a:solidFill>
+                  <a:srgbClr val="000000"/>
+                </a:solidFill>
+                <a:effectLst/>
+                <a:latin typeface="Times New Roman" charset="0"/>
+                <a:ea typeface="ＭＳ Ｐゴシック" charset="0"/>
+                <a:cs typeface="ＭＳ Ｐゴシック" charset="0"/>
+              </a:rPr>
+              <a:t> and </a:t>
+            </a:r>
+            <a:r>
+              <a:rPr lang="en-US" sz="1200" b="0" i="1" kern="1200" dirty="0" smtClean="0">
+                <a:solidFill>
+                  <a:srgbClr val="000000"/>
+                </a:solidFill>
+                <a:effectLst/>
+                <a:latin typeface="Times New Roman" charset="0"/>
+                <a:ea typeface="ＭＳ Ｐゴシック" charset="0"/>
+                <a:cs typeface="ＭＳ Ｐゴシック" charset="0"/>
+              </a:rPr>
+              <a:t>Q</a:t>
+            </a:r>
+            <a:r>
+              <a:rPr lang="en-US" sz="1200" b="0" i="0" kern="1200" dirty="0" smtClean="0">
+                <a:solidFill>
+                  <a:srgbClr val="000000"/>
+                </a:solidFill>
+                <a:effectLst/>
+                <a:latin typeface="Times New Roman" charset="0"/>
+                <a:ea typeface="ＭＳ Ｐゴシック" charset="0"/>
+                <a:cs typeface="ＭＳ Ｐゴシック" charset="0"/>
+              </a:rPr>
+              <a:t>, where the expectation is taken using the probabilities </a:t>
+            </a:r>
+            <a:r>
+              <a:rPr lang="en-US" sz="1200" b="0" i="1" kern="1200" dirty="0" smtClean="0">
+                <a:solidFill>
+                  <a:srgbClr val="000000"/>
+                </a:solidFill>
+                <a:effectLst/>
+                <a:latin typeface="Times New Roman" charset="0"/>
+                <a:ea typeface="ＭＳ Ｐゴシック" charset="0"/>
+                <a:cs typeface="ＭＳ Ｐゴシック" charset="0"/>
+              </a:rPr>
+              <a:t>P</a:t>
+            </a:r>
+            <a:r>
+              <a:rPr lang="en-US" sz="1200" b="0" i="0" kern="1200" dirty="0" smtClean="0">
+                <a:solidFill>
+                  <a:srgbClr val="000000"/>
+                </a:solidFill>
+                <a:effectLst/>
+                <a:latin typeface="Times New Roman" charset="0"/>
+                <a:ea typeface="ＭＳ Ｐゴシック" charset="0"/>
+                <a:cs typeface="ＭＳ Ｐゴシック" charset="0"/>
+              </a:rPr>
+              <a:t>.</a:t>
+            </a:r>
+            <a:endParaRPr lang="en-US" dirty="0"/>
+          </a:p>
+        </p:txBody>
+      </p:sp>
+      <p:sp>
+        <p:nvSpPr>
+          <p:cNvPr id="4" name="Slide Number Placeholder 3"/>
+          <p:cNvSpPr>
+            <a:spLocks noGrp="1"/>
+          </p:cNvSpPr>
+          <p:nvPr>
+            <p:ph type="sldNum" idx="10"/>
+          </p:nvPr>
+        </p:nvSpPr>
+        <p:spPr/>
+        <p:txBody>
+          <a:bodyPr/>
+          <a:lstStyle/>
+          <a:p>
+            <a:fld id="{9F4783CB-4C08-4D00-BD8C-103BE55DB799}" type="slidenum">
+              <a:rPr lang="en-US" altLang="en-US" smtClean="0"/>
+              <a:pPr/>
+              <a:t>65</a:t>
+            </a:fld>
+            <a:endParaRPr lang="en-US" altLang="en-US"/>
+          </a:p>
+        </p:txBody>
+      </p:sp>
+    </p:spTree>
+    <p:extLst>
+      <p:ext uri="{BB962C8B-B14F-4D97-AF65-F5344CB8AC3E}">
+        <p14:creationId xmlns:p14="http://schemas.microsoft.com/office/powerpoint/2010/main" val="1986435715"/>
+      </p:ext>
+    </p:extLst>
+  </p:cSld>
+  <p:clrMapOvr>
+    <a:masterClrMapping/>
+  </p:clrMapOvr>
+</p:notes>
+</file>
+
+<file path=ppt/notesSlides/notesSlide4.xml><?xml version="1.0" encoding="utf-8"?>
+<p:notes xmlns:a="http://schemas.openxmlformats.org/drawingml/2006/main" xmlns:r="http://schemas.openxmlformats.org/officeDocument/2006/relationships" xmlns:p="http://schemas.openxmlformats.org/presentationml/2006/main">
+  <p:cSld>
+    <p:spTree>
+      <p:nvGrpSpPr>
+        <p:cNvPr id="1" name=""/>
+        <p:cNvGrpSpPr/>
+        <p:nvPr/>
+      </p:nvGrpSpPr>
+      <p:grpSpPr>
+        <a:xfrm>
+          <a:off x="0" y="0"/>
+          <a:ext cx="0" cy="0"/>
+          <a:chOff x="0" y="0"/>
+          <a:chExt cx="0" cy="0"/>
+        </a:xfrm>
+      </p:grpSpPr>
+      <p:sp>
+        <p:nvSpPr>
+          <p:cNvPr id="2" name="Slide Image Placeholder 1"/>
+          <p:cNvSpPr>
+            <a:spLocks noGrp="1" noRot="1" noChangeAspect="1"/>
+          </p:cNvSpPr>
+          <p:nvPr>
+            <p:ph type="sldImg"/>
+          </p:nvPr>
+        </p:nvSpPr>
+        <p:spPr/>
+      </p:sp>
+      <p:sp>
+        <p:nvSpPr>
+          <p:cNvPr id="3" name="Notes Placeholder 2"/>
+          <p:cNvSpPr>
+            <a:spLocks noGrp="1"/>
+          </p:cNvSpPr>
+          <p:nvPr>
+            <p:ph type="body" idx="1"/>
+          </p:nvPr>
+        </p:nvSpPr>
+        <p:spPr/>
+        <p:txBody>
+          <a:bodyPr/>
+          <a:lstStyle/>
+          <a:p>
+            <a:pPr marL="0" marR="0" indent="0" algn="l" defTabSz="457200" rtl="0" eaLnBrk="0" fontAlgn="base" latinLnBrk="0" hangingPunct="0">
+              <a:lnSpc>
+                <a:spcPct val="100000"/>
+              </a:lnSpc>
+              <a:spcBef>
+                <a:spcPct val="30000"/>
+              </a:spcBef>
+              <a:spcAft>
+                <a:spcPct val="0"/>
+              </a:spcAft>
+              <a:buClr>
+                <a:srgbClr val="000000"/>
+              </a:buClr>
+              <a:buSzPct val="100000"/>
+              <a:buFont typeface="Times New Roman" panose="02020603050405020304" pitchFamily="18" charset="0"/>
+              <a:buNone/>
+              <a:tabLst/>
+              <a:defRPr/>
+            </a:pPr>
+            <a:r>
+              <a:rPr lang="en-US" sz="1200" b="0" i="0" kern="1200" dirty="0" smtClean="0">
+                <a:solidFill>
+                  <a:srgbClr val="000000"/>
+                </a:solidFill>
+                <a:effectLst/>
+                <a:latin typeface="Times New Roman" charset="0"/>
+                <a:ea typeface="ＭＳ Ｐゴシック" charset="0"/>
+                <a:cs typeface="ＭＳ Ｐゴシック" charset="0"/>
+              </a:rPr>
+              <a:t> numerical statistic that is intended to reflect how important a word is </a:t>
+            </a:r>
+            <a:r>
+              <a:rPr lang="en-US" sz="1200" b="0" i="0" kern="1200" dirty="0" smtClean="0">
+                <a:solidFill>
+                  <a:schemeClr val="tx1"/>
+                </a:solidFill>
+                <a:effectLst/>
+                <a:latin typeface="Times New Roman" charset="0"/>
+                <a:ea typeface="ＭＳ Ｐゴシック" charset="0"/>
+                <a:cs typeface="ＭＳ Ｐゴシック" charset="0"/>
+              </a:rPr>
+              <a:t>to a document in </a:t>
+            </a:r>
+            <a:r>
+              <a:rPr lang="en-US" sz="1200" b="0" i="0" kern="1200" dirty="0" smtClean="0">
+                <a:solidFill>
+                  <a:srgbClr val="000000"/>
+                </a:solidFill>
+                <a:effectLst/>
+                <a:latin typeface="Times New Roman" charset="0"/>
+                <a:ea typeface="ＭＳ Ｐゴシック" charset="0"/>
+                <a:cs typeface="ＭＳ Ｐゴシック" charset="0"/>
+              </a:rPr>
+              <a:t>a collection or corpus</a:t>
+            </a:r>
+            <a:r>
+              <a:rPr lang="zh-CN" altLang="en-US" sz="1200" b="0" i="0" kern="1200" dirty="0" smtClean="0">
+                <a:solidFill>
+                  <a:srgbClr val="000000"/>
+                </a:solidFill>
+                <a:effectLst/>
+                <a:latin typeface="Times New Roman" charset="0"/>
+                <a:ea typeface="ＭＳ Ｐゴシック" charset="0"/>
+                <a:cs typeface="ＭＳ Ｐゴシック" charset="0"/>
+              </a:rPr>
+              <a:t>。</a:t>
+            </a:r>
+            <a:endParaRPr lang="en-US" sz="1200" b="0" i="0" kern="1200" dirty="0" smtClean="0">
+              <a:solidFill>
+                <a:srgbClr val="000000"/>
+              </a:solidFill>
+              <a:effectLst/>
+              <a:latin typeface="Times New Roman" charset="0"/>
+              <a:ea typeface="ＭＳ Ｐゴシック" charset="0"/>
+              <a:cs typeface="ＭＳ Ｐゴシック" charset="0"/>
+            </a:endParaRPr>
+          </a:p>
+          <a:p>
+            <a:endParaRPr lang="en-US" dirty="0"/>
+          </a:p>
+        </p:txBody>
+      </p:sp>
+      <p:sp>
+        <p:nvSpPr>
+          <p:cNvPr id="4" name="Slide Number Placeholder 3"/>
+          <p:cNvSpPr>
+            <a:spLocks noGrp="1"/>
+          </p:cNvSpPr>
+          <p:nvPr>
+            <p:ph type="sldNum" idx="10"/>
+          </p:nvPr>
+        </p:nvSpPr>
+        <p:spPr/>
+        <p:txBody>
+          <a:bodyPr/>
+          <a:lstStyle/>
+          <a:p>
+            <a:fld id="{9F4783CB-4C08-4D00-BD8C-103BE55DB799}" type="slidenum">
+              <a:rPr lang="en-US" altLang="en-US" smtClean="0"/>
+              <a:pPr/>
+              <a:t>66</a:t>
+            </a:fld>
+            <a:endParaRPr lang="en-US" altLang="en-US"/>
+          </a:p>
+        </p:txBody>
+      </p:sp>
+    </p:spTree>
+    <p:extLst>
+      <p:ext uri="{BB962C8B-B14F-4D97-AF65-F5344CB8AC3E}">
+        <p14:creationId xmlns:p14="http://schemas.microsoft.com/office/powerpoint/2010/main" val="3059207118"/>
+      </p:ext>
+    </p:extLst>
+  </p:cSld>
+  <p:clrMapOvr>
+    <a:masterClrMapping/>
+  </p:clrMapOvr>
+</p:notes>
+</file>
+
+<file path=ppt/notesSlides/notesSlide5.xml><?xml version="1.0" encoding="utf-8"?>
+<p:notes xmlns:a="http://schemas.openxmlformats.org/drawingml/2006/main" xmlns:r="http://schemas.openxmlformats.org/officeDocument/2006/relationships" xmlns:p="http://schemas.openxmlformats.org/presentationml/2006/main">
+  <p:cSld>
     <p:bg>
       <p:bgPr>
         <a:solidFill>
@@ -1614,7 +2051,7 @@
 </p:notes>
 </file>
 
-<file path=ppt/notesSlides/notesSlide3.xml><?xml version="1.0" encoding="utf-8"?>
+<file path=ppt/notesSlides/notesSlide6.xml><?xml version="1.0" encoding="utf-8"?>
 <p:notes xmlns:a="http://schemas.openxmlformats.org/drawingml/2006/main" xmlns:r="http://schemas.openxmlformats.org/officeDocument/2006/relationships" xmlns:p="http://schemas.openxmlformats.org/presentationml/2006/main">
   <p:cSld>
     <p:bg>
@@ -1994,7 +2431,7 @@
 </p:notes>
 </file>
 
-<file path=ppt/notesSlides/notesSlide4.xml><?xml version="1.0" encoding="utf-8"?>
+<file path=ppt/notesSlides/notesSlide7.xml><?xml version="1.0" encoding="utf-8"?>
 <p:notes xmlns:a="http://schemas.openxmlformats.org/drawingml/2006/main" xmlns:r="http://schemas.openxmlformats.org/officeDocument/2006/relationships" xmlns:p="http://schemas.openxmlformats.org/presentationml/2006/main">
   <p:cSld>
     <p:bg>
@@ -7253,8 +7690,8 @@
         </p:nvSpPr>
         <p:spPr>
           <a:xfrm>
-            <a:off x="511455" y="2133601"/>
-            <a:ext cx="8228013" cy="3276600"/>
+            <a:off x="511455" y="2133600"/>
+            <a:ext cx="8228013" cy="4114799"/>
           </a:xfrm>
         </p:spPr>
         <p:txBody>
@@ -7262,69 +7699,24 @@
           <a:lstStyle/>
           <a:p>
             <a:r>
-              <a:rPr lang="en-US" sz="2800" dirty="0"/>
-              <a:t>r is the user‘s résumé </a:t>
-            </a:r>
-            <a:r>
               <a:rPr lang="en-US" sz="2800" dirty="0" smtClean="0"/>
-              <a:t>model; </a:t>
-            </a:r>
-            <a:r>
-              <a:rPr lang="en-US" sz="2800" dirty="0" err="1" smtClean="0"/>
-              <a:t>r</a:t>
-            </a:r>
-            <a:r>
-              <a:rPr lang="en-US" sz="2800" baseline="-25000" dirty="0" err="1" smtClean="0"/>
-              <a:t>i</a:t>
-            </a:r>
-            <a:r>
-              <a:rPr lang="en-US" sz="2800" baseline="-25000" dirty="0" smtClean="0"/>
-              <a:t>  </a:t>
-            </a:r>
-            <a:r>
-              <a:rPr lang="en-US" sz="2800" dirty="0"/>
-              <a:t>is the feature of r </a:t>
-            </a:r>
-          </a:p>
-          <a:p>
-            <a:r>
-              <a:rPr lang="en-US" sz="2800" dirty="0"/>
-              <a:t>j is the job description </a:t>
-            </a:r>
+              <a:t>Calculating the similarity values between résumé and job model</a:t>
+            </a:r>
+          </a:p>
+          <a:p>
             <a:r>
               <a:rPr lang="en-US" sz="2800" dirty="0" smtClean="0"/>
-              <a:t>model; </a:t>
-            </a:r>
-            <a:r>
-              <a:rPr lang="en-US" sz="2800" dirty="0" err="1" smtClean="0"/>
-              <a:t>j</a:t>
-            </a:r>
-            <a:r>
-              <a:rPr lang="en-US" sz="2800" baseline="-25000" dirty="0" err="1" smtClean="0"/>
-              <a:t>i</a:t>
-            </a:r>
-            <a:r>
-              <a:rPr lang="en-US" sz="2800" baseline="-25000" dirty="0" smtClean="0"/>
-              <a:t>  </a:t>
-            </a:r>
-            <a:r>
-              <a:rPr lang="en-US" sz="2800" dirty="0"/>
-              <a:t>is the feature of </a:t>
+              <a:t>Return the jobs ranked by their similarity value</a:t>
+            </a:r>
+            <a:r>
+              <a:rPr lang="en-US" altLang="zh-CN" sz="2800" dirty="0" smtClean="0"/>
+              <a:t>s</a:t>
             </a:r>
             <a:r>
               <a:rPr lang="en-US" sz="2800" dirty="0" smtClean="0"/>
-              <a:t>j</a:t>
-            </a:r>
-          </a:p>
-          <a:p>
-            <a:r>
-              <a:rPr lang="en-US" sz="2800" dirty="0" smtClean="0"/>
-              <a:t>Similarity value is the summation of weighted similarity values of the fields </a:t>
-            </a:r>
-            <a:endParaRPr lang="en-US" sz="2800" dirty="0"/>
-          </a:p>
-          <a:p>
-            <a:endParaRPr lang="en-US" sz="2800" dirty="0"/>
+              <a:t> </a:t>
+            </a:r>
+            <a:endParaRPr lang="en-US" sz="2800" dirty="0" smtClean="0"/>
           </a:p>
           <a:p>
             <a:r>
@@ -7375,45 +7767,21 @@
           </a:p>
         </p:txBody>
       </p:sp>
-      <p:pic>
-        <p:nvPicPr>
-          <p:cNvPr id="5" name="Picture 4"/>
-          <p:cNvPicPr>
-            <a:picLocks noChangeAspect="1"/>
-          </p:cNvPicPr>
-          <p:nvPr/>
-        </p:nvPicPr>
-        <p:blipFill>
-          <a:blip r:embed="rId2"/>
-          <a:stretch>
-            <a:fillRect/>
-          </a:stretch>
-        </p:blipFill>
-        <p:spPr>
-          <a:xfrm>
-            <a:off x="1458179" y="4568029"/>
-            <a:ext cx="5493544" cy="1107281"/>
-          </a:xfrm>
-          <a:prstGeom prst="rect">
-            <a:avLst/>
-          </a:prstGeom>
-        </p:spPr>
-      </p:pic>
     </p:spTree>
     <p:extLst>
       <p:ext uri="{BB962C8B-B14F-4D97-AF65-F5344CB8AC3E}">
-        <p14:creationId xmlns:p14="http://schemas.microsoft.com/office/powerpoint/2010/main" val="3446740777"/>
+        <p14:creationId xmlns:p14="http://schemas.microsoft.com/office/powerpoint/2010/main" val="4289772202"/>
       </p:ext>
     </p:extLst>
   </p:cSld>
   <p:clrMapOvr>
     <a:masterClrMapping/>
   </p:clrMapOvr>
-  <mc:AlternateContent xmlns:mc="http://schemas.openxmlformats.org/markup-compatibility/2006" xmlns:p14="http://schemas.microsoft.com/office/powerpoint/2010/main">
-    <mc:Choice Requires="p14">
+  <mc:AlternateContent xmlns:mc="http://schemas.openxmlformats.org/markup-compatibility/2006">
+    <mc:Choice xmlns:p14="http://schemas.microsoft.com/office/powerpoint/2010/main" Requires="p14">
       <p:transition spd="slow" p14:dur="2000"/>
     </mc:Choice>
-    <mc:Fallback xmlns="">
+    <mc:Fallback>
       <p:transition spd="slow"/>
     </mc:Fallback>
   </mc:AlternateContent>
@@ -7798,6 +8166,222 @@
         </p:nvSpPr>
         <p:spPr>
           <a:xfrm>
+            <a:off x="511455" y="2133600"/>
+            <a:ext cx="8228013" cy="4114799"/>
+          </a:xfrm>
+        </p:spPr>
+        <p:txBody>
+          <a:bodyPr/>
+          <a:lstStyle/>
+          <a:p>
+            <a:r>
+              <a:rPr lang="en-US" sz="2800" dirty="0" smtClean="0"/>
+              <a:t>r </a:t>
+            </a:r>
+            <a:r>
+              <a:rPr lang="en-US" sz="2800" dirty="0"/>
+              <a:t>is the user‘s résumé </a:t>
+            </a:r>
+            <a:r>
+              <a:rPr lang="en-US" sz="2800" dirty="0" smtClean="0"/>
+              <a:t>model; </a:t>
+            </a:r>
+            <a:r>
+              <a:rPr lang="en-US" sz="2800" dirty="0" err="1" smtClean="0"/>
+              <a:t>r</a:t>
+            </a:r>
+            <a:r>
+              <a:rPr lang="en-US" sz="2800" baseline="-25000" dirty="0" err="1" smtClean="0"/>
+              <a:t>i</a:t>
+            </a:r>
+            <a:r>
+              <a:rPr lang="en-US" sz="2800" baseline="-25000" dirty="0" smtClean="0"/>
+              <a:t>  </a:t>
+            </a:r>
+            <a:r>
+              <a:rPr lang="en-US" sz="2800" dirty="0"/>
+              <a:t>is the feature of r </a:t>
+            </a:r>
+          </a:p>
+          <a:p>
+            <a:r>
+              <a:rPr lang="en-US" sz="2800" dirty="0"/>
+              <a:t>j is the </a:t>
+            </a:r>
+            <a:r>
+              <a:rPr lang="en-US" sz="2800" dirty="0" smtClean="0"/>
+              <a:t>job </a:t>
+            </a:r>
+            <a:r>
+              <a:rPr lang="en-US" sz="2800" dirty="0"/>
+              <a:t>description </a:t>
+            </a:r>
+            <a:r>
+              <a:rPr lang="en-US" sz="2800" dirty="0" smtClean="0"/>
+              <a:t>model; </a:t>
+            </a:r>
+            <a:r>
+              <a:rPr lang="en-US" sz="2800" dirty="0" err="1" smtClean="0"/>
+              <a:t>j</a:t>
+            </a:r>
+            <a:r>
+              <a:rPr lang="en-US" sz="2800" baseline="-25000" dirty="0" err="1" smtClean="0"/>
+              <a:t>i</a:t>
+            </a:r>
+            <a:r>
+              <a:rPr lang="en-US" sz="2800" baseline="-25000" dirty="0" smtClean="0"/>
+              <a:t>  </a:t>
+            </a:r>
+            <a:r>
+              <a:rPr lang="en-US" sz="2800" dirty="0"/>
+              <a:t>is the feature of </a:t>
+            </a:r>
+            <a:r>
+              <a:rPr lang="en-US" sz="2800" dirty="0" smtClean="0"/>
+              <a:t>j</a:t>
+            </a:r>
+          </a:p>
+          <a:p>
+            <a:r>
+              <a:rPr lang="en-US" sz="2800" dirty="0" smtClean="0"/>
+              <a:t>Similarity </a:t>
+            </a:r>
+            <a:r>
+              <a:rPr lang="en-US" sz="2800" dirty="0" smtClean="0"/>
+              <a:t>value is the summation of weighted similarity values of </a:t>
+            </a:r>
+            <a:r>
+              <a:rPr lang="en-US" sz="2800" dirty="0" smtClean="0"/>
+              <a:t>each field in the models  </a:t>
+            </a:r>
+            <a:endParaRPr lang="en-US" sz="2800" dirty="0"/>
+          </a:p>
+          <a:p>
+            <a:endParaRPr lang="en-US" sz="2800" dirty="0"/>
+          </a:p>
+          <a:p>
+            <a:r>
+              <a:rPr lang="en-US" dirty="0" smtClean="0"/>
+              <a:t> </a:t>
+            </a:r>
+            <a:endParaRPr lang="en-US" dirty="0"/>
+          </a:p>
+          <a:p>
+            <a:endParaRPr lang="en-US" dirty="0" smtClean="0"/>
+          </a:p>
+          <a:p>
+            <a:endParaRPr lang="en-US" dirty="0" smtClean="0"/>
+          </a:p>
+          <a:p>
+            <a:endParaRPr lang="en-US" dirty="0"/>
+          </a:p>
+        </p:txBody>
+      </p:sp>
+      <p:sp>
+        <p:nvSpPr>
+          <p:cNvPr id="3" name="Title 2"/>
+          <p:cNvSpPr>
+            <a:spLocks noGrp="1"/>
+          </p:cNvSpPr>
+          <p:nvPr>
+            <p:ph type="title"/>
+          </p:nvPr>
+        </p:nvSpPr>
+        <p:spPr>
+          <a:xfrm>
+            <a:off x="533064" y="905972"/>
+            <a:ext cx="7343775" cy="994172"/>
+          </a:xfrm>
+        </p:spPr>
+        <p:txBody>
+          <a:bodyPr/>
+          <a:lstStyle/>
+          <a:p>
+            <a:r>
+              <a:rPr lang="en-US" dirty="0">
+                <a:solidFill>
+                  <a:schemeClr val="tx1"/>
+                </a:solidFill>
+              </a:rPr>
+              <a:t>Problem Definition </a:t>
+            </a:r>
+          </a:p>
+        </p:txBody>
+      </p:sp>
+      <p:pic>
+        <p:nvPicPr>
+          <p:cNvPr id="5" name="Picture 4"/>
+          <p:cNvPicPr>
+            <a:picLocks noChangeAspect="1"/>
+          </p:cNvPicPr>
+          <p:nvPr/>
+        </p:nvPicPr>
+        <p:blipFill>
+          <a:blip r:embed="rId2"/>
+          <a:stretch>
+            <a:fillRect/>
+          </a:stretch>
+        </p:blipFill>
+        <p:spPr>
+          <a:xfrm>
+            <a:off x="1676400" y="4648200"/>
+            <a:ext cx="5493544" cy="1107281"/>
+          </a:xfrm>
+          <a:prstGeom prst="rect">
+            <a:avLst/>
+          </a:prstGeom>
+        </p:spPr>
+      </p:pic>
+    </p:spTree>
+    <p:extLst>
+      <p:ext uri="{BB962C8B-B14F-4D97-AF65-F5344CB8AC3E}">
+        <p14:creationId xmlns:p14="http://schemas.microsoft.com/office/powerpoint/2010/main" val="1996116478"/>
+      </p:ext>
+    </p:extLst>
+  </p:cSld>
+  <p:clrMapOvr>
+    <a:masterClrMapping/>
+  </p:clrMapOvr>
+  <mc:AlternateContent xmlns:mc="http://schemas.openxmlformats.org/markup-compatibility/2006">
+    <mc:Choice xmlns:p14="http://schemas.microsoft.com/office/powerpoint/2010/main" Requires="p14">
+      <p:transition spd="slow" p14:dur="2000"/>
+    </mc:Choice>
+    <mc:Fallback>
+      <p:transition spd="slow"/>
+    </mc:Fallback>
+  </mc:AlternateContent>
+</p:sld>
+</file>
+
+<file path=ppt/slides/slide21.xml><?xml version="1.0" encoding="utf-8"?>
+<p:sld xmlns:a="http://schemas.openxmlformats.org/drawingml/2006/main" xmlns:r="http://schemas.openxmlformats.org/officeDocument/2006/relationships" xmlns:p="http://schemas.openxmlformats.org/presentationml/2006/main">
+  <p:cSld>
+    <p:spTree>
+      <p:nvGrpSpPr>
+        <p:cNvPr id="1" name=""/>
+        <p:cNvGrpSpPr/>
+        <p:nvPr/>
+      </p:nvGrpSpPr>
+      <p:grpSpPr>
+        <a:xfrm>
+          <a:off x="0" y="0"/>
+          <a:ext cx="0" cy="0"/>
+          <a:chOff x="0" y="0"/>
+          <a:chExt cx="0" cy="0"/>
+        </a:xfrm>
+      </p:grpSpPr>
+      <p:sp>
+        <p:nvSpPr>
+          <p:cNvPr id="2" name="Content Placeholder 1"/>
+          <p:cNvSpPr>
+            <a:spLocks noGrp="1"/>
+          </p:cNvSpPr>
+          <p:nvPr>
+            <p:ph idx="1"/>
+          </p:nvPr>
+        </p:nvSpPr>
+        <p:spPr>
+          <a:xfrm>
             <a:off x="729455" y="2362200"/>
             <a:ext cx="8228013" cy="3504211"/>
           </a:xfrm>
@@ -7947,7 +8531,7 @@
 </p:sld>
 </file>
 
-<file path=ppt/slides/slide21.xml><?xml version="1.0" encoding="utf-8"?>
+<file path=ppt/slides/slide22.xml><?xml version="1.0" encoding="utf-8"?>
 <p:sld xmlns:a="http://schemas.openxmlformats.org/drawingml/2006/main" xmlns:r="http://schemas.openxmlformats.org/officeDocument/2006/relationships" xmlns:p="http://schemas.openxmlformats.org/presentationml/2006/main">
   <p:cSld>
     <p:spTree>
@@ -8053,7 +8637,7 @@
 </p:sld>
 </file>
 
-<file path=ppt/slides/slide22.xml><?xml version="1.0" encoding="utf-8"?>
+<file path=ppt/slides/slide23.xml><?xml version="1.0" encoding="utf-8"?>
 <p:sld xmlns:a="http://schemas.openxmlformats.org/drawingml/2006/main" xmlns:r="http://schemas.openxmlformats.org/officeDocument/2006/relationships" xmlns:p="http://schemas.openxmlformats.org/presentationml/2006/main">
   <p:cSld>
     <p:spTree>
@@ -8172,7 +8756,7 @@
 </p:sld>
 </file>
 
-<file path=ppt/slides/slide23.xml><?xml version="1.0" encoding="utf-8"?>
+<file path=ppt/slides/slide24.xml><?xml version="1.0" encoding="utf-8"?>
 <p:sld xmlns:a="http://schemas.openxmlformats.org/drawingml/2006/main" xmlns:r="http://schemas.openxmlformats.org/officeDocument/2006/relationships" xmlns:p="http://schemas.openxmlformats.org/presentationml/2006/main">
   <p:cSld>
     <p:spTree>
@@ -8250,7 +8834,7 @@
 </p:sld>
 </file>
 
-<file path=ppt/slides/slide24.xml><?xml version="1.0" encoding="utf-8"?>
+<file path=ppt/slides/slide25.xml><?xml version="1.0" encoding="utf-8"?>
 <p:sld xmlns:a="http://schemas.openxmlformats.org/drawingml/2006/main" xmlns:r="http://schemas.openxmlformats.org/officeDocument/2006/relationships" xmlns:p="http://schemas.openxmlformats.org/presentationml/2006/main">
   <p:cSld>
     <p:spTree>
@@ -8392,7 +8976,7 @@
 </p:sld>
 </file>
 
-<file path=ppt/slides/slide25.xml><?xml version="1.0" encoding="utf-8"?>
+<file path=ppt/slides/slide26.xml><?xml version="1.0" encoding="utf-8"?>
 <p:sld xmlns:a="http://schemas.openxmlformats.org/drawingml/2006/main" xmlns:r="http://schemas.openxmlformats.org/officeDocument/2006/relationships" xmlns:p="http://schemas.openxmlformats.org/presentationml/2006/main">
   <p:cSld>
     <p:spTree>
@@ -8771,7 +9355,7 @@
 </p:sld>
 </file>
 
-<file path=ppt/slides/slide26.xml><?xml version="1.0" encoding="utf-8"?>
+<file path=ppt/slides/slide27.xml><?xml version="1.0" encoding="utf-8"?>
 <p:sld xmlns:a="http://schemas.openxmlformats.org/drawingml/2006/main" xmlns:r="http://schemas.openxmlformats.org/officeDocument/2006/relationships" xmlns:p="http://schemas.openxmlformats.org/presentationml/2006/main">
   <p:cSld>
     <p:spTree>
@@ -8953,7 +9537,7 @@
 </p:sld>
 </file>
 
-<file path=ppt/slides/slide27.xml><?xml version="1.0" encoding="utf-8"?>
+<file path=ppt/slides/slide28.xml><?xml version="1.0" encoding="utf-8"?>
 <p:sld xmlns:a="http://schemas.openxmlformats.org/drawingml/2006/main" xmlns:r="http://schemas.openxmlformats.org/officeDocument/2006/relationships" xmlns:p="http://schemas.openxmlformats.org/presentationml/2006/main">
   <p:cSld>
     <p:spTree>
@@ -9130,7 +9714,7 @@
 </p:sld>
 </file>
 
-<file path=ppt/slides/slide28.xml><?xml version="1.0" encoding="utf-8"?>
+<file path=ppt/slides/slide29.xml><?xml version="1.0" encoding="utf-8"?>
 <p:sld xmlns:a="http://schemas.openxmlformats.org/drawingml/2006/main" xmlns:r="http://schemas.openxmlformats.org/officeDocument/2006/relationships" xmlns:p="http://schemas.openxmlformats.org/presentationml/2006/main">
   <p:cSld>
     <p:spTree>
@@ -9230,12 +9814,36 @@
           <a:lstStyle/>
           <a:p>
             <a:r>
+              <a:rPr lang="en-US" altLang="zh-CN" dirty="0" smtClean="0">
+                <a:solidFill>
+                  <a:schemeClr val="tx1"/>
+                </a:solidFill>
+              </a:rPr>
+              <a:t>C</a:t>
+            </a:r>
+            <a:r>
               <a:rPr lang="en-US" dirty="0" smtClean="0">
                 <a:solidFill>
                   <a:schemeClr val="tx1"/>
                 </a:solidFill>
               </a:rPr>
-              <a:t>Semantic Labeling</a:t>
+              <a:t>ombinatorial </a:t>
+            </a:r>
+            <a:r>
+              <a:rPr lang="en-US" altLang="zh-CN" dirty="0" smtClean="0">
+                <a:solidFill>
+                  <a:schemeClr val="tx1"/>
+                </a:solidFill>
+              </a:rPr>
+              <a:t>E</a:t>
+            </a:r>
+            <a:r>
+              <a:rPr lang="en-US" dirty="0" smtClean="0">
+                <a:solidFill>
+                  <a:schemeClr val="tx1"/>
+                </a:solidFill>
+              </a:rPr>
+              <a:t>xplosion</a:t>
             </a:r>
             <a:endParaRPr lang="en-US" dirty="0">
               <a:solidFill>
@@ -9254,7 +9862,7 @@
         <p:spPr>
           <a:xfrm>
             <a:off x="729199" y="4694304"/>
-            <a:ext cx="8228526" cy="1938992"/>
+            <a:ext cx="8228526" cy="1569660"/>
           </a:xfrm>
           <a:prstGeom prst="rect">
             <a:avLst/>
@@ -9268,13 +9876,34 @@
           <a:lstStyle/>
           <a:p>
             <a:r>
+              <a:rPr lang="en-US" dirty="0" smtClean="0">
+                <a:solidFill>
+                  <a:schemeClr val="tx1"/>
+                </a:solidFill>
+              </a:rPr>
+              <a:t>Baccalaureate, bachelors, bachelor, B.S., BS, BA, BA/BS, 4-year, 4-year, 4 year, four year,  college, Undergraduate </a:t>
+            </a:r>
+            <a:r>
               <a:rPr lang="en-US" dirty="0">
                 <a:solidFill>
                   <a:schemeClr val="tx1"/>
                 </a:solidFill>
               </a:rPr>
-              <a:t>Baccalaureate”, ”bachelors”, ”bachelor” ,”B.S.”, ”B.S”,”BS”,”BA”,”BA/BS”, ”BABS”, ”BSBA”, ”B.A.”, ”4-year”,”4-year”, ”4 year”, ”four year”, ”college”, ”Undergraduate” , ”University”</a:t>
-            </a:r>
+              <a:t>, </a:t>
+            </a:r>
+            <a:r>
+              <a:rPr lang="en-US" dirty="0" smtClean="0">
+                <a:solidFill>
+                  <a:schemeClr val="tx1"/>
+                </a:solidFill>
+              </a:rPr>
+              <a:t>University</a:t>
+            </a:r>
+            <a:endParaRPr lang="en-US" dirty="0">
+              <a:solidFill>
+                <a:schemeClr val="tx1"/>
+              </a:solidFill>
+            </a:endParaRPr>
           </a:p>
           <a:p>
             <a:endParaRPr lang="en-US" dirty="0"/>
@@ -9302,7 +9931,162 @@
 </p:sld>
 </file>
 
-<file path=ppt/slides/slide29.xml><?xml version="1.0" encoding="utf-8"?>
+<file path=ppt/slides/slide3.xml><?xml version="1.0" encoding="utf-8"?>
+<p:sld xmlns:a="http://schemas.openxmlformats.org/drawingml/2006/main" xmlns:r="http://schemas.openxmlformats.org/officeDocument/2006/relationships" xmlns:p="http://schemas.openxmlformats.org/presentationml/2006/main">
+  <p:cSld>
+    <p:spTree>
+      <p:nvGrpSpPr>
+        <p:cNvPr id="1" name=""/>
+        <p:cNvGrpSpPr/>
+        <p:nvPr/>
+      </p:nvGrpSpPr>
+      <p:grpSpPr>
+        <a:xfrm>
+          <a:off x="0" y="0"/>
+          <a:ext cx="0" cy="0"/>
+          <a:chOff x="0" y="0"/>
+          <a:chExt cx="0" cy="0"/>
+        </a:xfrm>
+      </p:grpSpPr>
+      <p:pic>
+        <p:nvPicPr>
+          <p:cNvPr id="4" name="Content Placeholder 3"/>
+          <p:cNvPicPr>
+            <a:picLocks noGrp="1" noChangeAspect="1"/>
+          </p:cNvPicPr>
+          <p:nvPr>
+            <p:ph idx="1"/>
+          </p:nvPr>
+        </p:nvPicPr>
+        <p:blipFill>
+          <a:blip r:embed="rId2"/>
+          <a:stretch>
+            <a:fillRect/>
+          </a:stretch>
+        </p:blipFill>
+        <p:spPr>
+          <a:xfrm>
+            <a:off x="661044" y="2486685"/>
+            <a:ext cx="7297293" cy="866115"/>
+          </a:xfrm>
+          <a:prstGeom prst="rect">
+            <a:avLst/>
+          </a:prstGeom>
+        </p:spPr>
+      </p:pic>
+      <p:sp>
+        <p:nvSpPr>
+          <p:cNvPr id="3" name="Title 2"/>
+          <p:cNvSpPr>
+            <a:spLocks noGrp="1"/>
+          </p:cNvSpPr>
+          <p:nvPr>
+            <p:ph type="title"/>
+          </p:nvPr>
+        </p:nvSpPr>
+        <p:spPr>
+          <a:xfrm>
+            <a:off x="397616" y="1025586"/>
+            <a:ext cx="8134351" cy="994172"/>
+          </a:xfrm>
+        </p:spPr>
+        <p:txBody>
+          <a:bodyPr/>
+          <a:lstStyle/>
+          <a:p>
+            <a:r>
+              <a:rPr lang="en-US" dirty="0" smtClean="0">
+                <a:solidFill>
+                  <a:schemeClr val="tx1"/>
+                </a:solidFill>
+              </a:rPr>
+              <a:t>They all use keyword Searching</a:t>
+            </a:r>
+            <a:endParaRPr lang="en-US" dirty="0">
+              <a:solidFill>
+                <a:schemeClr val="tx1"/>
+              </a:solidFill>
+            </a:endParaRPr>
+          </a:p>
+        </p:txBody>
+      </p:sp>
+      <p:pic>
+        <p:nvPicPr>
+          <p:cNvPr id="5" name="Picture 4"/>
+          <p:cNvPicPr>
+            <a:picLocks noChangeAspect="1"/>
+          </p:cNvPicPr>
+          <p:nvPr/>
+        </p:nvPicPr>
+        <p:blipFill>
+          <a:blip r:embed="rId3"/>
+          <a:stretch>
+            <a:fillRect/>
+          </a:stretch>
+        </p:blipFill>
+        <p:spPr>
+          <a:xfrm>
+            <a:off x="897565" y="3817382"/>
+            <a:ext cx="7134455" cy="803274"/>
+          </a:xfrm>
+          <a:prstGeom prst="rect">
+            <a:avLst/>
+          </a:prstGeom>
+        </p:spPr>
+      </p:pic>
+      <p:pic>
+        <p:nvPicPr>
+          <p:cNvPr id="6" name="Picture 5"/>
+          <p:cNvPicPr>
+            <a:picLocks noChangeAspect="1"/>
+          </p:cNvPicPr>
+          <p:nvPr/>
+        </p:nvPicPr>
+        <p:blipFill>
+          <a:blip r:embed="rId4"/>
+          <a:stretch>
+            <a:fillRect/>
+          </a:stretch>
+        </p:blipFill>
+        <p:spPr>
+          <a:xfrm>
+            <a:off x="852290" y="5181600"/>
+            <a:ext cx="7179730" cy="685800"/>
+          </a:xfrm>
+          <a:prstGeom prst="rect">
+            <a:avLst/>
+          </a:prstGeom>
+        </p:spPr>
+      </p:pic>
+    </p:spTree>
+    <p:extLst>
+      <p:ext uri="{BB962C8B-B14F-4D97-AF65-F5344CB8AC3E}">
+        <p14:creationId xmlns:p14="http://schemas.microsoft.com/office/powerpoint/2010/main" val="3888670801"/>
+      </p:ext>
+    </p:extLst>
+  </p:cSld>
+  <p:clrMapOvr>
+    <a:masterClrMapping/>
+  </p:clrMapOvr>
+  <mc:AlternateContent xmlns:mc="http://schemas.openxmlformats.org/markup-compatibility/2006" xmlns:p14="http://schemas.microsoft.com/office/powerpoint/2010/main">
+    <mc:Choice Requires="p14">
+      <p:transition spd="slow" p14:dur="2000"/>
+    </mc:Choice>
+    <mc:Fallback xmlns="">
+      <p:transition spd="slow"/>
+    </mc:Fallback>
+  </mc:AlternateContent>
+  <p:timing>
+    <p:tnLst>
+      <p:par>
+        <p:cTn id="1" dur="indefinite" restart="never" nodeType="tmRoot"/>
+      </p:par>
+    </p:tnLst>
+  </p:timing>
+</p:sld>
+</file>
+
+<file path=ppt/slides/slide30.xml><?xml version="1.0" encoding="utf-8"?>
 <p:sld xmlns:a="http://schemas.openxmlformats.org/drawingml/2006/main" xmlns:r="http://schemas.openxmlformats.org/officeDocument/2006/relationships" xmlns:p="http://schemas.openxmlformats.org/presentationml/2006/main">
   <p:cSld>
     <p:spTree>
@@ -9927,162 +10711,7 @@
 </p:sld>
 </file>
 
-<file path=ppt/slides/slide3.xml><?xml version="1.0" encoding="utf-8"?>
-<p:sld xmlns:a="http://schemas.openxmlformats.org/drawingml/2006/main" xmlns:r="http://schemas.openxmlformats.org/officeDocument/2006/relationships" xmlns:p="http://schemas.openxmlformats.org/presentationml/2006/main">
-  <p:cSld>
-    <p:spTree>
-      <p:nvGrpSpPr>
-        <p:cNvPr id="1" name=""/>
-        <p:cNvGrpSpPr/>
-        <p:nvPr/>
-      </p:nvGrpSpPr>
-      <p:grpSpPr>
-        <a:xfrm>
-          <a:off x="0" y="0"/>
-          <a:ext cx="0" cy="0"/>
-          <a:chOff x="0" y="0"/>
-          <a:chExt cx="0" cy="0"/>
-        </a:xfrm>
-      </p:grpSpPr>
-      <p:pic>
-        <p:nvPicPr>
-          <p:cNvPr id="4" name="Content Placeholder 3"/>
-          <p:cNvPicPr>
-            <a:picLocks noGrp="1" noChangeAspect="1"/>
-          </p:cNvPicPr>
-          <p:nvPr>
-            <p:ph idx="1"/>
-          </p:nvPr>
-        </p:nvPicPr>
-        <p:blipFill>
-          <a:blip r:embed="rId2"/>
-          <a:stretch>
-            <a:fillRect/>
-          </a:stretch>
-        </p:blipFill>
-        <p:spPr>
-          <a:xfrm>
-            <a:off x="661044" y="2486685"/>
-            <a:ext cx="7297293" cy="866115"/>
-          </a:xfrm>
-          <a:prstGeom prst="rect">
-            <a:avLst/>
-          </a:prstGeom>
-        </p:spPr>
-      </p:pic>
-      <p:sp>
-        <p:nvSpPr>
-          <p:cNvPr id="3" name="Title 2"/>
-          <p:cNvSpPr>
-            <a:spLocks noGrp="1"/>
-          </p:cNvSpPr>
-          <p:nvPr>
-            <p:ph type="title"/>
-          </p:nvPr>
-        </p:nvSpPr>
-        <p:spPr>
-          <a:xfrm>
-            <a:off x="397616" y="1025586"/>
-            <a:ext cx="8134351" cy="994172"/>
-          </a:xfrm>
-        </p:spPr>
-        <p:txBody>
-          <a:bodyPr/>
-          <a:lstStyle/>
-          <a:p>
-            <a:r>
-              <a:rPr lang="en-US" dirty="0" smtClean="0">
-                <a:solidFill>
-                  <a:schemeClr val="tx1"/>
-                </a:solidFill>
-              </a:rPr>
-              <a:t>They all use keyword Searching</a:t>
-            </a:r>
-            <a:endParaRPr lang="en-US" dirty="0">
-              <a:solidFill>
-                <a:schemeClr val="tx1"/>
-              </a:solidFill>
-            </a:endParaRPr>
-          </a:p>
-        </p:txBody>
-      </p:sp>
-      <p:pic>
-        <p:nvPicPr>
-          <p:cNvPr id="5" name="Picture 4"/>
-          <p:cNvPicPr>
-            <a:picLocks noChangeAspect="1"/>
-          </p:cNvPicPr>
-          <p:nvPr/>
-        </p:nvPicPr>
-        <p:blipFill>
-          <a:blip r:embed="rId3"/>
-          <a:stretch>
-            <a:fillRect/>
-          </a:stretch>
-        </p:blipFill>
-        <p:spPr>
-          <a:xfrm>
-            <a:off x="897565" y="3817382"/>
-            <a:ext cx="7134455" cy="803274"/>
-          </a:xfrm>
-          <a:prstGeom prst="rect">
-            <a:avLst/>
-          </a:prstGeom>
-        </p:spPr>
-      </p:pic>
-      <p:pic>
-        <p:nvPicPr>
-          <p:cNvPr id="6" name="Picture 5"/>
-          <p:cNvPicPr>
-            <a:picLocks noChangeAspect="1"/>
-          </p:cNvPicPr>
-          <p:nvPr/>
-        </p:nvPicPr>
-        <p:blipFill>
-          <a:blip r:embed="rId4"/>
-          <a:stretch>
-            <a:fillRect/>
-          </a:stretch>
-        </p:blipFill>
-        <p:spPr>
-          <a:xfrm>
-            <a:off x="852290" y="5181600"/>
-            <a:ext cx="7179730" cy="685800"/>
-          </a:xfrm>
-          <a:prstGeom prst="rect">
-            <a:avLst/>
-          </a:prstGeom>
-        </p:spPr>
-      </p:pic>
-    </p:spTree>
-    <p:extLst>
-      <p:ext uri="{BB962C8B-B14F-4D97-AF65-F5344CB8AC3E}">
-        <p14:creationId xmlns:p14="http://schemas.microsoft.com/office/powerpoint/2010/main" val="3888670801"/>
-      </p:ext>
-    </p:extLst>
-  </p:cSld>
-  <p:clrMapOvr>
-    <a:masterClrMapping/>
-  </p:clrMapOvr>
-  <mc:AlternateContent xmlns:mc="http://schemas.openxmlformats.org/markup-compatibility/2006" xmlns:p14="http://schemas.microsoft.com/office/powerpoint/2010/main">
-    <mc:Choice Requires="p14">
-      <p:transition spd="slow" p14:dur="2000"/>
-    </mc:Choice>
-    <mc:Fallback xmlns="">
-      <p:transition spd="slow"/>
-    </mc:Fallback>
-  </mc:AlternateContent>
-  <p:timing>
-    <p:tnLst>
-      <p:par>
-        <p:cTn id="1" dur="indefinite" restart="never" nodeType="tmRoot"/>
-      </p:par>
-    </p:tnLst>
-  </p:timing>
-</p:sld>
-</file>
-
-<file path=ppt/slides/slide30.xml><?xml version="1.0" encoding="utf-8"?>
+<file path=ppt/slides/slide31.xml><?xml version="1.0" encoding="utf-8"?>
 <p:sld xmlns:a="http://schemas.openxmlformats.org/drawingml/2006/main" xmlns:r="http://schemas.openxmlformats.org/officeDocument/2006/relationships" xmlns:p="http://schemas.openxmlformats.org/presentationml/2006/main">
   <p:cSld>
     <p:spTree>
@@ -10521,7 +11150,7 @@
 </p:sld>
 </file>
 
-<file path=ppt/slides/slide31.xml><?xml version="1.0" encoding="utf-8"?>
+<file path=ppt/slides/slide32.xml><?xml version="1.0" encoding="utf-8"?>
 <p:sld xmlns:a="http://schemas.openxmlformats.org/drawingml/2006/main" xmlns:r="http://schemas.openxmlformats.org/officeDocument/2006/relationships" xmlns:p="http://schemas.openxmlformats.org/presentationml/2006/main">
   <p:cSld>
     <p:spTree>
@@ -10583,7 +11212,7 @@
         <p:spPr>
           <a:xfrm>
             <a:off x="649458" y="2209800"/>
-            <a:ext cx="5934445" cy="461665"/>
+            <a:ext cx="7011663" cy="461665"/>
           </a:xfrm>
           <a:prstGeom prst="rect">
             <a:avLst/>
@@ -10618,7 +11247,7 @@
                   <a:schemeClr val="tx1"/>
                 </a:solidFill>
               </a:rPr>
-              <a:t>DEGREE IN   (OR MAJOR) ?</a:t>
+              <a:t>DEGREE IN MAJOR  (OR MAJOR) ?</a:t>
             </a:r>
             <a:endParaRPr lang="en-US" dirty="0">
               <a:solidFill>
@@ -10986,7 +11615,7 @@
 </p:sld>
 </file>
 
-<file path=ppt/slides/slide32.xml><?xml version="1.0" encoding="utf-8"?>
+<file path=ppt/slides/slide33.xml><?xml version="1.0" encoding="utf-8"?>
 <p:sld xmlns:a="http://schemas.openxmlformats.org/drawingml/2006/main" xmlns:r="http://schemas.openxmlformats.org/officeDocument/2006/relationships" xmlns:p="http://schemas.openxmlformats.org/presentationml/2006/main">
   <p:cSld>
     <p:spTree>
@@ -11114,7 +11743,15 @@
             </a:pPr>
             <a:r>
               <a:rPr lang="en-US" sz="2400" dirty="0"/>
-              <a:t> MAJOR-DEGREE  ,  MAJOR-DEGREE OR MAJOR </a:t>
+              <a:t> MAJOR-DEGREE </a:t>
+            </a:r>
+            <a:r>
+              <a:rPr lang="en-US" sz="2400" dirty="0" smtClean="0"/>
+              <a:t>,  </a:t>
+            </a:r>
+            <a:r>
+              <a:rPr lang="en-US" sz="2400" dirty="0"/>
+              <a:t>MAJOR-DEGREE OR MAJOR </a:t>
             </a:r>
             <a:r>
               <a:rPr lang="en-US" sz="2400" dirty="0" smtClean="0"/>
@@ -11173,75 +11810,6 @@
     <p:extLst>
       <p:ext uri="{BB962C8B-B14F-4D97-AF65-F5344CB8AC3E}">
         <p14:creationId xmlns:p14="http://schemas.microsoft.com/office/powerpoint/2010/main" val="673294621"/>
-      </p:ext>
-    </p:extLst>
-  </p:cSld>
-  <p:clrMapOvr>
-    <a:masterClrMapping/>
-  </p:clrMapOvr>
-  <mc:AlternateContent xmlns:mc="http://schemas.openxmlformats.org/markup-compatibility/2006" xmlns:p14="http://schemas.microsoft.com/office/powerpoint/2010/main">
-    <mc:Choice Requires="p14">
-      <p:transition spd="slow" p14:dur="2000"/>
-    </mc:Choice>
-    <mc:Fallback xmlns="">
-      <p:transition spd="slow"/>
-    </mc:Fallback>
-  </mc:AlternateContent>
-</p:sld>
-</file>
-
-<file path=ppt/slides/slide33.xml><?xml version="1.0" encoding="utf-8"?>
-<p:sld xmlns:a="http://schemas.openxmlformats.org/drawingml/2006/main" xmlns:r="http://schemas.openxmlformats.org/officeDocument/2006/relationships" xmlns:p="http://schemas.openxmlformats.org/presentationml/2006/main">
-  <p:cSld>
-    <p:spTree>
-      <p:nvGrpSpPr>
-        <p:cNvPr id="1" name=""/>
-        <p:cNvGrpSpPr/>
-        <p:nvPr/>
-      </p:nvGrpSpPr>
-      <p:grpSpPr>
-        <a:xfrm>
-          <a:off x="0" y="0"/>
-          <a:ext cx="0" cy="0"/>
-          <a:chOff x="0" y="0"/>
-          <a:chExt cx="0" cy="0"/>
-        </a:xfrm>
-      </p:grpSpPr>
-      <p:sp>
-        <p:nvSpPr>
-          <p:cNvPr id="3" name="Title 2"/>
-          <p:cNvSpPr>
-            <a:spLocks noGrp="1"/>
-          </p:cNvSpPr>
-          <p:nvPr>
-            <p:ph type="title"/>
-          </p:nvPr>
-        </p:nvSpPr>
-        <p:spPr>
-          <a:xfrm>
-            <a:off x="838200" y="2209800"/>
-            <a:ext cx="7343775" cy="994172"/>
-          </a:xfrm>
-        </p:spPr>
-        <p:txBody>
-          <a:bodyPr/>
-          <a:lstStyle/>
-          <a:p>
-            <a:r>
-              <a:rPr lang="en-US" dirty="0">
-                <a:solidFill>
-                  <a:schemeClr val="tx1"/>
-                </a:solidFill>
-              </a:rPr>
-              <a:t>Implementation of Regular Expression Over Tokens </a:t>
-            </a:r>
-          </a:p>
-        </p:txBody>
-      </p:sp>
-    </p:spTree>
-    <p:extLst>
-      <p:ext uri="{BB962C8B-B14F-4D97-AF65-F5344CB8AC3E}">
-        <p14:creationId xmlns:p14="http://schemas.microsoft.com/office/powerpoint/2010/main" val="647024876"/>
       </p:ext>
     </p:extLst>
   </p:cSld>
@@ -11288,6 +11856,75 @@
         </p:nvSpPr>
         <p:spPr>
           <a:xfrm>
+            <a:off x="838200" y="2209800"/>
+            <a:ext cx="7343775" cy="994172"/>
+          </a:xfrm>
+        </p:spPr>
+        <p:txBody>
+          <a:bodyPr/>
+          <a:lstStyle/>
+          <a:p>
+            <a:r>
+              <a:rPr lang="en-US" dirty="0">
+                <a:solidFill>
+                  <a:schemeClr val="tx1"/>
+                </a:solidFill>
+              </a:rPr>
+              <a:t>Implementation of Regular Expression Over Tokens </a:t>
+            </a:r>
+          </a:p>
+        </p:txBody>
+      </p:sp>
+    </p:spTree>
+    <p:extLst>
+      <p:ext uri="{BB962C8B-B14F-4D97-AF65-F5344CB8AC3E}">
+        <p14:creationId xmlns:p14="http://schemas.microsoft.com/office/powerpoint/2010/main" val="647024876"/>
+      </p:ext>
+    </p:extLst>
+  </p:cSld>
+  <p:clrMapOvr>
+    <a:masterClrMapping/>
+  </p:clrMapOvr>
+  <mc:AlternateContent xmlns:mc="http://schemas.openxmlformats.org/markup-compatibility/2006" xmlns:p14="http://schemas.microsoft.com/office/powerpoint/2010/main">
+    <mc:Choice Requires="p14">
+      <p:transition spd="slow" p14:dur="2000"/>
+    </mc:Choice>
+    <mc:Fallback xmlns="">
+      <p:transition spd="slow"/>
+    </mc:Fallback>
+  </mc:AlternateContent>
+</p:sld>
+</file>
+
+<file path=ppt/slides/slide35.xml><?xml version="1.0" encoding="utf-8"?>
+<p:sld xmlns:a="http://schemas.openxmlformats.org/drawingml/2006/main" xmlns:r="http://schemas.openxmlformats.org/officeDocument/2006/relationships" xmlns:p="http://schemas.openxmlformats.org/presentationml/2006/main">
+  <p:cSld>
+    <p:spTree>
+      <p:nvGrpSpPr>
+        <p:cNvPr id="1" name=""/>
+        <p:cNvGrpSpPr/>
+        <p:nvPr/>
+      </p:nvGrpSpPr>
+      <p:grpSpPr>
+        <a:xfrm>
+          <a:off x="0" y="0"/>
+          <a:ext cx="0" cy="0"/>
+          <a:chOff x="0" y="0"/>
+          <a:chExt cx="0" cy="0"/>
+        </a:xfrm>
+      </p:grpSpPr>
+      <p:sp>
+        <p:nvSpPr>
+          <p:cNvPr id="3" name="Title 2"/>
+          <p:cNvSpPr>
+            <a:spLocks noGrp="1"/>
+          </p:cNvSpPr>
+          <p:nvPr>
+            <p:ph type="title"/>
+          </p:nvPr>
+        </p:nvSpPr>
+        <p:spPr>
+          <a:xfrm>
             <a:off x="1171575" y="1131094"/>
             <a:ext cx="7343775" cy="994172"/>
           </a:xfrm>
@@ -11336,7 +11973,7 @@
         </p:blipFill>
         <p:spPr>
           <a:xfrm>
-            <a:off x="381000" y="2514600"/>
+            <a:off x="457200" y="2286000"/>
             <a:ext cx="8348433" cy="3630115"/>
           </a:xfrm>
           <a:prstGeom prst="rect">
@@ -11372,7 +12009,7 @@
 </p:sld>
 </file>
 
-<file path=ppt/slides/slide35.xml><?xml version="1.0" encoding="utf-8"?>
+<file path=ppt/slides/slide36.xml><?xml version="1.0" encoding="utf-8"?>
 <p:sld xmlns:a="http://schemas.openxmlformats.org/drawingml/2006/main" xmlns:r="http://schemas.openxmlformats.org/officeDocument/2006/relationships" xmlns:p="http://schemas.openxmlformats.org/presentationml/2006/main">
   <p:cSld>
     <p:spTree>
@@ -11538,7 +12175,7 @@
 </p:sld>
 </file>
 
-<file path=ppt/slides/slide36.xml><?xml version="1.0" encoding="utf-8"?>
+<file path=ppt/slides/slide37.xml><?xml version="1.0" encoding="utf-8"?>
 <p:sld xmlns:a="http://schemas.openxmlformats.org/drawingml/2006/main" xmlns:r="http://schemas.openxmlformats.org/officeDocument/2006/relationships" xmlns:p="http://schemas.openxmlformats.org/presentationml/2006/main" show="0">
   <p:cSld>
     <p:spTree>
@@ -11687,170 +12324,6 @@
     <p:extLst>
       <p:ext uri="{BB962C8B-B14F-4D97-AF65-F5344CB8AC3E}">
         <p14:creationId xmlns:p14="http://schemas.microsoft.com/office/powerpoint/2010/main" val="1546613809"/>
-      </p:ext>
-    </p:extLst>
-  </p:cSld>
-  <p:clrMapOvr>
-    <a:masterClrMapping/>
-  </p:clrMapOvr>
-  <mc:AlternateContent xmlns:mc="http://schemas.openxmlformats.org/markup-compatibility/2006" xmlns:p14="http://schemas.microsoft.com/office/powerpoint/2010/main">
-    <mc:Choice Requires="p14">
-      <p:transition spd="slow" p14:dur="2000"/>
-    </mc:Choice>
-    <mc:Fallback xmlns="">
-      <p:transition spd="slow"/>
-    </mc:Fallback>
-  </mc:AlternateContent>
-  <p:timing>
-    <p:tnLst>
-      <p:par>
-        <p:cTn id="1" dur="indefinite" restart="never" nodeType="tmRoot"/>
-      </p:par>
-    </p:tnLst>
-  </p:timing>
-</p:sld>
-</file>
-
-<file path=ppt/slides/slide37.xml><?xml version="1.0" encoding="utf-8"?>
-<p:sld xmlns:a="http://schemas.openxmlformats.org/drawingml/2006/main" xmlns:r="http://schemas.openxmlformats.org/officeDocument/2006/relationships" xmlns:p="http://schemas.openxmlformats.org/presentationml/2006/main">
-  <p:cSld>
-    <p:spTree>
-      <p:nvGrpSpPr>
-        <p:cNvPr id="1" name=""/>
-        <p:cNvGrpSpPr/>
-        <p:nvPr/>
-      </p:nvGrpSpPr>
-      <p:grpSpPr>
-        <a:xfrm>
-          <a:off x="0" y="0"/>
-          <a:ext cx="0" cy="0"/>
-          <a:chOff x="0" y="0"/>
-          <a:chExt cx="0" cy="0"/>
-        </a:xfrm>
-      </p:grpSpPr>
-      <p:sp>
-        <p:nvSpPr>
-          <p:cNvPr id="3" name="Title 2"/>
-          <p:cNvSpPr>
-            <a:spLocks noGrp="1"/>
-          </p:cNvSpPr>
-          <p:nvPr>
-            <p:ph type="title"/>
-          </p:nvPr>
-        </p:nvSpPr>
-        <p:spPr>
-          <a:xfrm>
-            <a:off x="533400" y="1371600"/>
-            <a:ext cx="7752008" cy="1295400"/>
-          </a:xfrm>
-        </p:spPr>
-        <p:txBody>
-          <a:bodyPr/>
-          <a:lstStyle/>
-          <a:p>
-            <a:r>
-              <a:rPr lang="en-US" sz="3600" dirty="0" smtClean="0">
-                <a:solidFill>
-                  <a:schemeClr val="tx1"/>
-                </a:solidFill>
-              </a:rPr>
-              <a:t>Flexibility </a:t>
-            </a:r>
-            <a:br>
-              <a:rPr lang="en-US" sz="3600" dirty="0" smtClean="0">
-                <a:solidFill>
-                  <a:schemeClr val="tx1"/>
-                </a:solidFill>
-              </a:rPr>
-            </a:br>
-            <a:r>
-              <a:rPr lang="en-US" sz="3600" dirty="0" smtClean="0">
-                <a:solidFill>
-                  <a:schemeClr val="tx1"/>
-                </a:solidFill>
-              </a:rPr>
-              <a:t>–  regular expression style </a:t>
-            </a:r>
-            <a:endParaRPr lang="en-US" sz="3600" dirty="0">
-              <a:solidFill>
-                <a:schemeClr val="tx1"/>
-              </a:solidFill>
-            </a:endParaRPr>
-          </a:p>
-        </p:txBody>
-      </p:sp>
-      <p:sp>
-        <p:nvSpPr>
-          <p:cNvPr id="2" name="Rectangle 1"/>
-          <p:cNvSpPr/>
-          <p:nvPr/>
-        </p:nvSpPr>
-        <p:spPr>
-          <a:xfrm>
-            <a:off x="762000" y="3048000"/>
-            <a:ext cx="7930166" cy="1800493"/>
-          </a:xfrm>
-          <a:prstGeom prst="rect">
-            <a:avLst/>
-          </a:prstGeom>
-        </p:spPr>
-        <p:txBody>
-          <a:bodyPr wrap="square">
-            <a:spAutoFit/>
-          </a:bodyPr>
-          <a:lstStyle/>
-          <a:p>
-            <a:r>
-              <a:rPr lang="en-US" sz="2100" dirty="0"/>
-              <a:t>Pattern: DE-LEVEL DEGREE ( IN | OF ) DT? MAJOR</a:t>
-            </a:r>
-          </a:p>
-          <a:p>
-            <a:endParaRPr lang="en-US" sz="2100" dirty="0"/>
-          </a:p>
-          <a:p>
-            <a:endParaRPr lang="en-US" sz="2100" dirty="0"/>
-          </a:p>
-          <a:p>
-            <a:r>
-              <a:rPr lang="en-US" dirty="0" err="1">
-                <a:solidFill>
-                  <a:schemeClr val="tx1"/>
-                </a:solidFill>
-              </a:rPr>
-              <a:t>seqMatcher</a:t>
-            </a:r>
-            <a:r>
-              <a:rPr lang="en-US" dirty="0">
-                <a:solidFill>
-                  <a:schemeClr val="tx1"/>
-                </a:solidFill>
-              </a:rPr>
-              <a:t> =</a:t>
-            </a:r>
-            <a:r>
-              <a:rPr lang="en-US" dirty="0" err="1">
-                <a:solidFill>
-                  <a:schemeClr val="tx1"/>
-                </a:solidFill>
-              </a:rPr>
-              <a:t>parser.parse</a:t>
-            </a:r>
-            <a:r>
-              <a:rPr lang="en-US" dirty="0">
-                <a:solidFill>
-                  <a:schemeClr val="tx1"/>
-                </a:solidFill>
-              </a:rPr>
-              <a:t>(”DE-LEVEL DEGREE ( IN | OF ) DT? MAJOR”)</a:t>
-            </a:r>
-          </a:p>
-        </p:txBody>
-      </p:sp>
-    </p:spTree>
-    <p:extLst>
-      <p:ext uri="{BB962C8B-B14F-4D97-AF65-F5344CB8AC3E}">
-        <p14:creationId xmlns:p14="http://schemas.microsoft.com/office/powerpoint/2010/main" val="1451744618"/>
       </p:ext>
     </p:extLst>
   </p:cSld>
@@ -11894,200 +12367,6 @@
       </p:grpSpPr>
       <p:sp>
         <p:nvSpPr>
-          <p:cNvPr id="2" name="Content Placeholder 1"/>
-          <p:cNvSpPr>
-            <a:spLocks noGrp="1"/>
-          </p:cNvSpPr>
-          <p:nvPr>
-            <p:ph idx="1"/>
-          </p:nvPr>
-        </p:nvSpPr>
-        <p:spPr>
-          <a:xfrm>
-            <a:off x="725609" y="2514600"/>
-            <a:ext cx="7790914" cy="2650331"/>
-          </a:xfrm>
-        </p:spPr>
-        <p:txBody>
-          <a:bodyPr/>
-          <a:lstStyle/>
-          <a:p>
-            <a:r>
-              <a:rPr lang="en-US" sz="2400" dirty="0" smtClean="0"/>
-              <a:t>Pattern: </a:t>
-            </a:r>
-            <a:r>
-              <a:rPr lang="en-US" sz="2400" dirty="0"/>
-              <a:t>”DE-LEVEL DEGREE (IN | OF) MAJOR</a:t>
-            </a:r>
-            <a:r>
-              <a:rPr lang="en-US" sz="2400" dirty="0" smtClean="0"/>
-              <a:t>”</a:t>
-            </a:r>
-          </a:p>
-          <a:p>
-            <a:endParaRPr lang="en-US" sz="2400" dirty="0" smtClean="0">
-              <a:solidFill>
-                <a:schemeClr val="accent6"/>
-              </a:solidFill>
-            </a:endParaRPr>
-          </a:p>
-          <a:p>
-            <a:r>
-              <a:rPr lang="en-US" sz="2400" dirty="0" err="1" smtClean="0">
-                <a:solidFill>
-                  <a:schemeClr val="accent6"/>
-                </a:solidFill>
-                <a:latin typeface="MS PMincho" panose="02020600040205080304" pitchFamily="18" charset="-128"/>
-                <a:ea typeface="MS PMincho" panose="02020600040205080304" pitchFamily="18" charset="-128"/>
-              </a:rPr>
-              <a:t>seqMatcher</a:t>
-            </a:r>
-            <a:r>
-              <a:rPr lang="en-US" sz="2400" dirty="0" smtClean="0">
-                <a:solidFill>
-                  <a:schemeClr val="accent6"/>
-                </a:solidFill>
-                <a:latin typeface="MS PMincho" panose="02020600040205080304" pitchFamily="18" charset="-128"/>
-                <a:ea typeface="MS PMincho" panose="02020600040205080304" pitchFamily="18" charset="-128"/>
-              </a:rPr>
-              <a:t> </a:t>
-            </a:r>
-            <a:r>
-              <a:rPr lang="en-US" sz="2400" dirty="0">
-                <a:solidFill>
-                  <a:schemeClr val="accent6"/>
-                </a:solidFill>
-                <a:latin typeface="MS PMincho" panose="02020600040205080304" pitchFamily="18" charset="-128"/>
-                <a:ea typeface="MS PMincho" panose="02020600040205080304" pitchFamily="18" charset="-128"/>
-              </a:rPr>
-              <a:t>= </a:t>
-            </a:r>
-            <a:r>
-              <a:rPr lang="en-US" sz="2400" dirty="0" err="1">
-                <a:solidFill>
-                  <a:schemeClr val="accent6"/>
-                </a:solidFill>
-                <a:latin typeface="MS PMincho" panose="02020600040205080304" pitchFamily="18" charset="-128"/>
-                <a:ea typeface="MS PMincho" panose="02020600040205080304" pitchFamily="18" charset="-128"/>
-              </a:rPr>
-              <a:t>UnitMatcher</a:t>
-            </a:r>
-            <a:r>
-              <a:rPr lang="en-US" sz="2400" dirty="0">
-                <a:solidFill>
-                  <a:schemeClr val="accent6"/>
-                </a:solidFill>
-                <a:latin typeface="MS PMincho" panose="02020600040205080304" pitchFamily="18" charset="-128"/>
-                <a:ea typeface="MS PMincho" panose="02020600040205080304" pitchFamily="18" charset="-128"/>
-              </a:rPr>
-              <a:t>(”DE-LEVEL”) </a:t>
-            </a:r>
-            <a:r>
-              <a:rPr lang="en-US" sz="2400" dirty="0" smtClean="0">
-                <a:solidFill>
-                  <a:schemeClr val="accent6"/>
-                </a:solidFill>
-                <a:latin typeface="MS PMincho" panose="02020600040205080304" pitchFamily="18" charset="-128"/>
-                <a:ea typeface="MS PMincho" panose="02020600040205080304" pitchFamily="18" charset="-128"/>
-              </a:rPr>
-              <a:t>+ </a:t>
-            </a:r>
-            <a:r>
-              <a:rPr lang="en-US" sz="2400" dirty="0" err="1" smtClean="0">
-                <a:solidFill>
-                  <a:schemeClr val="accent6"/>
-                </a:solidFill>
-                <a:latin typeface="MS PMincho" panose="02020600040205080304" pitchFamily="18" charset="-128"/>
-                <a:ea typeface="MS PMincho" panose="02020600040205080304" pitchFamily="18" charset="-128"/>
-              </a:rPr>
-              <a:t>UnitMatcher</a:t>
-            </a:r>
-            <a:r>
-              <a:rPr lang="en-US" sz="2400" dirty="0">
-                <a:solidFill>
-                  <a:schemeClr val="accent6"/>
-                </a:solidFill>
-                <a:latin typeface="MS PMincho" panose="02020600040205080304" pitchFamily="18" charset="-128"/>
-                <a:ea typeface="MS PMincho" panose="02020600040205080304" pitchFamily="18" charset="-128"/>
-              </a:rPr>
-              <a:t>(”DEGREE”) </a:t>
-            </a:r>
-            <a:r>
-              <a:rPr lang="en-US" sz="2400" dirty="0" smtClean="0">
-                <a:solidFill>
-                  <a:schemeClr val="accent6"/>
-                </a:solidFill>
-                <a:latin typeface="MS PMincho" panose="02020600040205080304" pitchFamily="18" charset="-128"/>
-                <a:ea typeface="MS PMincho" panose="02020600040205080304" pitchFamily="18" charset="-128"/>
-              </a:rPr>
-              <a:t>+ ( </a:t>
-            </a:r>
-            <a:r>
-              <a:rPr lang="en-US" sz="2400" dirty="0" err="1">
-                <a:solidFill>
-                  <a:schemeClr val="accent6"/>
-                </a:solidFill>
-                <a:latin typeface="MS PMincho" panose="02020600040205080304" pitchFamily="18" charset="-128"/>
-                <a:ea typeface="MS PMincho" panose="02020600040205080304" pitchFamily="18" charset="-128"/>
-              </a:rPr>
-              <a:t>UnitMatcher</a:t>
-            </a:r>
-            <a:r>
-              <a:rPr lang="en-US" sz="2400" dirty="0">
-                <a:solidFill>
-                  <a:schemeClr val="accent6"/>
-                </a:solidFill>
-                <a:latin typeface="MS PMincho" panose="02020600040205080304" pitchFamily="18" charset="-128"/>
-                <a:ea typeface="MS PMincho" panose="02020600040205080304" pitchFamily="18" charset="-128"/>
-              </a:rPr>
-              <a:t>(”IN”) | </a:t>
-            </a:r>
-            <a:r>
-              <a:rPr lang="en-US" sz="2400" dirty="0" err="1">
-                <a:solidFill>
-                  <a:schemeClr val="accent6"/>
-                </a:solidFill>
-                <a:latin typeface="MS PMincho" panose="02020600040205080304" pitchFamily="18" charset="-128"/>
-                <a:ea typeface="MS PMincho" panose="02020600040205080304" pitchFamily="18" charset="-128"/>
-              </a:rPr>
-              <a:t>UnitMatcher</a:t>
-            </a:r>
-            <a:r>
-              <a:rPr lang="en-US" sz="2400" dirty="0">
-                <a:solidFill>
-                  <a:schemeClr val="accent6"/>
-                </a:solidFill>
-                <a:latin typeface="MS PMincho" panose="02020600040205080304" pitchFamily="18" charset="-128"/>
-                <a:ea typeface="MS PMincho" panose="02020600040205080304" pitchFamily="18" charset="-128"/>
-              </a:rPr>
-              <a:t>(”OF” ) ) + </a:t>
-            </a:r>
-            <a:r>
-              <a:rPr lang="en-US" sz="2400" dirty="0" err="1">
-                <a:solidFill>
-                  <a:schemeClr val="accent6"/>
-                </a:solidFill>
-                <a:latin typeface="MS PMincho" panose="02020600040205080304" pitchFamily="18" charset="-128"/>
-                <a:ea typeface="MS PMincho" panose="02020600040205080304" pitchFamily="18" charset="-128"/>
-              </a:rPr>
-              <a:t>UnitMatcher</a:t>
-            </a:r>
-            <a:r>
-              <a:rPr lang="en-US" sz="2400" dirty="0">
-                <a:solidFill>
-                  <a:schemeClr val="accent6"/>
-                </a:solidFill>
-                <a:latin typeface="MS PMincho" panose="02020600040205080304" pitchFamily="18" charset="-128"/>
-                <a:ea typeface="MS PMincho" panose="02020600040205080304" pitchFamily="18" charset="-128"/>
-              </a:rPr>
-              <a:t>(”MAJOR”)</a:t>
-            </a:r>
-          </a:p>
-        </p:txBody>
-      </p:sp>
-      <p:sp>
-        <p:nvSpPr>
           <p:cNvPr id="3" name="Title 2"/>
           <p:cNvSpPr>
             <a:spLocks noGrp="1"/>
@@ -12098,18 +12377,16 @@
         </p:nvSpPr>
         <p:spPr>
           <a:xfrm>
-            <a:off x="724437" y="1066800"/>
-            <a:ext cx="7657563" cy="994172"/>
+            <a:off x="533400" y="1371600"/>
+            <a:ext cx="7752008" cy="1295400"/>
           </a:xfrm>
         </p:spPr>
         <p:txBody>
-          <a:bodyPr>
-            <a:normAutofit fontScale="90000"/>
-          </a:bodyPr>
+          <a:bodyPr/>
           <a:lstStyle/>
           <a:p>
             <a:r>
-              <a:rPr lang="en-US" dirty="0">
+              <a:rPr lang="en-US" sz="3600" dirty="0" smtClean="0">
                 <a:solidFill>
                   <a:schemeClr val="tx1"/>
                 </a:solidFill>
@@ -12117,40 +12394,108 @@
               <a:t>Flexibility </a:t>
             </a:r>
             <a:br>
-              <a:rPr lang="en-US" dirty="0">
+              <a:rPr lang="en-US" sz="3600" dirty="0" smtClean="0">
                 <a:solidFill>
                   <a:schemeClr val="tx1"/>
                 </a:solidFill>
               </a:rPr>
             </a:br>
             <a:r>
-              <a:rPr lang="en-US" dirty="0">
+              <a:rPr lang="en-US" sz="3600" dirty="0" smtClean="0">
                 <a:solidFill>
                   <a:schemeClr val="tx1"/>
                 </a:solidFill>
               </a:rPr>
-              <a:t>–</a:t>
-            </a:r>
-            <a:r>
-              <a:rPr lang="en-US" dirty="0" smtClean="0">
-                <a:solidFill>
-                  <a:schemeClr val="tx1"/>
-                </a:solidFill>
-              </a:rPr>
-              <a:t> connected by algebra operators</a:t>
-            </a:r>
-            <a:endParaRPr lang="en-US" dirty="0">
+              <a:t>–  regular expression style </a:t>
+            </a:r>
+            <a:endParaRPr lang="en-US" sz="3600" dirty="0">
               <a:solidFill>
                 <a:schemeClr val="tx1"/>
               </a:solidFill>
             </a:endParaRPr>
+          </a:p>
+        </p:txBody>
+      </p:sp>
+      <p:sp>
+        <p:nvSpPr>
+          <p:cNvPr id="2" name="Rectangle 1"/>
+          <p:cNvSpPr/>
+          <p:nvPr/>
+        </p:nvSpPr>
+        <p:spPr>
+          <a:xfrm>
+            <a:off x="762000" y="3048000"/>
+            <a:ext cx="7930166" cy="1800493"/>
+          </a:xfrm>
+          <a:prstGeom prst="rect">
+            <a:avLst/>
+          </a:prstGeom>
+        </p:spPr>
+        <p:txBody>
+          <a:bodyPr wrap="square">
+            <a:spAutoFit/>
+          </a:bodyPr>
+          <a:lstStyle/>
+          <a:p>
+            <a:r>
+              <a:rPr lang="en-US" sz="2100" dirty="0"/>
+              <a:t>Pattern: DE-LEVEL DEGREE ( IN | OF ) DT? MAJOR</a:t>
+            </a:r>
+          </a:p>
+          <a:p>
+            <a:endParaRPr lang="en-US" sz="2100" dirty="0"/>
+          </a:p>
+          <a:p>
+            <a:endParaRPr lang="en-US" sz="2100" dirty="0"/>
+          </a:p>
+          <a:p>
+            <a:r>
+              <a:rPr lang="en-US" dirty="0" err="1">
+                <a:solidFill>
+                  <a:schemeClr val="accent2"/>
+                </a:solidFill>
+                <a:latin typeface="MS PMincho" panose="02020600040205080304" pitchFamily="18" charset="-128"/>
+                <a:ea typeface="MS PMincho" panose="02020600040205080304" pitchFamily="18" charset="-128"/>
+              </a:rPr>
+              <a:t>seqMatcher</a:t>
+            </a:r>
+            <a:r>
+              <a:rPr lang="en-US" dirty="0">
+                <a:solidFill>
+                  <a:schemeClr val="accent2"/>
+                </a:solidFill>
+                <a:latin typeface="MS PMincho" panose="02020600040205080304" pitchFamily="18" charset="-128"/>
+                <a:ea typeface="MS PMincho" panose="02020600040205080304" pitchFamily="18" charset="-128"/>
+              </a:rPr>
+              <a:t> =</a:t>
+            </a:r>
+            <a:r>
+              <a:rPr lang="en-US" dirty="0" err="1">
+                <a:solidFill>
+                  <a:schemeClr val="accent2"/>
+                </a:solidFill>
+                <a:latin typeface="MS PMincho" panose="02020600040205080304" pitchFamily="18" charset="-128"/>
+                <a:ea typeface="MS PMincho" panose="02020600040205080304" pitchFamily="18" charset="-128"/>
+              </a:rPr>
+              <a:t>parser.parse</a:t>
+            </a:r>
+            <a:r>
+              <a:rPr lang="en-US" dirty="0">
+                <a:solidFill>
+                  <a:schemeClr val="accent2"/>
+                </a:solidFill>
+                <a:latin typeface="MS PMincho" panose="02020600040205080304" pitchFamily="18" charset="-128"/>
+                <a:ea typeface="MS PMincho" panose="02020600040205080304" pitchFamily="18" charset="-128"/>
+              </a:rPr>
+              <a:t>(”DE-LEVEL DEGREE ( IN | OF ) DT? MAJOR”)</a:t>
+            </a:r>
           </a:p>
         </p:txBody>
       </p:sp>
     </p:spTree>
     <p:extLst>
       <p:ext uri="{BB962C8B-B14F-4D97-AF65-F5344CB8AC3E}">
-        <p14:creationId xmlns:p14="http://schemas.microsoft.com/office/powerpoint/2010/main" val="3088075092"/>
+        <p14:creationId xmlns:p14="http://schemas.microsoft.com/office/powerpoint/2010/main" val="1451744618"/>
       </p:ext>
     </p:extLst>
   </p:cSld>
@@ -12194,6 +12539,200 @@
       </p:grpSpPr>
       <p:sp>
         <p:nvSpPr>
+          <p:cNvPr id="2" name="Content Placeholder 1"/>
+          <p:cNvSpPr>
+            <a:spLocks noGrp="1"/>
+          </p:cNvSpPr>
+          <p:nvPr>
+            <p:ph idx="1"/>
+          </p:nvPr>
+        </p:nvSpPr>
+        <p:spPr>
+          <a:xfrm>
+            <a:off x="725609" y="2514600"/>
+            <a:ext cx="7790914" cy="2650331"/>
+          </a:xfrm>
+        </p:spPr>
+        <p:txBody>
+          <a:bodyPr/>
+          <a:lstStyle/>
+          <a:p>
+            <a:r>
+              <a:rPr lang="en-US" sz="2400" dirty="0" smtClean="0"/>
+              <a:t>Pattern: </a:t>
+            </a:r>
+            <a:r>
+              <a:rPr lang="en-US" sz="2400" dirty="0"/>
+              <a:t>”DE-LEVEL DEGREE (IN | OF) MAJOR</a:t>
+            </a:r>
+            <a:r>
+              <a:rPr lang="en-US" sz="2400" dirty="0" smtClean="0"/>
+              <a:t>”</a:t>
+            </a:r>
+          </a:p>
+          <a:p>
+            <a:endParaRPr lang="en-US" sz="2400" dirty="0" smtClean="0">
+              <a:solidFill>
+                <a:schemeClr val="accent6"/>
+              </a:solidFill>
+            </a:endParaRPr>
+          </a:p>
+          <a:p>
+            <a:r>
+              <a:rPr lang="en-US" sz="2400" dirty="0" err="1" smtClean="0">
+                <a:solidFill>
+                  <a:schemeClr val="accent6"/>
+                </a:solidFill>
+                <a:latin typeface="MS PMincho" panose="02020600040205080304" pitchFamily="18" charset="-128"/>
+                <a:ea typeface="MS PMincho" panose="02020600040205080304" pitchFamily="18" charset="-128"/>
+              </a:rPr>
+              <a:t>seqMatcher</a:t>
+            </a:r>
+            <a:r>
+              <a:rPr lang="en-US" sz="2400" dirty="0" smtClean="0">
+                <a:solidFill>
+                  <a:schemeClr val="accent6"/>
+                </a:solidFill>
+                <a:latin typeface="MS PMincho" panose="02020600040205080304" pitchFamily="18" charset="-128"/>
+                <a:ea typeface="MS PMincho" panose="02020600040205080304" pitchFamily="18" charset="-128"/>
+              </a:rPr>
+              <a:t> </a:t>
+            </a:r>
+            <a:r>
+              <a:rPr lang="en-US" sz="2400" dirty="0">
+                <a:solidFill>
+                  <a:schemeClr val="accent6"/>
+                </a:solidFill>
+                <a:latin typeface="MS PMincho" panose="02020600040205080304" pitchFamily="18" charset="-128"/>
+                <a:ea typeface="MS PMincho" panose="02020600040205080304" pitchFamily="18" charset="-128"/>
+              </a:rPr>
+              <a:t>= </a:t>
+            </a:r>
+            <a:r>
+              <a:rPr lang="en-US" sz="2400" dirty="0" err="1">
+                <a:solidFill>
+                  <a:schemeClr val="accent6"/>
+                </a:solidFill>
+                <a:latin typeface="MS PMincho" panose="02020600040205080304" pitchFamily="18" charset="-128"/>
+                <a:ea typeface="MS PMincho" panose="02020600040205080304" pitchFamily="18" charset="-128"/>
+              </a:rPr>
+              <a:t>UnitMatcher</a:t>
+            </a:r>
+            <a:r>
+              <a:rPr lang="en-US" sz="2400" dirty="0">
+                <a:solidFill>
+                  <a:schemeClr val="accent6"/>
+                </a:solidFill>
+                <a:latin typeface="MS PMincho" panose="02020600040205080304" pitchFamily="18" charset="-128"/>
+                <a:ea typeface="MS PMincho" panose="02020600040205080304" pitchFamily="18" charset="-128"/>
+              </a:rPr>
+              <a:t>(”DE-LEVEL”) </a:t>
+            </a:r>
+            <a:r>
+              <a:rPr lang="en-US" sz="2400" dirty="0" smtClean="0">
+                <a:solidFill>
+                  <a:schemeClr val="accent6"/>
+                </a:solidFill>
+                <a:latin typeface="MS PMincho" panose="02020600040205080304" pitchFamily="18" charset="-128"/>
+                <a:ea typeface="MS PMincho" panose="02020600040205080304" pitchFamily="18" charset="-128"/>
+              </a:rPr>
+              <a:t>+ </a:t>
+            </a:r>
+            <a:r>
+              <a:rPr lang="en-US" sz="2400" dirty="0" err="1" smtClean="0">
+                <a:solidFill>
+                  <a:schemeClr val="accent6"/>
+                </a:solidFill>
+                <a:latin typeface="MS PMincho" panose="02020600040205080304" pitchFamily="18" charset="-128"/>
+                <a:ea typeface="MS PMincho" panose="02020600040205080304" pitchFamily="18" charset="-128"/>
+              </a:rPr>
+              <a:t>UnitMatcher</a:t>
+            </a:r>
+            <a:r>
+              <a:rPr lang="en-US" sz="2400" dirty="0">
+                <a:solidFill>
+                  <a:schemeClr val="accent6"/>
+                </a:solidFill>
+                <a:latin typeface="MS PMincho" panose="02020600040205080304" pitchFamily="18" charset="-128"/>
+                <a:ea typeface="MS PMincho" panose="02020600040205080304" pitchFamily="18" charset="-128"/>
+              </a:rPr>
+              <a:t>(”DEGREE”) </a:t>
+            </a:r>
+            <a:r>
+              <a:rPr lang="en-US" sz="2400" dirty="0" smtClean="0">
+                <a:solidFill>
+                  <a:schemeClr val="accent6"/>
+                </a:solidFill>
+                <a:latin typeface="MS PMincho" panose="02020600040205080304" pitchFamily="18" charset="-128"/>
+                <a:ea typeface="MS PMincho" panose="02020600040205080304" pitchFamily="18" charset="-128"/>
+              </a:rPr>
+              <a:t>+ ( </a:t>
+            </a:r>
+            <a:r>
+              <a:rPr lang="en-US" sz="2400" dirty="0" err="1">
+                <a:solidFill>
+                  <a:schemeClr val="accent6"/>
+                </a:solidFill>
+                <a:latin typeface="MS PMincho" panose="02020600040205080304" pitchFamily="18" charset="-128"/>
+                <a:ea typeface="MS PMincho" panose="02020600040205080304" pitchFamily="18" charset="-128"/>
+              </a:rPr>
+              <a:t>UnitMatcher</a:t>
+            </a:r>
+            <a:r>
+              <a:rPr lang="en-US" sz="2400" dirty="0">
+                <a:solidFill>
+                  <a:schemeClr val="accent6"/>
+                </a:solidFill>
+                <a:latin typeface="MS PMincho" panose="02020600040205080304" pitchFamily="18" charset="-128"/>
+                <a:ea typeface="MS PMincho" panose="02020600040205080304" pitchFamily="18" charset="-128"/>
+              </a:rPr>
+              <a:t>(”IN”) | </a:t>
+            </a:r>
+            <a:r>
+              <a:rPr lang="en-US" sz="2400" dirty="0" err="1">
+                <a:solidFill>
+                  <a:schemeClr val="accent6"/>
+                </a:solidFill>
+                <a:latin typeface="MS PMincho" panose="02020600040205080304" pitchFamily="18" charset="-128"/>
+                <a:ea typeface="MS PMincho" panose="02020600040205080304" pitchFamily="18" charset="-128"/>
+              </a:rPr>
+              <a:t>UnitMatcher</a:t>
+            </a:r>
+            <a:r>
+              <a:rPr lang="en-US" sz="2400" dirty="0">
+                <a:solidFill>
+                  <a:schemeClr val="accent6"/>
+                </a:solidFill>
+                <a:latin typeface="MS PMincho" panose="02020600040205080304" pitchFamily="18" charset="-128"/>
+                <a:ea typeface="MS PMincho" panose="02020600040205080304" pitchFamily="18" charset="-128"/>
+              </a:rPr>
+              <a:t>(”OF” ) ) + </a:t>
+            </a:r>
+            <a:r>
+              <a:rPr lang="en-US" sz="2400" dirty="0" err="1">
+                <a:solidFill>
+                  <a:schemeClr val="accent6"/>
+                </a:solidFill>
+                <a:latin typeface="MS PMincho" panose="02020600040205080304" pitchFamily="18" charset="-128"/>
+                <a:ea typeface="MS PMincho" panose="02020600040205080304" pitchFamily="18" charset="-128"/>
+              </a:rPr>
+              <a:t>UnitMatcher</a:t>
+            </a:r>
+            <a:r>
+              <a:rPr lang="en-US" sz="2400" dirty="0">
+                <a:solidFill>
+                  <a:schemeClr val="accent6"/>
+                </a:solidFill>
+                <a:latin typeface="MS PMincho" panose="02020600040205080304" pitchFamily="18" charset="-128"/>
+                <a:ea typeface="MS PMincho" panose="02020600040205080304" pitchFamily="18" charset="-128"/>
+              </a:rPr>
+              <a:t>(”MAJOR”)</a:t>
+            </a:r>
+          </a:p>
+        </p:txBody>
+      </p:sp>
+      <p:sp>
+        <p:nvSpPr>
           <p:cNvPr id="3" name="Title 2"/>
           <p:cNvSpPr>
             <a:spLocks noGrp="1"/>
@@ -12204,8 +12743,8 @@
         </p:nvSpPr>
         <p:spPr>
           <a:xfrm>
-            <a:off x="457200" y="914400"/>
-            <a:ext cx="7905750" cy="994172"/>
+            <a:off x="724437" y="1066800"/>
+            <a:ext cx="7657563" cy="994172"/>
           </a:xfrm>
         </p:spPr>
         <p:txBody>
@@ -12222,28 +12761,28 @@
               </a:rPr>
               <a:t>Flexibility </a:t>
             </a:r>
+            <a:br>
+              <a:rPr lang="en-US" dirty="0">
+                <a:solidFill>
+                  <a:schemeClr val="tx1"/>
+                </a:solidFill>
+              </a:rPr>
+            </a:br>
+            <a:r>
+              <a:rPr lang="en-US" dirty="0">
+                <a:solidFill>
+                  <a:schemeClr val="tx1"/>
+                </a:solidFill>
+              </a:rPr>
+              <a:t>–</a:t>
+            </a:r>
             <a:r>
               <a:rPr lang="en-US" dirty="0" smtClean="0">
                 <a:solidFill>
                   <a:schemeClr val="tx1"/>
                 </a:solidFill>
               </a:rPr>
-              <a:t/>
-            </a:r>
-            <a:br>
-              <a:rPr lang="en-US" dirty="0" smtClean="0">
-                <a:solidFill>
-                  <a:schemeClr val="tx1"/>
-                </a:solidFill>
-              </a:rPr>
-            </a:br>
-            <a:r>
-              <a:rPr lang="en-US" dirty="0" smtClean="0">
-                <a:solidFill>
-                  <a:schemeClr val="tx1"/>
-                </a:solidFill>
-              </a:rPr>
-              <a:t>– OO programming style</a:t>
+              <a:t> connected by algebra operators</a:t>
             </a:r>
             <a:endParaRPr lang="en-US" dirty="0">
               <a:solidFill>
@@ -12253,300 +12792,10 @@
           </a:p>
         </p:txBody>
       </p:sp>
-      <p:sp>
-        <p:nvSpPr>
-          <p:cNvPr id="2" name="Content Placeholder 1"/>
-          <p:cNvSpPr>
-            <a:spLocks noGrp="1"/>
-          </p:cNvSpPr>
-          <p:nvPr>
-            <p:ph idx="1"/>
-          </p:nvPr>
-        </p:nvSpPr>
-        <p:spPr>
-          <a:xfrm>
-            <a:off x="457200" y="1915606"/>
-            <a:ext cx="8439151" cy="4479131"/>
-          </a:xfrm>
-        </p:spPr>
-        <p:txBody>
-          <a:bodyPr>
-            <a:noAutofit/>
-          </a:bodyPr>
-          <a:lstStyle/>
-          <a:p>
-            <a:r>
-              <a:rPr lang="en-US" sz="2400" dirty="0" smtClean="0">
-                <a:solidFill>
-                  <a:schemeClr val="tx1"/>
-                </a:solidFill>
-              </a:rPr>
-              <a:t>Pattern: </a:t>
-            </a:r>
-            <a:r>
-              <a:rPr lang="en-US" sz="2400" dirty="0">
-                <a:solidFill>
-                  <a:schemeClr val="tx1"/>
-                </a:solidFill>
-              </a:rPr>
-              <a:t>”DE-LEVEL DEGREE (IN | OF) MAJOR”</a:t>
-            </a:r>
-          </a:p>
-          <a:p>
-            <a:r>
-              <a:rPr lang="en-US" sz="2400" dirty="0" smtClean="0">
-                <a:solidFill>
-                  <a:schemeClr val="tx1"/>
-                </a:solidFill>
-              </a:rPr>
-              <a:t> </a:t>
-            </a:r>
-            <a:endParaRPr lang="en-US" sz="2400" dirty="0">
-              <a:solidFill>
-                <a:schemeClr val="tx1"/>
-              </a:solidFill>
-            </a:endParaRPr>
-          </a:p>
-          <a:p>
-            <a:r>
-              <a:rPr lang="en-US" sz="2400" dirty="0">
-                <a:solidFill>
-                  <a:schemeClr val="accent6"/>
-                </a:solidFill>
-                <a:latin typeface="MS PMincho" panose="02020600040205080304" pitchFamily="18" charset="-128"/>
-                <a:ea typeface="MS PMincho" panose="02020600040205080304" pitchFamily="18" charset="-128"/>
-              </a:rPr>
-              <a:t>matcher1 = </a:t>
-            </a:r>
-            <a:r>
-              <a:rPr lang="en-US" sz="2400" dirty="0" err="1">
-                <a:solidFill>
-                  <a:schemeClr val="accent6"/>
-                </a:solidFill>
-                <a:latin typeface="MS PMincho" panose="02020600040205080304" pitchFamily="18" charset="-128"/>
-                <a:ea typeface="MS PMincho" panose="02020600040205080304" pitchFamily="18" charset="-128"/>
-              </a:rPr>
-              <a:t>UnitMatcher</a:t>
-            </a:r>
-            <a:r>
-              <a:rPr lang="en-US" sz="2400" dirty="0">
-                <a:solidFill>
-                  <a:schemeClr val="accent6"/>
-                </a:solidFill>
-                <a:latin typeface="MS PMincho" panose="02020600040205080304" pitchFamily="18" charset="-128"/>
-                <a:ea typeface="MS PMincho" panose="02020600040205080304" pitchFamily="18" charset="-128"/>
-              </a:rPr>
-              <a:t>(”DE-LEVEL”)</a:t>
-            </a:r>
-          </a:p>
-          <a:p>
-            <a:r>
-              <a:rPr lang="en-US" sz="2400" dirty="0">
-                <a:solidFill>
-                  <a:schemeClr val="accent6"/>
-                </a:solidFill>
-                <a:latin typeface="MS PMincho" panose="02020600040205080304" pitchFamily="18" charset="-128"/>
-                <a:ea typeface="MS PMincho" panose="02020600040205080304" pitchFamily="18" charset="-128"/>
-              </a:rPr>
-              <a:t>matcher2 = </a:t>
-            </a:r>
-            <a:r>
-              <a:rPr lang="en-US" sz="2400" dirty="0" err="1">
-                <a:solidFill>
-                  <a:schemeClr val="accent6"/>
-                </a:solidFill>
-                <a:latin typeface="MS PMincho" panose="02020600040205080304" pitchFamily="18" charset="-128"/>
-                <a:ea typeface="MS PMincho" panose="02020600040205080304" pitchFamily="18" charset="-128"/>
-              </a:rPr>
-              <a:t>UnitMatcher</a:t>
-            </a:r>
-            <a:r>
-              <a:rPr lang="en-US" sz="2400" dirty="0">
-                <a:solidFill>
-                  <a:schemeClr val="accent6"/>
-                </a:solidFill>
-                <a:latin typeface="MS PMincho" panose="02020600040205080304" pitchFamily="18" charset="-128"/>
-                <a:ea typeface="MS PMincho" panose="02020600040205080304" pitchFamily="18" charset="-128"/>
-              </a:rPr>
-              <a:t>(”DEGREE”)</a:t>
-            </a:r>
-          </a:p>
-          <a:p>
-            <a:r>
-              <a:rPr lang="en-US" sz="2400" dirty="0">
-                <a:solidFill>
-                  <a:schemeClr val="accent6"/>
-                </a:solidFill>
-                <a:latin typeface="MS PMincho" panose="02020600040205080304" pitchFamily="18" charset="-128"/>
-                <a:ea typeface="MS PMincho" panose="02020600040205080304" pitchFamily="18" charset="-128"/>
-              </a:rPr>
-              <a:t>matcher3 = </a:t>
-            </a:r>
-            <a:r>
-              <a:rPr lang="en-US" sz="2400" dirty="0" err="1">
-                <a:solidFill>
-                  <a:schemeClr val="accent6"/>
-                </a:solidFill>
-                <a:latin typeface="MS PMincho" panose="02020600040205080304" pitchFamily="18" charset="-128"/>
-                <a:ea typeface="MS PMincho" panose="02020600040205080304" pitchFamily="18" charset="-128"/>
-              </a:rPr>
-              <a:t>UnitMatcher</a:t>
-            </a:r>
-            <a:r>
-              <a:rPr lang="en-US" sz="2400" dirty="0">
-                <a:solidFill>
-                  <a:schemeClr val="accent6"/>
-                </a:solidFill>
-                <a:latin typeface="MS PMincho" panose="02020600040205080304" pitchFamily="18" charset="-128"/>
-                <a:ea typeface="MS PMincho" panose="02020600040205080304" pitchFamily="18" charset="-128"/>
-              </a:rPr>
-              <a:t>(”IN”)</a:t>
-            </a:r>
-          </a:p>
-          <a:p>
-            <a:r>
-              <a:rPr lang="en-US" sz="2400" dirty="0">
-                <a:solidFill>
-                  <a:schemeClr val="accent6"/>
-                </a:solidFill>
-                <a:latin typeface="MS PMincho" panose="02020600040205080304" pitchFamily="18" charset="-128"/>
-                <a:ea typeface="MS PMincho" panose="02020600040205080304" pitchFamily="18" charset="-128"/>
-              </a:rPr>
-              <a:t>matcher4 = </a:t>
-            </a:r>
-            <a:r>
-              <a:rPr lang="en-US" sz="2400" dirty="0" err="1">
-                <a:solidFill>
-                  <a:schemeClr val="accent6"/>
-                </a:solidFill>
-                <a:latin typeface="MS PMincho" panose="02020600040205080304" pitchFamily="18" charset="-128"/>
-                <a:ea typeface="MS PMincho" panose="02020600040205080304" pitchFamily="18" charset="-128"/>
-              </a:rPr>
-              <a:t>UnitMatcher</a:t>
-            </a:r>
-            <a:r>
-              <a:rPr lang="en-US" sz="2400" dirty="0">
-                <a:solidFill>
-                  <a:schemeClr val="accent6"/>
-                </a:solidFill>
-                <a:latin typeface="MS PMincho" panose="02020600040205080304" pitchFamily="18" charset="-128"/>
-                <a:ea typeface="MS PMincho" panose="02020600040205080304" pitchFamily="18" charset="-128"/>
-              </a:rPr>
-              <a:t>(”OF”)</a:t>
-            </a:r>
-          </a:p>
-          <a:p>
-            <a:r>
-              <a:rPr lang="en-US" sz="2400" dirty="0">
-                <a:solidFill>
-                  <a:schemeClr val="accent6"/>
-                </a:solidFill>
-                <a:latin typeface="MS PMincho" panose="02020600040205080304" pitchFamily="18" charset="-128"/>
-                <a:ea typeface="MS PMincho" panose="02020600040205080304" pitchFamily="18" charset="-128"/>
-              </a:rPr>
-              <a:t>matcher5 = </a:t>
-            </a:r>
-            <a:r>
-              <a:rPr lang="en-US" sz="2400" dirty="0" err="1">
-                <a:solidFill>
-                  <a:schemeClr val="accent6"/>
-                </a:solidFill>
-                <a:latin typeface="MS PMincho" panose="02020600040205080304" pitchFamily="18" charset="-128"/>
-                <a:ea typeface="MS PMincho" panose="02020600040205080304" pitchFamily="18" charset="-128"/>
-              </a:rPr>
-              <a:t>UnitMatcher</a:t>
-            </a:r>
-            <a:r>
-              <a:rPr lang="en-US" sz="2400" dirty="0">
-                <a:solidFill>
-                  <a:schemeClr val="accent6"/>
-                </a:solidFill>
-                <a:latin typeface="MS PMincho" panose="02020600040205080304" pitchFamily="18" charset="-128"/>
-                <a:ea typeface="MS PMincho" panose="02020600040205080304" pitchFamily="18" charset="-128"/>
-              </a:rPr>
-              <a:t>(”MAJOR”)</a:t>
-            </a:r>
-          </a:p>
-          <a:p>
-            <a:r>
-              <a:rPr lang="en-US" sz="2400" dirty="0">
-                <a:solidFill>
-                  <a:schemeClr val="accent6"/>
-                </a:solidFill>
-                <a:latin typeface="MS PMincho" panose="02020600040205080304" pitchFamily="18" charset="-128"/>
-                <a:ea typeface="MS PMincho" panose="02020600040205080304" pitchFamily="18" charset="-128"/>
-              </a:rPr>
-              <a:t>matcher6 = </a:t>
-            </a:r>
-            <a:r>
-              <a:rPr lang="en-US" sz="2400" dirty="0" err="1">
-                <a:solidFill>
-                  <a:schemeClr val="accent6"/>
-                </a:solidFill>
-                <a:latin typeface="MS PMincho" panose="02020600040205080304" pitchFamily="18" charset="-128"/>
-                <a:ea typeface="MS PMincho" panose="02020600040205080304" pitchFamily="18" charset="-128"/>
-              </a:rPr>
-              <a:t>AlternateMatcher</a:t>
-            </a:r>
-            <a:r>
-              <a:rPr lang="en-US" sz="2400" dirty="0">
-                <a:solidFill>
-                  <a:schemeClr val="accent6"/>
-                </a:solidFill>
-                <a:latin typeface="MS PMincho" panose="02020600040205080304" pitchFamily="18" charset="-128"/>
-                <a:ea typeface="MS PMincho" panose="02020600040205080304" pitchFamily="18" charset="-128"/>
-              </a:rPr>
-              <a:t>([matcher3,matcher4])</a:t>
-            </a:r>
-          </a:p>
-          <a:p>
-            <a:r>
-              <a:rPr lang="en-US" sz="2400" dirty="0" err="1">
-                <a:solidFill>
-                  <a:schemeClr val="accent6"/>
-                </a:solidFill>
-                <a:latin typeface="MS PMincho" panose="02020600040205080304" pitchFamily="18" charset="-128"/>
-                <a:ea typeface="MS PMincho" panose="02020600040205080304" pitchFamily="18" charset="-128"/>
-              </a:rPr>
-              <a:t>seqMatcher</a:t>
-            </a:r>
-            <a:r>
-              <a:rPr lang="en-US" sz="2400" dirty="0">
-                <a:solidFill>
-                  <a:schemeClr val="accent6"/>
-                </a:solidFill>
-                <a:latin typeface="MS PMincho" panose="02020600040205080304" pitchFamily="18" charset="-128"/>
-                <a:ea typeface="MS PMincho" panose="02020600040205080304" pitchFamily="18" charset="-128"/>
-              </a:rPr>
-              <a:t> = </a:t>
-            </a:r>
-            <a:r>
-              <a:rPr lang="en-US" sz="2400" dirty="0" err="1">
-                <a:solidFill>
-                  <a:schemeClr val="accent6"/>
-                </a:solidFill>
-                <a:latin typeface="MS PMincho" panose="02020600040205080304" pitchFamily="18" charset="-128"/>
-                <a:ea typeface="MS PMincho" panose="02020600040205080304" pitchFamily="18" charset="-128"/>
-              </a:rPr>
-              <a:t>SeqMatcher</a:t>
-            </a:r>
-            <a:r>
-              <a:rPr lang="en-US" sz="2400" dirty="0">
-                <a:solidFill>
-                  <a:schemeClr val="accent6"/>
-                </a:solidFill>
-                <a:latin typeface="MS PMincho" panose="02020600040205080304" pitchFamily="18" charset="-128"/>
-                <a:ea typeface="MS PMincho" panose="02020600040205080304" pitchFamily="18" charset="-128"/>
-              </a:rPr>
-              <a:t>([matcher1, matcher2, matcher6, matcher5])</a:t>
-            </a:r>
-          </a:p>
-        </p:txBody>
-      </p:sp>
     </p:spTree>
     <p:extLst>
       <p:ext uri="{BB962C8B-B14F-4D97-AF65-F5344CB8AC3E}">
-        <p14:creationId xmlns:p14="http://schemas.microsoft.com/office/powerpoint/2010/main" val="3121883632"/>
+        <p14:creationId xmlns:p14="http://schemas.microsoft.com/office/powerpoint/2010/main" val="3088075092"/>
       </p:ext>
     </p:extLst>
   </p:cSld>
@@ -12786,17 +13035,40 @@
         </p:spPr>
         <p:txBody>
           <a:bodyPr>
-            <a:normAutofit/>
+            <a:normAutofit fontScale="90000"/>
           </a:bodyPr>
           <a:lstStyle/>
           <a:p>
             <a:r>
+              <a:rPr lang="en-US" dirty="0">
+                <a:solidFill>
+                  <a:schemeClr val="tx1"/>
+                </a:solidFill>
+              </a:rPr>
+              <a:t>Flexibility </a:t>
+            </a:r>
+            <a:r>
               <a:rPr lang="en-US" dirty="0" smtClean="0">
                 <a:solidFill>
                   <a:schemeClr val="tx1"/>
                 </a:solidFill>
               </a:rPr>
-              <a:t>Simplicity   </a:t>
+              <a:t/>
+            </a:r>
+            <a:br>
+              <a:rPr lang="en-US" dirty="0" smtClean="0">
+                <a:solidFill>
+                  <a:schemeClr val="tx1"/>
+                </a:solidFill>
+              </a:rPr>
+            </a:br>
+            <a:r>
+              <a:rPr lang="en-US" dirty="0" smtClean="0">
+                <a:solidFill>
+                  <a:schemeClr val="tx1"/>
+                </a:solidFill>
+              </a:rPr>
+              <a:t>– OO programming style</a:t>
             </a:r>
             <a:endParaRPr lang="en-US" dirty="0">
               <a:solidFill>
@@ -12828,139 +13100,278 @@
           </a:bodyPr>
           <a:lstStyle/>
           <a:p>
-            <a:pPr>
-              <a:buFont typeface="Arial" panose="020B0604020202020204" pitchFamily="34" charset="0"/>
-              <a:buChar char="•"/>
-            </a:pPr>
+            <a:r>
+              <a:rPr lang="en-US" sz="2400" dirty="0" smtClean="0">
+                <a:solidFill>
+                  <a:schemeClr val="tx1"/>
+                </a:solidFill>
+              </a:rPr>
+              <a:t>Pattern: </a:t>
+            </a:r>
             <a:r>
               <a:rPr lang="en-US" sz="2400" dirty="0">
                 <a:solidFill>
                   <a:schemeClr val="tx1"/>
                 </a:solidFill>
               </a:rPr>
-              <a:t>Easy to </a:t>
-            </a:r>
+              <a:t>”DE-LEVEL DEGREE (IN | OF) MAJOR”</a:t>
+            </a:r>
+          </a:p>
+          <a:p>
             <a:r>
               <a:rPr lang="en-US" sz="2400" dirty="0" smtClean="0">
                 <a:solidFill>
                   <a:schemeClr val="tx1"/>
                 </a:solidFill>
               </a:rPr>
-              <a:t>implement</a:t>
-            </a:r>
-          </a:p>
-          <a:p>
-            <a:pPr>
-              <a:buFont typeface="Arial" panose="020B0604020202020204" pitchFamily="34" charset="0"/>
-              <a:buChar char="•"/>
-            </a:pPr>
-            <a:r>
-              <a:rPr lang="en-US" sz="2400" dirty="0">
-                <a:solidFill>
-                  <a:schemeClr val="tx1"/>
-                </a:solidFill>
-              </a:rPr>
-              <a:t>The accuracy </a:t>
-            </a:r>
-            <a:r>
-              <a:rPr lang="en-US" sz="2400" dirty="0" smtClean="0">
-                <a:solidFill>
-                  <a:schemeClr val="tx1"/>
-                </a:solidFill>
-              </a:rPr>
-              <a:t>increase</a:t>
-            </a:r>
-            <a:r>
-              <a:rPr lang="en-US" altLang="zh-CN" sz="2400" dirty="0" smtClean="0">
-                <a:solidFill>
-                  <a:schemeClr val="tx1"/>
-                </a:solidFill>
-              </a:rPr>
-              <a:t>s</a:t>
-            </a:r>
-            <a:r>
-              <a:rPr lang="en-US" sz="2400" dirty="0" smtClean="0">
-                <a:solidFill>
-                  <a:schemeClr val="tx1"/>
-                </a:solidFill>
-              </a:rPr>
-              <a:t> as the number of patterns increases</a:t>
-            </a:r>
-          </a:p>
-          <a:p>
-            <a:pPr>
-              <a:buFont typeface="Arial" panose="020B0604020202020204" pitchFamily="34" charset="0"/>
-              <a:buChar char="•"/>
-            </a:pPr>
-            <a:r>
-              <a:rPr lang="en-US" sz="2400" dirty="0" smtClean="0">
-                <a:solidFill>
-                  <a:schemeClr val="tx1"/>
-                </a:solidFill>
-              </a:rPr>
-              <a:t>Faster: Time Complexity   O(n)  </a:t>
-            </a:r>
-          </a:p>
-          <a:p>
-            <a:pPr marL="457200" lvl="1" indent="0"/>
-            <a:r>
-              <a:rPr lang="en-US" sz="2000" dirty="0">
-                <a:solidFill>
-                  <a:schemeClr val="tx1"/>
-                </a:solidFill>
-              </a:rPr>
               <a:t> </a:t>
             </a:r>
-            <a:r>
-              <a:rPr lang="en-US" sz="2400" dirty="0">
-                <a:solidFill>
-                  <a:schemeClr val="tx1"/>
-                </a:solidFill>
-              </a:rPr>
-              <a:t>Conditional Random Fields(CRFs</a:t>
-            </a:r>
-            <a:r>
-              <a:rPr lang="en-US" sz="2400" dirty="0" smtClean="0">
-                <a:solidFill>
-                  <a:schemeClr val="tx1"/>
-                </a:solidFill>
-              </a:rPr>
-              <a:t>) O(</a:t>
-            </a:r>
-            <a:r>
-              <a:rPr lang="en-US" sz="2400" dirty="0"/>
-              <a:t>n</a:t>
-            </a:r>
-            <a:r>
-              <a:rPr lang="en-US" sz="2400" baseline="30000" dirty="0" smtClean="0"/>
-              <a:t>2</a:t>
-            </a:r>
-            <a:r>
-              <a:rPr lang="en-US" sz="2400" dirty="0" smtClean="0">
-                <a:solidFill>
-                  <a:schemeClr val="tx1"/>
-                </a:solidFill>
-              </a:rPr>
-              <a:t>t)</a:t>
-            </a:r>
-          </a:p>
-          <a:p>
-            <a:pPr>
-              <a:buFont typeface="Arial" panose="020B0604020202020204" pitchFamily="34" charset="0"/>
-              <a:buChar char="•"/>
-            </a:pPr>
             <a:endParaRPr lang="en-US" sz="2400" dirty="0">
               <a:solidFill>
                 <a:schemeClr val="tx1"/>
               </a:solidFill>
             </a:endParaRPr>
           </a:p>
+          <a:p>
+            <a:r>
+              <a:rPr lang="en-US" sz="2400" dirty="0">
+                <a:solidFill>
+                  <a:schemeClr val="accent6"/>
+                </a:solidFill>
+                <a:latin typeface="MS PMincho" panose="02020600040205080304" pitchFamily="18" charset="-128"/>
+                <a:ea typeface="MS PMincho" panose="02020600040205080304" pitchFamily="18" charset="-128"/>
+              </a:rPr>
+              <a:t>matcher1 = </a:t>
+            </a:r>
+            <a:r>
+              <a:rPr lang="en-US" sz="2400" dirty="0" err="1">
+                <a:solidFill>
+                  <a:schemeClr val="accent6"/>
+                </a:solidFill>
+                <a:latin typeface="MS PMincho" panose="02020600040205080304" pitchFamily="18" charset="-128"/>
+                <a:ea typeface="MS PMincho" panose="02020600040205080304" pitchFamily="18" charset="-128"/>
+              </a:rPr>
+              <a:t>UnitMatcher</a:t>
+            </a:r>
+            <a:r>
+              <a:rPr lang="en-US" sz="2400" dirty="0">
+                <a:solidFill>
+                  <a:schemeClr val="accent6"/>
+                </a:solidFill>
+                <a:latin typeface="MS PMincho" panose="02020600040205080304" pitchFamily="18" charset="-128"/>
+                <a:ea typeface="MS PMincho" panose="02020600040205080304" pitchFamily="18" charset="-128"/>
+              </a:rPr>
+              <a:t>(”DE-LEVEL”)</a:t>
+            </a:r>
+          </a:p>
+          <a:p>
+            <a:r>
+              <a:rPr lang="en-US" sz="2400" dirty="0">
+                <a:solidFill>
+                  <a:schemeClr val="accent6"/>
+                </a:solidFill>
+                <a:latin typeface="MS PMincho" panose="02020600040205080304" pitchFamily="18" charset="-128"/>
+                <a:ea typeface="MS PMincho" panose="02020600040205080304" pitchFamily="18" charset="-128"/>
+              </a:rPr>
+              <a:t>matcher2 = </a:t>
+            </a:r>
+            <a:r>
+              <a:rPr lang="en-US" sz="2400" dirty="0" err="1">
+                <a:solidFill>
+                  <a:schemeClr val="accent6"/>
+                </a:solidFill>
+                <a:latin typeface="MS PMincho" panose="02020600040205080304" pitchFamily="18" charset="-128"/>
+                <a:ea typeface="MS PMincho" panose="02020600040205080304" pitchFamily="18" charset="-128"/>
+              </a:rPr>
+              <a:t>UnitMatcher</a:t>
+            </a:r>
+            <a:r>
+              <a:rPr lang="en-US" sz="2400" dirty="0">
+                <a:solidFill>
+                  <a:schemeClr val="accent6"/>
+                </a:solidFill>
+                <a:latin typeface="MS PMincho" panose="02020600040205080304" pitchFamily="18" charset="-128"/>
+                <a:ea typeface="MS PMincho" panose="02020600040205080304" pitchFamily="18" charset="-128"/>
+              </a:rPr>
+              <a:t>(”DEGREE”)</a:t>
+            </a:r>
+          </a:p>
+          <a:p>
+            <a:r>
+              <a:rPr lang="en-US" sz="2400" dirty="0">
+                <a:solidFill>
+                  <a:schemeClr val="accent6"/>
+                </a:solidFill>
+                <a:latin typeface="MS PMincho" panose="02020600040205080304" pitchFamily="18" charset="-128"/>
+                <a:ea typeface="MS PMincho" panose="02020600040205080304" pitchFamily="18" charset="-128"/>
+              </a:rPr>
+              <a:t>matcher3 = </a:t>
+            </a:r>
+            <a:r>
+              <a:rPr lang="en-US" sz="2400" dirty="0" err="1">
+                <a:solidFill>
+                  <a:schemeClr val="accent6"/>
+                </a:solidFill>
+                <a:latin typeface="MS PMincho" panose="02020600040205080304" pitchFamily="18" charset="-128"/>
+                <a:ea typeface="MS PMincho" panose="02020600040205080304" pitchFamily="18" charset="-128"/>
+              </a:rPr>
+              <a:t>UnitMatcher</a:t>
+            </a:r>
+            <a:r>
+              <a:rPr lang="en-US" sz="2400" dirty="0">
+                <a:solidFill>
+                  <a:schemeClr val="accent6"/>
+                </a:solidFill>
+                <a:latin typeface="MS PMincho" panose="02020600040205080304" pitchFamily="18" charset="-128"/>
+                <a:ea typeface="MS PMincho" panose="02020600040205080304" pitchFamily="18" charset="-128"/>
+              </a:rPr>
+              <a:t>(”IN”)</a:t>
+            </a:r>
+          </a:p>
+          <a:p>
+            <a:r>
+              <a:rPr lang="en-US" sz="2400" dirty="0">
+                <a:solidFill>
+                  <a:schemeClr val="accent6"/>
+                </a:solidFill>
+                <a:latin typeface="MS PMincho" panose="02020600040205080304" pitchFamily="18" charset="-128"/>
+                <a:ea typeface="MS PMincho" panose="02020600040205080304" pitchFamily="18" charset="-128"/>
+              </a:rPr>
+              <a:t>matcher4 = </a:t>
+            </a:r>
+            <a:r>
+              <a:rPr lang="en-US" sz="2400" dirty="0" err="1">
+                <a:solidFill>
+                  <a:schemeClr val="accent6"/>
+                </a:solidFill>
+                <a:latin typeface="MS PMincho" panose="02020600040205080304" pitchFamily="18" charset="-128"/>
+                <a:ea typeface="MS PMincho" panose="02020600040205080304" pitchFamily="18" charset="-128"/>
+              </a:rPr>
+              <a:t>UnitMatcher</a:t>
+            </a:r>
+            <a:r>
+              <a:rPr lang="en-US" sz="2400" dirty="0">
+                <a:solidFill>
+                  <a:schemeClr val="accent6"/>
+                </a:solidFill>
+                <a:latin typeface="MS PMincho" panose="02020600040205080304" pitchFamily="18" charset="-128"/>
+                <a:ea typeface="MS PMincho" panose="02020600040205080304" pitchFamily="18" charset="-128"/>
+              </a:rPr>
+              <a:t>(”OF”)</a:t>
+            </a:r>
+          </a:p>
+          <a:p>
+            <a:r>
+              <a:rPr lang="en-US" sz="2400" dirty="0">
+                <a:solidFill>
+                  <a:schemeClr val="accent6"/>
+                </a:solidFill>
+                <a:latin typeface="MS PMincho" panose="02020600040205080304" pitchFamily="18" charset="-128"/>
+                <a:ea typeface="MS PMincho" panose="02020600040205080304" pitchFamily="18" charset="-128"/>
+              </a:rPr>
+              <a:t>matcher5 = </a:t>
+            </a:r>
+            <a:r>
+              <a:rPr lang="en-US" sz="2400" dirty="0" err="1">
+                <a:solidFill>
+                  <a:schemeClr val="accent6"/>
+                </a:solidFill>
+                <a:latin typeface="MS PMincho" panose="02020600040205080304" pitchFamily="18" charset="-128"/>
+                <a:ea typeface="MS PMincho" panose="02020600040205080304" pitchFamily="18" charset="-128"/>
+              </a:rPr>
+              <a:t>UnitMatcher</a:t>
+            </a:r>
+            <a:r>
+              <a:rPr lang="en-US" sz="2400" dirty="0">
+                <a:solidFill>
+                  <a:schemeClr val="accent6"/>
+                </a:solidFill>
+                <a:latin typeface="MS PMincho" panose="02020600040205080304" pitchFamily="18" charset="-128"/>
+                <a:ea typeface="MS PMincho" panose="02020600040205080304" pitchFamily="18" charset="-128"/>
+              </a:rPr>
+              <a:t>(”MAJOR”)</a:t>
+            </a:r>
+          </a:p>
+          <a:p>
+            <a:r>
+              <a:rPr lang="en-US" sz="2400" dirty="0">
+                <a:solidFill>
+                  <a:schemeClr val="accent6"/>
+                </a:solidFill>
+                <a:latin typeface="MS PMincho" panose="02020600040205080304" pitchFamily="18" charset="-128"/>
+                <a:ea typeface="MS PMincho" panose="02020600040205080304" pitchFamily="18" charset="-128"/>
+              </a:rPr>
+              <a:t>matcher6 = </a:t>
+            </a:r>
+            <a:r>
+              <a:rPr lang="en-US" sz="2400" dirty="0" err="1">
+                <a:solidFill>
+                  <a:schemeClr val="accent6"/>
+                </a:solidFill>
+                <a:latin typeface="MS PMincho" panose="02020600040205080304" pitchFamily="18" charset="-128"/>
+                <a:ea typeface="MS PMincho" panose="02020600040205080304" pitchFamily="18" charset="-128"/>
+              </a:rPr>
+              <a:t>AlternateMatcher</a:t>
+            </a:r>
+            <a:r>
+              <a:rPr lang="en-US" sz="2400" dirty="0">
+                <a:solidFill>
+                  <a:schemeClr val="accent6"/>
+                </a:solidFill>
+                <a:latin typeface="MS PMincho" panose="02020600040205080304" pitchFamily="18" charset="-128"/>
+                <a:ea typeface="MS PMincho" panose="02020600040205080304" pitchFamily="18" charset="-128"/>
+              </a:rPr>
+              <a:t>([matcher3,matcher4])</a:t>
+            </a:r>
+          </a:p>
+          <a:p>
+            <a:r>
+              <a:rPr lang="en-US" sz="2400" dirty="0" err="1">
+                <a:solidFill>
+                  <a:schemeClr val="accent6"/>
+                </a:solidFill>
+                <a:latin typeface="MS PMincho" panose="02020600040205080304" pitchFamily="18" charset="-128"/>
+                <a:ea typeface="MS PMincho" panose="02020600040205080304" pitchFamily="18" charset="-128"/>
+              </a:rPr>
+              <a:t>seqMatcher</a:t>
+            </a:r>
+            <a:r>
+              <a:rPr lang="en-US" sz="2400" dirty="0">
+                <a:solidFill>
+                  <a:schemeClr val="accent6"/>
+                </a:solidFill>
+                <a:latin typeface="MS PMincho" panose="02020600040205080304" pitchFamily="18" charset="-128"/>
+                <a:ea typeface="MS PMincho" panose="02020600040205080304" pitchFamily="18" charset="-128"/>
+              </a:rPr>
+              <a:t> = </a:t>
+            </a:r>
+            <a:r>
+              <a:rPr lang="en-US" sz="2400" dirty="0" err="1">
+                <a:solidFill>
+                  <a:schemeClr val="accent6"/>
+                </a:solidFill>
+                <a:latin typeface="MS PMincho" panose="02020600040205080304" pitchFamily="18" charset="-128"/>
+                <a:ea typeface="MS PMincho" panose="02020600040205080304" pitchFamily="18" charset="-128"/>
+              </a:rPr>
+              <a:t>SeqMatcher</a:t>
+            </a:r>
+            <a:r>
+              <a:rPr lang="en-US" sz="2400" dirty="0">
+                <a:solidFill>
+                  <a:schemeClr val="accent6"/>
+                </a:solidFill>
+                <a:latin typeface="MS PMincho" panose="02020600040205080304" pitchFamily="18" charset="-128"/>
+                <a:ea typeface="MS PMincho" panose="02020600040205080304" pitchFamily="18" charset="-128"/>
+              </a:rPr>
+              <a:t>([matcher1, matcher2, matcher6, matcher5])</a:t>
+            </a:r>
+          </a:p>
         </p:txBody>
       </p:sp>
     </p:spTree>
     <p:extLst>
       <p:ext uri="{BB962C8B-B14F-4D97-AF65-F5344CB8AC3E}">
-        <p14:creationId xmlns:p14="http://schemas.microsoft.com/office/powerpoint/2010/main" val="3743414035"/>
+        <p14:creationId xmlns:p14="http://schemas.microsoft.com/office/powerpoint/2010/main" val="3121883632"/>
       </p:ext>
     </p:extLst>
   </p:cSld>
@@ -13062,12 +13473,153 @@
           </a:bodyPr>
           <a:lstStyle/>
           <a:p>
-            <a:pPr marL="0" indent="0"/>
-            <a:endParaRPr lang="en-US" sz="2400" dirty="0" smtClean="0">
-              <a:solidFill>
-                <a:schemeClr val="tx1"/>
-              </a:solidFill>
-            </a:endParaRPr>
+            <a:pPr>
+              <a:buFont typeface="Arial" panose="020B0604020202020204" pitchFamily="34" charset="0"/>
+              <a:buChar char="•"/>
+            </a:pPr>
+            <a:r>
+              <a:rPr lang="en-US" sz="2400" dirty="0">
+                <a:solidFill>
+                  <a:schemeClr val="tx1"/>
+                </a:solidFill>
+              </a:rPr>
+              <a:t>Easy to </a:t>
+            </a:r>
+            <a:r>
+              <a:rPr lang="en-US" sz="2400" dirty="0" smtClean="0">
+                <a:solidFill>
+                  <a:schemeClr val="tx1"/>
+                </a:solidFill>
+              </a:rPr>
+              <a:t>implement</a:t>
+            </a:r>
+          </a:p>
+          <a:p>
+            <a:pPr>
+              <a:buFont typeface="Arial" panose="020B0604020202020204" pitchFamily="34" charset="0"/>
+              <a:buChar char="•"/>
+            </a:pPr>
+            <a:r>
+              <a:rPr lang="en-US" sz="2400" dirty="0">
+                <a:solidFill>
+                  <a:schemeClr val="tx1"/>
+                </a:solidFill>
+              </a:rPr>
+              <a:t>The accuracy </a:t>
+            </a:r>
+            <a:r>
+              <a:rPr lang="en-US" sz="2400" dirty="0" smtClean="0">
+                <a:solidFill>
+                  <a:schemeClr val="tx1"/>
+                </a:solidFill>
+              </a:rPr>
+              <a:t>increase</a:t>
+            </a:r>
+            <a:r>
+              <a:rPr lang="en-US" altLang="zh-CN" sz="2400" dirty="0" smtClean="0">
+                <a:solidFill>
+                  <a:schemeClr val="tx1"/>
+                </a:solidFill>
+              </a:rPr>
+              <a:t>s</a:t>
+            </a:r>
+            <a:r>
+              <a:rPr lang="en-US" sz="2400" dirty="0" smtClean="0">
+                <a:solidFill>
+                  <a:schemeClr val="tx1"/>
+                </a:solidFill>
+              </a:rPr>
+              <a:t> as the number of patterns increases</a:t>
+            </a:r>
+          </a:p>
+          <a:p>
+            <a:pPr>
+              <a:buFont typeface="Arial" panose="020B0604020202020204" pitchFamily="34" charset="0"/>
+              <a:buChar char="•"/>
+            </a:pPr>
+            <a:r>
+              <a:rPr lang="en-US" sz="2400" dirty="0" smtClean="0">
+                <a:solidFill>
+                  <a:schemeClr val="tx1"/>
+                </a:solidFill>
+              </a:rPr>
+              <a:t>Faster: Time Complexity   O(n)  </a:t>
+            </a:r>
+          </a:p>
+          <a:p>
+            <a:pPr marL="457200" lvl="1" indent="0"/>
+            <a:r>
+              <a:rPr lang="en-US" sz="2000" dirty="0">
+                <a:solidFill>
+                  <a:schemeClr val="tx1"/>
+                </a:solidFill>
+              </a:rPr>
+              <a:t> </a:t>
+            </a:r>
+            <a:r>
+              <a:rPr lang="en-US" sz="2400" dirty="0">
+                <a:solidFill>
+                  <a:schemeClr val="tx1"/>
+                </a:solidFill>
+              </a:rPr>
+              <a:t>Conditional Random Fields(CRFs</a:t>
+            </a:r>
+            <a:r>
+              <a:rPr lang="en-US" sz="2400" dirty="0" smtClean="0">
+                <a:solidFill>
+                  <a:schemeClr val="tx1"/>
+                </a:solidFill>
+              </a:rPr>
+              <a:t>), </a:t>
+            </a:r>
+            <a:r>
+              <a:rPr lang="en-US" sz="2400" dirty="0">
+                <a:solidFill>
+                  <a:schemeClr val="tx1"/>
+                </a:solidFill>
+              </a:rPr>
+              <a:t>using </a:t>
+            </a:r>
+            <a:r>
+              <a:rPr lang="en-US" sz="2400" dirty="0" smtClean="0">
+                <a:solidFill>
+                  <a:schemeClr val="tx1"/>
+                </a:solidFill>
+              </a:rPr>
+              <a:t>Viterbi </a:t>
+            </a:r>
+            <a:r>
+              <a:rPr lang="en-US" sz="2400" dirty="0">
+                <a:solidFill>
+                  <a:schemeClr val="tx1"/>
+                </a:solidFill>
+              </a:rPr>
+              <a:t>algorithm </a:t>
+            </a:r>
+            <a:r>
+              <a:rPr lang="en-US" sz="2400" dirty="0" smtClean="0">
+                <a:solidFill>
+                  <a:schemeClr val="tx1"/>
+                </a:solidFill>
+              </a:rPr>
+              <a:t>O(</a:t>
+            </a:r>
+            <a:r>
+              <a:rPr lang="en-US" sz="2400" dirty="0"/>
+              <a:t>n</a:t>
+            </a:r>
+            <a:r>
+              <a:rPr lang="en-US" sz="2400" baseline="30000" dirty="0" smtClean="0"/>
+              <a:t>2</a:t>
+            </a:r>
+            <a:r>
+              <a:rPr lang="en-US" sz="2400" dirty="0" smtClean="0">
+                <a:solidFill>
+                  <a:schemeClr val="tx1"/>
+                </a:solidFill>
+              </a:rPr>
+              <a:t>t)</a:t>
+            </a:r>
           </a:p>
           <a:p>
             <a:pPr>
@@ -13082,72 +13634,10 @@
           </a:p>
         </p:txBody>
       </p:sp>
-      <p:pic>
-        <p:nvPicPr>
-          <p:cNvPr id="4" name="Content Placeholder 3"/>
-          <p:cNvPicPr>
-            <a:picLocks noChangeAspect="1"/>
-          </p:cNvPicPr>
-          <p:nvPr/>
-        </p:nvPicPr>
-        <p:blipFill>
-          <a:blip r:embed="rId2"/>
-          <a:stretch>
-            <a:fillRect/>
-          </a:stretch>
-        </p:blipFill>
-        <p:spPr bwMode="auto">
-          <a:xfrm>
-            <a:off x="1676400" y="2059707"/>
-            <a:ext cx="5334000" cy="4342064"/>
-          </a:xfrm>
-          <a:prstGeom prst="rect">
-            <a:avLst/>
-          </a:prstGeom>
-          <a:noFill/>
-          <a:ln>
-            <a:noFill/>
-          </a:ln>
-          <a:effectLst/>
-          <a:extLst>
-            <a:ext uri="{909E8E84-426E-40dd-AFC4-6F175D3DCCD1}">
-              <a14:hiddenFill xmlns:a14="http://schemas.microsoft.com/office/drawing/2010/main" xmlns="">
-                <a:solidFill>
-                  <a:srgbClr val="FFFFFF"/>
-                </a:solidFill>
-              </a14:hiddenFill>
-            </a:ext>
-            <a:ext uri="{91240B29-F687-4f45-9708-019B960494DF}">
-              <a14:hiddenLine xmlns:a14="http://schemas.microsoft.com/office/drawing/2010/main" xmlns="" w="9525">
-                <a:solidFill>
-                  <a:srgbClr val="000000"/>
-                </a:solidFill>
-                <a:round/>
-                <a:headEnd/>
-                <a:tailEnd/>
-              </a14:hiddenLine>
-            </a:ext>
-            <a:ext uri="{AF507438-7753-43e0-B8FC-AC1667EBCBE1}">
-              <a14:hiddenEffects xmlns:a14="http://schemas.microsoft.com/office/drawing/2010/main" xmlns="">
-                <a:effectLst>
-                  <a:outerShdw blurRad="63500" dist="38099" dir="2700000" algn="ctr" rotWithShape="0">
-                    <a:schemeClr val="bg2">
-                      <a:alpha val="74997"/>
-                    </a:schemeClr>
-                  </a:outerShdw>
-                </a:effectLst>
-              </a14:hiddenEffects>
-            </a:ext>
-            <a:ext uri="{FAA26D3D-D897-4be2-8F04-BA451C77F1D7}">
-              <ma14:placeholderFlag xmlns:ma14="http://schemas.microsoft.com/office/mac/drawingml/2011/main" xmlns="" val="1"/>
-            </a:ext>
-          </a:extLst>
-        </p:spPr>
-      </p:pic>
     </p:spTree>
     <p:extLst>
       <p:ext uri="{BB962C8B-B14F-4D97-AF65-F5344CB8AC3E}">
-        <p14:creationId xmlns:p14="http://schemas.microsoft.com/office/powerpoint/2010/main" val="4097603121"/>
+        <p14:creationId xmlns:p14="http://schemas.microsoft.com/office/powerpoint/2010/main" val="3743414035"/>
       </p:ext>
     </p:extLst>
   </p:cSld>
@@ -13201,8 +13691,8 @@
         </p:nvSpPr>
         <p:spPr>
           <a:xfrm>
-            <a:off x="1239189" y="2724855"/>
-            <a:ext cx="7343775" cy="994172"/>
+            <a:off x="457200" y="914400"/>
+            <a:ext cx="7905750" cy="994172"/>
           </a:xfrm>
         </p:spPr>
         <p:txBody>
@@ -13212,12 +13702,215 @@
           <a:lstStyle/>
           <a:p>
             <a:r>
+              <a:rPr lang="en-US" dirty="0" smtClean="0">
+                <a:solidFill>
+                  <a:schemeClr val="tx1"/>
+                </a:solidFill>
+              </a:rPr>
+              <a:t>Simplicity   </a:t>
+            </a:r>
+            <a:endParaRPr lang="en-US" dirty="0">
+              <a:solidFill>
+                <a:schemeClr val="tx1"/>
+              </a:solidFill>
+            </a:endParaRPr>
+          </a:p>
+        </p:txBody>
+      </p:sp>
+      <p:sp>
+        <p:nvSpPr>
+          <p:cNvPr id="2" name="Content Placeholder 1"/>
+          <p:cNvSpPr>
+            <a:spLocks noGrp="1"/>
+          </p:cNvSpPr>
+          <p:nvPr>
+            <p:ph idx="1"/>
+          </p:nvPr>
+        </p:nvSpPr>
+        <p:spPr>
+          <a:xfrm>
+            <a:off x="457200" y="1915606"/>
+            <a:ext cx="8439151" cy="4479131"/>
+          </a:xfrm>
+        </p:spPr>
+        <p:txBody>
+          <a:bodyPr>
+            <a:noAutofit/>
+          </a:bodyPr>
+          <a:lstStyle/>
+          <a:p>
+            <a:pPr marL="0" indent="0"/>
+            <a:endParaRPr lang="en-US" sz="2400" dirty="0" smtClean="0">
+              <a:solidFill>
+                <a:schemeClr val="tx1"/>
+              </a:solidFill>
+            </a:endParaRPr>
+          </a:p>
+          <a:p>
+            <a:pPr>
+              <a:buFont typeface="Arial" panose="020B0604020202020204" pitchFamily="34" charset="0"/>
+              <a:buChar char="•"/>
+            </a:pPr>
+            <a:endParaRPr lang="en-US" sz="2400" dirty="0">
+              <a:solidFill>
+                <a:schemeClr val="tx1"/>
+              </a:solidFill>
+            </a:endParaRPr>
+          </a:p>
+        </p:txBody>
+      </p:sp>
+      <p:pic>
+        <p:nvPicPr>
+          <p:cNvPr id="4" name="Content Placeholder 3"/>
+          <p:cNvPicPr>
+            <a:picLocks noChangeAspect="1"/>
+          </p:cNvPicPr>
+          <p:nvPr/>
+        </p:nvPicPr>
+        <p:blipFill>
+          <a:blip r:embed="rId2"/>
+          <a:stretch>
+            <a:fillRect/>
+          </a:stretch>
+        </p:blipFill>
+        <p:spPr bwMode="auto">
+          <a:xfrm>
+            <a:off x="1676400" y="2059707"/>
+            <a:ext cx="5334000" cy="4342064"/>
+          </a:xfrm>
+          <a:prstGeom prst="rect">
+            <a:avLst/>
+          </a:prstGeom>
+          <a:noFill/>
+          <a:ln>
+            <a:noFill/>
+          </a:ln>
+          <a:effectLst/>
+          <a:extLst>
+            <a:ext uri="{909E8E84-426E-40dd-AFC4-6F175D3DCCD1}">
+              <a14:hiddenFill xmlns:a14="http://schemas.microsoft.com/office/drawing/2010/main" xmlns="">
+                <a:solidFill>
+                  <a:srgbClr val="FFFFFF"/>
+                </a:solidFill>
+              </a14:hiddenFill>
+            </a:ext>
+            <a:ext uri="{91240B29-F687-4f45-9708-019B960494DF}">
+              <a14:hiddenLine xmlns:a14="http://schemas.microsoft.com/office/drawing/2010/main" xmlns="" w="9525">
+                <a:solidFill>
+                  <a:srgbClr val="000000"/>
+                </a:solidFill>
+                <a:round/>
+                <a:headEnd/>
+                <a:tailEnd/>
+              </a14:hiddenLine>
+            </a:ext>
+            <a:ext uri="{AF507438-7753-43e0-B8FC-AC1667EBCBE1}">
+              <a14:hiddenEffects xmlns:a14="http://schemas.microsoft.com/office/drawing/2010/main" xmlns="">
+                <a:effectLst>
+                  <a:outerShdw blurRad="63500" dist="38099" dir="2700000" algn="ctr" rotWithShape="0">
+                    <a:schemeClr val="bg2">
+                      <a:alpha val="74997"/>
+                    </a:schemeClr>
+                  </a:outerShdw>
+                </a:effectLst>
+              </a14:hiddenEffects>
+            </a:ext>
+            <a:ext uri="{FAA26D3D-D897-4be2-8F04-BA451C77F1D7}">
+              <ma14:placeholderFlag xmlns:ma14="http://schemas.microsoft.com/office/mac/drawingml/2011/main" xmlns="" val="1"/>
+            </a:ext>
+          </a:extLst>
+        </p:spPr>
+      </p:pic>
+    </p:spTree>
+    <p:extLst>
+      <p:ext uri="{BB962C8B-B14F-4D97-AF65-F5344CB8AC3E}">
+        <p14:creationId xmlns:p14="http://schemas.microsoft.com/office/powerpoint/2010/main" val="4097603121"/>
+      </p:ext>
+    </p:extLst>
+  </p:cSld>
+  <p:clrMapOvr>
+    <a:masterClrMapping/>
+  </p:clrMapOvr>
+  <mc:AlternateContent xmlns:mc="http://schemas.openxmlformats.org/markup-compatibility/2006" xmlns:p14="http://schemas.microsoft.com/office/powerpoint/2010/main">
+    <mc:Choice Requires="p14">
+      <p:transition spd="slow" p14:dur="2000"/>
+    </mc:Choice>
+    <mc:Fallback xmlns="">
+      <p:transition spd="slow"/>
+    </mc:Fallback>
+  </mc:AlternateContent>
+  <p:timing>
+    <p:tnLst>
+      <p:par>
+        <p:cTn id="1" dur="indefinite" restart="never" nodeType="tmRoot"/>
+      </p:par>
+    </p:tnLst>
+  </p:timing>
+</p:sld>
+</file>
+
+<file path=ppt/slides/slide43.xml><?xml version="1.0" encoding="utf-8"?>
+<p:sld xmlns:a="http://schemas.openxmlformats.org/drawingml/2006/main" xmlns:r="http://schemas.openxmlformats.org/officeDocument/2006/relationships" xmlns:p="http://schemas.openxmlformats.org/presentationml/2006/main">
+  <p:cSld>
+    <p:spTree>
+      <p:nvGrpSpPr>
+        <p:cNvPr id="1" name=""/>
+        <p:cNvGrpSpPr/>
+        <p:nvPr/>
+      </p:nvGrpSpPr>
+      <p:grpSpPr>
+        <a:xfrm>
+          <a:off x="0" y="0"/>
+          <a:ext cx="0" cy="0"/>
+          <a:chOff x="0" y="0"/>
+          <a:chExt cx="0" cy="0"/>
+        </a:xfrm>
+      </p:grpSpPr>
+      <p:sp>
+        <p:nvSpPr>
+          <p:cNvPr id="3" name="Title 2"/>
+          <p:cNvSpPr>
+            <a:spLocks noGrp="1"/>
+          </p:cNvSpPr>
+          <p:nvPr>
+            <p:ph type="title"/>
+          </p:nvPr>
+        </p:nvSpPr>
+        <p:spPr>
+          <a:xfrm>
+            <a:off x="1239189" y="2724855"/>
+            <a:ext cx="7343775" cy="994172"/>
+          </a:xfrm>
+        </p:spPr>
+        <p:txBody>
+          <a:bodyPr>
+            <a:normAutofit fontScale="90000"/>
+          </a:bodyPr>
+          <a:lstStyle/>
+          <a:p>
+            <a:r>
+              <a:rPr lang="en-US" sz="4050" smtClean="0">
+                <a:solidFill>
+                  <a:schemeClr val="tx1"/>
+                </a:solidFill>
+              </a:rPr>
+              <a:t>Similarity Construction </a:t>
+            </a:r>
+            <a:r>
+              <a:rPr lang="en-US" sz="4050" dirty="0" smtClean="0">
+                <a:solidFill>
+                  <a:schemeClr val="tx1"/>
+                </a:solidFill>
+              </a:rPr>
+              <a:t>and  </a:t>
+            </a:r>
+            <a:r>
               <a:rPr lang="en-US" sz="4050" dirty="0">
                 <a:solidFill>
                   <a:schemeClr val="tx1"/>
                 </a:solidFill>
               </a:rPr>
-              <a:t>Similarity Calculation </a:t>
+              <a:t>Calculation </a:t>
             </a:r>
           </a:p>
         </p:txBody>
@@ -13250,7 +13943,7 @@
 </p:sld>
 </file>
 
-<file path=ppt/slides/slide43.xml><?xml version="1.0" encoding="utf-8"?>
+<file path=ppt/slides/slide44.xml><?xml version="1.0" encoding="utf-8"?>
 <p:sld xmlns:a="http://schemas.openxmlformats.org/drawingml/2006/main" xmlns:r="http://schemas.openxmlformats.org/officeDocument/2006/relationships" xmlns:p="http://schemas.openxmlformats.org/presentationml/2006/main">
   <p:cSld>
     <p:spTree>
@@ -13515,7 +14208,7 @@
 </p:sld>
 </file>
 
-<file path=ppt/slides/slide44.xml><?xml version="1.0" encoding="utf-8"?>
+<file path=ppt/slides/slide45.xml><?xml version="1.0" encoding="utf-8"?>
 <p:sld xmlns:a="http://schemas.openxmlformats.org/drawingml/2006/main" xmlns:r="http://schemas.openxmlformats.org/officeDocument/2006/relationships" xmlns:p="http://schemas.openxmlformats.org/presentationml/2006/main">
   <p:cSld>
     <p:spTree>
@@ -13691,7 +14384,7 @@
 </p:sld>
 </file>
 
-<file path=ppt/slides/slide45.xml><?xml version="1.0" encoding="utf-8"?>
+<file path=ppt/slides/slide46.xml><?xml version="1.0" encoding="utf-8"?>
 <p:sld xmlns:a="http://schemas.openxmlformats.org/drawingml/2006/main" xmlns:r="http://schemas.openxmlformats.org/officeDocument/2006/relationships" xmlns:p="http://schemas.openxmlformats.org/presentationml/2006/main">
   <p:cSld>
     <p:spTree>
@@ -13910,7 +14603,7 @@
 </p:sld>
 </file>
 
-<file path=ppt/slides/slide46.xml><?xml version="1.0" encoding="utf-8"?>
+<file path=ppt/slides/slide47.xml><?xml version="1.0" encoding="utf-8"?>
 <p:sld xmlns:a="http://schemas.openxmlformats.org/drawingml/2006/main" xmlns:r="http://schemas.openxmlformats.org/officeDocument/2006/relationships" xmlns:p="http://schemas.openxmlformats.org/presentationml/2006/main">
   <p:cSld>
     <p:spTree>
@@ -14017,7 +14710,7 @@
 </p:sld>
 </file>
 
-<file path=ppt/slides/slide47.xml><?xml version="1.0" encoding="utf-8"?>
+<file path=ppt/slides/slide48.xml><?xml version="1.0" encoding="utf-8"?>
 <p:sld xmlns:a="http://schemas.openxmlformats.org/drawingml/2006/main" xmlns:r="http://schemas.openxmlformats.org/officeDocument/2006/relationships" xmlns:p="http://schemas.openxmlformats.org/presentationml/2006/main">
   <p:cSld>
     <p:spTree>
@@ -14148,7 +14841,7 @@
 </p:sld>
 </file>
 
-<file path=ppt/slides/slide48.xml><?xml version="1.0" encoding="utf-8"?>
+<file path=ppt/slides/slide49.xml><?xml version="1.0" encoding="utf-8"?>
 <p:sld xmlns:a="http://schemas.openxmlformats.org/drawingml/2006/main" xmlns:r="http://schemas.openxmlformats.org/officeDocument/2006/relationships" xmlns:p="http://schemas.openxmlformats.org/presentationml/2006/main">
   <p:cSld>
     <p:spTree>
@@ -14222,183 +14915,6 @@
 </p:sld>
 </file>
 
-<file path=ppt/slides/slide49.xml><?xml version="1.0" encoding="utf-8"?>
-<p:sld xmlns:a="http://schemas.openxmlformats.org/drawingml/2006/main" xmlns:r="http://schemas.openxmlformats.org/officeDocument/2006/relationships" xmlns:p="http://schemas.openxmlformats.org/presentationml/2006/main">
-  <p:cSld>
-    <p:spTree>
-      <p:nvGrpSpPr>
-        <p:cNvPr id="1" name=""/>
-        <p:cNvGrpSpPr/>
-        <p:nvPr/>
-      </p:nvGrpSpPr>
-      <p:grpSpPr>
-        <a:xfrm>
-          <a:off x="0" y="0"/>
-          <a:ext cx="0" cy="0"/>
-          <a:chOff x="0" y="0"/>
-          <a:chExt cx="0" cy="0"/>
-        </a:xfrm>
-      </p:grpSpPr>
-      <p:sp>
-        <p:nvSpPr>
-          <p:cNvPr id="2" name="Content Placeholder 1"/>
-          <p:cNvSpPr>
-            <a:spLocks noGrp="1"/>
-          </p:cNvSpPr>
-          <p:nvPr>
-            <p:ph idx="1"/>
-          </p:nvPr>
-        </p:nvSpPr>
-        <p:spPr>
-          <a:xfrm>
-            <a:off x="694809" y="1894010"/>
-            <a:ext cx="8228013" cy="4981575"/>
-          </a:xfrm>
-        </p:spPr>
-        <p:txBody>
-          <a:bodyPr>
-            <a:normAutofit/>
-          </a:bodyPr>
-          <a:lstStyle/>
-          <a:p>
-            <a:r>
-              <a:rPr lang="en-US" dirty="0"/>
-              <a:t>Path-based </a:t>
-            </a:r>
-            <a:r>
-              <a:rPr lang="en-US" dirty="0" smtClean="0"/>
-              <a:t>approaches </a:t>
-            </a:r>
-            <a:endParaRPr lang="en-US" dirty="0"/>
-          </a:p>
-          <a:p>
-            <a:endParaRPr lang="en-US" dirty="0"/>
-          </a:p>
-          <a:p>
-            <a:r>
-              <a:rPr lang="en-US" dirty="0"/>
-              <a:t> </a:t>
-            </a:r>
-            <a:endParaRPr lang="en-US" dirty="0" smtClean="0"/>
-          </a:p>
-          <a:p>
-            <a:endParaRPr lang="en-US" dirty="0"/>
-          </a:p>
-          <a:p>
-            <a:r>
-              <a:rPr lang="en-US" dirty="0" smtClean="0"/>
-              <a:t>They </a:t>
-            </a:r>
-            <a:r>
-              <a:rPr lang="en-US" dirty="0"/>
-              <a:t>assume that all links in the taxonomy have </a:t>
-            </a:r>
-            <a:r>
-              <a:rPr lang="en-US" dirty="0" smtClean="0"/>
-              <a:t>uniform distance</a:t>
-            </a:r>
-            <a:endParaRPr lang="en-US" dirty="0"/>
-          </a:p>
-          <a:p>
-            <a:endParaRPr lang="en-US" dirty="0" smtClean="0"/>
-          </a:p>
-          <a:p>
-            <a:r>
-              <a:rPr lang="en-US" dirty="0" smtClean="0"/>
-              <a:t> </a:t>
-            </a:r>
-            <a:endParaRPr lang="en-US" dirty="0"/>
-          </a:p>
-        </p:txBody>
-      </p:sp>
-      <p:sp>
-        <p:nvSpPr>
-          <p:cNvPr id="3" name="Title 2"/>
-          <p:cNvSpPr>
-            <a:spLocks noGrp="1"/>
-          </p:cNvSpPr>
-          <p:nvPr>
-            <p:ph type="title"/>
-          </p:nvPr>
-        </p:nvSpPr>
-        <p:spPr>
-          <a:xfrm>
-            <a:off x="729455" y="881826"/>
-            <a:ext cx="7343775" cy="994172"/>
-          </a:xfrm>
-        </p:spPr>
-        <p:txBody>
-          <a:bodyPr/>
-          <a:lstStyle/>
-          <a:p>
-            <a:r>
-              <a:rPr lang="en-US" dirty="0" smtClean="0">
-                <a:solidFill>
-                  <a:schemeClr val="tx1"/>
-                </a:solidFill>
-              </a:rPr>
-              <a:t>Ontology similarity</a:t>
-            </a:r>
-            <a:endParaRPr lang="en-US" dirty="0">
-              <a:solidFill>
-                <a:schemeClr val="tx1"/>
-              </a:solidFill>
-            </a:endParaRPr>
-          </a:p>
-        </p:txBody>
-      </p:sp>
-      <p:pic>
-        <p:nvPicPr>
-          <p:cNvPr id="4" name="Picture 3"/>
-          <p:cNvPicPr>
-            <a:picLocks noChangeAspect="1"/>
-          </p:cNvPicPr>
-          <p:nvPr/>
-        </p:nvPicPr>
-        <p:blipFill>
-          <a:blip r:embed="rId2"/>
-          <a:stretch>
-            <a:fillRect/>
-          </a:stretch>
-        </p:blipFill>
-        <p:spPr>
-          <a:xfrm>
-            <a:off x="1752600" y="2819400"/>
-            <a:ext cx="4916718" cy="929380"/>
-          </a:xfrm>
-          <a:prstGeom prst="rect">
-            <a:avLst/>
-          </a:prstGeom>
-        </p:spPr>
-      </p:pic>
-    </p:spTree>
-    <p:extLst>
-      <p:ext uri="{BB962C8B-B14F-4D97-AF65-F5344CB8AC3E}">
-        <p14:creationId xmlns:p14="http://schemas.microsoft.com/office/powerpoint/2010/main" val="802975251"/>
-      </p:ext>
-    </p:extLst>
-  </p:cSld>
-  <p:clrMapOvr>
-    <a:masterClrMapping/>
-  </p:clrMapOvr>
-  <mc:AlternateContent xmlns:mc="http://schemas.openxmlformats.org/markup-compatibility/2006" xmlns:p14="http://schemas.microsoft.com/office/powerpoint/2010/main">
-    <mc:Choice Requires="p14">
-      <p:transition spd="slow" p14:dur="2000"/>
-    </mc:Choice>
-    <mc:Fallback xmlns="">
-      <p:transition spd="slow"/>
-    </mc:Fallback>
-  </mc:AlternateContent>
-  <p:timing>
-    <p:tnLst>
-      <p:par>
-        <p:cTn id="1" dur="indefinite" restart="never" nodeType="tmRoot"/>
-      </p:par>
-    </p:tnLst>
-  </p:timing>
-</p:sld>
-</file>
-
 <file path=ppt/slides/slide5.xml><?xml version="1.0" encoding="utf-8"?>
 <p:sld xmlns:a="http://schemas.openxmlformats.org/drawingml/2006/main" xmlns:r="http://schemas.openxmlformats.org/officeDocument/2006/relationships" xmlns:p="http://schemas.openxmlformats.org/presentationml/2006/main">
   <p:cSld>
@@ -14594,7 +15110,7 @@
         </p:nvSpPr>
         <p:spPr>
           <a:xfrm>
-            <a:off x="729455" y="1981200"/>
+            <a:off x="694809" y="1894010"/>
             <a:ext cx="8228013" cy="4981575"/>
           </a:xfrm>
         </p:spPr>
@@ -14605,11 +15121,41 @@
           <a:lstStyle/>
           <a:p>
             <a:r>
+              <a:rPr lang="en-US" dirty="0"/>
+              <a:t>Path-based </a:t>
+            </a:r>
+            <a:r>
               <a:rPr lang="en-US" dirty="0" smtClean="0"/>
-              <a:t>Feature-based measures</a:t>
-            </a:r>
-          </a:p>
-          <a:p>
+              <a:t>approaches </a:t>
+            </a:r>
+            <a:endParaRPr lang="en-US" dirty="0"/>
+          </a:p>
+          <a:p>
+            <a:endParaRPr lang="en-US" dirty="0"/>
+          </a:p>
+          <a:p>
+            <a:r>
+              <a:rPr lang="en-US" dirty="0"/>
+              <a:t> </a:t>
+            </a:r>
+            <a:endParaRPr lang="en-US" dirty="0" smtClean="0"/>
+          </a:p>
+          <a:p>
+            <a:endParaRPr lang="en-US" dirty="0"/>
+          </a:p>
+          <a:p>
+            <a:r>
+              <a:rPr lang="en-US" dirty="0" smtClean="0"/>
+              <a:t>They </a:t>
+            </a:r>
+            <a:r>
+              <a:rPr lang="en-US" dirty="0"/>
+              <a:t>assume that all links in the taxonomy have </a:t>
+            </a:r>
+            <a:r>
+              <a:rPr lang="en-US" dirty="0" smtClean="0"/>
+              <a:t>uniform distance</a:t>
+            </a:r>
             <a:endParaRPr lang="en-US" dirty="0"/>
           </a:p>
           <a:p>
@@ -14652,20 +15198,17 @@
               </a:rPr>
               <a:t>Ontology similarity</a:t>
             </a:r>
-            <a:r>
-              <a:rPr lang="en-US" dirty="0">
-                <a:solidFill>
-                  <a:schemeClr val="tx1"/>
-                </a:solidFill>
-              </a:rPr>
-              <a:t> </a:t>
-            </a:r>
+            <a:endParaRPr lang="en-US" dirty="0">
+              <a:solidFill>
+                <a:schemeClr val="tx1"/>
+              </a:solidFill>
+            </a:endParaRPr>
           </a:p>
         </p:txBody>
       </p:sp>
       <p:pic>
         <p:nvPicPr>
-          <p:cNvPr id="5" name="Picture 4"/>
+          <p:cNvPr id="4" name="Picture 3"/>
           <p:cNvPicPr>
             <a:picLocks noChangeAspect="1"/>
           </p:cNvPicPr>
@@ -14679,88 +15222,18 @@
         </p:blipFill>
         <p:spPr>
           <a:xfrm>
-            <a:off x="915987" y="2819400"/>
-            <a:ext cx="8228013" cy="720740"/>
+            <a:off x="1752600" y="2819400"/>
+            <a:ext cx="4916718" cy="929380"/>
           </a:xfrm>
           <a:prstGeom prst="rect">
             <a:avLst/>
           </a:prstGeom>
         </p:spPr>
       </p:pic>
-      <p:sp>
-        <p:nvSpPr>
-          <p:cNvPr id="4" name="TextBox 3"/>
-          <p:cNvSpPr txBox="1"/>
-          <p:nvPr/>
-        </p:nvSpPr>
-        <p:spPr>
-          <a:xfrm>
-            <a:off x="868067" y="3933378"/>
-            <a:ext cx="8393457" cy="1077218"/>
-          </a:xfrm>
-          <a:prstGeom prst="rect">
-            <a:avLst/>
-          </a:prstGeom>
-          <a:noFill/>
-        </p:spPr>
-        <p:txBody>
-          <a:bodyPr wrap="square" rtlCol="0">
-            <a:spAutoFit/>
-          </a:bodyPr>
-          <a:lstStyle/>
-          <a:p>
-            <a:r>
-              <a:rPr lang="en-US" sz="3200" dirty="0" smtClean="0">
-                <a:solidFill>
-                  <a:schemeClr val="tx1"/>
-                </a:solidFill>
-              </a:rPr>
-              <a:t>Only big ontologies </a:t>
-            </a:r>
-            <a:r>
-              <a:rPr lang="en-US" sz="3200" dirty="0">
-                <a:solidFill>
-                  <a:schemeClr val="tx1"/>
-                </a:solidFill>
-              </a:rPr>
-              <a:t>like </a:t>
-            </a:r>
-            <a:r>
-              <a:rPr lang="en-US" sz="3200" dirty="0" err="1">
-                <a:solidFill>
-                  <a:schemeClr val="tx1"/>
-                </a:solidFill>
-              </a:rPr>
-              <a:t>Wordnet</a:t>
-            </a:r>
-            <a:r>
-              <a:rPr lang="en-US" sz="3200" dirty="0">
-                <a:solidFill>
-                  <a:schemeClr val="tx1"/>
-                </a:solidFill>
-              </a:rPr>
-              <a:t> </a:t>
-            </a:r>
-            <a:r>
-              <a:rPr lang="en-US" sz="3200" dirty="0" smtClean="0">
-                <a:solidFill>
-                  <a:schemeClr val="tx1"/>
-                </a:solidFill>
-              </a:rPr>
-              <a:t>have this kind of information</a:t>
-            </a:r>
-            <a:endParaRPr lang="en-US" sz="3200" dirty="0">
-              <a:solidFill>
-                <a:schemeClr val="tx1"/>
-              </a:solidFill>
-            </a:endParaRPr>
-          </a:p>
-        </p:txBody>
-      </p:sp>
     </p:spTree>
     <p:extLst>
       <p:ext uri="{BB962C8B-B14F-4D97-AF65-F5344CB8AC3E}">
-        <p14:creationId xmlns:p14="http://schemas.microsoft.com/office/powerpoint/2010/main" val="3157741738"/>
+        <p14:creationId xmlns:p14="http://schemas.microsoft.com/office/powerpoint/2010/main" val="802975251"/>
       </p:ext>
     </p:extLst>
   </p:cSld>
@@ -14820,6 +15293,226 @@
         </p:spPr>
         <p:txBody>
           <a:bodyPr>
+            <a:normAutofit/>
+          </a:bodyPr>
+          <a:lstStyle/>
+          <a:p>
+            <a:r>
+              <a:rPr lang="en-US" dirty="0" smtClean="0"/>
+              <a:t>Feature-based measures</a:t>
+            </a:r>
+          </a:p>
+          <a:p>
+            <a:endParaRPr lang="en-US" dirty="0"/>
+          </a:p>
+          <a:p>
+            <a:endParaRPr lang="en-US" dirty="0" smtClean="0"/>
+          </a:p>
+          <a:p>
+            <a:r>
+              <a:rPr lang="en-US" dirty="0" smtClean="0"/>
+              <a:t> </a:t>
+            </a:r>
+            <a:endParaRPr lang="en-US" dirty="0"/>
+          </a:p>
+        </p:txBody>
+      </p:sp>
+      <p:sp>
+        <p:nvSpPr>
+          <p:cNvPr id="3" name="Title 2"/>
+          <p:cNvSpPr>
+            <a:spLocks noGrp="1"/>
+          </p:cNvSpPr>
+          <p:nvPr>
+            <p:ph type="title"/>
+          </p:nvPr>
+        </p:nvSpPr>
+        <p:spPr>
+          <a:xfrm>
+            <a:off x="729455" y="881826"/>
+            <a:ext cx="7343775" cy="994172"/>
+          </a:xfrm>
+        </p:spPr>
+        <p:txBody>
+          <a:bodyPr/>
+          <a:lstStyle/>
+          <a:p>
+            <a:r>
+              <a:rPr lang="en-US" dirty="0" smtClean="0">
+                <a:solidFill>
+                  <a:schemeClr val="tx1"/>
+                </a:solidFill>
+              </a:rPr>
+              <a:t>Ontology similarity</a:t>
+            </a:r>
+            <a:r>
+              <a:rPr lang="en-US" dirty="0">
+                <a:solidFill>
+                  <a:schemeClr val="tx1"/>
+                </a:solidFill>
+              </a:rPr>
+              <a:t> </a:t>
+            </a:r>
+          </a:p>
+        </p:txBody>
+      </p:sp>
+      <p:pic>
+        <p:nvPicPr>
+          <p:cNvPr id="5" name="Picture 4"/>
+          <p:cNvPicPr>
+            <a:picLocks noChangeAspect="1"/>
+          </p:cNvPicPr>
+          <p:nvPr/>
+        </p:nvPicPr>
+        <p:blipFill>
+          <a:blip r:embed="rId2"/>
+          <a:stretch>
+            <a:fillRect/>
+          </a:stretch>
+        </p:blipFill>
+        <p:spPr>
+          <a:xfrm>
+            <a:off x="915987" y="2819400"/>
+            <a:ext cx="8228013" cy="720740"/>
+          </a:xfrm>
+          <a:prstGeom prst="rect">
+            <a:avLst/>
+          </a:prstGeom>
+        </p:spPr>
+      </p:pic>
+      <p:sp>
+        <p:nvSpPr>
+          <p:cNvPr id="4" name="TextBox 3"/>
+          <p:cNvSpPr txBox="1"/>
+          <p:nvPr/>
+        </p:nvSpPr>
+        <p:spPr>
+          <a:xfrm>
+            <a:off x="868067" y="3933378"/>
+            <a:ext cx="8393457" cy="1077218"/>
+          </a:xfrm>
+          <a:prstGeom prst="rect">
+            <a:avLst/>
+          </a:prstGeom>
+          <a:noFill/>
+        </p:spPr>
+        <p:txBody>
+          <a:bodyPr wrap="square" rtlCol="0">
+            <a:spAutoFit/>
+          </a:bodyPr>
+          <a:lstStyle/>
+          <a:p>
+            <a:r>
+              <a:rPr lang="en-US" sz="3200" dirty="0" smtClean="0">
+                <a:solidFill>
+                  <a:schemeClr val="tx1"/>
+                </a:solidFill>
+              </a:rPr>
+              <a:t>Only big ontologies </a:t>
+            </a:r>
+            <a:r>
+              <a:rPr lang="en-US" sz="3200" dirty="0">
+                <a:solidFill>
+                  <a:schemeClr val="tx1"/>
+                </a:solidFill>
+              </a:rPr>
+              <a:t>like </a:t>
+            </a:r>
+            <a:r>
+              <a:rPr lang="en-US" sz="3200" dirty="0" err="1">
+                <a:solidFill>
+                  <a:schemeClr val="tx1"/>
+                </a:solidFill>
+              </a:rPr>
+              <a:t>Wordnet</a:t>
+            </a:r>
+            <a:r>
+              <a:rPr lang="en-US" sz="3200" dirty="0">
+                <a:solidFill>
+                  <a:schemeClr val="tx1"/>
+                </a:solidFill>
+              </a:rPr>
+              <a:t> </a:t>
+            </a:r>
+            <a:r>
+              <a:rPr lang="en-US" sz="3200" dirty="0" smtClean="0">
+                <a:solidFill>
+                  <a:schemeClr val="tx1"/>
+                </a:solidFill>
+              </a:rPr>
+              <a:t>have this kind of information</a:t>
+            </a:r>
+            <a:endParaRPr lang="en-US" sz="3200" dirty="0">
+              <a:solidFill>
+                <a:schemeClr val="tx1"/>
+              </a:solidFill>
+            </a:endParaRPr>
+          </a:p>
+        </p:txBody>
+      </p:sp>
+    </p:spTree>
+    <p:extLst>
+      <p:ext uri="{BB962C8B-B14F-4D97-AF65-F5344CB8AC3E}">
+        <p14:creationId xmlns:p14="http://schemas.microsoft.com/office/powerpoint/2010/main" val="3157741738"/>
+      </p:ext>
+    </p:extLst>
+  </p:cSld>
+  <p:clrMapOvr>
+    <a:masterClrMapping/>
+  </p:clrMapOvr>
+  <mc:AlternateContent xmlns:mc="http://schemas.openxmlformats.org/markup-compatibility/2006" xmlns:p14="http://schemas.microsoft.com/office/powerpoint/2010/main">
+    <mc:Choice Requires="p14">
+      <p:transition spd="slow" p14:dur="2000"/>
+    </mc:Choice>
+    <mc:Fallback xmlns="">
+      <p:transition spd="slow"/>
+    </mc:Fallback>
+  </mc:AlternateContent>
+  <p:timing>
+    <p:tnLst>
+      <p:par>
+        <p:cTn id="1" dur="indefinite" restart="never" nodeType="tmRoot"/>
+      </p:par>
+    </p:tnLst>
+  </p:timing>
+</p:sld>
+</file>
+
+<file path=ppt/slides/slide52.xml><?xml version="1.0" encoding="utf-8"?>
+<p:sld xmlns:a="http://schemas.openxmlformats.org/drawingml/2006/main" xmlns:r="http://schemas.openxmlformats.org/officeDocument/2006/relationships" xmlns:p="http://schemas.openxmlformats.org/presentationml/2006/main">
+  <p:cSld>
+    <p:spTree>
+      <p:nvGrpSpPr>
+        <p:cNvPr id="1" name=""/>
+        <p:cNvGrpSpPr/>
+        <p:nvPr/>
+      </p:nvGrpSpPr>
+      <p:grpSpPr>
+        <a:xfrm>
+          <a:off x="0" y="0"/>
+          <a:ext cx="0" cy="0"/>
+          <a:chOff x="0" y="0"/>
+          <a:chExt cx="0" cy="0"/>
+        </a:xfrm>
+      </p:grpSpPr>
+      <p:sp>
+        <p:nvSpPr>
+          <p:cNvPr id="2" name="Content Placeholder 1"/>
+          <p:cNvSpPr>
+            <a:spLocks noGrp="1"/>
+          </p:cNvSpPr>
+          <p:nvPr>
+            <p:ph idx="1"/>
+          </p:nvPr>
+        </p:nvSpPr>
+        <p:spPr>
+          <a:xfrm>
+            <a:off x="729455" y="1981200"/>
+            <a:ext cx="8228013" cy="4981575"/>
+          </a:xfrm>
+        </p:spPr>
+        <p:txBody>
+          <a:bodyPr>
             <a:normAutofit lnSpcReduction="10000"/>
           </a:bodyPr>
           <a:lstStyle/>
@@ -15001,7 +15694,7 @@
 </p:sld>
 </file>
 
-<file path=ppt/slides/slide52.xml><?xml version="1.0" encoding="utf-8"?>
+<file path=ppt/slides/slide53.xml><?xml version="1.0" encoding="utf-8"?>
 <p:sld xmlns:a="http://schemas.openxmlformats.org/drawingml/2006/main" xmlns:r="http://schemas.openxmlformats.org/officeDocument/2006/relationships" xmlns:p="http://schemas.openxmlformats.org/presentationml/2006/main">
   <p:cSld>
     <p:spTree>
@@ -15136,7 +15829,7 @@
 </p:sld>
 </file>
 
-<file path=ppt/slides/slide53.xml><?xml version="1.0" encoding="utf-8"?>
+<file path=ppt/slides/slide54.xml><?xml version="1.0" encoding="utf-8"?>
 <p:sld xmlns:a="http://schemas.openxmlformats.org/drawingml/2006/main" xmlns:r="http://schemas.openxmlformats.org/officeDocument/2006/relationships" xmlns:p="http://schemas.openxmlformats.org/presentationml/2006/main">
   <p:cSld>
     <p:spTree>
@@ -15260,7 +15953,7 @@
 </p:sld>
 </file>
 
-<file path=ppt/slides/slide54.xml><?xml version="1.0" encoding="utf-8"?>
+<file path=ppt/slides/slide55.xml><?xml version="1.0" encoding="utf-8"?>
 <p:sld xmlns:a="http://schemas.openxmlformats.org/drawingml/2006/main" xmlns:r="http://schemas.openxmlformats.org/officeDocument/2006/relationships" xmlns:p="http://schemas.openxmlformats.org/presentationml/2006/main">
   <p:cSld>
     <p:spTree>
@@ -15471,7 +16164,7 @@
 </p:sld>
 </file>
 
-<file path=ppt/slides/slide55.xml><?xml version="1.0" encoding="utf-8"?>
+<file path=ppt/slides/slide56.xml><?xml version="1.0" encoding="utf-8"?>
 <p:sld xmlns:a="http://schemas.openxmlformats.org/drawingml/2006/main" xmlns:r="http://schemas.openxmlformats.org/officeDocument/2006/relationships" xmlns:p="http://schemas.openxmlformats.org/presentationml/2006/main">
   <p:cSld>
     <p:spTree>
@@ -15564,7 +16257,7 @@
 </p:sld>
 </file>
 
-<file path=ppt/slides/slide56.xml><?xml version="1.0" encoding="utf-8"?>
+<file path=ppt/slides/slide57.xml><?xml version="1.0" encoding="utf-8"?>
 <p:sld xmlns:a="http://schemas.openxmlformats.org/drawingml/2006/main" xmlns:r="http://schemas.openxmlformats.org/officeDocument/2006/relationships" xmlns:p="http://schemas.openxmlformats.org/presentationml/2006/main" show="0">
   <p:cSld>
     <p:spTree>
@@ -15662,7 +16355,7 @@
 </p:sld>
 </file>
 
-<file path=ppt/slides/slide57.xml><?xml version="1.0" encoding="utf-8"?>
+<file path=ppt/slides/slide58.xml><?xml version="1.0" encoding="utf-8"?>
 <p:sld xmlns:a="http://schemas.openxmlformats.org/drawingml/2006/main" xmlns:r="http://schemas.openxmlformats.org/officeDocument/2006/relationships" xmlns:p="http://schemas.openxmlformats.org/presentationml/2006/main">
   <p:cSld>
     <p:spTree>
@@ -15853,7 +16546,7 @@
 </p:sld>
 </file>
 
-<file path=ppt/slides/slide58.xml><?xml version="1.0" encoding="utf-8"?>
+<file path=ppt/slides/slide59.xml><?xml version="1.0" encoding="utf-8"?>
 <p:sld xmlns:a="http://schemas.openxmlformats.org/drawingml/2006/main" xmlns:r="http://schemas.openxmlformats.org/officeDocument/2006/relationships" xmlns:p="http://schemas.openxmlformats.org/presentationml/2006/main" show="0">
   <p:cSld>
     <p:spTree>
@@ -15888,7 +16581,7 @@
         </p:blipFill>
         <p:spPr>
           <a:xfrm>
-            <a:off x="1752600" y="2286000"/>
+            <a:off x="1676400" y="2286000"/>
             <a:ext cx="5148426" cy="4191000"/>
           </a:xfrm>
           <a:prstGeom prst="rect">
@@ -15951,163 +16644,6 @@
     <p:extLst>
       <p:ext uri="{BB962C8B-B14F-4D97-AF65-F5344CB8AC3E}">
         <p14:creationId xmlns:p14="http://schemas.microsoft.com/office/powerpoint/2010/main" val="3927249861"/>
-      </p:ext>
-    </p:extLst>
-  </p:cSld>
-  <p:clrMapOvr>
-    <a:masterClrMapping/>
-  </p:clrMapOvr>
-  <mc:AlternateContent xmlns:mc="http://schemas.openxmlformats.org/markup-compatibility/2006" xmlns:p14="http://schemas.microsoft.com/office/powerpoint/2010/main">
-    <mc:Choice Requires="p14">
-      <p:transition spd="slow" p14:dur="2000"/>
-    </mc:Choice>
-    <mc:Fallback xmlns="">
-      <p:transition spd="slow"/>
-    </mc:Fallback>
-  </mc:AlternateContent>
-</p:sld>
-</file>
-
-<file path=ppt/slides/slide59.xml><?xml version="1.0" encoding="utf-8"?>
-<p:sld xmlns:a="http://schemas.openxmlformats.org/drawingml/2006/main" xmlns:r="http://schemas.openxmlformats.org/officeDocument/2006/relationships" xmlns:p="http://schemas.openxmlformats.org/presentationml/2006/main">
-  <p:cSld>
-    <p:spTree>
-      <p:nvGrpSpPr>
-        <p:cNvPr id="1" name=""/>
-        <p:cNvGrpSpPr/>
-        <p:nvPr/>
-      </p:nvGrpSpPr>
-      <p:grpSpPr>
-        <a:xfrm>
-          <a:off x="0" y="0"/>
-          <a:ext cx="0" cy="0"/>
-          <a:chOff x="0" y="0"/>
-          <a:chExt cx="0" cy="0"/>
-        </a:xfrm>
-      </p:grpSpPr>
-      <p:sp>
-        <p:nvSpPr>
-          <p:cNvPr id="2" name="Content Placeholder 1"/>
-          <p:cNvSpPr>
-            <a:spLocks noGrp="1"/>
-          </p:cNvSpPr>
-          <p:nvPr>
-            <p:ph idx="1"/>
-          </p:nvPr>
-        </p:nvSpPr>
-        <p:spPr>
-          <a:xfrm>
-            <a:off x="549994" y="2438400"/>
-            <a:ext cx="8228013" cy="3024188"/>
-          </a:xfrm>
-        </p:spPr>
-        <p:txBody>
-          <a:bodyPr/>
-          <a:lstStyle/>
-          <a:p>
-            <a:r>
-              <a:rPr lang="en-US" dirty="0" smtClean="0"/>
-              <a:t>Accuracy of </a:t>
-            </a:r>
-            <a:r>
-              <a:rPr lang="en-US" dirty="0"/>
-              <a:t>Information </a:t>
-            </a:r>
-            <a:r>
-              <a:rPr lang="en-US" dirty="0" smtClean="0"/>
-              <a:t>Extraction </a:t>
-            </a:r>
-            <a:r>
-              <a:rPr lang="en-US" altLang="zh-CN" dirty="0" smtClean="0"/>
-              <a:t>Comparing to CRFs</a:t>
-            </a:r>
-            <a:r>
-              <a:rPr lang="en-US" dirty="0" smtClean="0"/>
-              <a:t> Model</a:t>
-            </a:r>
-            <a:endParaRPr lang="en-US" dirty="0"/>
-          </a:p>
-        </p:txBody>
-      </p:sp>
-      <p:sp>
-        <p:nvSpPr>
-          <p:cNvPr id="3" name="Title 2"/>
-          <p:cNvSpPr>
-            <a:spLocks noGrp="1"/>
-          </p:cNvSpPr>
-          <p:nvPr>
-            <p:ph type="title"/>
-          </p:nvPr>
-        </p:nvSpPr>
-        <p:spPr>
-          <a:xfrm>
-            <a:off x="364407" y="1131094"/>
-            <a:ext cx="8150944" cy="994172"/>
-          </a:xfrm>
-        </p:spPr>
-        <p:txBody>
-          <a:bodyPr/>
-          <a:lstStyle/>
-          <a:p>
-            <a:r>
-              <a:rPr lang="en-US" dirty="0" smtClean="0">
-                <a:solidFill>
-                  <a:schemeClr val="tx1"/>
-                </a:solidFill>
-              </a:rPr>
-              <a:t>EVALUATION </a:t>
-            </a:r>
-            <a:br>
-              <a:rPr lang="en-US" dirty="0" smtClean="0">
-                <a:solidFill>
-                  <a:schemeClr val="tx1"/>
-                </a:solidFill>
-              </a:rPr>
-            </a:br>
-            <a:r>
-              <a:rPr lang="en-US" dirty="0" smtClean="0">
-                <a:solidFill>
-                  <a:schemeClr val="tx1"/>
-                </a:solidFill>
-              </a:rPr>
-              <a:t>– Information Extraction </a:t>
-            </a:r>
-            <a:endParaRPr lang="en-US" dirty="0">
-              <a:solidFill>
-                <a:schemeClr val="tx1"/>
-              </a:solidFill>
-            </a:endParaRPr>
-          </a:p>
-        </p:txBody>
-      </p:sp>
-      <p:pic>
-        <p:nvPicPr>
-          <p:cNvPr id="5" name="Picture 4"/>
-          <p:cNvPicPr>
-            <a:picLocks noChangeAspect="1"/>
-          </p:cNvPicPr>
-          <p:nvPr/>
-        </p:nvPicPr>
-        <p:blipFill>
-          <a:blip r:embed="rId2"/>
-          <a:stretch>
-            <a:fillRect/>
-          </a:stretch>
-        </p:blipFill>
-        <p:spPr>
-          <a:xfrm>
-            <a:off x="908917" y="3810000"/>
-            <a:ext cx="7869090" cy="1962872"/>
-          </a:xfrm>
-          <a:prstGeom prst="rect">
-            <a:avLst/>
-          </a:prstGeom>
-        </p:spPr>
-      </p:pic>
-    </p:spTree>
-    <p:extLst>
-      <p:ext uri="{BB962C8B-B14F-4D97-AF65-F5344CB8AC3E}">
-        <p14:creationId xmlns:p14="http://schemas.microsoft.com/office/powerpoint/2010/main" val="2335049587"/>
       </p:ext>
     </p:extLst>
   </p:cSld>
@@ -16328,32 +16864,50 @@
           <a:chExt cx="0" cy="0"/>
         </a:xfrm>
       </p:grpSpPr>
-      <p:pic>
-        <p:nvPicPr>
-          <p:cNvPr id="4" name="Content Placeholder 3"/>
-          <p:cNvPicPr>
-            <a:picLocks noGrp="1" noChangeAspect="1"/>
-          </p:cNvPicPr>
+      <p:sp>
+        <p:nvSpPr>
+          <p:cNvPr id="2" name="Content Placeholder 1"/>
+          <p:cNvSpPr>
+            <a:spLocks noGrp="1"/>
+          </p:cNvSpPr>
           <p:nvPr>
             <p:ph idx="1"/>
           </p:nvPr>
-        </p:nvPicPr>
-        <p:blipFill>
-          <a:blip r:embed="rId2"/>
-          <a:stretch>
-            <a:fillRect/>
-          </a:stretch>
-        </p:blipFill>
+        </p:nvSpPr>
         <p:spPr>
           <a:xfrm>
-            <a:off x="1184470" y="2514600"/>
-            <a:ext cx="6892730" cy="3813601"/>
+            <a:off x="549994" y="2438400"/>
+            <a:ext cx="8228013" cy="3024188"/>
           </a:xfrm>
-          <a:prstGeom prst="rect">
-            <a:avLst/>
-          </a:prstGeom>
         </p:spPr>
-      </p:pic>
+        <p:txBody>
+          <a:bodyPr/>
+          <a:lstStyle/>
+          <a:p>
+            <a:r>
+              <a:rPr lang="en-US" dirty="0" smtClean="0"/>
+              <a:t>Accuracy of </a:t>
+            </a:r>
+            <a:r>
+              <a:rPr lang="en-US" dirty="0"/>
+              <a:t>Information </a:t>
+            </a:r>
+            <a:r>
+              <a:rPr lang="en-US" dirty="0" smtClean="0"/>
+              <a:t>Extraction </a:t>
+            </a:r>
+            <a:r>
+              <a:rPr lang="en-US" altLang="zh-CN" dirty="0" smtClean="0"/>
+              <a:t>Comparing to CRFs</a:t>
+            </a:r>
+            <a:r>
+              <a:rPr lang="en-US" dirty="0" smtClean="0"/>
+              <a:t> Model</a:t>
+            </a:r>
+            <a:endParaRPr lang="en-US" dirty="0"/>
+          </a:p>
+        </p:txBody>
+      </p:sp>
       <p:sp>
         <p:nvSpPr>
           <p:cNvPr id="3" name="Title 2"/>
@@ -16366,8 +16920,8 @@
         </p:nvSpPr>
         <p:spPr>
           <a:xfrm>
-            <a:off x="1171575" y="1131094"/>
-            <a:ext cx="7343775" cy="994172"/>
+            <a:off x="364407" y="1131094"/>
+            <a:ext cx="8150944" cy="994172"/>
           </a:xfrm>
         </p:spPr>
         <p:txBody>
@@ -16375,20 +16929,12 @@
           <a:lstStyle/>
           <a:p>
             <a:r>
-              <a:rPr lang="en-US" dirty="0">
+              <a:rPr lang="en-US" dirty="0" smtClean="0">
                 <a:solidFill>
                   <a:schemeClr val="tx1"/>
                 </a:solidFill>
               </a:rPr>
               <a:t>EVALUATION </a:t>
-            </a:r>
-            <a:r>
-              <a:rPr lang="en-US" dirty="0" smtClean="0">
-                <a:solidFill>
-                  <a:schemeClr val="tx1"/>
-                </a:solidFill>
-              </a:rPr>
-              <a:t/>
             </a:r>
             <a:br>
               <a:rPr lang="en-US" dirty="0" smtClean="0">
@@ -16403,23 +16949,44 @@
                   <a:schemeClr val="tx1"/>
                 </a:solidFill>
               </a:rPr>
-              <a:t>– </a:t>
-            </a:r>
-            <a:r>
-              <a:rPr lang="en-US" dirty="0">
-                <a:solidFill>
-                  <a:schemeClr val="tx1"/>
-                </a:solidFill>
-              </a:rPr>
-              <a:t>Ontology Similarity </a:t>
-            </a:r>
+              <a:t>– Information Extraction </a:t>
+            </a:r>
+            <a:endParaRPr lang="en-US" dirty="0">
+              <a:solidFill>
+                <a:schemeClr val="tx1"/>
+              </a:solidFill>
+            </a:endParaRPr>
           </a:p>
         </p:txBody>
       </p:sp>
+      <p:pic>
+        <p:nvPicPr>
+          <p:cNvPr id="5" name="Picture 4"/>
+          <p:cNvPicPr>
+            <a:picLocks noChangeAspect="1"/>
+          </p:cNvPicPr>
+          <p:nvPr/>
+        </p:nvPicPr>
+        <p:blipFill>
+          <a:blip r:embed="rId2"/>
+          <a:stretch>
+            <a:fillRect/>
+          </a:stretch>
+        </p:blipFill>
+        <p:spPr>
+          <a:xfrm>
+            <a:off x="908917" y="3810000"/>
+            <a:ext cx="7869090" cy="1962872"/>
+          </a:xfrm>
+          <a:prstGeom prst="rect">
+            <a:avLst/>
+          </a:prstGeom>
+        </p:spPr>
+      </p:pic>
     </p:spTree>
     <p:extLst>
       <p:ext uri="{BB962C8B-B14F-4D97-AF65-F5344CB8AC3E}">
-        <p14:creationId xmlns:p14="http://schemas.microsoft.com/office/powerpoint/2010/main" val="964112834"/>
+        <p14:creationId xmlns:p14="http://schemas.microsoft.com/office/powerpoint/2010/main" val="2335049587"/>
       </p:ext>
     </p:extLst>
   </p:cSld>
@@ -16498,28 +17065,36 @@
           </a:p>
           <a:p>
             <a:r>
+              <a:rPr lang="en-US" dirty="0">
+                <a:solidFill>
+                  <a:schemeClr val="tx1"/>
+                </a:solidFill>
+              </a:rPr>
+              <a:t> </a:t>
+            </a:r>
+            <a:r>
+              <a:rPr lang="en-US" dirty="0" err="1" smtClean="0">
+                <a:latin typeface="Calibri" panose="020F0502020204030204" pitchFamily="34" charset="0"/>
+              </a:rPr>
+              <a:t>rel</a:t>
+            </a:r>
+            <a:r>
+              <a:rPr lang="en-US" baseline="-25000" dirty="0" err="1" smtClean="0">
+                <a:latin typeface="Calibri" panose="020F0502020204030204" pitchFamily="34" charset="0"/>
+              </a:rPr>
+              <a:t>i</a:t>
+            </a:r>
+            <a:r>
+              <a:rPr lang="en-US" baseline="-25000" dirty="0" smtClean="0"/>
+              <a:t> </a:t>
+            </a:r>
+            <a:r>
               <a:rPr lang="en-US" dirty="0" smtClean="0">
                 <a:solidFill>
                   <a:schemeClr val="tx1"/>
                 </a:solidFill>
               </a:rPr>
-              <a:t>R(</a:t>
-            </a:r>
-            <a:r>
-              <a:rPr lang="en-US" dirty="0" err="1" smtClean="0">
-                <a:solidFill>
-                  <a:schemeClr val="tx1"/>
-                </a:solidFill>
-              </a:rPr>
-              <a:t>j,d</a:t>
-            </a:r>
-            <a:r>
-              <a:rPr lang="en-US" dirty="0" smtClean="0">
-                <a:solidFill>
-                  <a:schemeClr val="tx1"/>
-                </a:solidFill>
-              </a:rPr>
-              <a:t>) is the </a:t>
+              <a:t>is the </a:t>
             </a:r>
             <a:r>
               <a:rPr lang="en-US" dirty="0">
@@ -16636,30 +17211,6 @@
           </a:p>
         </p:txBody>
       </p:sp>
-      <p:pic>
-        <p:nvPicPr>
-          <p:cNvPr id="4" name="Picture 3"/>
-          <p:cNvPicPr>
-            <a:picLocks noChangeAspect="1"/>
-          </p:cNvPicPr>
-          <p:nvPr/>
-        </p:nvPicPr>
-        <p:blipFill>
-          <a:blip r:embed="rId2"/>
-          <a:stretch>
-            <a:fillRect/>
-          </a:stretch>
-        </p:blipFill>
-        <p:spPr>
-          <a:xfrm>
-            <a:off x="990600" y="3822059"/>
-            <a:ext cx="6813337" cy="1195081"/>
-          </a:xfrm>
-          <a:prstGeom prst="rect">
-            <a:avLst/>
-          </a:prstGeom>
-        </p:spPr>
-      </p:pic>
       <p:sp>
         <p:nvSpPr>
           <p:cNvPr id="5" name="Rectangle 1"/>
@@ -16949,7 +17500,7 @@
           <p:nvPr/>
         </p:nvPicPr>
         <p:blipFill>
-          <a:blip r:embed="rId3">
+          <a:blip r:embed="rId2">
             <a:extLst>
               <a:ext uri="{28A0092B-C50C-407E-A947-70E740481C1C}">
                 <a14:useLocalDpi xmlns:a14="http://schemas.microsoft.com/office/drawing/2010/main" val="0"/>
@@ -16990,7 +17541,7 @@
           <p:nvPr/>
         </p:nvPicPr>
         <p:blipFill>
-          <a:blip r:embed="rId4">
+          <a:blip r:embed="rId3">
             <a:extLst>
               <a:ext uri="{28A0092B-C50C-407E-A947-70E740481C1C}">
                 <a14:useLocalDpi xmlns:a14="http://schemas.microsoft.com/office/drawing/2010/main" val="0"/>
@@ -17031,7 +17582,7 @@
           <p:nvPr/>
         </p:nvPicPr>
         <p:blipFill>
-          <a:blip r:embed="rId5">
+          <a:blip r:embed="rId4">
             <a:extLst>
               <a:ext uri="{28A0092B-C50C-407E-A947-70E740481C1C}">
                 <a14:useLocalDpi xmlns:a14="http://schemas.microsoft.com/office/drawing/2010/main" val="0"/>
@@ -17047,6 +17598,88 @@
           <a:xfrm>
             <a:off x="6432550" y="-144463"/>
             <a:ext cx="85725" cy="295276"/>
+          </a:xfrm>
+          <a:prstGeom prst="rect">
+            <a:avLst/>
+          </a:prstGeom>
+          <a:noFill/>
+          <a:extLst>
+            <a:ext uri="{909E8E84-426E-40DD-AFC4-6F175D3DCCD1}">
+              <a14:hiddenFill xmlns:a14="http://schemas.microsoft.com/office/drawing/2010/main">
+                <a:solidFill>
+                  <a:srgbClr val="FFFFFF"/>
+                </a:solidFill>
+              </a14:hiddenFill>
+            </a:ext>
+          </a:extLst>
+        </p:spPr>
+      </p:pic>
+      <p:pic>
+        <p:nvPicPr>
+          <p:cNvPr id="1026" name="Picture 2" descr=" \mathrm{DCG_{p}} = \sum_{i=1}^{p} \frac{ 2^{rel_{i}} - 1 }{ \log_{2}(i+1)} "/>
+          <p:cNvPicPr>
+            <a:picLocks noChangeAspect="1" noChangeArrowheads="1"/>
+          </p:cNvPicPr>
+          <p:nvPr/>
+        </p:nvPicPr>
+        <p:blipFill>
+          <a:blip r:embed="rId5">
+            <a:extLst>
+              <a:ext uri="{28A0092B-C50C-407E-A947-70E740481C1C}">
+                <a14:useLocalDpi xmlns:a14="http://schemas.microsoft.com/office/drawing/2010/main" val="0"/>
+              </a:ext>
+            </a:extLst>
+          </a:blip>
+          <a:srcRect/>
+          <a:stretch>
+            <a:fillRect/>
+          </a:stretch>
+        </p:blipFill>
+        <p:spPr bwMode="auto">
+          <a:xfrm>
+            <a:off x="992163" y="3962398"/>
+            <a:ext cx="3294641" cy="913366"/>
+          </a:xfrm>
+          <a:prstGeom prst="rect">
+            <a:avLst/>
+          </a:prstGeom>
+          <a:noFill/>
+          <a:extLst>
+            <a:ext uri="{909E8E84-426E-40DD-AFC4-6F175D3DCCD1}">
+              <a14:hiddenFill xmlns:a14="http://schemas.microsoft.com/office/drawing/2010/main">
+                <a:solidFill>
+                  <a:srgbClr val="FFFFFF"/>
+                </a:solidFill>
+              </a14:hiddenFill>
+            </a:ext>
+          </a:extLst>
+        </p:spPr>
+      </p:pic>
+      <p:pic>
+        <p:nvPicPr>
+          <p:cNvPr id="1028" name="Picture 4" descr=" \mathrm{nDCG_{p}} = \frac{DCG_{p}}{IDCG_{p}} "/>
+          <p:cNvPicPr>
+            <a:picLocks noChangeAspect="1" noChangeArrowheads="1"/>
+          </p:cNvPicPr>
+          <p:nvPr/>
+        </p:nvPicPr>
+        <p:blipFill>
+          <a:blip r:embed="rId6">
+            <a:extLst>
+              <a:ext uri="{28A0092B-C50C-407E-A947-70E740481C1C}">
+                <a14:useLocalDpi xmlns:a14="http://schemas.microsoft.com/office/drawing/2010/main" val="0"/>
+              </a:ext>
+            </a:extLst>
+          </a:blip>
+          <a:srcRect/>
+          <a:stretch>
+            <a:fillRect/>
+          </a:stretch>
+        </p:blipFill>
+        <p:spPr bwMode="auto">
+          <a:xfrm>
+            <a:off x="4897318" y="3962398"/>
+            <a:ext cx="3070464" cy="913366"/>
           </a:xfrm>
           <a:prstGeom prst="rect">
             <a:avLst/>
@@ -17504,8 +18137,8 @@
         </p:blipFill>
         <p:spPr>
           <a:xfrm>
-            <a:off x="1600200" y="5105400"/>
-            <a:ext cx="3709015" cy="1133844"/>
+            <a:off x="1524000" y="4724400"/>
+            <a:ext cx="4724400" cy="1444247"/>
           </a:xfrm>
           <a:prstGeom prst="rect">
             <a:avLst/>
@@ -17649,7 +18282,7 @@
           <p:nvPr/>
         </p:nvPicPr>
         <p:blipFill>
-          <a:blip r:embed="rId2"/>
+          <a:blip r:embed="rId3"/>
           <a:stretch>
             <a:fillRect/>
           </a:stretch>
@@ -17815,7 +18448,7 @@
           <p:nvPr/>
         </p:nvPicPr>
         <p:blipFill>
-          <a:blip r:embed="rId2"/>
+          <a:blip r:embed="rId3"/>
           <a:stretch>
             <a:fillRect/>
           </a:stretch>
@@ -17839,7 +18472,7 @@
           <p:nvPr/>
         </p:nvPicPr>
         <p:blipFill>
-          <a:blip r:embed="rId3"/>
+          <a:blip r:embed="rId4"/>
           <a:stretch>
             <a:fillRect/>
           </a:stretch>

--- a/media/Master's thesis.pptx
+++ b/media/Master's thesis.pptx
@@ -5,10 +5,10 @@
     <p:sldMasterId id="2147483648" r:id="rId1"/>
   </p:sldMasterIdLst>
   <p:notesMasterIdLst>
-    <p:notesMasterId r:id="rId77"/>
+    <p:notesMasterId r:id="rId80"/>
   </p:notesMasterIdLst>
   <p:handoutMasterIdLst>
-    <p:handoutMasterId r:id="rId78"/>
+    <p:handoutMasterId r:id="rId81"/>
   </p:handoutMasterIdLst>
   <p:sldIdLst>
     <p:sldId id="258" r:id="rId2"/>
@@ -18,74 +18,77 @@
     <p:sldId id="263" r:id="rId6"/>
     <p:sldId id="264" r:id="rId7"/>
     <p:sldId id="265" r:id="rId8"/>
-    <p:sldId id="266" r:id="rId9"/>
-    <p:sldId id="267" r:id="rId10"/>
-    <p:sldId id="268" r:id="rId11"/>
-    <p:sldId id="269" r:id="rId12"/>
-    <p:sldId id="270" r:id="rId13"/>
-    <p:sldId id="271" r:id="rId14"/>
-    <p:sldId id="272" r:id="rId15"/>
-    <p:sldId id="273" r:id="rId16"/>
-    <p:sldId id="274" r:id="rId17"/>
-    <p:sldId id="275" r:id="rId18"/>
-    <p:sldId id="276" r:id="rId19"/>
-    <p:sldId id="339" r:id="rId20"/>
-    <p:sldId id="338" r:id="rId21"/>
-    <p:sldId id="278" r:id="rId22"/>
-    <p:sldId id="279" r:id="rId23"/>
-    <p:sldId id="280" r:id="rId24"/>
-    <p:sldId id="281" r:id="rId25"/>
-    <p:sldId id="282" r:id="rId26"/>
-    <p:sldId id="283" r:id="rId27"/>
-    <p:sldId id="288" r:id="rId28"/>
-    <p:sldId id="284" r:id="rId29"/>
-    <p:sldId id="285" r:id="rId30"/>
-    <p:sldId id="286" r:id="rId31"/>
-    <p:sldId id="330" r:id="rId32"/>
-    <p:sldId id="287" r:id="rId33"/>
-    <p:sldId id="290" r:id="rId34"/>
-    <p:sldId id="331" r:id="rId35"/>
-    <p:sldId id="291" r:id="rId36"/>
-    <p:sldId id="289" r:id="rId37"/>
-    <p:sldId id="296" r:id="rId38"/>
-    <p:sldId id="292" r:id="rId39"/>
-    <p:sldId id="293" r:id="rId40"/>
-    <p:sldId id="294" r:id="rId41"/>
-    <p:sldId id="333" r:id="rId42"/>
-    <p:sldId id="334" r:id="rId43"/>
-    <p:sldId id="297" r:id="rId44"/>
-    <p:sldId id="298" r:id="rId45"/>
-    <p:sldId id="299" r:id="rId46"/>
-    <p:sldId id="300" r:id="rId47"/>
-    <p:sldId id="301" r:id="rId48"/>
-    <p:sldId id="302" r:id="rId49"/>
-    <p:sldId id="303" r:id="rId50"/>
-    <p:sldId id="304" r:id="rId51"/>
-    <p:sldId id="329" r:id="rId52"/>
-    <p:sldId id="327" r:id="rId53"/>
-    <p:sldId id="305" r:id="rId54"/>
-    <p:sldId id="332" r:id="rId55"/>
-    <p:sldId id="306" r:id="rId56"/>
-    <p:sldId id="335" r:id="rId57"/>
-    <p:sldId id="307" r:id="rId58"/>
-    <p:sldId id="328" r:id="rId59"/>
-    <p:sldId id="309" r:id="rId60"/>
-    <p:sldId id="310" r:id="rId61"/>
-    <p:sldId id="311" r:id="rId62"/>
-    <p:sldId id="313" r:id="rId63"/>
-    <p:sldId id="314" r:id="rId64"/>
-    <p:sldId id="315" r:id="rId65"/>
-    <p:sldId id="337" r:id="rId66"/>
-    <p:sldId id="317" r:id="rId67"/>
-    <p:sldId id="318" r:id="rId68"/>
-    <p:sldId id="319" r:id="rId69"/>
-    <p:sldId id="320" r:id="rId70"/>
-    <p:sldId id="321" r:id="rId71"/>
-    <p:sldId id="322" r:id="rId72"/>
-    <p:sldId id="323" r:id="rId73"/>
-    <p:sldId id="324" r:id="rId74"/>
-    <p:sldId id="325" r:id="rId75"/>
-    <p:sldId id="326" r:id="rId76"/>
+    <p:sldId id="342" r:id="rId9"/>
+    <p:sldId id="266" r:id="rId10"/>
+    <p:sldId id="267" r:id="rId11"/>
+    <p:sldId id="268" r:id="rId12"/>
+    <p:sldId id="269" r:id="rId13"/>
+    <p:sldId id="270" r:id="rId14"/>
+    <p:sldId id="271" r:id="rId15"/>
+    <p:sldId id="272" r:id="rId16"/>
+    <p:sldId id="273" r:id="rId17"/>
+    <p:sldId id="274" r:id="rId18"/>
+    <p:sldId id="275" r:id="rId19"/>
+    <p:sldId id="276" r:id="rId20"/>
+    <p:sldId id="339" r:id="rId21"/>
+    <p:sldId id="338" r:id="rId22"/>
+    <p:sldId id="278" r:id="rId23"/>
+    <p:sldId id="279" r:id="rId24"/>
+    <p:sldId id="280" r:id="rId25"/>
+    <p:sldId id="281" r:id="rId26"/>
+    <p:sldId id="282" r:id="rId27"/>
+    <p:sldId id="283" r:id="rId28"/>
+    <p:sldId id="288" r:id="rId29"/>
+    <p:sldId id="284" r:id="rId30"/>
+    <p:sldId id="285" r:id="rId31"/>
+    <p:sldId id="286" r:id="rId32"/>
+    <p:sldId id="330" r:id="rId33"/>
+    <p:sldId id="287" r:id="rId34"/>
+    <p:sldId id="290" r:id="rId35"/>
+    <p:sldId id="331" r:id="rId36"/>
+    <p:sldId id="291" r:id="rId37"/>
+    <p:sldId id="289" r:id="rId38"/>
+    <p:sldId id="296" r:id="rId39"/>
+    <p:sldId id="292" r:id="rId40"/>
+    <p:sldId id="293" r:id="rId41"/>
+    <p:sldId id="294" r:id="rId42"/>
+    <p:sldId id="333" r:id="rId43"/>
+    <p:sldId id="334" r:id="rId44"/>
+    <p:sldId id="297" r:id="rId45"/>
+    <p:sldId id="298" r:id="rId46"/>
+    <p:sldId id="299" r:id="rId47"/>
+    <p:sldId id="300" r:id="rId48"/>
+    <p:sldId id="301" r:id="rId49"/>
+    <p:sldId id="302" r:id="rId50"/>
+    <p:sldId id="303" r:id="rId51"/>
+    <p:sldId id="340" r:id="rId52"/>
+    <p:sldId id="304" r:id="rId53"/>
+    <p:sldId id="329" r:id="rId54"/>
+    <p:sldId id="327" r:id="rId55"/>
+    <p:sldId id="305" r:id="rId56"/>
+    <p:sldId id="332" r:id="rId57"/>
+    <p:sldId id="306" r:id="rId58"/>
+    <p:sldId id="335" r:id="rId59"/>
+    <p:sldId id="307" r:id="rId60"/>
+    <p:sldId id="328" r:id="rId61"/>
+    <p:sldId id="341" r:id="rId62"/>
+    <p:sldId id="309" r:id="rId63"/>
+    <p:sldId id="310" r:id="rId64"/>
+    <p:sldId id="311" r:id="rId65"/>
+    <p:sldId id="313" r:id="rId66"/>
+    <p:sldId id="314" r:id="rId67"/>
+    <p:sldId id="315" r:id="rId68"/>
+    <p:sldId id="337" r:id="rId69"/>
+    <p:sldId id="317" r:id="rId70"/>
+    <p:sldId id="318" r:id="rId71"/>
+    <p:sldId id="319" r:id="rId72"/>
+    <p:sldId id="320" r:id="rId73"/>
+    <p:sldId id="321" r:id="rId74"/>
+    <p:sldId id="322" r:id="rId75"/>
+    <p:sldId id="323" r:id="rId76"/>
+    <p:sldId id="324" r:id="rId77"/>
+    <p:sldId id="325" r:id="rId78"/>
+    <p:sldId id="326" r:id="rId79"/>
   </p:sldIdLst>
   <p:sldSz cx="9144000" cy="6858000" type="screen4x3"/>
   <p:notesSz cx="6858000" cy="9144000"/>
@@ -375,7 +378,7 @@
             <a:fld id="{8D49A9A6-EEBE-4A10-B375-E3DE23A9130F}" type="datetimeFigureOut">
               <a:rPr lang="en-US" altLang="en-US"/>
               <a:pPr/>
-              <a:t>12/7/2014</a:t>
+              <a:t>12/9/2014</a:t>
             </a:fld>
             <a:endParaRPr lang="en-US" altLang="en-US"/>
           </a:p>
@@ -1320,7 +1323,7 @@
             <a:fld id="{9F4783CB-4C08-4D00-BD8C-103BE55DB799}" type="slidenum">
               <a:rPr lang="en-US" altLang="en-US" smtClean="0"/>
               <a:pPr/>
-              <a:t>30</a:t>
+              <a:t>31</a:t>
             </a:fld>
             <a:endParaRPr lang="en-US" altLang="en-US"/>
           </a:p>
@@ -1489,7 +1492,7 @@
             <a:fld id="{9F4783CB-4C08-4D00-BD8C-103BE55DB799}" type="slidenum">
               <a:rPr lang="en-US" altLang="en-US" smtClean="0"/>
               <a:pPr/>
-              <a:t>65</a:t>
+              <a:t>68</a:t>
             </a:fld>
             <a:endParaRPr lang="en-US" altLang="en-US"/>
           </a:p>
@@ -1652,7 +1655,7 @@
             <a:fld id="{9F4783CB-4C08-4D00-BD8C-103BE55DB799}" type="slidenum">
               <a:rPr lang="en-US" altLang="en-US" smtClean="0"/>
               <a:pPr/>
-              <a:t>66</a:t>
+              <a:t>69</a:t>
             </a:fld>
             <a:endParaRPr lang="en-US" altLang="en-US"/>
           </a:p>
@@ -1934,7 +1937,7 @@
                 <a:latin typeface="Times New Roman" panose="02020603050405020304" pitchFamily="18" charset="0"/>
               </a:rPr>
               <a:pPr eaLnBrk="1" hangingPunct="1"/>
-              <a:t>73</a:t>
+              <a:t>76</a:t>
             </a:fld>
             <a:endParaRPr lang="en-US" altLang="en-US" sz="1200">
               <a:solidFill>
@@ -2314,7 +2317,7 @@
                 <a:latin typeface="Times New Roman" panose="02020603050405020304" pitchFamily="18" charset="0"/>
               </a:rPr>
               <a:pPr eaLnBrk="1" hangingPunct="1"/>
-              <a:t>74</a:t>
+              <a:t>77</a:t>
             </a:fld>
             <a:endParaRPr lang="en-US" altLang="en-US" sz="1200">
               <a:solidFill>
@@ -2694,7 +2697,7 @@
                 <a:latin typeface="Times New Roman" panose="02020603050405020304" pitchFamily="18" charset="0"/>
               </a:rPr>
               <a:pPr eaLnBrk="1" hangingPunct="1"/>
-              <a:t>75</a:t>
+              <a:t>78</a:t>
             </a:fld>
             <a:endParaRPr lang="en-US" altLang="en-US" sz="1200">
               <a:solidFill>
@@ -5951,7 +5954,9 @@
             <a:r>
               <a:rPr lang="en-US" dirty="0">
                 <a:solidFill>
-                  <a:schemeClr val="tx1"/>
+                  <a:schemeClr val="bg2">
+                    <a:lumMod val="75000"/>
+                  </a:schemeClr>
                 </a:solidFill>
               </a:rPr>
               <a:t>JOBFINDER: </a:t>
@@ -5959,7 +5964,9 @@
             <a:r>
               <a:rPr lang="en-US" dirty="0" smtClean="0">
                 <a:solidFill>
-                  <a:schemeClr val="tx1"/>
+                  <a:schemeClr val="bg2">
+                    <a:lumMod val="75000"/>
+                  </a:schemeClr>
                 </a:solidFill>
               </a:rPr>
               <a:t/>
@@ -5967,14 +5974,18 @@
             <a:br>
               <a:rPr lang="en-US" dirty="0" smtClean="0">
                 <a:solidFill>
-                  <a:schemeClr val="tx1"/>
+                  <a:schemeClr val="bg2">
+                    <a:lumMod val="75000"/>
+                  </a:schemeClr>
                 </a:solidFill>
               </a:rPr>
             </a:br>
             <a:r>
               <a:rPr lang="en-US" dirty="0" smtClean="0">
                 <a:solidFill>
-                  <a:schemeClr val="tx1"/>
+                  <a:schemeClr val="bg2">
+                    <a:lumMod val="75000"/>
+                  </a:schemeClr>
                 </a:solidFill>
               </a:rPr>
               <a:t>A </a:t>
@@ -5982,7 +5993,9 @@
             <a:r>
               <a:rPr lang="en-US" dirty="0">
                 <a:solidFill>
-                  <a:schemeClr val="tx1"/>
+                  <a:schemeClr val="bg2">
+                    <a:lumMod val="75000"/>
+                  </a:schemeClr>
                 </a:solidFill>
               </a:rPr>
               <a:t>PERSONALIZED </a:t>
@@ -5990,7 +6003,9 @@
             <a:r>
               <a:rPr lang="en-US" dirty="0" smtClean="0">
                 <a:solidFill>
-                  <a:schemeClr val="tx1"/>
+                  <a:schemeClr val="bg2">
+                    <a:lumMod val="75000"/>
+                  </a:schemeClr>
                 </a:solidFill>
               </a:rPr>
               <a:t>RÉ</a:t>
@@ -5998,7 +6013,9 @@
             <a:r>
               <a:rPr lang="en-US" altLang="zh-CN" dirty="0" smtClean="0">
                 <a:solidFill>
-                  <a:schemeClr val="tx1"/>
+                  <a:schemeClr val="bg2">
+                    <a:lumMod val="75000"/>
+                  </a:schemeClr>
                 </a:solidFill>
               </a:rPr>
               <a:t>SUM</a:t>
@@ -6006,7 +6023,9 @@
             <a:r>
               <a:rPr lang="en-US" dirty="0">
                 <a:solidFill>
-                  <a:schemeClr val="tx1"/>
+                  <a:schemeClr val="bg2">
+                    <a:lumMod val="75000"/>
+                  </a:schemeClr>
                 </a:solidFill>
               </a:rPr>
               <a:t>É – JOB MATCHING SYSTEM</a:t>
@@ -6071,6 +6090,182 @@
         </p:nvSpPr>
         <p:spPr>
           <a:xfrm>
+            <a:off x="481084" y="1981201"/>
+            <a:ext cx="8228013" cy="4038600"/>
+          </a:xfrm>
+        </p:spPr>
+        <p:txBody>
+          <a:bodyPr/>
+          <a:lstStyle/>
+          <a:p>
+            <a:r>
+              <a:rPr lang="en-US" sz="2800" dirty="0" smtClean="0"/>
+              <a:t>CASPER  (Rafter et. al. 2000)</a:t>
+            </a:r>
+          </a:p>
+          <a:p>
+            <a:r>
+              <a:rPr lang="en-US" sz="2800" dirty="0" smtClean="0"/>
+              <a:t>Collaborative </a:t>
+            </a:r>
+            <a:r>
+              <a:rPr lang="en-US" sz="2800" dirty="0"/>
+              <a:t>Filtering </a:t>
+            </a:r>
+            <a:r>
+              <a:rPr lang="en-US" sz="2800" dirty="0" smtClean="0"/>
+              <a:t>based Job Recommender System</a:t>
+            </a:r>
+            <a:r>
+              <a:rPr lang="en-US" altLang="zh-CN" sz="2800" dirty="0" smtClean="0"/>
+              <a:t> </a:t>
+            </a:r>
+            <a:endParaRPr lang="en-US" altLang="zh-CN" sz="2800" dirty="0" smtClean="0"/>
+          </a:p>
+          <a:p>
+            <a:r>
+              <a:rPr lang="en-US" sz="2800" dirty="0" smtClean="0"/>
+              <a:t>Get User’s profile from server-log:  </a:t>
+            </a:r>
+          </a:p>
+          <a:p>
+            <a:pPr lvl="1"/>
+            <a:r>
+              <a:rPr lang="en-US" sz="2400" dirty="0" smtClean="0"/>
+              <a:t>Jobs visited </a:t>
+            </a:r>
+          </a:p>
+          <a:p>
+            <a:pPr lvl="1"/>
+            <a:r>
+              <a:rPr lang="en-US" sz="2400" dirty="0" smtClean="0"/>
+              <a:t>Read time</a:t>
+            </a:r>
+          </a:p>
+          <a:p>
+            <a:pPr lvl="1"/>
+            <a:r>
+              <a:rPr lang="en-US" sz="2400" dirty="0" smtClean="0"/>
+              <a:t>Jobs Applied</a:t>
+            </a:r>
+            <a:r>
+              <a:rPr lang="en-US" sz="2400" dirty="0" smtClean="0"/>
+              <a:t> </a:t>
+            </a:r>
+            <a:endParaRPr lang="en-US" sz="2400" dirty="0" smtClean="0"/>
+          </a:p>
+          <a:p>
+            <a:pPr lvl="1"/>
+            <a:r>
+              <a:rPr lang="en-US" sz="2400" dirty="0" smtClean="0"/>
+              <a:t> </a:t>
+            </a:r>
+          </a:p>
+          <a:p>
+            <a:endParaRPr lang="en-US" dirty="0"/>
+          </a:p>
+        </p:txBody>
+      </p:sp>
+      <p:sp>
+        <p:nvSpPr>
+          <p:cNvPr id="3" name="Title 2"/>
+          <p:cNvSpPr>
+            <a:spLocks noGrp="1"/>
+          </p:cNvSpPr>
+          <p:nvPr>
+            <p:ph type="title"/>
+          </p:nvPr>
+        </p:nvSpPr>
+        <p:spPr>
+          <a:xfrm>
+            <a:off x="481084" y="838200"/>
+            <a:ext cx="7343775" cy="994172"/>
+          </a:xfrm>
+        </p:spPr>
+        <p:txBody>
+          <a:bodyPr/>
+          <a:lstStyle/>
+          <a:p>
+            <a:r>
+              <a:rPr lang="en-US" dirty="0" smtClean="0">
+                <a:solidFill>
+                  <a:schemeClr val="bg2">
+                    <a:lumMod val="75000"/>
+                  </a:schemeClr>
+                </a:solidFill>
+              </a:rPr>
+              <a:t>Previous </a:t>
+            </a:r>
+            <a:r>
+              <a:rPr lang="en-US" dirty="0">
+                <a:solidFill>
+                  <a:schemeClr val="bg2">
+                    <a:lumMod val="75000"/>
+                  </a:schemeClr>
+                </a:solidFill>
+              </a:rPr>
+              <a:t>work – CASPER </a:t>
+            </a:r>
+          </a:p>
+        </p:txBody>
+      </p:sp>
+    </p:spTree>
+    <p:extLst>
+      <p:ext uri="{BB962C8B-B14F-4D97-AF65-F5344CB8AC3E}">
+        <p14:creationId xmlns:p14="http://schemas.microsoft.com/office/powerpoint/2010/main" val="272162646"/>
+      </p:ext>
+    </p:extLst>
+  </p:cSld>
+  <p:clrMapOvr>
+    <a:masterClrMapping/>
+  </p:clrMapOvr>
+  <mc:AlternateContent xmlns:mc="http://schemas.openxmlformats.org/markup-compatibility/2006" xmlns:p14="http://schemas.microsoft.com/office/powerpoint/2010/main">
+    <mc:Choice Requires="p14">
+      <p:transition spd="slow" p14:dur="2000"/>
+    </mc:Choice>
+    <mc:Fallback xmlns="">
+      <p:transition spd="slow"/>
+    </mc:Fallback>
+  </mc:AlternateContent>
+  <p:timing>
+    <p:tnLst>
+      <p:par>
+        <p:cTn id="1" dur="indefinite" restart="never" nodeType="tmRoot"/>
+      </p:par>
+    </p:tnLst>
+  </p:timing>
+</p:sld>
+</file>
+
+<file path=ppt/slides/slide11.xml><?xml version="1.0" encoding="utf-8"?>
+<p:sld xmlns:a="http://schemas.openxmlformats.org/drawingml/2006/main" xmlns:r="http://schemas.openxmlformats.org/officeDocument/2006/relationships" xmlns:p="http://schemas.openxmlformats.org/presentationml/2006/main">
+  <p:cSld>
+    <p:spTree>
+      <p:nvGrpSpPr>
+        <p:cNvPr id="1" name=""/>
+        <p:cNvGrpSpPr/>
+        <p:nvPr/>
+      </p:nvGrpSpPr>
+      <p:grpSpPr>
+        <a:xfrm>
+          <a:off x="0" y="0"/>
+          <a:ext cx="0" cy="0"/>
+          <a:chOff x="0" y="0"/>
+          <a:chExt cx="0" cy="0"/>
+        </a:xfrm>
+      </p:grpSpPr>
+      <p:sp>
+        <p:nvSpPr>
+          <p:cNvPr id="2" name="Content Placeholder 1"/>
+          <p:cNvSpPr>
+            <a:spLocks noGrp="1"/>
+          </p:cNvSpPr>
+          <p:nvPr>
+            <p:ph idx="1"/>
+          </p:nvPr>
+        </p:nvSpPr>
+        <p:spPr>
+          <a:xfrm>
             <a:off x="1017029" y="3945799"/>
             <a:ext cx="7343775" cy="3263504"/>
           </a:xfrm>
@@ -6086,24 +6281,30 @@
             <a:endParaRPr lang="en-US" sz="2800" dirty="0" smtClean="0"/>
           </a:p>
           <a:p>
-            <a:pPr lvl="1"/>
-            <a:r>
-              <a:rPr lang="en-US" sz="2400" dirty="0" smtClean="0"/>
+            <a:pPr marL="914400" lvl="1" indent="-457200">
+              <a:buFont typeface="Arial" panose="020B0604020202020204" pitchFamily="34" charset="0"/>
+              <a:buChar char="•"/>
+            </a:pPr>
+            <a:r>
+              <a:rPr lang="en-US" dirty="0" smtClean="0"/>
               <a:t>Cold </a:t>
             </a:r>
             <a:r>
-              <a:rPr lang="en-US" sz="2400" dirty="0"/>
+              <a:rPr lang="en-US" dirty="0"/>
               <a:t>start</a:t>
             </a:r>
           </a:p>
           <a:p>
-            <a:pPr lvl="1"/>
-            <a:r>
-              <a:rPr lang="en-US" sz="2400" dirty="0" smtClean="0"/>
+            <a:pPr marL="914400" lvl="1" indent="-457200">
+              <a:buFont typeface="Arial" panose="020B0604020202020204" pitchFamily="34" charset="0"/>
+              <a:buChar char="•"/>
+            </a:pPr>
+            <a:r>
+              <a:rPr lang="en-US" dirty="0" smtClean="0"/>
               <a:t>Sparseness </a:t>
             </a:r>
             <a:r>
-              <a:rPr lang="en-US" sz="2400" dirty="0"/>
+              <a:rPr lang="en-US" dirty="0"/>
               <a:t>of users’ profiles</a:t>
             </a:r>
           </a:p>
@@ -6145,7 +6346,9 @@
             <a:r>
               <a:rPr lang="en-US" dirty="0" smtClean="0">
                 <a:solidFill>
-                  <a:schemeClr val="tx1"/>
+                  <a:schemeClr val="bg2">
+                    <a:lumMod val="75000"/>
+                  </a:schemeClr>
                 </a:solidFill>
               </a:rPr>
               <a:t>Previous </a:t>
@@ -6153,7 +6356,9 @@
             <a:r>
               <a:rPr lang="en-US" dirty="0">
                 <a:solidFill>
-                  <a:schemeClr val="tx1"/>
+                  <a:schemeClr val="bg2">
+                    <a:lumMod val="75000"/>
+                  </a:schemeClr>
                 </a:solidFill>
               </a:rPr>
               <a:t>work – CASPER </a:t>
@@ -6237,7 +6442,7 @@
 </p:sld>
 </file>
 
-<file path=ppt/slides/slide11.xml><?xml version="1.0" encoding="utf-8"?>
+<file path=ppt/slides/slide12.xml><?xml version="1.0" encoding="utf-8"?>
 <p:sld xmlns:a="http://schemas.openxmlformats.org/drawingml/2006/main" xmlns:r="http://schemas.openxmlformats.org/officeDocument/2006/relationships" xmlns:p="http://schemas.openxmlformats.org/presentationml/2006/main">
   <p:cSld>
     <p:spTree>
@@ -6294,18 +6499,23 @@
             </a:r>
             <a:r>
               <a:rPr lang="en-US" sz="2800" dirty="0" smtClean="0"/>
-              <a:t>– based </a:t>
-            </a:r>
-            <a:r>
-              <a:rPr lang="en-US" sz="2800" dirty="0"/>
-              <a:t>Recommendation </a:t>
-            </a:r>
+              <a:t>– based Recommendation </a:t>
+            </a:r>
+            <a:endParaRPr lang="en-US" sz="2800" dirty="0"/>
           </a:p>
           <a:p>
             <a:pPr lvl="1"/>
             <a:r>
               <a:rPr lang="en-US" sz="2400" dirty="0"/>
-              <a:t>Similarity is computed using Latent Semantic Analysis (LSA) </a:t>
+              <a:t>Similarity is computed </a:t>
+            </a:r>
+            <a:r>
+              <a:rPr lang="en-US" sz="2400" dirty="0" smtClean="0"/>
+              <a:t>using </a:t>
+            </a:r>
+            <a:r>
+              <a:rPr lang="en-US" sz="2400" dirty="0"/>
+              <a:t>Latent Semantic Analysis (LSA) </a:t>
             </a:r>
           </a:p>
           <a:p>
@@ -6354,7 +6564,9 @@
             <a:r>
               <a:rPr lang="en-US" dirty="0" smtClean="0">
                 <a:solidFill>
-                  <a:schemeClr val="tx1"/>
+                  <a:schemeClr val="bg2">
+                    <a:lumMod val="75000"/>
+                  </a:schemeClr>
                 </a:solidFill>
               </a:rPr>
               <a:t>Previous </a:t>
@@ -6362,7 +6574,9 @@
             <a:r>
               <a:rPr lang="en-US" dirty="0">
                 <a:solidFill>
-                  <a:schemeClr val="tx1"/>
+                  <a:schemeClr val="bg2">
+                    <a:lumMod val="75000"/>
+                  </a:schemeClr>
                 </a:solidFill>
               </a:rPr>
               <a:t>work </a:t>
@@ -6370,7 +6584,9 @@
             <a:r>
               <a:rPr lang="en-US" dirty="0" smtClean="0">
                 <a:solidFill>
-                  <a:schemeClr val="tx1"/>
+                  <a:schemeClr val="bg2">
+                    <a:lumMod val="75000"/>
+                  </a:schemeClr>
                 </a:solidFill>
               </a:rPr>
               <a:t>– </a:t>
@@ -6378,21 +6594,27 @@
             <a:br>
               <a:rPr lang="en-US" dirty="0" smtClean="0">
                 <a:solidFill>
-                  <a:schemeClr val="tx1"/>
+                  <a:schemeClr val="bg2">
+                    <a:lumMod val="75000"/>
+                  </a:schemeClr>
                 </a:solidFill>
               </a:rPr>
             </a:br>
             <a:r>
               <a:rPr lang="en-US" dirty="0" smtClean="0">
                 <a:solidFill>
-                  <a:schemeClr val="tx1"/>
+                  <a:schemeClr val="bg2">
+                    <a:lumMod val="75000"/>
+                  </a:schemeClr>
                 </a:solidFill>
               </a:rPr>
               <a:t>Hybrid Recommender System</a:t>
             </a:r>
             <a:endParaRPr lang="en-US" dirty="0">
               <a:solidFill>
-                <a:schemeClr val="tx1"/>
+                <a:schemeClr val="bg2">
+                  <a:lumMod val="75000"/>
+                </a:schemeClr>
               </a:solidFill>
             </a:endParaRPr>
           </a:p>
@@ -6402,177 +6624,6 @@
     <p:extLst>
       <p:ext uri="{BB962C8B-B14F-4D97-AF65-F5344CB8AC3E}">
         <p14:creationId xmlns:p14="http://schemas.microsoft.com/office/powerpoint/2010/main" val="1048949844"/>
-      </p:ext>
-    </p:extLst>
-  </p:cSld>
-  <p:clrMapOvr>
-    <a:masterClrMapping/>
-  </p:clrMapOvr>
-  <mc:AlternateContent xmlns:mc="http://schemas.openxmlformats.org/markup-compatibility/2006" xmlns:p14="http://schemas.microsoft.com/office/powerpoint/2010/main">
-    <mc:Choice Requires="p14">
-      <p:transition spd="slow" p14:dur="2000"/>
-    </mc:Choice>
-    <mc:Fallback xmlns="">
-      <p:transition spd="slow"/>
-    </mc:Fallback>
-  </mc:AlternateContent>
-  <p:timing>
-    <p:tnLst>
-      <p:par>
-        <p:cTn id="1" dur="indefinite" restart="never" nodeType="tmRoot"/>
-      </p:par>
-    </p:tnLst>
-  </p:timing>
-</p:sld>
-</file>
-
-<file path=ppt/slides/slide12.xml><?xml version="1.0" encoding="utf-8"?>
-<p:sld xmlns:a="http://schemas.openxmlformats.org/drawingml/2006/main" xmlns:r="http://schemas.openxmlformats.org/officeDocument/2006/relationships" xmlns:p="http://schemas.openxmlformats.org/presentationml/2006/main">
-  <p:cSld>
-    <p:spTree>
-      <p:nvGrpSpPr>
-        <p:cNvPr id="1" name=""/>
-        <p:cNvGrpSpPr/>
-        <p:nvPr/>
-      </p:nvGrpSpPr>
-      <p:grpSpPr>
-        <a:xfrm>
-          <a:off x="0" y="0"/>
-          <a:ext cx="0" cy="0"/>
-          <a:chOff x="0" y="0"/>
-          <a:chExt cx="0" cy="0"/>
-        </a:xfrm>
-      </p:grpSpPr>
-      <p:sp>
-        <p:nvSpPr>
-          <p:cNvPr id="2" name="Content Placeholder 1"/>
-          <p:cNvSpPr>
-            <a:spLocks noGrp="1"/>
-          </p:cNvSpPr>
-          <p:nvPr>
-            <p:ph idx="1"/>
-          </p:nvPr>
-        </p:nvSpPr>
-        <p:spPr>
-          <a:xfrm>
-            <a:off x="621003" y="2125266"/>
-            <a:ext cx="7343775" cy="3263504"/>
-          </a:xfrm>
-        </p:spPr>
-        <p:txBody>
-          <a:bodyPr/>
-          <a:lstStyle/>
-          <a:p>
-            <a:endParaRPr lang="en-US" dirty="0" smtClean="0"/>
-          </a:p>
-          <a:p>
-            <a:endParaRPr lang="en-US" dirty="0" smtClean="0"/>
-          </a:p>
-          <a:p>
-            <a:endParaRPr lang="en-US" dirty="0" smtClean="0"/>
-          </a:p>
-          <a:p>
-            <a:endParaRPr lang="en-US" dirty="0"/>
-          </a:p>
-        </p:txBody>
-      </p:sp>
-      <p:sp>
-        <p:nvSpPr>
-          <p:cNvPr id="3" name="Title 2"/>
-          <p:cNvSpPr>
-            <a:spLocks noGrp="1"/>
-          </p:cNvSpPr>
-          <p:nvPr>
-            <p:ph type="title"/>
-          </p:nvPr>
-        </p:nvSpPr>
-        <p:spPr>
-          <a:xfrm>
-            <a:off x="540913" y="1131094"/>
-            <a:ext cx="7974437" cy="994172"/>
-          </a:xfrm>
-        </p:spPr>
-        <p:txBody>
-          <a:bodyPr>
-            <a:normAutofit fontScale="90000"/>
-          </a:bodyPr>
-          <a:lstStyle/>
-          <a:p>
-            <a:r>
-              <a:rPr lang="en-US" dirty="0" smtClean="0">
-                <a:solidFill>
-                  <a:schemeClr val="tx1"/>
-                </a:solidFill>
-              </a:rPr>
-              <a:t>Previous </a:t>
-            </a:r>
-            <a:r>
-              <a:rPr lang="en-US" dirty="0">
-                <a:solidFill>
-                  <a:schemeClr val="tx1"/>
-                </a:solidFill>
-              </a:rPr>
-              <a:t>work </a:t>
-            </a:r>
-            <a:r>
-              <a:rPr lang="en-US" dirty="0" smtClean="0">
-                <a:solidFill>
-                  <a:schemeClr val="tx1"/>
-                </a:solidFill>
-              </a:rPr>
-              <a:t/>
-            </a:r>
-            <a:br>
-              <a:rPr lang="en-US" dirty="0" smtClean="0">
-                <a:solidFill>
-                  <a:schemeClr val="tx1"/>
-                </a:solidFill>
-              </a:rPr>
-            </a:br>
-            <a:r>
-              <a:rPr lang="en-US" dirty="0" smtClean="0">
-                <a:solidFill>
-                  <a:schemeClr val="tx1"/>
-                </a:solidFill>
-              </a:rPr>
-              <a:t>– Hybrid Recommender System</a:t>
-            </a:r>
-            <a:endParaRPr lang="en-US" dirty="0">
-              <a:solidFill>
-                <a:schemeClr val="tx1"/>
-              </a:solidFill>
-            </a:endParaRPr>
-          </a:p>
-        </p:txBody>
-      </p:sp>
-      <p:pic>
-        <p:nvPicPr>
-          <p:cNvPr id="4" name="Picture 3"/>
-          <p:cNvPicPr>
-            <a:picLocks noChangeAspect="1"/>
-          </p:cNvPicPr>
-          <p:nvPr/>
-        </p:nvPicPr>
-        <p:blipFill>
-          <a:blip r:embed="rId2"/>
-          <a:stretch>
-            <a:fillRect/>
-          </a:stretch>
-        </p:blipFill>
-        <p:spPr>
-          <a:xfrm>
-            <a:off x="1524000" y="2573786"/>
-            <a:ext cx="5587393" cy="3810000"/>
-          </a:xfrm>
-          <a:prstGeom prst="rect">
-            <a:avLst/>
-          </a:prstGeom>
-        </p:spPr>
-      </p:pic>
-    </p:spTree>
-    <p:extLst>
-      <p:ext uri="{BB962C8B-B14F-4D97-AF65-F5344CB8AC3E}">
-        <p14:creationId xmlns:p14="http://schemas.microsoft.com/office/powerpoint/2010/main" val="2653903548"/>
       </p:ext>
     </p:extLst>
   </p:cSld>
@@ -6626,66 +6677,18 @@
         </p:nvSpPr>
         <p:spPr>
           <a:xfrm>
-            <a:off x="609600" y="2286000"/>
-            <a:ext cx="7343775" cy="4275534"/>
+            <a:off x="621003" y="2125266"/>
+            <a:ext cx="7343775" cy="3263504"/>
           </a:xfrm>
         </p:spPr>
         <p:txBody>
           <a:bodyPr/>
           <a:lstStyle/>
           <a:p>
-            <a:r>
-              <a:rPr lang="en-US" altLang="zh-CN" sz="2400" dirty="0"/>
-              <a:t>Recommend Job  C  to Peter because Yao  liked  Job  C, </a:t>
-            </a:r>
-            <a:r>
-              <a:rPr lang="en-US" altLang="zh-CN" sz="2400" dirty="0" smtClean="0"/>
-              <a:t>and </a:t>
-            </a:r>
-            <a:r>
-              <a:rPr lang="en-US" altLang="zh-CN" sz="2400" dirty="0"/>
-              <a:t>Peter and Yao have similar profiles;</a:t>
-            </a:r>
-          </a:p>
-          <a:p>
-            <a:r>
-              <a:rPr lang="en-US" altLang="zh-CN" sz="2400" dirty="0" smtClean="0"/>
-              <a:t>Recommend </a:t>
-            </a:r>
-            <a:r>
-              <a:rPr lang="en-US" altLang="zh-CN" sz="2400" dirty="0"/>
-              <a:t>Job  A  to  Peter  because  Peter  applied for </a:t>
-            </a:r>
-            <a:r>
-              <a:rPr lang="en-US" altLang="zh-CN" sz="2400" dirty="0" smtClean="0"/>
-              <a:t>Job </a:t>
-            </a:r>
-            <a:r>
-              <a:rPr lang="en-US" altLang="zh-CN" sz="2400" dirty="0"/>
-              <a:t>B, and Job A and Job B are </a:t>
-            </a:r>
-            <a:r>
-              <a:rPr lang="en-US" altLang="zh-CN" sz="2400" dirty="0" smtClean="0"/>
-              <a:t>similar;</a:t>
-            </a:r>
-          </a:p>
-          <a:p>
-            <a:r>
-              <a:rPr lang="en-US" altLang="zh-CN" sz="2400" dirty="0" smtClean="0"/>
-              <a:t>Recommend </a:t>
-            </a:r>
-            <a:r>
-              <a:rPr lang="en-US" altLang="zh-CN" sz="2400" dirty="0"/>
-              <a:t>Employer 3 to Peter because Peter </a:t>
-            </a:r>
-            <a:r>
-              <a:rPr lang="en-US" altLang="zh-CN" sz="2400" dirty="0" smtClean="0"/>
-              <a:t>applied for </a:t>
-            </a:r>
-            <a:r>
-              <a:rPr lang="en-US" altLang="zh-CN" sz="2400" dirty="0"/>
-              <a:t>Job B and Job B is posted by Employer 3;</a:t>
-            </a:r>
+            <a:endParaRPr lang="en-US" dirty="0" smtClean="0"/>
+          </a:p>
+          <a:p>
+            <a:endParaRPr lang="en-US" dirty="0" smtClean="0"/>
           </a:p>
           <a:p>
             <a:endParaRPr lang="en-US" dirty="0" smtClean="0"/>
@@ -6707,7 +6710,7 @@
         </p:nvSpPr>
         <p:spPr>
           <a:xfrm>
-            <a:off x="457200" y="990600"/>
+            <a:off x="1066800" y="1035864"/>
             <a:ext cx="7974437" cy="994172"/>
           </a:xfrm>
         </p:spPr>
@@ -6720,7 +6723,9 @@
             <a:r>
               <a:rPr lang="en-US" dirty="0" smtClean="0">
                 <a:solidFill>
-                  <a:schemeClr val="tx1"/>
+                  <a:schemeClr val="bg2">
+                    <a:lumMod val="75000"/>
+                  </a:schemeClr>
                 </a:solidFill>
               </a:rPr>
               <a:t>Previous </a:t>
@@ -6728,7 +6733,9 @@
             <a:r>
               <a:rPr lang="en-US" dirty="0">
                 <a:solidFill>
-                  <a:schemeClr val="tx1"/>
+                  <a:schemeClr val="bg2">
+                    <a:lumMod val="75000"/>
+                  </a:schemeClr>
                 </a:solidFill>
               </a:rPr>
               <a:t>work </a:t>
@@ -6736,7 +6743,9 @@
             <a:r>
               <a:rPr lang="en-US" dirty="0" smtClean="0">
                 <a:solidFill>
-                  <a:schemeClr val="tx1"/>
+                  <a:schemeClr val="bg2">
+                    <a:lumMod val="75000"/>
+                  </a:schemeClr>
                 </a:solidFill>
               </a:rPr>
               <a:t/>
@@ -6744,30 +6753,60 @@
             <a:br>
               <a:rPr lang="en-US" dirty="0" smtClean="0">
                 <a:solidFill>
-                  <a:schemeClr val="tx1"/>
+                  <a:schemeClr val="bg2">
+                    <a:lumMod val="75000"/>
+                  </a:schemeClr>
                 </a:solidFill>
               </a:rPr>
             </a:br>
             <a:r>
               <a:rPr lang="en-US" dirty="0" smtClean="0">
                 <a:solidFill>
-                  <a:schemeClr val="tx1"/>
+                  <a:schemeClr val="bg2">
+                    <a:lumMod val="75000"/>
+                  </a:schemeClr>
                 </a:solidFill>
               </a:rPr>
               <a:t>– Hybrid Recommender System</a:t>
             </a:r>
             <a:endParaRPr lang="en-US" dirty="0">
               <a:solidFill>
-                <a:schemeClr val="tx1"/>
+                <a:schemeClr val="bg2">
+                  <a:lumMod val="75000"/>
+                </a:schemeClr>
               </a:solidFill>
             </a:endParaRPr>
           </a:p>
         </p:txBody>
       </p:sp>
+      <p:pic>
+        <p:nvPicPr>
+          <p:cNvPr id="4" name="Picture 3"/>
+          <p:cNvPicPr>
+            <a:picLocks noChangeAspect="1"/>
+          </p:cNvPicPr>
+          <p:nvPr/>
+        </p:nvPicPr>
+        <p:blipFill>
+          <a:blip r:embed="rId2"/>
+          <a:stretch>
+            <a:fillRect/>
+          </a:stretch>
+        </p:blipFill>
+        <p:spPr>
+          <a:xfrm>
+            <a:off x="1371600" y="2667000"/>
+            <a:ext cx="5587393" cy="3810000"/>
+          </a:xfrm>
+          <a:prstGeom prst="rect">
+            <a:avLst/>
+          </a:prstGeom>
+        </p:spPr>
+      </p:pic>
     </p:spTree>
     <p:extLst>
       <p:ext uri="{BB962C8B-B14F-4D97-AF65-F5344CB8AC3E}">
-        <p14:creationId xmlns:p14="http://schemas.microsoft.com/office/powerpoint/2010/main" val="3741680183"/>
+        <p14:creationId xmlns:p14="http://schemas.microsoft.com/office/powerpoint/2010/main" val="2653903548"/>
       </p:ext>
     </p:extLst>
   </p:cSld>
@@ -6793,7 +6832,7 @@
 </file>
 
 <file path=ppt/slides/slide14.xml><?xml version="1.0" encoding="utf-8"?>
-<p:sld xmlns:a="http://schemas.openxmlformats.org/drawingml/2006/main" xmlns:r="http://schemas.openxmlformats.org/officeDocument/2006/relationships" xmlns:p="http://schemas.openxmlformats.org/presentationml/2006/main">
+<p:sld xmlns:a="http://schemas.openxmlformats.org/drawingml/2006/main" xmlns:r="http://schemas.openxmlformats.org/officeDocument/2006/relationships" xmlns:p="http://schemas.openxmlformats.org/presentationml/2006/main" show="0">
   <p:cSld>
     <p:spTree>
       <p:nvGrpSpPr>
@@ -6821,8 +6860,8 @@
         </p:nvSpPr>
         <p:spPr>
           <a:xfrm>
-            <a:off x="609600" y="2667000"/>
-            <a:ext cx="8228013" cy="3084314"/>
+            <a:off x="609600" y="2286000"/>
+            <a:ext cx="7343775" cy="4275534"/>
           </a:xfrm>
         </p:spPr>
         <p:txBody>
@@ -6830,36 +6869,57 @@
           <a:lstStyle/>
           <a:p>
             <a:r>
-              <a:rPr lang="en-US" sz="2800" dirty="0"/>
-              <a:t>A system that aids in the shortlisting of candidates for jobs.</a:t>
-            </a:r>
-          </a:p>
-          <a:p>
-            <a:r>
-              <a:rPr lang="en-US" sz="2800" dirty="0"/>
-              <a:t>Using Conditional Random Fields (CRFs) model to extract the information from résumés</a:t>
-            </a:r>
-          </a:p>
-          <a:p>
-            <a:r>
-              <a:rPr lang="en-US" sz="2800" dirty="0"/>
-              <a:t>Filtering the candidates with </a:t>
-            </a:r>
-            <a:r>
-              <a:rPr lang="en-US" sz="2800" dirty="0" smtClean="0"/>
-              <a:t>criteria </a:t>
-            </a:r>
-            <a:endParaRPr lang="en-US" sz="2800" dirty="0"/>
-          </a:p>
-          <a:p>
-            <a:endParaRPr lang="en-US" dirty="0" smtClean="0"/>
-          </a:p>
-          <a:p>
-            <a:pPr marL="0" indent="0"/>
-            <a:endParaRPr lang="en-US" dirty="0" smtClean="0"/>
-          </a:p>
-          <a:p>
-            <a:endParaRPr lang="en-US" dirty="0" smtClean="0"/>
+              <a:rPr lang="en-US" altLang="zh-CN" sz="2400" dirty="0"/>
+              <a:t>Recommend Job  C  to Peter because Yao  liked  Job  C, </a:t>
+            </a:r>
+            <a:r>
+              <a:rPr lang="en-US" altLang="zh-CN" sz="2400" dirty="0" smtClean="0"/>
+              <a:t>and </a:t>
+            </a:r>
+            <a:r>
+              <a:rPr lang="en-US" altLang="zh-CN" sz="2400" dirty="0"/>
+              <a:t>Peter and Yao have similar profiles;</a:t>
+            </a:r>
+          </a:p>
+          <a:p>
+            <a:r>
+              <a:rPr lang="en-US" altLang="zh-CN" sz="2400" dirty="0" smtClean="0"/>
+              <a:t>Recommend </a:t>
+            </a:r>
+            <a:r>
+              <a:rPr lang="en-US" altLang="zh-CN" sz="2400" dirty="0"/>
+              <a:t>Job  A  to  Peter  because  Peter  applied for </a:t>
+            </a:r>
+            <a:r>
+              <a:rPr lang="en-US" altLang="zh-CN" sz="2400" dirty="0" smtClean="0"/>
+              <a:t>Job </a:t>
+            </a:r>
+            <a:r>
+              <a:rPr lang="en-US" altLang="zh-CN" sz="2400" dirty="0"/>
+              <a:t>B, and Job A and Job B are </a:t>
+            </a:r>
+            <a:r>
+              <a:rPr lang="en-US" altLang="zh-CN" sz="2400" dirty="0" smtClean="0"/>
+              <a:t>similar;</a:t>
+            </a:r>
+          </a:p>
+          <a:p>
+            <a:r>
+              <a:rPr lang="en-US" altLang="zh-CN" sz="2400" dirty="0" smtClean="0"/>
+              <a:t>Recommend </a:t>
+            </a:r>
+            <a:r>
+              <a:rPr lang="en-US" altLang="zh-CN" sz="2400" dirty="0"/>
+              <a:t>Employer 3 to Peter because Peter </a:t>
+            </a:r>
+            <a:r>
+              <a:rPr lang="en-US" altLang="zh-CN" sz="2400" dirty="0" smtClean="0"/>
+              <a:t>applied for </a:t>
+            </a:r>
+            <a:r>
+              <a:rPr lang="en-US" altLang="zh-CN" sz="2400" dirty="0"/>
+              <a:t>Job B and Job B is posted by Employer 3;</a:t>
+            </a:r>
           </a:p>
           <a:p>
             <a:endParaRPr lang="en-US" dirty="0" smtClean="0"/>
@@ -6881,12 +6941,14 @@
         </p:nvSpPr>
         <p:spPr>
           <a:xfrm>
-            <a:off x="609600" y="1066800"/>
-            <a:ext cx="7343775" cy="994172"/>
+            <a:off x="457200" y="990600"/>
+            <a:ext cx="7974437" cy="994172"/>
           </a:xfrm>
         </p:spPr>
         <p:txBody>
-          <a:bodyPr/>
+          <a:bodyPr>
+            <a:normAutofit fontScale="90000"/>
+          </a:bodyPr>
           <a:lstStyle/>
           <a:p>
             <a:r>
@@ -6926,7 +6988,7 @@
                   <a:schemeClr val="tx1"/>
                 </a:solidFill>
               </a:rPr>
-              <a:t>– IBM PROSPECT</a:t>
+              <a:t>– Hybrid Recommender System</a:t>
             </a:r>
             <a:endParaRPr lang="en-US" dirty="0">
               <a:solidFill>
@@ -6939,18 +7001,18 @@
     </p:spTree>
     <p:extLst>
       <p:ext uri="{BB962C8B-B14F-4D97-AF65-F5344CB8AC3E}">
-        <p14:creationId xmlns:p14="http://schemas.microsoft.com/office/powerpoint/2010/main" val="422383407"/>
+        <p14:creationId xmlns:p14="http://schemas.microsoft.com/office/powerpoint/2010/main" val="3741680183"/>
       </p:ext>
     </p:extLst>
   </p:cSld>
   <p:clrMapOvr>
     <a:masterClrMapping/>
   </p:clrMapOvr>
-  <mc:AlternateContent xmlns:mc="http://schemas.openxmlformats.org/markup-compatibility/2006" xmlns:p14="http://schemas.microsoft.com/office/powerpoint/2010/main">
-    <mc:Choice Requires="p14">
+  <mc:AlternateContent xmlns:mc="http://schemas.openxmlformats.org/markup-compatibility/2006">
+    <mc:Choice xmlns:p14="http://schemas.microsoft.com/office/powerpoint/2010/main" Requires="p14">
       <p:transition spd="slow" p14:dur="2000"/>
     </mc:Choice>
-    <mc:Fallback xmlns="">
+    <mc:Fallback>
       <p:transition spd="slow"/>
     </mc:Fallback>
   </mc:AlternateContent>
@@ -6991,6 +7053,194 @@
             <p:ph idx="1"/>
           </p:nvPr>
         </p:nvSpPr>
+        <p:spPr>
+          <a:xfrm>
+            <a:off x="609600" y="2667000"/>
+            <a:ext cx="8228013" cy="3084314"/>
+          </a:xfrm>
+        </p:spPr>
+        <p:txBody>
+          <a:bodyPr/>
+          <a:lstStyle/>
+          <a:p>
+            <a:r>
+              <a:rPr lang="en-US" sz="2800" dirty="0"/>
+              <a:t>A system that aids in the shortlisting of candidates for jobs.</a:t>
+            </a:r>
+          </a:p>
+          <a:p>
+            <a:r>
+              <a:rPr lang="en-US" sz="2800" dirty="0"/>
+              <a:t>Using Conditional Random Fields (CRFs) model to extract the information from résumés</a:t>
+            </a:r>
+          </a:p>
+          <a:p>
+            <a:r>
+              <a:rPr lang="en-US" sz="2800" dirty="0"/>
+              <a:t>Filtering the candidates with </a:t>
+            </a:r>
+            <a:r>
+              <a:rPr lang="en-US" sz="2800" dirty="0" err="1" smtClean="0"/>
+              <a:t>criterias</a:t>
+            </a:r>
+            <a:r>
+              <a:rPr lang="en-US" sz="2800" dirty="0" smtClean="0"/>
+              <a:t> </a:t>
+            </a:r>
+            <a:endParaRPr lang="en-US" sz="2800" dirty="0"/>
+          </a:p>
+          <a:p>
+            <a:endParaRPr lang="en-US" dirty="0" smtClean="0"/>
+          </a:p>
+          <a:p>
+            <a:pPr marL="0" indent="0"/>
+            <a:endParaRPr lang="en-US" dirty="0" smtClean="0"/>
+          </a:p>
+          <a:p>
+            <a:endParaRPr lang="en-US" dirty="0" smtClean="0"/>
+          </a:p>
+          <a:p>
+            <a:endParaRPr lang="en-US" dirty="0" smtClean="0"/>
+          </a:p>
+          <a:p>
+            <a:endParaRPr lang="en-US" dirty="0"/>
+          </a:p>
+        </p:txBody>
+      </p:sp>
+      <p:sp>
+        <p:nvSpPr>
+          <p:cNvPr id="3" name="Title 2"/>
+          <p:cNvSpPr>
+            <a:spLocks noGrp="1"/>
+          </p:cNvSpPr>
+          <p:nvPr>
+            <p:ph type="title"/>
+          </p:nvPr>
+        </p:nvSpPr>
+        <p:spPr>
+          <a:xfrm>
+            <a:off x="609600" y="1066800"/>
+            <a:ext cx="7343775" cy="994172"/>
+          </a:xfrm>
+        </p:spPr>
+        <p:txBody>
+          <a:bodyPr/>
+          <a:lstStyle/>
+          <a:p>
+            <a:r>
+              <a:rPr lang="en-US" dirty="0" smtClean="0">
+                <a:solidFill>
+                  <a:schemeClr val="bg2">
+                    <a:lumMod val="75000"/>
+                  </a:schemeClr>
+                </a:solidFill>
+              </a:rPr>
+              <a:t>Previous </a:t>
+            </a:r>
+            <a:r>
+              <a:rPr lang="en-US" dirty="0">
+                <a:solidFill>
+                  <a:schemeClr val="bg2">
+                    <a:lumMod val="75000"/>
+                  </a:schemeClr>
+                </a:solidFill>
+              </a:rPr>
+              <a:t>work </a:t>
+            </a:r>
+            <a:r>
+              <a:rPr lang="en-US" dirty="0" smtClean="0">
+                <a:solidFill>
+                  <a:schemeClr val="bg2">
+                    <a:lumMod val="75000"/>
+                  </a:schemeClr>
+                </a:solidFill>
+              </a:rPr>
+              <a:t/>
+            </a:r>
+            <a:br>
+              <a:rPr lang="en-US" dirty="0" smtClean="0">
+                <a:solidFill>
+                  <a:schemeClr val="bg2">
+                    <a:lumMod val="75000"/>
+                  </a:schemeClr>
+                </a:solidFill>
+              </a:rPr>
+            </a:br>
+            <a:r>
+              <a:rPr lang="en-US" dirty="0" smtClean="0">
+                <a:solidFill>
+                  <a:schemeClr val="bg2">
+                    <a:lumMod val="75000"/>
+                  </a:schemeClr>
+                </a:solidFill>
+              </a:rPr>
+              <a:t>– IBM PROSPECT</a:t>
+            </a:r>
+            <a:endParaRPr lang="en-US" dirty="0">
+              <a:solidFill>
+                <a:schemeClr val="bg2">
+                  <a:lumMod val="75000"/>
+                </a:schemeClr>
+              </a:solidFill>
+            </a:endParaRPr>
+          </a:p>
+        </p:txBody>
+      </p:sp>
+    </p:spTree>
+    <p:extLst>
+      <p:ext uri="{BB962C8B-B14F-4D97-AF65-F5344CB8AC3E}">
+        <p14:creationId xmlns:p14="http://schemas.microsoft.com/office/powerpoint/2010/main" val="422383407"/>
+      </p:ext>
+    </p:extLst>
+  </p:cSld>
+  <p:clrMapOvr>
+    <a:masterClrMapping/>
+  </p:clrMapOvr>
+  <mc:AlternateContent xmlns:mc="http://schemas.openxmlformats.org/markup-compatibility/2006" xmlns:p14="http://schemas.microsoft.com/office/powerpoint/2010/main">
+    <mc:Choice Requires="p14">
+      <p:transition spd="slow" p14:dur="2000"/>
+    </mc:Choice>
+    <mc:Fallback xmlns="">
+      <p:transition spd="slow"/>
+    </mc:Fallback>
+  </mc:AlternateContent>
+  <p:timing>
+    <p:tnLst>
+      <p:par>
+        <p:cTn id="1" dur="indefinite" restart="never" nodeType="tmRoot"/>
+      </p:par>
+    </p:tnLst>
+  </p:timing>
+</p:sld>
+</file>
+
+<file path=ppt/slides/slide16.xml><?xml version="1.0" encoding="utf-8"?>
+<p:sld xmlns:a="http://schemas.openxmlformats.org/drawingml/2006/main" xmlns:r="http://schemas.openxmlformats.org/officeDocument/2006/relationships" xmlns:p="http://schemas.openxmlformats.org/presentationml/2006/main">
+  <p:cSld>
+    <p:spTree>
+      <p:nvGrpSpPr>
+        <p:cNvPr id="1" name=""/>
+        <p:cNvGrpSpPr/>
+        <p:nvPr/>
+      </p:nvGrpSpPr>
+      <p:grpSpPr>
+        <a:xfrm>
+          <a:off x="0" y="0"/>
+          <a:ext cx="0" cy="0"/>
+          <a:chOff x="0" y="0"/>
+          <a:chExt cx="0" cy="0"/>
+        </a:xfrm>
+      </p:grpSpPr>
+      <p:sp>
+        <p:nvSpPr>
+          <p:cNvPr id="2" name="Content Placeholder 1"/>
+          <p:cNvSpPr>
+            <a:spLocks noGrp="1"/>
+          </p:cNvSpPr>
+          <p:nvPr>
+            <p:ph idx="1"/>
+          </p:nvPr>
+        </p:nvSpPr>
         <p:spPr/>
         <p:txBody>
           <a:bodyPr/>
@@ -7039,7 +7289,9 @@
             <a:r>
               <a:rPr lang="en-US" dirty="0" smtClean="0">
                 <a:solidFill>
-                  <a:schemeClr val="tx1"/>
+                  <a:schemeClr val="bg2">
+                    <a:lumMod val="75000"/>
+                  </a:schemeClr>
                 </a:solidFill>
               </a:rPr>
               <a:t>Previous </a:t>
@@ -7047,7 +7299,9 @@
             <a:r>
               <a:rPr lang="en-US" dirty="0">
                 <a:solidFill>
-                  <a:schemeClr val="tx1"/>
+                  <a:schemeClr val="bg2">
+                    <a:lumMod val="75000"/>
+                  </a:schemeClr>
                 </a:solidFill>
               </a:rPr>
               <a:t>work – PROSPECT</a:t>
@@ -7107,7 +7361,7 @@
 </p:sld>
 </file>
 
-<file path=ppt/slides/slide16.xml><?xml version="1.0" encoding="utf-8"?>
+<file path=ppt/slides/slide17.xml><?xml version="1.0" encoding="utf-8"?>
 <p:sld xmlns:a="http://schemas.openxmlformats.org/drawingml/2006/main" xmlns:r="http://schemas.openxmlformats.org/officeDocument/2006/relationships" xmlns:p="http://schemas.openxmlformats.org/presentationml/2006/main">
   <p:cSld>
     <p:spTree>
@@ -7151,21 +7405,16 @@
           </a:p>
           <a:p>
             <a:r>
-              <a:rPr lang="en-US" sz="2800" dirty="0"/>
-              <a:t>Resource Classification</a:t>
-            </a:r>
-          </a:p>
-          <a:p>
-            <a:r>
-              <a:rPr lang="en-US" sz="2800" dirty="0"/>
-              <a:t>Help recruiters to find </a:t>
-            </a:r>
-          </a:p>
-          <a:p>
-            <a:r>
-              <a:rPr lang="en-US" sz="2800" dirty="0"/>
-              <a:t>candidates</a:t>
-            </a:r>
+              <a:rPr lang="en-US" sz="2800" dirty="0" smtClean="0"/>
+              <a:t>Help managers to find</a:t>
+            </a:r>
+          </a:p>
+          <a:p>
+            <a:r>
+              <a:rPr lang="en-US" sz="2800" dirty="0" smtClean="0"/>
+              <a:t> right candidates</a:t>
+            </a:r>
+            <a:endParaRPr lang="en-US" sz="2800" dirty="0"/>
           </a:p>
           <a:p>
             <a:endParaRPr lang="en-US" dirty="0" smtClean="0"/>
@@ -7206,7 +7455,9 @@
             <a:r>
               <a:rPr lang="en-US" dirty="0" smtClean="0">
                 <a:solidFill>
-                  <a:schemeClr val="tx1"/>
+                  <a:schemeClr val="bg2">
+                    <a:lumMod val="75000"/>
+                  </a:schemeClr>
                 </a:solidFill>
               </a:rPr>
               <a:t>Previous </a:t>
@@ -7214,7 +7465,9 @@
             <a:r>
               <a:rPr lang="en-US" dirty="0">
                 <a:solidFill>
-                  <a:schemeClr val="tx1"/>
+                  <a:schemeClr val="bg2">
+                    <a:lumMod val="75000"/>
+                  </a:schemeClr>
                 </a:solidFill>
               </a:rPr>
               <a:t>work </a:t>
@@ -7222,7 +7475,9 @@
             <a:r>
               <a:rPr lang="en-US" dirty="0" smtClean="0">
                 <a:solidFill>
-                  <a:schemeClr val="tx1"/>
+                  <a:schemeClr val="bg2">
+                    <a:lumMod val="75000"/>
+                  </a:schemeClr>
                 </a:solidFill>
               </a:rPr>
               <a:t/>
@@ -7230,14 +7485,18 @@
             <a:br>
               <a:rPr lang="en-US" dirty="0" smtClean="0">
                 <a:solidFill>
-                  <a:schemeClr val="tx1"/>
+                  <a:schemeClr val="bg2">
+                    <a:lumMod val="75000"/>
+                  </a:schemeClr>
                 </a:solidFill>
               </a:rPr>
             </a:br>
             <a:r>
               <a:rPr lang="en-US" dirty="0" smtClean="0">
                 <a:solidFill>
-                  <a:schemeClr val="tx1"/>
+                  <a:schemeClr val="bg2">
+                    <a:lumMod val="75000"/>
+                  </a:schemeClr>
                 </a:solidFill>
               </a:rPr>
               <a:t>– HP Resource </a:t>
@@ -7245,7 +7504,9 @@
             <a:r>
               <a:rPr lang="en-US" dirty="0">
                 <a:solidFill>
-                  <a:schemeClr val="tx1"/>
+                  <a:schemeClr val="bg2">
+                    <a:lumMod val="75000"/>
+                  </a:schemeClr>
                 </a:solidFill>
               </a:rPr>
               <a:t>Planning Tool </a:t>
@@ -7298,7 +7559,7 @@
 </p:sld>
 </file>
 
-<file path=ppt/slides/slide17.xml><?xml version="1.0" encoding="utf-8"?>
+<file path=ppt/slides/slide18.xml><?xml version="1.0" encoding="utf-8"?>
 <p:sld xmlns:a="http://schemas.openxmlformats.org/drawingml/2006/main" xmlns:r="http://schemas.openxmlformats.org/officeDocument/2006/relationships" xmlns:p="http://schemas.openxmlformats.org/presentationml/2006/main">
   <p:cSld>
     <p:spTree>
@@ -7432,7 +7693,9 @@
             <a:r>
               <a:rPr lang="en-US" dirty="0" smtClean="0">
                 <a:solidFill>
-                  <a:schemeClr val="tx1"/>
+                  <a:schemeClr val="bg2">
+                    <a:lumMod val="75000"/>
+                  </a:schemeClr>
                 </a:solidFill>
               </a:rPr>
               <a:t>Previous </a:t>
@@ -7440,7 +7703,9 @@
             <a:r>
               <a:rPr lang="en-US" dirty="0">
                 <a:solidFill>
-                  <a:schemeClr val="tx1"/>
+                  <a:schemeClr val="bg2">
+                    <a:lumMod val="75000"/>
+                  </a:schemeClr>
                 </a:solidFill>
               </a:rPr>
               <a:t>work </a:t>
@@ -7448,14 +7713,18 @@
             <a:r>
               <a:rPr lang="en-US" dirty="0" smtClean="0">
                 <a:solidFill>
-                  <a:schemeClr val="tx1"/>
+                  <a:schemeClr val="bg2">
+                    <a:lumMod val="75000"/>
+                  </a:schemeClr>
                 </a:solidFill>
               </a:rPr>
               <a:t>– Problems</a:t>
             </a:r>
             <a:endParaRPr lang="en-US" dirty="0">
               <a:solidFill>
-                <a:schemeClr val="tx1"/>
+                <a:schemeClr val="bg2">
+                  <a:lumMod val="75000"/>
+                </a:schemeClr>
               </a:solidFill>
             </a:endParaRPr>
           </a:p>
@@ -7482,8 +7751,8 @@
 </p:sld>
 </file>
 
-<file path=ppt/slides/slide18.xml><?xml version="1.0" encoding="utf-8"?>
-<p:sld xmlns:a="http://schemas.openxmlformats.org/drawingml/2006/main" xmlns:r="http://schemas.openxmlformats.org/officeDocument/2006/relationships" xmlns:p="http://schemas.openxmlformats.org/presentationml/2006/main">
+<file path=ppt/slides/slide19.xml><?xml version="1.0" encoding="utf-8"?>
+<p:sld xmlns:a="http://schemas.openxmlformats.org/drawingml/2006/main" xmlns:r="http://schemas.openxmlformats.org/officeDocument/2006/relationships" xmlns:p="http://schemas.openxmlformats.org/presentationml/2006/main" show="0">
   <p:cSld>
     <p:spTree>
       <p:nvGrpSpPr>
@@ -7511,7 +7780,7 @@
         </p:nvSpPr>
         <p:spPr>
           <a:xfrm>
-            <a:off x="1143000" y="1009980"/>
+            <a:off x="1066800" y="940905"/>
             <a:ext cx="7343775" cy="994172"/>
           </a:xfrm>
         </p:spPr>
@@ -7522,14 +7791,18 @@
             <a:r>
               <a:rPr lang="en-US" dirty="0" smtClean="0">
                 <a:solidFill>
-                  <a:schemeClr val="tx1"/>
+                  <a:schemeClr val="bg2">
+                    <a:lumMod val="75000"/>
+                  </a:schemeClr>
                 </a:solidFill>
               </a:rPr>
               <a:t>Problem Definition  </a:t>
             </a:r>
             <a:endParaRPr lang="en-US" dirty="0">
               <a:solidFill>
-                <a:schemeClr val="tx1"/>
+                <a:schemeClr val="bg2">
+                  <a:lumMod val="75000"/>
+                </a:schemeClr>
               </a:solidFill>
             </a:endParaRPr>
           </a:p>
@@ -7650,133 +7923,6 @@
   <p:clrMapOvr>
     <a:masterClrMapping/>
   </p:clrMapOvr>
-  <mc:AlternateContent xmlns:mc="http://schemas.openxmlformats.org/markup-compatibility/2006" xmlns:p14="http://schemas.microsoft.com/office/powerpoint/2010/main">
-    <mc:Choice Requires="p14">
-      <p:transition spd="slow" p14:dur="2000"/>
-    </mc:Choice>
-    <mc:Fallback xmlns="">
-      <p:transition spd="slow"/>
-    </mc:Fallback>
-  </mc:AlternateContent>
-</p:sld>
-</file>
-
-<file path=ppt/slides/slide19.xml><?xml version="1.0" encoding="utf-8"?>
-<p:sld xmlns:a="http://schemas.openxmlformats.org/drawingml/2006/main" xmlns:r="http://schemas.openxmlformats.org/officeDocument/2006/relationships" xmlns:p="http://schemas.openxmlformats.org/presentationml/2006/main">
-  <p:cSld>
-    <p:spTree>
-      <p:nvGrpSpPr>
-        <p:cNvPr id="1" name=""/>
-        <p:cNvGrpSpPr/>
-        <p:nvPr/>
-      </p:nvGrpSpPr>
-      <p:grpSpPr>
-        <a:xfrm>
-          <a:off x="0" y="0"/>
-          <a:ext cx="0" cy="0"/>
-          <a:chOff x="0" y="0"/>
-          <a:chExt cx="0" cy="0"/>
-        </a:xfrm>
-      </p:grpSpPr>
-      <p:sp>
-        <p:nvSpPr>
-          <p:cNvPr id="2" name="Content Placeholder 1"/>
-          <p:cNvSpPr>
-            <a:spLocks noGrp="1"/>
-          </p:cNvSpPr>
-          <p:nvPr>
-            <p:ph idx="1"/>
-          </p:nvPr>
-        </p:nvSpPr>
-        <p:spPr>
-          <a:xfrm>
-            <a:off x="511455" y="2133600"/>
-            <a:ext cx="8228013" cy="4114799"/>
-          </a:xfrm>
-        </p:spPr>
-        <p:txBody>
-          <a:bodyPr/>
-          <a:lstStyle/>
-          <a:p>
-            <a:r>
-              <a:rPr lang="en-US" sz="2800" dirty="0" smtClean="0"/>
-              <a:t>Calculating the similarity values between résumé and job model</a:t>
-            </a:r>
-          </a:p>
-          <a:p>
-            <a:r>
-              <a:rPr lang="en-US" sz="2800" dirty="0" smtClean="0"/>
-              <a:t>Return the jobs ranked by their similarity value</a:t>
-            </a:r>
-            <a:r>
-              <a:rPr lang="en-US" altLang="zh-CN" sz="2800" dirty="0" smtClean="0"/>
-              <a:t>s</a:t>
-            </a:r>
-            <a:r>
-              <a:rPr lang="en-US" sz="2800" dirty="0" smtClean="0"/>
-              <a:t> </a:t>
-            </a:r>
-            <a:endParaRPr lang="en-US" sz="2800" dirty="0" smtClean="0"/>
-          </a:p>
-          <a:p>
-            <a:r>
-              <a:rPr lang="en-US" dirty="0" smtClean="0"/>
-              <a:t> </a:t>
-            </a:r>
-            <a:endParaRPr lang="en-US" dirty="0"/>
-          </a:p>
-          <a:p>
-            <a:endParaRPr lang="en-US" dirty="0" smtClean="0"/>
-          </a:p>
-          <a:p>
-            <a:endParaRPr lang="en-US" dirty="0" smtClean="0"/>
-          </a:p>
-          <a:p>
-            <a:endParaRPr lang="en-US" dirty="0"/>
-          </a:p>
-        </p:txBody>
-      </p:sp>
-      <p:sp>
-        <p:nvSpPr>
-          <p:cNvPr id="3" name="Title 2"/>
-          <p:cNvSpPr>
-            <a:spLocks noGrp="1"/>
-          </p:cNvSpPr>
-          <p:nvPr>
-            <p:ph type="title"/>
-          </p:nvPr>
-        </p:nvSpPr>
-        <p:spPr>
-          <a:xfrm>
-            <a:off x="533064" y="905972"/>
-            <a:ext cx="7343775" cy="994172"/>
-          </a:xfrm>
-        </p:spPr>
-        <p:txBody>
-          <a:bodyPr/>
-          <a:lstStyle/>
-          <a:p>
-            <a:r>
-              <a:rPr lang="en-US" dirty="0">
-                <a:solidFill>
-                  <a:schemeClr val="tx1"/>
-                </a:solidFill>
-              </a:rPr>
-              <a:t>Problem Definition </a:t>
-            </a:r>
-          </a:p>
-        </p:txBody>
-      </p:sp>
-    </p:spTree>
-    <p:extLst>
-      <p:ext uri="{BB962C8B-B14F-4D97-AF65-F5344CB8AC3E}">
-        <p14:creationId xmlns:p14="http://schemas.microsoft.com/office/powerpoint/2010/main" val="4289772202"/>
-      </p:ext>
-    </p:extLst>
-  </p:cSld>
-  <p:clrMapOvr>
-    <a:masterClrMapping/>
-  </p:clrMapOvr>
   <mc:AlternateContent xmlns:mc="http://schemas.openxmlformats.org/markup-compatibility/2006">
     <mc:Choice xmlns:p14="http://schemas.microsoft.com/office/powerpoint/2010/main" Requires="p14">
       <p:transition spd="slow" p14:dur="2000"/>
@@ -7867,14 +8013,18 @@
             <a:r>
               <a:rPr lang="en-US" altLang="zh-CN" dirty="0" smtClean="0">
                 <a:solidFill>
-                  <a:schemeClr val="tx1"/>
+                  <a:schemeClr val="bg2">
+                    <a:lumMod val="75000"/>
+                  </a:schemeClr>
                 </a:solidFill>
               </a:rPr>
               <a:t>Motivation</a:t>
             </a:r>
             <a:endParaRPr lang="en-US" dirty="0">
               <a:solidFill>
-                <a:schemeClr val="tx1"/>
+                <a:schemeClr val="bg2">
+                  <a:lumMod val="75000"/>
+                </a:schemeClr>
               </a:solidFill>
             </a:endParaRPr>
           </a:p>
@@ -8176,88 +8326,35 @@
           <a:p>
             <a:r>
               <a:rPr lang="en-US" sz="2800" dirty="0" smtClean="0"/>
-              <a:t>r </a:t>
-            </a:r>
-            <a:r>
-              <a:rPr lang="en-US" sz="2800" dirty="0"/>
-              <a:t>is the user‘s résumé </a:t>
+              <a:t>Calculating the similarity values between </a:t>
             </a:r>
             <a:r>
               <a:rPr lang="en-US" sz="2800" dirty="0" smtClean="0"/>
-              <a:t>model; </a:t>
-            </a:r>
-            <a:r>
-              <a:rPr lang="en-US" sz="2800" dirty="0" err="1" smtClean="0"/>
-              <a:t>r</a:t>
-            </a:r>
-            <a:r>
-              <a:rPr lang="en-US" sz="2800" baseline="-25000" dirty="0" err="1" smtClean="0"/>
-              <a:t>i</a:t>
-            </a:r>
-            <a:r>
-              <a:rPr lang="en-US" sz="2800" baseline="-25000" dirty="0" smtClean="0"/>
-              <a:t>  </a:t>
-            </a:r>
-            <a:r>
-              <a:rPr lang="en-US" sz="2800" dirty="0"/>
-              <a:t>is the feature of r </a:t>
-            </a:r>
-          </a:p>
-          <a:p>
-            <a:r>
-              <a:rPr lang="en-US" sz="2800" dirty="0"/>
-              <a:t>j is the </a:t>
+              <a:t>the résumé and the </a:t>
             </a:r>
             <a:r>
               <a:rPr lang="en-US" sz="2800" dirty="0" smtClean="0"/>
               <a:t>job </a:t>
             </a:r>
             <a:r>
-              <a:rPr lang="en-US" sz="2800" dirty="0"/>
-              <a:t>description </a:t>
-            </a:r>
-            <a:r>
               <a:rPr lang="en-US" sz="2800" dirty="0" smtClean="0"/>
-              <a:t>model; </a:t>
-            </a:r>
-            <a:r>
-              <a:rPr lang="en-US" sz="2800" dirty="0" err="1" smtClean="0"/>
-              <a:t>j</a:t>
-            </a:r>
-            <a:r>
-              <a:rPr lang="en-US" sz="2800" baseline="-25000" dirty="0" err="1" smtClean="0"/>
-              <a:t>i</a:t>
-            </a:r>
-            <a:r>
-              <a:rPr lang="en-US" sz="2800" baseline="-25000" dirty="0" smtClean="0"/>
-              <a:t>  </a:t>
-            </a:r>
-            <a:r>
-              <a:rPr lang="en-US" sz="2800" dirty="0"/>
-              <a:t>is the feature of </a:t>
-            </a:r>
+              <a:t>models</a:t>
+            </a:r>
+            <a:endParaRPr lang="en-US" sz="2800" dirty="0" smtClean="0"/>
+          </a:p>
+          <a:p>
             <a:r>
               <a:rPr lang="en-US" sz="2800" dirty="0" smtClean="0"/>
-              <a:t>j</a:t>
-            </a:r>
-          </a:p>
-          <a:p>
+              <a:t>Return the jobs ranked by their similarity value</a:t>
+            </a:r>
+            <a:r>
+              <a:rPr lang="en-US" altLang="zh-CN" sz="2800" dirty="0" smtClean="0"/>
+              <a:t>s</a:t>
+            </a:r>
             <a:r>
               <a:rPr lang="en-US" sz="2800" dirty="0" smtClean="0"/>
-              <a:t>Similarity </a:t>
-            </a:r>
-            <a:r>
-              <a:rPr lang="en-US" sz="2800" dirty="0" smtClean="0"/>
-              <a:t>value is the summation of weighted similarity values of </a:t>
-            </a:r>
-            <a:r>
-              <a:rPr lang="en-US" sz="2800" dirty="0" smtClean="0"/>
-              <a:t>each field in the models  </a:t>
-            </a:r>
-            <a:endParaRPr lang="en-US" sz="2800" dirty="0"/>
-          </a:p>
-          <a:p>
-            <a:endParaRPr lang="en-US" sz="2800" dirty="0"/>
+              <a:t> </a:t>
+            </a:r>
           </a:p>
           <a:p>
             <a:r>
@@ -8300,7 +8397,9 @@
             <a:r>
               <a:rPr lang="en-US" dirty="0">
                 <a:solidFill>
-                  <a:schemeClr val="tx1"/>
+                  <a:schemeClr val="bg2">
+                    <a:lumMod val="75000"/>
+                  </a:schemeClr>
                 </a:solidFill>
               </a:rPr>
               <a:t>Problem Definition </a:t>
@@ -8308,45 +8407,21 @@
           </a:p>
         </p:txBody>
       </p:sp>
-      <p:pic>
-        <p:nvPicPr>
-          <p:cNvPr id="5" name="Picture 4"/>
-          <p:cNvPicPr>
-            <a:picLocks noChangeAspect="1"/>
-          </p:cNvPicPr>
-          <p:nvPr/>
-        </p:nvPicPr>
-        <p:blipFill>
-          <a:blip r:embed="rId2"/>
-          <a:stretch>
-            <a:fillRect/>
-          </a:stretch>
-        </p:blipFill>
-        <p:spPr>
-          <a:xfrm>
-            <a:off x="1676400" y="4648200"/>
-            <a:ext cx="5493544" cy="1107281"/>
-          </a:xfrm>
-          <a:prstGeom prst="rect">
-            <a:avLst/>
-          </a:prstGeom>
-        </p:spPr>
-      </p:pic>
     </p:spTree>
     <p:extLst>
       <p:ext uri="{BB962C8B-B14F-4D97-AF65-F5344CB8AC3E}">
-        <p14:creationId xmlns:p14="http://schemas.microsoft.com/office/powerpoint/2010/main" val="1996116478"/>
+        <p14:creationId xmlns:p14="http://schemas.microsoft.com/office/powerpoint/2010/main" val="4289772202"/>
       </p:ext>
     </p:extLst>
   </p:cSld>
   <p:clrMapOvr>
     <a:masterClrMapping/>
   </p:clrMapOvr>
-  <mc:AlternateContent xmlns:mc="http://schemas.openxmlformats.org/markup-compatibility/2006">
-    <mc:Choice xmlns:p14="http://schemas.microsoft.com/office/powerpoint/2010/main" Requires="p14">
+  <mc:AlternateContent xmlns:mc="http://schemas.openxmlformats.org/markup-compatibility/2006" xmlns:p14="http://schemas.microsoft.com/office/powerpoint/2010/main">
+    <mc:Choice Requires="p14">
       <p:transition spd="slow" p14:dur="2000"/>
     </mc:Choice>
-    <mc:Fallback>
+    <mc:Fallback xmlns="">
       <p:transition spd="slow"/>
     </mc:Fallback>
   </mc:AlternateContent>
@@ -8382,6 +8457,274 @@
         </p:nvSpPr>
         <p:spPr>
           <a:xfrm>
+            <a:off x="489353" y="1900144"/>
+            <a:ext cx="8228013" cy="4114799"/>
+          </a:xfrm>
+        </p:spPr>
+        <p:txBody>
+          <a:bodyPr/>
+          <a:lstStyle/>
+          <a:p>
+            <a:r>
+              <a:rPr lang="en-US" sz="2800" dirty="0" smtClean="0"/>
+              <a:t>r </a:t>
+            </a:r>
+            <a:r>
+              <a:rPr lang="en-US" sz="2800" dirty="0"/>
+              <a:t>is the user‘s résumé </a:t>
+            </a:r>
+            <a:r>
+              <a:rPr lang="en-US" sz="2800" dirty="0" smtClean="0"/>
+              <a:t>model </a:t>
+            </a:r>
+          </a:p>
+          <a:p>
+            <a:r>
+              <a:rPr lang="en-US" sz="2800" dirty="0" smtClean="0"/>
+              <a:t>   </a:t>
+            </a:r>
+            <a:r>
+              <a:rPr lang="en-US" sz="2800" dirty="0" err="1" smtClean="0"/>
+              <a:t>r</a:t>
+            </a:r>
+            <a:r>
+              <a:rPr lang="en-US" sz="2800" baseline="-25000" dirty="0" err="1" smtClean="0"/>
+              <a:t>i</a:t>
+            </a:r>
+            <a:r>
+              <a:rPr lang="en-US" sz="2800" baseline="-25000" dirty="0" smtClean="0"/>
+              <a:t>  </a:t>
+            </a:r>
+            <a:r>
+              <a:rPr lang="en-US" sz="2800" dirty="0"/>
+              <a:t>is </a:t>
+            </a:r>
+            <a:r>
+              <a:rPr lang="en-US" sz="2800" dirty="0" smtClean="0"/>
+              <a:t>the </a:t>
+            </a:r>
+            <a:r>
+              <a:rPr lang="en-US" sz="2800" dirty="0" err="1" smtClean="0"/>
+              <a:t>ith</a:t>
+            </a:r>
+            <a:r>
+              <a:rPr lang="en-US" sz="2800" dirty="0" smtClean="0"/>
+              <a:t> </a:t>
+            </a:r>
+            <a:r>
+              <a:rPr lang="en-US" sz="2800" dirty="0"/>
+              <a:t>feature of </a:t>
+            </a:r>
+            <a:r>
+              <a:rPr lang="en-US" sz="2800" dirty="0"/>
+              <a:t>résumé </a:t>
+            </a:r>
+            <a:r>
+              <a:rPr lang="en-US" sz="2800" dirty="0" smtClean="0"/>
+              <a:t> r </a:t>
+            </a:r>
+            <a:endParaRPr lang="en-US" sz="2800" dirty="0"/>
+          </a:p>
+          <a:p>
+            <a:r>
+              <a:rPr lang="en-US" sz="2800" dirty="0"/>
+              <a:t>j is the </a:t>
+            </a:r>
+            <a:r>
+              <a:rPr lang="en-US" sz="2800" dirty="0" smtClean="0"/>
+              <a:t>job </a:t>
+            </a:r>
+            <a:r>
+              <a:rPr lang="en-US" sz="2800" dirty="0"/>
+              <a:t>description </a:t>
+            </a:r>
+            <a:r>
+              <a:rPr lang="en-US" sz="2800" dirty="0" smtClean="0"/>
+              <a:t>model</a:t>
+            </a:r>
+          </a:p>
+          <a:p>
+            <a:r>
+              <a:rPr lang="en-US" sz="2800" dirty="0"/>
+              <a:t>	</a:t>
+            </a:r>
+            <a:r>
+              <a:rPr lang="en-US" sz="2800" dirty="0" smtClean="0"/>
+              <a:t>	</a:t>
+            </a:r>
+            <a:r>
+              <a:rPr lang="en-US" sz="2800" dirty="0" err="1" smtClean="0"/>
+              <a:t>j</a:t>
+            </a:r>
+            <a:r>
+              <a:rPr lang="en-US" sz="2800" baseline="-25000" dirty="0" err="1" smtClean="0"/>
+              <a:t>i</a:t>
+            </a:r>
+            <a:r>
+              <a:rPr lang="en-US" sz="2800" baseline="-25000" dirty="0" smtClean="0"/>
+              <a:t>  </a:t>
+            </a:r>
+            <a:r>
+              <a:rPr lang="en-US" sz="2800" dirty="0"/>
+              <a:t>is </a:t>
+            </a:r>
+            <a:r>
+              <a:rPr lang="en-US" sz="2800" dirty="0" smtClean="0"/>
+              <a:t>the </a:t>
+            </a:r>
+            <a:r>
+              <a:rPr lang="en-US" sz="2800" dirty="0" err="1" smtClean="0"/>
+              <a:t>ith</a:t>
+            </a:r>
+            <a:r>
+              <a:rPr lang="en-US" sz="2800" dirty="0" smtClean="0"/>
+              <a:t> </a:t>
+            </a:r>
+            <a:r>
+              <a:rPr lang="en-US" sz="2800" dirty="0"/>
+              <a:t>feature of </a:t>
+            </a:r>
+            <a:r>
+              <a:rPr lang="en-US" sz="2800" dirty="0" smtClean="0"/>
+              <a:t>job j</a:t>
+            </a:r>
+            <a:endParaRPr lang="en-US" sz="2800" dirty="0" smtClean="0"/>
+          </a:p>
+          <a:p>
+            <a:r>
+              <a:rPr lang="en-US" sz="2800" dirty="0" smtClean="0"/>
+              <a:t>Similarity value is the summation of weighted similarity values of each field in the models  </a:t>
+            </a:r>
+            <a:endParaRPr lang="en-US" sz="2800" dirty="0"/>
+          </a:p>
+          <a:p>
+            <a:endParaRPr lang="en-US" sz="2800" dirty="0"/>
+          </a:p>
+          <a:p>
+            <a:r>
+              <a:rPr lang="en-US" dirty="0" smtClean="0"/>
+              <a:t> </a:t>
+            </a:r>
+            <a:endParaRPr lang="en-US" dirty="0"/>
+          </a:p>
+          <a:p>
+            <a:endParaRPr lang="en-US" dirty="0" smtClean="0"/>
+          </a:p>
+          <a:p>
+            <a:endParaRPr lang="en-US" dirty="0" smtClean="0"/>
+          </a:p>
+          <a:p>
+            <a:endParaRPr lang="en-US" dirty="0"/>
+          </a:p>
+        </p:txBody>
+      </p:sp>
+      <p:sp>
+        <p:nvSpPr>
+          <p:cNvPr id="3" name="Title 2"/>
+          <p:cNvSpPr>
+            <a:spLocks noGrp="1"/>
+          </p:cNvSpPr>
+          <p:nvPr>
+            <p:ph type="title"/>
+          </p:nvPr>
+        </p:nvSpPr>
+        <p:spPr>
+          <a:xfrm>
+            <a:off x="533064" y="905972"/>
+            <a:ext cx="7343775" cy="994172"/>
+          </a:xfrm>
+        </p:spPr>
+        <p:txBody>
+          <a:bodyPr/>
+          <a:lstStyle/>
+          <a:p>
+            <a:r>
+              <a:rPr lang="en-US" dirty="0">
+                <a:solidFill>
+                  <a:schemeClr val="bg2">
+                    <a:lumMod val="75000"/>
+                  </a:schemeClr>
+                </a:solidFill>
+              </a:rPr>
+              <a:t>Problem Definition </a:t>
+            </a:r>
+          </a:p>
+        </p:txBody>
+      </p:sp>
+      <p:pic>
+        <p:nvPicPr>
+          <p:cNvPr id="5" name="Picture 4"/>
+          <p:cNvPicPr>
+            <a:picLocks noChangeAspect="1"/>
+          </p:cNvPicPr>
+          <p:nvPr/>
+        </p:nvPicPr>
+        <p:blipFill>
+          <a:blip r:embed="rId2"/>
+          <a:stretch>
+            <a:fillRect/>
+          </a:stretch>
+        </p:blipFill>
+        <p:spPr>
+          <a:xfrm>
+            <a:off x="1458179" y="4961899"/>
+            <a:ext cx="5493544" cy="1107281"/>
+          </a:xfrm>
+          <a:prstGeom prst="rect">
+            <a:avLst/>
+          </a:prstGeom>
+        </p:spPr>
+      </p:pic>
+    </p:spTree>
+    <p:extLst>
+      <p:ext uri="{BB962C8B-B14F-4D97-AF65-F5344CB8AC3E}">
+        <p14:creationId xmlns:p14="http://schemas.microsoft.com/office/powerpoint/2010/main" val="1996116478"/>
+      </p:ext>
+    </p:extLst>
+  </p:cSld>
+  <p:clrMapOvr>
+    <a:masterClrMapping/>
+  </p:clrMapOvr>
+  <mc:AlternateContent xmlns:mc="http://schemas.openxmlformats.org/markup-compatibility/2006" xmlns:p14="http://schemas.microsoft.com/office/powerpoint/2010/main">
+    <mc:Choice Requires="p14">
+      <p:transition spd="slow" p14:dur="2000"/>
+    </mc:Choice>
+    <mc:Fallback xmlns="">
+      <p:transition spd="slow"/>
+    </mc:Fallback>
+  </mc:AlternateContent>
+</p:sld>
+</file>
+
+<file path=ppt/slides/slide22.xml><?xml version="1.0" encoding="utf-8"?>
+<p:sld xmlns:a="http://schemas.openxmlformats.org/drawingml/2006/main" xmlns:r="http://schemas.openxmlformats.org/officeDocument/2006/relationships" xmlns:p="http://schemas.openxmlformats.org/presentationml/2006/main">
+  <p:cSld>
+    <p:spTree>
+      <p:nvGrpSpPr>
+        <p:cNvPr id="1" name=""/>
+        <p:cNvGrpSpPr/>
+        <p:nvPr/>
+      </p:nvGrpSpPr>
+      <p:grpSpPr>
+        <a:xfrm>
+          <a:off x="0" y="0"/>
+          <a:ext cx="0" cy="0"/>
+          <a:chOff x="0" y="0"/>
+          <a:chExt cx="0" cy="0"/>
+        </a:xfrm>
+      </p:grpSpPr>
+      <p:sp>
+        <p:nvSpPr>
+          <p:cNvPr id="2" name="Content Placeholder 1"/>
+          <p:cNvSpPr>
+            <a:spLocks noGrp="1"/>
+          </p:cNvSpPr>
+          <p:nvPr>
+            <p:ph idx="1"/>
+          </p:nvPr>
+        </p:nvSpPr>
+        <p:spPr>
+          <a:xfrm>
             <a:off x="729455" y="2362200"/>
             <a:ext cx="8228013" cy="3504211"/>
           </a:xfrm>
@@ -8495,7 +8838,9 @@
             <a:r>
               <a:rPr lang="en-US" dirty="0">
                 <a:solidFill>
-                  <a:schemeClr val="tx1"/>
+                  <a:schemeClr val="bg2">
+                    <a:lumMod val="75000"/>
+                  </a:schemeClr>
                 </a:solidFill>
               </a:rPr>
               <a:t>Problem Definition </a:t>
@@ -8531,7 +8876,7 @@
 </p:sld>
 </file>
 
-<file path=ppt/slides/slide22.xml><?xml version="1.0" encoding="utf-8"?>
+<file path=ppt/slides/slide23.xml><?xml version="1.0" encoding="utf-8"?>
 <p:sld xmlns:a="http://schemas.openxmlformats.org/drawingml/2006/main" xmlns:r="http://schemas.openxmlformats.org/officeDocument/2006/relationships" xmlns:p="http://schemas.openxmlformats.org/presentationml/2006/main">
   <p:cSld>
     <p:spTree>
@@ -8571,7 +8916,9 @@
             <a:r>
               <a:rPr lang="en-US" dirty="0">
                 <a:solidFill>
-                  <a:schemeClr val="tx1"/>
+                  <a:schemeClr val="bg2">
+                    <a:lumMod val="75000"/>
+                  </a:schemeClr>
                 </a:solidFill>
               </a:rPr>
               <a:t>System Architecture</a:t>
@@ -8637,7 +8984,7 @@
 </p:sld>
 </file>
 
-<file path=ppt/slides/slide23.xml><?xml version="1.0" encoding="utf-8"?>
+<file path=ppt/slides/slide24.xml><?xml version="1.0" encoding="utf-8"?>
 <p:sld xmlns:a="http://schemas.openxmlformats.org/drawingml/2006/main" xmlns:r="http://schemas.openxmlformats.org/officeDocument/2006/relationships" xmlns:p="http://schemas.openxmlformats.org/presentationml/2006/main">
   <p:cSld>
     <p:spTree>
@@ -8677,7 +9024,9 @@
             <a:r>
               <a:rPr lang="en-US" dirty="0">
                 <a:solidFill>
-                  <a:schemeClr val="tx1"/>
+                  <a:schemeClr val="bg2">
+                    <a:lumMod val="75000"/>
+                  </a:schemeClr>
                 </a:solidFill>
               </a:rPr>
               <a:t>System </a:t>
@@ -8685,14 +9034,18 @@
             <a:r>
               <a:rPr lang="en-US" dirty="0" smtClean="0">
                 <a:solidFill>
-                  <a:schemeClr val="tx1"/>
+                  <a:schemeClr val="bg2">
+                    <a:lumMod val="75000"/>
+                  </a:schemeClr>
                 </a:solidFill>
               </a:rPr>
               <a:t>Interface</a:t>
             </a:r>
             <a:endParaRPr lang="en-US" dirty="0">
               <a:solidFill>
-                <a:schemeClr val="tx1"/>
+                <a:schemeClr val="bg2">
+                  <a:lumMod val="75000"/>
+                </a:schemeClr>
               </a:solidFill>
             </a:endParaRPr>
           </a:p>
@@ -8756,7 +9109,7 @@
 </p:sld>
 </file>
 
-<file path=ppt/slides/slide24.xml><?xml version="1.0" encoding="utf-8"?>
+<file path=ppt/slides/slide25.xml><?xml version="1.0" encoding="utf-8"?>
 <p:sld xmlns:a="http://schemas.openxmlformats.org/drawingml/2006/main" xmlns:r="http://schemas.openxmlformats.org/officeDocument/2006/relationships" xmlns:p="http://schemas.openxmlformats.org/presentationml/2006/main">
   <p:cSld>
     <p:spTree>
@@ -8798,7 +9151,9 @@
             <a:r>
               <a:rPr lang="en-US" sz="4050" dirty="0">
                 <a:solidFill>
-                  <a:schemeClr val="tx1"/>
+                  <a:schemeClr val="bg2">
+                    <a:lumMod val="75000"/>
+                  </a:schemeClr>
                 </a:solidFill>
               </a:rPr>
               <a:t>Information Extraction</a:t>
@@ -8834,7 +9189,7 @@
 </p:sld>
 </file>
 
-<file path=ppt/slides/slide25.xml><?xml version="1.0" encoding="utf-8"?>
+<file path=ppt/slides/slide26.xml><?xml version="1.0" encoding="utf-8"?>
 <p:sld xmlns:a="http://schemas.openxmlformats.org/drawingml/2006/main" xmlns:r="http://schemas.openxmlformats.org/officeDocument/2006/relationships" xmlns:p="http://schemas.openxmlformats.org/presentationml/2006/main">
   <p:cSld>
     <p:spTree>
@@ -8873,31 +9228,67 @@
           </a:bodyPr>
           <a:lstStyle/>
           <a:p>
+            <a:pPr marL="457200" indent="-457200">
+              <a:buFont typeface="Arial" panose="020B0604020202020204" pitchFamily="34" charset="0"/>
+              <a:buChar char="•"/>
+            </a:pPr>
+            <a:r>
+              <a:rPr lang="en-US" sz="2800" dirty="0" smtClean="0"/>
+              <a:t>Users </a:t>
+            </a:r>
             <a:r>
               <a:rPr lang="en-US" sz="2800" dirty="0"/>
-              <a:t>Ask users to input their </a:t>
+              <a:t>don’t like input </a:t>
             </a:r>
             <a:r>
               <a:rPr lang="en-US" sz="2800" dirty="0" smtClean="0"/>
-              <a:t>profiles</a:t>
+              <a:t>their personal </a:t>
+            </a:r>
+            <a:r>
+              <a:rPr lang="en-US" sz="2800" dirty="0"/>
+              <a:t>information </a:t>
+            </a:r>
+          </a:p>
+          <a:p>
+            <a:pPr marL="457200" indent="-457200">
+              <a:buFont typeface="Arial" panose="020B0604020202020204" pitchFamily="34" charset="0"/>
+              <a:buChar char="•"/>
+            </a:pPr>
+            <a:r>
+              <a:rPr lang="en-US" sz="2800" dirty="0" smtClean="0"/>
+              <a:t>Recruiters </a:t>
+            </a:r>
+            <a:r>
+              <a:rPr lang="en-US" sz="2800" dirty="0"/>
+              <a:t>don’t like </a:t>
+            </a:r>
+            <a:r>
+              <a:rPr lang="en-US" sz="2800" dirty="0" smtClean="0"/>
+              <a:t>to input </a:t>
+            </a:r>
+            <a:r>
+              <a:rPr lang="en-US" sz="2800" dirty="0"/>
+              <a:t>job </a:t>
+            </a:r>
+            <a:r>
+              <a:rPr lang="en-US" sz="2800" dirty="0" smtClean="0"/>
+              <a:t>descriptions </a:t>
+            </a:r>
+            <a:r>
+              <a:rPr lang="en-US" sz="2800" dirty="0"/>
+              <a:t>in </a:t>
+            </a:r>
+            <a:r>
+              <a:rPr lang="en-US" sz="2800" dirty="0" smtClean="0"/>
+              <a:t> forms</a:t>
             </a:r>
             <a:endParaRPr lang="en-US" sz="2800" dirty="0"/>
           </a:p>
           <a:p>
-            <a:pPr lvl="1"/>
-            <a:r>
-              <a:rPr lang="en-US" sz="2400" dirty="0"/>
-              <a:t>Users don’t like input personal information </a:t>
-            </a:r>
-          </a:p>
-          <a:p>
-            <a:pPr lvl="1"/>
-            <a:r>
-              <a:rPr lang="en-US" sz="2400" dirty="0"/>
-              <a:t>Recruiter don’t like input job description in web forms </a:t>
-            </a:r>
-          </a:p>
-          <a:p>
+            <a:pPr marL="457200" indent="-457200">
+              <a:buFont typeface="Arial" panose="020B0604020202020204" pitchFamily="34" charset="0"/>
+              <a:buChar char="•"/>
+            </a:pPr>
             <a:r>
               <a:rPr lang="en-US" sz="2800" dirty="0"/>
               <a:t>So we need extract information from </a:t>
@@ -8935,14 +9326,18 @@
             <a:r>
               <a:rPr lang="en-US" dirty="0" smtClean="0">
                 <a:solidFill>
-                  <a:schemeClr val="tx1"/>
+                  <a:schemeClr val="bg2">
+                    <a:lumMod val="75000"/>
+                  </a:schemeClr>
                 </a:solidFill>
               </a:rPr>
               <a:t>Extracting the models  </a:t>
             </a:r>
             <a:endParaRPr lang="en-US" dirty="0">
               <a:solidFill>
-                <a:schemeClr val="tx1"/>
+                <a:schemeClr val="bg2">
+                  <a:lumMod val="75000"/>
+                </a:schemeClr>
               </a:solidFill>
             </a:endParaRPr>
           </a:p>
@@ -8976,7 +9371,7 @@
 </p:sld>
 </file>
 
-<file path=ppt/slides/slide26.xml><?xml version="1.0" encoding="utf-8"?>
+<file path=ppt/slides/slide27.xml><?xml version="1.0" encoding="utf-8"?>
 <p:sld xmlns:a="http://schemas.openxmlformats.org/drawingml/2006/main" xmlns:r="http://schemas.openxmlformats.org/officeDocument/2006/relationships" xmlns:p="http://schemas.openxmlformats.org/presentationml/2006/main">
   <p:cSld>
     <p:spTree>
@@ -9045,14 +9440,18 @@
             <a:r>
               <a:rPr lang="en-US" dirty="0" smtClean="0">
                 <a:solidFill>
-                  <a:schemeClr val="tx1"/>
+                  <a:schemeClr val="bg2">
+                    <a:lumMod val="75000"/>
+                  </a:schemeClr>
                 </a:solidFill>
               </a:rPr>
               <a:t>Information Extraction Stages</a:t>
             </a:r>
             <a:endParaRPr lang="en-US" dirty="0">
               <a:solidFill>
-                <a:schemeClr val="tx1"/>
+                <a:schemeClr val="bg2">
+                  <a:lumMod val="75000"/>
+                </a:schemeClr>
               </a:solidFill>
             </a:endParaRPr>
           </a:p>
@@ -9331,188 +9730,6 @@
     <p:extLst>
       <p:ext uri="{BB962C8B-B14F-4D97-AF65-F5344CB8AC3E}">
         <p14:creationId xmlns:p14="http://schemas.microsoft.com/office/powerpoint/2010/main" val="2909687189"/>
-      </p:ext>
-    </p:extLst>
-  </p:cSld>
-  <p:clrMapOvr>
-    <a:masterClrMapping/>
-  </p:clrMapOvr>
-  <mc:AlternateContent xmlns:mc="http://schemas.openxmlformats.org/markup-compatibility/2006" xmlns:p14="http://schemas.microsoft.com/office/powerpoint/2010/main">
-    <mc:Choice Requires="p14">
-      <p:transition spd="slow" p14:dur="2000"/>
-    </mc:Choice>
-    <mc:Fallback xmlns="">
-      <p:transition spd="slow"/>
-    </mc:Fallback>
-  </mc:AlternateContent>
-  <p:timing>
-    <p:tnLst>
-      <p:par>
-        <p:cTn id="1" dur="indefinite" restart="never" nodeType="tmRoot"/>
-      </p:par>
-    </p:tnLst>
-  </p:timing>
-</p:sld>
-</file>
-
-<file path=ppt/slides/slide27.xml><?xml version="1.0" encoding="utf-8"?>
-<p:sld xmlns:a="http://schemas.openxmlformats.org/drawingml/2006/main" xmlns:r="http://schemas.openxmlformats.org/officeDocument/2006/relationships" xmlns:p="http://schemas.openxmlformats.org/presentationml/2006/main">
-  <p:cSld>
-    <p:spTree>
-      <p:nvGrpSpPr>
-        <p:cNvPr id="1" name=""/>
-        <p:cNvGrpSpPr/>
-        <p:nvPr/>
-      </p:nvGrpSpPr>
-      <p:grpSpPr>
-        <a:xfrm>
-          <a:off x="0" y="0"/>
-          <a:ext cx="0" cy="0"/>
-          <a:chOff x="0" y="0"/>
-          <a:chExt cx="0" cy="0"/>
-        </a:xfrm>
-      </p:grpSpPr>
-      <p:sp>
-        <p:nvSpPr>
-          <p:cNvPr id="2" name="Content Placeholder 1"/>
-          <p:cNvSpPr>
-            <a:spLocks noGrp="1"/>
-          </p:cNvSpPr>
-          <p:nvPr>
-            <p:ph idx="1"/>
-          </p:nvPr>
-        </p:nvSpPr>
-        <p:spPr>
-          <a:xfrm>
-            <a:off x="729455" y="2819400"/>
-            <a:ext cx="8228013" cy="3048000"/>
-          </a:xfrm>
-        </p:spPr>
-        <p:txBody>
-          <a:bodyPr>
-            <a:normAutofit/>
-          </a:bodyPr>
-          <a:lstStyle/>
-          <a:p>
-            <a:r>
-              <a:rPr lang="en-US" sz="2400" dirty="0"/>
-              <a:t>The unit of the </a:t>
-            </a:r>
-            <a:r>
-              <a:rPr lang="en-US" sz="2400" dirty="0" smtClean="0"/>
-              <a:t>regular expression </a:t>
-            </a:r>
-            <a:r>
-              <a:rPr lang="en-US" sz="2400" dirty="0"/>
-              <a:t>is token or word</a:t>
-            </a:r>
-          </a:p>
-          <a:p>
-            <a:r>
-              <a:rPr lang="en-US" sz="2400" dirty="0" err="1">
-                <a:solidFill>
-                  <a:schemeClr val="accent6"/>
-                </a:solidFill>
-                <a:latin typeface="Dotum" panose="020B0600000101010101" pitchFamily="34" charset="-127"/>
-                <a:ea typeface="Dotum" panose="020B0600000101010101" pitchFamily="34" charset="-127"/>
-              </a:rPr>
-              <a:t>seqMatcher</a:t>
-            </a:r>
-            <a:r>
-              <a:rPr lang="en-US" sz="2400" dirty="0">
-                <a:solidFill>
-                  <a:schemeClr val="accent6"/>
-                </a:solidFill>
-                <a:latin typeface="Dotum" panose="020B0600000101010101" pitchFamily="34" charset="-127"/>
-                <a:ea typeface="Dotum" panose="020B0600000101010101" pitchFamily="34" charset="-127"/>
-              </a:rPr>
-              <a:t> = </a:t>
-            </a:r>
-            <a:r>
-              <a:rPr lang="en-US" sz="2400" dirty="0" err="1">
-                <a:solidFill>
-                  <a:schemeClr val="accent6"/>
-                </a:solidFill>
-                <a:latin typeface="Dotum" panose="020B0600000101010101" pitchFamily="34" charset="-127"/>
-                <a:ea typeface="Dotum" panose="020B0600000101010101" pitchFamily="34" charset="-127"/>
-              </a:rPr>
-              <a:t>parser.parse</a:t>
-            </a:r>
-            <a:endParaRPr lang="en-US" sz="2400" dirty="0">
-              <a:solidFill>
-                <a:schemeClr val="accent6"/>
-              </a:solidFill>
-              <a:latin typeface="Dotum" panose="020B0600000101010101" pitchFamily="34" charset="-127"/>
-              <a:ea typeface="Dotum" panose="020B0600000101010101" pitchFamily="34" charset="-127"/>
-            </a:endParaRPr>
-          </a:p>
-          <a:p>
-            <a:r>
-              <a:rPr lang="en-US" sz="2400" dirty="0">
-                <a:solidFill>
-                  <a:schemeClr val="accent6"/>
-                </a:solidFill>
-                <a:latin typeface="Dotum" panose="020B0600000101010101" pitchFamily="34" charset="-127"/>
-                <a:ea typeface="Dotum" panose="020B0600000101010101" pitchFamily="34" charset="-127"/>
-              </a:rPr>
-              <a:t>    ( “ DE_LEVEL (, DE_LEVEL)* (or DE_LEVEL)? DEGREE”)</a:t>
-            </a:r>
-          </a:p>
-          <a:p>
-            <a:r>
-              <a:rPr lang="en-US" dirty="0" smtClean="0"/>
-              <a:t>  </a:t>
-            </a:r>
-          </a:p>
-          <a:p>
-            <a:r>
-              <a:rPr lang="en-US" dirty="0" smtClean="0"/>
-              <a:t> </a:t>
-            </a:r>
-            <a:endParaRPr lang="en-US" dirty="0"/>
-          </a:p>
-        </p:txBody>
-      </p:sp>
-      <p:sp>
-        <p:nvSpPr>
-          <p:cNvPr id="3" name="Title 2"/>
-          <p:cNvSpPr>
-            <a:spLocks noGrp="1"/>
-          </p:cNvSpPr>
-          <p:nvPr>
-            <p:ph type="title"/>
-          </p:nvPr>
-        </p:nvSpPr>
-        <p:spPr>
-          <a:xfrm>
-            <a:off x="729455" y="1066800"/>
-            <a:ext cx="7343775" cy="994172"/>
-          </a:xfrm>
-        </p:spPr>
-        <p:txBody>
-          <a:bodyPr/>
-          <a:lstStyle/>
-          <a:p>
-            <a:r>
-              <a:rPr lang="en-US" dirty="0" smtClean="0">
-                <a:solidFill>
-                  <a:schemeClr val="tx1"/>
-                </a:solidFill>
-              </a:rPr>
-              <a:t>Regular Expression Over Tokens</a:t>
-            </a:r>
-            <a:endParaRPr lang="en-US" dirty="0">
-              <a:solidFill>
-                <a:schemeClr val="tx1"/>
-              </a:solidFill>
-            </a:endParaRPr>
-          </a:p>
-        </p:txBody>
-      </p:sp>
-    </p:spTree>
-    <p:extLst>
-      <p:ext uri="{BB962C8B-B14F-4D97-AF65-F5344CB8AC3E}">
-        <p14:creationId xmlns:p14="http://schemas.microsoft.com/office/powerpoint/2010/main" val="3269953007"/>
       </p:ext>
     </p:extLst>
   </p:cSld>
@@ -9566,98 +9783,91 @@
         </p:nvSpPr>
         <p:spPr>
           <a:xfrm>
-            <a:off x="729455" y="2362200"/>
-            <a:ext cx="8228013" cy="4191000"/>
+            <a:off x="729455" y="2819400"/>
+            <a:ext cx="8228013" cy="3048000"/>
           </a:xfrm>
         </p:spPr>
         <p:txBody>
           <a:bodyPr>
-            <a:normAutofit lnSpcReduction="10000"/>
+            <a:normAutofit/>
           </a:bodyPr>
           <a:lstStyle/>
           <a:p>
-            <a:pPr marL="514350" indent="-514350">
-              <a:buFont typeface="+mj-lt"/>
-              <a:buAutoNum type="arabicPeriod"/>
-            </a:pPr>
-            <a:r>
-              <a:rPr lang="en-US" sz="2600" dirty="0" smtClean="0">
-                <a:latin typeface="MS PMincho" panose="02020600040205080304" pitchFamily="18" charset="-128"/>
-                <a:ea typeface="MS PMincho" panose="02020600040205080304" pitchFamily="18" charset="-128"/>
-              </a:rPr>
-              <a:t>Bachelors degree in Computer or Information Systems</a:t>
-            </a:r>
-          </a:p>
-          <a:p>
-            <a:pPr marL="514350" indent="-514350">
-              <a:buFont typeface="+mj-lt"/>
-              <a:buAutoNum type="arabicPeriod"/>
-            </a:pPr>
-            <a:endParaRPr lang="en-US" sz="2600" dirty="0" smtClean="0">
-              <a:latin typeface="MS PMincho" panose="02020600040205080304" pitchFamily="18" charset="-128"/>
-              <a:ea typeface="MS PMincho" panose="02020600040205080304" pitchFamily="18" charset="-128"/>
+            <a:r>
+              <a:rPr lang="en-US" sz="2400" dirty="0"/>
+              <a:t>The unit of the </a:t>
+            </a:r>
+            <a:r>
+              <a:rPr lang="en-US" sz="2400" dirty="0" smtClean="0"/>
+              <a:t>regular expression </a:t>
+            </a:r>
+            <a:r>
+              <a:rPr lang="en-US" sz="2400" dirty="0"/>
+              <a:t>is token or word</a:t>
+            </a:r>
+          </a:p>
+          <a:p>
+            <a:r>
+              <a:rPr lang="en-US" sz="2400" dirty="0" err="1">
+                <a:solidFill>
+                  <a:schemeClr val="accent6"/>
+                </a:solidFill>
+                <a:latin typeface="Dotum" panose="020B0600000101010101" pitchFamily="34" charset="-127"/>
+                <a:ea typeface="Dotum" panose="020B0600000101010101" pitchFamily="34" charset="-127"/>
+              </a:rPr>
+              <a:t>seqMatcher</a:t>
+            </a:r>
+            <a:r>
+              <a:rPr lang="en-US" sz="2400" dirty="0">
+                <a:solidFill>
+                  <a:schemeClr val="accent6"/>
+                </a:solidFill>
+                <a:latin typeface="Dotum" panose="020B0600000101010101" pitchFamily="34" charset="-127"/>
+                <a:ea typeface="Dotum" panose="020B0600000101010101" pitchFamily="34" charset="-127"/>
+              </a:rPr>
+              <a:t> = </a:t>
+            </a:r>
+            <a:r>
+              <a:rPr lang="en-US" sz="2400" dirty="0" err="1">
+                <a:solidFill>
+                  <a:schemeClr val="accent6"/>
+                </a:solidFill>
+                <a:latin typeface="Dotum" panose="020B0600000101010101" pitchFamily="34" charset="-127"/>
+                <a:ea typeface="Dotum" panose="020B0600000101010101" pitchFamily="34" charset="-127"/>
+              </a:rPr>
+              <a:t>parser.parse</a:t>
+            </a:r>
+            <a:endParaRPr lang="en-US" sz="2400" dirty="0">
+              <a:solidFill>
+                <a:schemeClr val="accent6"/>
+              </a:solidFill>
+              <a:latin typeface="Dotum" panose="020B0600000101010101" pitchFamily="34" charset="-127"/>
+              <a:ea typeface="Dotum" panose="020B0600000101010101" pitchFamily="34" charset="-127"/>
             </a:endParaRPr>
           </a:p>
           <a:p>
-            <a:pPr marL="514350" indent="-514350">
-              <a:buFont typeface="+mj-lt"/>
-              <a:buAutoNum type="arabicPeriod"/>
-            </a:pPr>
-            <a:r>
-              <a:rPr lang="en-US" sz="2600" dirty="0" smtClean="0">
-                <a:latin typeface="MS PMincho" panose="02020600040205080304" pitchFamily="18" charset="-128"/>
-                <a:ea typeface="MS PMincho" panose="02020600040205080304" pitchFamily="18" charset="-128"/>
-              </a:rPr>
-              <a:t>BS or MS in computer science or similar degree </a:t>
-            </a:r>
-          </a:p>
-          <a:p>
-            <a:pPr marL="514350" indent="-514350">
-              <a:buFont typeface="+mj-lt"/>
-              <a:buAutoNum type="arabicPeriod"/>
-            </a:pPr>
-            <a:endParaRPr lang="en-US" sz="2600" dirty="0" smtClean="0">
-              <a:latin typeface="MS PMincho" panose="02020600040205080304" pitchFamily="18" charset="-128"/>
-              <a:ea typeface="MS PMincho" panose="02020600040205080304" pitchFamily="18" charset="-128"/>
-            </a:endParaRPr>
-          </a:p>
-          <a:p>
-            <a:pPr marL="514350" indent="-514350">
-              <a:buFont typeface="+mj-lt"/>
-              <a:buAutoNum type="arabicPeriod"/>
-            </a:pPr>
-            <a:r>
-              <a:rPr lang="en-US" sz="2600" dirty="0" smtClean="0">
-                <a:latin typeface="MS PMincho" panose="02020600040205080304" pitchFamily="18" charset="-128"/>
-                <a:ea typeface="MS PMincho" panose="02020600040205080304" pitchFamily="18" charset="-128"/>
-              </a:rPr>
-              <a:t>MS/PhD Degree in Computer, Science, Engineering or Finance from top institution. </a:t>
-            </a:r>
-          </a:p>
-          <a:p>
-            <a:pPr marL="514350" indent="-514350">
-              <a:buFont typeface="+mj-lt"/>
-              <a:buAutoNum type="arabicPeriod"/>
-            </a:pPr>
-            <a:endParaRPr lang="en-US" sz="2600" dirty="0" smtClean="0">
-              <a:latin typeface="MS PMincho" panose="02020600040205080304" pitchFamily="18" charset="-128"/>
-              <a:ea typeface="MS PMincho" panose="02020600040205080304" pitchFamily="18" charset="-128"/>
-            </a:endParaRPr>
-          </a:p>
-          <a:p>
-            <a:pPr marL="514350" indent="-514350">
-              <a:buFont typeface="+mj-lt"/>
-              <a:buAutoNum type="arabicPeriod"/>
-            </a:pPr>
-            <a:r>
-              <a:rPr lang="en-US" sz="2600" dirty="0" smtClean="0">
-                <a:latin typeface="MS PMincho" panose="02020600040205080304" pitchFamily="18" charset="-128"/>
-                <a:ea typeface="MS PMincho" panose="02020600040205080304" pitchFamily="18" charset="-128"/>
-              </a:rPr>
-              <a:t>Requires a minimum of bachelors degree in a related, field or foreign equivalent.</a:t>
-            </a:r>
-          </a:p>
-          <a:p>
+            <a:r>
+              <a:rPr lang="en-US" sz="2400" dirty="0">
+                <a:solidFill>
+                  <a:schemeClr val="accent6"/>
+                </a:solidFill>
+                <a:latin typeface="Dotum" panose="020B0600000101010101" pitchFamily="34" charset="-127"/>
+                <a:ea typeface="Dotum" panose="020B0600000101010101" pitchFamily="34" charset="-127"/>
+              </a:rPr>
+              <a:t>    ( “ DE_LEVEL (, DE_LEVEL)* (or DE_LEVEL)? DEGREE”)</a:t>
+            </a:r>
+          </a:p>
+          <a:p>
+            <a:r>
+              <a:rPr lang="en-US" dirty="0" smtClean="0"/>
+              <a:t>  </a:t>
+            </a:r>
+          </a:p>
+          <a:p>
+            <a:r>
+              <a:rPr lang="en-US" dirty="0" smtClean="0"/>
+              <a:t> </a:t>
+            </a:r>
             <a:endParaRPr lang="en-US" dirty="0"/>
           </a:p>
         </p:txBody>
@@ -9674,7 +9884,7 @@
         </p:nvSpPr>
         <p:spPr>
           <a:xfrm>
-            <a:off x="729455" y="990600"/>
+            <a:off x="729455" y="1066800"/>
             <a:ext cx="7343775" cy="994172"/>
           </a:xfrm>
         </p:spPr>
@@ -9683,20 +9893,49 @@
           <a:lstStyle/>
           <a:p>
             <a:r>
-              <a:rPr lang="en-US" dirty="0">
-                <a:solidFill>
-                  <a:schemeClr val="tx1"/>
-                </a:solidFill>
-              </a:rPr>
-              <a:t>Regular Expression Over Tokens</a:t>
-            </a:r>
+              <a:rPr lang="en-US" altLang="zh-CN" dirty="0" smtClean="0">
+                <a:solidFill>
+                  <a:schemeClr val="bg2">
+                    <a:lumMod val="75000"/>
+                  </a:schemeClr>
+                </a:solidFill>
+              </a:rPr>
+              <a:t>Library for </a:t>
+            </a:r>
+            <a:r>
+              <a:rPr lang="en-US" dirty="0" smtClean="0">
+                <a:solidFill>
+                  <a:schemeClr val="bg2">
+                    <a:lumMod val="75000"/>
+                  </a:schemeClr>
+                </a:solidFill>
+              </a:rPr>
+              <a:t>Regular </a:t>
+            </a:r>
+            <a:r>
+              <a:rPr lang="en-US" dirty="0" smtClean="0">
+                <a:solidFill>
+                  <a:schemeClr val="bg2">
+                    <a:lumMod val="75000"/>
+                  </a:schemeClr>
+                </a:solidFill>
+              </a:rPr>
+              <a:t>Expression Over Tokens</a:t>
+            </a:r>
+            <a:endParaRPr lang="en-US" dirty="0">
+              <a:solidFill>
+                <a:schemeClr val="bg2">
+                  <a:lumMod val="75000"/>
+                </a:schemeClr>
+              </a:solidFill>
+            </a:endParaRPr>
           </a:p>
         </p:txBody>
       </p:sp>
     </p:spTree>
     <p:extLst>
       <p:ext uri="{BB962C8B-B14F-4D97-AF65-F5344CB8AC3E}">
-        <p14:creationId xmlns:p14="http://schemas.microsoft.com/office/powerpoint/2010/main" val="141503816"/>
+        <p14:creationId xmlns:p14="http://schemas.microsoft.com/office/powerpoint/2010/main" val="3269953007"/>
       </p:ext>
     </p:extLst>
   </p:cSld>
@@ -9711,6 +9950,13 @@
       <p:transition spd="slow"/>
     </mc:Fallback>
   </mc:AlternateContent>
+  <p:timing>
+    <p:tnLst>
+      <p:par>
+        <p:cTn id="1" dur="indefinite" restart="never" nodeType="tmRoot"/>
+      </p:par>
+    </p:tnLst>
+  </p:timing>
 </p:sld>
 </file>
 
@@ -9743,50 +9989,96 @@
         </p:nvSpPr>
         <p:spPr>
           <a:xfrm>
-            <a:off x="763074" y="2226468"/>
-            <a:ext cx="7752277" cy="2345532"/>
+            <a:off x="729455" y="2362200"/>
+            <a:ext cx="8228013" cy="4191000"/>
           </a:xfrm>
         </p:spPr>
         <p:txBody>
           <a:bodyPr>
-            <a:normAutofit fontScale="25000" lnSpcReduction="20000"/>
+            <a:normAutofit lnSpcReduction="10000"/>
           </a:bodyPr>
           <a:lstStyle/>
           <a:p>
-            <a:r>
-              <a:rPr lang="en-US" sz="9600" dirty="0"/>
-              <a:t>A  single concept has multiple expressions</a:t>
-            </a:r>
-          </a:p>
-          <a:p>
-            <a:r>
-              <a:rPr lang="en-US" sz="9600" dirty="0"/>
-              <a:t>“bachelor’s degree”, the pattern will like below:</a:t>
-            </a:r>
-          </a:p>
-          <a:p>
-            <a:r>
-              <a:rPr lang="en-US" sz="9600" dirty="0"/>
-              <a:t>( Baccalaureate | bachelors | bachelor | B.S | BS | BA ) degree</a:t>
-            </a:r>
-          </a:p>
-          <a:p>
-            <a:endParaRPr lang="en-US" sz="9600" dirty="0"/>
-          </a:p>
-          <a:p>
-            <a:r>
-              <a:rPr lang="en-US" sz="9600" dirty="0"/>
-              <a:t>All words mean bachelors: </a:t>
-            </a:r>
-          </a:p>
-          <a:p>
-            <a:endParaRPr lang="en-US" dirty="0" smtClean="0"/>
-          </a:p>
-          <a:p>
-            <a:endParaRPr lang="en-US" dirty="0"/>
-          </a:p>
-          <a:p>
-            <a:endParaRPr lang="en-US" dirty="0"/>
+            <a:pPr marL="514350" indent="-514350">
+              <a:buFont typeface="+mj-lt"/>
+              <a:buAutoNum type="arabicPeriod"/>
+            </a:pPr>
+            <a:r>
+              <a:rPr lang="en-US" sz="2600" dirty="0" smtClean="0">
+                <a:latin typeface="MS PMincho" panose="02020600040205080304" pitchFamily="18" charset="-128"/>
+                <a:ea typeface="MS PMincho" panose="02020600040205080304" pitchFamily="18" charset="-128"/>
+              </a:rPr>
+              <a:t>Bachelors degree in Computer or Information Systems</a:t>
+            </a:r>
+          </a:p>
+          <a:p>
+            <a:pPr marL="514350" indent="-514350">
+              <a:buFont typeface="+mj-lt"/>
+              <a:buAutoNum type="arabicPeriod"/>
+            </a:pPr>
+            <a:endParaRPr lang="en-US" sz="2600" dirty="0" smtClean="0">
+              <a:latin typeface="MS PMincho" panose="02020600040205080304" pitchFamily="18" charset="-128"/>
+              <a:ea typeface="MS PMincho" panose="02020600040205080304" pitchFamily="18" charset="-128"/>
+            </a:endParaRPr>
+          </a:p>
+          <a:p>
+            <a:pPr marL="514350" indent="-514350">
+              <a:buFont typeface="+mj-lt"/>
+              <a:buAutoNum type="arabicPeriod"/>
+            </a:pPr>
+            <a:r>
+              <a:rPr lang="en-US" sz="2600" dirty="0" smtClean="0">
+                <a:latin typeface="MS PMincho" panose="02020600040205080304" pitchFamily="18" charset="-128"/>
+                <a:ea typeface="MS PMincho" panose="02020600040205080304" pitchFamily="18" charset="-128"/>
+              </a:rPr>
+              <a:t>BS or MS in computer science or similar degree </a:t>
+            </a:r>
+          </a:p>
+          <a:p>
+            <a:pPr marL="514350" indent="-514350">
+              <a:buFont typeface="+mj-lt"/>
+              <a:buAutoNum type="arabicPeriod"/>
+            </a:pPr>
+            <a:endParaRPr lang="en-US" sz="2600" dirty="0" smtClean="0">
+              <a:latin typeface="MS PMincho" panose="02020600040205080304" pitchFamily="18" charset="-128"/>
+              <a:ea typeface="MS PMincho" panose="02020600040205080304" pitchFamily="18" charset="-128"/>
+            </a:endParaRPr>
+          </a:p>
+          <a:p>
+            <a:pPr marL="514350" indent="-514350">
+              <a:buFont typeface="+mj-lt"/>
+              <a:buAutoNum type="arabicPeriod"/>
+            </a:pPr>
+            <a:r>
+              <a:rPr lang="en-US" sz="2600" dirty="0" smtClean="0">
+                <a:latin typeface="MS PMincho" panose="02020600040205080304" pitchFamily="18" charset="-128"/>
+                <a:ea typeface="MS PMincho" panose="02020600040205080304" pitchFamily="18" charset="-128"/>
+              </a:rPr>
+              <a:t>MS/PhD Degree in Computer, Science, Engineering or Finance from top institution. </a:t>
+            </a:r>
+          </a:p>
+          <a:p>
+            <a:pPr marL="514350" indent="-514350">
+              <a:buFont typeface="+mj-lt"/>
+              <a:buAutoNum type="arabicPeriod"/>
+            </a:pPr>
+            <a:endParaRPr lang="en-US" sz="2600" dirty="0" smtClean="0">
+              <a:latin typeface="MS PMincho" panose="02020600040205080304" pitchFamily="18" charset="-128"/>
+              <a:ea typeface="MS PMincho" panose="02020600040205080304" pitchFamily="18" charset="-128"/>
+            </a:endParaRPr>
+          </a:p>
+          <a:p>
+            <a:pPr marL="514350" indent="-514350">
+              <a:buFont typeface="+mj-lt"/>
+              <a:buAutoNum type="arabicPeriod"/>
+            </a:pPr>
+            <a:r>
+              <a:rPr lang="en-US" sz="2600" dirty="0" smtClean="0">
+                <a:latin typeface="MS PMincho" panose="02020600040205080304" pitchFamily="18" charset="-128"/>
+                <a:ea typeface="MS PMincho" panose="02020600040205080304" pitchFamily="18" charset="-128"/>
+              </a:rPr>
+              <a:t>Requires a minimum of bachelors degree in a related, field or foreign equivalent.</a:t>
+            </a:r>
           </a:p>
           <a:p>
             <a:endParaRPr lang="en-US" dirty="0"/>
@@ -9805,7 +10097,7 @@
         </p:nvSpPr>
         <p:spPr>
           <a:xfrm>
-            <a:off x="759557" y="1093580"/>
+            <a:off x="729455" y="990600"/>
             <a:ext cx="7343775" cy="994172"/>
           </a:xfrm>
         </p:spPr>
@@ -9814,106 +10106,22 @@
           <a:lstStyle/>
           <a:p>
             <a:r>
-              <a:rPr lang="en-US" altLang="zh-CN" dirty="0" smtClean="0">
-                <a:solidFill>
-                  <a:schemeClr val="tx1"/>
-                </a:solidFill>
-              </a:rPr>
-              <a:t>C</a:t>
-            </a:r>
-            <a:r>
-              <a:rPr lang="en-US" dirty="0" smtClean="0">
-                <a:solidFill>
-                  <a:schemeClr val="tx1"/>
-                </a:solidFill>
-              </a:rPr>
-              <a:t>ombinatorial </a:t>
-            </a:r>
-            <a:r>
-              <a:rPr lang="en-US" altLang="zh-CN" dirty="0" smtClean="0">
-                <a:solidFill>
-                  <a:schemeClr val="tx1"/>
-                </a:solidFill>
-              </a:rPr>
-              <a:t>E</a:t>
-            </a:r>
-            <a:r>
-              <a:rPr lang="en-US" dirty="0" smtClean="0">
-                <a:solidFill>
-                  <a:schemeClr val="tx1"/>
-                </a:solidFill>
-              </a:rPr>
-              <a:t>xplosion</a:t>
-            </a:r>
-            <a:endParaRPr lang="en-US" dirty="0">
-              <a:solidFill>
-                <a:schemeClr val="tx1"/>
-              </a:solidFill>
-            </a:endParaRPr>
-          </a:p>
-        </p:txBody>
-      </p:sp>
-      <p:sp>
-        <p:nvSpPr>
-          <p:cNvPr id="5" name="TextBox 4"/>
-          <p:cNvSpPr txBox="1"/>
-          <p:nvPr/>
-        </p:nvSpPr>
-        <p:spPr>
-          <a:xfrm>
-            <a:off x="729199" y="4694304"/>
-            <a:ext cx="8228526" cy="1569660"/>
-          </a:xfrm>
-          <a:prstGeom prst="rect">
-            <a:avLst/>
-          </a:prstGeom>
-          <a:noFill/>
-        </p:spPr>
-        <p:txBody>
-          <a:bodyPr wrap="square" rtlCol="0">
-            <a:spAutoFit/>
-          </a:bodyPr>
-          <a:lstStyle/>
-          <a:p>
-            <a:r>
-              <a:rPr lang="en-US" dirty="0" smtClean="0">
-                <a:solidFill>
-                  <a:schemeClr val="tx1"/>
-                </a:solidFill>
-              </a:rPr>
-              <a:t>Baccalaureate, bachelors, bachelor, B.S., BS, BA, BA/BS, 4-year, 4-year, 4 year, four year,  college, Undergraduate </a:t>
-            </a:r>
-            <a:r>
               <a:rPr lang="en-US" dirty="0">
                 <a:solidFill>
-                  <a:schemeClr val="tx1"/>
-                </a:solidFill>
-              </a:rPr>
-              <a:t>, </a:t>
-            </a:r>
-            <a:r>
-              <a:rPr lang="en-US" dirty="0" smtClean="0">
-                <a:solidFill>
-                  <a:schemeClr val="tx1"/>
-                </a:solidFill>
-              </a:rPr>
-              <a:t>University</a:t>
-            </a:r>
-            <a:endParaRPr lang="en-US" dirty="0">
-              <a:solidFill>
-                <a:schemeClr val="tx1"/>
-              </a:solidFill>
-            </a:endParaRPr>
-          </a:p>
-          <a:p>
-            <a:endParaRPr lang="en-US" dirty="0"/>
+                  <a:schemeClr val="bg2">
+                    <a:lumMod val="75000"/>
+                  </a:schemeClr>
+                </a:solidFill>
+              </a:rPr>
+              <a:t>Regular Expression Over Tokens</a:t>
+            </a:r>
           </a:p>
         </p:txBody>
       </p:sp>
     </p:spTree>
     <p:extLst>
       <p:ext uri="{BB962C8B-B14F-4D97-AF65-F5344CB8AC3E}">
-        <p14:creationId xmlns:p14="http://schemas.microsoft.com/office/powerpoint/2010/main" val="3266743634"/>
+        <p14:creationId xmlns:p14="http://schemas.microsoft.com/office/powerpoint/2010/main" val="141503816"/>
       </p:ext>
     </p:extLst>
   </p:cSld>
@@ -9997,14 +10205,18 @@
             <a:r>
               <a:rPr lang="en-US" dirty="0" smtClean="0">
                 <a:solidFill>
-                  <a:schemeClr val="tx1"/>
+                  <a:schemeClr val="bg2">
+                    <a:lumMod val="75000"/>
+                  </a:schemeClr>
                 </a:solidFill>
               </a:rPr>
               <a:t>They all use keyword Searching</a:t>
             </a:r>
             <a:endParaRPr lang="en-US" dirty="0">
               <a:solidFill>
-                <a:schemeClr val="tx1"/>
+                <a:schemeClr val="bg2">
+                  <a:lumMod val="75000"/>
+                </a:schemeClr>
               </a:solidFill>
             </a:endParaRPr>
           </a:p>
@@ -10105,6 +10317,245 @@
       </p:grpSpPr>
       <p:sp>
         <p:nvSpPr>
+          <p:cNvPr id="2" name="Content Placeholder 1"/>
+          <p:cNvSpPr>
+            <a:spLocks noGrp="1"/>
+          </p:cNvSpPr>
+          <p:nvPr>
+            <p:ph idx="1"/>
+          </p:nvPr>
+        </p:nvSpPr>
+        <p:spPr>
+          <a:xfrm>
+            <a:off x="763074" y="2226468"/>
+            <a:ext cx="7752277" cy="2345532"/>
+          </a:xfrm>
+        </p:spPr>
+        <p:txBody>
+          <a:bodyPr>
+            <a:normAutofit fontScale="25000" lnSpcReduction="20000"/>
+          </a:bodyPr>
+          <a:lstStyle/>
+          <a:p>
+            <a:r>
+              <a:rPr lang="en-US" sz="9600" dirty="0"/>
+              <a:t>A  single concept </a:t>
+            </a:r>
+            <a:r>
+              <a:rPr lang="en-US" sz="9600" dirty="0" smtClean="0"/>
+              <a:t>may </a:t>
+            </a:r>
+            <a:r>
+              <a:rPr lang="en-US" sz="9600" dirty="0" smtClean="0"/>
+              <a:t>have </a:t>
+            </a:r>
+            <a:r>
+              <a:rPr lang="en-US" sz="9600" dirty="0"/>
+              <a:t>multiple expressions</a:t>
+            </a:r>
+          </a:p>
+          <a:p>
+            <a:r>
+              <a:rPr lang="en-US" sz="9600" dirty="0"/>
+              <a:t>“bachelor’s degree”, the pattern will like below:</a:t>
+            </a:r>
+          </a:p>
+          <a:p>
+            <a:r>
+              <a:rPr lang="en-US" sz="9600" dirty="0"/>
+              <a:t>( Baccalaureate | bachelors | bachelor | B.S | BS | BA ) degree</a:t>
+            </a:r>
+          </a:p>
+          <a:p>
+            <a:endParaRPr lang="en-US" sz="9600" dirty="0"/>
+          </a:p>
+          <a:p>
+            <a:r>
+              <a:rPr lang="en-US" sz="9600" dirty="0"/>
+              <a:t>All words mean bachelors: </a:t>
+            </a:r>
+          </a:p>
+          <a:p>
+            <a:endParaRPr lang="en-US" dirty="0" smtClean="0"/>
+          </a:p>
+          <a:p>
+            <a:endParaRPr lang="en-US" dirty="0"/>
+          </a:p>
+          <a:p>
+            <a:endParaRPr lang="en-US" dirty="0"/>
+          </a:p>
+          <a:p>
+            <a:endParaRPr lang="en-US" dirty="0"/>
+          </a:p>
+        </p:txBody>
+      </p:sp>
+      <p:sp>
+        <p:nvSpPr>
+          <p:cNvPr id="3" name="Title 2"/>
+          <p:cNvSpPr>
+            <a:spLocks noGrp="1"/>
+          </p:cNvSpPr>
+          <p:nvPr>
+            <p:ph type="title"/>
+          </p:nvPr>
+        </p:nvSpPr>
+        <p:spPr>
+          <a:xfrm>
+            <a:off x="759679" y="990600"/>
+            <a:ext cx="7343775" cy="994172"/>
+          </a:xfrm>
+        </p:spPr>
+        <p:txBody>
+          <a:bodyPr/>
+          <a:lstStyle/>
+          <a:p>
+            <a:r>
+              <a:rPr lang="en-US" altLang="zh-CN" dirty="0" smtClean="0">
+                <a:solidFill>
+                  <a:schemeClr val="bg2">
+                    <a:lumMod val="75000"/>
+                  </a:schemeClr>
+                </a:solidFill>
+              </a:rPr>
+              <a:t>C</a:t>
+            </a:r>
+            <a:r>
+              <a:rPr lang="en-US" dirty="0" smtClean="0">
+                <a:solidFill>
+                  <a:schemeClr val="bg2">
+                    <a:lumMod val="75000"/>
+                  </a:schemeClr>
+                </a:solidFill>
+              </a:rPr>
+              <a:t>ombinatorial </a:t>
+            </a:r>
+            <a:r>
+              <a:rPr lang="en-US" altLang="zh-CN" dirty="0" smtClean="0">
+                <a:solidFill>
+                  <a:schemeClr val="bg2">
+                    <a:lumMod val="75000"/>
+                  </a:schemeClr>
+                </a:solidFill>
+              </a:rPr>
+              <a:t>E</a:t>
+            </a:r>
+            <a:r>
+              <a:rPr lang="en-US" dirty="0" smtClean="0">
+                <a:solidFill>
+                  <a:schemeClr val="bg2">
+                    <a:lumMod val="75000"/>
+                  </a:schemeClr>
+                </a:solidFill>
+              </a:rPr>
+              <a:t>xplosion</a:t>
+            </a:r>
+            <a:endParaRPr lang="en-US" dirty="0">
+              <a:solidFill>
+                <a:schemeClr val="bg2">
+                  <a:lumMod val="75000"/>
+                </a:schemeClr>
+              </a:solidFill>
+            </a:endParaRPr>
+          </a:p>
+        </p:txBody>
+      </p:sp>
+      <p:sp>
+        <p:nvSpPr>
+          <p:cNvPr id="5" name="TextBox 4"/>
+          <p:cNvSpPr txBox="1"/>
+          <p:nvPr/>
+        </p:nvSpPr>
+        <p:spPr>
+          <a:xfrm>
+            <a:off x="729199" y="4694304"/>
+            <a:ext cx="8228526" cy="1569660"/>
+          </a:xfrm>
+          <a:prstGeom prst="rect">
+            <a:avLst/>
+          </a:prstGeom>
+          <a:noFill/>
+        </p:spPr>
+        <p:txBody>
+          <a:bodyPr wrap="square" rtlCol="0">
+            <a:spAutoFit/>
+          </a:bodyPr>
+          <a:lstStyle/>
+          <a:p>
+            <a:r>
+              <a:rPr lang="en-US" dirty="0" smtClean="0">
+                <a:solidFill>
+                  <a:schemeClr val="tx1"/>
+                </a:solidFill>
+              </a:rPr>
+              <a:t>Baccalaureate, bachelors, bachelor, B.S., BS, BA, BA/BS, 4-year, 4-year, 4 year, four year,  college, Undergraduate </a:t>
+            </a:r>
+            <a:r>
+              <a:rPr lang="en-US" dirty="0">
+                <a:solidFill>
+                  <a:schemeClr val="tx1"/>
+                </a:solidFill>
+              </a:rPr>
+              <a:t>, </a:t>
+            </a:r>
+            <a:r>
+              <a:rPr lang="en-US" dirty="0" smtClean="0">
+                <a:solidFill>
+                  <a:schemeClr val="tx1"/>
+                </a:solidFill>
+              </a:rPr>
+              <a:t>University</a:t>
+            </a:r>
+            <a:endParaRPr lang="en-US" dirty="0">
+              <a:solidFill>
+                <a:schemeClr val="tx1"/>
+              </a:solidFill>
+            </a:endParaRPr>
+          </a:p>
+          <a:p>
+            <a:endParaRPr lang="en-US" dirty="0"/>
+          </a:p>
+        </p:txBody>
+      </p:sp>
+    </p:spTree>
+    <p:extLst>
+      <p:ext uri="{BB962C8B-B14F-4D97-AF65-F5344CB8AC3E}">
+        <p14:creationId xmlns:p14="http://schemas.microsoft.com/office/powerpoint/2010/main" val="3266743634"/>
+      </p:ext>
+    </p:extLst>
+  </p:cSld>
+  <p:clrMapOvr>
+    <a:masterClrMapping/>
+  </p:clrMapOvr>
+  <mc:AlternateContent xmlns:mc="http://schemas.openxmlformats.org/markup-compatibility/2006" xmlns:p14="http://schemas.microsoft.com/office/powerpoint/2010/main">
+    <mc:Choice Requires="p14">
+      <p:transition spd="slow" p14:dur="2000"/>
+    </mc:Choice>
+    <mc:Fallback xmlns="">
+      <p:transition spd="slow"/>
+    </mc:Fallback>
+  </mc:AlternateContent>
+</p:sld>
+</file>
+
+<file path=ppt/slides/slide31.xml><?xml version="1.0" encoding="utf-8"?>
+<p:sld xmlns:a="http://schemas.openxmlformats.org/drawingml/2006/main" xmlns:r="http://schemas.openxmlformats.org/officeDocument/2006/relationships" xmlns:p="http://schemas.openxmlformats.org/presentationml/2006/main">
+  <p:cSld>
+    <p:spTree>
+      <p:nvGrpSpPr>
+        <p:cNvPr id="1" name=""/>
+        <p:cNvGrpSpPr/>
+        <p:nvPr/>
+      </p:nvGrpSpPr>
+      <p:grpSpPr>
+        <a:xfrm>
+          <a:off x="0" y="0"/>
+          <a:ext cx="0" cy="0"/>
+          <a:chOff x="0" y="0"/>
+          <a:chExt cx="0" cy="0"/>
+        </a:xfrm>
+      </p:grpSpPr>
+      <p:sp>
+        <p:nvSpPr>
           <p:cNvPr id="3" name="Title 2"/>
           <p:cNvSpPr>
             <a:spLocks noGrp="1"/>
@@ -10126,7 +10577,9 @@
             <a:r>
               <a:rPr lang="en-US" dirty="0">
                 <a:solidFill>
-                  <a:schemeClr val="tx1"/>
+                  <a:schemeClr val="bg2">
+                    <a:lumMod val="75000"/>
+                  </a:schemeClr>
                 </a:solidFill>
               </a:rPr>
               <a:t>Semantic Labeling</a:t>
@@ -10711,7 +11164,7 @@
 </p:sld>
 </file>
 
-<file path=ppt/slides/slide31.xml><?xml version="1.0" encoding="utf-8"?>
+<file path=ppt/slides/slide32.xml><?xml version="1.0" encoding="utf-8"?>
 <p:sld xmlns:a="http://schemas.openxmlformats.org/drawingml/2006/main" xmlns:r="http://schemas.openxmlformats.org/officeDocument/2006/relationships" xmlns:p="http://schemas.openxmlformats.org/presentationml/2006/main">
   <p:cSld>
     <p:spTree>
@@ -10788,7 +11241,9 @@
             <a:r>
               <a:rPr lang="en-US" dirty="0">
                 <a:solidFill>
-                  <a:schemeClr val="tx1"/>
+                  <a:schemeClr val="bg2">
+                    <a:lumMod val="75000"/>
+                  </a:schemeClr>
                 </a:solidFill>
               </a:rPr>
               <a:t>Semantic Labeling</a:t>
@@ -11150,7 +11605,7 @@
 </p:sld>
 </file>
 
-<file path=ppt/slides/slide32.xml><?xml version="1.0" encoding="utf-8"?>
+<file path=ppt/slides/slide33.xml><?xml version="1.0" encoding="utf-8"?>
 <p:sld xmlns:a="http://schemas.openxmlformats.org/drawingml/2006/main" xmlns:r="http://schemas.openxmlformats.org/officeDocument/2006/relationships" xmlns:p="http://schemas.openxmlformats.org/presentationml/2006/main">
   <p:cSld>
     <p:spTree>
@@ -11190,14 +11645,18 @@
             <a:r>
               <a:rPr lang="en-US" dirty="0" smtClean="0">
                 <a:solidFill>
-                  <a:schemeClr val="tx1"/>
+                  <a:schemeClr val="bg2">
+                    <a:lumMod val="75000"/>
+                  </a:schemeClr>
                 </a:solidFill>
               </a:rPr>
               <a:t>Pattern Matching </a:t>
             </a:r>
             <a:endParaRPr lang="en-US" dirty="0">
               <a:solidFill>
-                <a:schemeClr val="tx1"/>
+                <a:schemeClr val="bg2">
+                  <a:lumMod val="75000"/>
+                </a:schemeClr>
               </a:solidFill>
             </a:endParaRPr>
           </a:p>
@@ -11615,7 +12074,7 @@
 </p:sld>
 </file>
 
-<file path=ppt/slides/slide33.xml><?xml version="1.0" encoding="utf-8"?>
+<file path=ppt/slides/slide34.xml><?xml version="1.0" encoding="utf-8"?>
 <p:sld xmlns:a="http://schemas.openxmlformats.org/drawingml/2006/main" xmlns:r="http://schemas.openxmlformats.org/officeDocument/2006/relationships" xmlns:p="http://schemas.openxmlformats.org/presentationml/2006/main">
   <p:cSld>
     <p:spTree>
@@ -11655,7 +12114,9 @@
             <a:r>
               <a:rPr lang="en-US" dirty="0" smtClean="0">
                 <a:solidFill>
-                  <a:schemeClr val="tx1"/>
+                  <a:schemeClr val="bg2">
+                    <a:lumMod val="75000"/>
+                  </a:schemeClr>
                 </a:solidFill>
               </a:rPr>
               <a:t>Patterns </a:t>
@@ -11663,7 +12124,9 @@
             <a:r>
               <a:rPr lang="en-US" dirty="0">
                 <a:solidFill>
-                  <a:schemeClr val="tx1"/>
+                  <a:schemeClr val="bg2">
+                    <a:lumMod val="75000"/>
+                  </a:schemeClr>
                 </a:solidFill>
               </a:rPr>
               <a:t>M</a:t>
@@ -11671,14 +12134,18 @@
             <a:r>
               <a:rPr lang="en-US" dirty="0" smtClean="0">
                 <a:solidFill>
-                  <a:schemeClr val="tx1"/>
+                  <a:schemeClr val="bg2">
+                    <a:lumMod val="75000"/>
+                  </a:schemeClr>
                 </a:solidFill>
               </a:rPr>
               <a:t>atching Degree</a:t>
             </a:r>
             <a:endParaRPr lang="en-US" dirty="0">
               <a:solidFill>
-                <a:schemeClr val="tx1"/>
+                <a:schemeClr val="bg2">
+                  <a:lumMod val="75000"/>
+                </a:schemeClr>
               </a:solidFill>
             </a:endParaRPr>
           </a:p>
@@ -11810,75 +12277,6 @@
     <p:extLst>
       <p:ext uri="{BB962C8B-B14F-4D97-AF65-F5344CB8AC3E}">
         <p14:creationId xmlns:p14="http://schemas.microsoft.com/office/powerpoint/2010/main" val="673294621"/>
-      </p:ext>
-    </p:extLst>
-  </p:cSld>
-  <p:clrMapOvr>
-    <a:masterClrMapping/>
-  </p:clrMapOvr>
-  <mc:AlternateContent xmlns:mc="http://schemas.openxmlformats.org/markup-compatibility/2006" xmlns:p14="http://schemas.microsoft.com/office/powerpoint/2010/main">
-    <mc:Choice Requires="p14">
-      <p:transition spd="slow" p14:dur="2000"/>
-    </mc:Choice>
-    <mc:Fallback xmlns="">
-      <p:transition spd="slow"/>
-    </mc:Fallback>
-  </mc:AlternateContent>
-</p:sld>
-</file>
-
-<file path=ppt/slides/slide34.xml><?xml version="1.0" encoding="utf-8"?>
-<p:sld xmlns:a="http://schemas.openxmlformats.org/drawingml/2006/main" xmlns:r="http://schemas.openxmlformats.org/officeDocument/2006/relationships" xmlns:p="http://schemas.openxmlformats.org/presentationml/2006/main">
-  <p:cSld>
-    <p:spTree>
-      <p:nvGrpSpPr>
-        <p:cNvPr id="1" name=""/>
-        <p:cNvGrpSpPr/>
-        <p:nvPr/>
-      </p:nvGrpSpPr>
-      <p:grpSpPr>
-        <a:xfrm>
-          <a:off x="0" y="0"/>
-          <a:ext cx="0" cy="0"/>
-          <a:chOff x="0" y="0"/>
-          <a:chExt cx="0" cy="0"/>
-        </a:xfrm>
-      </p:grpSpPr>
-      <p:sp>
-        <p:nvSpPr>
-          <p:cNvPr id="3" name="Title 2"/>
-          <p:cNvSpPr>
-            <a:spLocks noGrp="1"/>
-          </p:cNvSpPr>
-          <p:nvPr>
-            <p:ph type="title"/>
-          </p:nvPr>
-        </p:nvSpPr>
-        <p:spPr>
-          <a:xfrm>
-            <a:off x="838200" y="2209800"/>
-            <a:ext cx="7343775" cy="994172"/>
-          </a:xfrm>
-        </p:spPr>
-        <p:txBody>
-          <a:bodyPr/>
-          <a:lstStyle/>
-          <a:p>
-            <a:r>
-              <a:rPr lang="en-US" dirty="0">
-                <a:solidFill>
-                  <a:schemeClr val="tx1"/>
-                </a:solidFill>
-              </a:rPr>
-              <a:t>Implementation of Regular Expression Over Tokens </a:t>
-            </a:r>
-          </a:p>
-        </p:txBody>
-      </p:sp>
-    </p:spTree>
-    <p:extLst>
-      <p:ext uri="{BB962C8B-B14F-4D97-AF65-F5344CB8AC3E}">
-        <p14:creationId xmlns:p14="http://schemas.microsoft.com/office/powerpoint/2010/main" val="647024876"/>
       </p:ext>
     </p:extLst>
   </p:cSld>
@@ -11925,6 +12323,77 @@
         </p:nvSpPr>
         <p:spPr>
           <a:xfrm>
+            <a:off x="838200" y="2209800"/>
+            <a:ext cx="7343775" cy="994172"/>
+          </a:xfrm>
+        </p:spPr>
+        <p:txBody>
+          <a:bodyPr/>
+          <a:lstStyle/>
+          <a:p>
+            <a:r>
+              <a:rPr lang="en-US" dirty="0">
+                <a:solidFill>
+                  <a:schemeClr val="bg2">
+                    <a:lumMod val="75000"/>
+                  </a:schemeClr>
+                </a:solidFill>
+              </a:rPr>
+              <a:t>Implementation of Regular Expression Over Tokens </a:t>
+            </a:r>
+          </a:p>
+        </p:txBody>
+      </p:sp>
+    </p:spTree>
+    <p:extLst>
+      <p:ext uri="{BB962C8B-B14F-4D97-AF65-F5344CB8AC3E}">
+        <p14:creationId xmlns:p14="http://schemas.microsoft.com/office/powerpoint/2010/main" val="647024876"/>
+      </p:ext>
+    </p:extLst>
+  </p:cSld>
+  <p:clrMapOvr>
+    <a:masterClrMapping/>
+  </p:clrMapOvr>
+  <mc:AlternateContent xmlns:mc="http://schemas.openxmlformats.org/markup-compatibility/2006" xmlns:p14="http://schemas.microsoft.com/office/powerpoint/2010/main">
+    <mc:Choice Requires="p14">
+      <p:transition spd="slow" p14:dur="2000"/>
+    </mc:Choice>
+    <mc:Fallback xmlns="">
+      <p:transition spd="slow"/>
+    </mc:Fallback>
+  </mc:AlternateContent>
+</p:sld>
+</file>
+
+<file path=ppt/slides/slide36.xml><?xml version="1.0" encoding="utf-8"?>
+<p:sld xmlns:a="http://schemas.openxmlformats.org/drawingml/2006/main" xmlns:r="http://schemas.openxmlformats.org/officeDocument/2006/relationships" xmlns:p="http://schemas.openxmlformats.org/presentationml/2006/main">
+  <p:cSld>
+    <p:spTree>
+      <p:nvGrpSpPr>
+        <p:cNvPr id="1" name=""/>
+        <p:cNvGrpSpPr/>
+        <p:nvPr/>
+      </p:nvGrpSpPr>
+      <p:grpSpPr>
+        <a:xfrm>
+          <a:off x="0" y="0"/>
+          <a:ext cx="0" cy="0"/>
+          <a:chOff x="0" y="0"/>
+          <a:chExt cx="0" cy="0"/>
+        </a:xfrm>
+      </p:grpSpPr>
+      <p:sp>
+        <p:nvSpPr>
+          <p:cNvPr id="3" name="Title 2"/>
+          <p:cNvSpPr>
+            <a:spLocks noGrp="1"/>
+          </p:cNvSpPr>
+          <p:nvPr>
+            <p:ph type="title"/>
+          </p:nvPr>
+        </p:nvSpPr>
+        <p:spPr>
+          <a:xfrm>
             <a:off x="1171575" y="1131094"/>
             <a:ext cx="7343775" cy="994172"/>
           </a:xfrm>
@@ -11936,7 +12405,9 @@
             <a:r>
               <a:rPr lang="en-US" altLang="zh-CN" dirty="0" smtClean="0">
                 <a:solidFill>
-                  <a:schemeClr val="tx1"/>
+                  <a:schemeClr val="bg2">
+                    <a:lumMod val="75000"/>
+                  </a:schemeClr>
                 </a:solidFill>
               </a:rPr>
               <a:t>Matchers </a:t>
@@ -11944,14 +12415,18 @@
             <a:r>
               <a:rPr lang="en-US" dirty="0" smtClean="0">
                 <a:solidFill>
-                  <a:schemeClr val="tx1"/>
+                  <a:schemeClr val="bg2">
+                    <a:lumMod val="75000"/>
+                  </a:schemeClr>
                 </a:solidFill>
               </a:rPr>
               <a:t>current support </a:t>
             </a:r>
             <a:endParaRPr lang="en-US" dirty="0">
               <a:solidFill>
-                <a:schemeClr val="tx1"/>
+                <a:schemeClr val="bg2">
+                  <a:lumMod val="75000"/>
+                </a:schemeClr>
               </a:solidFill>
             </a:endParaRPr>
           </a:p>
@@ -12009,7 +12484,7 @@
 </p:sld>
 </file>
 
-<file path=ppt/slides/slide36.xml><?xml version="1.0" encoding="utf-8"?>
+<file path=ppt/slides/slide37.xml><?xml version="1.0" encoding="utf-8"?>
 <p:sld xmlns:a="http://schemas.openxmlformats.org/drawingml/2006/main" xmlns:r="http://schemas.openxmlformats.org/officeDocument/2006/relationships" xmlns:p="http://schemas.openxmlformats.org/presentationml/2006/main">
   <p:cSld>
     <p:spTree>
@@ -12102,7 +12577,9 @@
             <a:r>
               <a:rPr lang="en-US" sz="3600" dirty="0">
                 <a:solidFill>
-                  <a:schemeClr val="tx1"/>
+                  <a:schemeClr val="bg2">
+                    <a:lumMod val="75000"/>
+                  </a:schemeClr>
                 </a:solidFill>
               </a:rPr>
               <a:t>Finite </a:t>
@@ -12110,14 +12587,18 @@
             <a:r>
               <a:rPr lang="en-US" sz="3600" dirty="0" smtClean="0">
                 <a:solidFill>
-                  <a:schemeClr val="tx1"/>
+                  <a:schemeClr val="bg2">
+                    <a:lumMod val="75000"/>
+                  </a:schemeClr>
                 </a:solidFill>
               </a:rPr>
               <a:t>Automata Transducers</a:t>
             </a:r>
             <a:endParaRPr lang="en-US" sz="3600" dirty="0">
               <a:solidFill>
-                <a:schemeClr val="tx1"/>
+                <a:schemeClr val="bg2">
+                  <a:lumMod val="75000"/>
+                </a:schemeClr>
               </a:solidFill>
             </a:endParaRPr>
           </a:p>
@@ -12175,7 +12656,7 @@
 </p:sld>
 </file>
 
-<file path=ppt/slides/slide37.xml><?xml version="1.0" encoding="utf-8"?>
+<file path=ppt/slides/slide38.xml><?xml version="1.0" encoding="utf-8"?>
 <p:sld xmlns:a="http://schemas.openxmlformats.org/drawingml/2006/main" xmlns:r="http://schemas.openxmlformats.org/officeDocument/2006/relationships" xmlns:p="http://schemas.openxmlformats.org/presentationml/2006/main" show="0">
   <p:cSld>
     <p:spTree>
@@ -12324,178 +12805,6 @@
     <p:extLst>
       <p:ext uri="{BB962C8B-B14F-4D97-AF65-F5344CB8AC3E}">
         <p14:creationId xmlns:p14="http://schemas.microsoft.com/office/powerpoint/2010/main" val="1546613809"/>
-      </p:ext>
-    </p:extLst>
-  </p:cSld>
-  <p:clrMapOvr>
-    <a:masterClrMapping/>
-  </p:clrMapOvr>
-  <mc:AlternateContent xmlns:mc="http://schemas.openxmlformats.org/markup-compatibility/2006" xmlns:p14="http://schemas.microsoft.com/office/powerpoint/2010/main">
-    <mc:Choice Requires="p14">
-      <p:transition spd="slow" p14:dur="2000"/>
-    </mc:Choice>
-    <mc:Fallback xmlns="">
-      <p:transition spd="slow"/>
-    </mc:Fallback>
-  </mc:AlternateContent>
-  <p:timing>
-    <p:tnLst>
-      <p:par>
-        <p:cTn id="1" dur="indefinite" restart="never" nodeType="tmRoot"/>
-      </p:par>
-    </p:tnLst>
-  </p:timing>
-</p:sld>
-</file>
-
-<file path=ppt/slides/slide38.xml><?xml version="1.0" encoding="utf-8"?>
-<p:sld xmlns:a="http://schemas.openxmlformats.org/drawingml/2006/main" xmlns:r="http://schemas.openxmlformats.org/officeDocument/2006/relationships" xmlns:p="http://schemas.openxmlformats.org/presentationml/2006/main">
-  <p:cSld>
-    <p:spTree>
-      <p:nvGrpSpPr>
-        <p:cNvPr id="1" name=""/>
-        <p:cNvGrpSpPr/>
-        <p:nvPr/>
-      </p:nvGrpSpPr>
-      <p:grpSpPr>
-        <a:xfrm>
-          <a:off x="0" y="0"/>
-          <a:ext cx="0" cy="0"/>
-          <a:chOff x="0" y="0"/>
-          <a:chExt cx="0" cy="0"/>
-        </a:xfrm>
-      </p:grpSpPr>
-      <p:sp>
-        <p:nvSpPr>
-          <p:cNvPr id="3" name="Title 2"/>
-          <p:cNvSpPr>
-            <a:spLocks noGrp="1"/>
-          </p:cNvSpPr>
-          <p:nvPr>
-            <p:ph type="title"/>
-          </p:nvPr>
-        </p:nvSpPr>
-        <p:spPr>
-          <a:xfrm>
-            <a:off x="533400" y="1371600"/>
-            <a:ext cx="7752008" cy="1295400"/>
-          </a:xfrm>
-        </p:spPr>
-        <p:txBody>
-          <a:bodyPr/>
-          <a:lstStyle/>
-          <a:p>
-            <a:r>
-              <a:rPr lang="en-US" sz="3600" dirty="0" smtClean="0">
-                <a:solidFill>
-                  <a:schemeClr val="tx1"/>
-                </a:solidFill>
-              </a:rPr>
-              <a:t>Flexibility </a:t>
-            </a:r>
-            <a:br>
-              <a:rPr lang="en-US" sz="3600" dirty="0" smtClean="0">
-                <a:solidFill>
-                  <a:schemeClr val="tx1"/>
-                </a:solidFill>
-              </a:rPr>
-            </a:br>
-            <a:r>
-              <a:rPr lang="en-US" sz="3600" dirty="0" smtClean="0">
-                <a:solidFill>
-                  <a:schemeClr val="tx1"/>
-                </a:solidFill>
-              </a:rPr>
-              <a:t>–  regular expression style </a:t>
-            </a:r>
-            <a:endParaRPr lang="en-US" sz="3600" dirty="0">
-              <a:solidFill>
-                <a:schemeClr val="tx1"/>
-              </a:solidFill>
-            </a:endParaRPr>
-          </a:p>
-        </p:txBody>
-      </p:sp>
-      <p:sp>
-        <p:nvSpPr>
-          <p:cNvPr id="2" name="Rectangle 1"/>
-          <p:cNvSpPr/>
-          <p:nvPr/>
-        </p:nvSpPr>
-        <p:spPr>
-          <a:xfrm>
-            <a:off x="762000" y="3048000"/>
-            <a:ext cx="7930166" cy="1800493"/>
-          </a:xfrm>
-          <a:prstGeom prst="rect">
-            <a:avLst/>
-          </a:prstGeom>
-        </p:spPr>
-        <p:txBody>
-          <a:bodyPr wrap="square">
-            <a:spAutoFit/>
-          </a:bodyPr>
-          <a:lstStyle/>
-          <a:p>
-            <a:r>
-              <a:rPr lang="en-US" sz="2100" dirty="0"/>
-              <a:t>Pattern: DE-LEVEL DEGREE ( IN | OF ) DT? MAJOR</a:t>
-            </a:r>
-          </a:p>
-          <a:p>
-            <a:endParaRPr lang="en-US" sz="2100" dirty="0"/>
-          </a:p>
-          <a:p>
-            <a:endParaRPr lang="en-US" sz="2100" dirty="0"/>
-          </a:p>
-          <a:p>
-            <a:r>
-              <a:rPr lang="en-US" dirty="0" err="1">
-                <a:solidFill>
-                  <a:schemeClr val="accent2"/>
-                </a:solidFill>
-                <a:latin typeface="MS PMincho" panose="02020600040205080304" pitchFamily="18" charset="-128"/>
-                <a:ea typeface="MS PMincho" panose="02020600040205080304" pitchFamily="18" charset="-128"/>
-              </a:rPr>
-              <a:t>seqMatcher</a:t>
-            </a:r>
-            <a:r>
-              <a:rPr lang="en-US" dirty="0">
-                <a:solidFill>
-                  <a:schemeClr val="accent2"/>
-                </a:solidFill>
-                <a:latin typeface="MS PMincho" panose="02020600040205080304" pitchFamily="18" charset="-128"/>
-                <a:ea typeface="MS PMincho" panose="02020600040205080304" pitchFamily="18" charset="-128"/>
-              </a:rPr>
-              <a:t> =</a:t>
-            </a:r>
-            <a:r>
-              <a:rPr lang="en-US" dirty="0" err="1">
-                <a:solidFill>
-                  <a:schemeClr val="accent2"/>
-                </a:solidFill>
-                <a:latin typeface="MS PMincho" panose="02020600040205080304" pitchFamily="18" charset="-128"/>
-                <a:ea typeface="MS PMincho" panose="02020600040205080304" pitchFamily="18" charset="-128"/>
-              </a:rPr>
-              <a:t>parser.parse</a:t>
-            </a:r>
-            <a:r>
-              <a:rPr lang="en-US" dirty="0">
-                <a:solidFill>
-                  <a:schemeClr val="accent2"/>
-                </a:solidFill>
-                <a:latin typeface="MS PMincho" panose="02020600040205080304" pitchFamily="18" charset="-128"/>
-                <a:ea typeface="MS PMincho" panose="02020600040205080304" pitchFamily="18" charset="-128"/>
-              </a:rPr>
-              <a:t>(”DE-LEVEL DEGREE ( IN | OF ) DT? MAJOR”)</a:t>
-            </a:r>
-          </a:p>
-        </p:txBody>
-      </p:sp>
-    </p:spTree>
-    <p:extLst>
-      <p:ext uri="{BB962C8B-B14F-4D97-AF65-F5344CB8AC3E}">
-        <p14:creationId xmlns:p14="http://schemas.microsoft.com/office/powerpoint/2010/main" val="1451744618"/>
       </p:ext>
     </p:extLst>
   </p:cSld>
@@ -12539,200 +12848,6 @@
       </p:grpSpPr>
       <p:sp>
         <p:nvSpPr>
-          <p:cNvPr id="2" name="Content Placeholder 1"/>
-          <p:cNvSpPr>
-            <a:spLocks noGrp="1"/>
-          </p:cNvSpPr>
-          <p:nvPr>
-            <p:ph idx="1"/>
-          </p:nvPr>
-        </p:nvSpPr>
-        <p:spPr>
-          <a:xfrm>
-            <a:off x="725609" y="2514600"/>
-            <a:ext cx="7790914" cy="2650331"/>
-          </a:xfrm>
-        </p:spPr>
-        <p:txBody>
-          <a:bodyPr/>
-          <a:lstStyle/>
-          <a:p>
-            <a:r>
-              <a:rPr lang="en-US" sz="2400" dirty="0" smtClean="0"/>
-              <a:t>Pattern: </a:t>
-            </a:r>
-            <a:r>
-              <a:rPr lang="en-US" sz="2400" dirty="0"/>
-              <a:t>”DE-LEVEL DEGREE (IN | OF) MAJOR</a:t>
-            </a:r>
-            <a:r>
-              <a:rPr lang="en-US" sz="2400" dirty="0" smtClean="0"/>
-              <a:t>”</a:t>
-            </a:r>
-          </a:p>
-          <a:p>
-            <a:endParaRPr lang="en-US" sz="2400" dirty="0" smtClean="0">
-              <a:solidFill>
-                <a:schemeClr val="accent6"/>
-              </a:solidFill>
-            </a:endParaRPr>
-          </a:p>
-          <a:p>
-            <a:r>
-              <a:rPr lang="en-US" sz="2400" dirty="0" err="1" smtClean="0">
-                <a:solidFill>
-                  <a:schemeClr val="accent6"/>
-                </a:solidFill>
-                <a:latin typeface="MS PMincho" panose="02020600040205080304" pitchFamily="18" charset="-128"/>
-                <a:ea typeface="MS PMincho" panose="02020600040205080304" pitchFamily="18" charset="-128"/>
-              </a:rPr>
-              <a:t>seqMatcher</a:t>
-            </a:r>
-            <a:r>
-              <a:rPr lang="en-US" sz="2400" dirty="0" smtClean="0">
-                <a:solidFill>
-                  <a:schemeClr val="accent6"/>
-                </a:solidFill>
-                <a:latin typeface="MS PMincho" panose="02020600040205080304" pitchFamily="18" charset="-128"/>
-                <a:ea typeface="MS PMincho" panose="02020600040205080304" pitchFamily="18" charset="-128"/>
-              </a:rPr>
-              <a:t> </a:t>
-            </a:r>
-            <a:r>
-              <a:rPr lang="en-US" sz="2400" dirty="0">
-                <a:solidFill>
-                  <a:schemeClr val="accent6"/>
-                </a:solidFill>
-                <a:latin typeface="MS PMincho" panose="02020600040205080304" pitchFamily="18" charset="-128"/>
-                <a:ea typeface="MS PMincho" panose="02020600040205080304" pitchFamily="18" charset="-128"/>
-              </a:rPr>
-              <a:t>= </a:t>
-            </a:r>
-            <a:r>
-              <a:rPr lang="en-US" sz="2400" dirty="0" err="1">
-                <a:solidFill>
-                  <a:schemeClr val="accent6"/>
-                </a:solidFill>
-                <a:latin typeface="MS PMincho" panose="02020600040205080304" pitchFamily="18" charset="-128"/>
-                <a:ea typeface="MS PMincho" panose="02020600040205080304" pitchFamily="18" charset="-128"/>
-              </a:rPr>
-              <a:t>UnitMatcher</a:t>
-            </a:r>
-            <a:r>
-              <a:rPr lang="en-US" sz="2400" dirty="0">
-                <a:solidFill>
-                  <a:schemeClr val="accent6"/>
-                </a:solidFill>
-                <a:latin typeface="MS PMincho" panose="02020600040205080304" pitchFamily="18" charset="-128"/>
-                <a:ea typeface="MS PMincho" panose="02020600040205080304" pitchFamily="18" charset="-128"/>
-              </a:rPr>
-              <a:t>(”DE-LEVEL”) </a:t>
-            </a:r>
-            <a:r>
-              <a:rPr lang="en-US" sz="2400" dirty="0" smtClean="0">
-                <a:solidFill>
-                  <a:schemeClr val="accent6"/>
-                </a:solidFill>
-                <a:latin typeface="MS PMincho" panose="02020600040205080304" pitchFamily="18" charset="-128"/>
-                <a:ea typeface="MS PMincho" panose="02020600040205080304" pitchFamily="18" charset="-128"/>
-              </a:rPr>
-              <a:t>+ </a:t>
-            </a:r>
-            <a:r>
-              <a:rPr lang="en-US" sz="2400" dirty="0" err="1" smtClean="0">
-                <a:solidFill>
-                  <a:schemeClr val="accent6"/>
-                </a:solidFill>
-                <a:latin typeface="MS PMincho" panose="02020600040205080304" pitchFamily="18" charset="-128"/>
-                <a:ea typeface="MS PMincho" panose="02020600040205080304" pitchFamily="18" charset="-128"/>
-              </a:rPr>
-              <a:t>UnitMatcher</a:t>
-            </a:r>
-            <a:r>
-              <a:rPr lang="en-US" sz="2400" dirty="0">
-                <a:solidFill>
-                  <a:schemeClr val="accent6"/>
-                </a:solidFill>
-                <a:latin typeface="MS PMincho" panose="02020600040205080304" pitchFamily="18" charset="-128"/>
-                <a:ea typeface="MS PMincho" panose="02020600040205080304" pitchFamily="18" charset="-128"/>
-              </a:rPr>
-              <a:t>(”DEGREE”) </a:t>
-            </a:r>
-            <a:r>
-              <a:rPr lang="en-US" sz="2400" dirty="0" smtClean="0">
-                <a:solidFill>
-                  <a:schemeClr val="accent6"/>
-                </a:solidFill>
-                <a:latin typeface="MS PMincho" panose="02020600040205080304" pitchFamily="18" charset="-128"/>
-                <a:ea typeface="MS PMincho" panose="02020600040205080304" pitchFamily="18" charset="-128"/>
-              </a:rPr>
-              <a:t>+ ( </a:t>
-            </a:r>
-            <a:r>
-              <a:rPr lang="en-US" sz="2400" dirty="0" err="1">
-                <a:solidFill>
-                  <a:schemeClr val="accent6"/>
-                </a:solidFill>
-                <a:latin typeface="MS PMincho" panose="02020600040205080304" pitchFamily="18" charset="-128"/>
-                <a:ea typeface="MS PMincho" panose="02020600040205080304" pitchFamily="18" charset="-128"/>
-              </a:rPr>
-              <a:t>UnitMatcher</a:t>
-            </a:r>
-            <a:r>
-              <a:rPr lang="en-US" sz="2400" dirty="0">
-                <a:solidFill>
-                  <a:schemeClr val="accent6"/>
-                </a:solidFill>
-                <a:latin typeface="MS PMincho" panose="02020600040205080304" pitchFamily="18" charset="-128"/>
-                <a:ea typeface="MS PMincho" panose="02020600040205080304" pitchFamily="18" charset="-128"/>
-              </a:rPr>
-              <a:t>(”IN”) | </a:t>
-            </a:r>
-            <a:r>
-              <a:rPr lang="en-US" sz="2400" dirty="0" err="1">
-                <a:solidFill>
-                  <a:schemeClr val="accent6"/>
-                </a:solidFill>
-                <a:latin typeface="MS PMincho" panose="02020600040205080304" pitchFamily="18" charset="-128"/>
-                <a:ea typeface="MS PMincho" panose="02020600040205080304" pitchFamily="18" charset="-128"/>
-              </a:rPr>
-              <a:t>UnitMatcher</a:t>
-            </a:r>
-            <a:r>
-              <a:rPr lang="en-US" sz="2400" dirty="0">
-                <a:solidFill>
-                  <a:schemeClr val="accent6"/>
-                </a:solidFill>
-                <a:latin typeface="MS PMincho" panose="02020600040205080304" pitchFamily="18" charset="-128"/>
-                <a:ea typeface="MS PMincho" panose="02020600040205080304" pitchFamily="18" charset="-128"/>
-              </a:rPr>
-              <a:t>(”OF” ) ) + </a:t>
-            </a:r>
-            <a:r>
-              <a:rPr lang="en-US" sz="2400" dirty="0" err="1">
-                <a:solidFill>
-                  <a:schemeClr val="accent6"/>
-                </a:solidFill>
-                <a:latin typeface="MS PMincho" panose="02020600040205080304" pitchFamily="18" charset="-128"/>
-                <a:ea typeface="MS PMincho" panose="02020600040205080304" pitchFamily="18" charset="-128"/>
-              </a:rPr>
-              <a:t>UnitMatcher</a:t>
-            </a:r>
-            <a:r>
-              <a:rPr lang="en-US" sz="2400" dirty="0">
-                <a:solidFill>
-                  <a:schemeClr val="accent6"/>
-                </a:solidFill>
-                <a:latin typeface="MS PMincho" panose="02020600040205080304" pitchFamily="18" charset="-128"/>
-                <a:ea typeface="MS PMincho" panose="02020600040205080304" pitchFamily="18" charset="-128"/>
-              </a:rPr>
-              <a:t>(”MAJOR”)</a:t>
-            </a:r>
-          </a:p>
-        </p:txBody>
-      </p:sp>
-      <p:sp>
-        <p:nvSpPr>
           <p:cNvPr id="3" name="Title 2"/>
           <p:cNvSpPr>
             <a:spLocks noGrp="1"/>
@@ -12743,59 +12858,133 @@
         </p:nvSpPr>
         <p:spPr>
           <a:xfrm>
-            <a:off x="724437" y="1066800"/>
-            <a:ext cx="7657563" cy="994172"/>
+            <a:off x="533400" y="1371600"/>
+            <a:ext cx="7752008" cy="1295400"/>
           </a:xfrm>
         </p:spPr>
         <p:txBody>
-          <a:bodyPr>
-            <a:normAutofit fontScale="90000"/>
+          <a:bodyPr/>
+          <a:lstStyle/>
+          <a:p>
+            <a:r>
+              <a:rPr lang="en-US" sz="3600" dirty="0" smtClean="0">
+                <a:solidFill>
+                  <a:schemeClr val="bg2">
+                    <a:lumMod val="75000"/>
+                  </a:schemeClr>
+                </a:solidFill>
+              </a:rPr>
+              <a:t>Flexibility </a:t>
+            </a:r>
+            <a:br>
+              <a:rPr lang="en-US" sz="3600" dirty="0" smtClean="0">
+                <a:solidFill>
+                  <a:schemeClr val="bg2">
+                    <a:lumMod val="75000"/>
+                  </a:schemeClr>
+                </a:solidFill>
+              </a:rPr>
+            </a:br>
+            <a:r>
+              <a:rPr lang="en-US" sz="3600" dirty="0" smtClean="0">
+                <a:solidFill>
+                  <a:schemeClr val="bg2">
+                    <a:lumMod val="75000"/>
+                  </a:schemeClr>
+                </a:solidFill>
+              </a:rPr>
+              <a:t>–  regular expression style </a:t>
+            </a:r>
+            <a:endParaRPr lang="en-US" sz="3600" dirty="0">
+              <a:solidFill>
+                <a:schemeClr val="bg2">
+                  <a:lumMod val="75000"/>
+                </a:schemeClr>
+              </a:solidFill>
+            </a:endParaRPr>
+          </a:p>
+        </p:txBody>
+      </p:sp>
+      <p:sp>
+        <p:nvSpPr>
+          <p:cNvPr id="2" name="Rectangle 1"/>
+          <p:cNvSpPr/>
+          <p:nvPr/>
+        </p:nvSpPr>
+        <p:spPr>
+          <a:xfrm>
+            <a:off x="762000" y="3048000"/>
+            <a:ext cx="7930166" cy="1800493"/>
+          </a:xfrm>
+          <a:prstGeom prst="rect">
+            <a:avLst/>
+          </a:prstGeom>
+        </p:spPr>
+        <p:txBody>
+          <a:bodyPr wrap="square">
+            <a:spAutoFit/>
           </a:bodyPr>
           <a:lstStyle/>
           <a:p>
             <a:r>
+              <a:rPr lang="en-US" sz="2100" dirty="0"/>
+              <a:t>Pattern: DE-LEVEL DEGREE ( IN | OF ) DT? MAJOR</a:t>
+            </a:r>
+          </a:p>
+          <a:p>
+            <a:endParaRPr lang="en-US" sz="2100" dirty="0"/>
+          </a:p>
+          <a:p>
+            <a:endParaRPr lang="en-US" sz="2100" dirty="0"/>
+          </a:p>
+          <a:p>
+            <a:r>
+              <a:rPr lang="en-US" dirty="0" err="1">
+                <a:solidFill>
+                  <a:schemeClr val="accent2"/>
+                </a:solidFill>
+                <a:latin typeface="MS PMincho" panose="02020600040205080304" pitchFamily="18" charset="-128"/>
+                <a:ea typeface="MS PMincho" panose="02020600040205080304" pitchFamily="18" charset="-128"/>
+              </a:rPr>
+              <a:t>seqMatcher</a:t>
+            </a:r>
+            <a:r>
               <a:rPr lang="en-US" dirty="0">
                 <a:solidFill>
-                  <a:schemeClr val="tx1"/>
-                </a:solidFill>
-              </a:rPr>
-              <a:t>Flexibility </a:t>
-            </a:r>
-            <a:br>
+                  <a:schemeClr val="accent2"/>
+                </a:solidFill>
+                <a:latin typeface="MS PMincho" panose="02020600040205080304" pitchFamily="18" charset="-128"/>
+                <a:ea typeface="MS PMincho" panose="02020600040205080304" pitchFamily="18" charset="-128"/>
+              </a:rPr>
+              <a:t> =</a:t>
+            </a:r>
+            <a:r>
+              <a:rPr lang="en-US" dirty="0" err="1">
+                <a:solidFill>
+                  <a:schemeClr val="accent2"/>
+                </a:solidFill>
+                <a:latin typeface="MS PMincho" panose="02020600040205080304" pitchFamily="18" charset="-128"/>
+                <a:ea typeface="MS PMincho" panose="02020600040205080304" pitchFamily="18" charset="-128"/>
+              </a:rPr>
+              <a:t>parser.parse</a:t>
+            </a:r>
+            <a:r>
               <a:rPr lang="en-US" dirty="0">
                 <a:solidFill>
-                  <a:schemeClr val="tx1"/>
-                </a:solidFill>
-              </a:rPr>
-            </a:br>
-            <a:r>
-              <a:rPr lang="en-US" dirty="0">
-                <a:solidFill>
-                  <a:schemeClr val="tx1"/>
-                </a:solidFill>
-              </a:rPr>
-              <a:t>–</a:t>
-            </a:r>
-            <a:r>
-              <a:rPr lang="en-US" dirty="0" smtClean="0">
-                <a:solidFill>
-                  <a:schemeClr val="tx1"/>
-                </a:solidFill>
-              </a:rPr>
-              <a:t> connected by algebra operators</a:t>
-            </a:r>
-            <a:endParaRPr lang="en-US" dirty="0">
-              <a:solidFill>
-                <a:schemeClr val="tx1"/>
-              </a:solidFill>
-            </a:endParaRPr>
+                  <a:schemeClr val="accent2"/>
+                </a:solidFill>
+                <a:latin typeface="MS PMincho" panose="02020600040205080304" pitchFamily="18" charset="-128"/>
+                <a:ea typeface="MS PMincho" panose="02020600040205080304" pitchFamily="18" charset="-128"/>
+              </a:rPr>
+              <a:t>(”DE-LEVEL DEGREE ( IN | OF ) DT? MAJOR”)</a:t>
+            </a:r>
           </a:p>
         </p:txBody>
       </p:sp>
     </p:spTree>
     <p:extLst>
       <p:ext uri="{BB962C8B-B14F-4D97-AF65-F5344CB8AC3E}">
-        <p14:creationId xmlns:p14="http://schemas.microsoft.com/office/powerpoint/2010/main" val="3088075092"/>
+        <p14:creationId xmlns:p14="http://schemas.microsoft.com/office/powerpoint/2010/main" val="1451744618"/>
       </p:ext>
     </p:extLst>
   </p:cSld>
@@ -12849,8 +13038,8 @@
         </p:nvSpPr>
         <p:spPr>
           <a:xfrm>
-            <a:off x="448101" y="2209800"/>
-            <a:ext cx="8228013" cy="4981575"/>
+            <a:off x="448101" y="2286000"/>
+            <a:ext cx="8228013" cy="3845023"/>
           </a:xfrm>
         </p:spPr>
         <p:txBody>
@@ -12935,14 +13124,18 @@
             <a:r>
               <a:rPr lang="en-US" dirty="0" smtClean="0">
                 <a:solidFill>
-                  <a:schemeClr val="tx1"/>
+                  <a:schemeClr val="bg2">
+                    <a:lumMod val="75000"/>
+                  </a:schemeClr>
                 </a:solidFill>
               </a:rPr>
               <a:t>Problems of keyword Searching</a:t>
             </a:r>
             <a:endParaRPr lang="en-US" dirty="0">
               <a:solidFill>
-                <a:schemeClr val="tx1"/>
+                <a:schemeClr val="bg2">
+                  <a:lumMod val="75000"/>
+                </a:schemeClr>
               </a:solidFill>
             </a:endParaRPr>
           </a:p>
@@ -13019,6 +13212,200 @@
       </p:grpSpPr>
       <p:sp>
         <p:nvSpPr>
+          <p:cNvPr id="2" name="Content Placeholder 1"/>
+          <p:cNvSpPr>
+            <a:spLocks noGrp="1"/>
+          </p:cNvSpPr>
+          <p:nvPr>
+            <p:ph idx="1"/>
+          </p:nvPr>
+        </p:nvSpPr>
+        <p:spPr>
+          <a:xfrm>
+            <a:off x="725609" y="2514600"/>
+            <a:ext cx="7790914" cy="2650331"/>
+          </a:xfrm>
+        </p:spPr>
+        <p:txBody>
+          <a:bodyPr/>
+          <a:lstStyle/>
+          <a:p>
+            <a:r>
+              <a:rPr lang="en-US" sz="2400" dirty="0" smtClean="0"/>
+              <a:t>Pattern: </a:t>
+            </a:r>
+            <a:r>
+              <a:rPr lang="en-US" sz="2400" dirty="0"/>
+              <a:t>”DE-LEVEL DEGREE (IN | OF) MAJOR</a:t>
+            </a:r>
+            <a:r>
+              <a:rPr lang="en-US" sz="2400" dirty="0" smtClean="0"/>
+              <a:t>”</a:t>
+            </a:r>
+          </a:p>
+          <a:p>
+            <a:endParaRPr lang="en-US" sz="2400" dirty="0" smtClean="0">
+              <a:solidFill>
+                <a:schemeClr val="accent6"/>
+              </a:solidFill>
+            </a:endParaRPr>
+          </a:p>
+          <a:p>
+            <a:r>
+              <a:rPr lang="en-US" sz="2400" dirty="0" err="1" smtClean="0">
+                <a:solidFill>
+                  <a:schemeClr val="accent6"/>
+                </a:solidFill>
+                <a:latin typeface="MS PMincho" panose="02020600040205080304" pitchFamily="18" charset="-128"/>
+                <a:ea typeface="MS PMincho" panose="02020600040205080304" pitchFamily="18" charset="-128"/>
+              </a:rPr>
+              <a:t>seqMatcher</a:t>
+            </a:r>
+            <a:r>
+              <a:rPr lang="en-US" sz="2400" dirty="0" smtClean="0">
+                <a:solidFill>
+                  <a:schemeClr val="accent6"/>
+                </a:solidFill>
+                <a:latin typeface="MS PMincho" panose="02020600040205080304" pitchFamily="18" charset="-128"/>
+                <a:ea typeface="MS PMincho" panose="02020600040205080304" pitchFamily="18" charset="-128"/>
+              </a:rPr>
+              <a:t> </a:t>
+            </a:r>
+            <a:r>
+              <a:rPr lang="en-US" sz="2400" dirty="0">
+                <a:solidFill>
+                  <a:schemeClr val="accent6"/>
+                </a:solidFill>
+                <a:latin typeface="MS PMincho" panose="02020600040205080304" pitchFamily="18" charset="-128"/>
+                <a:ea typeface="MS PMincho" panose="02020600040205080304" pitchFamily="18" charset="-128"/>
+              </a:rPr>
+              <a:t>= </a:t>
+            </a:r>
+            <a:r>
+              <a:rPr lang="en-US" sz="2400" dirty="0" err="1">
+                <a:solidFill>
+                  <a:schemeClr val="accent6"/>
+                </a:solidFill>
+                <a:latin typeface="MS PMincho" panose="02020600040205080304" pitchFamily="18" charset="-128"/>
+                <a:ea typeface="MS PMincho" panose="02020600040205080304" pitchFamily="18" charset="-128"/>
+              </a:rPr>
+              <a:t>UnitMatcher</a:t>
+            </a:r>
+            <a:r>
+              <a:rPr lang="en-US" sz="2400" dirty="0">
+                <a:solidFill>
+                  <a:schemeClr val="accent6"/>
+                </a:solidFill>
+                <a:latin typeface="MS PMincho" panose="02020600040205080304" pitchFamily="18" charset="-128"/>
+                <a:ea typeface="MS PMincho" panose="02020600040205080304" pitchFamily="18" charset="-128"/>
+              </a:rPr>
+              <a:t>(”DE-LEVEL”) </a:t>
+            </a:r>
+            <a:r>
+              <a:rPr lang="en-US" sz="2400" dirty="0" smtClean="0">
+                <a:solidFill>
+                  <a:schemeClr val="accent6"/>
+                </a:solidFill>
+                <a:latin typeface="MS PMincho" panose="02020600040205080304" pitchFamily="18" charset="-128"/>
+                <a:ea typeface="MS PMincho" panose="02020600040205080304" pitchFamily="18" charset="-128"/>
+              </a:rPr>
+              <a:t>+ </a:t>
+            </a:r>
+            <a:r>
+              <a:rPr lang="en-US" sz="2400" dirty="0" err="1" smtClean="0">
+                <a:solidFill>
+                  <a:schemeClr val="accent6"/>
+                </a:solidFill>
+                <a:latin typeface="MS PMincho" panose="02020600040205080304" pitchFamily="18" charset="-128"/>
+                <a:ea typeface="MS PMincho" panose="02020600040205080304" pitchFamily="18" charset="-128"/>
+              </a:rPr>
+              <a:t>UnitMatcher</a:t>
+            </a:r>
+            <a:r>
+              <a:rPr lang="en-US" sz="2400" dirty="0">
+                <a:solidFill>
+                  <a:schemeClr val="accent6"/>
+                </a:solidFill>
+                <a:latin typeface="MS PMincho" panose="02020600040205080304" pitchFamily="18" charset="-128"/>
+                <a:ea typeface="MS PMincho" panose="02020600040205080304" pitchFamily="18" charset="-128"/>
+              </a:rPr>
+              <a:t>(”DEGREE”) </a:t>
+            </a:r>
+            <a:r>
+              <a:rPr lang="en-US" sz="2400" dirty="0" smtClean="0">
+                <a:solidFill>
+                  <a:schemeClr val="accent6"/>
+                </a:solidFill>
+                <a:latin typeface="MS PMincho" panose="02020600040205080304" pitchFamily="18" charset="-128"/>
+                <a:ea typeface="MS PMincho" panose="02020600040205080304" pitchFamily="18" charset="-128"/>
+              </a:rPr>
+              <a:t>+ ( </a:t>
+            </a:r>
+            <a:r>
+              <a:rPr lang="en-US" sz="2400" dirty="0" err="1">
+                <a:solidFill>
+                  <a:schemeClr val="accent6"/>
+                </a:solidFill>
+                <a:latin typeface="MS PMincho" panose="02020600040205080304" pitchFamily="18" charset="-128"/>
+                <a:ea typeface="MS PMincho" panose="02020600040205080304" pitchFamily="18" charset="-128"/>
+              </a:rPr>
+              <a:t>UnitMatcher</a:t>
+            </a:r>
+            <a:r>
+              <a:rPr lang="en-US" sz="2400" dirty="0">
+                <a:solidFill>
+                  <a:schemeClr val="accent6"/>
+                </a:solidFill>
+                <a:latin typeface="MS PMincho" panose="02020600040205080304" pitchFamily="18" charset="-128"/>
+                <a:ea typeface="MS PMincho" panose="02020600040205080304" pitchFamily="18" charset="-128"/>
+              </a:rPr>
+              <a:t>(”IN”) | </a:t>
+            </a:r>
+            <a:r>
+              <a:rPr lang="en-US" sz="2400" dirty="0" err="1">
+                <a:solidFill>
+                  <a:schemeClr val="accent6"/>
+                </a:solidFill>
+                <a:latin typeface="MS PMincho" panose="02020600040205080304" pitchFamily="18" charset="-128"/>
+                <a:ea typeface="MS PMincho" panose="02020600040205080304" pitchFamily="18" charset="-128"/>
+              </a:rPr>
+              <a:t>UnitMatcher</a:t>
+            </a:r>
+            <a:r>
+              <a:rPr lang="en-US" sz="2400" dirty="0">
+                <a:solidFill>
+                  <a:schemeClr val="accent6"/>
+                </a:solidFill>
+                <a:latin typeface="MS PMincho" panose="02020600040205080304" pitchFamily="18" charset="-128"/>
+                <a:ea typeface="MS PMincho" panose="02020600040205080304" pitchFamily="18" charset="-128"/>
+              </a:rPr>
+              <a:t>(”OF” ) ) + </a:t>
+            </a:r>
+            <a:r>
+              <a:rPr lang="en-US" sz="2400" dirty="0" err="1">
+                <a:solidFill>
+                  <a:schemeClr val="accent6"/>
+                </a:solidFill>
+                <a:latin typeface="MS PMincho" panose="02020600040205080304" pitchFamily="18" charset="-128"/>
+                <a:ea typeface="MS PMincho" panose="02020600040205080304" pitchFamily="18" charset="-128"/>
+              </a:rPr>
+              <a:t>UnitMatcher</a:t>
+            </a:r>
+            <a:r>
+              <a:rPr lang="en-US" sz="2400" dirty="0">
+                <a:solidFill>
+                  <a:schemeClr val="accent6"/>
+                </a:solidFill>
+                <a:latin typeface="MS PMincho" panose="02020600040205080304" pitchFamily="18" charset="-128"/>
+                <a:ea typeface="MS PMincho" panose="02020600040205080304" pitchFamily="18" charset="-128"/>
+              </a:rPr>
+              <a:t>(”MAJOR”)</a:t>
+            </a:r>
+          </a:p>
+        </p:txBody>
+      </p:sp>
+      <p:sp>
+        <p:nvSpPr>
           <p:cNvPr id="3" name="Title 2"/>
           <p:cNvSpPr>
             <a:spLocks noGrp="1"/>
@@ -13029,8 +13416,8 @@
         </p:nvSpPr>
         <p:spPr>
           <a:xfrm>
-            <a:off x="457200" y="914400"/>
-            <a:ext cx="7905750" cy="994172"/>
+            <a:off x="724437" y="1066800"/>
+            <a:ext cx="7657563" cy="994172"/>
           </a:xfrm>
         </p:spPr>
         <p:txBody>
@@ -13047,28 +13434,28 @@
               </a:rPr>
               <a:t>Flexibility </a:t>
             </a:r>
+            <a:br>
+              <a:rPr lang="en-US" dirty="0">
+                <a:solidFill>
+                  <a:schemeClr val="tx1"/>
+                </a:solidFill>
+              </a:rPr>
+            </a:br>
+            <a:r>
+              <a:rPr lang="en-US" dirty="0">
+                <a:solidFill>
+                  <a:schemeClr val="tx1"/>
+                </a:solidFill>
+              </a:rPr>
+              <a:t>–</a:t>
+            </a:r>
             <a:r>
               <a:rPr lang="en-US" dirty="0" smtClean="0">
                 <a:solidFill>
                   <a:schemeClr val="tx1"/>
                 </a:solidFill>
               </a:rPr>
-              <a:t/>
-            </a:r>
-            <a:br>
-              <a:rPr lang="en-US" dirty="0" smtClean="0">
-                <a:solidFill>
-                  <a:schemeClr val="tx1"/>
-                </a:solidFill>
-              </a:rPr>
-            </a:br>
-            <a:r>
-              <a:rPr lang="en-US" dirty="0" smtClean="0">
-                <a:solidFill>
-                  <a:schemeClr val="tx1"/>
-                </a:solidFill>
-              </a:rPr>
-              <a:t>– OO programming style</a:t>
+              <a:t> connected by algebra operators</a:t>
             </a:r>
             <a:endParaRPr lang="en-US" dirty="0">
               <a:solidFill>
@@ -13078,300 +13465,10 @@
           </a:p>
         </p:txBody>
       </p:sp>
-      <p:sp>
-        <p:nvSpPr>
-          <p:cNvPr id="2" name="Content Placeholder 1"/>
-          <p:cNvSpPr>
-            <a:spLocks noGrp="1"/>
-          </p:cNvSpPr>
-          <p:nvPr>
-            <p:ph idx="1"/>
-          </p:nvPr>
-        </p:nvSpPr>
-        <p:spPr>
-          <a:xfrm>
-            <a:off x="457200" y="1915606"/>
-            <a:ext cx="8439151" cy="4479131"/>
-          </a:xfrm>
-        </p:spPr>
-        <p:txBody>
-          <a:bodyPr>
-            <a:noAutofit/>
-          </a:bodyPr>
-          <a:lstStyle/>
-          <a:p>
-            <a:r>
-              <a:rPr lang="en-US" sz="2400" dirty="0" smtClean="0">
-                <a:solidFill>
-                  <a:schemeClr val="tx1"/>
-                </a:solidFill>
-              </a:rPr>
-              <a:t>Pattern: </a:t>
-            </a:r>
-            <a:r>
-              <a:rPr lang="en-US" sz="2400" dirty="0">
-                <a:solidFill>
-                  <a:schemeClr val="tx1"/>
-                </a:solidFill>
-              </a:rPr>
-              <a:t>”DE-LEVEL DEGREE (IN | OF) MAJOR”</a:t>
-            </a:r>
-          </a:p>
-          <a:p>
-            <a:r>
-              <a:rPr lang="en-US" sz="2400" dirty="0" smtClean="0">
-                <a:solidFill>
-                  <a:schemeClr val="tx1"/>
-                </a:solidFill>
-              </a:rPr>
-              <a:t> </a:t>
-            </a:r>
-            <a:endParaRPr lang="en-US" sz="2400" dirty="0">
-              <a:solidFill>
-                <a:schemeClr val="tx1"/>
-              </a:solidFill>
-            </a:endParaRPr>
-          </a:p>
-          <a:p>
-            <a:r>
-              <a:rPr lang="en-US" sz="2400" dirty="0">
-                <a:solidFill>
-                  <a:schemeClr val="accent6"/>
-                </a:solidFill>
-                <a:latin typeface="MS PMincho" panose="02020600040205080304" pitchFamily="18" charset="-128"/>
-                <a:ea typeface="MS PMincho" panose="02020600040205080304" pitchFamily="18" charset="-128"/>
-              </a:rPr>
-              <a:t>matcher1 = </a:t>
-            </a:r>
-            <a:r>
-              <a:rPr lang="en-US" sz="2400" dirty="0" err="1">
-                <a:solidFill>
-                  <a:schemeClr val="accent6"/>
-                </a:solidFill>
-                <a:latin typeface="MS PMincho" panose="02020600040205080304" pitchFamily="18" charset="-128"/>
-                <a:ea typeface="MS PMincho" panose="02020600040205080304" pitchFamily="18" charset="-128"/>
-              </a:rPr>
-              <a:t>UnitMatcher</a:t>
-            </a:r>
-            <a:r>
-              <a:rPr lang="en-US" sz="2400" dirty="0">
-                <a:solidFill>
-                  <a:schemeClr val="accent6"/>
-                </a:solidFill>
-                <a:latin typeface="MS PMincho" panose="02020600040205080304" pitchFamily="18" charset="-128"/>
-                <a:ea typeface="MS PMincho" panose="02020600040205080304" pitchFamily="18" charset="-128"/>
-              </a:rPr>
-              <a:t>(”DE-LEVEL”)</a:t>
-            </a:r>
-          </a:p>
-          <a:p>
-            <a:r>
-              <a:rPr lang="en-US" sz="2400" dirty="0">
-                <a:solidFill>
-                  <a:schemeClr val="accent6"/>
-                </a:solidFill>
-                <a:latin typeface="MS PMincho" panose="02020600040205080304" pitchFamily="18" charset="-128"/>
-                <a:ea typeface="MS PMincho" panose="02020600040205080304" pitchFamily="18" charset="-128"/>
-              </a:rPr>
-              <a:t>matcher2 = </a:t>
-            </a:r>
-            <a:r>
-              <a:rPr lang="en-US" sz="2400" dirty="0" err="1">
-                <a:solidFill>
-                  <a:schemeClr val="accent6"/>
-                </a:solidFill>
-                <a:latin typeface="MS PMincho" panose="02020600040205080304" pitchFamily="18" charset="-128"/>
-                <a:ea typeface="MS PMincho" panose="02020600040205080304" pitchFamily="18" charset="-128"/>
-              </a:rPr>
-              <a:t>UnitMatcher</a:t>
-            </a:r>
-            <a:r>
-              <a:rPr lang="en-US" sz="2400" dirty="0">
-                <a:solidFill>
-                  <a:schemeClr val="accent6"/>
-                </a:solidFill>
-                <a:latin typeface="MS PMincho" panose="02020600040205080304" pitchFamily="18" charset="-128"/>
-                <a:ea typeface="MS PMincho" panose="02020600040205080304" pitchFamily="18" charset="-128"/>
-              </a:rPr>
-              <a:t>(”DEGREE”)</a:t>
-            </a:r>
-          </a:p>
-          <a:p>
-            <a:r>
-              <a:rPr lang="en-US" sz="2400" dirty="0">
-                <a:solidFill>
-                  <a:schemeClr val="accent6"/>
-                </a:solidFill>
-                <a:latin typeface="MS PMincho" panose="02020600040205080304" pitchFamily="18" charset="-128"/>
-                <a:ea typeface="MS PMincho" panose="02020600040205080304" pitchFamily="18" charset="-128"/>
-              </a:rPr>
-              <a:t>matcher3 = </a:t>
-            </a:r>
-            <a:r>
-              <a:rPr lang="en-US" sz="2400" dirty="0" err="1">
-                <a:solidFill>
-                  <a:schemeClr val="accent6"/>
-                </a:solidFill>
-                <a:latin typeface="MS PMincho" panose="02020600040205080304" pitchFamily="18" charset="-128"/>
-                <a:ea typeface="MS PMincho" panose="02020600040205080304" pitchFamily="18" charset="-128"/>
-              </a:rPr>
-              <a:t>UnitMatcher</a:t>
-            </a:r>
-            <a:r>
-              <a:rPr lang="en-US" sz="2400" dirty="0">
-                <a:solidFill>
-                  <a:schemeClr val="accent6"/>
-                </a:solidFill>
-                <a:latin typeface="MS PMincho" panose="02020600040205080304" pitchFamily="18" charset="-128"/>
-                <a:ea typeface="MS PMincho" panose="02020600040205080304" pitchFamily="18" charset="-128"/>
-              </a:rPr>
-              <a:t>(”IN”)</a:t>
-            </a:r>
-          </a:p>
-          <a:p>
-            <a:r>
-              <a:rPr lang="en-US" sz="2400" dirty="0">
-                <a:solidFill>
-                  <a:schemeClr val="accent6"/>
-                </a:solidFill>
-                <a:latin typeface="MS PMincho" panose="02020600040205080304" pitchFamily="18" charset="-128"/>
-                <a:ea typeface="MS PMincho" panose="02020600040205080304" pitchFamily="18" charset="-128"/>
-              </a:rPr>
-              <a:t>matcher4 = </a:t>
-            </a:r>
-            <a:r>
-              <a:rPr lang="en-US" sz="2400" dirty="0" err="1">
-                <a:solidFill>
-                  <a:schemeClr val="accent6"/>
-                </a:solidFill>
-                <a:latin typeface="MS PMincho" panose="02020600040205080304" pitchFamily="18" charset="-128"/>
-                <a:ea typeface="MS PMincho" panose="02020600040205080304" pitchFamily="18" charset="-128"/>
-              </a:rPr>
-              <a:t>UnitMatcher</a:t>
-            </a:r>
-            <a:r>
-              <a:rPr lang="en-US" sz="2400" dirty="0">
-                <a:solidFill>
-                  <a:schemeClr val="accent6"/>
-                </a:solidFill>
-                <a:latin typeface="MS PMincho" panose="02020600040205080304" pitchFamily="18" charset="-128"/>
-                <a:ea typeface="MS PMincho" panose="02020600040205080304" pitchFamily="18" charset="-128"/>
-              </a:rPr>
-              <a:t>(”OF”)</a:t>
-            </a:r>
-          </a:p>
-          <a:p>
-            <a:r>
-              <a:rPr lang="en-US" sz="2400" dirty="0">
-                <a:solidFill>
-                  <a:schemeClr val="accent6"/>
-                </a:solidFill>
-                <a:latin typeface="MS PMincho" panose="02020600040205080304" pitchFamily="18" charset="-128"/>
-                <a:ea typeface="MS PMincho" panose="02020600040205080304" pitchFamily="18" charset="-128"/>
-              </a:rPr>
-              <a:t>matcher5 = </a:t>
-            </a:r>
-            <a:r>
-              <a:rPr lang="en-US" sz="2400" dirty="0" err="1">
-                <a:solidFill>
-                  <a:schemeClr val="accent6"/>
-                </a:solidFill>
-                <a:latin typeface="MS PMincho" panose="02020600040205080304" pitchFamily="18" charset="-128"/>
-                <a:ea typeface="MS PMincho" panose="02020600040205080304" pitchFamily="18" charset="-128"/>
-              </a:rPr>
-              <a:t>UnitMatcher</a:t>
-            </a:r>
-            <a:r>
-              <a:rPr lang="en-US" sz="2400" dirty="0">
-                <a:solidFill>
-                  <a:schemeClr val="accent6"/>
-                </a:solidFill>
-                <a:latin typeface="MS PMincho" panose="02020600040205080304" pitchFamily="18" charset="-128"/>
-                <a:ea typeface="MS PMincho" panose="02020600040205080304" pitchFamily="18" charset="-128"/>
-              </a:rPr>
-              <a:t>(”MAJOR”)</a:t>
-            </a:r>
-          </a:p>
-          <a:p>
-            <a:r>
-              <a:rPr lang="en-US" sz="2400" dirty="0">
-                <a:solidFill>
-                  <a:schemeClr val="accent6"/>
-                </a:solidFill>
-                <a:latin typeface="MS PMincho" panose="02020600040205080304" pitchFamily="18" charset="-128"/>
-                <a:ea typeface="MS PMincho" panose="02020600040205080304" pitchFamily="18" charset="-128"/>
-              </a:rPr>
-              <a:t>matcher6 = </a:t>
-            </a:r>
-            <a:r>
-              <a:rPr lang="en-US" sz="2400" dirty="0" err="1">
-                <a:solidFill>
-                  <a:schemeClr val="accent6"/>
-                </a:solidFill>
-                <a:latin typeface="MS PMincho" panose="02020600040205080304" pitchFamily="18" charset="-128"/>
-                <a:ea typeface="MS PMincho" panose="02020600040205080304" pitchFamily="18" charset="-128"/>
-              </a:rPr>
-              <a:t>AlternateMatcher</a:t>
-            </a:r>
-            <a:r>
-              <a:rPr lang="en-US" sz="2400" dirty="0">
-                <a:solidFill>
-                  <a:schemeClr val="accent6"/>
-                </a:solidFill>
-                <a:latin typeface="MS PMincho" panose="02020600040205080304" pitchFamily="18" charset="-128"/>
-                <a:ea typeface="MS PMincho" panose="02020600040205080304" pitchFamily="18" charset="-128"/>
-              </a:rPr>
-              <a:t>([matcher3,matcher4])</a:t>
-            </a:r>
-          </a:p>
-          <a:p>
-            <a:r>
-              <a:rPr lang="en-US" sz="2400" dirty="0" err="1">
-                <a:solidFill>
-                  <a:schemeClr val="accent6"/>
-                </a:solidFill>
-                <a:latin typeface="MS PMincho" panose="02020600040205080304" pitchFamily="18" charset="-128"/>
-                <a:ea typeface="MS PMincho" panose="02020600040205080304" pitchFamily="18" charset="-128"/>
-              </a:rPr>
-              <a:t>seqMatcher</a:t>
-            </a:r>
-            <a:r>
-              <a:rPr lang="en-US" sz="2400" dirty="0">
-                <a:solidFill>
-                  <a:schemeClr val="accent6"/>
-                </a:solidFill>
-                <a:latin typeface="MS PMincho" panose="02020600040205080304" pitchFamily="18" charset="-128"/>
-                <a:ea typeface="MS PMincho" panose="02020600040205080304" pitchFamily="18" charset="-128"/>
-              </a:rPr>
-              <a:t> = </a:t>
-            </a:r>
-            <a:r>
-              <a:rPr lang="en-US" sz="2400" dirty="0" err="1">
-                <a:solidFill>
-                  <a:schemeClr val="accent6"/>
-                </a:solidFill>
-                <a:latin typeface="MS PMincho" panose="02020600040205080304" pitchFamily="18" charset="-128"/>
-                <a:ea typeface="MS PMincho" panose="02020600040205080304" pitchFamily="18" charset="-128"/>
-              </a:rPr>
-              <a:t>SeqMatcher</a:t>
-            </a:r>
-            <a:r>
-              <a:rPr lang="en-US" sz="2400" dirty="0">
-                <a:solidFill>
-                  <a:schemeClr val="accent6"/>
-                </a:solidFill>
-                <a:latin typeface="MS PMincho" panose="02020600040205080304" pitchFamily="18" charset="-128"/>
-                <a:ea typeface="MS PMincho" panose="02020600040205080304" pitchFamily="18" charset="-128"/>
-              </a:rPr>
-              <a:t>([matcher1, matcher2, matcher6, matcher5])</a:t>
-            </a:r>
-          </a:p>
-        </p:txBody>
-      </p:sp>
     </p:spTree>
     <p:extLst>
       <p:ext uri="{BB962C8B-B14F-4D97-AF65-F5344CB8AC3E}">
-        <p14:creationId xmlns:p14="http://schemas.microsoft.com/office/powerpoint/2010/main" val="3121883632"/>
+        <p14:creationId xmlns:p14="http://schemas.microsoft.com/office/powerpoint/2010/main" val="3088075092"/>
       </p:ext>
     </p:extLst>
   </p:cSld>
@@ -13431,21 +13528,54 @@
         </p:spPr>
         <p:txBody>
           <a:bodyPr>
-            <a:normAutofit/>
+            <a:normAutofit fontScale="90000"/>
           </a:bodyPr>
           <a:lstStyle/>
           <a:p>
             <a:r>
+              <a:rPr lang="en-US" dirty="0">
+                <a:solidFill>
+                  <a:schemeClr val="bg2">
+                    <a:lumMod val="75000"/>
+                  </a:schemeClr>
+                </a:solidFill>
+              </a:rPr>
+              <a:t>Flexibility </a:t>
+            </a:r>
+            <a:r>
               <a:rPr lang="en-US" dirty="0" smtClean="0">
                 <a:solidFill>
-                  <a:schemeClr val="tx1"/>
-                </a:solidFill>
-              </a:rPr>
-              <a:t>Simplicity   </a:t>
+                  <a:schemeClr val="bg2">
+                    <a:lumMod val="75000"/>
+                  </a:schemeClr>
+                </a:solidFill>
+              </a:rPr>
+              <a:t/>
+            </a:r>
+            <a:br>
+              <a:rPr lang="en-US" dirty="0" smtClean="0">
+                <a:solidFill>
+                  <a:schemeClr val="bg2">
+                    <a:lumMod val="75000"/>
+                  </a:schemeClr>
+                </a:solidFill>
+              </a:rPr>
+            </a:br>
+            <a:r>
+              <a:rPr lang="en-US" dirty="0" smtClean="0">
+                <a:solidFill>
+                  <a:schemeClr val="bg2">
+                    <a:lumMod val="75000"/>
+                  </a:schemeClr>
+                </a:solidFill>
+              </a:rPr>
+              <a:t>– OO programming style</a:t>
             </a:r>
             <a:endParaRPr lang="en-US" dirty="0">
               <a:solidFill>
-                <a:schemeClr val="tx1"/>
+                <a:schemeClr val="bg2">
+                  <a:lumMod val="75000"/>
+                </a:schemeClr>
               </a:solidFill>
             </a:endParaRPr>
           </a:p>
@@ -13473,171 +13603,278 @@
           </a:bodyPr>
           <a:lstStyle/>
           <a:p>
-            <a:pPr>
-              <a:buFont typeface="Arial" panose="020B0604020202020204" pitchFamily="34" charset="0"/>
-              <a:buChar char="•"/>
-            </a:pPr>
+            <a:r>
+              <a:rPr lang="en-US" sz="2400" dirty="0" smtClean="0">
+                <a:solidFill>
+                  <a:schemeClr val="tx1"/>
+                </a:solidFill>
+              </a:rPr>
+              <a:t>Pattern: </a:t>
+            </a:r>
             <a:r>
               <a:rPr lang="en-US" sz="2400" dirty="0">
                 <a:solidFill>
                   <a:schemeClr val="tx1"/>
                 </a:solidFill>
               </a:rPr>
-              <a:t>Easy to </a:t>
-            </a:r>
+              <a:t>”DE-LEVEL DEGREE (IN | OF) MAJOR”</a:t>
+            </a:r>
+          </a:p>
+          <a:p>
             <a:r>
               <a:rPr lang="en-US" sz="2400" dirty="0" smtClean="0">
                 <a:solidFill>
                   <a:schemeClr val="tx1"/>
                 </a:solidFill>
               </a:rPr>
-              <a:t>implement</a:t>
-            </a:r>
-          </a:p>
-          <a:p>
-            <a:pPr>
-              <a:buFont typeface="Arial" panose="020B0604020202020204" pitchFamily="34" charset="0"/>
-              <a:buChar char="•"/>
-            </a:pPr>
-            <a:r>
-              <a:rPr lang="en-US" sz="2400" dirty="0">
-                <a:solidFill>
-                  <a:schemeClr val="tx1"/>
-                </a:solidFill>
-              </a:rPr>
-              <a:t>The accuracy </a:t>
-            </a:r>
-            <a:r>
-              <a:rPr lang="en-US" sz="2400" dirty="0" smtClean="0">
-                <a:solidFill>
-                  <a:schemeClr val="tx1"/>
-                </a:solidFill>
-              </a:rPr>
-              <a:t>increase</a:t>
-            </a:r>
-            <a:r>
-              <a:rPr lang="en-US" altLang="zh-CN" sz="2400" dirty="0" smtClean="0">
-                <a:solidFill>
-                  <a:schemeClr val="tx1"/>
-                </a:solidFill>
-              </a:rPr>
-              <a:t>s</a:t>
-            </a:r>
-            <a:r>
-              <a:rPr lang="en-US" sz="2400" dirty="0" smtClean="0">
-                <a:solidFill>
-                  <a:schemeClr val="tx1"/>
-                </a:solidFill>
-              </a:rPr>
-              <a:t> as the number of patterns increases</a:t>
-            </a:r>
-          </a:p>
-          <a:p>
-            <a:pPr>
-              <a:buFont typeface="Arial" panose="020B0604020202020204" pitchFamily="34" charset="0"/>
-              <a:buChar char="•"/>
-            </a:pPr>
-            <a:r>
-              <a:rPr lang="en-US" sz="2400" dirty="0" smtClean="0">
-                <a:solidFill>
-                  <a:schemeClr val="tx1"/>
-                </a:solidFill>
-              </a:rPr>
-              <a:t>Faster: Time Complexity   O(n)  </a:t>
-            </a:r>
-          </a:p>
-          <a:p>
-            <a:pPr marL="457200" lvl="1" indent="0"/>
-            <a:r>
-              <a:rPr lang="en-US" sz="2000" dirty="0">
-                <a:solidFill>
-                  <a:schemeClr val="tx1"/>
-                </a:solidFill>
-              </a:rPr>
               <a:t> </a:t>
             </a:r>
-            <a:r>
-              <a:rPr lang="en-US" sz="2400" dirty="0">
-                <a:solidFill>
-                  <a:schemeClr val="tx1"/>
-                </a:solidFill>
-              </a:rPr>
-              <a:t>Conditional Random Fields(CRFs</a:t>
-            </a:r>
-            <a:r>
-              <a:rPr lang="en-US" sz="2400" dirty="0" smtClean="0">
-                <a:solidFill>
-                  <a:schemeClr val="tx1"/>
-                </a:solidFill>
-              </a:rPr>
-              <a:t>), </a:t>
-            </a:r>
-            <a:r>
-              <a:rPr lang="en-US" sz="2400" dirty="0">
-                <a:solidFill>
-                  <a:schemeClr val="tx1"/>
-                </a:solidFill>
-              </a:rPr>
-              <a:t>using </a:t>
-            </a:r>
-            <a:r>
-              <a:rPr lang="en-US" sz="2400" dirty="0" smtClean="0">
-                <a:solidFill>
-                  <a:schemeClr val="tx1"/>
-                </a:solidFill>
-              </a:rPr>
-              <a:t>Viterbi </a:t>
-            </a:r>
-            <a:r>
-              <a:rPr lang="en-US" sz="2400" dirty="0">
-                <a:solidFill>
-                  <a:schemeClr val="tx1"/>
-                </a:solidFill>
-              </a:rPr>
-              <a:t>algorithm </a:t>
-            </a:r>
-            <a:r>
-              <a:rPr lang="en-US" sz="2400" dirty="0" smtClean="0">
-                <a:solidFill>
-                  <a:schemeClr val="tx1"/>
-                </a:solidFill>
-              </a:rPr>
-              <a:t>O(</a:t>
-            </a:r>
-            <a:r>
-              <a:rPr lang="en-US" sz="2400" dirty="0"/>
-              <a:t>n</a:t>
-            </a:r>
-            <a:r>
-              <a:rPr lang="en-US" sz="2400" baseline="30000" dirty="0" smtClean="0"/>
-              <a:t>2</a:t>
-            </a:r>
-            <a:r>
-              <a:rPr lang="en-US" sz="2400" dirty="0" smtClean="0">
-                <a:solidFill>
-                  <a:schemeClr val="tx1"/>
-                </a:solidFill>
-              </a:rPr>
-              <a:t>t)</a:t>
-            </a:r>
-          </a:p>
-          <a:p>
-            <a:pPr>
-              <a:buFont typeface="Arial" panose="020B0604020202020204" pitchFamily="34" charset="0"/>
-              <a:buChar char="•"/>
-            </a:pPr>
             <a:endParaRPr lang="en-US" sz="2400" dirty="0">
               <a:solidFill>
                 <a:schemeClr val="tx1"/>
               </a:solidFill>
             </a:endParaRPr>
           </a:p>
+          <a:p>
+            <a:r>
+              <a:rPr lang="en-US" sz="2400" dirty="0">
+                <a:solidFill>
+                  <a:schemeClr val="accent6"/>
+                </a:solidFill>
+                <a:latin typeface="MS PMincho" panose="02020600040205080304" pitchFamily="18" charset="-128"/>
+                <a:ea typeface="MS PMincho" panose="02020600040205080304" pitchFamily="18" charset="-128"/>
+              </a:rPr>
+              <a:t>matcher1 = </a:t>
+            </a:r>
+            <a:r>
+              <a:rPr lang="en-US" sz="2400" dirty="0" err="1">
+                <a:solidFill>
+                  <a:schemeClr val="accent6"/>
+                </a:solidFill>
+                <a:latin typeface="MS PMincho" panose="02020600040205080304" pitchFamily="18" charset="-128"/>
+                <a:ea typeface="MS PMincho" panose="02020600040205080304" pitchFamily="18" charset="-128"/>
+              </a:rPr>
+              <a:t>UnitMatcher</a:t>
+            </a:r>
+            <a:r>
+              <a:rPr lang="en-US" sz="2400" dirty="0">
+                <a:solidFill>
+                  <a:schemeClr val="accent6"/>
+                </a:solidFill>
+                <a:latin typeface="MS PMincho" panose="02020600040205080304" pitchFamily="18" charset="-128"/>
+                <a:ea typeface="MS PMincho" panose="02020600040205080304" pitchFamily="18" charset="-128"/>
+              </a:rPr>
+              <a:t>(”DE-LEVEL”)</a:t>
+            </a:r>
+          </a:p>
+          <a:p>
+            <a:r>
+              <a:rPr lang="en-US" sz="2400" dirty="0">
+                <a:solidFill>
+                  <a:schemeClr val="accent6"/>
+                </a:solidFill>
+                <a:latin typeface="MS PMincho" panose="02020600040205080304" pitchFamily="18" charset="-128"/>
+                <a:ea typeface="MS PMincho" panose="02020600040205080304" pitchFamily="18" charset="-128"/>
+              </a:rPr>
+              <a:t>matcher2 = </a:t>
+            </a:r>
+            <a:r>
+              <a:rPr lang="en-US" sz="2400" dirty="0" err="1">
+                <a:solidFill>
+                  <a:schemeClr val="accent6"/>
+                </a:solidFill>
+                <a:latin typeface="MS PMincho" panose="02020600040205080304" pitchFamily="18" charset="-128"/>
+                <a:ea typeface="MS PMincho" panose="02020600040205080304" pitchFamily="18" charset="-128"/>
+              </a:rPr>
+              <a:t>UnitMatcher</a:t>
+            </a:r>
+            <a:r>
+              <a:rPr lang="en-US" sz="2400" dirty="0">
+                <a:solidFill>
+                  <a:schemeClr val="accent6"/>
+                </a:solidFill>
+                <a:latin typeface="MS PMincho" panose="02020600040205080304" pitchFamily="18" charset="-128"/>
+                <a:ea typeface="MS PMincho" panose="02020600040205080304" pitchFamily="18" charset="-128"/>
+              </a:rPr>
+              <a:t>(”DEGREE”)</a:t>
+            </a:r>
+          </a:p>
+          <a:p>
+            <a:r>
+              <a:rPr lang="en-US" sz="2400" dirty="0">
+                <a:solidFill>
+                  <a:schemeClr val="accent6"/>
+                </a:solidFill>
+                <a:latin typeface="MS PMincho" panose="02020600040205080304" pitchFamily="18" charset="-128"/>
+                <a:ea typeface="MS PMincho" panose="02020600040205080304" pitchFamily="18" charset="-128"/>
+              </a:rPr>
+              <a:t>matcher3 = </a:t>
+            </a:r>
+            <a:r>
+              <a:rPr lang="en-US" sz="2400" dirty="0" err="1">
+                <a:solidFill>
+                  <a:schemeClr val="accent6"/>
+                </a:solidFill>
+                <a:latin typeface="MS PMincho" panose="02020600040205080304" pitchFamily="18" charset="-128"/>
+                <a:ea typeface="MS PMincho" panose="02020600040205080304" pitchFamily="18" charset="-128"/>
+              </a:rPr>
+              <a:t>UnitMatcher</a:t>
+            </a:r>
+            <a:r>
+              <a:rPr lang="en-US" sz="2400" dirty="0">
+                <a:solidFill>
+                  <a:schemeClr val="accent6"/>
+                </a:solidFill>
+                <a:latin typeface="MS PMincho" panose="02020600040205080304" pitchFamily="18" charset="-128"/>
+                <a:ea typeface="MS PMincho" panose="02020600040205080304" pitchFamily="18" charset="-128"/>
+              </a:rPr>
+              <a:t>(”IN”)</a:t>
+            </a:r>
+          </a:p>
+          <a:p>
+            <a:r>
+              <a:rPr lang="en-US" sz="2400" dirty="0">
+                <a:solidFill>
+                  <a:schemeClr val="accent6"/>
+                </a:solidFill>
+                <a:latin typeface="MS PMincho" panose="02020600040205080304" pitchFamily="18" charset="-128"/>
+                <a:ea typeface="MS PMincho" panose="02020600040205080304" pitchFamily="18" charset="-128"/>
+              </a:rPr>
+              <a:t>matcher4 = </a:t>
+            </a:r>
+            <a:r>
+              <a:rPr lang="en-US" sz="2400" dirty="0" err="1">
+                <a:solidFill>
+                  <a:schemeClr val="accent6"/>
+                </a:solidFill>
+                <a:latin typeface="MS PMincho" panose="02020600040205080304" pitchFamily="18" charset="-128"/>
+                <a:ea typeface="MS PMincho" panose="02020600040205080304" pitchFamily="18" charset="-128"/>
+              </a:rPr>
+              <a:t>UnitMatcher</a:t>
+            </a:r>
+            <a:r>
+              <a:rPr lang="en-US" sz="2400" dirty="0">
+                <a:solidFill>
+                  <a:schemeClr val="accent6"/>
+                </a:solidFill>
+                <a:latin typeface="MS PMincho" panose="02020600040205080304" pitchFamily="18" charset="-128"/>
+                <a:ea typeface="MS PMincho" panose="02020600040205080304" pitchFamily="18" charset="-128"/>
+              </a:rPr>
+              <a:t>(”OF”)</a:t>
+            </a:r>
+          </a:p>
+          <a:p>
+            <a:r>
+              <a:rPr lang="en-US" sz="2400" dirty="0">
+                <a:solidFill>
+                  <a:schemeClr val="accent6"/>
+                </a:solidFill>
+                <a:latin typeface="MS PMincho" panose="02020600040205080304" pitchFamily="18" charset="-128"/>
+                <a:ea typeface="MS PMincho" panose="02020600040205080304" pitchFamily="18" charset="-128"/>
+              </a:rPr>
+              <a:t>matcher5 = </a:t>
+            </a:r>
+            <a:r>
+              <a:rPr lang="en-US" sz="2400" dirty="0" err="1">
+                <a:solidFill>
+                  <a:schemeClr val="accent6"/>
+                </a:solidFill>
+                <a:latin typeface="MS PMincho" panose="02020600040205080304" pitchFamily="18" charset="-128"/>
+                <a:ea typeface="MS PMincho" panose="02020600040205080304" pitchFamily="18" charset="-128"/>
+              </a:rPr>
+              <a:t>UnitMatcher</a:t>
+            </a:r>
+            <a:r>
+              <a:rPr lang="en-US" sz="2400" dirty="0">
+                <a:solidFill>
+                  <a:schemeClr val="accent6"/>
+                </a:solidFill>
+                <a:latin typeface="MS PMincho" panose="02020600040205080304" pitchFamily="18" charset="-128"/>
+                <a:ea typeface="MS PMincho" panose="02020600040205080304" pitchFamily="18" charset="-128"/>
+              </a:rPr>
+              <a:t>(”MAJOR”)</a:t>
+            </a:r>
+          </a:p>
+          <a:p>
+            <a:r>
+              <a:rPr lang="en-US" sz="2400" dirty="0">
+                <a:solidFill>
+                  <a:schemeClr val="accent6"/>
+                </a:solidFill>
+                <a:latin typeface="MS PMincho" panose="02020600040205080304" pitchFamily="18" charset="-128"/>
+                <a:ea typeface="MS PMincho" panose="02020600040205080304" pitchFamily="18" charset="-128"/>
+              </a:rPr>
+              <a:t>matcher6 = </a:t>
+            </a:r>
+            <a:r>
+              <a:rPr lang="en-US" sz="2400" dirty="0" err="1">
+                <a:solidFill>
+                  <a:schemeClr val="accent6"/>
+                </a:solidFill>
+                <a:latin typeface="MS PMincho" panose="02020600040205080304" pitchFamily="18" charset="-128"/>
+                <a:ea typeface="MS PMincho" panose="02020600040205080304" pitchFamily="18" charset="-128"/>
+              </a:rPr>
+              <a:t>AlternateMatcher</a:t>
+            </a:r>
+            <a:r>
+              <a:rPr lang="en-US" sz="2400" dirty="0">
+                <a:solidFill>
+                  <a:schemeClr val="accent6"/>
+                </a:solidFill>
+                <a:latin typeface="MS PMincho" panose="02020600040205080304" pitchFamily="18" charset="-128"/>
+                <a:ea typeface="MS PMincho" panose="02020600040205080304" pitchFamily="18" charset="-128"/>
+              </a:rPr>
+              <a:t>([matcher3,matcher4])</a:t>
+            </a:r>
+          </a:p>
+          <a:p>
+            <a:r>
+              <a:rPr lang="en-US" sz="2400" dirty="0" err="1">
+                <a:solidFill>
+                  <a:schemeClr val="accent6"/>
+                </a:solidFill>
+                <a:latin typeface="MS PMincho" panose="02020600040205080304" pitchFamily="18" charset="-128"/>
+                <a:ea typeface="MS PMincho" panose="02020600040205080304" pitchFamily="18" charset="-128"/>
+              </a:rPr>
+              <a:t>seqMatcher</a:t>
+            </a:r>
+            <a:r>
+              <a:rPr lang="en-US" sz="2400" dirty="0">
+                <a:solidFill>
+                  <a:schemeClr val="accent6"/>
+                </a:solidFill>
+                <a:latin typeface="MS PMincho" panose="02020600040205080304" pitchFamily="18" charset="-128"/>
+                <a:ea typeface="MS PMincho" panose="02020600040205080304" pitchFamily="18" charset="-128"/>
+              </a:rPr>
+              <a:t> = </a:t>
+            </a:r>
+            <a:r>
+              <a:rPr lang="en-US" sz="2400" dirty="0" err="1">
+                <a:solidFill>
+                  <a:schemeClr val="accent6"/>
+                </a:solidFill>
+                <a:latin typeface="MS PMincho" panose="02020600040205080304" pitchFamily="18" charset="-128"/>
+                <a:ea typeface="MS PMincho" panose="02020600040205080304" pitchFamily="18" charset="-128"/>
+              </a:rPr>
+              <a:t>SeqMatcher</a:t>
+            </a:r>
+            <a:r>
+              <a:rPr lang="en-US" sz="2400" dirty="0">
+                <a:solidFill>
+                  <a:schemeClr val="accent6"/>
+                </a:solidFill>
+                <a:latin typeface="MS PMincho" panose="02020600040205080304" pitchFamily="18" charset="-128"/>
+                <a:ea typeface="MS PMincho" panose="02020600040205080304" pitchFamily="18" charset="-128"/>
+              </a:rPr>
+              <a:t>([matcher1, matcher2, matcher6, matcher5])</a:t>
+            </a:r>
+          </a:p>
         </p:txBody>
       </p:sp>
     </p:spTree>
     <p:extLst>
       <p:ext uri="{BB962C8B-B14F-4D97-AF65-F5344CB8AC3E}">
-        <p14:creationId xmlns:p14="http://schemas.microsoft.com/office/powerpoint/2010/main" val="3743414035"/>
+        <p14:creationId xmlns:p14="http://schemas.microsoft.com/office/powerpoint/2010/main" val="3121883632"/>
       </p:ext>
     </p:extLst>
   </p:cSld>
@@ -13704,14 +13941,18 @@
             <a:r>
               <a:rPr lang="en-US" dirty="0" smtClean="0">
                 <a:solidFill>
-                  <a:schemeClr val="tx1"/>
+                  <a:schemeClr val="bg2">
+                    <a:lumMod val="75000"/>
+                  </a:schemeClr>
                 </a:solidFill>
               </a:rPr>
               <a:t>Simplicity   </a:t>
             </a:r>
             <a:endParaRPr lang="en-US" dirty="0">
               <a:solidFill>
-                <a:schemeClr val="tx1"/>
+                <a:schemeClr val="bg2">
+                  <a:lumMod val="75000"/>
+                </a:schemeClr>
               </a:solidFill>
             </a:endParaRPr>
           </a:p>
@@ -13739,12 +13980,153 @@
           </a:bodyPr>
           <a:lstStyle/>
           <a:p>
-            <a:pPr marL="0" indent="0"/>
-            <a:endParaRPr lang="en-US" sz="2400" dirty="0" smtClean="0">
-              <a:solidFill>
-                <a:schemeClr val="tx1"/>
-              </a:solidFill>
-            </a:endParaRPr>
+            <a:pPr>
+              <a:buFont typeface="Arial" panose="020B0604020202020204" pitchFamily="34" charset="0"/>
+              <a:buChar char="•"/>
+            </a:pPr>
+            <a:r>
+              <a:rPr lang="en-US" sz="2400" dirty="0">
+                <a:solidFill>
+                  <a:schemeClr val="tx1"/>
+                </a:solidFill>
+              </a:rPr>
+              <a:t>Easy to </a:t>
+            </a:r>
+            <a:r>
+              <a:rPr lang="en-US" sz="2400" dirty="0" smtClean="0">
+                <a:solidFill>
+                  <a:schemeClr val="tx1"/>
+                </a:solidFill>
+              </a:rPr>
+              <a:t>implement</a:t>
+            </a:r>
+          </a:p>
+          <a:p>
+            <a:pPr>
+              <a:buFont typeface="Arial" panose="020B0604020202020204" pitchFamily="34" charset="0"/>
+              <a:buChar char="•"/>
+            </a:pPr>
+            <a:r>
+              <a:rPr lang="en-US" sz="2400" dirty="0">
+                <a:solidFill>
+                  <a:schemeClr val="tx1"/>
+                </a:solidFill>
+              </a:rPr>
+              <a:t>The accuracy </a:t>
+            </a:r>
+            <a:r>
+              <a:rPr lang="en-US" sz="2400" dirty="0" smtClean="0">
+                <a:solidFill>
+                  <a:schemeClr val="tx1"/>
+                </a:solidFill>
+              </a:rPr>
+              <a:t>increase</a:t>
+            </a:r>
+            <a:r>
+              <a:rPr lang="en-US" altLang="zh-CN" sz="2400" dirty="0" smtClean="0">
+                <a:solidFill>
+                  <a:schemeClr val="tx1"/>
+                </a:solidFill>
+              </a:rPr>
+              <a:t>s</a:t>
+            </a:r>
+            <a:r>
+              <a:rPr lang="en-US" sz="2400" dirty="0" smtClean="0">
+                <a:solidFill>
+                  <a:schemeClr val="tx1"/>
+                </a:solidFill>
+              </a:rPr>
+              <a:t> as the number of patterns increases</a:t>
+            </a:r>
+          </a:p>
+          <a:p>
+            <a:pPr>
+              <a:buFont typeface="Arial" panose="020B0604020202020204" pitchFamily="34" charset="0"/>
+              <a:buChar char="•"/>
+            </a:pPr>
+            <a:r>
+              <a:rPr lang="en-US" sz="2400" dirty="0" smtClean="0">
+                <a:solidFill>
+                  <a:schemeClr val="tx1"/>
+                </a:solidFill>
+              </a:rPr>
+              <a:t>Faster: Time Complexity   O(n)  </a:t>
+            </a:r>
+          </a:p>
+          <a:p>
+            <a:pPr marL="457200" lvl="1" indent="0"/>
+            <a:r>
+              <a:rPr lang="en-US" sz="2000" dirty="0">
+                <a:solidFill>
+                  <a:schemeClr val="tx1"/>
+                </a:solidFill>
+              </a:rPr>
+              <a:t> </a:t>
+            </a:r>
+            <a:r>
+              <a:rPr lang="en-US" sz="2400" dirty="0">
+                <a:solidFill>
+                  <a:schemeClr val="tx1"/>
+                </a:solidFill>
+              </a:rPr>
+              <a:t>Conditional Random Fields(CRFs</a:t>
+            </a:r>
+            <a:r>
+              <a:rPr lang="en-US" sz="2400" dirty="0" smtClean="0">
+                <a:solidFill>
+                  <a:schemeClr val="tx1"/>
+                </a:solidFill>
+              </a:rPr>
+              <a:t>), </a:t>
+            </a:r>
+            <a:r>
+              <a:rPr lang="en-US" sz="2400" dirty="0">
+                <a:solidFill>
+                  <a:schemeClr val="tx1"/>
+                </a:solidFill>
+              </a:rPr>
+              <a:t>using </a:t>
+            </a:r>
+            <a:r>
+              <a:rPr lang="en-US" sz="2400" dirty="0" smtClean="0">
+                <a:solidFill>
+                  <a:schemeClr val="tx1"/>
+                </a:solidFill>
+              </a:rPr>
+              <a:t>Viterbi </a:t>
+            </a:r>
+            <a:r>
+              <a:rPr lang="en-US" sz="2400" dirty="0">
+                <a:solidFill>
+                  <a:schemeClr val="tx1"/>
+                </a:solidFill>
+              </a:rPr>
+              <a:t>algorithm </a:t>
+            </a:r>
+            <a:r>
+              <a:rPr lang="en-US" sz="2400" dirty="0" smtClean="0">
+                <a:solidFill>
+                  <a:schemeClr val="tx1"/>
+                </a:solidFill>
+              </a:rPr>
+              <a:t>O(</a:t>
+            </a:r>
+            <a:r>
+              <a:rPr lang="en-US" sz="2400" dirty="0"/>
+              <a:t>n</a:t>
+            </a:r>
+            <a:r>
+              <a:rPr lang="en-US" sz="2400" baseline="30000" dirty="0" smtClean="0"/>
+              <a:t>2</a:t>
+            </a:r>
+            <a:r>
+              <a:rPr lang="en-US" sz="2400" dirty="0" smtClean="0">
+                <a:solidFill>
+                  <a:schemeClr val="tx1"/>
+                </a:solidFill>
+              </a:rPr>
+              <a:t>t)</a:t>
+            </a:r>
           </a:p>
           <a:p>
             <a:pPr>
@@ -13759,72 +14141,10 @@
           </a:p>
         </p:txBody>
       </p:sp>
-      <p:pic>
-        <p:nvPicPr>
-          <p:cNvPr id="4" name="Content Placeholder 3"/>
-          <p:cNvPicPr>
-            <a:picLocks noChangeAspect="1"/>
-          </p:cNvPicPr>
-          <p:nvPr/>
-        </p:nvPicPr>
-        <p:blipFill>
-          <a:blip r:embed="rId2"/>
-          <a:stretch>
-            <a:fillRect/>
-          </a:stretch>
-        </p:blipFill>
-        <p:spPr bwMode="auto">
-          <a:xfrm>
-            <a:off x="1676400" y="2059707"/>
-            <a:ext cx="5334000" cy="4342064"/>
-          </a:xfrm>
-          <a:prstGeom prst="rect">
-            <a:avLst/>
-          </a:prstGeom>
-          <a:noFill/>
-          <a:ln>
-            <a:noFill/>
-          </a:ln>
-          <a:effectLst/>
-          <a:extLst>
-            <a:ext uri="{909E8E84-426E-40dd-AFC4-6F175D3DCCD1}">
-              <a14:hiddenFill xmlns:a14="http://schemas.microsoft.com/office/drawing/2010/main" xmlns="">
-                <a:solidFill>
-                  <a:srgbClr val="FFFFFF"/>
-                </a:solidFill>
-              </a14:hiddenFill>
-            </a:ext>
-            <a:ext uri="{91240B29-F687-4f45-9708-019B960494DF}">
-              <a14:hiddenLine xmlns:a14="http://schemas.microsoft.com/office/drawing/2010/main" xmlns="" w="9525">
-                <a:solidFill>
-                  <a:srgbClr val="000000"/>
-                </a:solidFill>
-                <a:round/>
-                <a:headEnd/>
-                <a:tailEnd/>
-              </a14:hiddenLine>
-            </a:ext>
-            <a:ext uri="{AF507438-7753-43e0-B8FC-AC1667EBCBE1}">
-              <a14:hiddenEffects xmlns:a14="http://schemas.microsoft.com/office/drawing/2010/main" xmlns="">
-                <a:effectLst>
-                  <a:outerShdw blurRad="63500" dist="38099" dir="2700000" algn="ctr" rotWithShape="0">
-                    <a:schemeClr val="bg2">
-                      <a:alpha val="74997"/>
-                    </a:schemeClr>
-                  </a:outerShdw>
-                </a:effectLst>
-              </a14:hiddenEffects>
-            </a:ext>
-            <a:ext uri="{FAA26D3D-D897-4be2-8F04-BA451C77F1D7}">
-              <ma14:placeholderFlag xmlns:ma14="http://schemas.microsoft.com/office/mac/drawingml/2011/main" xmlns="" val="1"/>
-            </a:ext>
-          </a:extLst>
-        </p:spPr>
-      </p:pic>
     </p:spTree>
     <p:extLst>
       <p:ext uri="{BB962C8B-B14F-4D97-AF65-F5344CB8AC3E}">
-        <p14:creationId xmlns:p14="http://schemas.microsoft.com/office/powerpoint/2010/main" val="4097603121"/>
+        <p14:creationId xmlns:p14="http://schemas.microsoft.com/office/powerpoint/2010/main" val="3743414035"/>
       </p:ext>
     </p:extLst>
   </p:cSld>
@@ -13878,47 +14198,144 @@
         </p:nvSpPr>
         <p:spPr>
           <a:xfrm>
-            <a:off x="1239189" y="2724855"/>
-            <a:ext cx="7343775" cy="994172"/>
+            <a:off x="457200" y="914400"/>
+            <a:ext cx="7905750" cy="994172"/>
           </a:xfrm>
         </p:spPr>
         <p:txBody>
           <a:bodyPr>
-            <a:normAutofit fontScale="90000"/>
+            <a:normAutofit/>
           </a:bodyPr>
           <a:lstStyle/>
           <a:p>
             <a:r>
-              <a:rPr lang="en-US" sz="4050" smtClean="0">
-                <a:solidFill>
-                  <a:schemeClr val="tx1"/>
-                </a:solidFill>
-              </a:rPr>
-              <a:t>Similarity Construction </a:t>
-            </a:r>
-            <a:r>
-              <a:rPr lang="en-US" sz="4050" dirty="0" smtClean="0">
-                <a:solidFill>
-                  <a:schemeClr val="tx1"/>
-                </a:solidFill>
-              </a:rPr>
-              <a:t>and  </a:t>
-            </a:r>
-            <a:r>
-              <a:rPr lang="en-US" sz="4050" dirty="0">
-                <a:solidFill>
-                  <a:schemeClr val="tx1"/>
-                </a:solidFill>
-              </a:rPr>
-              <a:t>Calculation </a:t>
-            </a:r>
+              <a:rPr lang="en-US" dirty="0" smtClean="0">
+                <a:solidFill>
+                  <a:schemeClr val="bg2">
+                    <a:lumMod val="75000"/>
+                  </a:schemeClr>
+                </a:solidFill>
+              </a:rPr>
+              <a:t>Simplicity   </a:t>
+            </a:r>
+            <a:endParaRPr lang="en-US" dirty="0">
+              <a:solidFill>
+                <a:schemeClr val="bg2">
+                  <a:lumMod val="75000"/>
+                </a:schemeClr>
+              </a:solidFill>
+            </a:endParaRPr>
           </a:p>
         </p:txBody>
       </p:sp>
+      <p:sp>
+        <p:nvSpPr>
+          <p:cNvPr id="2" name="Content Placeholder 1"/>
+          <p:cNvSpPr>
+            <a:spLocks noGrp="1"/>
+          </p:cNvSpPr>
+          <p:nvPr>
+            <p:ph idx="1"/>
+          </p:nvPr>
+        </p:nvSpPr>
+        <p:spPr>
+          <a:xfrm>
+            <a:off x="457200" y="1915606"/>
+            <a:ext cx="8439151" cy="4479131"/>
+          </a:xfrm>
+        </p:spPr>
+        <p:txBody>
+          <a:bodyPr>
+            <a:noAutofit/>
+          </a:bodyPr>
+          <a:lstStyle/>
+          <a:p>
+            <a:pPr marL="0" indent="0"/>
+            <a:endParaRPr lang="en-US" sz="2400" dirty="0" smtClean="0">
+              <a:solidFill>
+                <a:schemeClr val="tx1"/>
+              </a:solidFill>
+            </a:endParaRPr>
+          </a:p>
+          <a:p>
+            <a:pPr>
+              <a:buFont typeface="Arial" panose="020B0604020202020204" pitchFamily="34" charset="0"/>
+              <a:buChar char="•"/>
+            </a:pPr>
+            <a:endParaRPr lang="en-US" sz="2400" dirty="0">
+              <a:solidFill>
+                <a:schemeClr val="tx1"/>
+              </a:solidFill>
+            </a:endParaRPr>
+          </a:p>
+        </p:txBody>
+      </p:sp>
+      <p:pic>
+        <p:nvPicPr>
+          <p:cNvPr id="4" name="Content Placeholder 3"/>
+          <p:cNvPicPr>
+            <a:picLocks noChangeAspect="1"/>
+          </p:cNvPicPr>
+          <p:nvPr/>
+        </p:nvPicPr>
+        <p:blipFill>
+          <a:blip r:embed="rId2"/>
+          <a:stretch>
+            <a:fillRect/>
+          </a:stretch>
+        </p:blipFill>
+        <p:spPr bwMode="auto">
+          <a:xfrm>
+            <a:off x="1676400" y="2059707"/>
+            <a:ext cx="5334000" cy="4342064"/>
+          </a:xfrm>
+          <a:prstGeom prst="rect">
+            <a:avLst/>
+          </a:prstGeom>
+          <a:noFill/>
+          <a:ln>
+            <a:noFill/>
+          </a:ln>
+          <a:effectLst/>
+          <a:extLst>
+            <a:ext uri="{909E8E84-426E-40dd-AFC4-6F175D3DCCD1}">
+              <a14:hiddenFill xmlns:a14="http://schemas.microsoft.com/office/drawing/2010/main" xmlns="">
+                <a:solidFill>
+                  <a:srgbClr val="FFFFFF"/>
+                </a:solidFill>
+              </a14:hiddenFill>
+            </a:ext>
+            <a:ext uri="{91240B29-F687-4f45-9708-019B960494DF}">
+              <a14:hiddenLine xmlns:a14="http://schemas.microsoft.com/office/drawing/2010/main" xmlns="" w="9525">
+                <a:solidFill>
+                  <a:srgbClr val="000000"/>
+                </a:solidFill>
+                <a:round/>
+                <a:headEnd/>
+                <a:tailEnd/>
+              </a14:hiddenLine>
+            </a:ext>
+            <a:ext uri="{AF507438-7753-43e0-B8FC-AC1667EBCBE1}">
+              <a14:hiddenEffects xmlns:a14="http://schemas.microsoft.com/office/drawing/2010/main" xmlns="">
+                <a:effectLst>
+                  <a:outerShdw blurRad="63500" dist="38099" dir="2700000" algn="ctr" rotWithShape="0">
+                    <a:schemeClr val="bg2">
+                      <a:alpha val="74997"/>
+                    </a:schemeClr>
+                  </a:outerShdw>
+                </a:effectLst>
+              </a14:hiddenEffects>
+            </a:ext>
+            <a:ext uri="{FAA26D3D-D897-4be2-8F04-BA451C77F1D7}">
+              <ma14:placeholderFlag xmlns:ma14="http://schemas.microsoft.com/office/mac/drawingml/2011/main" xmlns="" val="1"/>
+            </a:ext>
+          </a:extLst>
+        </p:spPr>
+      </p:pic>
     </p:spTree>
     <p:extLst>
       <p:ext uri="{BB962C8B-B14F-4D97-AF65-F5344CB8AC3E}">
-        <p14:creationId xmlns:p14="http://schemas.microsoft.com/office/powerpoint/2010/main" val="2178587432"/>
+        <p14:creationId xmlns:p14="http://schemas.microsoft.com/office/powerpoint/2010/main" val="4097603121"/>
       </p:ext>
     </p:extLst>
   </p:cSld>
@@ -13972,6 +14389,96 @@
         </p:nvSpPr>
         <p:spPr>
           <a:xfrm>
+            <a:off x="1239189" y="2724855"/>
+            <a:ext cx="7343775" cy="994172"/>
+          </a:xfrm>
+        </p:spPr>
+        <p:txBody>
+          <a:bodyPr>
+            <a:normAutofit fontScale="90000"/>
+          </a:bodyPr>
+          <a:lstStyle/>
+          <a:p>
+            <a:r>
+              <a:rPr lang="en-US" sz="4050" dirty="0" smtClean="0">
+                <a:solidFill>
+                  <a:schemeClr val="bg2">
+                    <a:lumMod val="75000"/>
+                  </a:schemeClr>
+                </a:solidFill>
+              </a:rPr>
+              <a:t>Similarity Construction and  </a:t>
+            </a:r>
+            <a:r>
+              <a:rPr lang="en-US" sz="4050" dirty="0">
+                <a:solidFill>
+                  <a:schemeClr val="bg2">
+                    <a:lumMod val="75000"/>
+                  </a:schemeClr>
+                </a:solidFill>
+              </a:rPr>
+              <a:t>Calculation </a:t>
+            </a:r>
+          </a:p>
+        </p:txBody>
+      </p:sp>
+    </p:spTree>
+    <p:extLst>
+      <p:ext uri="{BB962C8B-B14F-4D97-AF65-F5344CB8AC3E}">
+        <p14:creationId xmlns:p14="http://schemas.microsoft.com/office/powerpoint/2010/main" val="2178587432"/>
+      </p:ext>
+    </p:extLst>
+  </p:cSld>
+  <p:clrMapOvr>
+    <a:masterClrMapping/>
+  </p:clrMapOvr>
+  <mc:AlternateContent xmlns:mc="http://schemas.openxmlformats.org/markup-compatibility/2006" xmlns:p14="http://schemas.microsoft.com/office/powerpoint/2010/main">
+    <mc:Choice Requires="p14">
+      <p:transition spd="slow" p14:dur="2000"/>
+    </mc:Choice>
+    <mc:Fallback xmlns="">
+      <p:transition spd="slow"/>
+    </mc:Fallback>
+  </mc:AlternateContent>
+  <p:timing>
+    <p:tnLst>
+      <p:par>
+        <p:cTn id="1" dur="indefinite" restart="never" nodeType="tmRoot"/>
+      </p:par>
+    </p:tnLst>
+  </p:timing>
+</p:sld>
+</file>
+
+<file path=ppt/slides/slide45.xml><?xml version="1.0" encoding="utf-8"?>
+<p:sld xmlns:a="http://schemas.openxmlformats.org/drawingml/2006/main" xmlns:r="http://schemas.openxmlformats.org/officeDocument/2006/relationships" xmlns:p="http://schemas.openxmlformats.org/presentationml/2006/main">
+  <p:cSld>
+    <p:spTree>
+      <p:nvGrpSpPr>
+        <p:cNvPr id="1" name=""/>
+        <p:cNvGrpSpPr/>
+        <p:nvPr/>
+      </p:nvGrpSpPr>
+      <p:grpSpPr>
+        <a:xfrm>
+          <a:off x="0" y="0"/>
+          <a:ext cx="0" cy="0"/>
+          <a:chOff x="0" y="0"/>
+          <a:chExt cx="0" cy="0"/>
+        </a:xfrm>
+      </p:grpSpPr>
+      <p:sp>
+        <p:nvSpPr>
+          <p:cNvPr id="3" name="Title 2"/>
+          <p:cNvSpPr>
+            <a:spLocks noGrp="1"/>
+          </p:cNvSpPr>
+          <p:nvPr>
+            <p:ph type="title"/>
+          </p:nvPr>
+        </p:nvSpPr>
+        <p:spPr>
+          <a:xfrm>
             <a:off x="1171575" y="1131094"/>
             <a:ext cx="7343775" cy="994172"/>
           </a:xfrm>
@@ -13983,7 +14490,9 @@
             <a:r>
               <a:rPr lang="en-US" dirty="0" smtClean="0">
                 <a:solidFill>
-                  <a:schemeClr val="tx1"/>
+                  <a:schemeClr val="bg2">
+                    <a:lumMod val="75000"/>
+                  </a:schemeClr>
                 </a:solidFill>
               </a:rPr>
               <a:t>Résumé </a:t>
@@ -13991,7 +14500,9 @@
             <a:r>
               <a:rPr lang="en-US" dirty="0">
                 <a:solidFill>
-                  <a:schemeClr val="tx1"/>
+                  <a:schemeClr val="bg2">
+                    <a:lumMod val="75000"/>
+                  </a:schemeClr>
                 </a:solidFill>
               </a:rPr>
               <a:t>and </a:t>
@@ -13999,14 +14510,18 @@
             <a:r>
               <a:rPr lang="en-US" dirty="0" smtClean="0">
                 <a:solidFill>
-                  <a:schemeClr val="tx1"/>
+                  <a:schemeClr val="bg2">
+                    <a:lumMod val="75000"/>
+                  </a:schemeClr>
                 </a:solidFill>
               </a:rPr>
               <a:t>Job Description</a:t>
             </a:r>
             <a:endParaRPr lang="en-US" dirty="0">
               <a:solidFill>
-                <a:schemeClr val="tx1"/>
+                <a:schemeClr val="bg2">
+                  <a:lumMod val="75000"/>
+                </a:schemeClr>
               </a:solidFill>
             </a:endParaRPr>
           </a:p>
@@ -14208,7 +14723,7 @@
 </p:sld>
 </file>
 
-<file path=ppt/slides/slide45.xml><?xml version="1.0" encoding="utf-8"?>
+<file path=ppt/slides/slide46.xml><?xml version="1.0" encoding="utf-8"?>
 <p:sld xmlns:a="http://schemas.openxmlformats.org/drawingml/2006/main" xmlns:r="http://schemas.openxmlformats.org/officeDocument/2006/relationships" xmlns:p="http://schemas.openxmlformats.org/presentationml/2006/main">
   <p:cSld>
     <p:spTree>
@@ -14319,7 +14834,9 @@
             <a:r>
               <a:rPr lang="en-US" dirty="0">
                 <a:solidFill>
-                  <a:schemeClr val="tx1"/>
+                  <a:schemeClr val="bg2">
+                    <a:lumMod val="75000"/>
+                  </a:schemeClr>
                 </a:solidFill>
               </a:rPr>
               <a:t>How to </a:t>
@@ -14327,7 +14844,9 @@
             <a:r>
               <a:rPr lang="en-US" dirty="0" smtClean="0">
                 <a:solidFill>
-                  <a:schemeClr val="tx1"/>
+                  <a:schemeClr val="bg2">
+                    <a:lumMod val="75000"/>
+                  </a:schemeClr>
                 </a:solidFill>
               </a:rPr>
               <a:t>Find </a:t>
@@ -14335,7 +14854,9 @@
             <a:r>
               <a:rPr lang="en-US" dirty="0">
                 <a:solidFill>
-                  <a:schemeClr val="tx1"/>
+                  <a:schemeClr val="bg2">
+                    <a:lumMod val="75000"/>
+                  </a:schemeClr>
                 </a:solidFill>
               </a:rPr>
               <a:t>terms in </a:t>
@@ -14343,14 +14864,18 @@
             <a:r>
               <a:rPr lang="en-US" dirty="0" smtClean="0">
                 <a:solidFill>
-                  <a:schemeClr val="tx1"/>
+                  <a:schemeClr val="bg2">
+                    <a:lumMod val="75000"/>
+                  </a:schemeClr>
                 </a:solidFill>
               </a:rPr>
               <a:t>Job Description </a:t>
             </a:r>
             <a:endParaRPr lang="en-US" dirty="0">
               <a:solidFill>
-                <a:schemeClr val="tx1"/>
+                <a:schemeClr val="bg2">
+                  <a:lumMod val="75000"/>
+                </a:schemeClr>
               </a:solidFill>
             </a:endParaRPr>
           </a:p>
@@ -14360,225 +14885,6 @@
     <p:extLst>
       <p:ext uri="{BB962C8B-B14F-4D97-AF65-F5344CB8AC3E}">
         <p14:creationId xmlns:p14="http://schemas.microsoft.com/office/powerpoint/2010/main" val="2752140381"/>
-      </p:ext>
-    </p:extLst>
-  </p:cSld>
-  <p:clrMapOvr>
-    <a:masterClrMapping/>
-  </p:clrMapOvr>
-  <mc:AlternateContent xmlns:mc="http://schemas.openxmlformats.org/markup-compatibility/2006" xmlns:p14="http://schemas.microsoft.com/office/powerpoint/2010/main">
-    <mc:Choice Requires="p14">
-      <p:transition spd="slow" p14:dur="2000"/>
-    </mc:Choice>
-    <mc:Fallback xmlns="">
-      <p:transition spd="slow"/>
-    </mc:Fallback>
-  </mc:AlternateContent>
-  <p:timing>
-    <p:tnLst>
-      <p:par>
-        <p:cTn id="1" dur="indefinite" restart="never" nodeType="tmRoot"/>
-      </p:par>
-    </p:tnLst>
-  </p:timing>
-</p:sld>
-</file>
-
-<file path=ppt/slides/slide46.xml><?xml version="1.0" encoding="utf-8"?>
-<p:sld xmlns:a="http://schemas.openxmlformats.org/drawingml/2006/main" xmlns:r="http://schemas.openxmlformats.org/officeDocument/2006/relationships" xmlns:p="http://schemas.openxmlformats.org/presentationml/2006/main">
-  <p:cSld>
-    <p:spTree>
-      <p:nvGrpSpPr>
-        <p:cNvPr id="1" name=""/>
-        <p:cNvGrpSpPr/>
-        <p:nvPr/>
-      </p:nvGrpSpPr>
-      <p:grpSpPr>
-        <a:xfrm>
-          <a:off x="0" y="0"/>
-          <a:ext cx="0" cy="0"/>
-          <a:chOff x="0" y="0"/>
-          <a:chExt cx="0" cy="0"/>
-        </a:xfrm>
-      </p:grpSpPr>
-      <p:sp>
-        <p:nvSpPr>
-          <p:cNvPr id="2" name="Content Placeholder 1"/>
-          <p:cNvSpPr>
-            <a:spLocks noGrp="1"/>
-          </p:cNvSpPr>
-          <p:nvPr>
-            <p:ph idx="1"/>
-          </p:nvPr>
-        </p:nvSpPr>
-        <p:spPr>
-          <a:xfrm>
-            <a:off x="457200" y="1774929"/>
-            <a:ext cx="8228013" cy="4244871"/>
-          </a:xfrm>
-        </p:spPr>
-        <p:txBody>
-          <a:bodyPr/>
-          <a:lstStyle/>
-          <a:p>
-            <a:r>
-              <a:rPr lang="en-US" sz="2800" dirty="0" smtClean="0"/>
-              <a:t>&lt; term </a:t>
-            </a:r>
-            <a:r>
-              <a:rPr lang="en-US" sz="2800" dirty="0"/>
-              <a:t>, * , *, </a:t>
-            </a:r>
-            <a:r>
-              <a:rPr lang="en-US" sz="2800" dirty="0" smtClean="0"/>
-              <a:t>term &gt;  ,   &lt; term </a:t>
-            </a:r>
-            <a:r>
-              <a:rPr lang="en-US" sz="2800" dirty="0"/>
-              <a:t>, * , *, and </a:t>
-            </a:r>
-            <a:r>
-              <a:rPr lang="en-US" sz="2800" dirty="0" smtClean="0"/>
-              <a:t>term &gt; </a:t>
-            </a:r>
-          </a:p>
-          <a:p>
-            <a:r>
-              <a:rPr lang="en-US" sz="2800" dirty="0" smtClean="0"/>
-              <a:t>Bootstrap approach </a:t>
-            </a:r>
-          </a:p>
-          <a:p>
-            <a:pPr marL="685800" lvl="1" indent="-342900">
-              <a:buFont typeface="+mj-lt"/>
-              <a:buAutoNum type="arabicPeriod"/>
-            </a:pPr>
-            <a:r>
-              <a:rPr lang="en-US" sz="2400" dirty="0" smtClean="0"/>
-              <a:t>Collect fifty initial terms manually, add them  to term list</a:t>
-            </a:r>
-          </a:p>
-          <a:p>
-            <a:pPr marL="685800" lvl="1" indent="-342900">
-              <a:buFont typeface="+mj-lt"/>
-              <a:buAutoNum type="arabicPeriod"/>
-            </a:pPr>
-            <a:r>
-              <a:rPr lang="en-US" sz="2400" dirty="0" smtClean="0"/>
-              <a:t>Using the pattern matching library to find new terms</a:t>
-            </a:r>
-          </a:p>
-          <a:p>
-            <a:pPr marL="685800" lvl="1" indent="-342900">
-              <a:buFont typeface="+mj-lt"/>
-              <a:buAutoNum type="arabicPeriod"/>
-            </a:pPr>
-            <a:r>
-              <a:rPr lang="en-US" sz="2400" dirty="0" smtClean="0"/>
-              <a:t>Checking the found terms on </a:t>
-            </a:r>
-            <a:r>
-              <a:rPr lang="en-US" sz="2400" dirty="0" err="1" smtClean="0"/>
-              <a:t>Dbpedia</a:t>
-            </a:r>
-            <a:r>
-              <a:rPr lang="en-US" sz="2400" dirty="0" smtClean="0"/>
-              <a:t> </a:t>
-            </a:r>
-          </a:p>
-          <a:p>
-            <a:pPr marL="1085850" lvl="2" indent="-342900">
-              <a:buFont typeface="+mj-lt"/>
-              <a:buAutoNum type="arabicPeriod"/>
-            </a:pPr>
-            <a:r>
-              <a:rPr lang="en-US" sz="2000" dirty="0" smtClean="0"/>
-              <a:t>under </a:t>
-            </a:r>
-            <a:r>
-              <a:rPr lang="en-US" sz="2000" dirty="0"/>
-              <a:t>the </a:t>
-            </a:r>
-            <a:r>
-              <a:rPr lang="en-US" sz="2000" dirty="0" smtClean="0"/>
-              <a:t>technical categories </a:t>
-            </a:r>
-            <a:r>
-              <a:rPr lang="en-US" sz="2000" dirty="0"/>
-              <a:t>like </a:t>
-            </a:r>
-            <a:r>
-              <a:rPr lang="en-US" sz="2000" dirty="0" smtClean="0"/>
-              <a:t>software</a:t>
-            </a:r>
-            <a:r>
-              <a:rPr lang="en-US" sz="2000" dirty="0"/>
-              <a:t>, programming </a:t>
-            </a:r>
-            <a:r>
-              <a:rPr lang="en-US" sz="2000" dirty="0" smtClean="0"/>
-              <a:t>language and so on.  </a:t>
-            </a:r>
-          </a:p>
-          <a:p>
-            <a:pPr marL="685800" lvl="1" indent="-342900">
-              <a:buFont typeface="+mj-lt"/>
-              <a:buAutoNum type="arabicPeriod"/>
-            </a:pPr>
-            <a:r>
-              <a:rPr lang="en-US" sz="2400" dirty="0" smtClean="0"/>
-              <a:t>Adding the new terms in to term list</a:t>
-            </a:r>
-          </a:p>
-          <a:p>
-            <a:pPr marL="685800" lvl="1" indent="-342900">
-              <a:buFont typeface="+mj-lt"/>
-              <a:buAutoNum type="arabicPeriod"/>
-            </a:pPr>
-            <a:endParaRPr lang="en-US" dirty="0"/>
-          </a:p>
-        </p:txBody>
-      </p:sp>
-      <p:sp>
-        <p:nvSpPr>
-          <p:cNvPr id="3" name="Title 2"/>
-          <p:cNvSpPr>
-            <a:spLocks noGrp="1"/>
-          </p:cNvSpPr>
-          <p:nvPr>
-            <p:ph type="title"/>
-          </p:nvPr>
-        </p:nvSpPr>
-        <p:spPr>
-          <a:xfrm>
-            <a:off x="457200" y="762000"/>
-            <a:ext cx="7343775" cy="994172"/>
-          </a:xfrm>
-        </p:spPr>
-        <p:txBody>
-          <a:bodyPr/>
-          <a:lstStyle/>
-          <a:p>
-            <a:r>
-              <a:rPr lang="en-US" dirty="0" smtClean="0">
-                <a:solidFill>
-                  <a:schemeClr val="tx1"/>
-                </a:solidFill>
-              </a:rPr>
-              <a:t>Pattern in sentences </a:t>
-            </a:r>
-            <a:endParaRPr lang="en-US" dirty="0">
-              <a:solidFill>
-                <a:schemeClr val="tx1"/>
-              </a:solidFill>
-            </a:endParaRPr>
-          </a:p>
-        </p:txBody>
-      </p:sp>
-    </p:spTree>
-    <p:extLst>
-      <p:ext uri="{BB962C8B-B14F-4D97-AF65-F5344CB8AC3E}">
-        <p14:creationId xmlns:p14="http://schemas.microsoft.com/office/powerpoint/2010/main" val="2127755479"/>
       </p:ext>
     </p:extLst>
   </p:cSld>
@@ -14622,6 +14928,229 @@
       </p:grpSpPr>
       <p:sp>
         <p:nvSpPr>
+          <p:cNvPr id="2" name="Content Placeholder 1"/>
+          <p:cNvSpPr>
+            <a:spLocks noGrp="1"/>
+          </p:cNvSpPr>
+          <p:nvPr>
+            <p:ph idx="1"/>
+          </p:nvPr>
+        </p:nvSpPr>
+        <p:spPr>
+          <a:xfrm>
+            <a:off x="457200" y="1774929"/>
+            <a:ext cx="8228013" cy="4244871"/>
+          </a:xfrm>
+        </p:spPr>
+        <p:txBody>
+          <a:bodyPr/>
+          <a:lstStyle/>
+          <a:p>
+            <a:r>
+              <a:rPr lang="en-US" sz="2800" dirty="0" smtClean="0"/>
+              <a:t>&lt; term </a:t>
+            </a:r>
+            <a:r>
+              <a:rPr lang="en-US" sz="2800" dirty="0"/>
+              <a:t>, * , *, </a:t>
+            </a:r>
+            <a:r>
+              <a:rPr lang="en-US" sz="2800" dirty="0" smtClean="0"/>
+              <a:t>term &gt;  ,   &lt; term </a:t>
+            </a:r>
+            <a:r>
+              <a:rPr lang="en-US" sz="2800" dirty="0"/>
+              <a:t>, * , *, and </a:t>
+            </a:r>
+            <a:r>
+              <a:rPr lang="en-US" sz="2800" dirty="0" smtClean="0"/>
+              <a:t>term &gt; </a:t>
+            </a:r>
+          </a:p>
+          <a:p>
+            <a:r>
+              <a:rPr lang="en-US" sz="2800" dirty="0" smtClean="0"/>
+              <a:t>Bootstrap approach </a:t>
+            </a:r>
+          </a:p>
+          <a:p>
+            <a:pPr marL="685800" lvl="1" indent="-342900">
+              <a:buFont typeface="+mj-lt"/>
+              <a:buAutoNum type="arabicPeriod"/>
+            </a:pPr>
+            <a:r>
+              <a:rPr lang="en-US" sz="2400" dirty="0" smtClean="0"/>
+              <a:t>Collect fifty initial terms manually, add them  to term list</a:t>
+            </a:r>
+          </a:p>
+          <a:p>
+            <a:pPr marL="685800" lvl="1" indent="-342900">
+              <a:buFont typeface="+mj-lt"/>
+              <a:buAutoNum type="arabicPeriod"/>
+            </a:pPr>
+            <a:r>
+              <a:rPr lang="en-US" sz="2400" dirty="0" smtClean="0"/>
+              <a:t>Using the pattern matching library to find new terms</a:t>
+            </a:r>
+          </a:p>
+          <a:p>
+            <a:pPr marL="685800" lvl="1" indent="-342900">
+              <a:buFont typeface="+mj-lt"/>
+              <a:buAutoNum type="arabicPeriod"/>
+            </a:pPr>
+            <a:r>
+              <a:rPr lang="en-US" sz="2400" dirty="0" smtClean="0"/>
+              <a:t>Checking the found terms on </a:t>
+            </a:r>
+            <a:r>
+              <a:rPr lang="en-US" sz="2400" dirty="0" err="1" smtClean="0"/>
+              <a:t>Dbpedia</a:t>
+            </a:r>
+            <a:r>
+              <a:rPr lang="en-US" sz="2400" dirty="0" smtClean="0"/>
+              <a:t> </a:t>
+            </a:r>
+          </a:p>
+          <a:p>
+            <a:pPr marL="1085850" lvl="2" indent="-342900">
+              <a:buFont typeface="+mj-lt"/>
+              <a:buAutoNum type="arabicPeriod"/>
+            </a:pPr>
+            <a:r>
+              <a:rPr lang="en-US" sz="2000" dirty="0" smtClean="0"/>
+              <a:t>under </a:t>
+            </a:r>
+            <a:r>
+              <a:rPr lang="en-US" sz="2000" dirty="0"/>
+              <a:t>the </a:t>
+            </a:r>
+            <a:r>
+              <a:rPr lang="en-US" sz="2000" dirty="0" smtClean="0"/>
+              <a:t>technical categories </a:t>
+            </a:r>
+            <a:r>
+              <a:rPr lang="en-US" sz="2000" dirty="0"/>
+              <a:t>like </a:t>
+            </a:r>
+            <a:r>
+              <a:rPr lang="en-US" sz="2000" dirty="0" smtClean="0"/>
+              <a:t>software</a:t>
+            </a:r>
+            <a:r>
+              <a:rPr lang="en-US" sz="2000" dirty="0"/>
+              <a:t>, programming </a:t>
+            </a:r>
+            <a:r>
+              <a:rPr lang="en-US" sz="2000" dirty="0" smtClean="0"/>
+              <a:t>language and so on.  </a:t>
+            </a:r>
+          </a:p>
+          <a:p>
+            <a:pPr marL="685800" lvl="1" indent="-342900">
+              <a:buFont typeface="+mj-lt"/>
+              <a:buAutoNum type="arabicPeriod"/>
+            </a:pPr>
+            <a:r>
+              <a:rPr lang="en-US" sz="2400" dirty="0" smtClean="0"/>
+              <a:t>Adding the new terms in to term list</a:t>
+            </a:r>
+          </a:p>
+          <a:p>
+            <a:pPr marL="685800" lvl="1" indent="-342900">
+              <a:buFont typeface="+mj-lt"/>
+              <a:buAutoNum type="arabicPeriod"/>
+            </a:pPr>
+            <a:endParaRPr lang="en-US" dirty="0"/>
+          </a:p>
+        </p:txBody>
+      </p:sp>
+      <p:sp>
+        <p:nvSpPr>
+          <p:cNvPr id="3" name="Title 2"/>
+          <p:cNvSpPr>
+            <a:spLocks noGrp="1"/>
+          </p:cNvSpPr>
+          <p:nvPr>
+            <p:ph type="title"/>
+          </p:nvPr>
+        </p:nvSpPr>
+        <p:spPr>
+          <a:xfrm>
+            <a:off x="457200" y="762000"/>
+            <a:ext cx="7343775" cy="994172"/>
+          </a:xfrm>
+        </p:spPr>
+        <p:txBody>
+          <a:bodyPr/>
+          <a:lstStyle/>
+          <a:p>
+            <a:r>
+              <a:rPr lang="en-US" dirty="0" smtClean="0">
+                <a:solidFill>
+                  <a:schemeClr val="bg2">
+                    <a:lumMod val="75000"/>
+                  </a:schemeClr>
+                </a:solidFill>
+              </a:rPr>
+              <a:t>Pattern in sentences </a:t>
+            </a:r>
+            <a:endParaRPr lang="en-US" dirty="0">
+              <a:solidFill>
+                <a:schemeClr val="bg2">
+                  <a:lumMod val="75000"/>
+                </a:schemeClr>
+              </a:solidFill>
+            </a:endParaRPr>
+          </a:p>
+        </p:txBody>
+      </p:sp>
+    </p:spTree>
+    <p:extLst>
+      <p:ext uri="{BB962C8B-B14F-4D97-AF65-F5344CB8AC3E}">
+        <p14:creationId xmlns:p14="http://schemas.microsoft.com/office/powerpoint/2010/main" val="2127755479"/>
+      </p:ext>
+    </p:extLst>
+  </p:cSld>
+  <p:clrMapOvr>
+    <a:masterClrMapping/>
+  </p:clrMapOvr>
+  <mc:AlternateContent xmlns:mc="http://schemas.openxmlformats.org/markup-compatibility/2006" xmlns:p14="http://schemas.microsoft.com/office/powerpoint/2010/main">
+    <mc:Choice Requires="p14">
+      <p:transition spd="slow" p14:dur="2000"/>
+    </mc:Choice>
+    <mc:Fallback xmlns="">
+      <p:transition spd="slow"/>
+    </mc:Fallback>
+  </mc:AlternateContent>
+  <p:timing>
+    <p:tnLst>
+      <p:par>
+        <p:cTn id="1" dur="indefinite" restart="never" nodeType="tmRoot"/>
+      </p:par>
+    </p:tnLst>
+  </p:timing>
+</p:sld>
+</file>
+
+<file path=ppt/slides/slide48.xml><?xml version="1.0" encoding="utf-8"?>
+<p:sld xmlns:a="http://schemas.openxmlformats.org/drawingml/2006/main" xmlns:r="http://schemas.openxmlformats.org/officeDocument/2006/relationships" xmlns:p="http://schemas.openxmlformats.org/presentationml/2006/main">
+  <p:cSld>
+    <p:spTree>
+      <p:nvGrpSpPr>
+        <p:cNvPr id="1" name=""/>
+        <p:cNvGrpSpPr/>
+        <p:nvPr/>
+      </p:nvGrpSpPr>
+      <p:grpSpPr>
+        <a:xfrm>
+          <a:off x="0" y="0"/>
+          <a:ext cx="0" cy="0"/>
+          <a:chOff x="0" y="0"/>
+          <a:chExt cx="0" cy="0"/>
+        </a:xfrm>
+      </p:grpSpPr>
+      <p:sp>
+        <p:nvSpPr>
           <p:cNvPr id="3" name="Title 2"/>
           <p:cNvSpPr>
             <a:spLocks noGrp="1"/>
@@ -14645,7 +15174,9 @@
             <a:r>
               <a:rPr lang="en-US" dirty="0">
                 <a:solidFill>
-                  <a:schemeClr val="tx1"/>
+                  <a:schemeClr val="bg2">
+                    <a:lumMod val="75000"/>
+                  </a:schemeClr>
                 </a:solidFill>
               </a:rPr>
               <a:t>Bootstrap approach </a:t>
@@ -14655,13 +15186,11 @@
       </p:sp>
       <p:pic>
         <p:nvPicPr>
-          <p:cNvPr id="5" name="Content Placeholder 4"/>
+          <p:cNvPr id="4" name="Picture 3"/>
           <p:cNvPicPr>
-            <a:picLocks noGrp="1" noChangeAspect="1"/>
+            <a:picLocks noChangeAspect="1"/>
           </p:cNvPicPr>
-          <p:nvPr>
-            <p:ph idx="1"/>
-          </p:nvPr>
+          <p:nvPr/>
         </p:nvPicPr>
         <p:blipFill>
           <a:blip r:embed="rId2">
@@ -14677,9 +15206,12 @@
         </p:blipFill>
         <p:spPr>
           <a:xfrm>
-            <a:off x="1277472" y="2476056"/>
-            <a:ext cx="6478205" cy="2781744"/>
+            <a:off x="914399" y="2514600"/>
+            <a:ext cx="7455653" cy="3276600"/>
           </a:xfrm>
+          <a:prstGeom prst="rect">
+            <a:avLst/>
+          </a:prstGeom>
         </p:spPr>
       </p:pic>
     </p:spTree>
@@ -14710,7 +15242,7 @@
 </p:sld>
 </file>
 
-<file path=ppt/slides/slide48.xml><?xml version="1.0" encoding="utf-8"?>
+<file path=ppt/slides/slide49.xml><?xml version="1.0" encoding="utf-8"?>
 <p:sld xmlns:a="http://schemas.openxmlformats.org/drawingml/2006/main" xmlns:r="http://schemas.openxmlformats.org/officeDocument/2006/relationships" xmlns:p="http://schemas.openxmlformats.org/presentationml/2006/main">
   <p:cSld>
     <p:spTree>
@@ -14776,14 +15308,18 @@
             <a:r>
               <a:rPr lang="en-US" dirty="0" smtClean="0">
                 <a:solidFill>
-                  <a:schemeClr val="tx1"/>
+                  <a:schemeClr val="bg2">
+                    <a:lumMod val="75000"/>
+                  </a:schemeClr>
                 </a:solidFill>
               </a:rPr>
               <a:t>Dbpedia Page </a:t>
             </a:r>
             <a:endParaRPr lang="en-US" dirty="0">
               <a:solidFill>
-                <a:schemeClr val="tx1"/>
+                <a:schemeClr val="bg2">
+                  <a:lumMod val="75000"/>
+                </a:schemeClr>
               </a:solidFill>
             </a:endParaRPr>
           </a:p>
@@ -14817,80 +15353,6 @@
     <p:extLst>
       <p:ext uri="{BB962C8B-B14F-4D97-AF65-F5344CB8AC3E}">
         <p14:creationId xmlns:p14="http://schemas.microsoft.com/office/powerpoint/2010/main" val="1722967672"/>
-      </p:ext>
-    </p:extLst>
-  </p:cSld>
-  <p:clrMapOvr>
-    <a:masterClrMapping/>
-  </p:clrMapOvr>
-  <mc:AlternateContent xmlns:mc="http://schemas.openxmlformats.org/markup-compatibility/2006" xmlns:p14="http://schemas.microsoft.com/office/powerpoint/2010/main">
-    <mc:Choice Requires="p14">
-      <p:transition spd="slow" p14:dur="2000"/>
-    </mc:Choice>
-    <mc:Fallback xmlns="">
-      <p:transition spd="slow"/>
-    </mc:Fallback>
-  </mc:AlternateContent>
-  <p:timing>
-    <p:tnLst>
-      <p:par>
-        <p:cTn id="1" dur="indefinite" restart="never" nodeType="tmRoot"/>
-      </p:par>
-    </p:tnLst>
-  </p:timing>
-</p:sld>
-</file>
-
-<file path=ppt/slides/slide49.xml><?xml version="1.0" encoding="utf-8"?>
-<p:sld xmlns:a="http://schemas.openxmlformats.org/drawingml/2006/main" xmlns:r="http://schemas.openxmlformats.org/officeDocument/2006/relationships" xmlns:p="http://schemas.openxmlformats.org/presentationml/2006/main">
-  <p:cSld>
-    <p:spTree>
-      <p:nvGrpSpPr>
-        <p:cNvPr id="1" name=""/>
-        <p:cNvGrpSpPr/>
-        <p:nvPr/>
-      </p:nvGrpSpPr>
-      <p:grpSpPr>
-        <a:xfrm>
-          <a:off x="0" y="0"/>
-          <a:ext cx="0" cy="0"/>
-          <a:chOff x="0" y="0"/>
-          <a:chExt cx="0" cy="0"/>
-        </a:xfrm>
-      </p:grpSpPr>
-      <p:pic>
-        <p:nvPicPr>
-          <p:cNvPr id="4" name="Content Placeholder 3"/>
-          <p:cNvPicPr>
-            <a:picLocks noGrp="1" noChangeAspect="1"/>
-          </p:cNvPicPr>
-          <p:nvPr>
-            <p:ph idx="1"/>
-          </p:nvPr>
-        </p:nvPicPr>
-        <p:blipFill>
-          <a:blip r:embed="rId2">
-            <a:extLst>
-              <a:ext uri="{28A0092B-C50C-407E-A947-70E740481C1C}">
-                <a14:useLocalDpi xmlns:a14="http://schemas.microsoft.com/office/drawing/2010/main" val="0"/>
-              </a:ext>
-            </a:extLst>
-          </a:blip>
-          <a:stretch>
-            <a:fillRect/>
-          </a:stretch>
-        </p:blipFill>
-        <p:spPr>
-          <a:xfrm>
-            <a:off x="457200" y="762000"/>
-            <a:ext cx="7904589" cy="5867400"/>
-          </a:xfrm>
-        </p:spPr>
-      </p:pic>
-    </p:spTree>
-    <p:extLst>
-      <p:ext uri="{BB962C8B-B14F-4D97-AF65-F5344CB8AC3E}">
-        <p14:creationId xmlns:p14="http://schemas.microsoft.com/office/powerpoint/2010/main" val="3814410725"/>
       </p:ext>
     </p:extLst>
   </p:cSld>
@@ -14990,22 +15452,51 @@
               <a:rPr lang="en-US" sz="2400" dirty="0" smtClean="0"/>
               <a:t>Skills </a:t>
             </a:r>
-          </a:p>
-          <a:p>
-            <a:pPr lvl="1"/>
-            <a:endParaRPr lang="en-US" sz="2400" dirty="0"/>
+            <a:endParaRPr lang="en-US" sz="2400" dirty="0" smtClean="0"/>
           </a:p>
           <a:p>
             <a:r>
               <a:rPr lang="en-US" sz="2800" dirty="0" smtClean="0"/>
-              <a:t>Getting the similarity values between the résumé and jobs</a:t>
-            </a:r>
-          </a:p>
-          <a:p>
+              <a:t>Using </a:t>
+            </a:r>
+            <a:r>
+              <a:rPr lang="en-US" sz="2800" dirty="0"/>
+              <a:t>the résumé </a:t>
+            </a:r>
             <a:r>
               <a:rPr lang="en-US" sz="2800" dirty="0" smtClean="0"/>
-              <a:t>Ranking the jobs by their similarity values</a:t>
-            </a:r>
+              <a:t>as a query to search jobs</a:t>
+            </a:r>
+            <a:endParaRPr lang="en-US" sz="2800" dirty="0"/>
+          </a:p>
+          <a:p>
+            <a:r>
+              <a:rPr lang="en-US" sz="2800" dirty="0" smtClean="0"/>
+              <a:t>Getting </a:t>
+            </a:r>
+            <a:r>
+              <a:rPr lang="en-US" sz="2800" dirty="0" smtClean="0"/>
+              <a:t>the similarity </a:t>
+            </a:r>
+            <a:r>
+              <a:rPr lang="en-US" sz="2800" dirty="0" smtClean="0"/>
+              <a:t>between </a:t>
+            </a:r>
+            <a:r>
+              <a:rPr lang="en-US" sz="2800" dirty="0" smtClean="0"/>
+              <a:t>the résumé and jobs</a:t>
+            </a:r>
+          </a:p>
+          <a:p>
+            <a:r>
+              <a:rPr lang="en-US" sz="2800" dirty="0" smtClean="0"/>
+              <a:t>Ranking the jobs by their </a:t>
+            </a:r>
+            <a:r>
+              <a:rPr lang="en-US" sz="2800" dirty="0" smtClean="0"/>
+              <a:t>similarity</a:t>
+            </a:r>
+            <a:endParaRPr lang="en-US" sz="2800" dirty="0" smtClean="0"/>
           </a:p>
         </p:txBody>
       </p:sp>
@@ -15032,22 +15523,18 @@
             <a:r>
               <a:rPr lang="en-US" dirty="0" smtClean="0">
                 <a:solidFill>
-                  <a:schemeClr val="tx1"/>
-                </a:solidFill>
-              </a:rPr>
-              <a:t>Main idea of </a:t>
-            </a:r>
-            <a:r>
-              <a:rPr lang="en-US" dirty="0" err="1" smtClean="0">
-                <a:solidFill>
-                  <a:schemeClr val="tx1"/>
-                </a:solidFill>
-              </a:rPr>
-              <a:t>JobFinder</a:t>
+                  <a:schemeClr val="bg2">
+                    <a:lumMod val="75000"/>
+                  </a:schemeClr>
+                </a:solidFill>
+              </a:rPr>
+              <a:t>Motivation</a:t>
             </a:r>
             <a:endParaRPr lang="en-US" dirty="0">
               <a:solidFill>
-                <a:schemeClr val="tx1"/>
+                <a:schemeClr val="bg2">
+                  <a:lumMod val="75000"/>
+                </a:schemeClr>
               </a:solidFill>
             </a:endParaRPr>
           </a:p>
@@ -15098,6 +15585,189 @@
           <a:chExt cx="0" cy="0"/>
         </a:xfrm>
       </p:grpSpPr>
+      <p:pic>
+        <p:nvPicPr>
+          <p:cNvPr id="3" name="Picture 2"/>
+          <p:cNvPicPr>
+            <a:picLocks noChangeAspect="1"/>
+          </p:cNvPicPr>
+          <p:nvPr/>
+        </p:nvPicPr>
+        <p:blipFill>
+          <a:blip r:embed="rId2"/>
+          <a:stretch>
+            <a:fillRect/>
+          </a:stretch>
+        </p:blipFill>
+        <p:spPr>
+          <a:xfrm>
+            <a:off x="0" y="2133600"/>
+            <a:ext cx="9191884" cy="3505200"/>
+          </a:xfrm>
+          <a:prstGeom prst="rect">
+            <a:avLst/>
+          </a:prstGeom>
+        </p:spPr>
+      </p:pic>
+      <p:sp>
+        <p:nvSpPr>
+          <p:cNvPr id="5" name="Title 2"/>
+          <p:cNvSpPr>
+            <a:spLocks noGrp="1"/>
+          </p:cNvSpPr>
+          <p:nvPr>
+            <p:ph type="title"/>
+          </p:nvPr>
+        </p:nvSpPr>
+        <p:spPr>
+          <a:xfrm>
+            <a:off x="729455" y="881826"/>
+            <a:ext cx="7343775" cy="994172"/>
+          </a:xfrm>
+        </p:spPr>
+        <p:txBody>
+          <a:bodyPr/>
+          <a:lstStyle/>
+          <a:p>
+            <a:r>
+              <a:rPr lang="en-US" dirty="0" smtClean="0">
+                <a:solidFill>
+                  <a:schemeClr val="bg2">
+                    <a:lumMod val="75000"/>
+                  </a:schemeClr>
+                </a:solidFill>
+              </a:rPr>
+              <a:t>Ontology</a:t>
+            </a:r>
+            <a:endParaRPr lang="en-US" dirty="0">
+              <a:solidFill>
+                <a:schemeClr val="bg2">
+                  <a:lumMod val="75000"/>
+                </a:schemeClr>
+              </a:solidFill>
+            </a:endParaRPr>
+          </a:p>
+        </p:txBody>
+      </p:sp>
+    </p:spTree>
+    <p:extLst>
+      <p:ext uri="{BB962C8B-B14F-4D97-AF65-F5344CB8AC3E}">
+        <p14:creationId xmlns:p14="http://schemas.microsoft.com/office/powerpoint/2010/main" val="3814410725"/>
+      </p:ext>
+    </p:extLst>
+  </p:cSld>
+  <p:clrMapOvr>
+    <a:masterClrMapping/>
+  </p:clrMapOvr>
+  <mc:AlternateContent xmlns:mc="http://schemas.openxmlformats.org/markup-compatibility/2006" xmlns:p14="http://schemas.microsoft.com/office/powerpoint/2010/main">
+    <mc:Choice Requires="p14">
+      <p:transition spd="slow" p14:dur="2000"/>
+    </mc:Choice>
+    <mc:Fallback xmlns="">
+      <p:transition spd="slow"/>
+    </mc:Fallback>
+  </mc:AlternateContent>
+  <p:timing>
+    <p:tnLst>
+      <p:par>
+        <p:cTn id="1" dur="indefinite" restart="never" nodeType="tmRoot"/>
+      </p:par>
+    </p:tnLst>
+  </p:timing>
+</p:sld>
+</file>
+
+<file path=ppt/slides/slide51.xml><?xml version="1.0" encoding="utf-8"?>
+<p:sld xmlns:a="http://schemas.openxmlformats.org/drawingml/2006/main" xmlns:r="http://schemas.openxmlformats.org/officeDocument/2006/relationships" xmlns:p="http://schemas.openxmlformats.org/presentationml/2006/main">
+  <p:cSld>
+    <p:spTree>
+      <p:nvGrpSpPr>
+        <p:cNvPr id="1" name=""/>
+        <p:cNvGrpSpPr/>
+        <p:nvPr/>
+      </p:nvGrpSpPr>
+      <p:grpSpPr>
+        <a:xfrm>
+          <a:off x="0" y="0"/>
+          <a:ext cx="0" cy="0"/>
+          <a:chOff x="0" y="0"/>
+          <a:chExt cx="0" cy="0"/>
+        </a:xfrm>
+      </p:grpSpPr>
+      <p:pic>
+        <p:nvPicPr>
+          <p:cNvPr id="4" name="Content Placeholder 3"/>
+          <p:cNvPicPr>
+            <a:picLocks noGrp="1" noChangeAspect="1"/>
+          </p:cNvPicPr>
+          <p:nvPr>
+            <p:ph idx="1"/>
+          </p:nvPr>
+        </p:nvPicPr>
+        <p:blipFill>
+          <a:blip r:embed="rId2">
+            <a:extLst>
+              <a:ext uri="{28A0092B-C50C-407E-A947-70E740481C1C}">
+                <a14:useLocalDpi xmlns:a14="http://schemas.microsoft.com/office/drawing/2010/main" val="0"/>
+              </a:ext>
+            </a:extLst>
+          </a:blip>
+          <a:stretch>
+            <a:fillRect/>
+          </a:stretch>
+        </p:blipFill>
+        <p:spPr>
+          <a:xfrm>
+            <a:off x="457200" y="762000"/>
+            <a:ext cx="7904589" cy="5867400"/>
+          </a:xfrm>
+        </p:spPr>
+      </p:pic>
+    </p:spTree>
+    <p:extLst>
+      <p:ext uri="{BB962C8B-B14F-4D97-AF65-F5344CB8AC3E}">
+        <p14:creationId xmlns:p14="http://schemas.microsoft.com/office/powerpoint/2010/main" val="712021103"/>
+      </p:ext>
+    </p:extLst>
+  </p:cSld>
+  <p:clrMapOvr>
+    <a:masterClrMapping/>
+  </p:clrMapOvr>
+  <mc:AlternateContent xmlns:mc="http://schemas.openxmlformats.org/markup-compatibility/2006" xmlns:p14="http://schemas.microsoft.com/office/powerpoint/2010/main">
+    <mc:Choice Requires="p14">
+      <p:transition spd="slow" p14:dur="2000"/>
+    </mc:Choice>
+    <mc:Fallback xmlns="">
+      <p:transition spd="slow"/>
+    </mc:Fallback>
+  </mc:AlternateContent>
+  <p:timing>
+    <p:tnLst>
+      <p:par>
+        <p:cTn id="1" dur="indefinite" restart="never" nodeType="tmRoot"/>
+      </p:par>
+    </p:tnLst>
+  </p:timing>
+</p:sld>
+</file>
+
+<file path=ppt/slides/slide52.xml><?xml version="1.0" encoding="utf-8"?>
+<p:sld xmlns:a="http://schemas.openxmlformats.org/drawingml/2006/main" xmlns:r="http://schemas.openxmlformats.org/officeDocument/2006/relationships" xmlns:p="http://schemas.openxmlformats.org/presentationml/2006/main">
+  <p:cSld>
+    <p:spTree>
+      <p:nvGrpSpPr>
+        <p:cNvPr id="1" name=""/>
+        <p:cNvGrpSpPr/>
+        <p:nvPr/>
+      </p:nvGrpSpPr>
+      <p:grpSpPr>
+        <a:xfrm>
+          <a:off x="0" y="0"/>
+          <a:ext cx="0" cy="0"/>
+          <a:chOff x="0" y="0"/>
+          <a:chExt cx="0" cy="0"/>
+        </a:xfrm>
+      </p:grpSpPr>
       <p:sp>
         <p:nvSpPr>
           <p:cNvPr id="2" name="Content Placeholder 1"/>
@@ -15193,14 +15863,18 @@
             <a:r>
               <a:rPr lang="en-US" dirty="0" smtClean="0">
                 <a:solidFill>
-                  <a:schemeClr val="tx1"/>
+                  <a:schemeClr val="bg2">
+                    <a:lumMod val="75000"/>
+                  </a:schemeClr>
                 </a:solidFill>
               </a:rPr>
               <a:t>Ontology similarity</a:t>
             </a:r>
             <a:endParaRPr lang="en-US" dirty="0">
               <a:solidFill>
-                <a:schemeClr val="tx1"/>
+                <a:schemeClr val="bg2">
+                  <a:lumMod val="75000"/>
+                </a:schemeClr>
               </a:solidFill>
             </a:endParaRPr>
           </a:p>
@@ -15258,7 +15932,7 @@
 </p:sld>
 </file>
 
-<file path=ppt/slides/slide51.xml><?xml version="1.0" encoding="utf-8"?>
+<file path=ppt/slides/slide53.xml><?xml version="1.0" encoding="utf-8"?>
 <p:sld xmlns:a="http://schemas.openxmlformats.org/drawingml/2006/main" xmlns:r="http://schemas.openxmlformats.org/officeDocument/2006/relationships" xmlns:p="http://schemas.openxmlformats.org/presentationml/2006/main">
   <p:cSld>
     <p:spTree>
@@ -15340,7 +16014,9 @@
             <a:r>
               <a:rPr lang="en-US" dirty="0" smtClean="0">
                 <a:solidFill>
-                  <a:schemeClr val="tx1"/>
+                  <a:schemeClr val="bg2">
+                    <a:lumMod val="75000"/>
+                  </a:schemeClr>
                 </a:solidFill>
               </a:rPr>
               <a:t>Ontology similarity</a:t>
@@ -15348,7 +16024,9 @@
             <a:r>
               <a:rPr lang="en-US" dirty="0">
                 <a:solidFill>
-                  <a:schemeClr val="tx1"/>
+                  <a:schemeClr val="bg2">
+                    <a:lumMod val="75000"/>
+                  </a:schemeClr>
                 </a:solidFill>
               </a:rPr>
               <a:t> </a:t>
@@ -15478,7 +16156,7 @@
 </p:sld>
 </file>
 
-<file path=ppt/slides/slide52.xml><?xml version="1.0" encoding="utf-8"?>
+<file path=ppt/slides/slide54.xml><?xml version="1.0" encoding="utf-8"?>
 <p:sld xmlns:a="http://schemas.openxmlformats.org/drawingml/2006/main" xmlns:r="http://schemas.openxmlformats.org/officeDocument/2006/relationships" xmlns:p="http://schemas.openxmlformats.org/presentationml/2006/main">
   <p:cSld>
     <p:spTree>
@@ -15626,7 +16304,9 @@
             <a:r>
               <a:rPr lang="en-US" dirty="0" smtClean="0">
                 <a:solidFill>
-                  <a:schemeClr val="tx1"/>
+                  <a:schemeClr val="bg2">
+                    <a:lumMod val="75000"/>
+                  </a:schemeClr>
                 </a:solidFill>
               </a:rPr>
               <a:t>Ontology similarity</a:t>
@@ -15634,7 +16314,9 @@
             <a:r>
               <a:rPr lang="en-US" dirty="0">
                 <a:solidFill>
-                  <a:schemeClr val="tx1"/>
+                  <a:schemeClr val="bg2">
+                    <a:lumMod val="75000"/>
+                  </a:schemeClr>
                 </a:solidFill>
               </a:rPr>
               <a:t> </a:t>
@@ -15694,7 +16376,7 @@
 </p:sld>
 </file>
 
-<file path=ppt/slides/slide53.xml><?xml version="1.0" encoding="utf-8"?>
+<file path=ppt/slides/slide55.xml><?xml version="1.0" encoding="utf-8"?>
 <p:sld xmlns:a="http://schemas.openxmlformats.org/drawingml/2006/main" xmlns:r="http://schemas.openxmlformats.org/officeDocument/2006/relationships" xmlns:p="http://schemas.openxmlformats.org/presentationml/2006/main">
   <p:cSld>
     <p:spTree>
@@ -15800,7 +16482,9 @@
             <a:r>
               <a:rPr lang="en-US" dirty="0">
                 <a:solidFill>
-                  <a:schemeClr val="tx1"/>
+                  <a:schemeClr val="bg2">
+                    <a:lumMod val="75000"/>
+                  </a:schemeClr>
                 </a:solidFill>
               </a:rPr>
               <a:t>Statistical-based Ontology Similarity Measure</a:t>
@@ -15829,7 +16513,7 @@
 </p:sld>
 </file>
 
-<file path=ppt/slides/slide54.xml><?xml version="1.0" encoding="utf-8"?>
+<file path=ppt/slides/slide56.xml><?xml version="1.0" encoding="utf-8"?>
 <p:sld xmlns:a="http://schemas.openxmlformats.org/drawingml/2006/main" xmlns:r="http://schemas.openxmlformats.org/officeDocument/2006/relationships" xmlns:p="http://schemas.openxmlformats.org/presentationml/2006/main">
   <p:cSld>
     <p:spTree>
@@ -15924,7 +16608,9 @@
             <a:r>
               <a:rPr lang="en-US" dirty="0">
                 <a:solidFill>
-                  <a:schemeClr val="tx1"/>
+                  <a:schemeClr val="bg2">
+                    <a:lumMod val="75000"/>
+                  </a:schemeClr>
                 </a:solidFill>
               </a:rPr>
               <a:t>Statistical-based Ontology Similarity Measure</a:t>
@@ -15953,7 +16639,7 @@
 </p:sld>
 </file>
 
-<file path=ppt/slides/slide55.xml><?xml version="1.0" encoding="utf-8"?>
+<file path=ppt/slides/slide57.xml><?xml version="1.0" encoding="utf-8"?>
 <p:sld xmlns:a="http://schemas.openxmlformats.org/drawingml/2006/main" xmlns:r="http://schemas.openxmlformats.org/officeDocument/2006/relationships" xmlns:p="http://schemas.openxmlformats.org/presentationml/2006/main">
   <p:cSld>
     <p:spTree>
@@ -16111,7 +16797,9 @@
             <a:r>
               <a:rPr lang="en-US" dirty="0">
                 <a:solidFill>
-                  <a:schemeClr val="tx1"/>
+                  <a:schemeClr val="bg2">
+                    <a:lumMod val="75000"/>
+                  </a:schemeClr>
                 </a:solidFill>
               </a:rPr>
               <a:t>Statistical-based Ontology Similarity Measure</a:t>
@@ -16164,7 +16852,7 @@
 </p:sld>
 </file>
 
-<file path=ppt/slides/slide56.xml><?xml version="1.0" encoding="utf-8"?>
+<file path=ppt/slides/slide58.xml><?xml version="1.0" encoding="utf-8"?>
 <p:sld xmlns:a="http://schemas.openxmlformats.org/drawingml/2006/main" xmlns:r="http://schemas.openxmlformats.org/officeDocument/2006/relationships" xmlns:p="http://schemas.openxmlformats.org/presentationml/2006/main">
   <p:cSld>
     <p:spTree>
@@ -16204,7 +16892,9 @@
             <a:r>
               <a:rPr lang="en-US" dirty="0">
                 <a:solidFill>
-                  <a:schemeClr val="tx1"/>
+                  <a:schemeClr val="bg2">
+                    <a:lumMod val="75000"/>
+                  </a:schemeClr>
                 </a:solidFill>
               </a:rPr>
               <a:t>Statistical-based Ontology Similarity Measure</a:t>
@@ -16257,7 +16947,7 @@
 </p:sld>
 </file>
 
-<file path=ppt/slides/slide57.xml><?xml version="1.0" encoding="utf-8"?>
+<file path=ppt/slides/slide59.xml><?xml version="1.0" encoding="utf-8"?>
 <p:sld xmlns:a="http://schemas.openxmlformats.org/drawingml/2006/main" xmlns:r="http://schemas.openxmlformats.org/officeDocument/2006/relationships" xmlns:p="http://schemas.openxmlformats.org/presentationml/2006/main" show="0">
   <p:cSld>
     <p:spTree>
@@ -16355,7 +17045,197 @@
 </p:sld>
 </file>
 
-<file path=ppt/slides/slide58.xml><?xml version="1.0" encoding="utf-8"?>
+<file path=ppt/slides/slide6.xml><?xml version="1.0" encoding="utf-8"?>
+<p:sld xmlns:a="http://schemas.openxmlformats.org/drawingml/2006/main" xmlns:r="http://schemas.openxmlformats.org/officeDocument/2006/relationships" xmlns:p="http://schemas.openxmlformats.org/presentationml/2006/main">
+  <p:cSld>
+    <p:spTree>
+      <p:nvGrpSpPr>
+        <p:cNvPr id="1" name=""/>
+        <p:cNvGrpSpPr/>
+        <p:nvPr/>
+      </p:nvGrpSpPr>
+      <p:grpSpPr>
+        <a:xfrm>
+          <a:off x="0" y="0"/>
+          <a:ext cx="0" cy="0"/>
+          <a:chOff x="0" y="0"/>
+          <a:chExt cx="0" cy="0"/>
+        </a:xfrm>
+      </p:grpSpPr>
+      <p:sp>
+        <p:nvSpPr>
+          <p:cNvPr id="3" name="Title 2"/>
+          <p:cNvSpPr>
+            <a:spLocks noGrp="1"/>
+          </p:cNvSpPr>
+          <p:nvPr>
+            <p:ph type="title"/>
+          </p:nvPr>
+        </p:nvSpPr>
+        <p:spPr>
+          <a:xfrm>
+            <a:off x="1066800" y="873772"/>
+            <a:ext cx="6772275" cy="994172"/>
+          </a:xfrm>
+        </p:spPr>
+        <p:txBody>
+          <a:bodyPr/>
+          <a:lstStyle/>
+          <a:p>
+            <a:r>
+              <a:rPr lang="en-US" altLang="zh-CN" dirty="0" smtClean="0">
+                <a:solidFill>
+                  <a:schemeClr val="bg2">
+                    <a:lumMod val="75000"/>
+                  </a:schemeClr>
+                </a:solidFill>
+              </a:rPr>
+              <a:t>Job Finder</a:t>
+            </a:r>
+            <a:endParaRPr lang="en-US" dirty="0">
+              <a:solidFill>
+                <a:schemeClr val="bg2">
+                  <a:lumMod val="75000"/>
+                </a:schemeClr>
+              </a:solidFill>
+            </a:endParaRPr>
+          </a:p>
+        </p:txBody>
+      </p:sp>
+      <p:sp>
+        <p:nvSpPr>
+          <p:cNvPr id="6" name="左右箭头 16"/>
+          <p:cNvSpPr/>
+          <p:nvPr/>
+        </p:nvSpPr>
+        <p:spPr>
+          <a:xfrm>
+            <a:off x="3062652" y="3604323"/>
+            <a:ext cx="912713" cy="384966"/>
+          </a:xfrm>
+          <a:prstGeom prst="leftRightArrow">
+            <a:avLst/>
+          </a:prstGeom>
+        </p:spPr>
+        <p:style>
+          <a:lnRef idx="2">
+            <a:schemeClr val="accent1">
+              <a:shade val="50000"/>
+            </a:schemeClr>
+          </a:lnRef>
+          <a:fillRef idx="1">
+            <a:schemeClr val="accent1"/>
+          </a:fillRef>
+          <a:effectRef idx="0">
+            <a:schemeClr val="accent1"/>
+          </a:effectRef>
+          <a:fontRef idx="minor">
+            <a:schemeClr val="lt1"/>
+          </a:fontRef>
+        </p:style>
+        <p:txBody>
+          <a:bodyPr rtlCol="0" anchor="ctr"/>
+          <a:lstStyle/>
+          <a:p>
+            <a:pPr algn="ctr"/>
+            <a:endParaRPr lang="en-US" sz="1800"/>
+          </a:p>
+        </p:txBody>
+      </p:sp>
+      <p:pic>
+        <p:nvPicPr>
+          <p:cNvPr id="7" name="Picture 6"/>
+          <p:cNvPicPr>
+            <a:picLocks noChangeAspect="1"/>
+          </p:cNvPicPr>
+          <p:nvPr/>
+        </p:nvPicPr>
+        <p:blipFill>
+          <a:blip r:embed="rId2"/>
+          <a:stretch>
+            <a:fillRect/>
+          </a:stretch>
+        </p:blipFill>
+        <p:spPr>
+          <a:xfrm>
+            <a:off x="3975365" y="1802412"/>
+            <a:ext cx="4908634" cy="3988788"/>
+          </a:xfrm>
+          <a:prstGeom prst="rect">
+            <a:avLst/>
+          </a:prstGeom>
+        </p:spPr>
+      </p:pic>
+      <p:pic>
+        <p:nvPicPr>
+          <p:cNvPr id="1026" name="Picture 2" descr="http://img.bestsampleresume.com/img1/Software-Developer-Resume.gif"/>
+          <p:cNvPicPr>
+            <a:picLocks noChangeAspect="1" noChangeArrowheads="1"/>
+          </p:cNvPicPr>
+          <p:nvPr/>
+        </p:nvPicPr>
+        <p:blipFill>
+          <a:blip r:embed="rId3">
+            <a:extLst>
+              <a:ext uri="{28A0092B-C50C-407E-A947-70E740481C1C}">
+                <a14:useLocalDpi xmlns:a14="http://schemas.microsoft.com/office/drawing/2010/main" val="0"/>
+              </a:ext>
+            </a:extLst>
+          </a:blip>
+          <a:srcRect/>
+          <a:stretch>
+            <a:fillRect/>
+          </a:stretch>
+        </p:blipFill>
+        <p:spPr bwMode="auto">
+          <a:xfrm>
+            <a:off x="159459" y="1905387"/>
+            <a:ext cx="2903193" cy="3885813"/>
+          </a:xfrm>
+          <a:prstGeom prst="rect">
+            <a:avLst/>
+          </a:prstGeom>
+          <a:noFill/>
+          <a:extLst>
+            <a:ext uri="{909E8E84-426E-40DD-AFC4-6F175D3DCCD1}">
+              <a14:hiddenFill xmlns:a14="http://schemas.microsoft.com/office/drawing/2010/main">
+                <a:solidFill>
+                  <a:srgbClr val="FFFFFF"/>
+                </a:solidFill>
+              </a14:hiddenFill>
+            </a:ext>
+          </a:extLst>
+        </p:spPr>
+      </p:pic>
+    </p:spTree>
+    <p:extLst>
+      <p:ext uri="{BB962C8B-B14F-4D97-AF65-F5344CB8AC3E}">
+        <p14:creationId xmlns:p14="http://schemas.microsoft.com/office/powerpoint/2010/main" val="1649117609"/>
+      </p:ext>
+    </p:extLst>
+  </p:cSld>
+  <p:clrMapOvr>
+    <a:masterClrMapping/>
+  </p:clrMapOvr>
+  <mc:AlternateContent xmlns:mc="http://schemas.openxmlformats.org/markup-compatibility/2006" xmlns:p14="http://schemas.microsoft.com/office/powerpoint/2010/main">
+    <mc:Choice Requires="p14">
+      <p:transition spd="slow" p14:dur="2000"/>
+    </mc:Choice>
+    <mc:Fallback xmlns="">
+      <p:transition spd="slow"/>
+    </mc:Fallback>
+  </mc:AlternateContent>
+  <p:timing>
+    <p:tnLst>
+      <p:par>
+        <p:cTn id="1" dur="indefinite" restart="never" nodeType="tmRoot"/>
+      </p:par>
+    </p:tnLst>
+  </p:timing>
+</p:sld>
+</file>
+
+<file path=ppt/slides/slide60.xml><?xml version="1.0" encoding="utf-8"?>
 <p:sld xmlns:a="http://schemas.openxmlformats.org/drawingml/2006/main" xmlns:r="http://schemas.openxmlformats.org/officeDocument/2006/relationships" xmlns:p="http://schemas.openxmlformats.org/presentationml/2006/main">
   <p:cSld>
     <p:spTree>
@@ -16395,7 +17275,9 @@
             <a:r>
               <a:rPr lang="en-US" altLang="zh-CN" dirty="0" smtClean="0">
                 <a:solidFill>
-                  <a:schemeClr val="tx1"/>
+                  <a:schemeClr val="bg2">
+                    <a:lumMod val="75000"/>
+                  </a:schemeClr>
                 </a:solidFill>
               </a:rPr>
               <a:t>Combine Keyword Search and </a:t>
@@ -16403,7 +17285,9 @@
             <a:r>
               <a:rPr lang="en-US" dirty="0" smtClean="0">
                 <a:solidFill>
-                  <a:schemeClr val="tx1"/>
+                  <a:schemeClr val="bg2">
+                    <a:lumMod val="75000"/>
+                  </a:schemeClr>
                 </a:solidFill>
               </a:rPr>
               <a:t>Résumé </a:t>
@@ -16411,14 +17295,18 @@
             <a:r>
               <a:rPr lang="en-US" altLang="zh-CN" dirty="0" smtClean="0">
                 <a:solidFill>
-                  <a:schemeClr val="tx1"/>
+                  <a:schemeClr val="bg2">
+                    <a:lumMod val="75000"/>
+                  </a:schemeClr>
                 </a:solidFill>
               </a:rPr>
               <a:t>Matching</a:t>
             </a:r>
             <a:endParaRPr lang="en-US" dirty="0">
               <a:solidFill>
-                <a:schemeClr val="tx1"/>
+                <a:schemeClr val="bg2">
+                  <a:lumMod val="75000"/>
+                </a:schemeClr>
               </a:solidFill>
             </a:endParaRPr>
           </a:p>
@@ -16546,7 +17434,71 @@
 </p:sld>
 </file>
 
-<file path=ppt/slides/slide59.xml><?xml version="1.0" encoding="utf-8"?>
+<file path=ppt/slides/slide61.xml><?xml version="1.0" encoding="utf-8"?>
+<p:sld xmlns:a="http://schemas.openxmlformats.org/drawingml/2006/main" xmlns:r="http://schemas.openxmlformats.org/officeDocument/2006/relationships" xmlns:p="http://schemas.openxmlformats.org/presentationml/2006/main">
+  <p:cSld>
+    <p:spTree>
+      <p:nvGrpSpPr>
+        <p:cNvPr id="1" name=""/>
+        <p:cNvGrpSpPr/>
+        <p:nvPr/>
+      </p:nvGrpSpPr>
+      <p:grpSpPr>
+        <a:xfrm>
+          <a:off x="0" y="0"/>
+          <a:ext cx="0" cy="0"/>
+          <a:chOff x="0" y="0"/>
+          <a:chExt cx="0" cy="0"/>
+        </a:xfrm>
+      </p:grpSpPr>
+      <p:sp>
+        <p:nvSpPr>
+          <p:cNvPr id="2" name="Title 1"/>
+          <p:cNvSpPr>
+            <a:spLocks noGrp="1"/>
+          </p:cNvSpPr>
+          <p:nvPr>
+            <p:ph type="title"/>
+          </p:nvPr>
+        </p:nvSpPr>
+        <p:spPr>
+          <a:xfrm>
+            <a:off x="2057400" y="2819400"/>
+            <a:ext cx="4648200" cy="701675"/>
+          </a:xfrm>
+        </p:spPr>
+        <p:txBody>
+          <a:bodyPr/>
+          <a:lstStyle/>
+          <a:p>
+            <a:r>
+              <a:rPr lang="en-US" dirty="0">
+                <a:solidFill>
+                  <a:schemeClr val="bg2">
+                    <a:lumMod val="75000"/>
+                  </a:schemeClr>
+                </a:solidFill>
+              </a:rPr>
+              <a:t>EVALUATION</a:t>
+            </a:r>
+            <a:endParaRPr lang="en-US" dirty="0"/>
+          </a:p>
+        </p:txBody>
+      </p:sp>
+    </p:spTree>
+    <p:extLst>
+      <p:ext uri="{BB962C8B-B14F-4D97-AF65-F5344CB8AC3E}">
+        <p14:creationId xmlns:p14="http://schemas.microsoft.com/office/powerpoint/2010/main" val="3294549234"/>
+      </p:ext>
+    </p:extLst>
+  </p:cSld>
+  <p:clrMapOvr>
+    <a:masterClrMapping/>
+  </p:clrMapOvr>
+</p:sld>
+</file>
+
+<file path=ppt/slides/slide62.xml><?xml version="1.0" encoding="utf-8"?>
 <p:sld xmlns:a="http://schemas.openxmlformats.org/drawingml/2006/main" xmlns:r="http://schemas.openxmlformats.org/officeDocument/2006/relationships" xmlns:p="http://schemas.openxmlformats.org/presentationml/2006/main" show="0">
   <p:cSld>
     <p:spTree>
@@ -16612,7 +17564,9 @@
             <a:r>
               <a:rPr lang="en-US" dirty="0" smtClean="0">
                 <a:solidFill>
-                  <a:schemeClr val="tx1"/>
+                  <a:schemeClr val="bg2">
+                    <a:lumMod val="75000"/>
+                  </a:schemeClr>
                 </a:solidFill>
               </a:rPr>
               <a:t>EVALUATION </a:t>
@@ -16620,21 +17574,27 @@
             <a:br>
               <a:rPr lang="en-US" dirty="0" smtClean="0">
                 <a:solidFill>
-                  <a:schemeClr val="tx1"/>
+                  <a:schemeClr val="bg2">
+                    <a:lumMod val="75000"/>
+                  </a:schemeClr>
                 </a:solidFill>
               </a:rPr>
             </a:br>
             <a:r>
               <a:rPr lang="en-US" dirty="0" smtClean="0">
                 <a:solidFill>
-                  <a:schemeClr val="tx1"/>
+                  <a:schemeClr val="bg2">
+                    <a:lumMod val="75000"/>
+                  </a:schemeClr>
                 </a:solidFill>
               </a:rPr>
               <a:t>– Information Extraction </a:t>
             </a:r>
             <a:endParaRPr lang="en-US" dirty="0">
               <a:solidFill>
-                <a:schemeClr val="tx1"/>
+                <a:schemeClr val="bg2">
+                  <a:lumMod val="75000"/>
+                </a:schemeClr>
               </a:solidFill>
             </a:endParaRPr>
           </a:p>
@@ -16661,193 +17621,7 @@
 </p:sld>
 </file>
 
-<file path=ppt/slides/slide6.xml><?xml version="1.0" encoding="utf-8"?>
-<p:sld xmlns:a="http://schemas.openxmlformats.org/drawingml/2006/main" xmlns:r="http://schemas.openxmlformats.org/officeDocument/2006/relationships" xmlns:p="http://schemas.openxmlformats.org/presentationml/2006/main">
-  <p:cSld>
-    <p:spTree>
-      <p:nvGrpSpPr>
-        <p:cNvPr id="1" name=""/>
-        <p:cNvGrpSpPr/>
-        <p:nvPr/>
-      </p:nvGrpSpPr>
-      <p:grpSpPr>
-        <a:xfrm>
-          <a:off x="0" y="0"/>
-          <a:ext cx="0" cy="0"/>
-          <a:chOff x="0" y="0"/>
-          <a:chExt cx="0" cy="0"/>
-        </a:xfrm>
-      </p:grpSpPr>
-      <p:sp>
-        <p:nvSpPr>
-          <p:cNvPr id="3" name="Title 2"/>
-          <p:cNvSpPr>
-            <a:spLocks noGrp="1"/>
-          </p:cNvSpPr>
-          <p:nvPr>
-            <p:ph type="title"/>
-          </p:nvPr>
-        </p:nvSpPr>
-        <p:spPr>
-          <a:xfrm>
-            <a:off x="1066800" y="873772"/>
-            <a:ext cx="6772275" cy="994172"/>
-          </a:xfrm>
-        </p:spPr>
-        <p:txBody>
-          <a:bodyPr/>
-          <a:lstStyle/>
-          <a:p>
-            <a:r>
-              <a:rPr lang="en-US" altLang="zh-CN" dirty="0" smtClean="0">
-                <a:solidFill>
-                  <a:schemeClr val="tx1"/>
-                </a:solidFill>
-              </a:rPr>
-              <a:t>Job Finder</a:t>
-            </a:r>
-            <a:endParaRPr lang="en-US" dirty="0">
-              <a:solidFill>
-                <a:schemeClr val="tx1"/>
-              </a:solidFill>
-            </a:endParaRPr>
-          </a:p>
-        </p:txBody>
-      </p:sp>
-      <p:sp>
-        <p:nvSpPr>
-          <p:cNvPr id="6" name="左右箭头 16"/>
-          <p:cNvSpPr/>
-          <p:nvPr/>
-        </p:nvSpPr>
-        <p:spPr>
-          <a:xfrm>
-            <a:off x="3062652" y="3587887"/>
-            <a:ext cx="912713" cy="384966"/>
-          </a:xfrm>
-          <a:prstGeom prst="leftRightArrow">
-            <a:avLst/>
-          </a:prstGeom>
-        </p:spPr>
-        <p:style>
-          <a:lnRef idx="2">
-            <a:schemeClr val="accent1">
-              <a:shade val="50000"/>
-            </a:schemeClr>
-          </a:lnRef>
-          <a:fillRef idx="1">
-            <a:schemeClr val="accent1"/>
-          </a:fillRef>
-          <a:effectRef idx="0">
-            <a:schemeClr val="accent1"/>
-          </a:effectRef>
-          <a:fontRef idx="minor">
-            <a:schemeClr val="lt1"/>
-          </a:fontRef>
-        </p:style>
-        <p:txBody>
-          <a:bodyPr rtlCol="0" anchor="ctr"/>
-          <a:lstStyle/>
-          <a:p>
-            <a:pPr algn="ctr"/>
-            <a:endParaRPr lang="en-US" sz="1800"/>
-          </a:p>
-        </p:txBody>
-      </p:sp>
-      <p:pic>
-        <p:nvPicPr>
-          <p:cNvPr id="7" name="Picture 6"/>
-          <p:cNvPicPr>
-            <a:picLocks noChangeAspect="1"/>
-          </p:cNvPicPr>
-          <p:nvPr/>
-        </p:nvPicPr>
-        <p:blipFill>
-          <a:blip r:embed="rId2"/>
-          <a:stretch>
-            <a:fillRect/>
-          </a:stretch>
-        </p:blipFill>
-        <p:spPr>
-          <a:xfrm>
-            <a:off x="3975365" y="1802412"/>
-            <a:ext cx="4908634" cy="3988788"/>
-          </a:xfrm>
-          <a:prstGeom prst="rect">
-            <a:avLst/>
-          </a:prstGeom>
-        </p:spPr>
-      </p:pic>
-      <p:pic>
-        <p:nvPicPr>
-          <p:cNvPr id="1026" name="Picture 2" descr="http://img.bestsampleresume.com/img1/Software-Developer-Resume.gif"/>
-          <p:cNvPicPr>
-            <a:picLocks noChangeAspect="1" noChangeArrowheads="1"/>
-          </p:cNvPicPr>
-          <p:nvPr/>
-        </p:nvPicPr>
-        <p:blipFill>
-          <a:blip r:embed="rId3">
-            <a:extLst>
-              <a:ext uri="{28A0092B-C50C-407E-A947-70E740481C1C}">
-                <a14:useLocalDpi xmlns:a14="http://schemas.microsoft.com/office/drawing/2010/main" val="0"/>
-              </a:ext>
-            </a:extLst>
-          </a:blip>
-          <a:srcRect/>
-          <a:stretch>
-            <a:fillRect/>
-          </a:stretch>
-        </p:blipFill>
-        <p:spPr bwMode="auto">
-          <a:xfrm>
-            <a:off x="120764" y="1852405"/>
-            <a:ext cx="2903193" cy="3885813"/>
-          </a:xfrm>
-          <a:prstGeom prst="rect">
-            <a:avLst/>
-          </a:prstGeom>
-          <a:noFill/>
-          <a:extLst>
-            <a:ext uri="{909E8E84-426E-40DD-AFC4-6F175D3DCCD1}">
-              <a14:hiddenFill xmlns:a14="http://schemas.microsoft.com/office/drawing/2010/main">
-                <a:solidFill>
-                  <a:srgbClr val="FFFFFF"/>
-                </a:solidFill>
-              </a14:hiddenFill>
-            </a:ext>
-          </a:extLst>
-        </p:spPr>
-      </p:pic>
-    </p:spTree>
-    <p:extLst>
-      <p:ext uri="{BB962C8B-B14F-4D97-AF65-F5344CB8AC3E}">
-        <p14:creationId xmlns:p14="http://schemas.microsoft.com/office/powerpoint/2010/main" val="1649117609"/>
-      </p:ext>
-    </p:extLst>
-  </p:cSld>
-  <p:clrMapOvr>
-    <a:masterClrMapping/>
-  </p:clrMapOvr>
-  <mc:AlternateContent xmlns:mc="http://schemas.openxmlformats.org/markup-compatibility/2006" xmlns:p14="http://schemas.microsoft.com/office/powerpoint/2010/main">
-    <mc:Choice Requires="p14">
-      <p:transition spd="slow" p14:dur="2000"/>
-    </mc:Choice>
-    <mc:Fallback xmlns="">
-      <p:transition spd="slow"/>
-    </mc:Fallback>
-  </mc:AlternateContent>
-  <p:timing>
-    <p:tnLst>
-      <p:par>
-        <p:cTn id="1" dur="indefinite" restart="never" nodeType="tmRoot"/>
-      </p:par>
-    </p:tnLst>
-  </p:timing>
-</p:sld>
-</file>
-
-<file path=ppt/slides/slide60.xml><?xml version="1.0" encoding="utf-8"?>
+<file path=ppt/slides/slide63.xml><?xml version="1.0" encoding="utf-8"?>
 <p:sld xmlns:a="http://schemas.openxmlformats.org/drawingml/2006/main" xmlns:r="http://schemas.openxmlformats.org/officeDocument/2006/relationships" xmlns:p="http://schemas.openxmlformats.org/presentationml/2006/main">
   <p:cSld>
     <p:spTree>
@@ -16931,7 +17705,9 @@
             <a:r>
               <a:rPr lang="en-US" dirty="0" smtClean="0">
                 <a:solidFill>
-                  <a:schemeClr val="tx1"/>
+                  <a:schemeClr val="bg2">
+                    <a:lumMod val="75000"/>
+                  </a:schemeClr>
                 </a:solidFill>
               </a:rPr>
               <a:t>EVALUATION </a:t>
@@ -16939,21 +17715,27 @@
             <a:br>
               <a:rPr lang="en-US" dirty="0" smtClean="0">
                 <a:solidFill>
-                  <a:schemeClr val="tx1"/>
+                  <a:schemeClr val="bg2">
+                    <a:lumMod val="75000"/>
+                  </a:schemeClr>
                 </a:solidFill>
               </a:rPr>
             </a:br>
             <a:r>
               <a:rPr lang="en-US" dirty="0" smtClean="0">
                 <a:solidFill>
-                  <a:schemeClr val="tx1"/>
+                  <a:schemeClr val="bg2">
+                    <a:lumMod val="75000"/>
+                  </a:schemeClr>
                 </a:solidFill>
               </a:rPr>
               <a:t>– Information Extraction </a:t>
             </a:r>
             <a:endParaRPr lang="en-US" dirty="0">
               <a:solidFill>
-                <a:schemeClr val="tx1"/>
+                <a:schemeClr val="bg2">
+                  <a:lumMod val="75000"/>
+                </a:schemeClr>
               </a:solidFill>
             </a:endParaRPr>
           </a:p>
@@ -17004,7 +17786,7 @@
 </p:sld>
 </file>
 
-<file path=ppt/slides/slide61.xml><?xml version="1.0" encoding="utf-8"?>
+<file path=ppt/slides/slide64.xml><?xml version="1.0" encoding="utf-8"?>
 <p:sld xmlns:a="http://schemas.openxmlformats.org/drawingml/2006/main" xmlns:r="http://schemas.openxmlformats.org/officeDocument/2006/relationships" xmlns:p="http://schemas.openxmlformats.org/presentationml/2006/main">
   <p:cSld>
     <p:spTree>
@@ -17175,7 +17957,9 @@
             <a:r>
               <a:rPr lang="en-US" dirty="0">
                 <a:solidFill>
-                  <a:schemeClr val="tx1"/>
+                  <a:schemeClr val="bg2">
+                    <a:lumMod val="75000"/>
+                  </a:schemeClr>
                 </a:solidFill>
               </a:rPr>
               <a:t>EVALUATION </a:t>
@@ -17183,7 +17967,9 @@
             <a:r>
               <a:rPr lang="en-US" dirty="0" smtClean="0">
                 <a:solidFill>
-                  <a:schemeClr val="tx1"/>
+                  <a:schemeClr val="bg2">
+                    <a:lumMod val="75000"/>
+                  </a:schemeClr>
                 </a:solidFill>
               </a:rPr>
               <a:t/>
@@ -17191,21 +17977,27 @@
             <a:br>
               <a:rPr lang="en-US" dirty="0" smtClean="0">
                 <a:solidFill>
-                  <a:schemeClr val="tx1"/>
+                  <a:schemeClr val="bg2">
+                    <a:lumMod val="75000"/>
+                  </a:schemeClr>
                 </a:solidFill>
               </a:rPr>
             </a:br>
             <a:r>
               <a:rPr lang="en-US" dirty="0" smtClean="0">
                 <a:solidFill>
-                  <a:schemeClr val="tx1"/>
+                  <a:schemeClr val="bg2">
+                    <a:lumMod val="75000"/>
+                  </a:schemeClr>
                 </a:solidFill>
               </a:rPr>
               <a:t>– Ontology Similarity </a:t>
             </a:r>
             <a:endParaRPr lang="en-US" dirty="0">
               <a:solidFill>
-                <a:schemeClr val="tx1"/>
+                <a:schemeClr val="bg2">
+                  <a:lumMod val="75000"/>
+                </a:schemeClr>
               </a:solidFill>
             </a:endParaRPr>
           </a:p>
@@ -17717,7 +18509,7 @@
 </p:sld>
 </file>
 
-<file path=ppt/slides/slide62.xml><?xml version="1.0" encoding="utf-8"?>
+<file path=ppt/slides/slide65.xml><?xml version="1.0" encoding="utf-8"?>
 <p:sld xmlns:a="http://schemas.openxmlformats.org/drawingml/2006/main" xmlns:r="http://schemas.openxmlformats.org/officeDocument/2006/relationships" xmlns:p="http://schemas.openxmlformats.org/presentationml/2006/main">
   <p:cSld>
     <p:spTree>
@@ -17841,7 +18633,7 @@
 </p:sld>
 </file>
 
-<file path=ppt/slides/slide63.xml><?xml version="1.0" encoding="utf-8"?>
+<file path=ppt/slides/slide66.xml><?xml version="1.0" encoding="utf-8"?>
 <p:sld xmlns:a="http://schemas.openxmlformats.org/drawingml/2006/main" xmlns:r="http://schemas.openxmlformats.org/officeDocument/2006/relationships" xmlns:p="http://schemas.openxmlformats.org/presentationml/2006/main">
   <p:cSld>
     <p:spTree>
@@ -17907,7 +18699,9 @@
             <a:r>
               <a:rPr lang="en-US" dirty="0">
                 <a:solidFill>
-                  <a:schemeClr val="tx1"/>
+                  <a:schemeClr val="bg2">
+                    <a:lumMod val="75000"/>
+                  </a:schemeClr>
                 </a:solidFill>
               </a:rPr>
               <a:t>EVALUATION </a:t>
@@ -17915,7 +18709,9 @@
             <a:r>
               <a:rPr lang="en-US" dirty="0" smtClean="0">
                 <a:solidFill>
-                  <a:schemeClr val="tx1"/>
+                  <a:schemeClr val="bg2">
+                    <a:lumMod val="75000"/>
+                  </a:schemeClr>
                 </a:solidFill>
               </a:rPr>
               <a:t/>
@@ -17923,14 +18719,18 @@
             <a:br>
               <a:rPr lang="en-US" dirty="0" smtClean="0">
                 <a:solidFill>
-                  <a:schemeClr val="tx1"/>
+                  <a:schemeClr val="bg2">
+                    <a:lumMod val="75000"/>
+                  </a:schemeClr>
                 </a:solidFill>
               </a:rPr>
             </a:br>
             <a:r>
               <a:rPr lang="en-US" dirty="0" smtClean="0">
                 <a:solidFill>
-                  <a:schemeClr val="tx1"/>
+                  <a:schemeClr val="bg2">
+                    <a:lumMod val="75000"/>
+                  </a:schemeClr>
                 </a:solidFill>
               </a:rPr>
               <a:t>– </a:t>
@@ -17938,7 +18738,9 @@
             <a:r>
               <a:rPr lang="en-US" dirty="0">
                 <a:solidFill>
-                  <a:schemeClr val="tx1"/>
+                  <a:schemeClr val="bg2">
+                    <a:lumMod val="75000"/>
+                  </a:schemeClr>
                 </a:solidFill>
               </a:rPr>
               <a:t>Ontology Similarity </a:t>
@@ -17967,7 +18769,7 @@
 </p:sld>
 </file>
 
-<file path=ppt/slides/slide64.xml><?xml version="1.0" encoding="utf-8"?>
+<file path=ppt/slides/slide67.xml><?xml version="1.0" encoding="utf-8"?>
 <p:sld xmlns:a="http://schemas.openxmlformats.org/drawingml/2006/main" xmlns:r="http://schemas.openxmlformats.org/officeDocument/2006/relationships" xmlns:p="http://schemas.openxmlformats.org/presentationml/2006/main">
   <p:cSld>
     <p:spTree>
@@ -18166,7 +18968,7 @@
 </p:sld>
 </file>
 
-<file path=ppt/slides/slide65.xml><?xml version="1.0" encoding="utf-8"?>
+<file path=ppt/slides/slide68.xml><?xml version="1.0" encoding="utf-8"?>
 <p:sld xmlns:a="http://schemas.openxmlformats.org/drawingml/2006/main" xmlns:r="http://schemas.openxmlformats.org/officeDocument/2006/relationships" xmlns:p="http://schemas.openxmlformats.org/presentationml/2006/main">
   <p:cSld>
     <p:spTree>
@@ -18260,14 +19062,28 @@
             <a:r>
               <a:rPr lang="en-US" dirty="0" smtClean="0">
                 <a:solidFill>
-                  <a:schemeClr val="tx1"/>
-                </a:solidFill>
-              </a:rPr>
-              <a:t>Models to Compare</a:t>
+                  <a:schemeClr val="bg2">
+                    <a:lumMod val="75000"/>
+                  </a:schemeClr>
+                </a:solidFill>
+              </a:rPr>
+              <a:t>Models to </a:t>
+            </a:r>
+            <a:r>
+              <a:rPr lang="en-US" dirty="0" smtClean="0">
+                <a:solidFill>
+                  <a:schemeClr val="bg2">
+                    <a:lumMod val="75000"/>
+                  </a:schemeClr>
+                </a:solidFill>
+              </a:rPr>
+              <a:t>Compare With</a:t>
             </a:r>
             <a:endParaRPr lang="en-US" dirty="0">
               <a:solidFill>
-                <a:schemeClr val="tx1"/>
+                <a:schemeClr val="bg2">
+                  <a:lumMod val="75000"/>
+                </a:schemeClr>
               </a:solidFill>
             </a:endParaRPr>
           </a:p>
@@ -18318,7 +19134,7 @@
 </p:sld>
 </file>
 
-<file path=ppt/slides/slide66.xml><?xml version="1.0" encoding="utf-8"?>
+<file path=ppt/slides/slide69.xml><?xml version="1.0" encoding="utf-8"?>
 <p:sld xmlns:a="http://schemas.openxmlformats.org/drawingml/2006/main" xmlns:r="http://schemas.openxmlformats.org/officeDocument/2006/relationships" xmlns:p="http://schemas.openxmlformats.org/presentationml/2006/main">
   <p:cSld>
     <p:spTree>
@@ -18426,14 +19242,28 @@
             <a:r>
               <a:rPr lang="en-US" dirty="0" smtClean="0">
                 <a:solidFill>
-                  <a:schemeClr val="tx1"/>
-                </a:solidFill>
-              </a:rPr>
-              <a:t>Models to Compare</a:t>
+                  <a:schemeClr val="bg2">
+                    <a:lumMod val="75000"/>
+                  </a:schemeClr>
+                </a:solidFill>
+              </a:rPr>
+              <a:t>Models to </a:t>
+            </a:r>
+            <a:r>
+              <a:rPr lang="en-US" dirty="0" smtClean="0">
+                <a:solidFill>
+                  <a:schemeClr val="bg2">
+                    <a:lumMod val="75000"/>
+                  </a:schemeClr>
+                </a:solidFill>
+              </a:rPr>
+              <a:t>Compare With</a:t>
             </a:r>
             <a:endParaRPr lang="en-US" dirty="0">
               <a:solidFill>
-                <a:schemeClr val="tx1"/>
+                <a:schemeClr val="bg2">
+                  <a:lumMod val="75000"/>
+                </a:schemeClr>
               </a:solidFill>
             </a:endParaRPr>
           </a:p>
@@ -18508,7 +19338,177 @@
 </p:sld>
 </file>
 
-<file path=ppt/slides/slide67.xml><?xml version="1.0" encoding="utf-8"?>
+<file path=ppt/slides/slide7.xml><?xml version="1.0" encoding="utf-8"?>
+<p:sld xmlns:a="http://schemas.openxmlformats.org/drawingml/2006/main" xmlns:r="http://schemas.openxmlformats.org/officeDocument/2006/relationships" xmlns:p="http://schemas.openxmlformats.org/presentationml/2006/main">
+  <p:cSld>
+    <p:spTree>
+      <p:nvGrpSpPr>
+        <p:cNvPr id="1" name=""/>
+        <p:cNvGrpSpPr/>
+        <p:nvPr/>
+      </p:nvGrpSpPr>
+      <p:grpSpPr>
+        <a:xfrm>
+          <a:off x="0" y="0"/>
+          <a:ext cx="0" cy="0"/>
+          <a:chOff x="0" y="0"/>
+          <a:chExt cx="0" cy="0"/>
+        </a:xfrm>
+      </p:grpSpPr>
+      <p:sp>
+        <p:nvSpPr>
+          <p:cNvPr id="2" name="Content Placeholder 1"/>
+          <p:cNvSpPr>
+            <a:spLocks noGrp="1"/>
+          </p:cNvSpPr>
+          <p:nvPr>
+            <p:ph idx="1"/>
+          </p:nvPr>
+        </p:nvSpPr>
+        <p:spPr>
+          <a:xfrm>
+            <a:off x="533400" y="2057400"/>
+            <a:ext cx="8228013" cy="3990975"/>
+          </a:xfrm>
+        </p:spPr>
+        <p:txBody>
+          <a:bodyPr/>
+          <a:lstStyle/>
+          <a:p>
+            <a:r>
+              <a:rPr lang="en-US" sz="2400" dirty="0"/>
+              <a:t>A résumé – job matching system</a:t>
+            </a:r>
+          </a:p>
+          <a:p>
+            <a:r>
+              <a:rPr lang="en-US" altLang="en-US" sz="2400" dirty="0"/>
+              <a:t>Propose </a:t>
+            </a:r>
+            <a:r>
+              <a:rPr lang="en-US" altLang="en-US" sz="2400" dirty="0" smtClean="0"/>
+              <a:t>a</a:t>
+            </a:r>
+            <a:r>
+              <a:rPr lang="en-US" sz="2400" dirty="0" smtClean="0"/>
+              <a:t> </a:t>
+            </a:r>
+            <a:r>
+              <a:rPr lang="en-US" sz="2400" dirty="0"/>
+              <a:t>finite state transducer based tool for information extraction</a:t>
+            </a:r>
+          </a:p>
+          <a:p>
+            <a:r>
+              <a:rPr lang="en-US" altLang="en-US" sz="2400" dirty="0"/>
+              <a:t>Propose </a:t>
+            </a:r>
+            <a:r>
+              <a:rPr lang="en-US" sz="2400" dirty="0" smtClean="0"/>
+              <a:t>a </a:t>
+            </a:r>
+            <a:r>
+              <a:rPr lang="en-US" sz="2400" dirty="0"/>
+              <a:t>semi-automatic approach to collect technical terms</a:t>
+            </a:r>
+          </a:p>
+          <a:p>
+            <a:r>
+              <a:rPr lang="en-US" altLang="en-US" sz="2400" dirty="0"/>
+              <a:t>Propose </a:t>
+            </a:r>
+            <a:r>
+              <a:rPr lang="en-US" sz="2400" dirty="0" smtClean="0"/>
+              <a:t>a </a:t>
+            </a:r>
+            <a:r>
+              <a:rPr lang="en-US" sz="2400" dirty="0"/>
+              <a:t>statistical-based ontology similarity measure</a:t>
+            </a:r>
+          </a:p>
+          <a:p>
+            <a:r>
+              <a:rPr lang="en-US" sz="2400" dirty="0"/>
+              <a:t>Combined keyword searching and model matching</a:t>
+            </a:r>
+          </a:p>
+          <a:p>
+            <a:endParaRPr lang="en-US" dirty="0" smtClean="0"/>
+          </a:p>
+          <a:p>
+            <a:endParaRPr lang="en-US" dirty="0"/>
+          </a:p>
+        </p:txBody>
+      </p:sp>
+      <p:sp>
+        <p:nvSpPr>
+          <p:cNvPr id="3" name="Title 2"/>
+          <p:cNvSpPr>
+            <a:spLocks noGrp="1"/>
+          </p:cNvSpPr>
+          <p:nvPr>
+            <p:ph type="title"/>
+          </p:nvPr>
+        </p:nvSpPr>
+        <p:spPr>
+          <a:xfrm>
+            <a:off x="533400" y="825690"/>
+            <a:ext cx="7343775" cy="994172"/>
+          </a:xfrm>
+        </p:spPr>
+        <p:txBody>
+          <a:bodyPr/>
+          <a:lstStyle/>
+          <a:p>
+            <a:r>
+              <a:rPr lang="en-US" altLang="zh-CN" dirty="0" smtClean="0">
+                <a:solidFill>
+                  <a:schemeClr val="bg2">
+                    <a:lumMod val="75000"/>
+                  </a:schemeClr>
+                </a:solidFill>
+              </a:rPr>
+              <a:t>Contributions of our works</a:t>
+            </a:r>
+            <a:endParaRPr lang="en-US" dirty="0">
+              <a:solidFill>
+                <a:schemeClr val="bg2">
+                  <a:lumMod val="75000"/>
+                </a:schemeClr>
+              </a:solidFill>
+            </a:endParaRPr>
+          </a:p>
+        </p:txBody>
+      </p:sp>
+    </p:spTree>
+    <p:extLst>
+      <p:ext uri="{BB962C8B-B14F-4D97-AF65-F5344CB8AC3E}">
+        <p14:creationId xmlns:p14="http://schemas.microsoft.com/office/powerpoint/2010/main" val="810325"/>
+      </p:ext>
+    </p:extLst>
+  </p:cSld>
+  <p:clrMapOvr>
+    <a:masterClrMapping/>
+  </p:clrMapOvr>
+  <mc:AlternateContent xmlns:mc="http://schemas.openxmlformats.org/markup-compatibility/2006" xmlns:p14="http://schemas.microsoft.com/office/powerpoint/2010/main">
+    <mc:Choice Requires="p14">
+      <p:transition spd="slow" p14:dur="2000"/>
+    </mc:Choice>
+    <mc:Fallback xmlns="">
+      <p:transition spd="slow"/>
+    </mc:Fallback>
+  </mc:AlternateContent>
+  <p:timing>
+    <p:tnLst>
+      <p:par>
+        <p:cTn id="1" dur="indefinite" restart="never" nodeType="tmRoot"/>
+      </p:par>
+    </p:tnLst>
+  </p:timing>
+</p:sld>
+</file>
+
+<file path=ppt/slides/slide70.xml><?xml version="1.0" encoding="utf-8"?>
 <p:sld xmlns:a="http://schemas.openxmlformats.org/drawingml/2006/main" xmlns:r="http://schemas.openxmlformats.org/officeDocument/2006/relationships" xmlns:p="http://schemas.openxmlformats.org/presentationml/2006/main">
   <p:cSld>
     <p:spTree>
@@ -18597,10 +19597,32 @@
             <a:r>
               <a:rPr lang="en-US" dirty="0" smtClean="0">
                 <a:solidFill>
-                  <a:schemeClr val="tx1"/>
-                </a:solidFill>
-              </a:rPr>
-              <a:t>Models to Compare</a:t>
+                  <a:schemeClr val="bg2">
+                    <a:lumMod val="75000"/>
+                  </a:schemeClr>
+                </a:solidFill>
+              </a:rPr>
+              <a:t>Models to </a:t>
+            </a:r>
+            <a:r>
+              <a:rPr lang="en-US" dirty="0" smtClean="0">
+                <a:solidFill>
+                  <a:schemeClr val="bg2">
+                    <a:lumMod val="75000"/>
+                  </a:schemeClr>
+                </a:solidFill>
+              </a:rPr>
+              <a:t>Compare </a:t>
+            </a:r>
+            <a:r>
+              <a:rPr lang="en-US" dirty="0">
+                <a:solidFill>
+                  <a:schemeClr val="bg2">
+                    <a:lumMod val="75000"/>
+                  </a:schemeClr>
+                </a:solidFill>
+              </a:rPr>
+              <a:t>With</a:t>
             </a:r>
             <a:endParaRPr lang="en-US" dirty="0">
               <a:solidFill>
@@ -18655,7 +19677,7 @@
 </p:sld>
 </file>
 
-<file path=ppt/slides/slide68.xml><?xml version="1.0" encoding="utf-8"?>
+<file path=ppt/slides/slide71.xml><?xml version="1.0" encoding="utf-8"?>
 <p:sld xmlns:a="http://schemas.openxmlformats.org/drawingml/2006/main" xmlns:r="http://schemas.openxmlformats.org/officeDocument/2006/relationships" xmlns:p="http://schemas.openxmlformats.org/presentationml/2006/main">
   <p:cSld>
     <p:spTree>
@@ -18743,14 +19765,18 @@
             <a:r>
               <a:rPr lang="en-US" dirty="0" smtClean="0">
                 <a:solidFill>
-                  <a:schemeClr val="tx1"/>
+                  <a:schemeClr val="bg2">
+                    <a:lumMod val="75000"/>
+                  </a:schemeClr>
                 </a:solidFill>
               </a:rPr>
               <a:t>Experiment Setup </a:t>
             </a:r>
             <a:endParaRPr lang="en-US" dirty="0">
               <a:solidFill>
-                <a:schemeClr val="tx1"/>
+                <a:schemeClr val="bg2">
+                  <a:lumMod val="75000"/>
+                </a:schemeClr>
               </a:solidFill>
             </a:endParaRPr>
           </a:p>
@@ -18777,7 +19803,7 @@
 </p:sld>
 </file>
 
-<file path=ppt/slides/slide69.xml><?xml version="1.0" encoding="utf-8"?>
+<file path=ppt/slides/slide72.xml><?xml version="1.0" encoding="utf-8"?>
 <p:sld xmlns:a="http://schemas.openxmlformats.org/drawingml/2006/main" xmlns:r="http://schemas.openxmlformats.org/officeDocument/2006/relationships" xmlns:p="http://schemas.openxmlformats.org/presentationml/2006/main">
   <p:cSld>
     <p:spTree>
@@ -18817,7 +19843,9 @@
             <a:r>
               <a:rPr lang="en-US" dirty="0">
                 <a:solidFill>
-                  <a:schemeClr val="tx1"/>
+                  <a:schemeClr val="bg2">
+                    <a:lumMod val="75000"/>
+                  </a:schemeClr>
                 </a:solidFill>
               </a:rPr>
               <a:t>EVALUATION – System Performance </a:t>
@@ -18870,173 +19898,7 @@
 </p:sld>
 </file>
 
-<file path=ppt/slides/slide7.xml><?xml version="1.0" encoding="utf-8"?>
-<p:sld xmlns:a="http://schemas.openxmlformats.org/drawingml/2006/main" xmlns:r="http://schemas.openxmlformats.org/officeDocument/2006/relationships" xmlns:p="http://schemas.openxmlformats.org/presentationml/2006/main">
-  <p:cSld>
-    <p:spTree>
-      <p:nvGrpSpPr>
-        <p:cNvPr id="1" name=""/>
-        <p:cNvGrpSpPr/>
-        <p:nvPr/>
-      </p:nvGrpSpPr>
-      <p:grpSpPr>
-        <a:xfrm>
-          <a:off x="0" y="0"/>
-          <a:ext cx="0" cy="0"/>
-          <a:chOff x="0" y="0"/>
-          <a:chExt cx="0" cy="0"/>
-        </a:xfrm>
-      </p:grpSpPr>
-      <p:sp>
-        <p:nvSpPr>
-          <p:cNvPr id="2" name="Content Placeholder 1"/>
-          <p:cNvSpPr>
-            <a:spLocks noGrp="1"/>
-          </p:cNvSpPr>
-          <p:nvPr>
-            <p:ph idx="1"/>
-          </p:nvPr>
-        </p:nvSpPr>
-        <p:spPr>
-          <a:xfrm>
-            <a:off x="533400" y="2057400"/>
-            <a:ext cx="8228013" cy="3990975"/>
-          </a:xfrm>
-        </p:spPr>
-        <p:txBody>
-          <a:bodyPr/>
-          <a:lstStyle/>
-          <a:p>
-            <a:r>
-              <a:rPr lang="en-US" sz="2400" dirty="0"/>
-              <a:t>A résumé – job matching system</a:t>
-            </a:r>
-          </a:p>
-          <a:p>
-            <a:r>
-              <a:rPr lang="en-US" altLang="en-US" sz="2400" dirty="0"/>
-              <a:t>Propose </a:t>
-            </a:r>
-            <a:r>
-              <a:rPr lang="en-US" altLang="en-US" sz="2400" dirty="0" smtClean="0"/>
-              <a:t>a</a:t>
-            </a:r>
-            <a:r>
-              <a:rPr lang="en-US" sz="2400" dirty="0" smtClean="0"/>
-              <a:t> </a:t>
-            </a:r>
-            <a:r>
-              <a:rPr lang="en-US" sz="2400" dirty="0"/>
-              <a:t>finite state transducer based tool for information extraction</a:t>
-            </a:r>
-          </a:p>
-          <a:p>
-            <a:r>
-              <a:rPr lang="en-US" altLang="en-US" sz="2400" dirty="0"/>
-              <a:t>Propose </a:t>
-            </a:r>
-            <a:r>
-              <a:rPr lang="en-US" sz="2400" dirty="0" smtClean="0"/>
-              <a:t>a </a:t>
-            </a:r>
-            <a:r>
-              <a:rPr lang="en-US" sz="2400" dirty="0"/>
-              <a:t>semi-automatic approach to collect technical terms</a:t>
-            </a:r>
-          </a:p>
-          <a:p>
-            <a:r>
-              <a:rPr lang="en-US" altLang="en-US" sz="2400" dirty="0"/>
-              <a:t>Propose </a:t>
-            </a:r>
-            <a:r>
-              <a:rPr lang="en-US" sz="2400" dirty="0" smtClean="0"/>
-              <a:t>a </a:t>
-            </a:r>
-            <a:r>
-              <a:rPr lang="en-US" sz="2400" dirty="0"/>
-              <a:t>statistical-based ontology similarity measure</a:t>
-            </a:r>
-          </a:p>
-          <a:p>
-            <a:r>
-              <a:rPr lang="en-US" sz="2400" dirty="0"/>
-              <a:t>Combined keyword searching and model matching</a:t>
-            </a:r>
-          </a:p>
-          <a:p>
-            <a:endParaRPr lang="en-US" dirty="0" smtClean="0"/>
-          </a:p>
-          <a:p>
-            <a:endParaRPr lang="en-US" dirty="0"/>
-          </a:p>
-        </p:txBody>
-      </p:sp>
-      <p:sp>
-        <p:nvSpPr>
-          <p:cNvPr id="3" name="Title 2"/>
-          <p:cNvSpPr>
-            <a:spLocks noGrp="1"/>
-          </p:cNvSpPr>
-          <p:nvPr>
-            <p:ph type="title"/>
-          </p:nvPr>
-        </p:nvSpPr>
-        <p:spPr>
-          <a:xfrm>
-            <a:off x="533400" y="825690"/>
-            <a:ext cx="7343775" cy="994172"/>
-          </a:xfrm>
-        </p:spPr>
-        <p:txBody>
-          <a:bodyPr/>
-          <a:lstStyle/>
-          <a:p>
-            <a:r>
-              <a:rPr lang="en-US" altLang="zh-CN" dirty="0" smtClean="0">
-                <a:solidFill>
-                  <a:schemeClr val="tx1"/>
-                </a:solidFill>
-              </a:rPr>
-              <a:t>Contributions of our works</a:t>
-            </a:r>
-            <a:endParaRPr lang="en-US" dirty="0">
-              <a:solidFill>
-                <a:schemeClr val="tx1"/>
-              </a:solidFill>
-            </a:endParaRPr>
-          </a:p>
-        </p:txBody>
-      </p:sp>
-    </p:spTree>
-    <p:extLst>
-      <p:ext uri="{BB962C8B-B14F-4D97-AF65-F5344CB8AC3E}">
-        <p14:creationId xmlns:p14="http://schemas.microsoft.com/office/powerpoint/2010/main" val="810325"/>
-      </p:ext>
-    </p:extLst>
-  </p:cSld>
-  <p:clrMapOvr>
-    <a:masterClrMapping/>
-  </p:clrMapOvr>
-  <mc:AlternateContent xmlns:mc="http://schemas.openxmlformats.org/markup-compatibility/2006" xmlns:p14="http://schemas.microsoft.com/office/powerpoint/2010/main">
-    <mc:Choice Requires="p14">
-      <p:transition spd="slow" p14:dur="2000"/>
-    </mc:Choice>
-    <mc:Fallback xmlns="">
-      <p:transition spd="slow"/>
-    </mc:Fallback>
-  </mc:AlternateContent>
-  <p:timing>
-    <p:tnLst>
-      <p:par>
-        <p:cTn id="1" dur="indefinite" restart="never" nodeType="tmRoot"/>
-      </p:par>
-    </p:tnLst>
-  </p:timing>
-</p:sld>
-</file>
-
-<file path=ppt/slides/slide70.xml><?xml version="1.0" encoding="utf-8"?>
+<file path=ppt/slides/slide73.xml><?xml version="1.0" encoding="utf-8"?>
 <p:sld xmlns:a="http://schemas.openxmlformats.org/drawingml/2006/main" xmlns:r="http://schemas.openxmlformats.org/officeDocument/2006/relationships" xmlns:p="http://schemas.openxmlformats.org/presentationml/2006/main">
   <p:cSld>
     <p:spTree>
@@ -19102,7 +19964,9 @@
             <a:r>
               <a:rPr lang="en-US" sz="3600" dirty="0">
                 <a:solidFill>
-                  <a:schemeClr val="tx1"/>
+                  <a:schemeClr val="bg2">
+                    <a:lumMod val="75000"/>
+                  </a:schemeClr>
                 </a:solidFill>
               </a:rPr>
               <a:t>EVALUATION – System Performance </a:t>
@@ -19131,7 +19995,7 @@
 </p:sld>
 </file>
 
-<file path=ppt/slides/slide71.xml><?xml version="1.0" encoding="utf-8"?>
+<file path=ppt/slides/slide74.xml><?xml version="1.0" encoding="utf-8"?>
 <p:sld xmlns:a="http://schemas.openxmlformats.org/drawingml/2006/main" xmlns:r="http://schemas.openxmlformats.org/officeDocument/2006/relationships" xmlns:p="http://schemas.openxmlformats.org/presentationml/2006/main">
   <p:cSld>
     <p:spTree>
@@ -19225,14 +20089,18 @@
             <a:r>
               <a:rPr lang="en-US" altLang="en-US" dirty="0">
                 <a:solidFill>
-                  <a:schemeClr val="tx1"/>
+                  <a:schemeClr val="bg2">
+                    <a:lumMod val="75000"/>
+                  </a:schemeClr>
                 </a:solidFill>
               </a:rPr>
               <a:t>Summary</a:t>
             </a:r>
             <a:endParaRPr lang="en-US" dirty="0">
               <a:solidFill>
-                <a:schemeClr val="tx1"/>
+                <a:schemeClr val="bg2">
+                  <a:lumMod val="75000"/>
+                </a:schemeClr>
               </a:solidFill>
             </a:endParaRPr>
           </a:p>
@@ -19259,7 +20127,7 @@
 </p:sld>
 </file>
 
-<file path=ppt/slides/slide72.xml><?xml version="1.0" encoding="utf-8"?>
+<file path=ppt/slides/slide75.xml><?xml version="1.0" encoding="utf-8"?>
 <p:sld xmlns:a="http://schemas.openxmlformats.org/drawingml/2006/main" xmlns:r="http://schemas.openxmlformats.org/officeDocument/2006/relationships" xmlns:p="http://schemas.openxmlformats.org/presentationml/2006/main">
   <p:cSld>
     <p:spTree>
@@ -19371,14 +20239,18 @@
             <a:r>
               <a:rPr lang="en-US" altLang="en-US" dirty="0">
                 <a:solidFill>
-                  <a:schemeClr val="tx1"/>
+                  <a:schemeClr val="bg2">
+                    <a:lumMod val="75000"/>
+                  </a:schemeClr>
                 </a:solidFill>
               </a:rPr>
               <a:t>Future Work</a:t>
             </a:r>
             <a:endParaRPr lang="en-US" dirty="0">
               <a:solidFill>
-                <a:schemeClr val="tx1"/>
+                <a:schemeClr val="bg2">
+                  <a:lumMod val="75000"/>
+                </a:schemeClr>
               </a:solidFill>
             </a:endParaRPr>
           </a:p>
@@ -19405,7 +20277,7 @@
 </p:sld>
 </file>
 
-<file path=ppt/slides/slide73.xml><?xml version="1.0" encoding="utf-8"?>
+<file path=ppt/slides/slide76.xml><?xml version="1.0" encoding="utf-8"?>
 <p:sld xmlns:a="http://schemas.openxmlformats.org/drawingml/2006/main" xmlns:r="http://schemas.openxmlformats.org/officeDocument/2006/relationships" xmlns:p="http://schemas.openxmlformats.org/presentationml/2006/main">
   <p:cSld>
     <p:spTree>
@@ -19748,7 +20620,9 @@
             <a:r>
               <a:rPr lang="en-US" sz="4000" b="1" dirty="0" smtClean="0">
                 <a:solidFill>
-                  <a:schemeClr val="tx1"/>
+                  <a:schemeClr val="bg2">
+                    <a:lumMod val="75000"/>
+                  </a:schemeClr>
                 </a:solidFill>
               </a:rPr>
               <a:t>Acknowledgements</a:t>
@@ -20234,7 +21108,7 @@
 </p:sld>
 </file>
 
-<file path=ppt/slides/slide74.xml><?xml version="1.0" encoding="utf-8"?>
+<file path=ppt/slides/slide77.xml><?xml version="1.0" encoding="utf-8"?>
 <p:sld xmlns:a="http://schemas.openxmlformats.org/drawingml/2006/main" xmlns:r="http://schemas.openxmlformats.org/officeDocument/2006/relationships" xmlns:p="http://schemas.openxmlformats.org/presentationml/2006/main">
   <p:cSld>
     <p:spTree>
@@ -20577,7 +21451,9 @@
             <a:r>
               <a:rPr lang="en-US" sz="4000" b="1" dirty="0" smtClean="0">
                 <a:solidFill>
-                  <a:schemeClr val="tx1"/>
+                  <a:schemeClr val="bg2">
+                    <a:lumMod val="75000"/>
+                  </a:schemeClr>
                 </a:solidFill>
               </a:rPr>
               <a:t>Reference</a:t>
@@ -21245,7 +22121,7 @@
 </p:sld>
 </file>
 
-<file path=ppt/slides/slide75.xml><?xml version="1.0" encoding="utf-8"?>
+<file path=ppt/slides/slide78.xml><?xml version="1.0" encoding="utf-8"?>
 <p:sld xmlns:a="http://schemas.openxmlformats.org/drawingml/2006/main" xmlns:r="http://schemas.openxmlformats.org/officeDocument/2006/relationships" xmlns:p="http://schemas.openxmlformats.org/presentationml/2006/main">
   <p:cSld>
     <p:spTree>
@@ -21965,14 +22841,18 @@
             <a:r>
               <a:rPr lang="en-US" sz="4800" dirty="0" smtClean="0">
                 <a:solidFill>
-                  <a:srgbClr val="000000"/>
+                  <a:schemeClr val="bg2">
+                    <a:lumMod val="75000"/>
+                  </a:schemeClr>
                 </a:solidFill>
               </a:rPr>
               <a:t>Thank you</a:t>
             </a:r>
             <a:endParaRPr lang="en-US" sz="4400" dirty="0" smtClean="0">
               <a:solidFill>
-                <a:srgbClr val="000000"/>
+                <a:schemeClr val="bg2">
+                  <a:lumMod val="75000"/>
+                </a:schemeClr>
               </a:solidFill>
             </a:endParaRPr>
           </a:p>
@@ -22038,7 +22918,7 @@
       </p:grpSpPr>
       <p:sp>
         <p:nvSpPr>
-          <p:cNvPr id="3" name="Title 2"/>
+          <p:cNvPr id="2" name="Title 1"/>
           <p:cNvSpPr>
             <a:spLocks noGrp="1"/>
           </p:cNvSpPr>
@@ -22048,8 +22928,8 @@
         </p:nvSpPr>
         <p:spPr>
           <a:xfrm>
-            <a:off x="838200" y="914400"/>
-            <a:ext cx="7343775" cy="994172"/>
+            <a:off x="1447800" y="2743200"/>
+            <a:ext cx="8228013" cy="701675"/>
           </a:xfrm>
         </p:spPr>
         <p:txBody>
@@ -22057,154 +22937,39 @@
           <a:lstStyle/>
           <a:p>
             <a:r>
-              <a:rPr lang="en-US" dirty="0">
-                <a:solidFill>
-                  <a:schemeClr val="tx1"/>
-                </a:solidFill>
-              </a:rPr>
-              <a:t>Previous work </a:t>
-            </a:r>
-            <a:br>
-              <a:rPr lang="en-US" dirty="0">
-                <a:solidFill>
-                  <a:schemeClr val="tx1"/>
-                </a:solidFill>
-              </a:rPr>
-            </a:br>
-            <a:r>
-              <a:rPr lang="en-US" dirty="0">
-                <a:solidFill>
-                  <a:schemeClr val="tx1"/>
-                </a:solidFill>
-              </a:rPr>
-              <a:t>–  </a:t>
-            </a:r>
-            <a:r>
-              <a:rPr lang="en-US" dirty="0" smtClean="0">
-                <a:solidFill>
-                  <a:schemeClr val="tx1"/>
-                </a:solidFill>
-              </a:rPr>
-              <a:t>Recommender </a:t>
-            </a:r>
-            <a:r>
-              <a:rPr lang="en-US" dirty="0">
-                <a:solidFill>
-                  <a:schemeClr val="tx1"/>
-                </a:solidFill>
-              </a:rPr>
-              <a:t>Systems </a:t>
-            </a:r>
-          </a:p>
-        </p:txBody>
-      </p:sp>
-      <p:sp>
-        <p:nvSpPr>
-          <p:cNvPr id="4" name="Content Placeholder 3"/>
-          <p:cNvSpPr>
-            <a:spLocks noGrp="1"/>
-          </p:cNvSpPr>
-          <p:nvPr>
-            <p:ph idx="1"/>
-          </p:nvPr>
-        </p:nvSpPr>
-        <p:spPr>
-          <a:xfrm>
-            <a:off x="533400" y="2438400"/>
-            <a:ext cx="8228013" cy="3581400"/>
-          </a:xfrm>
-        </p:spPr>
-        <p:txBody>
-          <a:bodyPr/>
-          <a:lstStyle/>
-          <a:p>
-            <a:pPr marL="457200" indent="-457200">
-              <a:buFont typeface="+mj-lt"/>
-              <a:buAutoNum type="arabicPeriod"/>
-            </a:pPr>
-            <a:r>
-              <a:rPr lang="en-US" sz="2400" dirty="0"/>
-              <a:t>Content-based Recommendation (CBR) </a:t>
-            </a:r>
-          </a:p>
-          <a:p>
-            <a:pPr marL="457200" indent="-457200">
-              <a:buFont typeface="+mj-lt"/>
-              <a:buAutoNum type="arabicPeriod"/>
-            </a:pPr>
-            <a:endParaRPr lang="en-US" sz="2400" dirty="0"/>
-          </a:p>
-          <a:p>
-            <a:pPr marL="457200" indent="-457200">
-              <a:buFont typeface="+mj-lt"/>
-              <a:buAutoNum type="arabicPeriod"/>
-            </a:pPr>
-            <a:r>
-              <a:rPr lang="en-US" sz="2400" dirty="0"/>
-              <a:t>Collaborative Filtering Recommendation (CFR). </a:t>
-            </a:r>
-          </a:p>
-          <a:p>
-            <a:pPr marL="457200" indent="-457200">
-              <a:buFont typeface="+mj-lt"/>
-              <a:buAutoNum type="arabicPeriod"/>
-            </a:pPr>
-            <a:endParaRPr lang="en-US" sz="2400" dirty="0"/>
-          </a:p>
-          <a:p>
-            <a:pPr marL="457200" indent="-457200">
-              <a:buFont typeface="+mj-lt"/>
-              <a:buAutoNum type="arabicPeriod"/>
-            </a:pPr>
-            <a:r>
-              <a:rPr lang="en-US" sz="2400" dirty="0"/>
-              <a:t>Knowledge-based Recommendation (KBR)</a:t>
-            </a:r>
-          </a:p>
-          <a:p>
-            <a:pPr marL="457200" indent="-457200">
-              <a:buFont typeface="+mj-lt"/>
-              <a:buAutoNum type="arabicPeriod"/>
-            </a:pPr>
-            <a:endParaRPr lang="en-US" sz="2400" dirty="0"/>
-          </a:p>
-          <a:p>
-            <a:pPr marL="457200" indent="-457200">
-              <a:buFont typeface="+mj-lt"/>
-              <a:buAutoNum type="arabicPeriod"/>
-            </a:pPr>
-            <a:r>
-              <a:rPr lang="en-US" sz="2400" dirty="0"/>
-              <a:t>Hybrid Recommendation </a:t>
-            </a:r>
+              <a:rPr lang="en-US" sz="4400" dirty="0">
+                <a:solidFill>
+                  <a:schemeClr val="bg2">
+                    <a:lumMod val="75000"/>
+                  </a:schemeClr>
+                </a:solidFill>
+              </a:rPr>
+              <a:t>Previous </a:t>
+            </a:r>
+            <a:r>
+              <a:rPr lang="en-US" sz="4400" dirty="0" smtClean="0">
+                <a:solidFill>
+                  <a:schemeClr val="bg2">
+                    <a:lumMod val="75000"/>
+                  </a:schemeClr>
+                </a:solidFill>
+              </a:rPr>
+              <a:t>Work  </a:t>
+            </a:r>
+            <a:endParaRPr lang="en-US" sz="4400" dirty="0"/>
           </a:p>
         </p:txBody>
       </p:sp>
     </p:spTree>
     <p:extLst>
       <p:ext uri="{BB962C8B-B14F-4D97-AF65-F5344CB8AC3E}">
-        <p14:creationId xmlns:p14="http://schemas.microsoft.com/office/powerpoint/2010/main" val="2704121014"/>
+        <p14:creationId xmlns:p14="http://schemas.microsoft.com/office/powerpoint/2010/main" val="234819357"/>
       </p:ext>
     </p:extLst>
   </p:cSld>
   <p:clrMapOvr>
     <a:masterClrMapping/>
   </p:clrMapOvr>
-  <mc:AlternateContent xmlns:mc="http://schemas.openxmlformats.org/markup-compatibility/2006" xmlns:p14="http://schemas.microsoft.com/office/powerpoint/2010/main">
-    <mc:Choice Requires="p14">
-      <p:transition spd="slow" p14:dur="2000"/>
-    </mc:Choice>
-    <mc:Fallback xmlns="">
-      <p:transition spd="slow"/>
-    </mc:Fallback>
-  </mc:AlternateContent>
-  <p:timing>
-    <p:tnLst>
-      <p:par>
-        <p:cTn id="1" dur="indefinite" restart="never" nodeType="tmRoot"/>
-      </p:par>
-    </p:tnLst>
-  </p:timing>
 </p:sld>
 </file>
 
@@ -22227,84 +22992,6 @@
       </p:grpSpPr>
       <p:sp>
         <p:nvSpPr>
-          <p:cNvPr id="2" name="Content Placeholder 1"/>
-          <p:cNvSpPr>
-            <a:spLocks noGrp="1"/>
-          </p:cNvSpPr>
-          <p:nvPr>
-            <p:ph idx="1"/>
-          </p:nvPr>
-        </p:nvSpPr>
-        <p:spPr>
-          <a:xfrm>
-            <a:off x="481084" y="1981201"/>
-            <a:ext cx="8228013" cy="4038600"/>
-          </a:xfrm>
-        </p:spPr>
-        <p:txBody>
-          <a:bodyPr/>
-          <a:lstStyle/>
-          <a:p>
-            <a:r>
-              <a:rPr lang="en-US" sz="2800" dirty="0" smtClean="0"/>
-              <a:t>CASPER  (Rafter et. al. 2000)</a:t>
-            </a:r>
-          </a:p>
-          <a:p>
-            <a:r>
-              <a:rPr lang="en-US" sz="2800" dirty="0" smtClean="0"/>
-              <a:t>Collaborative </a:t>
-            </a:r>
-            <a:r>
-              <a:rPr lang="en-US" sz="2800" dirty="0"/>
-              <a:t>Filtering </a:t>
-            </a:r>
-            <a:r>
-              <a:rPr lang="en-US" sz="2800" dirty="0" smtClean="0"/>
-              <a:t>Recommendation </a:t>
-            </a:r>
-            <a:r>
-              <a:rPr lang="zh-CN" altLang="en-US" sz="2800" dirty="0"/>
-              <a:t> </a:t>
-            </a:r>
-            <a:r>
-              <a:rPr lang="en-US" altLang="zh-CN" sz="2800" dirty="0" smtClean="0"/>
-              <a:t>(CFR)</a:t>
-            </a:r>
-          </a:p>
-          <a:p>
-            <a:r>
-              <a:rPr lang="en-US" altLang="zh-CN" sz="2800" dirty="0" smtClean="0"/>
-              <a:t> </a:t>
-            </a:r>
-          </a:p>
-          <a:p>
-            <a:r>
-              <a:rPr lang="en-US" sz="2800" dirty="0" smtClean="0"/>
-              <a:t>Get User’s profile from server-log:  </a:t>
-            </a:r>
-          </a:p>
-          <a:p>
-            <a:pPr lvl="1"/>
-            <a:r>
-              <a:rPr lang="en-US" sz="2400" dirty="0" smtClean="0"/>
-              <a:t>Revisit  Jobs, Read time  </a:t>
-            </a:r>
-          </a:p>
-          <a:p>
-            <a:pPr lvl="1"/>
-            <a:r>
-              <a:rPr lang="en-US" sz="2400" dirty="0" smtClean="0"/>
-              <a:t> </a:t>
-            </a:r>
-          </a:p>
-          <a:p>
-            <a:endParaRPr lang="en-US" dirty="0"/>
-          </a:p>
-        </p:txBody>
-      </p:sp>
-      <p:sp>
-        <p:nvSpPr>
           <p:cNvPr id="3" name="Title 2"/>
           <p:cNvSpPr>
             <a:spLocks noGrp="1"/>
@@ -22315,7 +23002,7 @@
         </p:nvSpPr>
         <p:spPr>
           <a:xfrm>
-            <a:off x="481084" y="838200"/>
+            <a:off x="838200" y="914400"/>
             <a:ext cx="7343775" cy="994172"/>
           </a:xfrm>
         </p:spPr>
@@ -22324,20 +23011,135 @@
           <a:lstStyle/>
           <a:p>
             <a:r>
+              <a:rPr lang="en-US" dirty="0">
+                <a:solidFill>
+                  <a:schemeClr val="bg2">
+                    <a:lumMod val="75000"/>
+                  </a:schemeClr>
+                </a:solidFill>
+              </a:rPr>
+              <a:t>Previous work </a:t>
+            </a:r>
+            <a:br>
+              <a:rPr lang="en-US" dirty="0">
+                <a:solidFill>
+                  <a:schemeClr val="bg2">
+                    <a:lumMod val="75000"/>
+                  </a:schemeClr>
+                </a:solidFill>
+              </a:rPr>
+            </a:br>
+            <a:r>
+              <a:rPr lang="en-US" dirty="0">
+                <a:solidFill>
+                  <a:schemeClr val="bg2">
+                    <a:lumMod val="75000"/>
+                  </a:schemeClr>
+                </a:solidFill>
+              </a:rPr>
+              <a:t>–  </a:t>
+            </a:r>
+            <a:r>
               <a:rPr lang="en-US" dirty="0" smtClean="0">
                 <a:solidFill>
-                  <a:schemeClr val="tx1"/>
-                </a:solidFill>
-              </a:rPr>
-              <a:t>Previous </a:t>
+                  <a:schemeClr val="bg2">
+                    <a:lumMod val="75000"/>
+                  </a:schemeClr>
+                </a:solidFill>
+              </a:rPr>
+              <a:t>Recommender </a:t>
             </a:r>
             <a:r>
               <a:rPr lang="en-US" dirty="0">
                 <a:solidFill>
-                  <a:schemeClr val="tx1"/>
-                </a:solidFill>
-              </a:rPr>
-              <a:t>work – CASPER </a:t>
+                  <a:schemeClr val="bg2">
+                    <a:lumMod val="75000"/>
+                  </a:schemeClr>
+                </a:solidFill>
+              </a:rPr>
+              <a:t>Systems </a:t>
+            </a:r>
+          </a:p>
+        </p:txBody>
+      </p:sp>
+      <p:sp>
+        <p:nvSpPr>
+          <p:cNvPr id="4" name="Content Placeholder 3"/>
+          <p:cNvSpPr>
+            <a:spLocks noGrp="1"/>
+          </p:cNvSpPr>
+          <p:nvPr>
+            <p:ph idx="1"/>
+          </p:nvPr>
+        </p:nvSpPr>
+        <p:spPr>
+          <a:xfrm>
+            <a:off x="533400" y="2438400"/>
+            <a:ext cx="8228013" cy="3581400"/>
+          </a:xfrm>
+        </p:spPr>
+        <p:txBody>
+          <a:bodyPr/>
+          <a:lstStyle/>
+          <a:p>
+            <a:pPr marL="457200" indent="-457200">
+              <a:buFont typeface="+mj-lt"/>
+              <a:buAutoNum type="arabicPeriod"/>
+            </a:pPr>
+            <a:r>
+              <a:rPr lang="en-US" sz="2400" dirty="0"/>
+              <a:t>Content-based Recommendation (CBR) </a:t>
+            </a:r>
+          </a:p>
+          <a:p>
+            <a:pPr marL="457200" indent="-457200">
+              <a:buFont typeface="+mj-lt"/>
+              <a:buAutoNum type="arabicPeriod"/>
+            </a:pPr>
+            <a:endParaRPr lang="en-US" sz="2400" dirty="0"/>
+          </a:p>
+          <a:p>
+            <a:pPr marL="457200" indent="-457200">
+              <a:buFont typeface="+mj-lt"/>
+              <a:buAutoNum type="arabicPeriod"/>
+            </a:pPr>
+            <a:r>
+              <a:rPr lang="en-US" sz="2400" dirty="0"/>
+              <a:t>Collaborative Filtering Recommendation (CFR). </a:t>
+            </a:r>
+          </a:p>
+          <a:p>
+            <a:pPr marL="457200" indent="-457200">
+              <a:buFont typeface="+mj-lt"/>
+              <a:buAutoNum type="arabicPeriod"/>
+            </a:pPr>
+            <a:endParaRPr lang="en-US" sz="2400" dirty="0"/>
+          </a:p>
+          <a:p>
+            <a:pPr marL="457200" indent="-457200">
+              <a:buFont typeface="+mj-lt"/>
+              <a:buAutoNum type="arabicPeriod"/>
+            </a:pPr>
+            <a:r>
+              <a:rPr lang="en-US" sz="2400" dirty="0"/>
+              <a:t>Knowledge-based Recommendation (KBR)</a:t>
+            </a:r>
+          </a:p>
+          <a:p>
+            <a:pPr marL="457200" indent="-457200">
+              <a:buFont typeface="+mj-lt"/>
+              <a:buAutoNum type="arabicPeriod"/>
+            </a:pPr>
+            <a:endParaRPr lang="en-US" sz="2400" dirty="0"/>
+          </a:p>
+          <a:p>
+            <a:pPr marL="457200" indent="-457200">
+              <a:buFont typeface="+mj-lt"/>
+              <a:buAutoNum type="arabicPeriod"/>
+            </a:pPr>
+            <a:r>
+              <a:rPr lang="en-US" sz="2400" dirty="0"/>
+              <a:t>Hybrid Recommendation </a:t>
             </a:r>
           </a:p>
         </p:txBody>
@@ -22345,7 +23147,7 @@
     </p:spTree>
     <p:extLst>
       <p:ext uri="{BB962C8B-B14F-4D97-AF65-F5344CB8AC3E}">
-        <p14:creationId xmlns:p14="http://schemas.microsoft.com/office/powerpoint/2010/main" val="272162646"/>
+        <p14:creationId xmlns:p14="http://schemas.microsoft.com/office/powerpoint/2010/main" val="2704121014"/>
       </p:ext>
     </p:extLst>
   </p:cSld>

--- a/media/Master's thesis.pptx
+++ b/media/Master's thesis.pptx
@@ -60,8 +60,8 @@
     <p:sldId id="300" r:id="rId48"/>
     <p:sldId id="301" r:id="rId49"/>
     <p:sldId id="302" r:id="rId50"/>
-    <p:sldId id="303" r:id="rId51"/>
-    <p:sldId id="340" r:id="rId52"/>
+    <p:sldId id="340" r:id="rId51"/>
+    <p:sldId id="303" r:id="rId52"/>
     <p:sldId id="304" r:id="rId53"/>
     <p:sldId id="329" r:id="rId54"/>
     <p:sldId id="327" r:id="rId55"/>
@@ -378,7 +378,7 @@
             <a:fld id="{8D49A9A6-EEBE-4A10-B375-E3DE23A9130F}" type="datetimeFigureOut">
               <a:rPr lang="en-US" altLang="en-US"/>
               <a:pPr/>
-              <a:t>12/9/2014</a:t>
+              <a:t>12/10/2014</a:t>
             </a:fld>
             <a:endParaRPr lang="en-US" altLang="en-US"/>
           </a:p>
@@ -1237,7 +1237,7 @@
 </p:notes>
 </file>
 
-<file path=ppt/notesSlides/notesSlide2.xml><?xml version="1.0" encoding="utf-8"?>
+<file path=ppt/notesSlides/notesSlide10.xml><?xml version="1.0" encoding="utf-8"?>
 <p:notes xmlns:a="http://schemas.openxmlformats.org/drawingml/2006/main" xmlns:r="http://schemas.openxmlformats.org/officeDocument/2006/relationships" xmlns:p="http://schemas.openxmlformats.org/presentationml/2006/main">
   <p:cSld>
     <p:spTree>
@@ -1282,24 +1282,16 @@
           <a:lstStyle/>
           <a:p>
             <a:r>
-              <a:rPr lang="en-US" altLang="zh-CN" dirty="0" smtClean="0"/>
-              <a:t>Underline</a:t>
-            </a:r>
-            <a:r>
-              <a:rPr lang="zh-CN" altLang="en-US" baseline="0" dirty="0" smtClean="0"/>
-              <a:t> </a:t>
-            </a:r>
-            <a:r>
-              <a:rPr lang="en-US" altLang="zh-CN" baseline="0" dirty="0" smtClean="0"/>
-              <a:t>or </a:t>
-            </a:r>
-            <a:r>
-              <a:rPr lang="en-US" altLang="zh-CN" baseline="0" dirty="0" err="1" smtClean="0"/>
-              <a:t>undersore</a:t>
-            </a:r>
-            <a:r>
-              <a:rPr lang="en-US" altLang="zh-CN" baseline="0" dirty="0" smtClean="0"/>
-              <a:t>??</a:t>
+              <a:rPr lang="en-US" sz="1200" b="0" i="0" kern="1200" dirty="0" smtClean="0">
+                <a:solidFill>
+                  <a:srgbClr val="000000"/>
+                </a:solidFill>
+                <a:effectLst/>
+                <a:latin typeface="Times New Roman" charset="0"/>
+                <a:ea typeface="ＭＳ Ｐゴシック" charset="0"/>
+                <a:cs typeface="ＭＳ Ｐゴシック" charset="0"/>
+              </a:rPr>
+              <a:t> the graded relevance value is reduced logarithmically proportional to the position of the result.</a:t>
             </a:r>
             <a:endParaRPr lang="en-US" dirty="0"/>
           </a:p>
@@ -1323,7 +1315,7 @@
             <a:fld id="{9F4783CB-4C08-4D00-BD8C-103BE55DB799}" type="slidenum">
               <a:rPr lang="en-US" altLang="en-US" smtClean="0"/>
               <a:pPr/>
-              <a:t>31</a:t>
+              <a:t>64</a:t>
             </a:fld>
             <a:endParaRPr lang="en-US" altLang="en-US"/>
           </a:p>
@@ -1332,7 +1324,7 @@
     </p:spTree>
     <p:extLst>
       <p:ext uri="{BB962C8B-B14F-4D97-AF65-F5344CB8AC3E}">
-        <p14:creationId xmlns:p14="http://schemas.microsoft.com/office/powerpoint/2010/main" val="4180030610"/>
+        <p14:creationId xmlns:p14="http://schemas.microsoft.com/office/powerpoint/2010/main" val="3030824388"/>
       </p:ext>
     </p:extLst>
   </p:cSld>
@@ -1342,7 +1334,7 @@
 </p:notes>
 </file>
 
-<file path=ppt/notesSlides/notesSlide3.xml><?xml version="1.0" encoding="utf-8"?>
+<file path=ppt/notesSlides/notesSlide11.xml><?xml version="1.0" encoding="utf-8"?>
 <p:notes xmlns:a="http://schemas.openxmlformats.org/drawingml/2006/main" xmlns:r="http://schemas.openxmlformats.org/officeDocument/2006/relationships" xmlns:p="http://schemas.openxmlformats.org/presentationml/2006/main">
   <p:cSld>
     <p:spTree>
@@ -1386,90 +1378,6 @@
           <a:bodyPr/>
           <a:lstStyle/>
           <a:p>
-            <a:r>
-              <a:rPr lang="en-US" sz="1200" b="0" i="0" kern="1200" dirty="0" smtClean="0">
-                <a:solidFill>
-                  <a:srgbClr val="000000"/>
-                </a:solidFill>
-                <a:effectLst/>
-                <a:latin typeface="Times New Roman" charset="0"/>
-                <a:ea typeface="ＭＳ Ｐゴシック" charset="0"/>
-                <a:cs typeface="ＭＳ Ｐゴシック" charset="0"/>
-              </a:rPr>
-              <a:t>In words, it is the expectation of the logarithmic difference between the probabilities </a:t>
-            </a:r>
-            <a:r>
-              <a:rPr lang="en-US" sz="1200" b="0" i="1" kern="1200" dirty="0" smtClean="0">
-                <a:solidFill>
-                  <a:srgbClr val="000000"/>
-                </a:solidFill>
-                <a:effectLst/>
-                <a:latin typeface="Times New Roman" charset="0"/>
-                <a:ea typeface="ＭＳ Ｐゴシック" charset="0"/>
-                <a:cs typeface="ＭＳ Ｐゴシック" charset="0"/>
-              </a:rPr>
-              <a:t>P</a:t>
-            </a:r>
-            <a:r>
-              <a:rPr lang="en-US" sz="1200" b="0" i="0" kern="1200" dirty="0" smtClean="0">
-                <a:solidFill>
-                  <a:srgbClr val="000000"/>
-                </a:solidFill>
-                <a:effectLst/>
-                <a:latin typeface="Times New Roman" charset="0"/>
-                <a:ea typeface="ＭＳ Ｐゴシック" charset="0"/>
-                <a:cs typeface="ＭＳ Ｐゴシック" charset="0"/>
-              </a:rPr>
-              <a:t> and </a:t>
-            </a:r>
-            <a:r>
-              <a:rPr lang="en-US" sz="1200" b="0" i="1" kern="1200" dirty="0" smtClean="0">
-                <a:solidFill>
-                  <a:srgbClr val="000000"/>
-                </a:solidFill>
-                <a:effectLst/>
-                <a:latin typeface="Times New Roman" charset="0"/>
-                <a:ea typeface="ＭＳ Ｐゴシック" charset="0"/>
-                <a:cs typeface="ＭＳ Ｐゴシック" charset="0"/>
-              </a:rPr>
-              <a:t>Q</a:t>
-            </a:r>
-            <a:r>
-              <a:rPr lang="en-US" sz="1200" b="0" i="0" kern="1200" dirty="0" smtClean="0">
-                <a:solidFill>
-                  <a:srgbClr val="000000"/>
-                </a:solidFill>
-                <a:effectLst/>
-                <a:latin typeface="Times New Roman" charset="0"/>
-                <a:ea typeface="ＭＳ Ｐゴシック" charset="0"/>
-                <a:cs typeface="ＭＳ Ｐゴシック" charset="0"/>
-              </a:rPr>
-              <a:t>, where the expectation is taken using the probabilities </a:t>
-            </a:r>
-            <a:r>
-              <a:rPr lang="en-US" sz="1200" b="0" i="1" kern="1200" dirty="0" smtClean="0">
-                <a:solidFill>
-                  <a:srgbClr val="000000"/>
-                </a:solidFill>
-                <a:effectLst/>
-                <a:latin typeface="Times New Roman" charset="0"/>
-                <a:ea typeface="ＭＳ Ｐゴシック" charset="0"/>
-                <a:cs typeface="ＭＳ Ｐゴシック" charset="0"/>
-              </a:rPr>
-              <a:t>P</a:t>
-            </a:r>
-            <a:r>
-              <a:rPr lang="en-US" sz="1200" b="0" i="0" kern="1200" dirty="0" smtClean="0">
-                <a:solidFill>
-                  <a:srgbClr val="000000"/>
-                </a:solidFill>
-                <a:effectLst/>
-                <a:latin typeface="Times New Roman" charset="0"/>
-                <a:ea typeface="ＭＳ Ｐゴシック" charset="0"/>
-                <a:cs typeface="ＭＳ Ｐゴシック" charset="0"/>
-              </a:rPr>
-              <a:t>.</a:t>
-            </a:r>
             <a:endParaRPr lang="en-US" dirty="0"/>
           </a:p>
         </p:txBody>
@@ -1492,7 +1400,7 @@
             <a:fld id="{9F4783CB-4C08-4D00-BD8C-103BE55DB799}" type="slidenum">
               <a:rPr lang="en-US" altLang="en-US" smtClean="0"/>
               <a:pPr/>
-              <a:t>68</a:t>
+              <a:t>65</a:t>
             </a:fld>
             <a:endParaRPr lang="en-US" altLang="en-US"/>
           </a:p>
@@ -1501,7 +1409,7 @@
     </p:spTree>
     <p:extLst>
       <p:ext uri="{BB962C8B-B14F-4D97-AF65-F5344CB8AC3E}">
-        <p14:creationId xmlns:p14="http://schemas.microsoft.com/office/powerpoint/2010/main" val="1986435715"/>
+        <p14:creationId xmlns:p14="http://schemas.microsoft.com/office/powerpoint/2010/main" val="990534298"/>
       </p:ext>
     </p:extLst>
   </p:cSld>
@@ -1511,7 +1419,7 @@
 </p:notes>
 </file>
 
-<file path=ppt/notesSlides/notesSlide4.xml><?xml version="1.0" encoding="utf-8"?>
+<file path=ppt/notesSlides/notesSlide12.xml><?xml version="1.0" encoding="utf-8"?>
 <p:notes xmlns:a="http://schemas.openxmlformats.org/drawingml/2006/main" xmlns:r="http://schemas.openxmlformats.org/officeDocument/2006/relationships" xmlns:p="http://schemas.openxmlformats.org/presentationml/2006/main">
   <p:cSld>
     <p:spTree>
@@ -1555,6 +1463,175 @@
           <a:bodyPr/>
           <a:lstStyle/>
           <a:p>
+            <a:r>
+              <a:rPr lang="en-US" sz="1200" b="0" i="0" kern="1200" dirty="0" smtClean="0">
+                <a:solidFill>
+                  <a:srgbClr val="000000"/>
+                </a:solidFill>
+                <a:effectLst/>
+                <a:latin typeface="Times New Roman" charset="0"/>
+                <a:ea typeface="ＭＳ Ｐゴシック" charset="0"/>
+                <a:cs typeface="ＭＳ Ｐゴシック" charset="0"/>
+              </a:rPr>
+              <a:t>In words, it is the expectation of the logarithmic difference between the probabilities </a:t>
+            </a:r>
+            <a:r>
+              <a:rPr lang="en-US" sz="1200" b="0" i="1" kern="1200" dirty="0" smtClean="0">
+                <a:solidFill>
+                  <a:srgbClr val="000000"/>
+                </a:solidFill>
+                <a:effectLst/>
+                <a:latin typeface="Times New Roman" charset="0"/>
+                <a:ea typeface="ＭＳ Ｐゴシック" charset="0"/>
+                <a:cs typeface="ＭＳ Ｐゴシック" charset="0"/>
+              </a:rPr>
+              <a:t>P</a:t>
+            </a:r>
+            <a:r>
+              <a:rPr lang="en-US" sz="1200" b="0" i="0" kern="1200" dirty="0" smtClean="0">
+                <a:solidFill>
+                  <a:srgbClr val="000000"/>
+                </a:solidFill>
+                <a:effectLst/>
+                <a:latin typeface="Times New Roman" charset="0"/>
+                <a:ea typeface="ＭＳ Ｐゴシック" charset="0"/>
+                <a:cs typeface="ＭＳ Ｐゴシック" charset="0"/>
+              </a:rPr>
+              <a:t> and </a:t>
+            </a:r>
+            <a:r>
+              <a:rPr lang="en-US" sz="1200" b="0" i="1" kern="1200" dirty="0" smtClean="0">
+                <a:solidFill>
+                  <a:srgbClr val="000000"/>
+                </a:solidFill>
+                <a:effectLst/>
+                <a:latin typeface="Times New Roman" charset="0"/>
+                <a:ea typeface="ＭＳ Ｐゴシック" charset="0"/>
+                <a:cs typeface="ＭＳ Ｐゴシック" charset="0"/>
+              </a:rPr>
+              <a:t>Q</a:t>
+            </a:r>
+            <a:r>
+              <a:rPr lang="en-US" sz="1200" b="0" i="0" kern="1200" dirty="0" smtClean="0">
+                <a:solidFill>
+                  <a:srgbClr val="000000"/>
+                </a:solidFill>
+                <a:effectLst/>
+                <a:latin typeface="Times New Roman" charset="0"/>
+                <a:ea typeface="ＭＳ Ｐゴシック" charset="0"/>
+                <a:cs typeface="ＭＳ Ｐゴシック" charset="0"/>
+              </a:rPr>
+              <a:t>, where the expectation is taken using the probabilities </a:t>
+            </a:r>
+            <a:r>
+              <a:rPr lang="en-US" sz="1200" b="0" i="1" kern="1200" dirty="0" smtClean="0">
+                <a:solidFill>
+                  <a:srgbClr val="000000"/>
+                </a:solidFill>
+                <a:effectLst/>
+                <a:latin typeface="Times New Roman" charset="0"/>
+                <a:ea typeface="ＭＳ Ｐゴシック" charset="0"/>
+                <a:cs typeface="ＭＳ Ｐゴシック" charset="0"/>
+              </a:rPr>
+              <a:t>P</a:t>
+            </a:r>
+            <a:r>
+              <a:rPr lang="en-US" sz="1200" b="0" i="0" kern="1200" dirty="0" smtClean="0">
+                <a:solidFill>
+                  <a:srgbClr val="000000"/>
+                </a:solidFill>
+                <a:effectLst/>
+                <a:latin typeface="Times New Roman" charset="0"/>
+                <a:ea typeface="ＭＳ Ｐゴシック" charset="0"/>
+                <a:cs typeface="ＭＳ Ｐゴシック" charset="0"/>
+              </a:rPr>
+              <a:t>.</a:t>
+            </a:r>
+            <a:endParaRPr lang="en-US" dirty="0"/>
+          </a:p>
+        </p:txBody>
+      </p:sp>
+      <p:sp>
+        <p:nvSpPr>
+          <p:cNvPr id="4" name="Slide Number Placeholder 3"/>
+          <p:cNvSpPr>
+            <a:spLocks noGrp="1"/>
+          </p:cNvSpPr>
+          <p:nvPr>
+            <p:ph type="sldNum" idx="10"/>
+          </p:nvPr>
+        </p:nvSpPr>
+        <p:spPr/>
+        <p:txBody>
+          <a:bodyPr/>
+          <a:lstStyle/>
+          <a:p>
+            <a:fld id="{9F4783CB-4C08-4D00-BD8C-103BE55DB799}" type="slidenum">
+              <a:rPr lang="en-US" altLang="en-US" smtClean="0"/>
+              <a:pPr/>
+              <a:t>68</a:t>
+            </a:fld>
+            <a:endParaRPr lang="en-US" altLang="en-US"/>
+          </a:p>
+        </p:txBody>
+      </p:sp>
+    </p:spTree>
+    <p:extLst>
+      <p:ext uri="{BB962C8B-B14F-4D97-AF65-F5344CB8AC3E}">
+        <p14:creationId xmlns:p14="http://schemas.microsoft.com/office/powerpoint/2010/main" val="1986435715"/>
+      </p:ext>
+    </p:extLst>
+  </p:cSld>
+  <p:clrMapOvr>
+    <a:masterClrMapping/>
+  </p:clrMapOvr>
+</p:notes>
+</file>
+
+<file path=ppt/notesSlides/notesSlide13.xml><?xml version="1.0" encoding="utf-8"?>
+<p:notes xmlns:a="http://schemas.openxmlformats.org/drawingml/2006/main" xmlns:r="http://schemas.openxmlformats.org/officeDocument/2006/relationships" xmlns:p="http://schemas.openxmlformats.org/presentationml/2006/main">
+  <p:cSld>
+    <p:spTree>
+      <p:nvGrpSpPr>
+        <p:cNvPr id="1" name=""/>
+        <p:cNvGrpSpPr/>
+        <p:nvPr/>
+      </p:nvGrpSpPr>
+      <p:grpSpPr>
+        <a:xfrm>
+          <a:off x="0" y="0"/>
+          <a:ext cx="0" cy="0"/>
+          <a:chOff x="0" y="0"/>
+          <a:chExt cx="0" cy="0"/>
+        </a:xfrm>
+      </p:grpSpPr>
+      <p:sp>
+        <p:nvSpPr>
+          <p:cNvPr id="2" name="Slide Image Placeholder 1"/>
+          <p:cNvSpPr>
+            <a:spLocks noGrp="1" noRot="1" noChangeAspect="1"/>
+          </p:cNvSpPr>
+          <p:nvPr>
+            <p:ph type="sldImg"/>
+          </p:nvPr>
+        </p:nvSpPr>
+        <p:spPr/>
+      </p:sp>
+      <p:sp>
+        <p:nvSpPr>
+          <p:cNvPr id="3" name="Notes Placeholder 2"/>
+          <p:cNvSpPr>
+            <a:spLocks noGrp="1"/>
+          </p:cNvSpPr>
+          <p:nvPr>
+            <p:ph type="body" idx="1"/>
+          </p:nvPr>
+        </p:nvSpPr>
+        <p:spPr/>
+        <p:txBody>
+          <a:bodyPr/>
+          <a:lstStyle/>
+          <a:p>
             <a:pPr marL="0" marR="0" indent="0" algn="l" defTabSz="457200" rtl="0" eaLnBrk="0" fontAlgn="base" latinLnBrk="0" hangingPunct="0">
               <a:lnSpc>
                 <a:spcPct val="100000"/>
@@ -1674,7 +1751,112 @@
 </p:notes>
 </file>
 
-<file path=ppt/notesSlides/notesSlide5.xml><?xml version="1.0" encoding="utf-8"?>
+<file path=ppt/notesSlides/notesSlide14.xml><?xml version="1.0" encoding="utf-8"?>
+<p:notes xmlns:a="http://schemas.openxmlformats.org/drawingml/2006/main" xmlns:r="http://schemas.openxmlformats.org/officeDocument/2006/relationships" xmlns:p="http://schemas.openxmlformats.org/presentationml/2006/main">
+  <p:cSld>
+    <p:spTree>
+      <p:nvGrpSpPr>
+        <p:cNvPr id="1" name=""/>
+        <p:cNvGrpSpPr/>
+        <p:nvPr/>
+      </p:nvGrpSpPr>
+      <p:grpSpPr>
+        <a:xfrm>
+          <a:off x="0" y="0"/>
+          <a:ext cx="0" cy="0"/>
+          <a:chOff x="0" y="0"/>
+          <a:chExt cx="0" cy="0"/>
+        </a:xfrm>
+      </p:grpSpPr>
+      <p:sp>
+        <p:nvSpPr>
+          <p:cNvPr id="2" name="Slide Image Placeholder 1"/>
+          <p:cNvSpPr>
+            <a:spLocks noGrp="1" noRot="1" noChangeAspect="1"/>
+          </p:cNvSpPr>
+          <p:nvPr>
+            <p:ph type="sldImg"/>
+          </p:nvPr>
+        </p:nvSpPr>
+        <p:spPr/>
+      </p:sp>
+      <p:sp>
+        <p:nvSpPr>
+          <p:cNvPr id="3" name="Notes Placeholder 2"/>
+          <p:cNvSpPr>
+            <a:spLocks noGrp="1"/>
+          </p:cNvSpPr>
+          <p:nvPr>
+            <p:ph type="body" idx="1"/>
+          </p:nvPr>
+        </p:nvSpPr>
+        <p:spPr/>
+        <p:txBody>
+          <a:bodyPr/>
+          <a:lstStyle/>
+          <a:p>
+            <a:r>
+              <a:rPr lang="en-US" dirty="0" smtClean="0"/>
+              <a:t>Where </a:t>
+            </a:r>
+            <a:r>
+              <a:rPr lang="en-US" altLang="zh-CN" dirty="0" smtClean="0"/>
+              <a:t>f(</a:t>
+            </a:r>
+            <a:r>
+              <a:rPr lang="en-US" altLang="zh-CN" dirty="0" err="1" smtClean="0"/>
+              <a:t>q,D</a:t>
+            </a:r>
+            <a:r>
+              <a:rPr lang="en-US" altLang="zh-CN" dirty="0" smtClean="0"/>
+              <a:t>)</a:t>
+            </a:r>
+            <a:r>
+              <a:rPr lang="en-US" dirty="0" smtClean="0"/>
+              <a:t> is 's term frequency in the document D</a:t>
+            </a:r>
+            <a:endParaRPr lang="en-US" dirty="0"/>
+          </a:p>
+        </p:txBody>
+      </p:sp>
+      <p:sp>
+        <p:nvSpPr>
+          <p:cNvPr id="4" name="Slide Number Placeholder 3"/>
+          <p:cNvSpPr>
+            <a:spLocks noGrp="1"/>
+          </p:cNvSpPr>
+          <p:nvPr>
+            <p:ph type="sldNum" idx="10"/>
+          </p:nvPr>
+        </p:nvSpPr>
+        <p:spPr/>
+        <p:txBody>
+          <a:bodyPr/>
+          <a:lstStyle/>
+          <a:p>
+            <a:fld id="{9F4783CB-4C08-4D00-BD8C-103BE55DB799}" type="slidenum">
+              <a:rPr lang="en-US" altLang="en-US" smtClean="0"/>
+              <a:pPr/>
+              <a:t>70</a:t>
+            </a:fld>
+            <a:endParaRPr lang="en-US" altLang="en-US"/>
+          </a:p>
+        </p:txBody>
+      </p:sp>
+    </p:spTree>
+    <p:extLst>
+      <p:ext uri="{BB962C8B-B14F-4D97-AF65-F5344CB8AC3E}">
+        <p14:creationId xmlns:p14="http://schemas.microsoft.com/office/powerpoint/2010/main" val="2733674198"/>
+      </p:ext>
+    </p:extLst>
+  </p:cSld>
+  <p:clrMapOvr>
+    <a:masterClrMapping/>
+  </p:clrMapOvr>
+</p:notes>
+</file>
+
+<file path=ppt/notesSlides/notesSlide15.xml><?xml version="1.0" encoding="utf-8"?>
 <p:notes xmlns:a="http://schemas.openxmlformats.org/drawingml/2006/main" xmlns:r="http://schemas.openxmlformats.org/officeDocument/2006/relationships" xmlns:p="http://schemas.openxmlformats.org/presentationml/2006/main">
   <p:cSld>
     <p:bg>
@@ -2054,7 +2236,7 @@
 </p:notes>
 </file>
 
-<file path=ppt/notesSlides/notesSlide6.xml><?xml version="1.0" encoding="utf-8"?>
+<file path=ppt/notesSlides/notesSlide16.xml><?xml version="1.0" encoding="utf-8"?>
 <p:notes xmlns:a="http://schemas.openxmlformats.org/drawingml/2006/main" xmlns:r="http://schemas.openxmlformats.org/officeDocument/2006/relationships" xmlns:p="http://schemas.openxmlformats.org/presentationml/2006/main">
   <p:cSld>
     <p:bg>
@@ -2434,7 +2616,7 @@
 </p:notes>
 </file>
 
-<file path=ppt/notesSlides/notesSlide7.xml><?xml version="1.0" encoding="utf-8"?>
+<file path=ppt/notesSlides/notesSlide17.xml><?xml version="1.0" encoding="utf-8"?>
 <p:notes xmlns:a="http://schemas.openxmlformats.org/drawingml/2006/main" xmlns:r="http://schemas.openxmlformats.org/officeDocument/2006/relationships" xmlns:p="http://schemas.openxmlformats.org/presentationml/2006/main">
   <p:cSld>
     <p:bg>
@@ -2805,6 +2987,807 @@
     <p:extLst>
       <p:ext uri="{BB962C8B-B14F-4D97-AF65-F5344CB8AC3E}">
         <p14:creationId xmlns:p14="http://schemas.microsoft.com/office/powerpoint/2010/main" val="892606335"/>
+      </p:ext>
+    </p:extLst>
+  </p:cSld>
+  <p:clrMapOvr>
+    <a:masterClrMapping/>
+  </p:clrMapOvr>
+</p:notes>
+</file>
+
+<file path=ppt/notesSlides/notesSlide2.xml><?xml version="1.0" encoding="utf-8"?>
+<p:notes xmlns:a="http://schemas.openxmlformats.org/drawingml/2006/main" xmlns:r="http://schemas.openxmlformats.org/officeDocument/2006/relationships" xmlns:p="http://schemas.openxmlformats.org/presentationml/2006/main">
+  <p:cSld>
+    <p:spTree>
+      <p:nvGrpSpPr>
+        <p:cNvPr id="1" name=""/>
+        <p:cNvGrpSpPr/>
+        <p:nvPr/>
+      </p:nvGrpSpPr>
+      <p:grpSpPr>
+        <a:xfrm>
+          <a:off x="0" y="0"/>
+          <a:ext cx="0" cy="0"/>
+          <a:chOff x="0" y="0"/>
+          <a:chExt cx="0" cy="0"/>
+        </a:xfrm>
+      </p:grpSpPr>
+      <p:sp>
+        <p:nvSpPr>
+          <p:cNvPr id="2" name="Slide Image Placeholder 1"/>
+          <p:cNvSpPr>
+            <a:spLocks noGrp="1" noRot="1" noChangeAspect="1"/>
+          </p:cNvSpPr>
+          <p:nvPr>
+            <p:ph type="sldImg"/>
+          </p:nvPr>
+        </p:nvSpPr>
+        <p:spPr/>
+      </p:sp>
+      <p:sp>
+        <p:nvSpPr>
+          <p:cNvPr id="3" name="Notes Placeholder 2"/>
+          <p:cNvSpPr>
+            <a:spLocks noGrp="1"/>
+          </p:cNvSpPr>
+          <p:nvPr>
+            <p:ph type="body" idx="1"/>
+          </p:nvPr>
+        </p:nvSpPr>
+        <p:spPr/>
+        <p:txBody>
+          <a:bodyPr/>
+          <a:lstStyle/>
+          <a:p>
+            <a:pPr marL="0" marR="0" indent="0" algn="l" defTabSz="457200" rtl="0" eaLnBrk="0" fontAlgn="base" latinLnBrk="0" hangingPunct="0">
+              <a:lnSpc>
+                <a:spcPct val="100000"/>
+              </a:lnSpc>
+              <a:spcBef>
+                <a:spcPct val="30000"/>
+              </a:spcBef>
+              <a:spcAft>
+                <a:spcPct val="0"/>
+              </a:spcAft>
+              <a:buClr>
+                <a:srgbClr val="000000"/>
+              </a:buClr>
+              <a:buSzPct val="100000"/>
+              <a:buFont typeface="Times New Roman" panose="02020603050405020304" pitchFamily="18" charset="0"/>
+              <a:buNone/>
+              <a:tabLst/>
+              <a:defRPr/>
+            </a:pPr>
+            <a:r>
+              <a:rPr lang="en-US" sz="1200" dirty="0" smtClean="0"/>
+              <a:t>Hybrid Recommendation :  </a:t>
+            </a:r>
+            <a:r>
+              <a:rPr lang="en-US" sz="1200" b="0" i="0" kern="1200" dirty="0" smtClean="0">
+                <a:solidFill>
+                  <a:srgbClr val="000000"/>
+                </a:solidFill>
+                <a:effectLst/>
+                <a:latin typeface="Times New Roman" charset="0"/>
+                <a:ea typeface="ＭＳ Ｐゴシック" charset="0"/>
+                <a:cs typeface="ＭＳ Ｐゴシック" charset="0"/>
+              </a:rPr>
+              <a:t>combines multiple recommendation techniques together to produce its output. </a:t>
+            </a:r>
+            <a:endParaRPr lang="en-US" dirty="0"/>
+          </a:p>
+        </p:txBody>
+      </p:sp>
+      <p:sp>
+        <p:nvSpPr>
+          <p:cNvPr id="4" name="Slide Number Placeholder 3"/>
+          <p:cNvSpPr>
+            <a:spLocks noGrp="1"/>
+          </p:cNvSpPr>
+          <p:nvPr>
+            <p:ph type="sldNum" idx="10"/>
+          </p:nvPr>
+        </p:nvSpPr>
+        <p:spPr/>
+        <p:txBody>
+          <a:bodyPr/>
+          <a:lstStyle/>
+          <a:p>
+            <a:fld id="{9F4783CB-4C08-4D00-BD8C-103BE55DB799}" type="slidenum">
+              <a:rPr lang="en-US" altLang="en-US" smtClean="0"/>
+              <a:pPr/>
+              <a:t>9</a:t>
+            </a:fld>
+            <a:endParaRPr lang="en-US" altLang="en-US"/>
+          </a:p>
+        </p:txBody>
+      </p:sp>
+    </p:spTree>
+    <p:extLst>
+      <p:ext uri="{BB962C8B-B14F-4D97-AF65-F5344CB8AC3E}">
+        <p14:creationId xmlns:p14="http://schemas.microsoft.com/office/powerpoint/2010/main" val="960014574"/>
+      </p:ext>
+    </p:extLst>
+  </p:cSld>
+  <p:clrMapOvr>
+    <a:masterClrMapping/>
+  </p:clrMapOvr>
+</p:notes>
+</file>
+
+<file path=ppt/notesSlides/notesSlide3.xml><?xml version="1.0" encoding="utf-8"?>
+<p:notes xmlns:a="http://schemas.openxmlformats.org/drawingml/2006/main" xmlns:r="http://schemas.openxmlformats.org/officeDocument/2006/relationships" xmlns:p="http://schemas.openxmlformats.org/presentationml/2006/main">
+  <p:cSld>
+    <p:spTree>
+      <p:nvGrpSpPr>
+        <p:cNvPr id="1" name=""/>
+        <p:cNvGrpSpPr/>
+        <p:nvPr/>
+      </p:nvGrpSpPr>
+      <p:grpSpPr>
+        <a:xfrm>
+          <a:off x="0" y="0"/>
+          <a:ext cx="0" cy="0"/>
+          <a:chOff x="0" y="0"/>
+          <a:chExt cx="0" cy="0"/>
+        </a:xfrm>
+      </p:grpSpPr>
+      <p:sp>
+        <p:nvSpPr>
+          <p:cNvPr id="2" name="Slide Image Placeholder 1"/>
+          <p:cNvSpPr>
+            <a:spLocks noGrp="1" noRot="1" noChangeAspect="1"/>
+          </p:cNvSpPr>
+          <p:nvPr>
+            <p:ph type="sldImg"/>
+          </p:nvPr>
+        </p:nvSpPr>
+        <p:spPr/>
+      </p:sp>
+      <p:sp>
+        <p:nvSpPr>
+          <p:cNvPr id="3" name="Notes Placeholder 2"/>
+          <p:cNvSpPr>
+            <a:spLocks noGrp="1"/>
+          </p:cNvSpPr>
+          <p:nvPr>
+            <p:ph type="body" idx="1"/>
+          </p:nvPr>
+        </p:nvSpPr>
+        <p:spPr/>
+        <p:txBody>
+          <a:bodyPr/>
+          <a:lstStyle/>
+          <a:p>
+            <a:r>
+              <a:rPr lang="en-US" dirty="0" smtClean="0"/>
+              <a:t>Acronym </a:t>
+            </a:r>
+            <a:endParaRPr lang="en-US" dirty="0"/>
+          </a:p>
+        </p:txBody>
+      </p:sp>
+      <p:sp>
+        <p:nvSpPr>
+          <p:cNvPr id="4" name="Slide Number Placeholder 3"/>
+          <p:cNvSpPr>
+            <a:spLocks noGrp="1"/>
+          </p:cNvSpPr>
+          <p:nvPr>
+            <p:ph type="sldNum" idx="10"/>
+          </p:nvPr>
+        </p:nvSpPr>
+        <p:spPr/>
+        <p:txBody>
+          <a:bodyPr/>
+          <a:lstStyle/>
+          <a:p>
+            <a:fld id="{9F4783CB-4C08-4D00-BD8C-103BE55DB799}" type="slidenum">
+              <a:rPr lang="en-US" altLang="en-US" smtClean="0"/>
+              <a:pPr/>
+              <a:t>27</a:t>
+            </a:fld>
+            <a:endParaRPr lang="en-US" altLang="en-US"/>
+          </a:p>
+        </p:txBody>
+      </p:sp>
+    </p:spTree>
+    <p:extLst>
+      <p:ext uri="{BB962C8B-B14F-4D97-AF65-F5344CB8AC3E}">
+        <p14:creationId xmlns:p14="http://schemas.microsoft.com/office/powerpoint/2010/main" val="1691694914"/>
+      </p:ext>
+    </p:extLst>
+  </p:cSld>
+  <p:clrMapOvr>
+    <a:masterClrMapping/>
+  </p:clrMapOvr>
+</p:notes>
+</file>
+
+<file path=ppt/notesSlides/notesSlide4.xml><?xml version="1.0" encoding="utf-8"?>
+<p:notes xmlns:a="http://schemas.openxmlformats.org/drawingml/2006/main" xmlns:r="http://schemas.openxmlformats.org/officeDocument/2006/relationships" xmlns:p="http://schemas.openxmlformats.org/presentationml/2006/main">
+  <p:cSld>
+    <p:spTree>
+      <p:nvGrpSpPr>
+        <p:cNvPr id="1" name=""/>
+        <p:cNvGrpSpPr/>
+        <p:nvPr/>
+      </p:nvGrpSpPr>
+      <p:grpSpPr>
+        <a:xfrm>
+          <a:off x="0" y="0"/>
+          <a:ext cx="0" cy="0"/>
+          <a:chOff x="0" y="0"/>
+          <a:chExt cx="0" cy="0"/>
+        </a:xfrm>
+      </p:grpSpPr>
+      <p:sp>
+        <p:nvSpPr>
+          <p:cNvPr id="2" name="Slide Image Placeholder 1"/>
+          <p:cNvSpPr>
+            <a:spLocks noGrp="1" noRot="1" noChangeAspect="1"/>
+          </p:cNvSpPr>
+          <p:nvPr>
+            <p:ph type="sldImg"/>
+          </p:nvPr>
+        </p:nvSpPr>
+        <p:spPr/>
+      </p:sp>
+      <p:sp>
+        <p:nvSpPr>
+          <p:cNvPr id="3" name="Notes Placeholder 2"/>
+          <p:cNvSpPr>
+            <a:spLocks noGrp="1"/>
+          </p:cNvSpPr>
+          <p:nvPr>
+            <p:ph type="body" idx="1"/>
+          </p:nvPr>
+        </p:nvSpPr>
+        <p:spPr/>
+        <p:txBody>
+          <a:bodyPr/>
+          <a:lstStyle/>
+          <a:p>
+            <a:endParaRPr lang="en-US" dirty="0"/>
+          </a:p>
+        </p:txBody>
+      </p:sp>
+      <p:sp>
+        <p:nvSpPr>
+          <p:cNvPr id="4" name="Slide Number Placeholder 3"/>
+          <p:cNvSpPr>
+            <a:spLocks noGrp="1"/>
+          </p:cNvSpPr>
+          <p:nvPr>
+            <p:ph type="sldNum" idx="10"/>
+          </p:nvPr>
+        </p:nvSpPr>
+        <p:spPr/>
+        <p:txBody>
+          <a:bodyPr/>
+          <a:lstStyle/>
+          <a:p>
+            <a:fld id="{9F4783CB-4C08-4D00-BD8C-103BE55DB799}" type="slidenum">
+              <a:rPr lang="en-US" altLang="en-US" smtClean="0"/>
+              <a:pPr/>
+              <a:t>29</a:t>
+            </a:fld>
+            <a:endParaRPr lang="en-US" altLang="en-US"/>
+          </a:p>
+        </p:txBody>
+      </p:sp>
+    </p:spTree>
+    <p:extLst>
+      <p:ext uri="{BB962C8B-B14F-4D97-AF65-F5344CB8AC3E}">
+        <p14:creationId xmlns:p14="http://schemas.microsoft.com/office/powerpoint/2010/main" val="2630041347"/>
+      </p:ext>
+    </p:extLst>
+  </p:cSld>
+  <p:clrMapOvr>
+    <a:masterClrMapping/>
+  </p:clrMapOvr>
+</p:notes>
+</file>
+
+<file path=ppt/notesSlides/notesSlide5.xml><?xml version="1.0" encoding="utf-8"?>
+<p:notes xmlns:a="http://schemas.openxmlformats.org/drawingml/2006/main" xmlns:r="http://schemas.openxmlformats.org/officeDocument/2006/relationships" xmlns:p="http://schemas.openxmlformats.org/presentationml/2006/main">
+  <p:cSld>
+    <p:spTree>
+      <p:nvGrpSpPr>
+        <p:cNvPr id="1" name=""/>
+        <p:cNvGrpSpPr/>
+        <p:nvPr/>
+      </p:nvGrpSpPr>
+      <p:grpSpPr>
+        <a:xfrm>
+          <a:off x="0" y="0"/>
+          <a:ext cx="0" cy="0"/>
+          <a:chOff x="0" y="0"/>
+          <a:chExt cx="0" cy="0"/>
+        </a:xfrm>
+      </p:grpSpPr>
+      <p:sp>
+        <p:nvSpPr>
+          <p:cNvPr id="2" name="Slide Image Placeholder 1"/>
+          <p:cNvSpPr>
+            <a:spLocks noGrp="1" noRot="1" noChangeAspect="1"/>
+          </p:cNvSpPr>
+          <p:nvPr>
+            <p:ph type="sldImg"/>
+          </p:nvPr>
+        </p:nvSpPr>
+        <p:spPr/>
+      </p:sp>
+      <p:sp>
+        <p:nvSpPr>
+          <p:cNvPr id="3" name="Notes Placeholder 2"/>
+          <p:cNvSpPr>
+            <a:spLocks noGrp="1"/>
+          </p:cNvSpPr>
+          <p:nvPr>
+            <p:ph type="body" idx="1"/>
+          </p:nvPr>
+        </p:nvSpPr>
+        <p:spPr/>
+        <p:txBody>
+          <a:bodyPr/>
+          <a:lstStyle/>
+          <a:p>
+            <a:r>
+              <a:rPr lang="en-US" altLang="zh-CN" dirty="0" smtClean="0"/>
+              <a:t>Underline</a:t>
+            </a:r>
+            <a:r>
+              <a:rPr lang="zh-CN" altLang="en-US" baseline="0" dirty="0" smtClean="0"/>
+              <a:t> </a:t>
+            </a:r>
+            <a:r>
+              <a:rPr lang="en-US" altLang="zh-CN" baseline="0" dirty="0" smtClean="0"/>
+              <a:t>or </a:t>
+            </a:r>
+            <a:r>
+              <a:rPr lang="en-US" altLang="zh-CN" baseline="0" dirty="0" err="1" smtClean="0"/>
+              <a:t>undersore</a:t>
+            </a:r>
+            <a:r>
+              <a:rPr lang="en-US" altLang="zh-CN" baseline="0" dirty="0" smtClean="0"/>
+              <a:t>??</a:t>
+            </a:r>
+            <a:endParaRPr lang="en-US" dirty="0"/>
+          </a:p>
+        </p:txBody>
+      </p:sp>
+      <p:sp>
+        <p:nvSpPr>
+          <p:cNvPr id="4" name="Slide Number Placeholder 3"/>
+          <p:cNvSpPr>
+            <a:spLocks noGrp="1"/>
+          </p:cNvSpPr>
+          <p:nvPr>
+            <p:ph type="sldNum" idx="10"/>
+          </p:nvPr>
+        </p:nvSpPr>
+        <p:spPr/>
+        <p:txBody>
+          <a:bodyPr/>
+          <a:lstStyle/>
+          <a:p>
+            <a:fld id="{9F4783CB-4C08-4D00-BD8C-103BE55DB799}" type="slidenum">
+              <a:rPr lang="en-US" altLang="en-US" smtClean="0"/>
+              <a:pPr/>
+              <a:t>31</a:t>
+            </a:fld>
+            <a:endParaRPr lang="en-US" altLang="en-US"/>
+          </a:p>
+        </p:txBody>
+      </p:sp>
+    </p:spTree>
+    <p:extLst>
+      <p:ext uri="{BB962C8B-B14F-4D97-AF65-F5344CB8AC3E}">
+        <p14:creationId xmlns:p14="http://schemas.microsoft.com/office/powerpoint/2010/main" val="4180030610"/>
+      </p:ext>
+    </p:extLst>
+  </p:cSld>
+  <p:clrMapOvr>
+    <a:masterClrMapping/>
+  </p:clrMapOvr>
+</p:notes>
+</file>
+
+<file path=ppt/notesSlides/notesSlide6.xml><?xml version="1.0" encoding="utf-8"?>
+<p:notes xmlns:a="http://schemas.openxmlformats.org/drawingml/2006/main" xmlns:r="http://schemas.openxmlformats.org/officeDocument/2006/relationships" xmlns:p="http://schemas.openxmlformats.org/presentationml/2006/main">
+  <p:cSld>
+    <p:spTree>
+      <p:nvGrpSpPr>
+        <p:cNvPr id="1" name=""/>
+        <p:cNvGrpSpPr/>
+        <p:nvPr/>
+      </p:nvGrpSpPr>
+      <p:grpSpPr>
+        <a:xfrm>
+          <a:off x="0" y="0"/>
+          <a:ext cx="0" cy="0"/>
+          <a:chOff x="0" y="0"/>
+          <a:chExt cx="0" cy="0"/>
+        </a:xfrm>
+      </p:grpSpPr>
+      <p:sp>
+        <p:nvSpPr>
+          <p:cNvPr id="2" name="Slide Image Placeholder 1"/>
+          <p:cNvSpPr>
+            <a:spLocks noGrp="1" noRot="1" noChangeAspect="1"/>
+          </p:cNvSpPr>
+          <p:nvPr>
+            <p:ph type="sldImg"/>
+          </p:nvPr>
+        </p:nvSpPr>
+        <p:spPr/>
+      </p:sp>
+      <p:sp>
+        <p:nvSpPr>
+          <p:cNvPr id="3" name="Notes Placeholder 2"/>
+          <p:cNvSpPr>
+            <a:spLocks noGrp="1"/>
+          </p:cNvSpPr>
+          <p:nvPr>
+            <p:ph type="body" idx="1"/>
+          </p:nvPr>
+        </p:nvSpPr>
+        <p:spPr/>
+        <p:txBody>
+          <a:bodyPr/>
+          <a:lstStyle/>
+          <a:p>
+            <a:r>
+              <a:rPr lang="en-US" dirty="0" smtClean="0"/>
+              <a:t>n </a:t>
+            </a:r>
+            <a:r>
+              <a:rPr lang="en-US" sz="1200" b="0" i="0" kern="1200" dirty="0" smtClean="0">
+                <a:solidFill>
+                  <a:srgbClr val="000000"/>
+                </a:solidFill>
+                <a:effectLst/>
+                <a:latin typeface="Times New Roman" charset="0"/>
+                <a:ea typeface="ＭＳ Ｐゴシック" charset="0"/>
+                <a:cs typeface="ＭＳ Ｐゴシック" charset="0"/>
+              </a:rPr>
+              <a:t>state space,  t length of the sequence </a:t>
+            </a:r>
+            <a:endParaRPr lang="en-US" dirty="0"/>
+          </a:p>
+        </p:txBody>
+      </p:sp>
+      <p:sp>
+        <p:nvSpPr>
+          <p:cNvPr id="4" name="Slide Number Placeholder 3"/>
+          <p:cNvSpPr>
+            <a:spLocks noGrp="1"/>
+          </p:cNvSpPr>
+          <p:nvPr>
+            <p:ph type="sldNum" idx="10"/>
+          </p:nvPr>
+        </p:nvSpPr>
+        <p:spPr/>
+        <p:txBody>
+          <a:bodyPr/>
+          <a:lstStyle/>
+          <a:p>
+            <a:fld id="{9F4783CB-4C08-4D00-BD8C-103BE55DB799}" type="slidenum">
+              <a:rPr lang="en-US" altLang="en-US" smtClean="0"/>
+              <a:pPr/>
+              <a:t>42</a:t>
+            </a:fld>
+            <a:endParaRPr lang="en-US" altLang="en-US"/>
+          </a:p>
+        </p:txBody>
+      </p:sp>
+    </p:spTree>
+    <p:extLst>
+      <p:ext uri="{BB962C8B-B14F-4D97-AF65-F5344CB8AC3E}">
+        <p14:creationId xmlns:p14="http://schemas.microsoft.com/office/powerpoint/2010/main" val="3624752256"/>
+      </p:ext>
+    </p:extLst>
+  </p:cSld>
+  <p:clrMapOvr>
+    <a:masterClrMapping/>
+  </p:clrMapOvr>
+</p:notes>
+</file>
+
+<file path=ppt/notesSlides/notesSlide7.xml><?xml version="1.0" encoding="utf-8"?>
+<p:notes xmlns:a="http://schemas.openxmlformats.org/drawingml/2006/main" xmlns:r="http://schemas.openxmlformats.org/officeDocument/2006/relationships" xmlns:p="http://schemas.openxmlformats.org/presentationml/2006/main">
+  <p:cSld>
+    <p:spTree>
+      <p:nvGrpSpPr>
+        <p:cNvPr id="1" name=""/>
+        <p:cNvGrpSpPr/>
+        <p:nvPr/>
+      </p:nvGrpSpPr>
+      <p:grpSpPr>
+        <a:xfrm>
+          <a:off x="0" y="0"/>
+          <a:ext cx="0" cy="0"/>
+          <a:chOff x="0" y="0"/>
+          <a:chExt cx="0" cy="0"/>
+        </a:xfrm>
+      </p:grpSpPr>
+      <p:sp>
+        <p:nvSpPr>
+          <p:cNvPr id="2" name="Slide Image Placeholder 1"/>
+          <p:cNvSpPr>
+            <a:spLocks noGrp="1" noRot="1" noChangeAspect="1"/>
+          </p:cNvSpPr>
+          <p:nvPr>
+            <p:ph type="sldImg"/>
+          </p:nvPr>
+        </p:nvSpPr>
+        <p:spPr/>
+      </p:sp>
+      <p:sp>
+        <p:nvSpPr>
+          <p:cNvPr id="3" name="Notes Placeholder 2"/>
+          <p:cNvSpPr>
+            <a:spLocks noGrp="1"/>
+          </p:cNvSpPr>
+          <p:nvPr>
+            <p:ph type="body" idx="1"/>
+          </p:nvPr>
+        </p:nvSpPr>
+        <p:spPr/>
+        <p:txBody>
+          <a:bodyPr/>
+          <a:lstStyle/>
+          <a:p>
+            <a:pPr marL="0" marR="0" indent="0" algn="l" defTabSz="457200" rtl="0" eaLnBrk="0" fontAlgn="base" latinLnBrk="0" hangingPunct="0">
+              <a:lnSpc>
+                <a:spcPct val="100000"/>
+              </a:lnSpc>
+              <a:spcBef>
+                <a:spcPct val="30000"/>
+              </a:spcBef>
+              <a:spcAft>
+                <a:spcPct val="0"/>
+              </a:spcAft>
+              <a:buClr>
+                <a:srgbClr val="000000"/>
+              </a:buClr>
+              <a:buSzPct val="100000"/>
+              <a:buFont typeface="Times New Roman" panose="02020603050405020304" pitchFamily="18" charset="0"/>
+              <a:buNone/>
+              <a:tabLst/>
+              <a:defRPr/>
+            </a:pPr>
+            <a:r>
+              <a:rPr lang="en-US" sz="1200" dirty="0" smtClean="0"/>
+              <a:t>IC  negative </a:t>
+            </a:r>
+            <a:r>
+              <a:rPr lang="en-US" sz="1200" b="1" i="0" kern="1200" dirty="0" smtClean="0">
+                <a:solidFill>
+                  <a:srgbClr val="000000"/>
+                </a:solidFill>
+                <a:effectLst/>
+                <a:latin typeface="Times New Roman" charset="0"/>
+                <a:ea typeface="ＭＳ Ｐゴシック" charset="0"/>
+                <a:cs typeface="ＭＳ Ｐゴシック" charset="0"/>
+              </a:rPr>
+              <a:t>logarithmic value </a:t>
+            </a:r>
+            <a:r>
+              <a:rPr lang="en-US" sz="1200" dirty="0" smtClean="0"/>
+              <a:t>of its probability of occurrence</a:t>
+            </a:r>
+            <a:endParaRPr lang="en-US" dirty="0" smtClean="0"/>
+          </a:p>
+          <a:p>
+            <a:endParaRPr lang="en-US" dirty="0"/>
+          </a:p>
+        </p:txBody>
+      </p:sp>
+      <p:sp>
+        <p:nvSpPr>
+          <p:cNvPr id="4" name="Slide Number Placeholder 3"/>
+          <p:cNvSpPr>
+            <a:spLocks noGrp="1"/>
+          </p:cNvSpPr>
+          <p:nvPr>
+            <p:ph type="sldNum" idx="10"/>
+          </p:nvPr>
+        </p:nvSpPr>
+        <p:spPr/>
+        <p:txBody>
+          <a:bodyPr/>
+          <a:lstStyle/>
+          <a:p>
+            <a:fld id="{9F4783CB-4C08-4D00-BD8C-103BE55DB799}" type="slidenum">
+              <a:rPr lang="en-US" altLang="en-US" smtClean="0"/>
+              <a:pPr/>
+              <a:t>54</a:t>
+            </a:fld>
+            <a:endParaRPr lang="en-US" altLang="en-US"/>
+          </a:p>
+        </p:txBody>
+      </p:sp>
+    </p:spTree>
+    <p:extLst>
+      <p:ext uri="{BB962C8B-B14F-4D97-AF65-F5344CB8AC3E}">
+        <p14:creationId xmlns:p14="http://schemas.microsoft.com/office/powerpoint/2010/main" val="1203124618"/>
+      </p:ext>
+    </p:extLst>
+  </p:cSld>
+  <p:clrMapOvr>
+    <a:masterClrMapping/>
+  </p:clrMapOvr>
+</p:notes>
+</file>
+
+<file path=ppt/notesSlides/notesSlide8.xml><?xml version="1.0" encoding="utf-8"?>
+<p:notes xmlns:a="http://schemas.openxmlformats.org/drawingml/2006/main" xmlns:r="http://schemas.openxmlformats.org/officeDocument/2006/relationships" xmlns:p="http://schemas.openxmlformats.org/presentationml/2006/main">
+  <p:cSld>
+    <p:spTree>
+      <p:nvGrpSpPr>
+        <p:cNvPr id="1" name=""/>
+        <p:cNvGrpSpPr/>
+        <p:nvPr/>
+      </p:nvGrpSpPr>
+      <p:grpSpPr>
+        <a:xfrm>
+          <a:off x="0" y="0"/>
+          <a:ext cx="0" cy="0"/>
+          <a:chOff x="0" y="0"/>
+          <a:chExt cx="0" cy="0"/>
+        </a:xfrm>
+      </p:grpSpPr>
+      <p:sp>
+        <p:nvSpPr>
+          <p:cNvPr id="2" name="Slide Image Placeholder 1"/>
+          <p:cNvSpPr>
+            <a:spLocks noGrp="1" noRot="1" noChangeAspect="1"/>
+          </p:cNvSpPr>
+          <p:nvPr>
+            <p:ph type="sldImg"/>
+          </p:nvPr>
+        </p:nvSpPr>
+        <p:spPr/>
+      </p:sp>
+      <p:sp>
+        <p:nvSpPr>
+          <p:cNvPr id="3" name="Notes Placeholder 2"/>
+          <p:cNvSpPr>
+            <a:spLocks noGrp="1"/>
+          </p:cNvSpPr>
+          <p:nvPr>
+            <p:ph type="body" idx="1"/>
+          </p:nvPr>
+        </p:nvSpPr>
+        <p:spPr/>
+        <p:txBody>
+          <a:bodyPr/>
+          <a:lstStyle/>
+          <a:p>
+            <a:r>
+              <a:rPr lang="en-US" dirty="0" smtClean="0"/>
+              <a:t>logarithmic</a:t>
+            </a:r>
+            <a:endParaRPr lang="en-US" dirty="0"/>
+          </a:p>
+        </p:txBody>
+      </p:sp>
+      <p:sp>
+        <p:nvSpPr>
+          <p:cNvPr id="4" name="Slide Number Placeholder 3"/>
+          <p:cNvSpPr>
+            <a:spLocks noGrp="1"/>
+          </p:cNvSpPr>
+          <p:nvPr>
+            <p:ph type="sldNum" idx="10"/>
+          </p:nvPr>
+        </p:nvSpPr>
+        <p:spPr/>
+        <p:txBody>
+          <a:bodyPr/>
+          <a:lstStyle/>
+          <a:p>
+            <a:fld id="{9F4783CB-4C08-4D00-BD8C-103BE55DB799}" type="slidenum">
+              <a:rPr lang="en-US" altLang="en-US" smtClean="0"/>
+              <a:pPr/>
+              <a:t>57</a:t>
+            </a:fld>
+            <a:endParaRPr lang="en-US" altLang="en-US"/>
+          </a:p>
+        </p:txBody>
+      </p:sp>
+    </p:spTree>
+    <p:extLst>
+      <p:ext uri="{BB962C8B-B14F-4D97-AF65-F5344CB8AC3E}">
+        <p14:creationId xmlns:p14="http://schemas.microsoft.com/office/powerpoint/2010/main" val="1734476604"/>
+      </p:ext>
+    </p:extLst>
+  </p:cSld>
+  <p:clrMapOvr>
+    <a:masterClrMapping/>
+  </p:clrMapOvr>
+</p:notes>
+</file>
+
+<file path=ppt/notesSlides/notesSlide9.xml><?xml version="1.0" encoding="utf-8"?>
+<p:notes xmlns:a="http://schemas.openxmlformats.org/drawingml/2006/main" xmlns:r="http://schemas.openxmlformats.org/officeDocument/2006/relationships" xmlns:p="http://schemas.openxmlformats.org/presentationml/2006/main">
+  <p:cSld>
+    <p:spTree>
+      <p:nvGrpSpPr>
+        <p:cNvPr id="1" name=""/>
+        <p:cNvGrpSpPr/>
+        <p:nvPr/>
+      </p:nvGrpSpPr>
+      <p:grpSpPr>
+        <a:xfrm>
+          <a:off x="0" y="0"/>
+          <a:ext cx="0" cy="0"/>
+          <a:chOff x="0" y="0"/>
+          <a:chExt cx="0" cy="0"/>
+        </a:xfrm>
+      </p:grpSpPr>
+      <p:sp>
+        <p:nvSpPr>
+          <p:cNvPr id="2" name="Slide Image Placeholder 1"/>
+          <p:cNvSpPr>
+            <a:spLocks noGrp="1" noRot="1" noChangeAspect="1"/>
+          </p:cNvSpPr>
+          <p:nvPr>
+            <p:ph type="sldImg"/>
+          </p:nvPr>
+        </p:nvSpPr>
+        <p:spPr/>
+      </p:sp>
+      <p:sp>
+        <p:nvSpPr>
+          <p:cNvPr id="3" name="Notes Placeholder 2"/>
+          <p:cNvSpPr>
+            <a:spLocks noGrp="1"/>
+          </p:cNvSpPr>
+          <p:nvPr>
+            <p:ph type="body" idx="1"/>
+          </p:nvPr>
+        </p:nvSpPr>
+        <p:spPr/>
+        <p:txBody>
+          <a:bodyPr/>
+          <a:lstStyle/>
+          <a:p>
+            <a:endParaRPr lang="en-US" dirty="0"/>
+          </a:p>
+        </p:txBody>
+      </p:sp>
+      <p:sp>
+        <p:nvSpPr>
+          <p:cNvPr id="4" name="Slide Number Placeholder 3"/>
+          <p:cNvSpPr>
+            <a:spLocks noGrp="1"/>
+          </p:cNvSpPr>
+          <p:nvPr>
+            <p:ph type="sldNum" idx="10"/>
+          </p:nvPr>
+        </p:nvSpPr>
+        <p:spPr/>
+        <p:txBody>
+          <a:bodyPr/>
+          <a:lstStyle/>
+          <a:p>
+            <a:fld id="{9F4783CB-4C08-4D00-BD8C-103BE55DB799}" type="slidenum">
+              <a:rPr lang="en-US" altLang="en-US" smtClean="0"/>
+              <a:pPr/>
+              <a:t>60</a:t>
+            </a:fld>
+            <a:endParaRPr lang="en-US" altLang="en-US"/>
+          </a:p>
+        </p:txBody>
+      </p:sp>
+    </p:spTree>
+    <p:extLst>
+      <p:ext uri="{BB962C8B-B14F-4D97-AF65-F5344CB8AC3E}">
+        <p14:creationId xmlns:p14="http://schemas.microsoft.com/office/powerpoint/2010/main" val="1910673594"/>
       </p:ext>
     </p:extLst>
   </p:cSld>
@@ -6120,7 +7103,6 @@
               <a:rPr lang="en-US" altLang="zh-CN" sz="2800" dirty="0" smtClean="0"/>
               <a:t> </a:t>
             </a:r>
-            <a:endParaRPr lang="en-US" altLang="zh-CN" sz="2800" dirty="0" smtClean="0"/>
           </a:p>
           <a:p>
             <a:r>
@@ -6146,13 +7128,8 @@
             <a:pPr lvl="1"/>
             <a:r>
               <a:rPr lang="en-US" sz="2400" dirty="0" smtClean="0"/>
-              <a:t>Jobs Applied</a:t>
-            </a:r>
-            <a:r>
-              <a:rPr lang="en-US" sz="2400" dirty="0" smtClean="0"/>
-              <a:t> </a:t>
-            </a:r>
-            <a:endParaRPr lang="en-US" sz="2400" dirty="0" smtClean="0"/>
+              <a:t>Jobs Applied </a:t>
+            </a:r>
           </a:p>
           <a:p>
             <a:pPr lvl="1"/>
@@ -7008,11 +7985,11 @@
   <p:clrMapOvr>
     <a:masterClrMapping/>
   </p:clrMapOvr>
-  <mc:AlternateContent xmlns:mc="http://schemas.openxmlformats.org/markup-compatibility/2006">
-    <mc:Choice xmlns:p14="http://schemas.microsoft.com/office/powerpoint/2010/main" Requires="p14">
+  <mc:AlternateContent xmlns:mc="http://schemas.openxmlformats.org/markup-compatibility/2006" xmlns:p14="http://schemas.microsoft.com/office/powerpoint/2010/main">
+    <mc:Choice Requires="p14">
       <p:transition spd="slow" p14:dur="2000"/>
     </mc:Choice>
-    <mc:Fallback>
+    <mc:Fallback xmlns="">
       <p:transition spd="slow"/>
     </mc:Fallback>
   </mc:AlternateContent>
@@ -7556,6 +8533,13 @@
       <p:transition spd="slow"/>
     </mc:Fallback>
   </mc:AlternateContent>
+  <p:timing>
+    <p:tnLst>
+      <p:par>
+        <p:cTn id="1" dur="indefinite" restart="never" nodeType="tmRoot"/>
+      </p:par>
+    </p:tnLst>
+  </p:timing>
 </p:sld>
 </file>
 
@@ -7748,6 +8732,13 @@
       <p:transition spd="slow"/>
     </mc:Fallback>
   </mc:AlternateContent>
+  <p:timing>
+    <p:tnLst>
+      <p:par>
+        <p:cTn id="1" dur="indefinite" restart="never" nodeType="tmRoot"/>
+      </p:par>
+    </p:tnLst>
+  </p:timing>
 </p:sld>
 </file>
 
@@ -7923,14 +8914,21 @@
   <p:clrMapOvr>
     <a:masterClrMapping/>
   </p:clrMapOvr>
-  <mc:AlternateContent xmlns:mc="http://schemas.openxmlformats.org/markup-compatibility/2006">
-    <mc:Choice xmlns:p14="http://schemas.microsoft.com/office/powerpoint/2010/main" Requires="p14">
+  <mc:AlternateContent xmlns:mc="http://schemas.openxmlformats.org/markup-compatibility/2006" xmlns:p14="http://schemas.microsoft.com/office/powerpoint/2010/main">
+    <mc:Choice Requires="p14">
       <p:transition spd="slow" p14:dur="2000"/>
     </mc:Choice>
-    <mc:Fallback>
+    <mc:Fallback xmlns="">
       <p:transition spd="slow"/>
     </mc:Fallback>
   </mc:AlternateContent>
+  <p:timing>
+    <p:tnLst>
+      <p:par>
+        <p:cTn id="1" dur="indefinite" restart="never" nodeType="tmRoot"/>
+      </p:par>
+    </p:tnLst>
+  </p:timing>
 </p:sld>
 </file>
 
@@ -8326,21 +9324,16 @@
           <a:p>
             <a:r>
               <a:rPr lang="en-US" sz="2800" dirty="0" smtClean="0"/>
-              <a:t>Calculating the similarity values between </a:t>
+              <a:t>Calculating the similarity values between the </a:t>
             </a:r>
             <a:r>
               <a:rPr lang="en-US" sz="2800" dirty="0" smtClean="0"/>
-              <a:t>the résumé and the </a:t>
+              <a:t>user’s résumé </a:t>
             </a:r>
             <a:r>
               <a:rPr lang="en-US" sz="2800" dirty="0" smtClean="0"/>
-              <a:t>job </a:t>
-            </a:r>
-            <a:r>
-              <a:rPr lang="en-US" sz="2800" dirty="0" smtClean="0"/>
-              <a:t>models</a:t>
-            </a:r>
-            <a:endParaRPr lang="en-US" sz="2800" dirty="0" smtClean="0"/>
+              <a:t>and the job models</a:t>
+            </a:r>
           </a:p>
           <a:p>
             <a:r>
@@ -8425,6 +9418,13 @@
       <p:transition spd="slow"/>
     </mc:Fallback>
   </mc:AlternateContent>
+  <p:timing>
+    <p:tnLst>
+      <p:par>
+        <p:cTn id="1" dur="indefinite" restart="never" nodeType="tmRoot"/>
+      </p:par>
+    </p:tnLst>
+  </p:timing>
 </p:sld>
 </file>
 
@@ -8513,11 +9513,7 @@
             </a:r>
             <a:r>
               <a:rPr lang="en-US" sz="2800" dirty="0"/>
-              <a:t>feature of </a:t>
-            </a:r>
-            <a:r>
-              <a:rPr lang="en-US" sz="2800" dirty="0"/>
-              <a:t>résumé </a:t>
+              <a:t>feature of résumé </a:t>
             </a:r>
             <a:r>
               <a:rPr lang="en-US" sz="2800" dirty="0" smtClean="0"/>
@@ -8588,7 +9584,6 @@
               <a:rPr lang="en-US" sz="2800" dirty="0" smtClean="0"/>
               <a:t>job j</a:t>
             </a:r>
-            <a:endParaRPr lang="en-US" sz="2800" dirty="0" smtClean="0"/>
           </a:p>
           <a:p>
             <a:r>
@@ -8693,6 +9688,13 @@
       <p:transition spd="slow"/>
     </mc:Fallback>
   </mc:AlternateContent>
+  <p:timing>
+    <p:tnLst>
+      <p:par>
+        <p:cTn id="1" dur="indefinite" restart="never" nodeType="tmRoot"/>
+      </p:par>
+    </p:tnLst>
+  </p:timing>
 </p:sld>
 </file>
 
@@ -8788,13 +9790,25 @@
               <a:rPr lang="en-US" sz="2800" dirty="0">
                 <a:sym typeface="Wingdings" panose="05000000000000000000" pitchFamily="2" charset="2"/>
               </a:rPr>
-              <a:t>list of jobs in </a:t>
+              <a:t>list of jobs </a:t>
             </a:r>
             <a:r>
               <a:rPr lang="en-US" sz="2800" dirty="0" smtClean="0">
                 <a:sym typeface="Wingdings" panose="05000000000000000000" pitchFamily="2" charset="2"/>
               </a:rPr>
-              <a:t>ranked by their similarity values.  </a:t>
+              <a:t>that </a:t>
+            </a:r>
+            <a:r>
+              <a:rPr lang="en-US" sz="2800" dirty="0" smtClean="0">
+                <a:sym typeface="Wingdings" panose="05000000000000000000" pitchFamily="2" charset="2"/>
+              </a:rPr>
+              <a:t>ranked by their similarity </a:t>
+            </a:r>
+            <a:r>
+              <a:rPr lang="en-US" sz="2800" dirty="0" smtClean="0">
+                <a:sym typeface="Wingdings" panose="05000000000000000000" pitchFamily="2" charset="2"/>
+              </a:rPr>
+              <a:t>values  </a:t>
             </a:r>
             <a:r>
               <a:rPr lang="en-US" sz="2800" dirty="0" err="1">
@@ -8806,7 +9820,13 @@
               <a:rPr lang="en-US" sz="2800" dirty="0">
                 <a:sym typeface="Wingdings" panose="05000000000000000000" pitchFamily="2" charset="2"/>
               </a:rPr>
-              <a:t>(r, j )  </a:t>
+              <a:t>(r, j </a:t>
+            </a:r>
+            <a:r>
+              <a:rPr lang="en-US" sz="2800" dirty="0" smtClean="0">
+                <a:sym typeface="Wingdings" panose="05000000000000000000" pitchFamily="2" charset="2"/>
+              </a:rPr>
+              <a:t>).</a:t>
             </a:r>
             <a:endParaRPr lang="en-US" sz="2800" dirty="0"/>
           </a:p>
@@ -9295,7 +10315,11 @@
             </a:r>
             <a:r>
               <a:rPr lang="en-US" sz="2800" dirty="0" smtClean="0"/>
-              <a:t>the unstructured text.</a:t>
+              <a:t>the unstructured </a:t>
+            </a:r>
+            <a:r>
+              <a:rPr lang="en-US" sz="2800" dirty="0" smtClean="0"/>
+              <a:t>text data source.</a:t>
             </a:r>
             <a:endParaRPr lang="en-US" sz="2800" dirty="0"/>
           </a:p>
@@ -9399,7 +10423,7 @@
           </p:nvPr>
         </p:nvPicPr>
         <p:blipFill>
-          <a:blip r:embed="rId2">
+          <a:blip r:embed="rId3">
             <a:extLst>
               <a:ext uri="{28A0092B-C50C-407E-A947-70E740481C1C}">
                 <a14:useLocalDpi xmlns:a14="http://schemas.microsoft.com/office/drawing/2010/main" val="0"/>
@@ -9910,17 +10934,7 @@
                   </a:schemeClr>
                 </a:solidFill>
               </a:rPr>
-              <a:t>Regular </a:t>
-            </a:r>
-            <a:r>
-              <a:rPr lang="en-US" dirty="0" smtClean="0">
-                <a:solidFill>
-                  <a:schemeClr val="bg2">
-                    <a:lumMod val="75000"/>
-                  </a:schemeClr>
-                </a:solidFill>
-              </a:rPr>
-              <a:t>Expression Over Tokens</a:t>
+              <a:t>Regular Expression Over Tokens</a:t>
             </a:r>
             <a:endParaRPr lang="en-US" dirty="0">
               <a:solidFill>
@@ -10339,15 +11353,19 @@
           <a:p>
             <a:r>
               <a:rPr lang="en-US" sz="9600" dirty="0"/>
-              <a:t>A  single concept </a:t>
+              <a:t>A </a:t>
             </a:r>
             <a:r>
               <a:rPr lang="en-US" sz="9600" dirty="0" smtClean="0"/>
-              <a:t>may </a:t>
+              <a:t>single </a:t>
+            </a:r>
+            <a:r>
+              <a:rPr lang="en-US" sz="9600" dirty="0"/>
+              <a:t>concept </a:t>
             </a:r>
             <a:r>
               <a:rPr lang="en-US" sz="9600" dirty="0" smtClean="0"/>
-              <a:t>have </a:t>
+              <a:t>may have </a:t>
             </a:r>
             <a:r>
               <a:rPr lang="en-US" sz="9600" dirty="0"/>
@@ -14125,8 +15143,21 @@
                   <a:schemeClr val="tx1"/>
                 </a:solidFill>
               </a:rPr>
-              <a:t>t)</a:t>
-            </a:r>
+              <a:t>t</a:t>
+            </a:r>
+            <a:r>
+              <a:rPr lang="en-US" sz="2400" dirty="0" smtClean="0">
+                <a:solidFill>
+                  <a:schemeClr val="tx1"/>
+                </a:solidFill>
+              </a:rPr>
+              <a:t>)</a:t>
+            </a:r>
+            <a:endParaRPr lang="en-US" sz="2400" dirty="0" smtClean="0">
+              <a:solidFill>
+                <a:schemeClr val="tx1"/>
+              </a:solidFill>
+            </a:endParaRPr>
           </a:p>
           <a:p>
             <a:pPr>
@@ -14869,7 +15900,17 @@
                   </a:schemeClr>
                 </a:solidFill>
               </a:rPr>
-              <a:t>Job Description </a:t>
+              <a:t>Job </a:t>
+            </a:r>
+            <a:r>
+              <a:rPr lang="en-US" dirty="0" smtClean="0">
+                <a:solidFill>
+                  <a:schemeClr val="bg2">
+                    <a:lumMod val="75000"/>
+                  </a:schemeClr>
+                </a:solidFill>
+              </a:rPr>
+              <a:t>Descriptions </a:t>
             </a:r>
             <a:endParaRPr lang="en-US" dirty="0">
               <a:solidFill>
@@ -14938,7 +15979,7 @@
         </p:nvSpPr>
         <p:spPr>
           <a:xfrm>
-            <a:off x="457200" y="1774929"/>
+            <a:off x="457200" y="2286000"/>
             <a:ext cx="8228013" cy="4244871"/>
           </a:xfrm>
         </p:spPr>
@@ -14980,7 +16021,19 @@
             </a:pPr>
             <a:r>
               <a:rPr lang="en-US" sz="2400" dirty="0" smtClean="0"/>
-              <a:t>Collect fifty initial terms manually, add them  to term list</a:t>
+              <a:t>Collecting </a:t>
+            </a:r>
+            <a:r>
+              <a:rPr lang="en-US" sz="2400" dirty="0" smtClean="0"/>
+              <a:t>fifty initial terms manually, </a:t>
+            </a:r>
+            <a:r>
+              <a:rPr lang="en-US" sz="2400" dirty="0" smtClean="0"/>
+              <a:t>and adding </a:t>
+            </a:r>
+            <a:r>
+              <a:rPr lang="en-US" sz="2400" dirty="0" smtClean="0"/>
+              <a:t>them  to term list</a:t>
             </a:r>
           </a:p>
           <a:p>
@@ -15076,7 +16129,7 @@
         </p:nvSpPr>
         <p:spPr>
           <a:xfrm>
-            <a:off x="457200" y="762000"/>
+            <a:off x="457200" y="914400"/>
             <a:ext cx="7343775" cy="994172"/>
           </a:xfrm>
         </p:spPr>
@@ -15085,14 +16138,14 @@
           <a:lstStyle/>
           <a:p>
             <a:r>
-              <a:rPr lang="en-US" dirty="0" smtClean="0">
+              <a:rPr lang="en-US" dirty="0">
                 <a:solidFill>
                   <a:schemeClr val="bg2">
                     <a:lumMod val="75000"/>
                   </a:schemeClr>
                 </a:solidFill>
               </a:rPr>
-              <a:t>Pattern in sentences </a:t>
+              <a:t>Bootstrap approach </a:t>
             </a:r>
             <a:endParaRPr lang="en-US" dirty="0">
               <a:solidFill>
@@ -15452,7 +16505,6 @@
               <a:rPr lang="en-US" sz="2400" dirty="0" smtClean="0"/>
               <a:t>Skills </a:t>
             </a:r>
-            <a:endParaRPr lang="en-US" sz="2400" dirty="0" smtClean="0"/>
           </a:p>
           <a:p>
             <a:r>
@@ -15465,36 +16517,17 @@
             </a:r>
             <a:r>
               <a:rPr lang="en-US" sz="2800" dirty="0" smtClean="0"/>
-              <a:t>as a query to search jobs</a:t>
-            </a:r>
-            <a:endParaRPr lang="en-US" sz="2800" dirty="0"/>
-          </a:p>
-          <a:p>
+              <a:t>as a query to search </a:t>
+            </a:r>
             <a:r>
               <a:rPr lang="en-US" sz="2800" dirty="0" smtClean="0"/>
-              <a:t>Getting </a:t>
-            </a:r>
+              <a:t>jobs</a:t>
+            </a:r>
+          </a:p>
+          <a:p>
             <a:r>
               <a:rPr lang="en-US" sz="2800" dirty="0" smtClean="0"/>
-              <a:t>the similarity </a:t>
-            </a:r>
-            <a:r>
-              <a:rPr lang="en-US" sz="2800" dirty="0" smtClean="0"/>
-              <a:t>between </a:t>
-            </a:r>
-            <a:r>
-              <a:rPr lang="en-US" sz="2800" dirty="0" smtClean="0"/>
-              <a:t>the résumé and jobs</a:t>
-            </a:r>
-          </a:p>
-          <a:p>
-            <a:r>
-              <a:rPr lang="en-US" sz="2800" dirty="0" smtClean="0"/>
-              <a:t>Ranking the jobs by their </a:t>
-            </a:r>
-            <a:r>
-              <a:rPr lang="en-US" sz="2800" dirty="0" smtClean="0"/>
-              <a:t>similarity</a:t>
+              <a:t>Ranking the jobs by their similarity scores</a:t>
             </a:r>
             <a:endParaRPr lang="en-US" sz="2800" dirty="0" smtClean="0"/>
           </a:p>
@@ -15569,115 +16602,6 @@
 </file>
 
 <file path=ppt/slides/slide50.xml><?xml version="1.0" encoding="utf-8"?>
-<p:sld xmlns:a="http://schemas.openxmlformats.org/drawingml/2006/main" xmlns:r="http://schemas.openxmlformats.org/officeDocument/2006/relationships" xmlns:p="http://schemas.openxmlformats.org/presentationml/2006/main">
-  <p:cSld>
-    <p:spTree>
-      <p:nvGrpSpPr>
-        <p:cNvPr id="1" name=""/>
-        <p:cNvGrpSpPr/>
-        <p:nvPr/>
-      </p:nvGrpSpPr>
-      <p:grpSpPr>
-        <a:xfrm>
-          <a:off x="0" y="0"/>
-          <a:ext cx="0" cy="0"/>
-          <a:chOff x="0" y="0"/>
-          <a:chExt cx="0" cy="0"/>
-        </a:xfrm>
-      </p:grpSpPr>
-      <p:pic>
-        <p:nvPicPr>
-          <p:cNvPr id="3" name="Picture 2"/>
-          <p:cNvPicPr>
-            <a:picLocks noChangeAspect="1"/>
-          </p:cNvPicPr>
-          <p:nvPr/>
-        </p:nvPicPr>
-        <p:blipFill>
-          <a:blip r:embed="rId2"/>
-          <a:stretch>
-            <a:fillRect/>
-          </a:stretch>
-        </p:blipFill>
-        <p:spPr>
-          <a:xfrm>
-            <a:off x="0" y="2133600"/>
-            <a:ext cx="9191884" cy="3505200"/>
-          </a:xfrm>
-          <a:prstGeom prst="rect">
-            <a:avLst/>
-          </a:prstGeom>
-        </p:spPr>
-      </p:pic>
-      <p:sp>
-        <p:nvSpPr>
-          <p:cNvPr id="5" name="Title 2"/>
-          <p:cNvSpPr>
-            <a:spLocks noGrp="1"/>
-          </p:cNvSpPr>
-          <p:nvPr>
-            <p:ph type="title"/>
-          </p:nvPr>
-        </p:nvSpPr>
-        <p:spPr>
-          <a:xfrm>
-            <a:off x="729455" y="881826"/>
-            <a:ext cx="7343775" cy="994172"/>
-          </a:xfrm>
-        </p:spPr>
-        <p:txBody>
-          <a:bodyPr/>
-          <a:lstStyle/>
-          <a:p>
-            <a:r>
-              <a:rPr lang="en-US" dirty="0" smtClean="0">
-                <a:solidFill>
-                  <a:schemeClr val="bg2">
-                    <a:lumMod val="75000"/>
-                  </a:schemeClr>
-                </a:solidFill>
-              </a:rPr>
-              <a:t>Ontology</a:t>
-            </a:r>
-            <a:endParaRPr lang="en-US" dirty="0">
-              <a:solidFill>
-                <a:schemeClr val="bg2">
-                  <a:lumMod val="75000"/>
-                </a:schemeClr>
-              </a:solidFill>
-            </a:endParaRPr>
-          </a:p>
-        </p:txBody>
-      </p:sp>
-    </p:spTree>
-    <p:extLst>
-      <p:ext uri="{BB962C8B-B14F-4D97-AF65-F5344CB8AC3E}">
-        <p14:creationId xmlns:p14="http://schemas.microsoft.com/office/powerpoint/2010/main" val="3814410725"/>
-      </p:ext>
-    </p:extLst>
-  </p:cSld>
-  <p:clrMapOvr>
-    <a:masterClrMapping/>
-  </p:clrMapOvr>
-  <mc:AlternateContent xmlns:mc="http://schemas.openxmlformats.org/markup-compatibility/2006" xmlns:p14="http://schemas.microsoft.com/office/powerpoint/2010/main">
-    <mc:Choice Requires="p14">
-      <p:transition spd="slow" p14:dur="2000"/>
-    </mc:Choice>
-    <mc:Fallback xmlns="">
-      <p:transition spd="slow"/>
-    </mc:Fallback>
-  </mc:AlternateContent>
-  <p:timing>
-    <p:tnLst>
-      <p:par>
-        <p:cTn id="1" dur="indefinite" restart="never" nodeType="tmRoot"/>
-      </p:par>
-    </p:tnLst>
-  </p:timing>
-</p:sld>
-</file>
-
-<file path=ppt/slides/slide51.xml><?xml version="1.0" encoding="utf-8"?>
 <p:sld xmlns:a="http://schemas.openxmlformats.org/drawingml/2006/main" xmlns:r="http://schemas.openxmlformats.org/officeDocument/2006/relationships" xmlns:p="http://schemas.openxmlformats.org/presentationml/2006/main">
   <p:cSld>
     <p:spTree>
@@ -15751,6 +16675,115 @@
 </p:sld>
 </file>
 
+<file path=ppt/slides/slide51.xml><?xml version="1.0" encoding="utf-8"?>
+<p:sld xmlns:a="http://schemas.openxmlformats.org/drawingml/2006/main" xmlns:r="http://schemas.openxmlformats.org/officeDocument/2006/relationships" xmlns:p="http://schemas.openxmlformats.org/presentationml/2006/main">
+  <p:cSld>
+    <p:spTree>
+      <p:nvGrpSpPr>
+        <p:cNvPr id="1" name=""/>
+        <p:cNvGrpSpPr/>
+        <p:nvPr/>
+      </p:nvGrpSpPr>
+      <p:grpSpPr>
+        <a:xfrm>
+          <a:off x="0" y="0"/>
+          <a:ext cx="0" cy="0"/>
+          <a:chOff x="0" y="0"/>
+          <a:chExt cx="0" cy="0"/>
+        </a:xfrm>
+      </p:grpSpPr>
+      <p:pic>
+        <p:nvPicPr>
+          <p:cNvPr id="3" name="Picture 2"/>
+          <p:cNvPicPr>
+            <a:picLocks noChangeAspect="1"/>
+          </p:cNvPicPr>
+          <p:nvPr/>
+        </p:nvPicPr>
+        <p:blipFill>
+          <a:blip r:embed="rId2"/>
+          <a:stretch>
+            <a:fillRect/>
+          </a:stretch>
+        </p:blipFill>
+        <p:spPr>
+          <a:xfrm>
+            <a:off x="0" y="2133600"/>
+            <a:ext cx="9191884" cy="3505200"/>
+          </a:xfrm>
+          <a:prstGeom prst="rect">
+            <a:avLst/>
+          </a:prstGeom>
+        </p:spPr>
+      </p:pic>
+      <p:sp>
+        <p:nvSpPr>
+          <p:cNvPr id="5" name="Title 2"/>
+          <p:cNvSpPr>
+            <a:spLocks noGrp="1"/>
+          </p:cNvSpPr>
+          <p:nvPr>
+            <p:ph type="title"/>
+          </p:nvPr>
+        </p:nvSpPr>
+        <p:spPr>
+          <a:xfrm>
+            <a:off x="729455" y="881826"/>
+            <a:ext cx="7343775" cy="994172"/>
+          </a:xfrm>
+        </p:spPr>
+        <p:txBody>
+          <a:bodyPr/>
+          <a:lstStyle/>
+          <a:p>
+            <a:r>
+              <a:rPr lang="en-US" dirty="0" smtClean="0">
+                <a:solidFill>
+                  <a:schemeClr val="bg2">
+                    <a:lumMod val="75000"/>
+                  </a:schemeClr>
+                </a:solidFill>
+              </a:rPr>
+              <a:t>Ontology</a:t>
+            </a:r>
+            <a:endParaRPr lang="en-US" dirty="0">
+              <a:solidFill>
+                <a:schemeClr val="bg2">
+                  <a:lumMod val="75000"/>
+                </a:schemeClr>
+              </a:solidFill>
+            </a:endParaRPr>
+          </a:p>
+        </p:txBody>
+      </p:sp>
+    </p:spTree>
+    <p:extLst>
+      <p:ext uri="{BB962C8B-B14F-4D97-AF65-F5344CB8AC3E}">
+        <p14:creationId xmlns:p14="http://schemas.microsoft.com/office/powerpoint/2010/main" val="3814410725"/>
+      </p:ext>
+    </p:extLst>
+  </p:cSld>
+  <p:clrMapOvr>
+    <a:masterClrMapping/>
+  </p:clrMapOvr>
+  <mc:AlternateContent xmlns:mc="http://schemas.openxmlformats.org/markup-compatibility/2006" xmlns:p14="http://schemas.microsoft.com/office/powerpoint/2010/main">
+    <mc:Choice Requires="p14">
+      <p:transition spd="slow" p14:dur="2000"/>
+    </mc:Choice>
+    <mc:Fallback xmlns="">
+      <p:transition spd="slow"/>
+    </mc:Fallback>
+  </mc:AlternateContent>
+  <p:timing>
+    <p:tnLst>
+      <p:par>
+        <p:cTn id="1" dur="indefinite" restart="never" nodeType="tmRoot"/>
+      </p:par>
+    </p:tnLst>
+  </p:timing>
+</p:sld>
+</file>
+
 <file path=ppt/slides/slide52.xml><?xml version="1.0" encoding="utf-8"?>
 <p:sld xmlns:a="http://schemas.openxmlformats.org/drawingml/2006/main" xmlns:r="http://schemas.openxmlformats.org/officeDocument/2006/relationships" xmlns:p="http://schemas.openxmlformats.org/presentationml/2006/main">
   <p:cSld>
@@ -15820,7 +16853,11 @@
             </a:r>
             <a:r>
               <a:rPr lang="en-US" dirty="0"/>
-              <a:t>assume that all links in the taxonomy have </a:t>
+              <a:t>assume that all links in the </a:t>
+            </a:r>
+            <a:r>
+              <a:rPr lang="en-US" dirty="0" smtClean="0"/>
+              <a:t>ontology have </a:t>
             </a:r>
             <a:r>
               <a:rPr lang="en-US" dirty="0" smtClean="0"/>
@@ -16050,7 +17087,7 @@
         </p:blipFill>
         <p:spPr>
           <a:xfrm>
-            <a:off x="915987" y="2819400"/>
+            <a:off x="609600" y="2799667"/>
             <a:ext cx="8228013" cy="720740"/>
           </a:xfrm>
           <a:prstGeom prst="rect">
@@ -16191,7 +17228,7 @@
         </p:spPr>
         <p:txBody>
           <a:bodyPr>
-            <a:normAutofit lnSpcReduction="10000"/>
+            <a:normAutofit/>
           </a:bodyPr>
           <a:lstStyle/>
           <a:p>
@@ -16230,25 +17267,6 @@
               <a:rPr lang="en-US" dirty="0" smtClean="0"/>
               <a:t>Information Content</a:t>
             </a:r>
-          </a:p>
-          <a:p>
-            <a:r>
-              <a:rPr lang="en-US" dirty="0"/>
-              <a:t> </a:t>
-            </a:r>
-            <a:r>
-              <a:rPr lang="en-US" dirty="0" smtClean="0"/>
-              <a:t>        </a:t>
-            </a:r>
-            <a:r>
-              <a:rPr lang="en-US" sz="2400" dirty="0" smtClean="0"/>
-              <a:t>negative </a:t>
-            </a:r>
-            <a:r>
-              <a:rPr lang="en-US" sz="2400" dirty="0"/>
-              <a:t>log of its probability of occurrence</a:t>
-            </a:r>
-            <a:endParaRPr lang="en-US" dirty="0" smtClean="0"/>
           </a:p>
           <a:p>
             <a:r>
@@ -16333,7 +17351,7 @@
           <p:nvPr/>
         </p:nvPicPr>
         <p:blipFill>
-          <a:blip r:embed="rId2"/>
+          <a:blip r:embed="rId3"/>
           <a:stretch>
             <a:fillRect/>
           </a:stretch>
@@ -16574,7 +17592,15 @@
             </a:pPr>
             <a:r>
               <a:rPr lang="en-US" sz="2800" dirty="0" smtClean="0"/>
-              <a:t>The smaller the distance of two skills, the closer the relation of them.  </a:t>
+              <a:t>The smaller the distance of two skills, the closer the </a:t>
+            </a:r>
+            <a:r>
+              <a:rPr lang="en-US" sz="2800" dirty="0" smtClean="0"/>
+              <a:t>relationship between them</a:t>
+            </a:r>
+            <a:r>
+              <a:rPr lang="en-US" sz="2800" dirty="0" smtClean="0"/>
+              <a:t>.  </a:t>
             </a:r>
             <a:endParaRPr lang="en-US" sz="2800" dirty="0"/>
           </a:p>
@@ -16717,7 +17743,23 @@
             </a:r>
             <a:r>
               <a:rPr lang="en-US" sz="2800" dirty="0"/>
-              <a:t>to the number of documents have a least one </a:t>
+              <a:t>to the number of </a:t>
+            </a:r>
+            <a:r>
+              <a:rPr lang="en-US" sz="2800" dirty="0" smtClean="0"/>
+              <a:t>documents that </a:t>
+            </a:r>
+            <a:r>
+              <a:rPr lang="en-US" sz="2800" dirty="0"/>
+              <a:t>have </a:t>
+            </a:r>
+            <a:r>
+              <a:rPr lang="en-US" sz="2800" dirty="0" smtClean="0"/>
+              <a:t>at </a:t>
+            </a:r>
+            <a:r>
+              <a:rPr lang="en-US" sz="2800" dirty="0"/>
+              <a:t>least one </a:t>
             </a:r>
             <a:r>
               <a:rPr lang="en-US" sz="2800" dirty="0" smtClean="0"/>
@@ -16755,7 +17797,7 @@
             </a:r>
             <a:r>
               <a:rPr lang="en-US" sz="2800" dirty="0" smtClean="0"/>
-              <a:t> log </a:t>
+              <a:t>log </a:t>
             </a:r>
             <a:r>
               <a:rPr lang="en-US" sz="2800" dirty="0"/>
@@ -16767,7 +17809,15 @@
             </a:r>
             <a:r>
               <a:rPr lang="en-US" sz="2800" dirty="0"/>
-              <a:t>the two terms in documents that have them both.</a:t>
+              <a:t>the two terms in </a:t>
+            </a:r>
+            <a:r>
+              <a:rPr lang="en-US" sz="2800" dirty="0" smtClean="0"/>
+              <a:t>the documents </a:t>
+            </a:r>
+            <a:r>
+              <a:rPr lang="en-US" sz="2800" dirty="0"/>
+              <a:t>that have them both.</a:t>
             </a:r>
           </a:p>
         </p:txBody>
@@ -16816,7 +17866,7 @@
           <p:nvPr/>
         </p:nvPicPr>
         <p:blipFill>
-          <a:blip r:embed="rId2"/>
+          <a:blip r:embed="rId3"/>
           <a:stretch>
             <a:fillRect/>
           </a:stretch>
@@ -17499,7 +18549,7 @@
 </file>
 
 <file path=ppt/slides/slide62.xml><?xml version="1.0" encoding="utf-8"?>
-<p:sld xmlns:a="http://schemas.openxmlformats.org/drawingml/2006/main" xmlns:r="http://schemas.openxmlformats.org/officeDocument/2006/relationships" xmlns:p="http://schemas.openxmlformats.org/presentationml/2006/main" show="0">
+<p:sld xmlns:a="http://schemas.openxmlformats.org/drawingml/2006/main" xmlns:r="http://schemas.openxmlformats.org/officeDocument/2006/relationships" xmlns:p="http://schemas.openxmlformats.org/presentationml/2006/main">
   <p:cSld>
     <p:spTree>
       <p:nvGrpSpPr>
@@ -17824,12 +18874,28 @@
           <a:lstStyle/>
           <a:p>
             <a:r>
+              <a:rPr lang="en-US" dirty="0" smtClean="0"/>
+              <a:t>NDCG </a:t>
+            </a:r>
+            <a:r>
+              <a:rPr lang="en-US" dirty="0">
+                <a:solidFill>
+                  <a:schemeClr val="tx1"/>
+                </a:solidFill>
+              </a:rPr>
+              <a:t>–</a:t>
+            </a:r>
+            <a:r>
+              <a:rPr lang="en-US" dirty="0" smtClean="0"/>
+              <a:t> Normalized </a:t>
+            </a:r>
+            <a:r>
               <a:rPr lang="en-US" dirty="0"/>
-              <a:t>Normalized Discounted Cumulative </a:t>
+              <a:t>Discounted Cumulative </a:t>
             </a:r>
             <a:r>
               <a:rPr lang="en-US" dirty="0" smtClean="0"/>
-              <a:t>Gain(NDCG) </a:t>
+              <a:t>Gain </a:t>
             </a:r>
           </a:p>
           <a:p>
@@ -18292,7 +19358,7 @@
           <p:nvPr/>
         </p:nvPicPr>
         <p:blipFill>
-          <a:blip r:embed="rId2">
+          <a:blip r:embed="rId3">
             <a:extLst>
               <a:ext uri="{28A0092B-C50C-407E-A947-70E740481C1C}">
                 <a14:useLocalDpi xmlns:a14="http://schemas.microsoft.com/office/drawing/2010/main" val="0"/>
@@ -18333,7 +19399,7 @@
           <p:nvPr/>
         </p:nvPicPr>
         <p:blipFill>
-          <a:blip r:embed="rId3">
+          <a:blip r:embed="rId4">
             <a:extLst>
               <a:ext uri="{28A0092B-C50C-407E-A947-70E740481C1C}">
                 <a14:useLocalDpi xmlns:a14="http://schemas.microsoft.com/office/drawing/2010/main" val="0"/>
@@ -18374,7 +19440,7 @@
           <p:nvPr/>
         </p:nvPicPr>
         <p:blipFill>
-          <a:blip r:embed="rId4">
+          <a:blip r:embed="rId5">
             <a:extLst>
               <a:ext uri="{28A0092B-C50C-407E-A947-70E740481C1C}">
                 <a14:useLocalDpi xmlns:a14="http://schemas.microsoft.com/office/drawing/2010/main" val="0"/>
@@ -18415,7 +19481,7 @@
           <p:nvPr/>
         </p:nvPicPr>
         <p:blipFill>
-          <a:blip r:embed="rId5">
+          <a:blip r:embed="rId6">
             <a:extLst>
               <a:ext uri="{28A0092B-C50C-407E-A947-70E740481C1C}">
                 <a14:useLocalDpi xmlns:a14="http://schemas.microsoft.com/office/drawing/2010/main" val="0"/>
@@ -18456,7 +19522,7 @@
           <p:nvPr/>
         </p:nvPicPr>
         <p:blipFill>
-          <a:blip r:embed="rId6">
+          <a:blip r:embed="rId7">
             <a:extLst>
               <a:ext uri="{28A0092B-C50C-407E-A947-70E740481C1C}">
                 <a14:useLocalDpi xmlns:a14="http://schemas.microsoft.com/office/drawing/2010/main" val="0"/>
@@ -18549,7 +19615,9 @@
             <a:r>
               <a:rPr lang="en-US" dirty="0">
                 <a:solidFill>
-                  <a:schemeClr val="tx1"/>
+                  <a:schemeClr val="bg2">
+                    <a:lumMod val="75000"/>
+                  </a:schemeClr>
                 </a:solidFill>
               </a:rPr>
               <a:t>EVALUATION </a:t>
@@ -18557,7 +19625,9 @@
             <a:r>
               <a:rPr lang="en-US" dirty="0" smtClean="0">
                 <a:solidFill>
-                  <a:schemeClr val="tx1"/>
+                  <a:schemeClr val="bg2">
+                    <a:lumMod val="75000"/>
+                  </a:schemeClr>
                 </a:solidFill>
               </a:rPr>
               <a:t/>
@@ -18565,14 +19635,18 @@
             <a:br>
               <a:rPr lang="en-US" dirty="0" smtClean="0">
                 <a:solidFill>
-                  <a:schemeClr val="tx1"/>
+                  <a:schemeClr val="bg2">
+                    <a:lumMod val="75000"/>
+                  </a:schemeClr>
                 </a:solidFill>
               </a:rPr>
             </a:br>
             <a:r>
               <a:rPr lang="en-US" dirty="0" smtClean="0">
                 <a:solidFill>
-                  <a:schemeClr val="tx1"/>
+                  <a:schemeClr val="bg2">
+                    <a:lumMod val="75000"/>
+                  </a:schemeClr>
                 </a:solidFill>
               </a:rPr>
               <a:t>– </a:t>
@@ -18580,7 +19654,9 @@
             <a:r>
               <a:rPr lang="en-US" dirty="0">
                 <a:solidFill>
-                  <a:schemeClr val="tx1"/>
+                  <a:schemeClr val="bg2">
+                    <a:lumMod val="75000"/>
+                  </a:schemeClr>
                 </a:solidFill>
               </a:rPr>
               <a:t>Ontology Similarity </a:t>
@@ -18597,7 +19673,7 @@
           <p:nvPr/>
         </p:nvPicPr>
         <p:blipFill>
-          <a:blip r:embed="rId2"/>
+          <a:blip r:embed="rId3"/>
           <a:stretch>
             <a:fillRect/>
           </a:stretch>
@@ -18863,7 +19939,9 @@
             <a:r>
               <a:rPr lang="en-US" sz="3600" dirty="0">
                 <a:solidFill>
-                  <a:schemeClr val="tx1"/>
+                  <a:schemeClr val="bg2">
+                    <a:lumMod val="75000"/>
+                  </a:schemeClr>
                 </a:solidFill>
               </a:rPr>
               <a:t>EVALUATION </a:t>
@@ -18871,7 +19949,9 @@
             <a:r>
               <a:rPr lang="en-US" sz="3600" dirty="0" smtClean="0">
                 <a:solidFill>
-                  <a:schemeClr val="tx1"/>
+                  <a:schemeClr val="bg2">
+                    <a:lumMod val="75000"/>
+                  </a:schemeClr>
                 </a:solidFill>
               </a:rPr>
               <a:t>  </a:t>
@@ -18879,45 +19959,47 @@
             <a:br>
               <a:rPr lang="en-US" sz="3600" dirty="0" smtClean="0">
                 <a:solidFill>
-                  <a:schemeClr val="tx1"/>
+                  <a:schemeClr val="bg2">
+                    <a:lumMod val="75000"/>
+                  </a:schemeClr>
                 </a:solidFill>
               </a:rPr>
             </a:br>
             <a:r>
               <a:rPr lang="en-US" sz="3600" dirty="0" smtClean="0">
                 <a:solidFill>
-                  <a:schemeClr val="tx1"/>
-                </a:solidFill>
-              </a:rPr>
-              <a:t>Résumé</a:t>
-            </a:r>
-            <a:r>
-              <a:rPr lang="en-US" sz="3600" dirty="0" smtClean="0"/>
-              <a:t> </a:t>
+                  <a:schemeClr val="bg2">
+                    <a:lumMod val="75000"/>
+                  </a:schemeClr>
+                </a:solidFill>
+              </a:rPr>
+              <a:t>Résumé </a:t>
             </a:r>
             <a:r>
               <a:rPr lang="en-US" sz="3600" dirty="0">
                 <a:solidFill>
-                  <a:schemeClr val="tx1"/>
+                  <a:schemeClr val="bg2">
+                    <a:lumMod val="75000"/>
+                  </a:schemeClr>
                 </a:solidFill>
               </a:rPr>
               <a:t>–</a:t>
             </a:r>
             <a:r>
-              <a:rPr lang="en-US" sz="3600" dirty="0" smtClean="0"/>
-              <a:t> </a:t>
-            </a:r>
-            <a:r>
               <a:rPr lang="en-US" sz="3600" dirty="0" smtClean="0">
                 <a:solidFill>
-                  <a:schemeClr val="tx1"/>
-                </a:solidFill>
-              </a:rPr>
-              <a:t>Job Matching</a:t>
+                  <a:schemeClr val="bg2">
+                    <a:lumMod val="75000"/>
+                  </a:schemeClr>
+                </a:solidFill>
+              </a:rPr>
+              <a:t> Job Matching</a:t>
             </a:r>
             <a:endParaRPr lang="en-US" sz="3600" dirty="0">
               <a:solidFill>
-                <a:schemeClr val="tx1"/>
+                <a:schemeClr val="bg2">
+                  <a:lumMod val="75000"/>
+                </a:schemeClr>
               </a:solidFill>
             </a:endParaRPr>
           </a:p>
@@ -19038,7 +20120,15 @@
             </a:r>
             <a:r>
               <a:rPr lang="en-US" altLang="zh-CN" sz="2800" dirty="0"/>
-              <a:t>probability distributions P and Q.</a:t>
+              <a:t>probability </a:t>
+            </a:r>
+            <a:r>
+              <a:rPr lang="en-US" altLang="zh-CN" sz="2800" dirty="0" smtClean="0"/>
+              <a:t>distributions of </a:t>
+            </a:r>
+            <a:r>
+              <a:rPr lang="en-US" altLang="zh-CN" sz="2800" dirty="0"/>
+              <a:t>P and Q.</a:t>
             </a:r>
             <a:endParaRPr lang="en-US" sz="2800" dirty="0"/>
           </a:p>
@@ -19067,17 +20157,7 @@
                   </a:schemeClr>
                 </a:solidFill>
               </a:rPr>
-              <a:t>Models to </a:t>
-            </a:r>
-            <a:r>
-              <a:rPr lang="en-US" dirty="0" smtClean="0">
-                <a:solidFill>
-                  <a:schemeClr val="bg2">
-                    <a:lumMod val="75000"/>
-                  </a:schemeClr>
-                </a:solidFill>
-              </a:rPr>
-              <a:t>Compare With</a:t>
+              <a:t>Models to Compare With</a:t>
             </a:r>
             <a:endParaRPr lang="en-US" dirty="0">
               <a:solidFill>
@@ -19192,11 +20272,11 @@
           <a:p>
             <a:r>
               <a:rPr lang="en-US" altLang="zh-CN" sz="2800" dirty="0" smtClean="0"/>
-              <a:t>TF is </a:t>
-            </a:r>
-            <a:r>
-              <a:rPr lang="en-US" altLang="zh-CN" sz="2800" dirty="0"/>
-              <a:t>the </a:t>
+              <a:t>TF: </a:t>
+            </a:r>
+            <a:r>
+              <a:rPr lang="en-US" altLang="zh-CN" sz="2800" dirty="0" smtClean="0"/>
+              <a:t>The </a:t>
             </a:r>
             <a:r>
               <a:rPr lang="en-US" altLang="zh-CN" sz="2800" dirty="0" smtClean="0"/>
@@ -19214,11 +20294,15 @@
           <a:p>
             <a:r>
               <a:rPr lang="en-US" altLang="zh-CN" sz="2800" dirty="0" smtClean="0"/>
-              <a:t>IDF </a:t>
+              <a:t>IDF: </a:t>
+            </a:r>
+            <a:r>
+              <a:rPr lang="en-US" altLang="zh-CN" sz="2800" dirty="0" smtClean="0"/>
+              <a:t>The </a:t>
             </a:r>
             <a:r>
               <a:rPr lang="en-US" altLang="zh-CN" sz="2800" dirty="0"/>
-              <a:t>is the inverse document frequency</a:t>
+              <a:t>inverse document frequency</a:t>
             </a:r>
             <a:endParaRPr lang="en-US" sz="2800" dirty="0"/>
           </a:p>
@@ -19247,17 +20331,7 @@
                   </a:schemeClr>
                 </a:solidFill>
               </a:rPr>
-              <a:t>Models to </a:t>
-            </a:r>
-            <a:r>
-              <a:rPr lang="en-US" dirty="0" smtClean="0">
-                <a:solidFill>
-                  <a:schemeClr val="bg2">
-                    <a:lumMod val="75000"/>
-                  </a:schemeClr>
-                </a:solidFill>
-              </a:rPr>
-              <a:t>Compare With</a:t>
+              <a:t>Models to Compare With</a:t>
             </a:r>
             <a:endParaRPr lang="en-US" dirty="0">
               <a:solidFill>
@@ -19554,28 +20628,21 @@
           <a:p>
             <a:r>
               <a:rPr lang="en-US" dirty="0" smtClean="0"/>
-              <a:t>Given </a:t>
+              <a:t>A </a:t>
             </a:r>
             <a:r>
               <a:rPr lang="en-US" dirty="0"/>
-              <a:t>a query Q, containing the keywords q1,...,</a:t>
-            </a:r>
-            <a:r>
-              <a:rPr lang="en-US" dirty="0" err="1"/>
-              <a:t>qn</a:t>
+              <a:t>bag-of-words retrieval </a:t>
+            </a:r>
+            <a:r>
+              <a:rPr lang="en-US" dirty="0" smtClean="0"/>
+              <a:t>model that </a:t>
             </a:r>
             <a:r>
               <a:rPr lang="en-US" dirty="0"/>
-              <a:t>, the </a:t>
-            </a:r>
-            <a:r>
-              <a:rPr lang="en-US" dirty="0" smtClean="0"/>
-              <a:t>BM25 score </a:t>
-            </a:r>
-            <a:r>
-              <a:rPr lang="en-US" dirty="0"/>
-              <a:t>of a document D</a:t>
-            </a:r>
+              <a:t>ranks a set of documents based on the query terms appearing in each document</a:t>
+            </a:r>
+            <a:endParaRPr lang="en-US" dirty="0"/>
           </a:p>
         </p:txBody>
       </p:sp>
@@ -19602,17 +20669,7 @@
                   </a:schemeClr>
                 </a:solidFill>
               </a:rPr>
-              <a:t>Models to </a:t>
-            </a:r>
-            <a:r>
-              <a:rPr lang="en-US" dirty="0" smtClean="0">
-                <a:solidFill>
-                  <a:schemeClr val="bg2">
-                    <a:lumMod val="75000"/>
-                  </a:schemeClr>
-                </a:solidFill>
-              </a:rPr>
-              <a:t>Compare </a:t>
+              <a:t>Models to Compare </a:t>
             </a:r>
             <a:r>
               <a:rPr lang="en-US" dirty="0">
@@ -19641,14 +20698,14 @@
           <p:nvPr/>
         </p:nvPicPr>
         <p:blipFill>
-          <a:blip r:embed="rId2"/>
+          <a:blip r:embed="rId3"/>
           <a:stretch>
             <a:fillRect/>
           </a:stretch>
         </p:blipFill>
         <p:spPr>
           <a:xfrm>
-            <a:off x="742156" y="3752849"/>
+            <a:off x="722227" y="4343400"/>
             <a:ext cx="7658100" cy="828675"/>
           </a:xfrm>
           <a:prstGeom prst="rect">
@@ -20033,14 +21090,20 @@
           <a:lstStyle/>
           <a:p>
             <a:r>
+              <a:rPr lang="en-US" sz="2400" dirty="0" smtClean="0"/>
+              <a:t>A </a:t>
+            </a:r>
+            <a:r>
               <a:rPr lang="en-US" sz="2400" dirty="0"/>
-              <a:t>A résumé – job matching system</a:t>
-            </a:r>
-          </a:p>
-          <a:p>
+              <a:t>finite state transducer </a:t>
+            </a:r>
+            <a:r>
+              <a:rPr lang="en-US" sz="2400" dirty="0" smtClean="0"/>
+              <a:t>based pattern matching tool </a:t>
+            </a:r>
             <a:r>
               <a:rPr lang="en-US" sz="2400" dirty="0"/>
-              <a:t>A finite state transducer based tool for information extraction</a:t>
+              <a:t>for information extraction</a:t>
             </a:r>
           </a:p>
           <a:p>

--- a/media/Master's thesis.pptx
+++ b/media/Master's thesis.pptx
@@ -5,10 +5,10 @@
     <p:sldMasterId id="2147483648" r:id="rId1"/>
   </p:sldMasterIdLst>
   <p:notesMasterIdLst>
-    <p:notesMasterId r:id="rId80"/>
+    <p:notesMasterId r:id="rId83"/>
   </p:notesMasterIdLst>
   <p:handoutMasterIdLst>
-    <p:handoutMasterId r:id="rId81"/>
+    <p:handoutMasterId r:id="rId84"/>
   </p:handoutMasterIdLst>
   <p:sldIdLst>
     <p:sldId id="258" r:id="rId2"/>
@@ -89,6 +89,9 @@
     <p:sldId id="324" r:id="rId77"/>
     <p:sldId id="325" r:id="rId78"/>
     <p:sldId id="326" r:id="rId79"/>
+    <p:sldId id="343" r:id="rId80"/>
+    <p:sldId id="344" r:id="rId81"/>
+    <p:sldId id="345" r:id="rId82"/>
   </p:sldIdLst>
   <p:sldSz cx="9144000" cy="6858000" type="screen4x3"/>
   <p:notesSz cx="6858000" cy="9144000"/>
@@ -378,7 +381,7 @@
             <a:fld id="{8D49A9A6-EEBE-4A10-B375-E3DE23A9130F}" type="datetimeFigureOut">
               <a:rPr lang="en-US" altLang="en-US"/>
               <a:pPr/>
-              <a:t>12/10/2014</a:t>
+              <a:t>12/13/2014</a:t>
             </a:fld>
             <a:endParaRPr lang="en-US" altLang="en-US"/>
           </a:p>
@@ -532,7 +535,7 @@
           <a:effectLst/>
           <a:extLst>
             <a:ext uri="{91240B29-F687-4f45-9708-019B960494DF}">
-              <a14:hiddenLine xmlns:a14="http://schemas.microsoft.com/office/drawing/2010/main" xmlns="" w="9525">
+              <a14:hiddenLine xmlns="" xmlns:a14="http://schemas.microsoft.com/office/drawing/2010/main" w="9525">
                 <a:solidFill>
                   <a:srgbClr val="000000"/>
                 </a:solidFill>
@@ -542,7 +545,7 @@
               </a14:hiddenLine>
             </a:ext>
             <a:ext uri="{AF507438-7753-43e0-B8FC-AC1667EBCBE1}">
-              <a14:hiddenEffects xmlns:a14="http://schemas.microsoft.com/office/drawing/2010/main" xmlns="">
+              <a14:hiddenEffects xmlns="" xmlns:a14="http://schemas.microsoft.com/office/drawing/2010/main">
                 <a:effectLst>
                   <a:outerShdw blurRad="63500" dist="38099" dir="2700000" algn="ctr" rotWithShape="0">
                     <a:srgbClr val="000000">
@@ -594,14 +597,14 @@
           <a:effectLst/>
           <a:extLst>
             <a:ext uri="{909E8E84-426E-40dd-AFC4-6F175D3DCCD1}">
-              <a14:hiddenFill xmlns:a14="http://schemas.microsoft.com/office/drawing/2010/main" xmlns="">
+              <a14:hiddenFill xmlns="" xmlns:a14="http://schemas.microsoft.com/office/drawing/2010/main">
                 <a:solidFill>
                   <a:srgbClr val="FFFFFF"/>
                 </a:solidFill>
               </a14:hiddenFill>
             </a:ext>
             <a:ext uri="{91240B29-F687-4f45-9708-019B960494DF}">
-              <a14:hiddenLine xmlns:a14="http://schemas.microsoft.com/office/drawing/2010/main" xmlns="" w="9525">
+              <a14:hiddenLine xmlns="" xmlns:a14="http://schemas.microsoft.com/office/drawing/2010/main" w="9525">
                 <a:solidFill>
                   <a:srgbClr val="000000"/>
                 </a:solidFill>
@@ -611,7 +614,7 @@
               </a14:hiddenLine>
             </a:ext>
             <a:ext uri="{AF507438-7753-43e0-B8FC-AC1667EBCBE1}">
-              <a14:hiddenEffects xmlns:a14="http://schemas.microsoft.com/office/drawing/2010/main" xmlns="">
+              <a14:hiddenEffects xmlns="" xmlns:a14="http://schemas.microsoft.com/office/drawing/2010/main">
                 <a:effectLst>
                   <a:outerShdw blurRad="63500" dist="38099" dir="2700000" algn="ctr" rotWithShape="0">
                     <a:srgbClr val="000000">
@@ -663,14 +666,14 @@
           <a:effectLst/>
           <a:extLst>
             <a:ext uri="{909E8E84-426E-40dd-AFC4-6F175D3DCCD1}">
-              <a14:hiddenFill xmlns:a14="http://schemas.microsoft.com/office/drawing/2010/main" xmlns="">
+              <a14:hiddenFill xmlns="" xmlns:a14="http://schemas.microsoft.com/office/drawing/2010/main">
                 <a:solidFill>
                   <a:srgbClr val="FFFFFF"/>
                 </a:solidFill>
               </a14:hiddenFill>
             </a:ext>
             <a:ext uri="{91240B29-F687-4f45-9708-019B960494DF}">
-              <a14:hiddenLine xmlns:a14="http://schemas.microsoft.com/office/drawing/2010/main" xmlns="" w="9525">
+              <a14:hiddenLine xmlns="" xmlns:a14="http://schemas.microsoft.com/office/drawing/2010/main" w="9525">
                 <a:solidFill>
                   <a:srgbClr val="000000"/>
                 </a:solidFill>
@@ -680,7 +683,7 @@
               </a14:hiddenLine>
             </a:ext>
             <a:ext uri="{AF507438-7753-43e0-B8FC-AC1667EBCBE1}">
-              <a14:hiddenEffects xmlns:a14="http://schemas.microsoft.com/office/drawing/2010/main" xmlns="">
+              <a14:hiddenEffects xmlns="" xmlns:a14="http://schemas.microsoft.com/office/drawing/2010/main">
                 <a:effectLst>
                   <a:outerShdw blurRad="63500" dist="38099" dir="2700000" algn="ctr" rotWithShape="0">
                     <a:srgbClr val="000000">
@@ -739,14 +742,14 @@
           <a:effectLst/>
           <a:extLst>
             <a:ext uri="{909E8E84-426E-40dd-AFC4-6F175D3DCCD1}">
-              <a14:hiddenFill xmlns:a14="http://schemas.microsoft.com/office/drawing/2010/main" xmlns="">
+              <a14:hiddenFill xmlns="" xmlns:a14="http://schemas.microsoft.com/office/drawing/2010/main">
                 <a:solidFill>
                   <a:srgbClr val="FFFFFF"/>
                 </a:solidFill>
               </a14:hiddenFill>
             </a:ext>
             <a:ext uri="{AF507438-7753-43e0-B8FC-AC1667EBCBE1}">
-              <a14:hiddenEffects xmlns:a14="http://schemas.microsoft.com/office/drawing/2010/main" xmlns="">
+              <a14:hiddenEffects xmlns="" xmlns:a14="http://schemas.microsoft.com/office/drawing/2010/main">
                 <a:effectLst>
                   <a:outerShdw blurRad="63500" dist="38099" dir="2700000" algn="ctr" rotWithShape="0">
                     <a:schemeClr val="bg2">
@@ -757,7 +760,7 @@
               </a14:hiddenEffects>
             </a:ext>
             <a:ext uri="{FAA26D3D-D897-4be2-8F04-BA451C77F1D7}">
-              <ma14:placeholderFlag xmlns:ma14="http://schemas.microsoft.com/office/mac/drawingml/2011/main" xmlns="" val="1"/>
+              <ma14:placeholderFlag xmlns="" xmlns:ma14="http://schemas.microsoft.com/office/mac/drawingml/2011/main" val="1"/>
             </a:ext>
           </a:extLst>
         </p:spPr>
@@ -787,14 +790,14 @@
           <a:effectLst/>
           <a:extLst>
             <a:ext uri="{909E8E84-426E-40dd-AFC4-6F175D3DCCD1}">
-              <a14:hiddenFill xmlns:a14="http://schemas.microsoft.com/office/drawing/2010/main" xmlns="">
+              <a14:hiddenFill xmlns="" xmlns:a14="http://schemas.microsoft.com/office/drawing/2010/main">
                 <a:solidFill>
                   <a:srgbClr val="FFFFFF"/>
                 </a:solidFill>
               </a14:hiddenFill>
             </a:ext>
             <a:ext uri="{91240B29-F687-4f45-9708-019B960494DF}">
-              <a14:hiddenLine xmlns:a14="http://schemas.microsoft.com/office/drawing/2010/main" xmlns="" w="9525">
+              <a14:hiddenLine xmlns="" xmlns:a14="http://schemas.microsoft.com/office/drawing/2010/main" w="9525">
                 <a:solidFill>
                   <a:srgbClr val="000000"/>
                 </a:solidFill>
@@ -804,7 +807,7 @@
               </a14:hiddenLine>
             </a:ext>
             <a:ext uri="{AF507438-7753-43e0-B8FC-AC1667EBCBE1}">
-              <a14:hiddenEffects xmlns:a14="http://schemas.microsoft.com/office/drawing/2010/main" xmlns="">
+              <a14:hiddenEffects xmlns="" xmlns:a14="http://schemas.microsoft.com/office/drawing/2010/main">
                 <a:effectLst>
                   <a:outerShdw blurRad="63500" dist="38099" dir="2700000" algn="ctr" rotWithShape="0">
                     <a:schemeClr val="bg2">
@@ -815,7 +818,7 @@
               </a14:hiddenEffects>
             </a:ext>
             <a:ext uri="{FAA26D3D-D897-4be2-8F04-BA451C77F1D7}">
-              <ma14:placeholderFlag xmlns:ma14="http://schemas.microsoft.com/office/mac/drawingml/2011/main" xmlns="" val="1"/>
+              <ma14:placeholderFlag xmlns="" xmlns:ma14="http://schemas.microsoft.com/office/mac/drawingml/2011/main" val="1"/>
             </a:ext>
           </a:extLst>
         </p:spPr>
@@ -855,14 +858,14 @@
           <a:effectLst/>
           <a:extLst>
             <a:ext uri="{909E8E84-426E-40dd-AFC4-6F175D3DCCD1}">
-              <a14:hiddenFill xmlns:a14="http://schemas.microsoft.com/office/drawing/2010/main" xmlns="">
+              <a14:hiddenFill xmlns="" xmlns:a14="http://schemas.microsoft.com/office/drawing/2010/main">
                 <a:solidFill>
                   <a:srgbClr val="FFFFFF"/>
                 </a:solidFill>
               </a14:hiddenFill>
             </a:ext>
             <a:ext uri="{91240B29-F687-4f45-9708-019B960494DF}">
-              <a14:hiddenLine xmlns:a14="http://schemas.microsoft.com/office/drawing/2010/main" xmlns="" w="9525">
+              <a14:hiddenLine xmlns="" xmlns:a14="http://schemas.microsoft.com/office/drawing/2010/main" w="9525">
                 <a:solidFill>
                   <a:srgbClr val="000000"/>
                 </a:solidFill>
@@ -872,7 +875,7 @@
               </a14:hiddenLine>
             </a:ext>
             <a:ext uri="{AF507438-7753-43e0-B8FC-AC1667EBCBE1}">
-              <a14:hiddenEffects xmlns:a14="http://schemas.microsoft.com/office/drawing/2010/main" xmlns="">
+              <a14:hiddenEffects xmlns="" xmlns:a14="http://schemas.microsoft.com/office/drawing/2010/main">
                 <a:effectLst>
                   <a:outerShdw blurRad="63500" dist="38099" dir="2700000" algn="ctr" rotWithShape="0">
                     <a:srgbClr val="000000">
@@ -926,14 +929,14 @@
           <a:effectLst/>
           <a:extLst>
             <a:ext uri="{909E8E84-426E-40dd-AFC4-6F175D3DCCD1}">
-              <a14:hiddenFill xmlns:a14="http://schemas.microsoft.com/office/drawing/2010/main" xmlns="">
+              <a14:hiddenFill xmlns="" xmlns:a14="http://schemas.microsoft.com/office/drawing/2010/main">
                 <a:solidFill>
                   <a:srgbClr val="FFFFFF"/>
                 </a:solidFill>
               </a14:hiddenFill>
             </a:ext>
             <a:ext uri="{91240B29-F687-4f45-9708-019B960494DF}">
-              <a14:hiddenLine xmlns:a14="http://schemas.microsoft.com/office/drawing/2010/main" xmlns="" w="9525">
+              <a14:hiddenLine xmlns="" xmlns:a14="http://schemas.microsoft.com/office/drawing/2010/main" w="9525">
                 <a:solidFill>
                   <a:srgbClr val="000000"/>
                 </a:solidFill>
@@ -943,7 +946,7 @@
               </a14:hiddenLine>
             </a:ext>
             <a:ext uri="{AF507438-7753-43e0-B8FC-AC1667EBCBE1}">
-              <a14:hiddenEffects xmlns:a14="http://schemas.microsoft.com/office/drawing/2010/main" xmlns="">
+              <a14:hiddenEffects xmlns="" xmlns:a14="http://schemas.microsoft.com/office/drawing/2010/main">
                 <a:effectLst>
                   <a:outerShdw blurRad="63500" dist="38099" dir="2700000" algn="ctr" rotWithShape="0">
                     <a:schemeClr val="bg2">
@@ -954,7 +957,7 @@
               </a14:hiddenEffects>
             </a:ext>
             <a:ext uri="{FAA26D3D-D897-4be2-8F04-BA451C77F1D7}">
-              <ma14:placeholderFlag xmlns:ma14="http://schemas.microsoft.com/office/mac/drawingml/2011/main" xmlns="" val="1"/>
+              <ma14:placeholderFlag xmlns="" xmlns:ma14="http://schemas.microsoft.com/office/mac/drawingml/2011/main" val="1"/>
             </a:ext>
           </a:extLst>
         </p:spPr>
@@ -1281,18 +1284,6 @@
           <a:bodyPr/>
           <a:lstStyle/>
           <a:p>
-            <a:r>
-              <a:rPr lang="en-US" sz="1200" b="0" i="0" kern="1200" dirty="0" smtClean="0">
-                <a:solidFill>
-                  <a:srgbClr val="000000"/>
-                </a:solidFill>
-                <a:effectLst/>
-                <a:latin typeface="Times New Roman" charset="0"/>
-                <a:ea typeface="ＭＳ Ｐゴシック" charset="0"/>
-                <a:cs typeface="ＭＳ Ｐゴシック" charset="0"/>
-              </a:rPr>
-              <a:t> the graded relevance value is reduced logarithmically proportional to the position of the result.</a:t>
-            </a:r>
             <a:endParaRPr lang="en-US" dirty="0"/>
           </a:p>
         </p:txBody>
@@ -1315,7 +1306,7 @@
             <a:fld id="{9F4783CB-4C08-4D00-BD8C-103BE55DB799}" type="slidenum">
               <a:rPr lang="en-US" altLang="en-US" smtClean="0"/>
               <a:pPr/>
-              <a:t>64</a:t>
+              <a:t>60</a:t>
             </a:fld>
             <a:endParaRPr lang="en-US" altLang="en-US"/>
           </a:p>
@@ -1324,7 +1315,7 @@
     </p:spTree>
     <p:extLst>
       <p:ext uri="{BB962C8B-B14F-4D97-AF65-F5344CB8AC3E}">
-        <p14:creationId xmlns:p14="http://schemas.microsoft.com/office/powerpoint/2010/main" val="3030824388"/>
+        <p14:creationId xmlns:p14="http://schemas.microsoft.com/office/powerpoint/2010/main" val="1910673594"/>
       </p:ext>
     </p:extLst>
   </p:cSld>
@@ -1378,6 +1369,18 @@
           <a:bodyPr/>
           <a:lstStyle/>
           <a:p>
+            <a:r>
+              <a:rPr lang="en-US" sz="1200" b="0" i="0" kern="1200" dirty="0" smtClean="0">
+                <a:solidFill>
+                  <a:srgbClr val="000000"/>
+                </a:solidFill>
+                <a:effectLst/>
+                <a:latin typeface="Times New Roman" charset="0"/>
+                <a:ea typeface="ＭＳ Ｐゴシック" charset="0"/>
+                <a:cs typeface="ＭＳ Ｐゴシック" charset="0"/>
+              </a:rPr>
+              <a:t> the graded relevance value is reduced logarithmically proportional to the position of the result.</a:t>
+            </a:r>
             <a:endParaRPr lang="en-US" dirty="0"/>
           </a:p>
         </p:txBody>
@@ -1400,7 +1403,7 @@
             <a:fld id="{9F4783CB-4C08-4D00-BD8C-103BE55DB799}" type="slidenum">
               <a:rPr lang="en-US" altLang="en-US" smtClean="0"/>
               <a:pPr/>
-              <a:t>65</a:t>
+              <a:t>64</a:t>
             </a:fld>
             <a:endParaRPr lang="en-US" altLang="en-US"/>
           </a:p>
@@ -1409,7 +1412,7 @@
     </p:spTree>
     <p:extLst>
       <p:ext uri="{BB962C8B-B14F-4D97-AF65-F5344CB8AC3E}">
-        <p14:creationId xmlns:p14="http://schemas.microsoft.com/office/powerpoint/2010/main" val="990534298"/>
+        <p14:creationId xmlns:p14="http://schemas.microsoft.com/office/powerpoint/2010/main" val="3030824388"/>
       </p:ext>
     </p:extLst>
   </p:cSld>
@@ -1463,90 +1466,6 @@
           <a:bodyPr/>
           <a:lstStyle/>
           <a:p>
-            <a:r>
-              <a:rPr lang="en-US" sz="1200" b="0" i="0" kern="1200" dirty="0" smtClean="0">
-                <a:solidFill>
-                  <a:srgbClr val="000000"/>
-                </a:solidFill>
-                <a:effectLst/>
-                <a:latin typeface="Times New Roman" charset="0"/>
-                <a:ea typeface="ＭＳ Ｐゴシック" charset="0"/>
-                <a:cs typeface="ＭＳ Ｐゴシック" charset="0"/>
-              </a:rPr>
-              <a:t>In words, it is the expectation of the logarithmic difference between the probabilities </a:t>
-            </a:r>
-            <a:r>
-              <a:rPr lang="en-US" sz="1200" b="0" i="1" kern="1200" dirty="0" smtClean="0">
-                <a:solidFill>
-                  <a:srgbClr val="000000"/>
-                </a:solidFill>
-                <a:effectLst/>
-                <a:latin typeface="Times New Roman" charset="0"/>
-                <a:ea typeface="ＭＳ Ｐゴシック" charset="0"/>
-                <a:cs typeface="ＭＳ Ｐゴシック" charset="0"/>
-              </a:rPr>
-              <a:t>P</a:t>
-            </a:r>
-            <a:r>
-              <a:rPr lang="en-US" sz="1200" b="0" i="0" kern="1200" dirty="0" smtClean="0">
-                <a:solidFill>
-                  <a:srgbClr val="000000"/>
-                </a:solidFill>
-                <a:effectLst/>
-                <a:latin typeface="Times New Roman" charset="0"/>
-                <a:ea typeface="ＭＳ Ｐゴシック" charset="0"/>
-                <a:cs typeface="ＭＳ Ｐゴシック" charset="0"/>
-              </a:rPr>
-              <a:t> and </a:t>
-            </a:r>
-            <a:r>
-              <a:rPr lang="en-US" sz="1200" b="0" i="1" kern="1200" dirty="0" smtClean="0">
-                <a:solidFill>
-                  <a:srgbClr val="000000"/>
-                </a:solidFill>
-                <a:effectLst/>
-                <a:latin typeface="Times New Roman" charset="0"/>
-                <a:ea typeface="ＭＳ Ｐゴシック" charset="0"/>
-                <a:cs typeface="ＭＳ Ｐゴシック" charset="0"/>
-              </a:rPr>
-              <a:t>Q</a:t>
-            </a:r>
-            <a:r>
-              <a:rPr lang="en-US" sz="1200" b="0" i="0" kern="1200" dirty="0" smtClean="0">
-                <a:solidFill>
-                  <a:srgbClr val="000000"/>
-                </a:solidFill>
-                <a:effectLst/>
-                <a:latin typeface="Times New Roman" charset="0"/>
-                <a:ea typeface="ＭＳ Ｐゴシック" charset="0"/>
-                <a:cs typeface="ＭＳ Ｐゴシック" charset="0"/>
-              </a:rPr>
-              <a:t>, where the expectation is taken using the probabilities </a:t>
-            </a:r>
-            <a:r>
-              <a:rPr lang="en-US" sz="1200" b="0" i="1" kern="1200" dirty="0" smtClean="0">
-                <a:solidFill>
-                  <a:srgbClr val="000000"/>
-                </a:solidFill>
-                <a:effectLst/>
-                <a:latin typeface="Times New Roman" charset="0"/>
-                <a:ea typeface="ＭＳ Ｐゴシック" charset="0"/>
-                <a:cs typeface="ＭＳ Ｐゴシック" charset="0"/>
-              </a:rPr>
-              <a:t>P</a:t>
-            </a:r>
-            <a:r>
-              <a:rPr lang="en-US" sz="1200" b="0" i="0" kern="1200" dirty="0" smtClean="0">
-                <a:solidFill>
-                  <a:srgbClr val="000000"/>
-                </a:solidFill>
-                <a:effectLst/>
-                <a:latin typeface="Times New Roman" charset="0"/>
-                <a:ea typeface="ＭＳ Ｐゴシック" charset="0"/>
-                <a:cs typeface="ＭＳ Ｐゴシック" charset="0"/>
-              </a:rPr>
-              <a:t>.</a:t>
-            </a:r>
             <a:endParaRPr lang="en-US" dirty="0"/>
           </a:p>
         </p:txBody>
@@ -1569,7 +1488,7 @@
             <a:fld id="{9F4783CB-4C08-4D00-BD8C-103BE55DB799}" type="slidenum">
               <a:rPr lang="en-US" altLang="en-US" smtClean="0"/>
               <a:pPr/>
-              <a:t>68</a:t>
+              <a:t>65</a:t>
             </a:fld>
             <a:endParaRPr lang="en-US" altLang="en-US"/>
           </a:p>
@@ -1578,7 +1497,7 @@
     </p:spTree>
     <p:extLst>
       <p:ext uri="{BB962C8B-B14F-4D97-AF65-F5344CB8AC3E}">
-        <p14:creationId xmlns:p14="http://schemas.microsoft.com/office/powerpoint/2010/main" val="1986435715"/>
+        <p14:creationId xmlns:p14="http://schemas.microsoft.com/office/powerpoint/2010/main" val="990534298"/>
       </p:ext>
     </p:extLst>
   </p:cSld>
@@ -1632,25 +1551,6 @@
           <a:bodyPr/>
           <a:lstStyle/>
           <a:p>
-            <a:pPr marL="0" marR="0" indent="0" algn="l" defTabSz="457200" rtl="0" eaLnBrk="0" fontAlgn="base" latinLnBrk="0" hangingPunct="0">
-              <a:lnSpc>
-                <a:spcPct val="100000"/>
-              </a:lnSpc>
-              <a:spcBef>
-                <a:spcPct val="30000"/>
-              </a:spcBef>
-              <a:spcAft>
-                <a:spcPct val="0"/>
-              </a:spcAft>
-              <a:buClr>
-                <a:srgbClr val="000000"/>
-              </a:buClr>
-              <a:buSzPct val="100000"/>
-              <a:buFont typeface="Times New Roman" panose="02020603050405020304" pitchFamily="18" charset="0"/>
-              <a:buNone/>
-              <a:tabLst/>
-              <a:defRPr/>
-            </a:pPr>
             <a:r>
               <a:rPr lang="en-US" sz="1200" b="0" i="0" kern="1200" dirty="0" smtClean="0">
                 <a:solidFill>
@@ -1661,19 +1561,19 @@
                 <a:ea typeface="ＭＳ Ｐゴシック" charset="0"/>
                 <a:cs typeface="ＭＳ Ｐゴシック" charset="0"/>
               </a:rPr>
-              <a:t> numerical statistic that is intended to reflect how important a word is </a:t>
-            </a:r>
-            <a:r>
-              <a:rPr lang="en-US" sz="1200" b="0" i="0" kern="1200" dirty="0" smtClean="0">
-                <a:solidFill>
-                  <a:schemeClr val="tx1"/>
+              <a:t>In words, it is the expectation of the logarithmic difference between the probabilities </a:t>
+            </a:r>
+            <a:r>
+              <a:rPr lang="en-US" sz="1200" b="0" i="1" kern="1200" dirty="0" smtClean="0">
+                <a:solidFill>
+                  <a:srgbClr val="000000"/>
                 </a:solidFill>
                 <a:effectLst/>
                 <a:latin typeface="Times New Roman" charset="0"/>
                 <a:ea typeface="ＭＳ Ｐゴシック" charset="0"/>
                 <a:cs typeface="ＭＳ Ｐゴシック" charset="0"/>
               </a:rPr>
-              <a:t>to a document in </a:t>
+              <a:t>P</a:t>
             </a:r>
             <a:r>
               <a:rPr lang="en-US" sz="1200" b="0" i="0" kern="1200" dirty="0" smtClean="0">
@@ -1685,10 +1585,10 @@
                 <a:ea typeface="ＭＳ Ｐゴシック" charset="0"/>
                 <a:cs typeface="ＭＳ Ｐゴシック" charset="0"/>
               </a:rPr>
-              <a:t>a collection or corpus</a:t>
-            </a:r>
-            <a:r>
-              <a:rPr lang="zh-CN" altLang="en-US" sz="1200" b="0" i="0" kern="1200" dirty="0" smtClean="0">
+              <a:t> and </a:t>
+            </a:r>
+            <a:r>
+              <a:rPr lang="en-US" sz="1200" b="0" i="1" kern="1200" dirty="0" smtClean="0">
                 <a:solidFill>
                   <a:srgbClr val="000000"/>
                 </a:solidFill>
@@ -1697,19 +1597,44 @@
                 <a:ea typeface="ＭＳ Ｐゴシック" charset="0"/>
                 <a:cs typeface="ＭＳ Ｐゴシック" charset="0"/>
               </a:rPr>
-              <a:t>。</a:t>
-            </a:r>
-            <a:endParaRPr lang="en-US" sz="1200" b="0" i="0" kern="1200" dirty="0" smtClean="0">
-              <a:solidFill>
-                <a:srgbClr val="000000"/>
-              </a:solidFill>
-              <a:effectLst/>
-              <a:latin typeface="Times New Roman" charset="0"/>
-              <a:ea typeface="ＭＳ Ｐゴシック" charset="0"/>
-              <a:cs typeface="ＭＳ Ｐゴシック" charset="0"/>
-            </a:endParaRPr>
-          </a:p>
-          <a:p>
+              <a:t>Q</a:t>
+            </a:r>
+            <a:r>
+              <a:rPr lang="en-US" sz="1200" b="0" i="0" kern="1200" dirty="0" smtClean="0">
+                <a:solidFill>
+                  <a:srgbClr val="000000"/>
+                </a:solidFill>
+                <a:effectLst/>
+                <a:latin typeface="Times New Roman" charset="0"/>
+                <a:ea typeface="ＭＳ Ｐゴシック" charset="0"/>
+                <a:cs typeface="ＭＳ Ｐゴシック" charset="0"/>
+              </a:rPr>
+              <a:t>, where the expectation is taken using the probabilities </a:t>
+            </a:r>
+            <a:r>
+              <a:rPr lang="en-US" sz="1200" b="0" i="1" kern="1200" dirty="0" smtClean="0">
+                <a:solidFill>
+                  <a:srgbClr val="000000"/>
+                </a:solidFill>
+                <a:effectLst/>
+                <a:latin typeface="Times New Roman" charset="0"/>
+                <a:ea typeface="ＭＳ Ｐゴシック" charset="0"/>
+                <a:cs typeface="ＭＳ Ｐゴシック" charset="0"/>
+              </a:rPr>
+              <a:t>P</a:t>
+            </a:r>
+            <a:r>
+              <a:rPr lang="en-US" sz="1200" b="0" i="0" kern="1200" dirty="0" smtClean="0">
+                <a:solidFill>
+                  <a:srgbClr val="000000"/>
+                </a:solidFill>
+                <a:effectLst/>
+                <a:latin typeface="Times New Roman" charset="0"/>
+                <a:ea typeface="ＭＳ Ｐゴシック" charset="0"/>
+                <a:cs typeface="ＭＳ Ｐゴシック" charset="0"/>
+              </a:rPr>
+              <a:t>.</a:t>
+            </a:r>
             <a:endParaRPr lang="en-US" dirty="0"/>
           </a:p>
         </p:txBody>
@@ -1732,7 +1657,7 @@
             <a:fld id="{9F4783CB-4C08-4D00-BD8C-103BE55DB799}" type="slidenum">
               <a:rPr lang="en-US" altLang="en-US" smtClean="0"/>
               <a:pPr/>
-              <a:t>69</a:t>
+              <a:t>68</a:t>
             </a:fld>
             <a:endParaRPr lang="en-US" altLang="en-US"/>
           </a:p>
@@ -1741,7 +1666,7 @@
     </p:spTree>
     <p:extLst>
       <p:ext uri="{BB962C8B-B14F-4D97-AF65-F5344CB8AC3E}">
-        <p14:creationId xmlns:p14="http://schemas.microsoft.com/office/powerpoint/2010/main" val="3059207118"/>
+        <p14:creationId xmlns:p14="http://schemas.microsoft.com/office/powerpoint/2010/main" val="1986435715"/>
       </p:ext>
     </p:extLst>
   </p:cSld>
@@ -1795,26 +1720,84 @@
           <a:bodyPr/>
           <a:lstStyle/>
           <a:p>
-            <a:r>
-              <a:rPr lang="en-US" dirty="0" smtClean="0"/>
-              <a:t>Where </a:t>
-            </a:r>
-            <a:r>
-              <a:rPr lang="en-US" altLang="zh-CN" dirty="0" smtClean="0"/>
-              <a:t>f(</a:t>
-            </a:r>
-            <a:r>
-              <a:rPr lang="en-US" altLang="zh-CN" dirty="0" err="1" smtClean="0"/>
-              <a:t>q,D</a:t>
-            </a:r>
-            <a:r>
-              <a:rPr lang="en-US" altLang="zh-CN" dirty="0" smtClean="0"/>
-              <a:t>)</a:t>
-            </a:r>
-            <a:r>
-              <a:rPr lang="en-US" dirty="0" smtClean="0"/>
-              <a:t> is 's term frequency in the document D</a:t>
-            </a:r>
+            <a:pPr marL="0" marR="0" indent="0" algn="l" defTabSz="457200" rtl="0" eaLnBrk="0" fontAlgn="base" latinLnBrk="0" hangingPunct="0">
+              <a:lnSpc>
+                <a:spcPct val="100000"/>
+              </a:lnSpc>
+              <a:spcBef>
+                <a:spcPct val="30000"/>
+              </a:spcBef>
+              <a:spcAft>
+                <a:spcPct val="0"/>
+              </a:spcAft>
+              <a:buClr>
+                <a:srgbClr val="000000"/>
+              </a:buClr>
+              <a:buSzPct val="100000"/>
+              <a:buFont typeface="Times New Roman" panose="02020603050405020304" pitchFamily="18" charset="0"/>
+              <a:buNone/>
+              <a:tabLst/>
+              <a:defRPr/>
+            </a:pPr>
+            <a:r>
+              <a:rPr lang="en-US" sz="1200" b="0" i="0" kern="1200" dirty="0" smtClean="0">
+                <a:solidFill>
+                  <a:srgbClr val="000000"/>
+                </a:solidFill>
+                <a:effectLst/>
+                <a:latin typeface="Times New Roman" charset="0"/>
+                <a:ea typeface="ＭＳ Ｐゴシック" charset="0"/>
+                <a:cs typeface="ＭＳ Ｐゴシック" charset="0"/>
+              </a:rPr>
+              <a:t> numerical statistic that is intended to reflect how important a word is </a:t>
+            </a:r>
+            <a:r>
+              <a:rPr lang="en-US" sz="1200" b="0" i="0" kern="1200" dirty="0" smtClean="0">
+                <a:solidFill>
+                  <a:schemeClr val="tx1"/>
+                </a:solidFill>
+                <a:effectLst/>
+                <a:latin typeface="Times New Roman" charset="0"/>
+                <a:ea typeface="ＭＳ Ｐゴシック" charset="0"/>
+                <a:cs typeface="ＭＳ Ｐゴシック" charset="0"/>
+              </a:rPr>
+              <a:t>to a document in </a:t>
+            </a:r>
+            <a:r>
+              <a:rPr lang="en-US" sz="1200" b="0" i="0" kern="1200" dirty="0" smtClean="0">
+                <a:solidFill>
+                  <a:srgbClr val="000000"/>
+                </a:solidFill>
+                <a:effectLst/>
+                <a:latin typeface="Times New Roman" charset="0"/>
+                <a:ea typeface="ＭＳ Ｐゴシック" charset="0"/>
+                <a:cs typeface="ＭＳ Ｐゴシック" charset="0"/>
+              </a:rPr>
+              <a:t>a collection or corpus</a:t>
+            </a:r>
+            <a:r>
+              <a:rPr lang="zh-CN" altLang="en-US" sz="1200" b="0" i="0" kern="1200" dirty="0" smtClean="0">
+                <a:solidFill>
+                  <a:srgbClr val="000000"/>
+                </a:solidFill>
+                <a:effectLst/>
+                <a:latin typeface="Times New Roman" charset="0"/>
+                <a:ea typeface="ＭＳ Ｐゴシック" charset="0"/>
+                <a:cs typeface="ＭＳ Ｐゴシック" charset="0"/>
+              </a:rPr>
+              <a:t>。</a:t>
+            </a:r>
+            <a:endParaRPr lang="en-US" sz="1200" b="0" i="0" kern="1200" dirty="0" smtClean="0">
+              <a:solidFill>
+                <a:srgbClr val="000000"/>
+              </a:solidFill>
+              <a:effectLst/>
+              <a:latin typeface="Times New Roman" charset="0"/>
+              <a:ea typeface="ＭＳ Ｐゴシック" charset="0"/>
+              <a:cs typeface="ＭＳ Ｐゴシック" charset="0"/>
+            </a:endParaRPr>
+          </a:p>
+          <a:p>
             <a:endParaRPr lang="en-US" dirty="0"/>
           </a:p>
         </p:txBody>
@@ -1837,6 +1820,111 @@
             <a:fld id="{9F4783CB-4C08-4D00-BD8C-103BE55DB799}" type="slidenum">
               <a:rPr lang="en-US" altLang="en-US" smtClean="0"/>
               <a:pPr/>
+              <a:t>69</a:t>
+            </a:fld>
+            <a:endParaRPr lang="en-US" altLang="en-US"/>
+          </a:p>
+        </p:txBody>
+      </p:sp>
+    </p:spTree>
+    <p:extLst>
+      <p:ext uri="{BB962C8B-B14F-4D97-AF65-F5344CB8AC3E}">
+        <p14:creationId xmlns:p14="http://schemas.microsoft.com/office/powerpoint/2010/main" val="3059207118"/>
+      </p:ext>
+    </p:extLst>
+  </p:cSld>
+  <p:clrMapOvr>
+    <a:masterClrMapping/>
+  </p:clrMapOvr>
+</p:notes>
+</file>
+
+<file path=ppt/notesSlides/notesSlide15.xml><?xml version="1.0" encoding="utf-8"?>
+<p:notes xmlns:a="http://schemas.openxmlformats.org/drawingml/2006/main" xmlns:r="http://schemas.openxmlformats.org/officeDocument/2006/relationships" xmlns:p="http://schemas.openxmlformats.org/presentationml/2006/main">
+  <p:cSld>
+    <p:spTree>
+      <p:nvGrpSpPr>
+        <p:cNvPr id="1" name=""/>
+        <p:cNvGrpSpPr/>
+        <p:nvPr/>
+      </p:nvGrpSpPr>
+      <p:grpSpPr>
+        <a:xfrm>
+          <a:off x="0" y="0"/>
+          <a:ext cx="0" cy="0"/>
+          <a:chOff x="0" y="0"/>
+          <a:chExt cx="0" cy="0"/>
+        </a:xfrm>
+      </p:grpSpPr>
+      <p:sp>
+        <p:nvSpPr>
+          <p:cNvPr id="2" name="Slide Image Placeholder 1"/>
+          <p:cNvSpPr>
+            <a:spLocks noGrp="1" noRot="1" noChangeAspect="1"/>
+          </p:cNvSpPr>
+          <p:nvPr>
+            <p:ph type="sldImg"/>
+          </p:nvPr>
+        </p:nvSpPr>
+        <p:spPr/>
+      </p:sp>
+      <p:sp>
+        <p:nvSpPr>
+          <p:cNvPr id="3" name="Notes Placeholder 2"/>
+          <p:cNvSpPr>
+            <a:spLocks noGrp="1"/>
+          </p:cNvSpPr>
+          <p:nvPr>
+            <p:ph type="body" idx="1"/>
+          </p:nvPr>
+        </p:nvSpPr>
+        <p:spPr/>
+        <p:txBody>
+          <a:bodyPr/>
+          <a:lstStyle/>
+          <a:p>
+            <a:r>
+              <a:rPr lang="en-US" dirty="0" smtClean="0"/>
+              <a:t>Where </a:t>
+            </a:r>
+            <a:r>
+              <a:rPr lang="en-US" altLang="zh-CN" dirty="0" smtClean="0"/>
+              <a:t>f(</a:t>
+            </a:r>
+            <a:r>
+              <a:rPr lang="en-US" altLang="zh-CN" dirty="0" err="1" smtClean="0"/>
+              <a:t>q,D</a:t>
+            </a:r>
+            <a:r>
+              <a:rPr lang="en-US" altLang="zh-CN" dirty="0" smtClean="0"/>
+              <a:t>)</a:t>
+            </a:r>
+            <a:r>
+              <a:rPr lang="en-US" dirty="0" smtClean="0"/>
+              <a:t> is 's term frequency in the document D</a:t>
+            </a:r>
+            <a:endParaRPr lang="en-US" dirty="0"/>
+          </a:p>
+        </p:txBody>
+      </p:sp>
+      <p:sp>
+        <p:nvSpPr>
+          <p:cNvPr id="4" name="Slide Number Placeholder 3"/>
+          <p:cNvSpPr>
+            <a:spLocks noGrp="1"/>
+          </p:cNvSpPr>
+          <p:nvPr>
+            <p:ph type="sldNum" idx="10"/>
+          </p:nvPr>
+        </p:nvSpPr>
+        <p:spPr/>
+        <p:txBody>
+          <a:bodyPr/>
+          <a:lstStyle/>
+          <a:p>
+            <a:fld id="{9F4783CB-4C08-4D00-BD8C-103BE55DB799}" type="slidenum">
+              <a:rPr lang="en-US" altLang="en-US" smtClean="0"/>
+              <a:pPr/>
               <a:t>70</a:t>
             </a:fld>
             <a:endParaRPr lang="en-US" altLang="en-US"/>
@@ -1856,7 +1944,7 @@
 </p:notes>
 </file>
 
-<file path=ppt/notesSlides/notesSlide15.xml><?xml version="1.0" encoding="utf-8"?>
+<file path=ppt/notesSlides/notesSlide16.xml><?xml version="1.0" encoding="utf-8"?>
 <p:notes xmlns:a="http://schemas.openxmlformats.org/drawingml/2006/main" xmlns:r="http://schemas.openxmlformats.org/officeDocument/2006/relationships" xmlns:p="http://schemas.openxmlformats.org/presentationml/2006/main">
   <p:cSld>
     <p:bg>
@@ -1894,14 +1982,14 @@
         <p:spPr>
           <a:extLst>
             <a:ext uri="{909E8E84-426E-40dd-AFC4-6F175D3DCCD1}">
-              <a14:hiddenFill xmlns:a14="http://schemas.microsoft.com/office/drawing/2010/main" xmlns="">
+              <a14:hiddenFill xmlns="" xmlns:a14="http://schemas.microsoft.com/office/drawing/2010/main">
                 <a:solidFill>
                   <a:srgbClr val="FFFFFF"/>
                 </a:solidFill>
               </a14:hiddenFill>
             </a:ext>
             <a:ext uri="{91240B29-F687-4f45-9708-019B960494DF}">
-              <a14:hiddenLine xmlns:a14="http://schemas.microsoft.com/office/drawing/2010/main" xmlns="" w="9525">
+              <a14:hiddenLine xmlns="" xmlns:a14="http://schemas.microsoft.com/office/drawing/2010/main" w="9525">
                 <a:solidFill>
                   <a:srgbClr val="000000"/>
                 </a:solidFill>
@@ -1911,7 +1999,7 @@
               </a14:hiddenLine>
             </a:ext>
             <a:ext uri="{AF507438-7753-43e0-B8FC-AC1667EBCBE1}">
-              <a14:hiddenEffects xmlns:a14="http://schemas.microsoft.com/office/drawing/2010/main" xmlns="">
+              <a14:hiddenEffects xmlns="" xmlns:a14="http://schemas.microsoft.com/office/drawing/2010/main">
                 <a:effectLst>
                   <a:outerShdw blurRad="63500" dist="38099" dir="2700000" algn="ctr" rotWithShape="0">
                     <a:schemeClr val="bg2">
@@ -1922,7 +2010,7 @@
               </a14:hiddenEffects>
             </a:ext>
             <a:ext uri="{FAA26D3D-D897-4be2-8F04-BA451C77F1D7}">
-              <ma14:placeholderFlag xmlns:ma14="http://schemas.microsoft.com/office/mac/drawingml/2011/main" xmlns="" val="1"/>
+              <ma14:placeholderFlag xmlns="" xmlns:ma14="http://schemas.microsoft.com/office/mac/drawingml/2011/main" val="1"/>
             </a:ext>
           </a:extLst>
         </p:spPr>
@@ -2236,7 +2324,7 @@
 </p:notes>
 </file>
 
-<file path=ppt/notesSlides/notesSlide16.xml><?xml version="1.0" encoding="utf-8"?>
+<file path=ppt/notesSlides/notesSlide17.xml><?xml version="1.0" encoding="utf-8"?>
 <p:notes xmlns:a="http://schemas.openxmlformats.org/drawingml/2006/main" xmlns:r="http://schemas.openxmlformats.org/officeDocument/2006/relationships" xmlns:p="http://schemas.openxmlformats.org/presentationml/2006/main">
   <p:cSld>
     <p:bg>
@@ -2274,14 +2362,14 @@
         <p:spPr>
           <a:extLst>
             <a:ext uri="{909E8E84-426E-40dd-AFC4-6F175D3DCCD1}">
-              <a14:hiddenFill xmlns:a14="http://schemas.microsoft.com/office/drawing/2010/main" xmlns="">
+              <a14:hiddenFill xmlns="" xmlns:a14="http://schemas.microsoft.com/office/drawing/2010/main">
                 <a:solidFill>
                   <a:srgbClr val="FFFFFF"/>
                 </a:solidFill>
               </a14:hiddenFill>
             </a:ext>
             <a:ext uri="{91240B29-F687-4f45-9708-019B960494DF}">
-              <a14:hiddenLine xmlns:a14="http://schemas.microsoft.com/office/drawing/2010/main" xmlns="" w="9525">
+              <a14:hiddenLine xmlns="" xmlns:a14="http://schemas.microsoft.com/office/drawing/2010/main" w="9525">
                 <a:solidFill>
                   <a:srgbClr val="000000"/>
                 </a:solidFill>
@@ -2291,7 +2379,7 @@
               </a14:hiddenLine>
             </a:ext>
             <a:ext uri="{AF507438-7753-43e0-B8FC-AC1667EBCBE1}">
-              <a14:hiddenEffects xmlns:a14="http://schemas.microsoft.com/office/drawing/2010/main" xmlns="">
+              <a14:hiddenEffects xmlns="" xmlns:a14="http://schemas.microsoft.com/office/drawing/2010/main">
                 <a:effectLst>
                   <a:outerShdw blurRad="63500" dist="38099" dir="2700000" algn="ctr" rotWithShape="0">
                     <a:schemeClr val="bg2">
@@ -2302,7 +2390,7 @@
               </a14:hiddenEffects>
             </a:ext>
             <a:ext uri="{FAA26D3D-D897-4be2-8F04-BA451C77F1D7}">
-              <ma14:placeholderFlag xmlns:ma14="http://schemas.microsoft.com/office/mac/drawingml/2011/main" xmlns="" val="1"/>
+              <ma14:placeholderFlag xmlns="" xmlns:ma14="http://schemas.microsoft.com/office/mac/drawingml/2011/main" val="1"/>
             </a:ext>
           </a:extLst>
         </p:spPr>
@@ -2616,7 +2704,7 @@
 </p:notes>
 </file>
 
-<file path=ppt/notesSlides/notesSlide17.xml><?xml version="1.0" encoding="utf-8"?>
+<file path=ppt/notesSlides/notesSlide18.xml><?xml version="1.0" encoding="utf-8"?>
 <p:notes xmlns:a="http://schemas.openxmlformats.org/drawingml/2006/main" xmlns:r="http://schemas.openxmlformats.org/officeDocument/2006/relationships" xmlns:p="http://schemas.openxmlformats.org/presentationml/2006/main">
   <p:cSld>
     <p:bg>
@@ -2654,14 +2742,14 @@
         <p:spPr>
           <a:extLst>
             <a:ext uri="{909E8E84-426E-40dd-AFC4-6F175D3DCCD1}">
-              <a14:hiddenFill xmlns:a14="http://schemas.microsoft.com/office/drawing/2010/main" xmlns="">
+              <a14:hiddenFill xmlns="" xmlns:a14="http://schemas.microsoft.com/office/drawing/2010/main">
                 <a:solidFill>
                   <a:srgbClr val="FFFFFF"/>
                 </a:solidFill>
               </a14:hiddenFill>
             </a:ext>
             <a:ext uri="{91240B29-F687-4f45-9708-019B960494DF}">
-              <a14:hiddenLine xmlns:a14="http://schemas.microsoft.com/office/drawing/2010/main" xmlns="" w="9525">
+              <a14:hiddenLine xmlns="" xmlns:a14="http://schemas.microsoft.com/office/drawing/2010/main" w="9525">
                 <a:solidFill>
                   <a:srgbClr val="000000"/>
                 </a:solidFill>
@@ -2671,7 +2759,7 @@
               </a14:hiddenLine>
             </a:ext>
             <a:ext uri="{AF507438-7753-43e0-B8FC-AC1667EBCBE1}">
-              <a14:hiddenEffects xmlns:a14="http://schemas.microsoft.com/office/drawing/2010/main" xmlns="">
+              <a14:hiddenEffects xmlns="" xmlns:a14="http://schemas.microsoft.com/office/drawing/2010/main">
                 <a:effectLst>
                   <a:outerShdw blurRad="63500" dist="38099" dir="2700000" algn="ctr" rotWithShape="0">
                     <a:schemeClr val="bg2">
@@ -2682,7 +2770,7 @@
               </a14:hiddenEffects>
             </a:ext>
             <a:ext uri="{FAA26D3D-D897-4be2-8F04-BA451C77F1D7}">
-              <ma14:placeholderFlag xmlns:ma14="http://schemas.microsoft.com/office/mac/drawingml/2011/main" xmlns="" val="1"/>
+              <ma14:placeholderFlag xmlns="" xmlns:ma14="http://schemas.microsoft.com/office/mac/drawingml/2011/main" val="1"/>
             </a:ext>
           </a:extLst>
         </p:spPr>
@@ -2987,6 +3075,133 @@
     <p:extLst>
       <p:ext uri="{BB962C8B-B14F-4D97-AF65-F5344CB8AC3E}">
         <p14:creationId xmlns:p14="http://schemas.microsoft.com/office/powerpoint/2010/main" val="892606335"/>
+      </p:ext>
+    </p:extLst>
+  </p:cSld>
+  <p:clrMapOvr>
+    <a:masterClrMapping/>
+  </p:clrMapOvr>
+</p:notes>
+</file>
+
+<file path=ppt/notesSlides/notesSlide19.xml><?xml version="1.0" encoding="utf-8"?>
+<p:notes xmlns:a="http://schemas.openxmlformats.org/drawingml/2006/main" xmlns:r="http://schemas.openxmlformats.org/officeDocument/2006/relationships" xmlns:p="http://schemas.openxmlformats.org/presentationml/2006/main">
+  <p:cSld>
+    <p:spTree>
+      <p:nvGrpSpPr>
+        <p:cNvPr id="1" name=""/>
+        <p:cNvGrpSpPr/>
+        <p:nvPr/>
+      </p:nvGrpSpPr>
+      <p:grpSpPr>
+        <a:xfrm>
+          <a:off x="0" y="0"/>
+          <a:ext cx="0" cy="0"/>
+          <a:chOff x="0" y="0"/>
+          <a:chExt cx="0" cy="0"/>
+        </a:xfrm>
+      </p:grpSpPr>
+      <p:sp>
+        <p:nvSpPr>
+          <p:cNvPr id="2" name="Slide Image Placeholder 1"/>
+          <p:cNvSpPr>
+            <a:spLocks noGrp="1" noRot="1" noChangeAspect="1"/>
+          </p:cNvSpPr>
+          <p:nvPr>
+            <p:ph type="sldImg"/>
+          </p:nvPr>
+        </p:nvSpPr>
+        <p:spPr/>
+      </p:sp>
+      <p:sp>
+        <p:nvSpPr>
+          <p:cNvPr id="3" name="Notes Placeholder 2"/>
+          <p:cNvSpPr>
+            <a:spLocks noGrp="1"/>
+          </p:cNvSpPr>
+          <p:nvPr>
+            <p:ph type="body" idx="1"/>
+          </p:nvPr>
+        </p:nvSpPr>
+        <p:spPr/>
+        <p:txBody>
+          <a:bodyPr/>
+          <a:lstStyle/>
+          <a:p>
+            <a:pPr marL="0" marR="0" indent="0" algn="l" defTabSz="457200" rtl="0" eaLnBrk="0" fontAlgn="base" latinLnBrk="0" hangingPunct="0">
+              <a:lnSpc>
+                <a:spcPct val="100000"/>
+              </a:lnSpc>
+              <a:spcBef>
+                <a:spcPct val="30000"/>
+              </a:spcBef>
+              <a:spcAft>
+                <a:spcPct val="0"/>
+              </a:spcAft>
+              <a:buClr>
+                <a:srgbClr val="000000"/>
+              </a:buClr>
+              <a:buSzPct val="100000"/>
+              <a:buFont typeface="Times New Roman" panose="02020603050405020304" pitchFamily="18" charset="0"/>
+              <a:buNone/>
+              <a:tabLst/>
+              <a:defRPr/>
+            </a:pPr>
+            <a:r>
+              <a:rPr lang="en-US" sz="1200" dirty="0" smtClean="0"/>
+              <a:t>IC  negative </a:t>
+            </a:r>
+            <a:r>
+              <a:rPr lang="en-US" sz="1200" b="1" i="0" kern="1200" dirty="0" smtClean="0">
+                <a:solidFill>
+                  <a:srgbClr val="000000"/>
+                </a:solidFill>
+                <a:effectLst/>
+                <a:latin typeface="Times New Roman" charset="0"/>
+                <a:ea typeface="ＭＳ Ｐゴシック" charset="0"/>
+                <a:cs typeface="ＭＳ Ｐゴシック" charset="0"/>
+              </a:rPr>
+              <a:t>logarithmic value </a:t>
+            </a:r>
+            <a:r>
+              <a:rPr lang="en-US" sz="1200" dirty="0" smtClean="0"/>
+              <a:t>of its probability of occurrence</a:t>
+            </a:r>
+            <a:endParaRPr lang="en-US" dirty="0" smtClean="0"/>
+          </a:p>
+          <a:p>
+            <a:endParaRPr lang="en-US" dirty="0"/>
+          </a:p>
+        </p:txBody>
+      </p:sp>
+      <p:sp>
+        <p:nvSpPr>
+          <p:cNvPr id="4" name="Slide Number Placeholder 3"/>
+          <p:cNvSpPr>
+            <a:spLocks noGrp="1"/>
+          </p:cNvSpPr>
+          <p:nvPr>
+            <p:ph type="sldNum" idx="10"/>
+          </p:nvPr>
+        </p:nvSpPr>
+        <p:spPr/>
+        <p:txBody>
+          <a:bodyPr/>
+          <a:lstStyle/>
+          <a:p>
+            <a:fld id="{9F4783CB-4C08-4D00-BD8C-103BE55DB799}" type="slidenum">
+              <a:rPr lang="en-US" altLang="en-US" smtClean="0"/>
+              <a:pPr/>
+              <a:t>81</a:t>
+            </a:fld>
+            <a:endParaRPr lang="en-US" altLang="en-US"/>
+          </a:p>
+        </p:txBody>
+      </p:sp>
+    </p:spTree>
+    <p:extLst>
+      <p:ext uri="{BB962C8B-B14F-4D97-AF65-F5344CB8AC3E}">
+        <p14:creationId xmlns:p14="http://schemas.microsoft.com/office/powerpoint/2010/main" val="2324616430"/>
       </p:ext>
     </p:extLst>
   </p:cSld>
@@ -3778,7 +3993,7 @@
             <a:fld id="{9F4783CB-4C08-4D00-BD8C-103BE55DB799}" type="slidenum">
               <a:rPr lang="en-US" altLang="en-US" smtClean="0"/>
               <a:pPr/>
-              <a:t>60</a:t>
+              <a:t>59</a:t>
             </a:fld>
             <a:endParaRPr lang="en-US" altLang="en-US"/>
           </a:p>
@@ -3787,7 +4002,7 @@
     </p:spTree>
     <p:extLst>
       <p:ext uri="{BB962C8B-B14F-4D97-AF65-F5344CB8AC3E}">
-        <p14:creationId xmlns:p14="http://schemas.microsoft.com/office/powerpoint/2010/main" val="1910673594"/>
+        <p14:creationId xmlns:p14="http://schemas.microsoft.com/office/powerpoint/2010/main" val="2444843171"/>
       </p:ext>
     </p:extLst>
   </p:cSld>
@@ -5561,14 +5776,14 @@
           <a:effectLst/>
           <a:extLst>
             <a:ext uri="{909E8E84-426E-40dd-AFC4-6F175D3DCCD1}">
-              <a14:hiddenFill xmlns:a14="http://schemas.microsoft.com/office/drawing/2010/main" xmlns="">
+              <a14:hiddenFill xmlns="" xmlns:a14="http://schemas.microsoft.com/office/drawing/2010/main">
                 <a:solidFill>
                   <a:srgbClr val="FFFFFF"/>
                 </a:solidFill>
               </a14:hiddenFill>
             </a:ext>
             <a:ext uri="{91240B29-F687-4f45-9708-019B960494DF}">
-              <a14:hiddenLine xmlns:a14="http://schemas.microsoft.com/office/drawing/2010/main" xmlns="" w="9525">
+              <a14:hiddenLine xmlns="" xmlns:a14="http://schemas.microsoft.com/office/drawing/2010/main" w="9525">
                 <a:solidFill>
                   <a:srgbClr val="000000"/>
                 </a:solidFill>
@@ -5578,7 +5793,7 @@
               </a14:hiddenLine>
             </a:ext>
             <a:ext uri="{AF507438-7753-43e0-B8FC-AC1667EBCBE1}">
-              <a14:hiddenEffects xmlns:a14="http://schemas.microsoft.com/office/drawing/2010/main" xmlns="">
+              <a14:hiddenEffects xmlns="" xmlns:a14="http://schemas.microsoft.com/office/drawing/2010/main">
                 <a:effectLst>
                   <a:outerShdw blurRad="63500" dist="38099" dir="2700000" algn="ctr" rotWithShape="0">
                     <a:schemeClr val="bg2">
@@ -5589,7 +5804,7 @@
               </a14:hiddenEffects>
             </a:ext>
             <a:ext uri="{FAA26D3D-D897-4be2-8F04-BA451C77F1D7}">
-              <ma14:placeholderFlag xmlns:ma14="http://schemas.microsoft.com/office/mac/drawingml/2011/main" xmlns="" val="1"/>
+              <ma14:placeholderFlag xmlns="" xmlns:ma14="http://schemas.microsoft.com/office/mac/drawingml/2011/main" val="1"/>
             </a:ext>
           </a:extLst>
         </p:spPr>
@@ -5634,14 +5849,14 @@
           <a:effectLst/>
           <a:extLst>
             <a:ext uri="{909E8E84-426E-40dd-AFC4-6F175D3DCCD1}">
-              <a14:hiddenFill xmlns:a14="http://schemas.microsoft.com/office/drawing/2010/main" xmlns="">
+              <a14:hiddenFill xmlns="" xmlns:a14="http://schemas.microsoft.com/office/drawing/2010/main">
                 <a:solidFill>
                   <a:srgbClr val="FFFFFF"/>
                 </a:solidFill>
               </a14:hiddenFill>
             </a:ext>
             <a:ext uri="{91240B29-F687-4f45-9708-019B960494DF}">
-              <a14:hiddenLine xmlns:a14="http://schemas.microsoft.com/office/drawing/2010/main" xmlns="" w="9525">
+              <a14:hiddenLine xmlns="" xmlns:a14="http://schemas.microsoft.com/office/drawing/2010/main" w="9525">
                 <a:solidFill>
                   <a:srgbClr val="000000"/>
                 </a:solidFill>
@@ -5651,7 +5866,7 @@
               </a14:hiddenLine>
             </a:ext>
             <a:ext uri="{AF507438-7753-43e0-B8FC-AC1667EBCBE1}">
-              <a14:hiddenEffects xmlns:a14="http://schemas.microsoft.com/office/drawing/2010/main" xmlns="">
+              <a14:hiddenEffects xmlns="" xmlns:a14="http://schemas.microsoft.com/office/drawing/2010/main">
                 <a:effectLst>
                   <a:outerShdw blurRad="63500" dist="38099" dir="2700000" algn="ctr" rotWithShape="0">
                     <a:schemeClr val="bg2">
@@ -5662,7 +5877,7 @@
               </a14:hiddenEffects>
             </a:ext>
             <a:ext uri="{FAA26D3D-D897-4be2-8F04-BA451C77F1D7}">
-              <ma14:placeholderFlag xmlns:ma14="http://schemas.microsoft.com/office/mac/drawingml/2011/main" xmlns="" val="1"/>
+              <ma14:placeholderFlag xmlns="" xmlns:ma14="http://schemas.microsoft.com/office/mac/drawingml/2011/main" val="1"/>
             </a:ext>
           </a:extLst>
         </p:spPr>
@@ -5763,7 +5978,7 @@
           <a:effectLst/>
           <a:extLst>
             <a:ext uri="{91240B29-F687-4f45-9708-019B960494DF}">
-              <a14:hiddenLine xmlns:a14="http://schemas.microsoft.com/office/drawing/2010/main" xmlns="" w="9525">
+              <a14:hiddenLine xmlns="" xmlns:a14="http://schemas.microsoft.com/office/drawing/2010/main" w="9525">
                 <a:solidFill>
                   <a:srgbClr val="000000"/>
                 </a:solidFill>
@@ -5773,7 +5988,7 @@
               </a14:hiddenLine>
             </a:ext>
             <a:ext uri="{AF507438-7753-43e0-B8FC-AC1667EBCBE1}">
-              <a14:hiddenEffects xmlns:a14="http://schemas.microsoft.com/office/drawing/2010/main" xmlns="">
+              <a14:hiddenEffects xmlns="" xmlns:a14="http://schemas.microsoft.com/office/drawing/2010/main">
                 <a:effectLst>
                   <a:outerShdw blurRad="63500" dist="38099" dir="2700000" algn="ctr" rotWithShape="0">
                     <a:srgbClr val="000000">
@@ -5826,7 +6041,7 @@
           <a:effectLst/>
           <a:extLst>
             <a:ext uri="{91240B29-F687-4f45-9708-019B960494DF}">
-              <a14:hiddenLine xmlns:a14="http://schemas.microsoft.com/office/drawing/2010/main" xmlns="" w="9525">
+              <a14:hiddenLine xmlns="" xmlns:a14="http://schemas.microsoft.com/office/drawing/2010/main" w="9525">
                 <a:solidFill>
                   <a:srgbClr val="000000"/>
                 </a:solidFill>
@@ -5836,7 +6051,7 @@
               </a14:hiddenLine>
             </a:ext>
             <a:ext uri="{AF507438-7753-43e0-B8FC-AC1667EBCBE1}">
-              <a14:hiddenEffects xmlns:a14="http://schemas.microsoft.com/office/drawing/2010/main" xmlns="">
+              <a14:hiddenEffects xmlns="" xmlns:a14="http://schemas.microsoft.com/office/drawing/2010/main">
                 <a:effectLst>
                   <a:outerShdw blurRad="63500" dist="38099" dir="2700000" algn="ctr" rotWithShape="0">
                     <a:srgbClr val="000000">
@@ -5889,7 +6104,7 @@
           <a:effectLst/>
           <a:extLst>
             <a:ext uri="{91240B29-F687-4f45-9708-019B960494DF}">
-              <a14:hiddenLine xmlns:a14="http://schemas.microsoft.com/office/drawing/2010/main" xmlns="" w="9525">
+              <a14:hiddenLine xmlns="" xmlns:a14="http://schemas.microsoft.com/office/drawing/2010/main" w="9525">
                 <a:solidFill>
                   <a:srgbClr val="000000"/>
                 </a:solidFill>
@@ -5899,7 +6114,7 @@
               </a14:hiddenLine>
             </a:ext>
             <a:ext uri="{AF507438-7753-43e0-B8FC-AC1667EBCBE1}">
-              <a14:hiddenEffects xmlns:a14="http://schemas.microsoft.com/office/drawing/2010/main" xmlns="">
+              <a14:hiddenEffects xmlns="" xmlns:a14="http://schemas.microsoft.com/office/drawing/2010/main">
                 <a:effectLst>
                   <a:outerShdw blurRad="63500" dist="38099" dir="2700000" algn="ctr" rotWithShape="0">
                     <a:srgbClr val="000000">
@@ -5963,7 +6178,7 @@
           <a:effectLst/>
           <a:extLst>
             <a:ext uri="{909E8E84-426E-40dd-AFC4-6F175D3DCCD1}">
-              <a14:hiddenFill xmlns:a14="http://schemas.microsoft.com/office/drawing/2010/main" xmlns="">
+              <a14:hiddenFill xmlns="" xmlns:a14="http://schemas.microsoft.com/office/drawing/2010/main">
                 <a:blipFill dpi="0" rotWithShape="0">
                   <a:blip xmlns:r="http://schemas.openxmlformats.org/officeDocument/2006/relationships"/>
                   <a:srcRect/>
@@ -5974,7 +6189,7 @@
               </a14:hiddenFill>
             </a:ext>
             <a:ext uri="{91240B29-F687-4f45-9708-019B960494DF}">
-              <a14:hiddenLine xmlns:a14="http://schemas.microsoft.com/office/drawing/2010/main" xmlns="" w="9525">
+              <a14:hiddenLine xmlns="" xmlns:a14="http://schemas.microsoft.com/office/drawing/2010/main" w="9525">
                 <a:solidFill>
                   <a:srgbClr val="000000"/>
                 </a:solidFill>
@@ -5984,7 +6199,7 @@
               </a14:hiddenLine>
             </a:ext>
             <a:ext uri="{AF507438-7753-43e0-B8FC-AC1667EBCBE1}">
-              <a14:hiddenEffects xmlns:a14="http://schemas.microsoft.com/office/drawing/2010/main" xmlns="">
+              <a14:hiddenEffects xmlns="" xmlns:a14="http://schemas.microsoft.com/office/drawing/2010/main">
                 <a:effectLst>
                   <a:outerShdw blurRad="63500" dist="38099" dir="2700000" algn="ctr" rotWithShape="0">
                     <a:srgbClr val="000000">
@@ -6020,14 +6235,14 @@
           <a:effectLst/>
           <a:extLst>
             <a:ext uri="{909E8E84-426E-40dd-AFC4-6F175D3DCCD1}">
-              <a14:hiddenFill xmlns:a14="http://schemas.microsoft.com/office/drawing/2010/main" xmlns="">
+              <a14:hiddenFill xmlns="" xmlns:a14="http://schemas.microsoft.com/office/drawing/2010/main">
                 <a:solidFill>
                   <a:srgbClr val="FFFFFF"/>
                 </a:solidFill>
               </a14:hiddenFill>
             </a:ext>
             <a:ext uri="{91240B29-F687-4f45-9708-019B960494DF}">
-              <a14:hiddenLine xmlns:a14="http://schemas.microsoft.com/office/drawing/2010/main" xmlns="" w="9525">
+              <a14:hiddenLine xmlns="" xmlns:a14="http://schemas.microsoft.com/office/drawing/2010/main" w="9525">
                 <a:solidFill>
                   <a:srgbClr val="000000"/>
                 </a:solidFill>
@@ -6037,7 +6252,7 @@
               </a14:hiddenLine>
             </a:ext>
             <a:ext uri="{AF507438-7753-43e0-B8FC-AC1667EBCBE1}">
-              <a14:hiddenEffects xmlns:a14="http://schemas.microsoft.com/office/drawing/2010/main" xmlns="">
+              <a14:hiddenEffects xmlns="" xmlns:a14="http://schemas.microsoft.com/office/drawing/2010/main">
                 <a:effectLst>
                   <a:outerShdw blurRad="63500" dist="38099" dir="2700000" algn="ctr" rotWithShape="0">
                     <a:srgbClr val="000000">
@@ -6856,59 +7071,75 @@
             <p:ph type="subTitle" idx="1"/>
           </p:nvPr>
         </p:nvSpPr>
-        <p:spPr/>
+        <p:spPr>
+          <a:xfrm>
+            <a:off x="914400" y="3429000"/>
+            <a:ext cx="6858000" cy="2743200"/>
+          </a:xfrm>
+        </p:spPr>
         <p:txBody>
           <a:bodyPr>
-            <a:normAutofit/>
+            <a:noAutofit/>
           </a:bodyPr>
           <a:lstStyle/>
           <a:p>
-            <a:pPr algn="l"/>
-            <a:r>
-              <a:rPr lang="en-US" sz="2700" dirty="0" err="1">
-                <a:solidFill>
-                  <a:schemeClr val="tx1"/>
-                </a:solidFill>
-              </a:rPr>
-              <a:t>Shiqiang</a:t>
-            </a:r>
-            <a:r>
-              <a:rPr lang="en-US" sz="2700" dirty="0">
-                <a:solidFill>
-                  <a:schemeClr val="tx1"/>
-                </a:solidFill>
-              </a:rPr>
+            <a:r>
+              <a:rPr lang="en-US" sz="2400" dirty="0"/>
+              <a:t>MS Thesis Presentation of:</a:t>
+            </a:r>
+          </a:p>
+          <a:p>
+            <a:r>
+              <a:rPr lang="en-US" sz="2400" dirty="0" err="1"/>
+              <a:t>Shiquang</a:t>
+            </a:r>
+            <a:r>
+              <a:rPr lang="en-US" sz="2400" dirty="0"/>
               <a:t> </a:t>
             </a:r>
             <a:r>
-              <a:rPr lang="en-US" sz="2700" dirty="0" err="1" smtClean="0">
-                <a:solidFill>
-                  <a:schemeClr val="tx1"/>
-                </a:solidFill>
-              </a:rPr>
+              <a:rPr lang="en-US" sz="2400" dirty="0" err="1"/>
               <a:t>Guo</a:t>
             </a:r>
-            <a:r>
-              <a:rPr lang="zh-CN" altLang="en-US" sz="2700" dirty="0" smtClean="0">
-                <a:solidFill>
-                  <a:schemeClr val="tx1"/>
-                </a:solidFill>
-              </a:rPr>
-              <a:t>， </a:t>
-            </a:r>
-            <a:r>
-              <a:rPr lang="en-US" altLang="zh-CN" sz="2700" dirty="0" smtClean="0">
-                <a:solidFill>
-                  <a:schemeClr val="tx1"/>
-                </a:solidFill>
-              </a:rPr>
-              <a:t>Tracy Hammond</a:t>
-            </a:r>
-            <a:endParaRPr lang="en-US" sz="2700" dirty="0">
-              <a:solidFill>
-                <a:schemeClr val="tx1"/>
-              </a:solidFill>
-            </a:endParaRPr>
+            <a:endParaRPr lang="en-US" sz="2400" dirty="0"/>
+          </a:p>
+          <a:p>
+            <a:r>
+              <a:rPr lang="en-US" sz="2400" dirty="0"/>
+              <a:t>Sketch Recognition Lab</a:t>
+            </a:r>
+          </a:p>
+          <a:p>
+            <a:r>
+              <a:rPr lang="en-US" sz="2400" dirty="0"/>
+              <a:t>Department of Computer Science, TAMU</a:t>
+            </a:r>
+          </a:p>
+          <a:p>
+            <a:r>
+              <a:rPr lang="en-US" sz="2400" dirty="0"/>
+              <a:t>Dr. Tracy Hammond (Advisor)</a:t>
+            </a:r>
+          </a:p>
+          <a:p>
+            <a:r>
+              <a:rPr lang="en-US" sz="2400" dirty="0"/>
+              <a:t>Dr. </a:t>
+            </a:r>
+            <a:r>
+              <a:rPr lang="en-US" sz="2400" dirty="0" err="1"/>
+              <a:t>Yoonsuck</a:t>
+            </a:r>
+            <a:r>
+              <a:rPr lang="en-US" sz="2400" dirty="0"/>
+              <a:t> Choi (Member)</a:t>
+            </a:r>
+          </a:p>
+          <a:p>
+            <a:r>
+              <a:rPr lang="en-US" sz="2400" dirty="0"/>
+              <a:t>Dr. Daniel Goldberg (Member)</a:t>
+            </a:r>
           </a:p>
         </p:txBody>
       </p:sp>
@@ -9324,15 +9555,7 @@
           <a:p>
             <a:r>
               <a:rPr lang="en-US" sz="2800" dirty="0" smtClean="0"/>
-              <a:t>Calculating the similarity values between the </a:t>
-            </a:r>
-            <a:r>
-              <a:rPr lang="en-US" sz="2800" dirty="0" smtClean="0"/>
-              <a:t>user’s résumé </a:t>
-            </a:r>
-            <a:r>
-              <a:rPr lang="en-US" sz="2800" dirty="0" smtClean="0"/>
-              <a:t>and the job models</a:t>
+              <a:t>Calculating the similarity values between the user’s résumé and the job models</a:t>
             </a:r>
           </a:p>
           <a:p>
@@ -9796,19 +10019,7 @@
               <a:rPr lang="en-US" sz="2800" dirty="0" smtClean="0">
                 <a:sym typeface="Wingdings" panose="05000000000000000000" pitchFamily="2" charset="2"/>
               </a:rPr>
-              <a:t>that </a:t>
-            </a:r>
-            <a:r>
-              <a:rPr lang="en-US" sz="2800" dirty="0" smtClean="0">
-                <a:sym typeface="Wingdings" panose="05000000000000000000" pitchFamily="2" charset="2"/>
-              </a:rPr>
-              <a:t>ranked by their similarity </a:t>
-            </a:r>
-            <a:r>
-              <a:rPr lang="en-US" sz="2800" dirty="0" smtClean="0">
-                <a:sym typeface="Wingdings" panose="05000000000000000000" pitchFamily="2" charset="2"/>
-              </a:rPr>
-              <a:t>values  </a:t>
+              <a:t>that ranked by their similarity values  </a:t>
             </a:r>
             <a:r>
               <a:rPr lang="en-US" sz="2800" dirty="0" err="1">
@@ -10315,11 +10526,7 @@
             </a:r>
             <a:r>
               <a:rPr lang="en-US" sz="2800" dirty="0" smtClean="0"/>
-              <a:t>the unstructured </a:t>
-            </a:r>
-            <a:r>
-              <a:rPr lang="en-US" sz="2800" dirty="0" smtClean="0"/>
-              <a:t>text data source.</a:t>
+              <a:t>the unstructured text data source.</a:t>
             </a:r>
             <a:endParaRPr lang="en-US" sz="2800" dirty="0"/>
           </a:p>
@@ -14109,13 +14316,9 @@
             </a:pPr>
             <a:r>
               <a:rPr lang="en-US" sz="2400" dirty="0" smtClean="0"/>
-              <a:t>Job finding become a tedious work</a:t>
-            </a:r>
-            <a:r>
-              <a:rPr lang="en-US" dirty="0" smtClean="0"/>
-              <a:t>  </a:t>
-            </a:r>
-            <a:endParaRPr lang="en-US" dirty="0"/>
+              <a:t>Job finding become a tedious work  </a:t>
+            </a:r>
+            <a:endParaRPr lang="en-US" sz="2400" dirty="0"/>
           </a:p>
         </p:txBody>
       </p:sp>
@@ -14175,7 +14378,7 @@
         </p:blipFill>
         <p:spPr>
           <a:xfrm>
-            <a:off x="5668696" y="1872332"/>
+            <a:off x="5672444" y="2667000"/>
             <a:ext cx="3475304" cy="3971777"/>
           </a:xfrm>
           <a:prstGeom prst="rect">
@@ -15143,21 +15346,8 @@
                   <a:schemeClr val="tx1"/>
                 </a:solidFill>
               </a:rPr>
-              <a:t>t</a:t>
-            </a:r>
-            <a:r>
-              <a:rPr lang="en-US" sz="2400" dirty="0" smtClean="0">
-                <a:solidFill>
-                  <a:schemeClr val="tx1"/>
-                </a:solidFill>
-              </a:rPr>
-              <a:t>)</a:t>
-            </a:r>
-            <a:endParaRPr lang="en-US" sz="2400" dirty="0" smtClean="0">
-              <a:solidFill>
-                <a:schemeClr val="tx1"/>
-              </a:solidFill>
-            </a:endParaRPr>
+              <a:t>t)</a:t>
+            </a:r>
           </a:p>
           <a:p>
             <a:pPr>
@@ -15330,14 +15520,14 @@
           <a:effectLst/>
           <a:extLst>
             <a:ext uri="{909E8E84-426E-40dd-AFC4-6F175D3DCCD1}">
-              <a14:hiddenFill xmlns:a14="http://schemas.microsoft.com/office/drawing/2010/main" xmlns="">
+              <a14:hiddenFill xmlns="" xmlns:a14="http://schemas.microsoft.com/office/drawing/2010/main">
                 <a:solidFill>
                   <a:srgbClr val="FFFFFF"/>
                 </a:solidFill>
               </a14:hiddenFill>
             </a:ext>
             <a:ext uri="{91240B29-F687-4f45-9708-019B960494DF}">
-              <a14:hiddenLine xmlns:a14="http://schemas.microsoft.com/office/drawing/2010/main" xmlns="" w="9525">
+              <a14:hiddenLine xmlns="" xmlns:a14="http://schemas.microsoft.com/office/drawing/2010/main" w="9525">
                 <a:solidFill>
                   <a:srgbClr val="000000"/>
                 </a:solidFill>
@@ -15347,7 +15537,7 @@
               </a14:hiddenLine>
             </a:ext>
             <a:ext uri="{AF507438-7753-43e0-B8FC-AC1667EBCBE1}">
-              <a14:hiddenEffects xmlns:a14="http://schemas.microsoft.com/office/drawing/2010/main" xmlns="">
+              <a14:hiddenEffects xmlns="" xmlns:a14="http://schemas.microsoft.com/office/drawing/2010/main">
                 <a:effectLst>
                   <a:outerShdw blurRad="63500" dist="38099" dir="2700000" algn="ctr" rotWithShape="0">
                     <a:schemeClr val="bg2">
@@ -15358,7 +15548,7 @@
               </a14:hiddenEffects>
             </a:ext>
             <a:ext uri="{FAA26D3D-D897-4be2-8F04-BA451C77F1D7}">
-              <ma14:placeholderFlag xmlns:ma14="http://schemas.microsoft.com/office/mac/drawingml/2011/main" xmlns="" val="1"/>
+              <ma14:placeholderFlag xmlns="" xmlns:ma14="http://schemas.microsoft.com/office/mac/drawingml/2011/main" val="1"/>
             </a:ext>
           </a:extLst>
         </p:spPr>
@@ -15900,17 +16090,7 @@
                   </a:schemeClr>
                 </a:solidFill>
               </a:rPr>
-              <a:t>Job </a:t>
-            </a:r>
-            <a:r>
-              <a:rPr lang="en-US" dirty="0" smtClean="0">
-                <a:solidFill>
-                  <a:schemeClr val="bg2">
-                    <a:lumMod val="75000"/>
-                  </a:schemeClr>
-                </a:solidFill>
-              </a:rPr>
-              <a:t>Descriptions </a:t>
+              <a:t>Job Descriptions </a:t>
             </a:r>
             <a:endParaRPr lang="en-US" dirty="0">
               <a:solidFill>
@@ -16021,19 +16201,7 @@
             </a:pPr>
             <a:r>
               <a:rPr lang="en-US" sz="2400" dirty="0" smtClean="0"/>
-              <a:t>Collecting </a:t>
-            </a:r>
-            <a:r>
-              <a:rPr lang="en-US" sz="2400" dirty="0" smtClean="0"/>
-              <a:t>fifty initial terms manually, </a:t>
-            </a:r>
-            <a:r>
-              <a:rPr lang="en-US" sz="2400" dirty="0" smtClean="0"/>
-              <a:t>and adding </a:t>
-            </a:r>
-            <a:r>
-              <a:rPr lang="en-US" sz="2400" dirty="0" smtClean="0"/>
-              <a:t>them  to term list</a:t>
+              <a:t>Collecting fifty initial terms manually, and adding them  to term list</a:t>
             </a:r>
           </a:p>
           <a:p>
@@ -16147,13 +16315,6 @@
               </a:rPr>
               <a:t>Bootstrap approach </a:t>
             </a:r>
-            <a:endParaRPr lang="en-US" dirty="0">
-              <a:solidFill>
-                <a:schemeClr val="bg2">
-                  <a:lumMod val="75000"/>
-                </a:schemeClr>
-              </a:solidFill>
-            </a:endParaRPr>
           </a:p>
         </p:txBody>
       </p:sp>
@@ -16517,11 +16678,7 @@
             </a:r>
             <a:r>
               <a:rPr lang="en-US" sz="2800" dirty="0" smtClean="0"/>
-              <a:t>as a query to search </a:t>
-            </a:r>
-            <a:r>
-              <a:rPr lang="en-US" sz="2800" dirty="0" smtClean="0"/>
-              <a:t>jobs</a:t>
+              <a:t>as a query to search jobs</a:t>
             </a:r>
           </a:p>
           <a:p>
@@ -16529,7 +16686,6 @@
               <a:rPr lang="en-US" sz="2800" dirty="0" smtClean="0"/>
               <a:t>Ranking the jobs by their similarity scores</a:t>
             </a:r>
-            <a:endParaRPr lang="en-US" sz="2800" dirty="0" smtClean="0"/>
           </a:p>
         </p:txBody>
       </p:sp>
@@ -16857,11 +17013,7 @@
             </a:r>
             <a:r>
               <a:rPr lang="en-US" dirty="0" smtClean="0"/>
-              <a:t>ontology have </a:t>
-            </a:r>
-            <a:r>
-              <a:rPr lang="en-US" dirty="0" smtClean="0"/>
-              <a:t>uniform distance</a:t>
+              <a:t>ontology have uniform distance</a:t>
             </a:r>
             <a:endParaRPr lang="en-US" dirty="0"/>
           </a:p>
@@ -17592,15 +17744,7 @@
             </a:pPr>
             <a:r>
               <a:rPr lang="en-US" sz="2800" dirty="0" smtClean="0"/>
-              <a:t>The smaller the distance of two skills, the closer the </a:t>
-            </a:r>
-            <a:r>
-              <a:rPr lang="en-US" sz="2800" dirty="0" smtClean="0"/>
-              <a:t>relationship between them</a:t>
-            </a:r>
-            <a:r>
-              <a:rPr lang="en-US" sz="2800" dirty="0" smtClean="0"/>
-              <a:t>.  </a:t>
+              <a:t>The smaller the distance of two skills, the closer the relationship between them.  </a:t>
             </a:r>
             <a:endParaRPr lang="en-US" sz="2800" dirty="0"/>
           </a:p>
@@ -18059,7 +18203,7 @@
           <p:nvPr/>
         </p:nvPicPr>
         <p:blipFill>
-          <a:blip r:embed="rId2"/>
+          <a:blip r:embed="rId3"/>
           <a:stretch>
             <a:fillRect/>
           </a:stretch>
@@ -18958,7 +19102,7 @@
                   <a:schemeClr val="tx1"/>
                 </a:solidFill>
               </a:rPr>
-              <a:t>gave </a:t>
+              <a:t>given </a:t>
             </a:r>
             <a:r>
               <a:rPr lang="en-US" dirty="0">
@@ -20272,15 +20416,7 @@
           <a:p>
             <a:r>
               <a:rPr lang="en-US" altLang="zh-CN" sz="2800" dirty="0" smtClean="0"/>
-              <a:t>TF: </a:t>
-            </a:r>
-            <a:r>
-              <a:rPr lang="en-US" altLang="zh-CN" sz="2800" dirty="0" smtClean="0"/>
-              <a:t>The </a:t>
-            </a:r>
-            <a:r>
-              <a:rPr lang="en-US" altLang="zh-CN" sz="2800" dirty="0" smtClean="0"/>
-              <a:t>term</a:t>
+              <a:t>TF: The term</a:t>
             </a:r>
             <a:r>
               <a:rPr lang="en-US" altLang="zh-CN" sz="2800" dirty="0"/>
@@ -20294,11 +20430,7 @@
           <a:p>
             <a:r>
               <a:rPr lang="en-US" altLang="zh-CN" sz="2800" dirty="0" smtClean="0"/>
-              <a:t>IDF: </a:t>
-            </a:r>
-            <a:r>
-              <a:rPr lang="en-US" altLang="zh-CN" sz="2800" dirty="0" smtClean="0"/>
-              <a:t>The </a:t>
+              <a:t>IDF: The </a:t>
             </a:r>
             <a:r>
               <a:rPr lang="en-US" altLang="zh-CN" sz="2800" dirty="0"/>
@@ -20503,7 +20635,7 @@
           <a:p>
             <a:r>
               <a:rPr lang="en-US" sz="2400" dirty="0"/>
-              <a:t>Combined keyword searching and model matching</a:t>
+              <a:t>A new searching approach which combines keyword searching and model matching</a:t>
             </a:r>
           </a:p>
           <a:p>
@@ -20642,7 +20774,6 @@
               <a:rPr lang="en-US" dirty="0"/>
               <a:t>ranks a set of documents based on the query terms appearing in each document</a:t>
             </a:r>
-            <a:endParaRPr lang="en-US" dirty="0"/>
           </a:p>
         </p:txBody>
       </p:sp>
@@ -20889,7 +21020,7 @@
         </p:nvSpPr>
         <p:spPr>
           <a:xfrm>
-            <a:off x="1171575" y="1131094"/>
+            <a:off x="457200" y="1066800"/>
             <a:ext cx="7343775" cy="994172"/>
           </a:xfrm>
         </p:spPr>
@@ -20905,7 +21036,46 @@
                   </a:schemeClr>
                 </a:solidFill>
               </a:rPr>
-              <a:t>EVALUATION – System Performance </a:t>
+              <a:t>EVALUATION </a:t>
+            </a:r>
+            <a:r>
+              <a:rPr lang="en-US" dirty="0" smtClean="0">
+                <a:solidFill>
+                  <a:schemeClr val="bg2">
+                    <a:lumMod val="75000"/>
+                  </a:schemeClr>
+                </a:solidFill>
+              </a:rPr>
+              <a:t/>
+            </a:r>
+            <a:br>
+              <a:rPr lang="en-US" dirty="0" smtClean="0">
+                <a:solidFill>
+                  <a:schemeClr val="bg2">
+                    <a:lumMod val="75000"/>
+                  </a:schemeClr>
+                </a:solidFill>
+              </a:rPr>
+            </a:br>
+            <a:r>
+              <a:rPr lang="en-US" dirty="0" smtClean="0">
+                <a:solidFill>
+                  <a:schemeClr val="bg2">
+                    <a:lumMod val="75000"/>
+                  </a:schemeClr>
+                </a:solidFill>
+              </a:rPr>
+              <a:t>– </a:t>
+            </a:r>
+            <a:r>
+              <a:rPr lang="en-US" dirty="0">
+                <a:solidFill>
+                  <a:schemeClr val="bg2">
+                    <a:lumMod val="75000"/>
+                  </a:schemeClr>
+                </a:solidFill>
+              </a:rPr>
+              <a:t>Ontology Matching</a:t>
             </a:r>
           </a:p>
         </p:txBody>
@@ -21026,8 +21196,44 @@
                   </a:schemeClr>
                 </a:solidFill>
               </a:rPr>
-              <a:t>EVALUATION – System Performance </a:t>
-            </a:r>
+              <a:t>EVALUATION </a:t>
+            </a:r>
+            <a:r>
+              <a:rPr lang="en-US" sz="3600" dirty="0" smtClean="0">
+                <a:solidFill>
+                  <a:schemeClr val="bg2">
+                    <a:lumMod val="75000"/>
+                  </a:schemeClr>
+                </a:solidFill>
+              </a:rPr>
+              <a:t/>
+            </a:r>
+            <a:br>
+              <a:rPr lang="en-US" sz="3600" dirty="0" smtClean="0">
+                <a:solidFill>
+                  <a:schemeClr val="bg2">
+                    <a:lumMod val="75000"/>
+                  </a:schemeClr>
+                </a:solidFill>
+              </a:rPr>
+            </a:br>
+            <a:r>
+              <a:rPr lang="en-US" sz="3600" dirty="0" smtClean="0">
+                <a:solidFill>
+                  <a:schemeClr val="bg2">
+                    <a:lumMod val="75000"/>
+                  </a:schemeClr>
+                </a:solidFill>
+              </a:rPr>
+              <a:t>– Ontology Matching</a:t>
+            </a:r>
+            <a:endParaRPr lang="en-US" sz="3600" dirty="0">
+              <a:solidFill>
+                <a:schemeClr val="bg2">
+                  <a:lumMod val="75000"/>
+                </a:schemeClr>
+              </a:solidFill>
+            </a:endParaRPr>
           </a:p>
         </p:txBody>
       </p:sp>
@@ -21120,8 +21326,12 @@
           </a:p>
           <a:p>
             <a:r>
+              <a:rPr lang="en-US" sz="2400" dirty="0" smtClean="0"/>
+              <a:t>A new searching approach which combines </a:t>
+            </a:r>
+            <a:r>
               <a:rPr lang="en-US" sz="2400" dirty="0"/>
-              <a:t>Combined keyword searching and model matching</a:t>
+              <a:t>keyword searching and model matching</a:t>
             </a:r>
           </a:p>
           <a:p>
@@ -21232,8 +21442,8 @@
               <a:buAutoNum type="arabicPeriod"/>
             </a:pPr>
             <a:r>
-              <a:rPr lang="en-US" smtClean="0"/>
-              <a:t>Cluster the </a:t>
+              <a:rPr lang="en-US" dirty="0" smtClean="0"/>
+              <a:t>Clustering the </a:t>
             </a:r>
             <a:r>
               <a:rPr lang="en-US" dirty="0"/>
@@ -21251,7 +21461,7 @@
             </a:pPr>
             <a:r>
               <a:rPr lang="en-US" dirty="0" smtClean="0"/>
-              <a:t>Build more complex job and </a:t>
+              <a:t>Building more complex job and </a:t>
             </a:r>
             <a:r>
               <a:rPr lang="en-US" dirty="0" smtClean="0">
@@ -21380,14 +21590,14 @@
           <a:effectLst/>
           <a:extLst>
             <a:ext uri="{909E8E84-426E-40dd-AFC4-6F175D3DCCD1}">
-              <a14:hiddenFill xmlns:a14="http://schemas.microsoft.com/office/drawing/2010/main" xmlns="">
+              <a14:hiddenFill xmlns="" xmlns:a14="http://schemas.microsoft.com/office/drawing/2010/main">
                 <a:solidFill>
                   <a:srgbClr val="FFFFFF"/>
                 </a:solidFill>
               </a14:hiddenFill>
             </a:ext>
             <a:ext uri="{91240B29-F687-4f45-9708-019B960494DF}">
-              <a14:hiddenLine xmlns:a14="http://schemas.microsoft.com/office/drawing/2010/main" xmlns="" w="9525">
+              <a14:hiddenLine xmlns="" xmlns:a14="http://schemas.microsoft.com/office/drawing/2010/main" w="9525">
                 <a:solidFill>
                   <a:srgbClr val="000000"/>
                 </a:solidFill>
@@ -21397,7 +21607,7 @@
               </a14:hiddenLine>
             </a:ext>
             <a:ext uri="{AF507438-7753-43e0-B8FC-AC1667EBCBE1}">
-              <a14:hiddenEffects xmlns:a14="http://schemas.microsoft.com/office/drawing/2010/main" xmlns="">
+              <a14:hiddenEffects xmlns="" xmlns:a14="http://schemas.microsoft.com/office/drawing/2010/main">
                 <a:effectLst>
                   <a:outerShdw blurRad="63500" dist="38099" dir="2700000" algn="ctr" rotWithShape="0">
                     <a:srgbClr val="000000">
@@ -21716,14 +21926,14 @@
           <a:effectLst/>
           <a:extLst>
             <a:ext uri="{909E8E84-426E-40dd-AFC4-6F175D3DCCD1}">
-              <a14:hiddenFill xmlns:a14="http://schemas.microsoft.com/office/drawing/2010/main" xmlns="">
+              <a14:hiddenFill xmlns="" xmlns:a14="http://schemas.microsoft.com/office/drawing/2010/main">
                 <a:solidFill>
                   <a:srgbClr val="FFFFFF"/>
                 </a:solidFill>
               </a14:hiddenFill>
             </a:ext>
             <a:ext uri="{91240B29-F687-4f45-9708-019B960494DF}">
-              <a14:hiddenLine xmlns:a14="http://schemas.microsoft.com/office/drawing/2010/main" xmlns="" w="9525">
+              <a14:hiddenLine xmlns="" xmlns:a14="http://schemas.microsoft.com/office/drawing/2010/main" w="9525">
                 <a:solidFill>
                   <a:srgbClr val="000000"/>
                 </a:solidFill>
@@ -21733,7 +21943,7 @@
               </a14:hiddenLine>
             </a:ext>
             <a:ext uri="{AF507438-7753-43e0-B8FC-AC1667EBCBE1}">
-              <a14:hiddenEffects xmlns:a14="http://schemas.microsoft.com/office/drawing/2010/main" xmlns="">
+              <a14:hiddenEffects xmlns="" xmlns:a14="http://schemas.microsoft.com/office/drawing/2010/main">
                 <a:effectLst>
                   <a:outerShdw blurRad="63500" dist="38099" dir="2700000" algn="ctr" rotWithShape="0">
                     <a:srgbClr val="000000">
@@ -22211,14 +22421,14 @@
           <a:effectLst/>
           <a:extLst>
             <a:ext uri="{909E8E84-426E-40dd-AFC4-6F175D3DCCD1}">
-              <a14:hiddenFill xmlns:a14="http://schemas.microsoft.com/office/drawing/2010/main" xmlns="">
+              <a14:hiddenFill xmlns="" xmlns:a14="http://schemas.microsoft.com/office/drawing/2010/main">
                 <a:solidFill>
                   <a:srgbClr val="FFFFFF"/>
                 </a:solidFill>
               </a14:hiddenFill>
             </a:ext>
             <a:ext uri="{91240B29-F687-4f45-9708-019B960494DF}">
-              <a14:hiddenLine xmlns:a14="http://schemas.microsoft.com/office/drawing/2010/main" xmlns="" w="9525">
+              <a14:hiddenLine xmlns="" xmlns:a14="http://schemas.microsoft.com/office/drawing/2010/main" w="9525">
                 <a:solidFill>
                   <a:srgbClr val="000000"/>
                 </a:solidFill>
@@ -22228,7 +22438,7 @@
               </a14:hiddenLine>
             </a:ext>
             <a:ext uri="{AF507438-7753-43e0-B8FC-AC1667EBCBE1}">
-              <a14:hiddenEffects xmlns:a14="http://schemas.microsoft.com/office/drawing/2010/main" xmlns="">
+              <a14:hiddenEffects xmlns="" xmlns:a14="http://schemas.microsoft.com/office/drawing/2010/main">
                 <a:effectLst>
                   <a:outerShdw blurRad="63500" dist="38099" dir="2700000" algn="ctr" rotWithShape="0">
                     <a:srgbClr val="000000">
@@ -22547,14 +22757,14 @@
           <a:effectLst/>
           <a:extLst>
             <a:ext uri="{909E8E84-426E-40dd-AFC4-6F175D3DCCD1}">
-              <a14:hiddenFill xmlns:a14="http://schemas.microsoft.com/office/drawing/2010/main" xmlns="">
+              <a14:hiddenFill xmlns="" xmlns:a14="http://schemas.microsoft.com/office/drawing/2010/main">
                 <a:solidFill>
                   <a:srgbClr val="FFFFFF"/>
                 </a:solidFill>
               </a14:hiddenFill>
             </a:ext>
             <a:ext uri="{91240B29-F687-4f45-9708-019B960494DF}">
-              <a14:hiddenLine xmlns:a14="http://schemas.microsoft.com/office/drawing/2010/main" xmlns="" w="9525">
+              <a14:hiddenLine xmlns="" xmlns:a14="http://schemas.microsoft.com/office/drawing/2010/main" w="9525">
                 <a:solidFill>
                   <a:srgbClr val="000000"/>
                 </a:solidFill>
@@ -22564,7 +22774,7 @@
               </a14:hiddenLine>
             </a:ext>
             <a:ext uri="{AF507438-7753-43e0-B8FC-AC1667EBCBE1}">
-              <a14:hiddenEffects xmlns:a14="http://schemas.microsoft.com/office/drawing/2010/main" xmlns="">
+              <a14:hiddenEffects xmlns="" xmlns:a14="http://schemas.microsoft.com/office/drawing/2010/main">
                 <a:effectLst>
                   <a:outerShdw blurRad="63500" dist="38099" dir="2700000" algn="ctr" rotWithShape="0">
                     <a:srgbClr val="000000">
@@ -23224,14 +23434,14 @@
           <a:effectLst/>
           <a:extLst>
             <a:ext uri="{909E8E84-426E-40dd-AFC4-6F175D3DCCD1}">
-              <a14:hiddenFill xmlns:a14="http://schemas.microsoft.com/office/drawing/2010/main" xmlns="">
+              <a14:hiddenFill xmlns="" xmlns:a14="http://schemas.microsoft.com/office/drawing/2010/main">
                 <a:solidFill>
                   <a:srgbClr val="FFFFFF"/>
                 </a:solidFill>
               </a14:hiddenFill>
             </a:ext>
             <a:ext uri="{91240B29-F687-4f45-9708-019B960494DF}">
-              <a14:hiddenLine xmlns:a14="http://schemas.microsoft.com/office/drawing/2010/main" xmlns="" w="9525">
+              <a14:hiddenLine xmlns="" xmlns:a14="http://schemas.microsoft.com/office/drawing/2010/main" w="9525">
                 <a:solidFill>
                   <a:srgbClr val="000000"/>
                 </a:solidFill>
@@ -23241,7 +23451,7 @@
               </a14:hiddenLine>
             </a:ext>
             <a:ext uri="{AF507438-7753-43e0-B8FC-AC1667EBCBE1}">
-              <a14:hiddenEffects xmlns:a14="http://schemas.microsoft.com/office/drawing/2010/main" xmlns="">
+              <a14:hiddenEffects xmlns="" xmlns:a14="http://schemas.microsoft.com/office/drawing/2010/main">
                 <a:effectLst>
                   <a:outerShdw blurRad="63500" dist="38099" dir="2700000" algn="ctr" rotWithShape="0">
                     <a:srgbClr val="000000">
@@ -23547,14 +23757,14 @@
           <a:effectLst/>
           <a:extLst>
             <a:ext uri="{909E8E84-426E-40dd-AFC4-6F175D3DCCD1}">
-              <a14:hiddenFill xmlns:a14="http://schemas.microsoft.com/office/drawing/2010/main" xmlns="">
+              <a14:hiddenFill xmlns="" xmlns:a14="http://schemas.microsoft.com/office/drawing/2010/main">
                 <a:solidFill>
                   <a:srgbClr val="FFFFFF"/>
                 </a:solidFill>
               </a14:hiddenFill>
             </a:ext>
             <a:ext uri="{91240B29-F687-4f45-9708-019B960494DF}">
-              <a14:hiddenLine xmlns:a14="http://schemas.microsoft.com/office/drawing/2010/main" xmlns="" w="9525">
+              <a14:hiddenLine xmlns="" xmlns:a14="http://schemas.microsoft.com/office/drawing/2010/main" w="9525">
                 <a:solidFill>
                   <a:srgbClr val="000000"/>
                 </a:solidFill>
@@ -23564,7 +23774,7 @@
               </a14:hiddenLine>
             </a:ext>
             <a:ext uri="{AF507438-7753-43e0-B8FC-AC1667EBCBE1}">
-              <a14:hiddenEffects xmlns:a14="http://schemas.microsoft.com/office/drawing/2010/main" xmlns="">
+              <a14:hiddenEffects xmlns="" xmlns:a14="http://schemas.microsoft.com/office/drawing/2010/main">
                 <a:effectLst>
                   <a:outerShdw blurRad="63500" dist="38099" dir="2700000" algn="ctr" rotWithShape="0">
                     <a:srgbClr val="000000">
@@ -23962,6 +24172,174 @@
 </p:sld>
 </file>
 
+<file path=ppt/slides/slide79.xml><?xml version="1.0" encoding="utf-8"?>
+<p:sld xmlns:a="http://schemas.openxmlformats.org/drawingml/2006/main" xmlns:r="http://schemas.openxmlformats.org/officeDocument/2006/relationships" xmlns:p="http://schemas.openxmlformats.org/presentationml/2006/main">
+  <p:cSld>
+    <p:spTree>
+      <p:nvGrpSpPr>
+        <p:cNvPr id="1" name=""/>
+        <p:cNvGrpSpPr/>
+        <p:nvPr/>
+      </p:nvGrpSpPr>
+      <p:grpSpPr>
+        <a:xfrm>
+          <a:off x="0" y="0"/>
+          <a:ext cx="0" cy="0"/>
+          <a:chOff x="0" y="0"/>
+          <a:chExt cx="0" cy="0"/>
+        </a:xfrm>
+      </p:grpSpPr>
+      <p:sp>
+        <p:nvSpPr>
+          <p:cNvPr id="2" name="Content Placeholder 1"/>
+          <p:cNvSpPr>
+            <a:spLocks noGrp="1"/>
+          </p:cNvSpPr>
+          <p:nvPr>
+            <p:ph idx="1"/>
+          </p:nvPr>
+        </p:nvSpPr>
+        <p:spPr>
+          <a:xfrm>
+            <a:off x="694809" y="1894010"/>
+            <a:ext cx="8228013" cy="4981575"/>
+          </a:xfrm>
+        </p:spPr>
+        <p:txBody>
+          <a:bodyPr>
+            <a:normAutofit/>
+          </a:bodyPr>
+          <a:lstStyle/>
+          <a:p>
+            <a:r>
+              <a:rPr lang="en-US" dirty="0"/>
+              <a:t>Path-based </a:t>
+            </a:r>
+            <a:r>
+              <a:rPr lang="en-US" dirty="0" smtClean="0"/>
+              <a:t>approaches </a:t>
+            </a:r>
+            <a:endParaRPr lang="en-US" dirty="0"/>
+          </a:p>
+          <a:p>
+            <a:endParaRPr lang="en-US" dirty="0"/>
+          </a:p>
+          <a:p>
+            <a:r>
+              <a:rPr lang="en-US" dirty="0"/>
+              <a:t> </a:t>
+            </a:r>
+            <a:endParaRPr lang="en-US" dirty="0" smtClean="0"/>
+          </a:p>
+          <a:p>
+            <a:endParaRPr lang="en-US" dirty="0"/>
+          </a:p>
+          <a:p>
+            <a:r>
+              <a:rPr lang="en-US" dirty="0" smtClean="0"/>
+              <a:t>They </a:t>
+            </a:r>
+            <a:r>
+              <a:rPr lang="en-US" dirty="0"/>
+              <a:t>assume that all links in the </a:t>
+            </a:r>
+            <a:r>
+              <a:rPr lang="en-US" dirty="0" smtClean="0"/>
+              <a:t>ontology have uniform distance</a:t>
+            </a:r>
+            <a:endParaRPr lang="en-US" dirty="0"/>
+          </a:p>
+          <a:p>
+            <a:endParaRPr lang="en-US" dirty="0" smtClean="0"/>
+          </a:p>
+          <a:p>
+            <a:r>
+              <a:rPr lang="en-US" dirty="0" smtClean="0"/>
+              <a:t> </a:t>
+            </a:r>
+            <a:endParaRPr lang="en-US" dirty="0"/>
+          </a:p>
+        </p:txBody>
+      </p:sp>
+      <p:sp>
+        <p:nvSpPr>
+          <p:cNvPr id="3" name="Title 2"/>
+          <p:cNvSpPr>
+            <a:spLocks noGrp="1"/>
+          </p:cNvSpPr>
+          <p:nvPr>
+            <p:ph type="title"/>
+          </p:nvPr>
+        </p:nvSpPr>
+        <p:spPr>
+          <a:xfrm>
+            <a:off x="694809" y="533400"/>
+            <a:ext cx="7343775" cy="994172"/>
+          </a:xfrm>
+        </p:spPr>
+        <p:txBody>
+          <a:bodyPr/>
+          <a:lstStyle/>
+          <a:p>
+            <a:r>
+              <a:rPr lang="en-US" dirty="0"/>
+              <a:t>Ontology similarity</a:t>
+            </a:r>
+          </a:p>
+        </p:txBody>
+      </p:sp>
+      <p:pic>
+        <p:nvPicPr>
+          <p:cNvPr id="4" name="Picture 3"/>
+          <p:cNvPicPr>
+            <a:picLocks noChangeAspect="1"/>
+          </p:cNvPicPr>
+          <p:nvPr/>
+        </p:nvPicPr>
+        <p:blipFill>
+          <a:blip r:embed="rId2"/>
+          <a:stretch>
+            <a:fillRect/>
+          </a:stretch>
+        </p:blipFill>
+        <p:spPr>
+          <a:xfrm>
+            <a:off x="1752600" y="2819400"/>
+            <a:ext cx="4916718" cy="929380"/>
+          </a:xfrm>
+          <a:prstGeom prst="rect">
+            <a:avLst/>
+          </a:prstGeom>
+        </p:spPr>
+      </p:pic>
+    </p:spTree>
+    <p:extLst>
+      <p:ext uri="{BB962C8B-B14F-4D97-AF65-F5344CB8AC3E}">
+        <p14:creationId xmlns:p14="http://schemas.microsoft.com/office/powerpoint/2010/main" val="3660404205"/>
+      </p:ext>
+    </p:extLst>
+  </p:cSld>
+  <p:clrMapOvr>
+    <a:masterClrMapping/>
+  </p:clrMapOvr>
+  <mc:AlternateContent xmlns:mc="http://schemas.openxmlformats.org/markup-compatibility/2006">
+    <mc:Choice xmlns:p14="http://schemas.microsoft.com/office/powerpoint/2010/main" Requires="p14">
+      <p:transition spd="slow" p14:dur="2000"/>
+    </mc:Choice>
+    <mc:Fallback>
+      <p:transition spd="slow"/>
+    </mc:Fallback>
+  </mc:AlternateContent>
+  <p:timing>
+    <p:tnLst>
+      <p:par>
+        <p:cTn id="1" dur="indefinite" restart="never" nodeType="tmRoot"/>
+      </p:par>
+    </p:tnLst>
+  </p:timing>
+</p:sld>
+</file>
+
 <file path=ppt/slides/slide8.xml><?xml version="1.0" encoding="utf-8"?>
 <p:sld xmlns:a="http://schemas.openxmlformats.org/drawingml/2006/main" xmlns:r="http://schemas.openxmlformats.org/officeDocument/2006/relationships" xmlns:p="http://schemas.openxmlformats.org/presentationml/2006/main">
   <p:cSld>
@@ -24033,6 +24411,399 @@
   <p:clrMapOvr>
     <a:masterClrMapping/>
   </p:clrMapOvr>
+</p:sld>
+</file>
+
+<file path=ppt/slides/slide80.xml><?xml version="1.0" encoding="utf-8"?>
+<p:sld xmlns:a="http://schemas.openxmlformats.org/drawingml/2006/main" xmlns:r="http://schemas.openxmlformats.org/officeDocument/2006/relationships" xmlns:p="http://schemas.openxmlformats.org/presentationml/2006/main">
+  <p:cSld>
+    <p:spTree>
+      <p:nvGrpSpPr>
+        <p:cNvPr id="1" name=""/>
+        <p:cNvGrpSpPr/>
+        <p:nvPr/>
+      </p:nvGrpSpPr>
+      <p:grpSpPr>
+        <a:xfrm>
+          <a:off x="0" y="0"/>
+          <a:ext cx="0" cy="0"/>
+          <a:chOff x="0" y="0"/>
+          <a:chExt cx="0" cy="0"/>
+        </a:xfrm>
+      </p:grpSpPr>
+      <p:sp>
+        <p:nvSpPr>
+          <p:cNvPr id="2" name="Content Placeholder 1"/>
+          <p:cNvSpPr>
+            <a:spLocks noGrp="1"/>
+          </p:cNvSpPr>
+          <p:nvPr>
+            <p:ph idx="1"/>
+          </p:nvPr>
+        </p:nvSpPr>
+        <p:spPr>
+          <a:xfrm>
+            <a:off x="729455" y="1981200"/>
+            <a:ext cx="8228013" cy="4981575"/>
+          </a:xfrm>
+        </p:spPr>
+        <p:txBody>
+          <a:bodyPr>
+            <a:normAutofit/>
+          </a:bodyPr>
+          <a:lstStyle/>
+          <a:p>
+            <a:r>
+              <a:rPr lang="en-US" dirty="0" smtClean="0"/>
+              <a:t>Feature-based measures</a:t>
+            </a:r>
+          </a:p>
+          <a:p>
+            <a:endParaRPr lang="en-US" dirty="0"/>
+          </a:p>
+          <a:p>
+            <a:endParaRPr lang="en-US" dirty="0" smtClean="0"/>
+          </a:p>
+          <a:p>
+            <a:r>
+              <a:rPr lang="en-US" dirty="0" smtClean="0"/>
+              <a:t> </a:t>
+            </a:r>
+            <a:endParaRPr lang="en-US" dirty="0"/>
+          </a:p>
+        </p:txBody>
+      </p:sp>
+      <p:sp>
+        <p:nvSpPr>
+          <p:cNvPr id="3" name="Title 2"/>
+          <p:cNvSpPr>
+            <a:spLocks noGrp="1"/>
+          </p:cNvSpPr>
+          <p:nvPr>
+            <p:ph type="title"/>
+          </p:nvPr>
+        </p:nvSpPr>
+        <p:spPr>
+          <a:xfrm>
+            <a:off x="765681" y="508025"/>
+            <a:ext cx="7343775" cy="994172"/>
+          </a:xfrm>
+        </p:spPr>
+        <p:txBody>
+          <a:bodyPr/>
+          <a:lstStyle/>
+          <a:p>
+            <a:r>
+              <a:rPr lang="en-US" dirty="0"/>
+              <a:t>Ontology similarity </a:t>
+            </a:r>
+          </a:p>
+        </p:txBody>
+      </p:sp>
+      <p:pic>
+        <p:nvPicPr>
+          <p:cNvPr id="5" name="Picture 4"/>
+          <p:cNvPicPr>
+            <a:picLocks noChangeAspect="1"/>
+          </p:cNvPicPr>
+          <p:nvPr/>
+        </p:nvPicPr>
+        <p:blipFill>
+          <a:blip r:embed="rId2"/>
+          <a:stretch>
+            <a:fillRect/>
+          </a:stretch>
+        </p:blipFill>
+        <p:spPr>
+          <a:xfrm>
+            <a:off x="609600" y="2799667"/>
+            <a:ext cx="8228013" cy="720740"/>
+          </a:xfrm>
+          <a:prstGeom prst="rect">
+            <a:avLst/>
+          </a:prstGeom>
+        </p:spPr>
+      </p:pic>
+      <p:sp>
+        <p:nvSpPr>
+          <p:cNvPr id="4" name="TextBox 3"/>
+          <p:cNvSpPr txBox="1"/>
+          <p:nvPr/>
+        </p:nvSpPr>
+        <p:spPr>
+          <a:xfrm>
+            <a:off x="868067" y="3933378"/>
+            <a:ext cx="8393457" cy="1077218"/>
+          </a:xfrm>
+          <a:prstGeom prst="rect">
+            <a:avLst/>
+          </a:prstGeom>
+          <a:noFill/>
+        </p:spPr>
+        <p:txBody>
+          <a:bodyPr wrap="square" rtlCol="0">
+            <a:spAutoFit/>
+          </a:bodyPr>
+          <a:lstStyle/>
+          <a:p>
+            <a:r>
+              <a:rPr lang="en-US" sz="3200" dirty="0" smtClean="0">
+                <a:solidFill>
+                  <a:schemeClr val="tx1"/>
+                </a:solidFill>
+              </a:rPr>
+              <a:t>Only big ontologies </a:t>
+            </a:r>
+            <a:r>
+              <a:rPr lang="en-US" sz="3200" dirty="0">
+                <a:solidFill>
+                  <a:schemeClr val="tx1"/>
+                </a:solidFill>
+              </a:rPr>
+              <a:t>like </a:t>
+            </a:r>
+            <a:r>
+              <a:rPr lang="en-US" sz="3200" dirty="0" err="1">
+                <a:solidFill>
+                  <a:schemeClr val="tx1"/>
+                </a:solidFill>
+              </a:rPr>
+              <a:t>Wordnet</a:t>
+            </a:r>
+            <a:r>
+              <a:rPr lang="en-US" sz="3200" dirty="0">
+                <a:solidFill>
+                  <a:schemeClr val="tx1"/>
+                </a:solidFill>
+              </a:rPr>
+              <a:t> </a:t>
+            </a:r>
+            <a:r>
+              <a:rPr lang="en-US" sz="3200" dirty="0" smtClean="0">
+                <a:solidFill>
+                  <a:schemeClr val="tx1"/>
+                </a:solidFill>
+              </a:rPr>
+              <a:t>have this kind of information</a:t>
+            </a:r>
+            <a:endParaRPr lang="en-US" sz="3200" dirty="0">
+              <a:solidFill>
+                <a:schemeClr val="tx1"/>
+              </a:solidFill>
+            </a:endParaRPr>
+          </a:p>
+        </p:txBody>
+      </p:sp>
+    </p:spTree>
+    <p:extLst>
+      <p:ext uri="{BB962C8B-B14F-4D97-AF65-F5344CB8AC3E}">
+        <p14:creationId xmlns:p14="http://schemas.microsoft.com/office/powerpoint/2010/main" val="3613167023"/>
+      </p:ext>
+    </p:extLst>
+  </p:cSld>
+  <p:clrMapOvr>
+    <a:masterClrMapping/>
+  </p:clrMapOvr>
+  <mc:AlternateContent xmlns:mc="http://schemas.openxmlformats.org/markup-compatibility/2006">
+    <mc:Choice xmlns:p14="http://schemas.microsoft.com/office/powerpoint/2010/main" Requires="p14">
+      <p:transition spd="slow" p14:dur="2000"/>
+    </mc:Choice>
+    <mc:Fallback>
+      <p:transition spd="slow"/>
+    </mc:Fallback>
+  </mc:AlternateContent>
+  <p:timing>
+    <p:tnLst>
+      <p:par>
+        <p:cTn id="1" dur="indefinite" restart="never" nodeType="tmRoot"/>
+      </p:par>
+    </p:tnLst>
+  </p:timing>
+</p:sld>
+</file>
+
+<file path=ppt/slides/slide81.xml><?xml version="1.0" encoding="utf-8"?>
+<p:sld xmlns:a="http://schemas.openxmlformats.org/drawingml/2006/main" xmlns:r="http://schemas.openxmlformats.org/officeDocument/2006/relationships" xmlns:p="http://schemas.openxmlformats.org/presentationml/2006/main">
+  <p:cSld>
+    <p:spTree>
+      <p:nvGrpSpPr>
+        <p:cNvPr id="1" name=""/>
+        <p:cNvGrpSpPr/>
+        <p:nvPr/>
+      </p:nvGrpSpPr>
+      <p:grpSpPr>
+        <a:xfrm>
+          <a:off x="0" y="0"/>
+          <a:ext cx="0" cy="0"/>
+          <a:chOff x="0" y="0"/>
+          <a:chExt cx="0" cy="0"/>
+        </a:xfrm>
+      </p:grpSpPr>
+      <p:sp>
+        <p:nvSpPr>
+          <p:cNvPr id="2" name="Content Placeholder 1"/>
+          <p:cNvSpPr>
+            <a:spLocks noGrp="1"/>
+          </p:cNvSpPr>
+          <p:nvPr>
+            <p:ph idx="1"/>
+          </p:nvPr>
+        </p:nvSpPr>
+        <p:spPr>
+          <a:xfrm>
+            <a:off x="729455" y="1981200"/>
+            <a:ext cx="8228013" cy="4981575"/>
+          </a:xfrm>
+        </p:spPr>
+        <p:txBody>
+          <a:bodyPr>
+            <a:normAutofit/>
+          </a:bodyPr>
+          <a:lstStyle/>
+          <a:p>
+            <a:r>
+              <a:rPr lang="en-US" dirty="0" smtClean="0"/>
+              <a:t> Content-based measures </a:t>
+            </a:r>
+          </a:p>
+          <a:p>
+            <a:endParaRPr lang="en-US" dirty="0"/>
+          </a:p>
+          <a:p>
+            <a:endParaRPr lang="en-US" dirty="0"/>
+          </a:p>
+          <a:p>
+            <a:r>
+              <a:rPr lang="en-US" dirty="0" smtClean="0"/>
+              <a:t>LCS -- </a:t>
+            </a:r>
+            <a:r>
+              <a:rPr lang="en-US" dirty="0"/>
+              <a:t>is the Least Common </a:t>
+            </a:r>
+            <a:r>
+              <a:rPr lang="en-US" dirty="0" err="1"/>
+              <a:t>Subsumer</a:t>
+            </a:r>
+            <a:endParaRPr lang="en-US" dirty="0" smtClean="0"/>
+          </a:p>
+          <a:p>
+            <a:r>
+              <a:rPr lang="en-US" dirty="0"/>
+              <a:t>IC -- IC is </a:t>
+            </a:r>
+            <a:r>
+              <a:rPr lang="en-US" dirty="0" smtClean="0"/>
+              <a:t>Information Content</a:t>
+            </a:r>
+          </a:p>
+          <a:p>
+            <a:r>
+              <a:rPr lang="en-US" dirty="0" smtClean="0"/>
+              <a:t>The </a:t>
+            </a:r>
+            <a:r>
+              <a:rPr lang="en-US" dirty="0"/>
+              <a:t>concepts </a:t>
+            </a:r>
+            <a:r>
+              <a:rPr lang="en-US" dirty="0" smtClean="0"/>
+              <a:t>must enough common </a:t>
+            </a:r>
+            <a:r>
+              <a:rPr lang="en-US" dirty="0" err="1" smtClean="0"/>
+              <a:t>subsumers</a:t>
+            </a:r>
+            <a:r>
+              <a:rPr lang="en-US" dirty="0" smtClean="0"/>
+              <a:t>.  </a:t>
+            </a:r>
+          </a:p>
+          <a:p>
+            <a:r>
+              <a:rPr lang="en-US" dirty="0" smtClean="0"/>
+              <a:t>   </a:t>
+            </a:r>
+            <a:endParaRPr lang="en-US" dirty="0"/>
+          </a:p>
+        </p:txBody>
+      </p:sp>
+      <p:sp>
+        <p:nvSpPr>
+          <p:cNvPr id="3" name="Title 2"/>
+          <p:cNvSpPr>
+            <a:spLocks noGrp="1"/>
+          </p:cNvSpPr>
+          <p:nvPr>
+            <p:ph type="title"/>
+          </p:nvPr>
+        </p:nvSpPr>
+        <p:spPr>
+          <a:xfrm>
+            <a:off x="729455" y="529828"/>
+            <a:ext cx="7343775" cy="994172"/>
+          </a:xfrm>
+        </p:spPr>
+        <p:txBody>
+          <a:bodyPr/>
+          <a:lstStyle/>
+          <a:p>
+            <a:r>
+              <a:rPr lang="en-US" dirty="0"/>
+              <a:t>Ontology similarity </a:t>
+            </a:r>
+          </a:p>
+        </p:txBody>
+      </p:sp>
+      <p:pic>
+        <p:nvPicPr>
+          <p:cNvPr id="6" name="Picture 5"/>
+          <p:cNvPicPr>
+            <a:picLocks noChangeAspect="1"/>
+          </p:cNvPicPr>
+          <p:nvPr/>
+        </p:nvPicPr>
+        <p:blipFill>
+          <a:blip r:embed="rId3"/>
+          <a:stretch>
+            <a:fillRect/>
+          </a:stretch>
+        </p:blipFill>
+        <p:spPr>
+          <a:xfrm>
+            <a:off x="1690492" y="2895600"/>
+            <a:ext cx="5421700" cy="685800"/>
+          </a:xfrm>
+          <a:prstGeom prst="rect">
+            <a:avLst/>
+          </a:prstGeom>
+        </p:spPr>
+      </p:pic>
+    </p:spTree>
+    <p:extLst>
+      <p:ext uri="{BB962C8B-B14F-4D97-AF65-F5344CB8AC3E}">
+        <p14:creationId xmlns:p14="http://schemas.microsoft.com/office/powerpoint/2010/main" val="1621110847"/>
+      </p:ext>
+    </p:extLst>
+  </p:cSld>
+  <p:clrMapOvr>
+    <a:masterClrMapping/>
+  </p:clrMapOvr>
+  <mc:AlternateContent xmlns:mc="http://schemas.openxmlformats.org/markup-compatibility/2006">
+    <mc:Choice xmlns:p14="http://schemas.microsoft.com/office/powerpoint/2010/main" Requires="p14">
+      <p:transition spd="slow" p14:dur="2000"/>
+    </mc:Choice>
+    <mc:Fallback>
+      <p:transition spd="slow"/>
+    </mc:Fallback>
+  </mc:AlternateContent>
+  <p:timing>
+    <p:tnLst>
+      <p:par>
+        <p:cTn id="1" dur="indefinite" restart="never" nodeType="tmRoot"/>
+      </p:par>
+    </p:tnLst>
+  </p:timing>
 </p:sld>
 </file>
 
@@ -24481,7 +25252,7 @@
         <a:effectLst/>
         <a:extLst>
           <a:ext uri="{AF507438-7753-43e0-B8FC-AC1667EBCBE1}">
-            <a14:hiddenEffects xmlns:a14="http://schemas.microsoft.com/office/drawing/2010/main" xmlns="">
+            <a14:hiddenEffects xmlns="" xmlns:a14="http://schemas.microsoft.com/office/drawing/2010/main">
               <a:effectLst>
                 <a:outerShdw blurRad="63500" dist="38099" dir="2700000" algn="ctr" rotWithShape="0">
                   <a:schemeClr val="bg2">
@@ -24560,7 +25331,7 @@
         <a:effectLst/>
         <a:extLst>
           <a:ext uri="{AF507438-7753-43e0-B8FC-AC1667EBCBE1}">
-            <a14:hiddenEffects xmlns:a14="http://schemas.microsoft.com/office/drawing/2010/main" xmlns="">
+            <a14:hiddenEffects xmlns="" xmlns:a14="http://schemas.microsoft.com/office/drawing/2010/main">
               <a:effectLst>
                 <a:outerShdw blurRad="63500" dist="38099" dir="2700000" algn="ctr" rotWithShape="0">
                   <a:schemeClr val="bg2">
